--- a/tuling/go语言_傻大猫.pptx
+++ b/tuling/go语言_傻大猫.pptx
@@ -13254,22 +13254,22 @@
                 <a:cs typeface="微软雅黑" panose="020B0503020204020204" charset="-122"/>
                 <a:sym typeface="Calibri" panose="020F0502020204030204" pitchFamily="34" charset="0"/>
               </a:rPr>
-              <a:t>大概的特征: 基本运算</a:t>
-            </a:r>
-            <a:r>
-              <a:rPr lang="en-US" altLang="zh-CN" sz="1600" dirty="0">
-                <a:solidFill>
-                  <a:srgbClr val="474747"/>
+              <a:t>大概的特征: </a:t>
+            </a:r>
+            <a:r>
+              <a:rPr lang="zh-CN" altLang="en-US" sz="1600" dirty="0">
+                <a:solidFill>
+                  <a:srgbClr val="FF0000"/>
                 </a:solidFill>
                 <a:latin typeface="微软雅黑" panose="020B0503020204020204" charset="-122"/>
                 <a:ea typeface="微软雅黑" panose="020B0503020204020204" charset="-122"/>
                 <a:cs typeface="微软雅黑" panose="020B0503020204020204" charset="-122"/>
                 <a:sym typeface="Calibri" panose="020F0502020204030204" pitchFamily="34" charset="0"/>
               </a:rPr>
-              <a:t>;</a:t>
-            </a:r>
-            <a:r>
-              <a:rPr lang="zh-CN" altLang="en-US" sz="1600" dirty="0">
+              <a:t>基本运算</a:t>
+            </a:r>
+            <a:r>
+              <a:rPr lang="en-US" altLang="zh-CN" sz="1600" dirty="0">
                 <a:solidFill>
                   <a:srgbClr val="474747"/>
                 </a:solidFill>
@@ -13278,11 +13278,47 @@
                 <a:cs typeface="微软雅黑" panose="020B0503020204020204" charset="-122"/>
                 <a:sym typeface="Calibri" panose="020F0502020204030204" pitchFamily="34" charset="0"/>
               </a:rPr>
-              <a:t>条件跳转;改变内存数据</a:t>
+              <a:t>;</a:t>
+            </a:r>
+            <a:r>
+              <a:rPr lang="zh-CN" altLang="en-US" sz="1600" dirty="0">
+                <a:solidFill>
+                  <a:srgbClr val="FF0000"/>
+                </a:solidFill>
+                <a:latin typeface="微软雅黑" panose="020B0503020204020204" charset="-122"/>
+                <a:ea typeface="微软雅黑" panose="020B0503020204020204" charset="-122"/>
+                <a:cs typeface="微软雅黑" panose="020B0503020204020204" charset="-122"/>
+                <a:sym typeface="Calibri" panose="020F0502020204030204" pitchFamily="34" charset="0"/>
+              </a:rPr>
+              <a:t>条件跳转</a:t>
+            </a:r>
+            <a:r>
+              <a:rPr lang="zh-CN" altLang="en-US" sz="1600" dirty="0">
+                <a:solidFill>
+                  <a:srgbClr val="474747"/>
+                </a:solidFill>
+                <a:latin typeface="微软雅黑" panose="020B0503020204020204" charset="-122"/>
+                <a:ea typeface="微软雅黑" panose="020B0503020204020204" charset="-122"/>
+                <a:cs typeface="微软雅黑" panose="020B0503020204020204" charset="-122"/>
+                <a:sym typeface="Calibri" panose="020F0502020204030204" pitchFamily="34" charset="0"/>
+              </a:rPr>
+              <a:t>;</a:t>
+            </a:r>
+            <a:r>
+              <a:rPr lang="zh-CN" altLang="en-US" sz="1600" dirty="0">
+                <a:solidFill>
+                  <a:srgbClr val="FF0000"/>
+                </a:solidFill>
+                <a:latin typeface="微软雅黑" panose="020B0503020204020204" charset="-122"/>
+                <a:ea typeface="微软雅黑" panose="020B0503020204020204" charset="-122"/>
+                <a:cs typeface="微软雅黑" panose="020B0503020204020204" charset="-122"/>
+                <a:sym typeface="Calibri" panose="020F0502020204030204" pitchFamily="34" charset="0"/>
+              </a:rPr>
+              <a:t>可改变内存数据</a:t>
             </a:r>
             <a:endParaRPr lang="zh-CN" altLang="en-US" sz="1600" dirty="0">
               <a:solidFill>
-                <a:srgbClr val="474747"/>
+                <a:srgbClr val="FF0000"/>
               </a:solidFill>
               <a:latin typeface="微软雅黑" panose="020B0503020204020204" charset="-122"/>
               <a:ea typeface="微软雅黑" panose="020B0503020204020204" charset="-122"/>

--- a/tuling/go语言_傻大猫.pptx
+++ b/tuling/go语言_傻大猫.pptx
@@ -13,12 +13,12 @@
     <p:sldId id="256" r:id="rId5"/>
     <p:sldId id="320" r:id="rId7"/>
     <p:sldId id="321" r:id="rId8"/>
-    <p:sldId id="322" r:id="rId9"/>
-    <p:sldId id="319" r:id="rId10"/>
-    <p:sldId id="324" r:id="rId11"/>
+    <p:sldId id="319" r:id="rId9"/>
+    <p:sldId id="324" r:id="rId10"/>
+    <p:sldId id="326" r:id="rId11"/>
     <p:sldId id="325" r:id="rId12"/>
-    <p:sldId id="326" r:id="rId13"/>
-    <p:sldId id="327" r:id="rId14"/>
+    <p:sldId id="327" r:id="rId13"/>
+    <p:sldId id="322" r:id="rId14"/>
     <p:sldId id="344" r:id="rId15"/>
     <p:sldId id="345" r:id="rId16"/>
     <p:sldId id="346" r:id="rId17"/>
@@ -2294,6 +2294,101 @@
           <a:bodyPr/>
           <a:lstStyle/>
           <a:p>
+            <a:pPr marL="0" lvl="2"/>
+            <a:r>
+              <a:rPr lang="en-US" dirty="0">
+                <a:solidFill>
+                  <a:srgbClr val="474747"/>
+                </a:solidFill>
+                <a:latin typeface="微软雅黑" panose="020B0503020204020204" charset="-122"/>
+                <a:ea typeface="微软雅黑" panose="020B0503020204020204" charset="-122"/>
+                <a:cs typeface="微软雅黑" panose="020B0503020204020204" charset="-122"/>
+                <a:sym typeface="+mn-ea"/>
+              </a:rPr>
+              <a:t>复合</a:t>
+            </a:r>
+            <a:r>
+              <a:rPr lang="zh-CN" altLang="en-US" dirty="0">
+                <a:solidFill>
+                  <a:srgbClr val="474747"/>
+                </a:solidFill>
+                <a:latin typeface="微软雅黑" panose="020B0503020204020204" charset="-122"/>
+                <a:ea typeface="微软雅黑" panose="020B0503020204020204" charset="-122"/>
+                <a:cs typeface="微软雅黑" panose="020B0503020204020204" charset="-122"/>
+                <a:sym typeface="+mn-ea"/>
+              </a:rPr>
+              <a:t>机制</a:t>
+            </a:r>
+            <a:r>
+              <a:rPr lang="en-US" altLang="zh-CN" dirty="0">
+                <a:solidFill>
+                  <a:srgbClr val="474747"/>
+                </a:solidFill>
+                <a:latin typeface="微软雅黑" panose="020B0503020204020204" charset="-122"/>
+                <a:ea typeface="微软雅黑" panose="020B0503020204020204" charset="-122"/>
+                <a:cs typeface="微软雅黑" panose="020B0503020204020204" charset="-122"/>
+                <a:sym typeface="+mn-ea"/>
+              </a:rPr>
+              <a:t>(</a:t>
+            </a:r>
+            <a:r>
+              <a:rPr lang="zh-CN" altLang="zh-CN" dirty="0">
+                <a:solidFill>
+                  <a:srgbClr val="474747"/>
+                </a:solidFill>
+                <a:latin typeface="微软雅黑" panose="020B0503020204020204" charset="-122"/>
+                <a:ea typeface="微软雅黑" panose="020B0503020204020204" charset="-122"/>
+                <a:cs typeface="微软雅黑" panose="020B0503020204020204" charset="-122"/>
+                <a:sym typeface="+mn-ea"/>
+              </a:rPr>
+              <a:t>数组</a:t>
+            </a:r>
+            <a:r>
+              <a:rPr lang="en-US" altLang="zh-CN" dirty="0">
+                <a:solidFill>
+                  <a:srgbClr val="474747"/>
+                </a:solidFill>
+                <a:latin typeface="微软雅黑" panose="020B0503020204020204" charset="-122"/>
+                <a:ea typeface="微软雅黑" panose="020B0503020204020204" charset="-122"/>
+                <a:cs typeface="微软雅黑" panose="020B0503020204020204" charset="-122"/>
+                <a:sym typeface="+mn-ea"/>
+              </a:rPr>
+              <a:t>,</a:t>
+            </a:r>
+            <a:r>
+              <a:rPr lang="zh-CN" altLang="en-US" dirty="0">
+                <a:solidFill>
+                  <a:srgbClr val="474747"/>
+                </a:solidFill>
+                <a:latin typeface="微软雅黑" panose="020B0503020204020204" charset="-122"/>
+                <a:ea typeface="微软雅黑" panose="020B0503020204020204" charset="-122"/>
+                <a:cs typeface="微软雅黑" panose="020B0503020204020204" charset="-122"/>
+                <a:sym typeface="+mn-ea"/>
+              </a:rPr>
+              <a:t>结构体等</a:t>
+            </a:r>
+            <a:r>
+              <a:rPr lang="en-US" altLang="zh-CN" dirty="0">
+                <a:solidFill>
+                  <a:srgbClr val="474747"/>
+                </a:solidFill>
+                <a:latin typeface="微软雅黑" panose="020B0503020204020204" charset="-122"/>
+                <a:ea typeface="微软雅黑" panose="020B0503020204020204" charset="-122"/>
+                <a:cs typeface="微软雅黑" panose="020B0503020204020204" charset="-122"/>
+                <a:sym typeface="+mn-ea"/>
+              </a:rPr>
+              <a:t>)</a:t>
+            </a:r>
+            <a:endParaRPr lang="en-US" altLang="zh-CN" u="none" strike="noStrike" kern="1200" cap="none" spc="0" baseline="0" dirty="0">
+              <a:solidFill>
+                <a:srgbClr val="474747"/>
+              </a:solidFill>
+              <a:latin typeface="微软雅黑" panose="020B0503020204020204" charset="-122"/>
+              <a:ea typeface="微软雅黑" panose="020B0503020204020204" charset="-122"/>
+              <a:cs typeface="微软雅黑" panose="020B0503020204020204" charset="-122"/>
+            </a:endParaRPr>
+          </a:p>
+          <a:p>
             <a:endParaRPr lang="zh-CN" altLang="en-US"/>
           </a:p>
         </p:txBody>
@@ -2397,101 +2492,6 @@
         <p:txBody>
           <a:bodyPr/>
           <a:lstStyle/>
-          <a:p>
-            <a:pPr marL="0" lvl="2"/>
-            <a:r>
-              <a:rPr lang="en-US" dirty="0">
-                <a:solidFill>
-                  <a:srgbClr val="474747"/>
-                </a:solidFill>
-                <a:latin typeface="微软雅黑" panose="020B0503020204020204" charset="-122"/>
-                <a:ea typeface="微软雅黑" panose="020B0503020204020204" charset="-122"/>
-                <a:cs typeface="微软雅黑" panose="020B0503020204020204" charset="-122"/>
-                <a:sym typeface="+mn-ea"/>
-              </a:rPr>
-              <a:t>复合</a:t>
-            </a:r>
-            <a:r>
-              <a:rPr lang="zh-CN" altLang="en-US" dirty="0">
-                <a:solidFill>
-                  <a:srgbClr val="474747"/>
-                </a:solidFill>
-                <a:latin typeface="微软雅黑" panose="020B0503020204020204" charset="-122"/>
-                <a:ea typeface="微软雅黑" panose="020B0503020204020204" charset="-122"/>
-                <a:cs typeface="微软雅黑" panose="020B0503020204020204" charset="-122"/>
-                <a:sym typeface="+mn-ea"/>
-              </a:rPr>
-              <a:t>机制</a:t>
-            </a:r>
-            <a:r>
-              <a:rPr lang="en-US" altLang="zh-CN" dirty="0">
-                <a:solidFill>
-                  <a:srgbClr val="474747"/>
-                </a:solidFill>
-                <a:latin typeface="微软雅黑" panose="020B0503020204020204" charset="-122"/>
-                <a:ea typeface="微软雅黑" panose="020B0503020204020204" charset="-122"/>
-                <a:cs typeface="微软雅黑" panose="020B0503020204020204" charset="-122"/>
-                <a:sym typeface="+mn-ea"/>
-              </a:rPr>
-              <a:t>(</a:t>
-            </a:r>
-            <a:r>
-              <a:rPr lang="zh-CN" altLang="zh-CN" dirty="0">
-                <a:solidFill>
-                  <a:srgbClr val="474747"/>
-                </a:solidFill>
-                <a:latin typeface="微软雅黑" panose="020B0503020204020204" charset="-122"/>
-                <a:ea typeface="微软雅黑" panose="020B0503020204020204" charset="-122"/>
-                <a:cs typeface="微软雅黑" panose="020B0503020204020204" charset="-122"/>
-                <a:sym typeface="+mn-ea"/>
-              </a:rPr>
-              <a:t>数组</a:t>
-            </a:r>
-            <a:r>
-              <a:rPr lang="en-US" altLang="zh-CN" dirty="0">
-                <a:solidFill>
-                  <a:srgbClr val="474747"/>
-                </a:solidFill>
-                <a:latin typeface="微软雅黑" panose="020B0503020204020204" charset="-122"/>
-                <a:ea typeface="微软雅黑" panose="020B0503020204020204" charset="-122"/>
-                <a:cs typeface="微软雅黑" panose="020B0503020204020204" charset="-122"/>
-                <a:sym typeface="+mn-ea"/>
-              </a:rPr>
-              <a:t>,</a:t>
-            </a:r>
-            <a:r>
-              <a:rPr lang="zh-CN" altLang="en-US" dirty="0">
-                <a:solidFill>
-                  <a:srgbClr val="474747"/>
-                </a:solidFill>
-                <a:latin typeface="微软雅黑" panose="020B0503020204020204" charset="-122"/>
-                <a:ea typeface="微软雅黑" panose="020B0503020204020204" charset="-122"/>
-                <a:cs typeface="微软雅黑" panose="020B0503020204020204" charset="-122"/>
-                <a:sym typeface="+mn-ea"/>
-              </a:rPr>
-              <a:t>结构体等</a:t>
-            </a:r>
-            <a:r>
-              <a:rPr lang="en-US" altLang="zh-CN" dirty="0">
-                <a:solidFill>
-                  <a:srgbClr val="474747"/>
-                </a:solidFill>
-                <a:latin typeface="微软雅黑" panose="020B0503020204020204" charset="-122"/>
-                <a:ea typeface="微软雅黑" panose="020B0503020204020204" charset="-122"/>
-                <a:cs typeface="微软雅黑" panose="020B0503020204020204" charset="-122"/>
-                <a:sym typeface="+mn-ea"/>
-              </a:rPr>
-              <a:t>)</a:t>
-            </a:r>
-            <a:endParaRPr lang="en-US" altLang="zh-CN" u="none" strike="noStrike" kern="1200" cap="none" spc="0" baseline="0" dirty="0">
-              <a:solidFill>
-                <a:srgbClr val="474747"/>
-              </a:solidFill>
-              <a:latin typeface="微软雅黑" panose="020B0503020204020204" charset="-122"/>
-              <a:ea typeface="微软雅黑" panose="020B0503020204020204" charset="-122"/>
-              <a:cs typeface="微软雅黑" panose="020B0503020204020204" charset="-122"/>
-            </a:endParaRPr>
-          </a:p>
           <a:p>
             <a:endParaRPr lang="zh-CN" altLang="en-US"/>
           </a:p>
@@ -8504,7 +8504,7 @@
               <a:t> </a:t>
             </a:r>
             <a:r>
-              <a:rPr lang="zh-CN" sz="2200" u="sng" strike="noStrike" kern="0" cap="none" spc="0" baseline="0" dirty="0">
+              <a:rPr sz="2200" u="sng" strike="noStrike" kern="0" cap="none" spc="0" baseline="0" dirty="0">
                 <a:solidFill>
                   <a:srgbClr val="212121"/>
                 </a:solidFill>
@@ -8512,9 +8512,42 @@
                 <a:ea typeface="微软雅黑" panose="020B0503020204020204" charset="-122"/>
                 <a:cs typeface="Times New Roman" panose="02020603050405020304" charset="0"/>
               </a:rPr>
-              <a:t>谢谢</a:t>
-            </a:r>
-            <a:endParaRPr lang="zh-CN" sz="2200" u="sng" strike="noStrike" kern="0" cap="none" spc="0" baseline="0" dirty="0">
+              <a:t>人类认识和表示事物的基本方式</a:t>
+            </a:r>
+            <a:r>
+              <a:rPr lang="en-US" sz="2200" u="sng" strike="noStrike" kern="0" cap="none" spc="0" baseline="0" dirty="0">
+                <a:solidFill>
+                  <a:srgbClr val="212121"/>
+                </a:solidFill>
+                <a:latin typeface="微软雅黑" panose="020B0503020204020204" charset="-122"/>
+                <a:ea typeface="微软雅黑" panose="020B0503020204020204" charset="-122"/>
+                <a:cs typeface="Times New Roman" panose="02020603050405020304" charset="0"/>
+              </a:rPr>
+              <a:t>(</a:t>
+            </a:r>
+            <a:r>
+              <a:rPr lang="zh-CN" altLang="en-US" sz="2200" u="sng" strike="noStrike" kern="0" cap="none" spc="0" baseline="0" dirty="0">
+                <a:solidFill>
+                  <a:srgbClr val="212121"/>
+                </a:solidFill>
+                <a:latin typeface="微软雅黑" panose="020B0503020204020204" charset="-122"/>
+                <a:ea typeface="微软雅黑" panose="020B0503020204020204" charset="-122"/>
+                <a:cs typeface="Times New Roman" panose="02020603050405020304" charset="0"/>
+              </a:rPr>
+              <a:t>编程也是这样的</a:t>
+            </a:r>
+            <a:r>
+              <a:rPr lang="en-US" sz="2200" u="sng" strike="noStrike" kern="0" cap="none" spc="0" baseline="0" dirty="0">
+                <a:solidFill>
+                  <a:srgbClr val="212121"/>
+                </a:solidFill>
+                <a:latin typeface="微软雅黑" panose="020B0503020204020204" charset="-122"/>
+                <a:ea typeface="微软雅黑" panose="020B0503020204020204" charset="-122"/>
+                <a:cs typeface="Times New Roman" panose="02020603050405020304" charset="0"/>
+              </a:rPr>
+              <a:t>)</a:t>
+            </a:r>
+            <a:endParaRPr lang="en-US" sz="2200" u="sng" strike="noStrike" kern="0" cap="none" spc="0" baseline="0" dirty="0">
               <a:solidFill>
                 <a:srgbClr val="212121"/>
               </a:solidFill>
@@ -8557,7 +8590,7 @@
               <a:buChar char="u"/>
             </a:pPr>
             <a:r>
-              <a:rPr lang="zh-CN" sz="1600" u="none" strike="noStrike" kern="1200" cap="none" spc="0" baseline="0" dirty="0">
+              <a:rPr sz="1600" u="none" strike="noStrike" kern="1200" cap="none" spc="0" baseline="0" dirty="0">
                 <a:solidFill>
                   <a:srgbClr val="474747"/>
                 </a:solidFill>
@@ -8565,9 +8598,9 @@
                 <a:ea typeface="微软雅黑" panose="020B0503020204020204" charset="-122"/>
                 <a:cs typeface="微软雅黑" panose="020B0503020204020204" charset="-122"/>
               </a:rPr>
-              <a:t>谢谢</a:t>
-            </a:r>
-            <a:endParaRPr lang="zh-CN" sz="1600" u="none" strike="noStrike" kern="1200" cap="none" spc="0" baseline="0" dirty="0">
+              <a:t>对比</a:t>
+            </a:r>
+            <a:endParaRPr lang="en-US" sz="1600" u="none" strike="noStrike" kern="1200" cap="none" spc="0" baseline="0" dirty="0">
               <a:solidFill>
                 <a:srgbClr val="474747"/>
               </a:solidFill>
@@ -8655,20 +8688,29 @@
           </a:bodyPr>
           <a:p>
             <a:pPr marL="800100" lvl="1" indent="-342900" algn="l">
+              <a:lnSpc>
+                <a:spcPct val="100000"/>
+              </a:lnSpc>
+              <a:spcBef>
+                <a:spcPts val="0"/>
+              </a:spcBef>
+              <a:spcAft>
+                <a:spcPts val="0"/>
+              </a:spcAft>
               <a:buFont typeface="Wingdings" panose="05000000000000000000" pitchFamily="2" charset="2"/>
               <a:buChar char="u"/>
             </a:pPr>
             <a:r>
-              <a:rPr lang="zh-CN" sz="1600" dirty="0">
+              <a:rPr lang="zh-CN" altLang="en-US" sz="1600" dirty="0">
                 <a:solidFill>
                   <a:srgbClr val="474747"/>
                 </a:solidFill>
                 <a:latin typeface="微软雅黑" panose="020B0503020204020204" charset="-122"/>
                 <a:ea typeface="微软雅黑" panose="020B0503020204020204" charset="-122"/>
                 <a:cs typeface="微软雅黑" panose="020B0503020204020204" charset="-122"/>
-                <a:sym typeface="+mn-ea"/>
-              </a:rPr>
-              <a:t>谢谢</a:t>
+                <a:sym typeface="Calibri" panose="020F0502020204030204" pitchFamily="34" charset="0"/>
+              </a:rPr>
+              <a:t>抽象</a:t>
             </a:r>
             <a:endParaRPr lang="zh-CN" altLang="en-US" sz="1600" dirty="0">
               <a:solidFill>
@@ -8704,20 +8746,29 @@
           </a:bodyPr>
           <a:p>
             <a:pPr marL="800100" lvl="1" indent="-342900" algn="l">
+              <a:lnSpc>
+                <a:spcPct val="100000"/>
+              </a:lnSpc>
+              <a:spcBef>
+                <a:spcPts val="0"/>
+              </a:spcBef>
+              <a:spcAft>
+                <a:spcPts val="0"/>
+              </a:spcAft>
               <a:buFont typeface="Wingdings" panose="05000000000000000000" pitchFamily="2" charset="2"/>
               <a:buChar char="u"/>
             </a:pPr>
             <a:r>
-              <a:rPr lang="zh-CN" sz="1600" dirty="0">
+              <a:rPr lang="zh-CN" altLang="en-US" sz="1600" dirty="0">
                 <a:solidFill>
                   <a:srgbClr val="474747"/>
                 </a:solidFill>
                 <a:latin typeface="微软雅黑" panose="020B0503020204020204" charset="-122"/>
                 <a:ea typeface="微软雅黑" panose="020B0503020204020204" charset="-122"/>
                 <a:cs typeface="微软雅黑" panose="020B0503020204020204" charset="-122"/>
-                <a:sym typeface="+mn-ea"/>
-              </a:rPr>
-              <a:t>谢谢</a:t>
+                <a:sym typeface="Calibri" panose="020F0502020204030204" pitchFamily="34" charset="0"/>
+              </a:rPr>
+              <a:t>组合</a:t>
             </a:r>
             <a:endParaRPr lang="en-US" altLang="zh-CN" sz="1600" dirty="0">
               <a:solidFill>
@@ -12889,7 +12940,7 @@
         </p:nvSpPr>
         <p:spPr>
           <a:xfrm>
-            <a:off x="542290" y="4565650"/>
+            <a:off x="542290" y="4283075"/>
             <a:ext cx="7918450" cy="337185"/>
           </a:xfrm>
           <a:prstGeom prst="rect">
@@ -12997,27 +13048,22 @@
       </p:sp>
       <p:sp>
         <p:nvSpPr>
-          <p:cNvPr id="2" name="矩形"/>
-          <p:cNvSpPr/>
+          <p:cNvPr id="3" name="文本框 2"/>
+          <p:cNvSpPr txBox="1"/>
           <p:nvPr/>
         </p:nvSpPr>
         <p:spPr>
           <a:xfrm>
-            <a:off x="542290" y="3075305"/>
-            <a:ext cx="7918450" cy="337185"/>
+            <a:off x="542290" y="3141345"/>
+            <a:ext cx="5430520" cy="583565"/>
           </a:xfrm>
           <a:prstGeom prst="rect">
             <a:avLst/>
           </a:prstGeom>
           <a:noFill/>
-          <a:ln w="9525" cap="flat" cmpd="sng">
-            <a:noFill/>
-            <a:prstDash val="solid"/>
-            <a:miter/>
-          </a:ln>
-        </p:spPr>
-        <p:txBody>
-          <a:bodyPr vert="horz" wrap="square" lIns="91440" tIns="45720" rIns="91440" bIns="45720" anchor="ctr" anchorCtr="0">
+        </p:spPr>
+        <p:txBody>
+          <a:bodyPr wrap="square" rtlCol="0" anchor="t">
             <a:spAutoFit/>
           </a:bodyPr>
           <a:p>
@@ -13044,64 +13090,6 @@
                 <a:cs typeface="微软雅黑" panose="020B0503020204020204" charset="-122"/>
                 <a:sym typeface="Calibri" panose="020F0502020204030204" pitchFamily="34" charset="0"/>
               </a:rPr>
-              <a:t>无限内存,无限运算速度</a:t>
-            </a:r>
-            <a:endParaRPr lang="zh-CN" altLang="en-US" sz="1600" dirty="0">
-              <a:solidFill>
-                <a:srgbClr val="474747"/>
-              </a:solidFill>
-              <a:latin typeface="微软雅黑" panose="020B0503020204020204" charset="-122"/>
-              <a:ea typeface="微软雅黑" panose="020B0503020204020204" charset="-122"/>
-              <a:cs typeface="微软雅黑" panose="020B0503020204020204" charset="-122"/>
-              <a:sym typeface="Calibri" panose="020F0502020204030204" pitchFamily="34" charset="0"/>
-            </a:endParaRPr>
-          </a:p>
-        </p:txBody>
-      </p:sp>
-      <p:sp>
-        <p:nvSpPr>
-          <p:cNvPr id="3" name="文本框 2"/>
-          <p:cNvSpPr txBox="1"/>
-          <p:nvPr/>
-        </p:nvSpPr>
-        <p:spPr>
-          <a:xfrm>
-            <a:off x="542290" y="3489960"/>
-            <a:ext cx="5430520" cy="583565"/>
-          </a:xfrm>
-          <a:prstGeom prst="rect">
-            <a:avLst/>
-          </a:prstGeom>
-          <a:noFill/>
-        </p:spPr>
-        <p:txBody>
-          <a:bodyPr wrap="square" rtlCol="0" anchor="t">
-            <a:spAutoFit/>
-          </a:bodyPr>
-          <a:p>
-            <a:pPr marL="800100" lvl="1" indent="-342900" algn="l">
-              <a:lnSpc>
-                <a:spcPct val="100000"/>
-              </a:lnSpc>
-              <a:spcBef>
-                <a:spcPts val="0"/>
-              </a:spcBef>
-              <a:spcAft>
-                <a:spcPts val="0"/>
-              </a:spcAft>
-              <a:buFont typeface="Wingdings" panose="05000000000000000000" pitchFamily="2" charset="2"/>
-              <a:buChar char="u"/>
-            </a:pPr>
-            <a:r>
-              <a:rPr lang="zh-CN" altLang="en-US" sz="1600" dirty="0">
-                <a:solidFill>
-                  <a:srgbClr val="474747"/>
-                </a:solidFill>
-                <a:latin typeface="微软雅黑" panose="020B0503020204020204" charset="-122"/>
-                <a:ea typeface="微软雅黑" panose="020B0503020204020204" charset="-122"/>
-                <a:cs typeface="微软雅黑" panose="020B0503020204020204" charset="-122"/>
-                <a:sym typeface="Calibri" panose="020F0502020204030204" pitchFamily="34" charset="0"/>
-              </a:rPr>
               <a:t>一组操作的规则集合（如指令集、编程语言等）按照一定的顺序可以计算出结果，称为</a:t>
             </a:r>
             <a:r>
@@ -13136,7 +13124,7 @@
         </p:nvSpPr>
         <p:spPr>
           <a:xfrm>
-            <a:off x="542290" y="2660650"/>
+            <a:off x="542290" y="2693670"/>
             <a:ext cx="7918450" cy="337185"/>
           </a:xfrm>
           <a:prstGeom prst="rect">
@@ -13213,7 +13201,7 @@
         </p:nvSpPr>
         <p:spPr>
           <a:xfrm>
-            <a:off x="542290" y="4150995"/>
+            <a:off x="542290" y="3835400"/>
             <a:ext cx="7918450" cy="337185"/>
           </a:xfrm>
           <a:prstGeom prst="rect">
@@ -13450,7 +13438,7 @@
         </p:nvSpPr>
         <p:spPr>
           <a:xfrm>
-            <a:off x="542290" y="2243138"/>
+            <a:off x="541020" y="2243138"/>
             <a:ext cx="7918450" cy="337185"/>
           </a:xfrm>
           <a:prstGeom prst="rect">
@@ -13597,7 +13585,7 @@
         </p:nvSpPr>
         <p:spPr>
           <a:xfrm>
-            <a:off x="542290" y="3621088"/>
+            <a:off x="541020" y="2815908"/>
             <a:ext cx="7918450" cy="583565"/>
           </a:xfrm>
           <a:prstGeom prst="rect">
@@ -13678,82 +13666,74 @@
       </p:sp>
       <p:sp>
         <p:nvSpPr>
-          <p:cNvPr id="3" name="文本框 2"/>
-          <p:cNvSpPr txBox="1"/>
+          <p:cNvPr id="4" name="矩形"/>
+          <p:cNvSpPr/>
           <p:nvPr/>
         </p:nvSpPr>
         <p:spPr>
           <a:xfrm>
-            <a:off x="542290" y="2932113"/>
-            <a:ext cx="6915150" cy="337185"/>
+            <a:off x="541020" y="3635058"/>
+            <a:ext cx="7918450" cy="337185"/>
           </a:xfrm>
           <a:prstGeom prst="rect">
             <a:avLst/>
           </a:prstGeom>
           <a:noFill/>
-        </p:spPr>
-        <p:txBody>
-          <a:bodyPr wrap="square" rtlCol="0" anchor="t">
+          <a:ln w="9525" cap="flat" cmpd="sng">
+            <a:noFill/>
+            <a:prstDash val="solid"/>
+            <a:miter/>
+          </a:ln>
+        </p:spPr>
+        <p:txBody>
+          <a:bodyPr vert="horz" wrap="square" lIns="91440" tIns="45720" rIns="91440" bIns="45720" anchor="ctr" anchorCtr="0">
             <a:spAutoFit/>
           </a:bodyPr>
           <a:p>
             <a:pPr marL="800100" lvl="1" indent="-342900" algn="l">
-              <a:lnSpc>
-                <a:spcPct val="100000"/>
-              </a:lnSpc>
-              <a:spcBef>
-                <a:spcPts val="0"/>
-              </a:spcBef>
-              <a:spcAft>
-                <a:spcPts val="0"/>
-              </a:spcAft>
               <a:buFont typeface="Wingdings" panose="05000000000000000000" pitchFamily="2" charset="2"/>
               <a:buChar char="u"/>
             </a:pPr>
             <a:r>
-              <a:rPr lang="zh-CN" altLang="en-US" sz="1600" dirty="0">
+              <a:rPr lang="zh-CN" sz="1600" u="none" strike="noStrike" kern="1200" cap="none" spc="0" baseline="0" dirty="0">
                 <a:solidFill>
                   <a:srgbClr val="474747"/>
                 </a:solidFill>
                 <a:latin typeface="微软雅黑" panose="020B0503020204020204" charset="-122"/>
                 <a:ea typeface="微软雅黑" panose="020B0503020204020204" charset="-122"/>
                 <a:cs typeface="微软雅黑" panose="020B0503020204020204" charset="-122"/>
-                <a:sym typeface="Calibri" panose="020F0502020204030204" pitchFamily="34" charset="0"/>
-              </a:rPr>
-              <a:t>人们创建出一些称为</a:t>
-            </a:r>
-            <a:r>
-              <a:rPr lang="zh-CN" altLang="en-US" sz="1600" dirty="0">
-                <a:solidFill>
-                  <a:srgbClr val="FF0000"/>
+              </a:rPr>
+              <a:t>机器指令 </a:t>
+            </a:r>
+            <a:r>
+              <a:rPr lang="en-US" altLang="zh-CN" sz="1600" u="none" strike="noStrike" kern="1200" cap="none" spc="0" baseline="0" dirty="0">
+                <a:solidFill>
+                  <a:srgbClr val="474747"/>
                 </a:solidFill>
                 <a:latin typeface="微软雅黑" panose="020B0503020204020204" charset="-122"/>
                 <a:ea typeface="微软雅黑" panose="020B0503020204020204" charset="-122"/>
                 <a:cs typeface="微软雅黑" panose="020B0503020204020204" charset="-122"/>
-                <a:sym typeface="Calibri" panose="020F0502020204030204" pitchFamily="34" charset="0"/>
-              </a:rPr>
-              <a:t>程序</a:t>
-            </a:r>
-            <a:r>
-              <a:rPr lang="zh-CN" altLang="en-US" sz="1600" dirty="0">
+              </a:rPr>
+              <a:t>-&gt; </a:t>
+            </a:r>
+            <a:r>
+              <a:rPr lang="zh-CN" altLang="en-US" sz="1600" u="none" strike="noStrike" kern="1200" cap="none" spc="0" baseline="0" dirty="0">
                 <a:solidFill>
                   <a:srgbClr val="474747"/>
                 </a:solidFill>
                 <a:latin typeface="微软雅黑" panose="020B0503020204020204" charset="-122"/>
                 <a:ea typeface="微软雅黑" panose="020B0503020204020204" charset="-122"/>
                 <a:cs typeface="微软雅黑" panose="020B0503020204020204" charset="-122"/>
-                <a:sym typeface="Calibri" panose="020F0502020204030204" pitchFamily="34" charset="0"/>
-              </a:rPr>
-              <a:t>的规范模式,指导这类计算过程</a:t>
-            </a:r>
-            <a:endParaRPr lang="zh-CN" altLang="en-US" sz="1600" dirty="0">
+              </a:rPr>
+              <a:t>编程语言</a:t>
+            </a:r>
+            <a:endParaRPr lang="zh-CN" altLang="en-US" sz="1600" u="none" strike="noStrike" kern="1200" cap="none" spc="0" baseline="0" dirty="0">
               <a:solidFill>
                 <a:srgbClr val="474747"/>
               </a:solidFill>
               <a:latin typeface="微软雅黑" panose="020B0503020204020204" charset="-122"/>
               <a:ea typeface="微软雅黑" panose="020B0503020204020204" charset="-122"/>
               <a:cs typeface="微软雅黑" panose="020B0503020204020204" charset="-122"/>
-              <a:sym typeface="Calibri" panose="020F0502020204030204" pitchFamily="34" charset="0"/>
             </a:endParaRPr>
           </a:p>
         </p:txBody>
@@ -13859,42 +13839,9 @@
                 <a:ea typeface="微软雅黑" panose="020B0503020204020204" charset="-122"/>
                 <a:cs typeface="Times New Roman" panose="02020603050405020304" charset="0"/>
               </a:rPr>
-              <a:t>人类认识和表示事物的基本方式</a:t>
-            </a:r>
-            <a:r>
-              <a:rPr lang="en-US" sz="2200" u="sng" strike="noStrike" kern="0" cap="none" spc="0" baseline="0" dirty="0">
-                <a:solidFill>
-                  <a:srgbClr val="212121"/>
-                </a:solidFill>
-                <a:latin typeface="微软雅黑" panose="020B0503020204020204" charset="-122"/>
-                <a:ea typeface="微软雅黑" panose="020B0503020204020204" charset="-122"/>
-                <a:cs typeface="Times New Roman" panose="02020603050405020304" charset="0"/>
-              </a:rPr>
-              <a:t>(</a:t>
-            </a:r>
-            <a:r>
-              <a:rPr lang="zh-CN" altLang="en-US" sz="2200" u="sng" strike="noStrike" kern="0" cap="none" spc="0" baseline="0" dirty="0">
-                <a:solidFill>
-                  <a:srgbClr val="212121"/>
-                </a:solidFill>
-                <a:latin typeface="微软雅黑" panose="020B0503020204020204" charset="-122"/>
-                <a:ea typeface="微软雅黑" panose="020B0503020204020204" charset="-122"/>
-                <a:cs typeface="Times New Roman" panose="02020603050405020304" charset="0"/>
-              </a:rPr>
-              <a:t>编程也是这样的</a:t>
-            </a:r>
-            <a:r>
-              <a:rPr lang="en-US" sz="2200" u="sng" strike="noStrike" kern="0" cap="none" spc="0" baseline="0" dirty="0">
-                <a:solidFill>
-                  <a:srgbClr val="212121"/>
-                </a:solidFill>
-                <a:latin typeface="微软雅黑" panose="020B0503020204020204" charset="-122"/>
-                <a:ea typeface="微软雅黑" panose="020B0503020204020204" charset="-122"/>
-                <a:cs typeface="Times New Roman" panose="02020603050405020304" charset="0"/>
-              </a:rPr>
-              <a:t>)</a:t>
-            </a:r>
-            <a:endParaRPr lang="en-US" sz="2200" u="sng" strike="noStrike" kern="0" cap="none" spc="0" baseline="0" dirty="0">
+              <a:t>程序设计的基本元素</a:t>
+            </a:r>
+            <a:endParaRPr sz="2200" u="sng" strike="noStrike" kern="0" cap="none" spc="0" baseline="0" dirty="0">
               <a:solidFill>
                 <a:srgbClr val="212121"/>
               </a:solidFill>
@@ -13913,8 +13860,8 @@
         </p:nvSpPr>
         <p:spPr>
           <a:xfrm>
-            <a:off x="542290" y="2243138"/>
-            <a:ext cx="7918450" cy="337185"/>
+            <a:off x="542290" y="1996758"/>
+            <a:ext cx="7918450" cy="829945"/>
           </a:xfrm>
           <a:prstGeom prst="rect">
             <a:avLst/>
@@ -13945,7 +13892,18 @@
                 <a:ea typeface="微软雅黑" panose="020B0503020204020204" charset="-122"/>
                 <a:cs typeface="微软雅黑" panose="020B0503020204020204" charset="-122"/>
               </a:rPr>
-              <a:t>对比</a:t>
+              <a:t>数据</a:t>
+            </a:r>
+            <a:r>
+              <a:rPr lang="en-US" sz="1600" u="none" strike="noStrike" kern="1200" cap="none" spc="0" baseline="0" dirty="0">
+                <a:solidFill>
+                  <a:srgbClr val="474747"/>
+                </a:solidFill>
+                <a:latin typeface="微软雅黑" panose="020B0503020204020204" charset="-122"/>
+                <a:ea typeface="微软雅黑" panose="020B0503020204020204" charset="-122"/>
+                <a:cs typeface="微软雅黑" panose="020B0503020204020204" charset="-122"/>
+              </a:rPr>
+              <a:t>:</a:t>
             </a:r>
             <a:endParaRPr lang="en-US" sz="1600" u="none" strike="noStrike" kern="1200" cap="none" spc="0" baseline="0" dirty="0">
               <a:solidFill>
@@ -13956,18 +13914,79 @@
               <a:cs typeface="微软雅黑" panose="020B0503020204020204" charset="-122"/>
             </a:endParaRPr>
           </a:p>
-        </p:txBody>
-      </p:sp>
-      <p:sp>
-        <p:nvSpPr>
-          <p:cNvPr id="17" name="矩形"/>
+          <a:p>
+            <a:pPr marL="1257300" lvl="2" indent="-342900" algn="l">
+              <a:buFont typeface="Wingdings" panose="05000000000000000000" pitchFamily="2" charset="2"/>
+              <a:buChar char="u"/>
+            </a:pPr>
+            <a:r>
+              <a:rPr lang="en-US" sz="1600" u="none" strike="noStrike" kern="1200" cap="none" spc="0" baseline="0" dirty="0">
+                <a:solidFill>
+                  <a:srgbClr val="474747"/>
+                </a:solidFill>
+                <a:latin typeface="微软雅黑" panose="020B0503020204020204" charset="-122"/>
+                <a:ea typeface="微软雅黑" panose="020B0503020204020204" charset="-122"/>
+                <a:cs typeface="微软雅黑" panose="020B0503020204020204" charset="-122"/>
+              </a:rPr>
+              <a:t>标识符(变量/函数名等)</a:t>
+            </a:r>
+            <a:endParaRPr lang="en-US" sz="1600" u="none" strike="noStrike" kern="1200" cap="none" spc="0" baseline="0" dirty="0">
+              <a:solidFill>
+                <a:srgbClr val="474747"/>
+              </a:solidFill>
+              <a:latin typeface="微软雅黑" panose="020B0503020204020204" charset="-122"/>
+              <a:ea typeface="微软雅黑" panose="020B0503020204020204" charset="-122"/>
+              <a:cs typeface="微软雅黑" panose="020B0503020204020204" charset="-122"/>
+            </a:endParaRPr>
+          </a:p>
+          <a:p>
+            <a:pPr marL="1257300" lvl="2" indent="-342900" algn="l">
+              <a:buFont typeface="Wingdings" panose="05000000000000000000" pitchFamily="2" charset="2"/>
+              <a:buChar char="u"/>
+            </a:pPr>
+            <a:r>
+              <a:rPr lang="en-US" sz="1600" u="none" strike="noStrike" kern="1200" cap="none" spc="0" baseline="0" dirty="0">
+                <a:solidFill>
+                  <a:srgbClr val="474747"/>
+                </a:solidFill>
+                <a:latin typeface="微软雅黑" panose="020B0503020204020204" charset="-122"/>
+                <a:ea typeface="微软雅黑" panose="020B0503020204020204" charset="-122"/>
+                <a:cs typeface="微软雅黑" panose="020B0503020204020204" charset="-122"/>
+              </a:rPr>
+              <a:t>复合</a:t>
+            </a:r>
+            <a:r>
+              <a:rPr lang="zh-CN" altLang="en-US" sz="1600" u="none" strike="noStrike" kern="1200" cap="none" spc="0" baseline="0" dirty="0">
+                <a:solidFill>
+                  <a:srgbClr val="474747"/>
+                </a:solidFill>
+                <a:latin typeface="微软雅黑" panose="020B0503020204020204" charset="-122"/>
+                <a:ea typeface="微软雅黑" panose="020B0503020204020204" charset="-122"/>
+                <a:cs typeface="微软雅黑" panose="020B0503020204020204" charset="-122"/>
+              </a:rPr>
+              <a:t>机制</a:t>
+            </a:r>
+            <a:endParaRPr lang="en-US" altLang="zh-CN" sz="1600" u="none" strike="noStrike" kern="1200" cap="none" spc="0" baseline="0" dirty="0">
+              <a:solidFill>
+                <a:srgbClr val="474747"/>
+              </a:solidFill>
+              <a:latin typeface="微软雅黑" panose="020B0503020204020204" charset="-122"/>
+              <a:ea typeface="微软雅黑" panose="020B0503020204020204" charset="-122"/>
+              <a:cs typeface="微软雅黑" panose="020B0503020204020204" charset="-122"/>
+            </a:endParaRPr>
+          </a:p>
+        </p:txBody>
+      </p:sp>
+      <p:sp>
+        <p:nvSpPr>
+          <p:cNvPr id="16" name="矩形"/>
           <p:cNvSpPr/>
           <p:nvPr/>
         </p:nvSpPr>
         <p:spPr>
           <a:xfrm>
-            <a:off x="3340151" y="497054"/>
-            <a:ext cx="1448435" cy="553085"/>
+            <a:off x="542290" y="3027998"/>
+            <a:ext cx="7918450" cy="1076325"/>
           </a:xfrm>
           <a:prstGeom prst="rect">
             <a:avLst/>
@@ -13980,59 +13999,10 @@
           </a:ln>
         </p:spPr>
         <p:txBody>
-          <a:bodyPr vert="horz" wrap="none" lIns="91440" tIns="45720" rIns="91440" bIns="45720" anchor="t" anchorCtr="0">
-            <a:spAutoFit/>
-          </a:bodyPr>
-          <a:lstStyle/>
-          <a:p>
-            <a:pPr algn="l"/>
-            <a:r>
-              <a:rPr lang="zh-CN" altLang="en-US" sz="3000" b="1" u="none" strike="noStrike" kern="0" cap="none" spc="0" baseline="0" dirty="0" err="1">
-                <a:solidFill>
-                  <a:srgbClr val="C9394A"/>
-                </a:solidFill>
-                <a:latin typeface="微软雅黑" panose="020B0503020204020204" charset="-122"/>
-                <a:ea typeface="微软雅黑" panose="020B0503020204020204" charset="-122"/>
-                <a:cs typeface="微软雅黑" panose="020B0503020204020204" charset="-122"/>
-              </a:rPr>
-              <a:t>go语言</a:t>
-            </a:r>
-            <a:endParaRPr lang="zh-CN" altLang="en-US" sz="3000" b="1" u="none" strike="noStrike" kern="0" cap="none" spc="0" baseline="0" dirty="0" err="1">
-              <a:solidFill>
-                <a:srgbClr val="C9394A"/>
-              </a:solidFill>
-              <a:latin typeface="微软雅黑" panose="020B0503020204020204" charset="-122"/>
-              <a:ea typeface="微软雅黑" panose="020B0503020204020204" charset="-122"/>
-              <a:cs typeface="微软雅黑" panose="020B0503020204020204" charset="-122"/>
-            </a:endParaRPr>
-          </a:p>
-        </p:txBody>
-      </p:sp>
-      <p:sp>
-        <p:nvSpPr>
-          <p:cNvPr id="2" name="矩形"/>
-          <p:cNvSpPr/>
-          <p:nvPr/>
-        </p:nvSpPr>
-        <p:spPr>
-          <a:xfrm>
-            <a:off x="542290" y="3209608"/>
-            <a:ext cx="7918450" cy="337185"/>
-          </a:xfrm>
-          <a:prstGeom prst="rect">
-            <a:avLst/>
-          </a:prstGeom>
-          <a:noFill/>
-          <a:ln w="9525" cap="flat" cmpd="sng">
-            <a:noFill/>
-            <a:prstDash val="solid"/>
-            <a:miter/>
-          </a:ln>
-        </p:spPr>
-        <p:txBody>
           <a:bodyPr vert="horz" wrap="square" lIns="91440" tIns="45720" rIns="91440" bIns="45720" anchor="ctr" anchorCtr="0">
             <a:spAutoFit/>
           </a:bodyPr>
+          <a:lstStyle/>
           <a:p>
             <a:pPr marL="800100" lvl="1" indent="-342900" algn="l">
               <a:lnSpc>
@@ -14057,7 +14027,7 @@
                 <a:cs typeface="微软雅黑" panose="020B0503020204020204" charset="-122"/>
                 <a:sym typeface="Calibri" panose="020F0502020204030204" pitchFamily="34" charset="0"/>
               </a:rPr>
-              <a:t>抽象</a:t>
+              <a:t>计算过程</a:t>
             </a:r>
             <a:endParaRPr lang="zh-CN" altLang="en-US" sz="1600" dirty="0">
               <a:solidFill>
@@ -14069,30 +14039,8 @@
               <a:sym typeface="Calibri" panose="020F0502020204030204" pitchFamily="34" charset="0"/>
             </a:endParaRPr>
           </a:p>
-        </p:txBody>
-      </p:sp>
-      <p:sp>
-        <p:nvSpPr>
-          <p:cNvPr id="3" name="文本框 2"/>
-          <p:cNvSpPr txBox="1"/>
-          <p:nvPr/>
-        </p:nvSpPr>
-        <p:spPr>
-          <a:xfrm>
-            <a:off x="542290" y="2726373"/>
-            <a:ext cx="6915150" cy="337185"/>
-          </a:xfrm>
-          <a:prstGeom prst="rect">
-            <a:avLst/>
-          </a:prstGeom>
-          <a:noFill/>
-        </p:spPr>
-        <p:txBody>
-          <a:bodyPr wrap="square" rtlCol="0" anchor="t">
-            <a:spAutoFit/>
-          </a:bodyPr>
-          <a:p>
-            <a:pPr marL="800100" lvl="1" indent="-342900" algn="l">
+          <a:p>
+            <a:pPr marL="1257300" lvl="2" indent="-342900" algn="l">
               <a:lnSpc>
                 <a:spcPct val="100000"/>
               </a:lnSpc>
@@ -14115,9 +14063,9 @@
                 <a:cs typeface="微软雅黑" panose="020B0503020204020204" charset="-122"/>
                 <a:sym typeface="Calibri" panose="020F0502020204030204" pitchFamily="34" charset="0"/>
               </a:rPr>
-              <a:t>组合</a:t>
-            </a:r>
-            <a:endParaRPr lang="en-US" altLang="zh-CN" sz="1600" dirty="0">
+              <a:t>运算符</a:t>
+            </a:r>
+            <a:endParaRPr lang="zh-CN" altLang="en-US" sz="1600" dirty="0">
               <a:solidFill>
                 <a:srgbClr val="474747"/>
               </a:solidFill>
@@ -14125,6 +14073,128 @@
               <a:ea typeface="微软雅黑" panose="020B0503020204020204" charset="-122"/>
               <a:cs typeface="微软雅黑" panose="020B0503020204020204" charset="-122"/>
               <a:sym typeface="Calibri" panose="020F0502020204030204" pitchFamily="34" charset="0"/>
+            </a:endParaRPr>
+          </a:p>
+          <a:p>
+            <a:pPr marL="1257300" lvl="2" indent="-342900" algn="l">
+              <a:lnSpc>
+                <a:spcPct val="100000"/>
+              </a:lnSpc>
+              <a:spcBef>
+                <a:spcPts val="0"/>
+              </a:spcBef>
+              <a:spcAft>
+                <a:spcPts val="0"/>
+              </a:spcAft>
+              <a:buFont typeface="Wingdings" panose="05000000000000000000" pitchFamily="2" charset="2"/>
+              <a:buChar char="u"/>
+            </a:pPr>
+            <a:r>
+              <a:rPr lang="zh-CN" altLang="en-US" sz="1600" dirty="0">
+                <a:solidFill>
+                  <a:srgbClr val="474747"/>
+                </a:solidFill>
+                <a:latin typeface="微软雅黑" panose="020B0503020204020204" charset="-122"/>
+                <a:ea typeface="微软雅黑" panose="020B0503020204020204" charset="-122"/>
+                <a:cs typeface="微软雅黑" panose="020B0503020204020204" charset="-122"/>
+                <a:sym typeface="Calibri" panose="020F0502020204030204" pitchFamily="34" charset="0"/>
+              </a:rPr>
+              <a:t>基本控制结构</a:t>
+            </a:r>
+            <a:endParaRPr lang="zh-CN" altLang="en-US" sz="1600" dirty="0">
+              <a:solidFill>
+                <a:srgbClr val="474747"/>
+              </a:solidFill>
+              <a:latin typeface="微软雅黑" panose="020B0503020204020204" charset="-122"/>
+              <a:ea typeface="微软雅黑" panose="020B0503020204020204" charset="-122"/>
+              <a:cs typeface="微软雅黑" panose="020B0503020204020204" charset="-122"/>
+              <a:sym typeface="Calibri" panose="020F0502020204030204" pitchFamily="34" charset="0"/>
+            </a:endParaRPr>
+          </a:p>
+          <a:p>
+            <a:pPr marL="1257300" lvl="2" indent="-342900" algn="l">
+              <a:lnSpc>
+                <a:spcPct val="100000"/>
+              </a:lnSpc>
+              <a:spcBef>
+                <a:spcPts val="0"/>
+              </a:spcBef>
+              <a:spcAft>
+                <a:spcPts val="0"/>
+              </a:spcAft>
+              <a:buFont typeface="Wingdings" panose="05000000000000000000" pitchFamily="2" charset="2"/>
+              <a:buChar char="u"/>
+            </a:pPr>
+            <a:r>
+              <a:rPr lang="zh-CN" altLang="en-US" sz="1600" dirty="0">
+                <a:solidFill>
+                  <a:srgbClr val="474747"/>
+                </a:solidFill>
+                <a:latin typeface="微软雅黑" panose="020B0503020204020204" charset="-122"/>
+                <a:ea typeface="微软雅黑" panose="020B0503020204020204" charset="-122"/>
+                <a:cs typeface="微软雅黑" panose="020B0503020204020204" charset="-122"/>
+                <a:sym typeface="Calibri" panose="020F0502020204030204" pitchFamily="34" charset="0"/>
+              </a:rPr>
+              <a:t>函数</a:t>
+            </a:r>
+            <a:endParaRPr lang="zh-CN" altLang="en-US" sz="1600" dirty="0">
+              <a:solidFill>
+                <a:srgbClr val="474747"/>
+              </a:solidFill>
+              <a:latin typeface="微软雅黑" panose="020B0503020204020204" charset="-122"/>
+              <a:ea typeface="微软雅黑" panose="020B0503020204020204" charset="-122"/>
+              <a:cs typeface="微软雅黑" panose="020B0503020204020204" charset="-122"/>
+              <a:sym typeface="Calibri" panose="020F0502020204030204" pitchFamily="34" charset="0"/>
+            </a:endParaRPr>
+          </a:p>
+        </p:txBody>
+      </p:sp>
+      <p:sp>
+        <p:nvSpPr>
+          <p:cNvPr id="17" name="矩形"/>
+          <p:cNvSpPr/>
+          <p:nvPr/>
+        </p:nvSpPr>
+        <p:spPr>
+          <a:xfrm>
+            <a:off x="3340151" y="497054"/>
+            <a:ext cx="1448435" cy="553085"/>
+          </a:xfrm>
+          <a:prstGeom prst="rect">
+            <a:avLst/>
+          </a:prstGeom>
+          <a:noFill/>
+          <a:ln w="9525" cap="flat" cmpd="sng">
+            <a:noFill/>
+            <a:prstDash val="solid"/>
+            <a:miter/>
+          </a:ln>
+        </p:spPr>
+        <p:txBody>
+          <a:bodyPr vert="horz" wrap="none" lIns="91440" tIns="45720" rIns="91440" bIns="45720" anchor="t" anchorCtr="0">
+            <a:spAutoFit/>
+          </a:bodyPr>
+          <a:lstStyle/>
+          <a:p>
+            <a:pPr algn="l"/>
+            <a:r>
+              <a:rPr lang="zh-CN" altLang="en-US" sz="3000" b="1" u="none" strike="noStrike" kern="0" cap="none" spc="0" baseline="0" dirty="0" err="1">
+                <a:solidFill>
+                  <a:srgbClr val="C9394A"/>
+                </a:solidFill>
+                <a:latin typeface="微软雅黑" panose="020B0503020204020204" charset="-122"/>
+                <a:ea typeface="微软雅黑" panose="020B0503020204020204" charset="-122"/>
+                <a:cs typeface="微软雅黑" panose="020B0503020204020204" charset="-122"/>
+              </a:rPr>
+              <a:t>go语言</a:t>
+            </a:r>
+            <a:endParaRPr lang="zh-CN" altLang="en-US" sz="3000" b="1" u="none" strike="noStrike" kern="0" cap="none" spc="0" baseline="0" dirty="0" err="1">
+              <a:solidFill>
+                <a:srgbClr val="C9394A"/>
+              </a:solidFill>
+              <a:latin typeface="微软雅黑" panose="020B0503020204020204" charset="-122"/>
+              <a:ea typeface="微软雅黑" panose="020B0503020204020204" charset="-122"/>
+              <a:cs typeface="微软雅黑" panose="020B0503020204020204" charset="-122"/>
             </a:endParaRPr>
           </a:p>
         </p:txBody>
@@ -14230,7 +14300,7 @@
                 <a:ea typeface="微软雅黑" panose="020B0503020204020204" charset="-122"/>
                 <a:cs typeface="Times New Roman" panose="02020603050405020304" charset="0"/>
               </a:rPr>
-              <a:t>程序设计的基本元素</a:t>
+              <a:t>二进制</a:t>
             </a:r>
             <a:endParaRPr sz="2200" u="sng" strike="noStrike" kern="0" cap="none" spc="0" baseline="0" dirty="0">
               <a:solidFill>
@@ -14251,8 +14321,8 @@
         </p:nvSpPr>
         <p:spPr>
           <a:xfrm>
-            <a:off x="542290" y="1996758"/>
-            <a:ext cx="7918450" cy="829945"/>
+            <a:off x="542290" y="2243138"/>
+            <a:ext cx="7918450" cy="337185"/>
           </a:xfrm>
           <a:prstGeom prst="rect">
             <a:avLst/>
@@ -14275,7 +14345,7 @@
               <a:buChar char="u"/>
             </a:pPr>
             <a:r>
-              <a:rPr sz="1600" u="none" strike="noStrike" kern="1200" cap="none" spc="0" baseline="0" dirty="0">
+              <a:rPr lang="en-US" sz="1600" u="none" strike="noStrike" kern="1200" cap="none" spc="0" baseline="0" dirty="0">
                 <a:solidFill>
                   <a:srgbClr val="474747"/>
                 </a:solidFill>
@@ -14283,18 +14353,7 @@
                 <a:ea typeface="微软雅黑" panose="020B0503020204020204" charset="-122"/>
                 <a:cs typeface="微软雅黑" panose="020B0503020204020204" charset="-122"/>
               </a:rPr>
-              <a:t>数据</a:t>
-            </a:r>
-            <a:r>
-              <a:rPr lang="en-US" sz="1600" u="none" strike="noStrike" kern="1200" cap="none" spc="0" baseline="0" dirty="0">
-                <a:solidFill>
-                  <a:srgbClr val="474747"/>
-                </a:solidFill>
-                <a:latin typeface="微软雅黑" panose="020B0503020204020204" charset="-122"/>
-                <a:ea typeface="微软雅黑" panose="020B0503020204020204" charset="-122"/>
-                <a:cs typeface="微软雅黑" panose="020B0503020204020204" charset="-122"/>
-              </a:rPr>
-              <a:t>:</a:t>
+              <a:t>信息表示的最基础单位 bit(位) ;存储单位 Byte(字节)</a:t>
             </a:r>
             <a:endParaRPr lang="en-US" sz="1600" u="none" strike="noStrike" kern="1200" cap="none" spc="0" baseline="0" dirty="0">
               <a:solidFill>
@@ -14305,79 +14364,18 @@
               <a:cs typeface="微软雅黑" panose="020B0503020204020204" charset="-122"/>
             </a:endParaRPr>
           </a:p>
-          <a:p>
-            <a:pPr marL="1257300" lvl="2" indent="-342900" algn="l">
-              <a:buFont typeface="Wingdings" panose="05000000000000000000" pitchFamily="2" charset="2"/>
-              <a:buChar char="u"/>
-            </a:pPr>
-            <a:r>
-              <a:rPr lang="en-US" sz="1600" u="none" strike="noStrike" kern="1200" cap="none" spc="0" baseline="0" dirty="0">
-                <a:solidFill>
-                  <a:srgbClr val="474747"/>
-                </a:solidFill>
-                <a:latin typeface="微软雅黑" panose="020B0503020204020204" charset="-122"/>
-                <a:ea typeface="微软雅黑" panose="020B0503020204020204" charset="-122"/>
-                <a:cs typeface="微软雅黑" panose="020B0503020204020204" charset="-122"/>
-              </a:rPr>
-              <a:t>标识符(变量/函数名等)</a:t>
-            </a:r>
-            <a:endParaRPr lang="en-US" sz="1600" u="none" strike="noStrike" kern="1200" cap="none" spc="0" baseline="0" dirty="0">
-              <a:solidFill>
-                <a:srgbClr val="474747"/>
-              </a:solidFill>
-              <a:latin typeface="微软雅黑" panose="020B0503020204020204" charset="-122"/>
-              <a:ea typeface="微软雅黑" panose="020B0503020204020204" charset="-122"/>
-              <a:cs typeface="微软雅黑" panose="020B0503020204020204" charset="-122"/>
-            </a:endParaRPr>
-          </a:p>
-          <a:p>
-            <a:pPr marL="1257300" lvl="2" indent="-342900" algn="l">
-              <a:buFont typeface="Wingdings" panose="05000000000000000000" pitchFamily="2" charset="2"/>
-              <a:buChar char="u"/>
-            </a:pPr>
-            <a:r>
-              <a:rPr lang="en-US" sz="1600" u="none" strike="noStrike" kern="1200" cap="none" spc="0" baseline="0" dirty="0">
-                <a:solidFill>
-                  <a:srgbClr val="474747"/>
-                </a:solidFill>
-                <a:latin typeface="微软雅黑" panose="020B0503020204020204" charset="-122"/>
-                <a:ea typeface="微软雅黑" panose="020B0503020204020204" charset="-122"/>
-                <a:cs typeface="微软雅黑" panose="020B0503020204020204" charset="-122"/>
-              </a:rPr>
-              <a:t>复合</a:t>
-            </a:r>
-            <a:r>
-              <a:rPr lang="zh-CN" altLang="en-US" sz="1600" u="none" strike="noStrike" kern="1200" cap="none" spc="0" baseline="0" dirty="0">
-                <a:solidFill>
-                  <a:srgbClr val="474747"/>
-                </a:solidFill>
-                <a:latin typeface="微软雅黑" panose="020B0503020204020204" charset="-122"/>
-                <a:ea typeface="微软雅黑" panose="020B0503020204020204" charset="-122"/>
-                <a:cs typeface="微软雅黑" panose="020B0503020204020204" charset="-122"/>
-              </a:rPr>
-              <a:t>机制</a:t>
-            </a:r>
-            <a:endParaRPr lang="en-US" altLang="zh-CN" sz="1600" u="none" strike="noStrike" kern="1200" cap="none" spc="0" baseline="0" dirty="0">
-              <a:solidFill>
-                <a:srgbClr val="474747"/>
-              </a:solidFill>
-              <a:latin typeface="微软雅黑" panose="020B0503020204020204" charset="-122"/>
-              <a:ea typeface="微软雅黑" panose="020B0503020204020204" charset="-122"/>
-              <a:cs typeface="微软雅黑" panose="020B0503020204020204" charset="-122"/>
-            </a:endParaRPr>
-          </a:p>
-        </p:txBody>
-      </p:sp>
-      <p:sp>
-        <p:nvSpPr>
-          <p:cNvPr id="16" name="矩形"/>
+        </p:txBody>
+      </p:sp>
+      <p:sp>
+        <p:nvSpPr>
+          <p:cNvPr id="17" name="矩形"/>
           <p:cNvSpPr/>
           <p:nvPr/>
         </p:nvSpPr>
         <p:spPr>
           <a:xfrm>
-            <a:off x="542290" y="3027998"/>
-            <a:ext cx="7918450" cy="1076325"/>
+            <a:off x="3340151" y="497054"/>
+            <a:ext cx="1448435" cy="553085"/>
           </a:xfrm>
           <a:prstGeom prst="rect">
             <a:avLst/>
@@ -14390,10 +14388,54 @@
           </a:ln>
         </p:spPr>
         <p:txBody>
-          <a:bodyPr vert="horz" wrap="square" lIns="91440" tIns="45720" rIns="91440" bIns="45720" anchor="ctr" anchorCtr="0">
+          <a:bodyPr vert="horz" wrap="none" lIns="91440" tIns="45720" rIns="91440" bIns="45720" anchor="t" anchorCtr="0">
             <a:spAutoFit/>
           </a:bodyPr>
           <a:lstStyle/>
+          <a:p>
+            <a:pPr algn="l"/>
+            <a:r>
+              <a:rPr lang="zh-CN" altLang="en-US" sz="3000" b="1" u="none" strike="noStrike" kern="0" cap="none" spc="0" baseline="0" dirty="0" err="1">
+                <a:solidFill>
+                  <a:srgbClr val="C9394A"/>
+                </a:solidFill>
+                <a:latin typeface="微软雅黑" panose="020B0503020204020204" charset="-122"/>
+                <a:ea typeface="微软雅黑" panose="020B0503020204020204" charset="-122"/>
+                <a:cs typeface="微软雅黑" panose="020B0503020204020204" charset="-122"/>
+              </a:rPr>
+              <a:t>go语言</a:t>
+            </a:r>
+            <a:endParaRPr lang="zh-CN" altLang="en-US" sz="3000" b="1" u="none" strike="noStrike" kern="0" cap="none" spc="0" baseline="0" dirty="0" err="1">
+              <a:solidFill>
+                <a:srgbClr val="C9394A"/>
+              </a:solidFill>
+              <a:latin typeface="微软雅黑" panose="020B0503020204020204" charset="-122"/>
+              <a:ea typeface="微软雅黑" panose="020B0503020204020204" charset="-122"/>
+              <a:cs typeface="微软雅黑" panose="020B0503020204020204" charset="-122"/>
+            </a:endParaRPr>
+          </a:p>
+        </p:txBody>
+      </p:sp>
+      <p:sp>
+        <p:nvSpPr>
+          <p:cNvPr id="3" name="文本框 2"/>
+          <p:cNvSpPr txBox="1"/>
+          <p:nvPr/>
+        </p:nvSpPr>
+        <p:spPr>
+          <a:xfrm>
+            <a:off x="542290" y="2726373"/>
+            <a:ext cx="6915150" cy="337185"/>
+          </a:xfrm>
+          <a:prstGeom prst="rect">
+            <a:avLst/>
+          </a:prstGeom>
+          <a:noFill/>
+        </p:spPr>
+        <p:txBody>
+          <a:bodyPr wrap="square" rtlCol="0" anchor="t">
+            <a:spAutoFit/>
+          </a:bodyPr>
           <a:p>
             <a:pPr marL="800100" lvl="1" indent="-342900" algn="l">
               <a:lnSpc>
@@ -14418,9 +14460,45 @@
                 <a:cs typeface="微软雅黑" panose="020B0503020204020204" charset="-122"/>
                 <a:sym typeface="Calibri" panose="020F0502020204030204" pitchFamily="34" charset="0"/>
               </a:rPr>
-              <a:t>计算过程</a:t>
-            </a:r>
-            <a:endParaRPr lang="zh-CN" altLang="en-US" sz="1600" dirty="0">
+              <a:t>数据类型</a:t>
+            </a:r>
+            <a:r>
+              <a:rPr lang="en-US" altLang="zh-CN" sz="1600" dirty="0">
+                <a:solidFill>
+                  <a:srgbClr val="474747"/>
+                </a:solidFill>
+                <a:latin typeface="微软雅黑" panose="020B0503020204020204" charset="-122"/>
+                <a:ea typeface="微软雅黑" panose="020B0503020204020204" charset="-122"/>
+                <a:cs typeface="微软雅黑" panose="020B0503020204020204" charset="-122"/>
+                <a:sym typeface="Calibri" panose="020F0502020204030204" pitchFamily="34" charset="0"/>
+              </a:rPr>
+              <a:t>: 数据在计算机内部都是二进制，不方便</a:t>
+            </a:r>
+            <a:r>
+              <a:rPr lang="zh-CN" altLang="zh-CN" sz="1600" dirty="0">
+                <a:solidFill>
+                  <a:srgbClr val="474747"/>
+                </a:solidFill>
+                <a:latin typeface="微软雅黑" panose="020B0503020204020204" charset="-122"/>
+                <a:ea typeface="微软雅黑" panose="020B0503020204020204" charset="-122"/>
+                <a:cs typeface="微软雅黑" panose="020B0503020204020204" charset="-122"/>
+                <a:sym typeface="Calibri" panose="020F0502020204030204" pitchFamily="34" charset="0"/>
+              </a:rPr>
+              <a:t>使用</a:t>
+            </a:r>
+            <a:r>
+              <a:rPr lang="en-US" altLang="zh-CN" sz="1600" dirty="0">
+                <a:solidFill>
+                  <a:srgbClr val="474747"/>
+                </a:solidFill>
+                <a:latin typeface="微软雅黑" panose="020B0503020204020204" charset="-122"/>
+                <a:ea typeface="微软雅黑" panose="020B0503020204020204" charset="-122"/>
+                <a:cs typeface="微软雅黑" panose="020B0503020204020204" charset="-122"/>
+                <a:sym typeface="Calibri" panose="020F0502020204030204" pitchFamily="34" charset="0"/>
+              </a:rPr>
+              <a:t> </a:t>
+            </a:r>
+            <a:endParaRPr lang="en-US" altLang="zh-CN" sz="1600" dirty="0">
               <a:solidFill>
                 <a:srgbClr val="474747"/>
               </a:solidFill>
@@ -14428,164 +14506,6 @@
               <a:ea typeface="微软雅黑" panose="020B0503020204020204" charset="-122"/>
               <a:cs typeface="微软雅黑" panose="020B0503020204020204" charset="-122"/>
               <a:sym typeface="Calibri" panose="020F0502020204030204" pitchFamily="34" charset="0"/>
-            </a:endParaRPr>
-          </a:p>
-          <a:p>
-            <a:pPr marL="1257300" lvl="2" indent="-342900" algn="l">
-              <a:lnSpc>
-                <a:spcPct val="100000"/>
-              </a:lnSpc>
-              <a:spcBef>
-                <a:spcPts val="0"/>
-              </a:spcBef>
-              <a:spcAft>
-                <a:spcPts val="0"/>
-              </a:spcAft>
-              <a:buFont typeface="Wingdings" panose="05000000000000000000" pitchFamily="2" charset="2"/>
-              <a:buChar char="u"/>
-            </a:pPr>
-            <a:r>
-              <a:rPr lang="zh-CN" altLang="en-US" sz="1600" dirty="0">
-                <a:solidFill>
-                  <a:srgbClr val="474747"/>
-                </a:solidFill>
-                <a:latin typeface="微软雅黑" panose="020B0503020204020204" charset="-122"/>
-                <a:ea typeface="微软雅黑" panose="020B0503020204020204" charset="-122"/>
-                <a:cs typeface="微软雅黑" panose="020B0503020204020204" charset="-122"/>
-                <a:sym typeface="Calibri" panose="020F0502020204030204" pitchFamily="34" charset="0"/>
-              </a:rPr>
-              <a:t>运算符</a:t>
-            </a:r>
-            <a:endParaRPr lang="zh-CN" altLang="en-US" sz="1600" dirty="0">
-              <a:solidFill>
-                <a:srgbClr val="474747"/>
-              </a:solidFill>
-              <a:latin typeface="微软雅黑" panose="020B0503020204020204" charset="-122"/>
-              <a:ea typeface="微软雅黑" panose="020B0503020204020204" charset="-122"/>
-              <a:cs typeface="微软雅黑" panose="020B0503020204020204" charset="-122"/>
-              <a:sym typeface="Calibri" panose="020F0502020204030204" pitchFamily="34" charset="0"/>
-            </a:endParaRPr>
-          </a:p>
-          <a:p>
-            <a:pPr marL="1257300" lvl="2" indent="-342900" algn="l">
-              <a:lnSpc>
-                <a:spcPct val="100000"/>
-              </a:lnSpc>
-              <a:spcBef>
-                <a:spcPts val="0"/>
-              </a:spcBef>
-              <a:spcAft>
-                <a:spcPts val="0"/>
-              </a:spcAft>
-              <a:buFont typeface="Wingdings" panose="05000000000000000000" pitchFamily="2" charset="2"/>
-              <a:buChar char="u"/>
-            </a:pPr>
-            <a:r>
-              <a:rPr lang="zh-CN" altLang="en-US" sz="1600" dirty="0">
-                <a:solidFill>
-                  <a:srgbClr val="474747"/>
-                </a:solidFill>
-                <a:latin typeface="微软雅黑" panose="020B0503020204020204" charset="-122"/>
-                <a:ea typeface="微软雅黑" panose="020B0503020204020204" charset="-122"/>
-                <a:cs typeface="微软雅黑" panose="020B0503020204020204" charset="-122"/>
-                <a:sym typeface="Calibri" panose="020F0502020204030204" pitchFamily="34" charset="0"/>
-              </a:rPr>
-              <a:t>基本控制结构</a:t>
-            </a:r>
-            <a:endParaRPr lang="zh-CN" altLang="en-US" sz="1600" dirty="0">
-              <a:solidFill>
-                <a:srgbClr val="474747"/>
-              </a:solidFill>
-              <a:latin typeface="微软雅黑" panose="020B0503020204020204" charset="-122"/>
-              <a:ea typeface="微软雅黑" panose="020B0503020204020204" charset="-122"/>
-              <a:cs typeface="微软雅黑" panose="020B0503020204020204" charset="-122"/>
-              <a:sym typeface="Calibri" panose="020F0502020204030204" pitchFamily="34" charset="0"/>
-            </a:endParaRPr>
-          </a:p>
-          <a:p>
-            <a:pPr marL="1257300" lvl="2" indent="-342900" algn="l">
-              <a:lnSpc>
-                <a:spcPct val="100000"/>
-              </a:lnSpc>
-              <a:spcBef>
-                <a:spcPts val="0"/>
-              </a:spcBef>
-              <a:spcAft>
-                <a:spcPts val="0"/>
-              </a:spcAft>
-              <a:buFont typeface="Wingdings" panose="05000000000000000000" pitchFamily="2" charset="2"/>
-              <a:buChar char="u"/>
-            </a:pPr>
-            <a:r>
-              <a:rPr lang="zh-CN" altLang="en-US" sz="1600" dirty="0">
-                <a:solidFill>
-                  <a:srgbClr val="474747"/>
-                </a:solidFill>
-                <a:latin typeface="微软雅黑" panose="020B0503020204020204" charset="-122"/>
-                <a:ea typeface="微软雅黑" panose="020B0503020204020204" charset="-122"/>
-                <a:cs typeface="微软雅黑" panose="020B0503020204020204" charset="-122"/>
-                <a:sym typeface="Calibri" panose="020F0502020204030204" pitchFamily="34" charset="0"/>
-              </a:rPr>
-              <a:t>函数</a:t>
-            </a:r>
-            <a:endParaRPr lang="zh-CN" altLang="en-US" sz="1600" dirty="0">
-              <a:solidFill>
-                <a:srgbClr val="474747"/>
-              </a:solidFill>
-              <a:latin typeface="微软雅黑" panose="020B0503020204020204" charset="-122"/>
-              <a:ea typeface="微软雅黑" panose="020B0503020204020204" charset="-122"/>
-              <a:cs typeface="微软雅黑" panose="020B0503020204020204" charset="-122"/>
-              <a:sym typeface="Calibri" panose="020F0502020204030204" pitchFamily="34" charset="0"/>
-            </a:endParaRPr>
-          </a:p>
-        </p:txBody>
-      </p:sp>
-      <p:sp>
-        <p:nvSpPr>
-          <p:cNvPr id="17" name="矩形"/>
-          <p:cNvSpPr/>
-          <p:nvPr/>
-        </p:nvSpPr>
-        <p:spPr>
-          <a:xfrm>
-            <a:off x="3340151" y="497054"/>
-            <a:ext cx="1448435" cy="553085"/>
-          </a:xfrm>
-          <a:prstGeom prst="rect">
-            <a:avLst/>
-          </a:prstGeom>
-          <a:noFill/>
-          <a:ln w="9525" cap="flat" cmpd="sng">
-            <a:noFill/>
-            <a:prstDash val="solid"/>
-            <a:miter/>
-          </a:ln>
-        </p:spPr>
-        <p:txBody>
-          <a:bodyPr vert="horz" wrap="none" lIns="91440" tIns="45720" rIns="91440" bIns="45720" anchor="t" anchorCtr="0">
-            <a:spAutoFit/>
-          </a:bodyPr>
-          <a:lstStyle/>
-          <a:p>
-            <a:pPr algn="l"/>
-            <a:r>
-              <a:rPr lang="zh-CN" altLang="en-US" sz="3000" b="1" u="none" strike="noStrike" kern="0" cap="none" spc="0" baseline="0" dirty="0" err="1">
-                <a:solidFill>
-                  <a:srgbClr val="C9394A"/>
-                </a:solidFill>
-                <a:latin typeface="微软雅黑" panose="020B0503020204020204" charset="-122"/>
-                <a:ea typeface="微软雅黑" panose="020B0503020204020204" charset="-122"/>
-                <a:cs typeface="微软雅黑" panose="020B0503020204020204" charset="-122"/>
-              </a:rPr>
-              <a:t>go语言</a:t>
-            </a:r>
-            <a:endParaRPr lang="zh-CN" altLang="en-US" sz="3000" b="1" u="none" strike="noStrike" kern="0" cap="none" spc="0" baseline="0" dirty="0" err="1">
-              <a:solidFill>
-                <a:srgbClr val="C9394A"/>
-              </a:solidFill>
-              <a:latin typeface="微软雅黑" panose="020B0503020204020204" charset="-122"/>
-              <a:ea typeface="微软雅黑" panose="020B0503020204020204" charset="-122"/>
-              <a:cs typeface="微软雅黑" panose="020B0503020204020204" charset="-122"/>
             </a:endParaRPr>
           </a:p>
         </p:txBody>
@@ -14691,7 +14611,7 @@
                 <a:ea typeface="微软雅黑" panose="020B0503020204020204" charset="-122"/>
                 <a:cs typeface="Times New Roman" panose="02020603050405020304" charset="0"/>
               </a:rPr>
-              <a:t>二进制</a:t>
+              <a:t>语句</a:t>
             </a:r>
             <a:endParaRPr sz="2200" u="sng" strike="noStrike" kern="0" cap="none" spc="0" baseline="0" dirty="0">
               <a:solidFill>
@@ -14712,7 +14632,7 @@
         </p:nvSpPr>
         <p:spPr>
           <a:xfrm>
-            <a:off x="542290" y="2243138"/>
+            <a:off x="622935" y="2135188"/>
             <a:ext cx="7918450" cy="337185"/>
           </a:xfrm>
           <a:prstGeom prst="rect">
@@ -14736,7 +14656,7 @@
               <a:buChar char="u"/>
             </a:pPr>
             <a:r>
-              <a:rPr lang="en-US" sz="1600" u="none" strike="noStrike" kern="1200" cap="none" spc="0" baseline="0" dirty="0">
+              <a:rPr sz="1600" u="none" strike="noStrike" kern="1200" cap="none" spc="0" baseline="0" dirty="0">
                 <a:solidFill>
                   <a:srgbClr val="474747"/>
                 </a:solidFill>
@@ -14744,9 +14664,9 @@
                 <a:ea typeface="微软雅黑" panose="020B0503020204020204" charset="-122"/>
                 <a:cs typeface="微软雅黑" panose="020B0503020204020204" charset="-122"/>
               </a:rPr>
-              <a:t>信息表示的最基础单位 bit(位) ;存储单位 Byte(字节)</a:t>
-            </a:r>
-            <a:endParaRPr lang="en-US" sz="1600" u="none" strike="noStrike" kern="1200" cap="none" spc="0" baseline="0" dirty="0">
+              <a:t>声明语句</a:t>
+            </a:r>
+            <a:endParaRPr sz="1600" u="none" strike="noStrike" kern="1200" cap="none" spc="0" baseline="0" dirty="0">
               <a:solidFill>
                 <a:srgbClr val="474747"/>
               </a:solidFill>
@@ -14809,22 +14729,27 @@
       </p:sp>
       <p:sp>
         <p:nvSpPr>
-          <p:cNvPr id="3" name="文本框 2"/>
-          <p:cNvSpPr txBox="1"/>
+          <p:cNvPr id="2" name="矩形"/>
+          <p:cNvSpPr/>
           <p:nvPr/>
         </p:nvSpPr>
         <p:spPr>
           <a:xfrm>
-            <a:off x="542290" y="2726373"/>
-            <a:ext cx="6915150" cy="337185"/>
+            <a:off x="622935" y="3104198"/>
+            <a:ext cx="7918450" cy="583565"/>
           </a:xfrm>
           <a:prstGeom prst="rect">
             <a:avLst/>
           </a:prstGeom>
           <a:noFill/>
-        </p:spPr>
-        <p:txBody>
-          <a:bodyPr wrap="square" rtlCol="0" anchor="t">
+          <a:ln w="9525" cap="flat" cmpd="sng">
+            <a:noFill/>
+            <a:prstDash val="solid"/>
+            <a:miter/>
+          </a:ln>
+        </p:spPr>
+        <p:txBody>
+          <a:bodyPr vert="horz" wrap="square" lIns="91440" tIns="45720" rIns="91440" bIns="45720" anchor="ctr" anchorCtr="0">
             <a:spAutoFit/>
           </a:bodyPr>
           <a:p>
@@ -14851,10 +14776,34 @@
                 <a:cs typeface="微软雅黑" panose="020B0503020204020204" charset="-122"/>
                 <a:sym typeface="Calibri" panose="020F0502020204030204" pitchFamily="34" charset="0"/>
               </a:rPr>
-              <a:t>数据类型</a:t>
-            </a:r>
-            <a:r>
-              <a:rPr lang="en-US" altLang="zh-CN" sz="1600" dirty="0">
+              <a:t>控制语句</a:t>
+            </a:r>
+            <a:endParaRPr lang="zh-CN" altLang="en-US" sz="1600" dirty="0">
+              <a:solidFill>
+                <a:srgbClr val="474747"/>
+              </a:solidFill>
+              <a:latin typeface="微软雅黑" panose="020B0503020204020204" charset="-122"/>
+              <a:ea typeface="微软雅黑" panose="020B0503020204020204" charset="-122"/>
+              <a:cs typeface="微软雅黑" panose="020B0503020204020204" charset="-122"/>
+              <a:sym typeface="Calibri" panose="020F0502020204030204" pitchFamily="34" charset="0"/>
+            </a:endParaRPr>
+          </a:p>
+          <a:p>
+            <a:pPr marL="1257300" lvl="2" indent="-342900" algn="l">
+              <a:lnSpc>
+                <a:spcPct val="100000"/>
+              </a:lnSpc>
+              <a:spcBef>
+                <a:spcPts val="0"/>
+              </a:spcBef>
+              <a:spcAft>
+                <a:spcPts val="0"/>
+              </a:spcAft>
+              <a:buFont typeface="Wingdings" panose="05000000000000000000" pitchFamily="2" charset="2"/>
+              <a:buChar char="u"/>
+            </a:pPr>
+            <a:r>
+              <a:rPr lang="zh-CN" altLang="en-US" sz="1600" dirty="0">
                 <a:solidFill>
                   <a:srgbClr val="474747"/>
                 </a:solidFill>
@@ -14863,10 +14812,56 @@
                 <a:cs typeface="微软雅黑" panose="020B0503020204020204" charset="-122"/>
                 <a:sym typeface="Calibri" panose="020F0502020204030204" pitchFamily="34" charset="0"/>
               </a:rPr>
-              <a:t>: 数据在计算机内部都是二进制，不方便</a:t>
-            </a:r>
-            <a:r>
-              <a:rPr lang="zh-CN" altLang="zh-CN" sz="1600" dirty="0">
+              <a:t>循环语句和if语句就是典型的语句 </a:t>
+            </a:r>
+            <a:endParaRPr lang="zh-CN" altLang="en-US" sz="1600" dirty="0">
+              <a:solidFill>
+                <a:srgbClr val="474747"/>
+              </a:solidFill>
+              <a:latin typeface="微软雅黑" panose="020B0503020204020204" charset="-122"/>
+              <a:ea typeface="微软雅黑" panose="020B0503020204020204" charset="-122"/>
+              <a:cs typeface="微软雅黑" panose="020B0503020204020204" charset="-122"/>
+              <a:sym typeface="Calibri" panose="020F0502020204030204" pitchFamily="34" charset="0"/>
+            </a:endParaRPr>
+          </a:p>
+        </p:txBody>
+      </p:sp>
+      <p:sp>
+        <p:nvSpPr>
+          <p:cNvPr id="3" name="文本框 2"/>
+          <p:cNvSpPr txBox="1"/>
+          <p:nvPr/>
+        </p:nvSpPr>
+        <p:spPr>
+          <a:xfrm>
+            <a:off x="622935" y="2619693"/>
+            <a:ext cx="6915150" cy="337185"/>
+          </a:xfrm>
+          <a:prstGeom prst="rect">
+            <a:avLst/>
+          </a:prstGeom>
+          <a:noFill/>
+        </p:spPr>
+        <p:txBody>
+          <a:bodyPr wrap="square" rtlCol="0" anchor="t">
+            <a:spAutoFit/>
+          </a:bodyPr>
+          <a:p>
+            <a:pPr marL="800100" lvl="1" indent="-342900" algn="l">
+              <a:lnSpc>
+                <a:spcPct val="100000"/>
+              </a:lnSpc>
+              <a:spcBef>
+                <a:spcPts val="0"/>
+              </a:spcBef>
+              <a:spcAft>
+                <a:spcPts val="0"/>
+              </a:spcAft>
+              <a:buFont typeface="Wingdings" panose="05000000000000000000" pitchFamily="2" charset="2"/>
+              <a:buChar char="u"/>
+            </a:pPr>
+            <a:r>
+              <a:rPr lang="zh-CN" altLang="en-US" sz="1600" dirty="0">
                 <a:solidFill>
                   <a:srgbClr val="474747"/>
                 </a:solidFill>
@@ -14875,10 +14870,56 @@
                 <a:cs typeface="微软雅黑" panose="020B0503020204020204" charset="-122"/>
                 <a:sym typeface="Calibri" panose="020F0502020204030204" pitchFamily="34" charset="0"/>
               </a:rPr>
-              <a:t>使用</a:t>
-            </a:r>
-            <a:r>
-              <a:rPr lang="en-US" altLang="zh-CN" sz="1600" dirty="0">
+              <a:t>赋值语句</a:t>
+            </a:r>
+            <a:endParaRPr lang="zh-CN" altLang="en-US" sz="1600" dirty="0">
+              <a:solidFill>
+                <a:srgbClr val="474747"/>
+              </a:solidFill>
+              <a:latin typeface="微软雅黑" panose="020B0503020204020204" charset="-122"/>
+              <a:ea typeface="微软雅黑" panose="020B0503020204020204" charset="-122"/>
+              <a:cs typeface="微软雅黑" panose="020B0503020204020204" charset="-122"/>
+              <a:sym typeface="Calibri" panose="020F0502020204030204" pitchFamily="34" charset="0"/>
+            </a:endParaRPr>
+          </a:p>
+        </p:txBody>
+      </p:sp>
+      <p:sp>
+        <p:nvSpPr>
+          <p:cNvPr id="4" name="文本框 3"/>
+          <p:cNvSpPr txBox="1"/>
+          <p:nvPr/>
+        </p:nvSpPr>
+        <p:spPr>
+          <a:xfrm>
+            <a:off x="622935" y="3835083"/>
+            <a:ext cx="6915150" cy="583565"/>
+          </a:xfrm>
+          <a:prstGeom prst="rect">
+            <a:avLst/>
+          </a:prstGeom>
+          <a:noFill/>
+        </p:spPr>
+        <p:txBody>
+          <a:bodyPr wrap="square" rtlCol="0" anchor="t">
+            <a:spAutoFit/>
+          </a:bodyPr>
+          <a:p>
+            <a:pPr marL="800100" lvl="1" indent="-342900" algn="l">
+              <a:lnSpc>
+                <a:spcPct val="100000"/>
+              </a:lnSpc>
+              <a:spcBef>
+                <a:spcPts val="0"/>
+              </a:spcBef>
+              <a:spcAft>
+                <a:spcPts val="0"/>
+              </a:spcAft>
+              <a:buFont typeface="Wingdings" panose="05000000000000000000" pitchFamily="2" charset="2"/>
+              <a:buChar char="u"/>
+            </a:pPr>
+            <a:r>
+              <a:rPr lang="zh-CN" altLang="en-US" sz="1600" dirty="0">
                 <a:solidFill>
                   <a:srgbClr val="474747"/>
                 </a:solidFill>
@@ -14887,9 +14928,141 @@
                 <a:cs typeface="微软雅黑" panose="020B0503020204020204" charset="-122"/>
                 <a:sym typeface="Calibri" panose="020F0502020204030204" pitchFamily="34" charset="0"/>
               </a:rPr>
-              <a:t> </a:t>
-            </a:r>
-            <a:endParaRPr lang="en-US" altLang="zh-CN" sz="1600" dirty="0">
+              <a:t>表达式语句(有</a:t>
+            </a:r>
+            <a:r>
+              <a:rPr lang="zh-CN" altLang="en-US" sz="1600" dirty="0">
+                <a:solidFill>
+                  <a:srgbClr val="FF0000"/>
+                </a:solidFill>
+                <a:latin typeface="微软雅黑" panose="020B0503020204020204" charset="-122"/>
+                <a:ea typeface="微软雅黑" panose="020B0503020204020204" charset="-122"/>
+                <a:cs typeface="微软雅黑" panose="020B0503020204020204" charset="-122"/>
+                <a:sym typeface="Calibri" panose="020F0502020204030204" pitchFamily="34" charset="0"/>
+              </a:rPr>
+              <a:t>返回值</a:t>
+            </a:r>
+            <a:r>
+              <a:rPr lang="zh-CN" altLang="en-US" sz="1600" dirty="0">
+                <a:solidFill>
+                  <a:srgbClr val="474747"/>
+                </a:solidFill>
+                <a:latin typeface="微软雅黑" panose="020B0503020204020204" charset="-122"/>
+                <a:ea typeface="微软雅黑" panose="020B0503020204020204" charset="-122"/>
+                <a:cs typeface="微软雅黑" panose="020B0503020204020204" charset="-122"/>
+                <a:sym typeface="Calibri" panose="020F0502020204030204" pitchFamily="34" charset="0"/>
+              </a:rPr>
+              <a:t>)</a:t>
+            </a:r>
+            <a:endParaRPr lang="zh-CN" altLang="en-US" sz="1600" dirty="0">
+              <a:solidFill>
+                <a:srgbClr val="474747"/>
+              </a:solidFill>
+              <a:latin typeface="微软雅黑" panose="020B0503020204020204" charset="-122"/>
+              <a:ea typeface="微软雅黑" panose="020B0503020204020204" charset="-122"/>
+              <a:cs typeface="微软雅黑" panose="020B0503020204020204" charset="-122"/>
+              <a:sym typeface="Calibri" panose="020F0502020204030204" pitchFamily="34" charset="0"/>
+            </a:endParaRPr>
+          </a:p>
+          <a:p>
+            <a:pPr marL="1257300" lvl="2" indent="-342900" algn="l">
+              <a:lnSpc>
+                <a:spcPct val="100000"/>
+              </a:lnSpc>
+              <a:spcBef>
+                <a:spcPts val="0"/>
+              </a:spcBef>
+              <a:spcAft>
+                <a:spcPts val="0"/>
+              </a:spcAft>
+              <a:buFont typeface="Wingdings" panose="05000000000000000000" pitchFamily="2" charset="2"/>
+              <a:buChar char="u"/>
+            </a:pPr>
+            <a:r>
+              <a:rPr lang="zh-CN" altLang="en-US" sz="1600" dirty="0">
+                <a:solidFill>
+                  <a:srgbClr val="474747"/>
+                </a:solidFill>
+                <a:latin typeface="微软雅黑" panose="020B0503020204020204" charset="-122"/>
+                <a:ea typeface="微软雅黑" panose="020B0503020204020204" charset="-122"/>
+                <a:cs typeface="微软雅黑" panose="020B0503020204020204" charset="-122"/>
+                <a:sym typeface="Calibri" panose="020F0502020204030204" pitchFamily="34" charset="0"/>
+              </a:rPr>
+              <a:t>由</a:t>
+            </a:r>
+            <a:r>
+              <a:rPr lang="zh-CN" altLang="en-US" sz="1600" dirty="0">
+                <a:solidFill>
+                  <a:srgbClr val="FF0000"/>
+                </a:solidFill>
+                <a:latin typeface="微软雅黑" panose="020B0503020204020204" charset="-122"/>
+                <a:ea typeface="微软雅黑" panose="020B0503020204020204" charset="-122"/>
+                <a:cs typeface="微软雅黑" panose="020B0503020204020204" charset="-122"/>
+                <a:sym typeface="Calibri" panose="020F0502020204030204" pitchFamily="34" charset="0"/>
+              </a:rPr>
+              <a:t>数据</a:t>
+            </a:r>
+            <a:r>
+              <a:rPr lang="zh-CN" altLang="en-US" sz="1600" dirty="0">
+                <a:solidFill>
+                  <a:srgbClr val="474747"/>
+                </a:solidFill>
+                <a:latin typeface="微软雅黑" panose="020B0503020204020204" charset="-122"/>
+                <a:ea typeface="微软雅黑" panose="020B0503020204020204" charset="-122"/>
+                <a:cs typeface="微软雅黑" panose="020B0503020204020204" charset="-122"/>
+                <a:sym typeface="Calibri" panose="020F0502020204030204" pitchFamily="34" charset="0"/>
+              </a:rPr>
+              <a:t>和一些</a:t>
+            </a:r>
+            <a:r>
+              <a:rPr lang="zh-CN" altLang="en-US" sz="1600" dirty="0">
+                <a:solidFill>
+                  <a:srgbClr val="FF0000"/>
+                </a:solidFill>
+                <a:latin typeface="微软雅黑" panose="020B0503020204020204" charset="-122"/>
+                <a:ea typeface="微软雅黑" panose="020B0503020204020204" charset="-122"/>
+                <a:cs typeface="微软雅黑" panose="020B0503020204020204" charset="-122"/>
+                <a:sym typeface="Calibri" panose="020F0502020204030204" pitchFamily="34" charset="0"/>
+              </a:rPr>
+              <a:t>运算符</a:t>
+            </a:r>
+            <a:r>
+              <a:rPr lang="zh-CN" altLang="en-US" sz="1600" dirty="0">
+                <a:solidFill>
+                  <a:srgbClr val="474747"/>
+                </a:solidFill>
+                <a:latin typeface="微软雅黑" panose="020B0503020204020204" charset="-122"/>
+                <a:ea typeface="微软雅黑" panose="020B0503020204020204" charset="-122"/>
+                <a:cs typeface="微软雅黑" panose="020B0503020204020204" charset="-122"/>
+                <a:sym typeface="Calibri" panose="020F0502020204030204" pitchFamily="34" charset="0"/>
+              </a:rPr>
+              <a:t>或者</a:t>
+            </a:r>
+            <a:r>
+              <a:rPr lang="zh-CN" altLang="en-US" sz="1600" dirty="0">
+                <a:solidFill>
+                  <a:srgbClr val="FF0000"/>
+                </a:solidFill>
+                <a:latin typeface="微软雅黑" panose="020B0503020204020204" charset="-122"/>
+                <a:ea typeface="微软雅黑" panose="020B0503020204020204" charset="-122"/>
+                <a:cs typeface="微软雅黑" panose="020B0503020204020204" charset="-122"/>
+                <a:sym typeface="Calibri" panose="020F0502020204030204" pitchFamily="34" charset="0"/>
+              </a:rPr>
+              <a:t>函数</a:t>
+            </a:r>
+            <a:r>
+              <a:rPr lang="zh-CN" altLang="en-US" sz="1600" dirty="0">
+                <a:solidFill>
+                  <a:srgbClr val="474747"/>
+                </a:solidFill>
+                <a:latin typeface="微软雅黑" panose="020B0503020204020204" charset="-122"/>
+                <a:ea typeface="微软雅黑" panose="020B0503020204020204" charset="-122"/>
+                <a:cs typeface="微软雅黑" panose="020B0503020204020204" charset="-122"/>
+                <a:sym typeface="Calibri" panose="020F0502020204030204" pitchFamily="34" charset="0"/>
+              </a:rPr>
+              <a:t>构成</a:t>
+            </a:r>
+            <a:endParaRPr lang="zh-CN" altLang="en-US" sz="1600" dirty="0">
               <a:solidFill>
                 <a:srgbClr val="474747"/>
               </a:solidFill>
@@ -15211,7 +15384,7 @@
               <a:t> </a:t>
             </a:r>
             <a:r>
-              <a:rPr sz="2200" u="sng" strike="noStrike" kern="0" cap="none" spc="0" baseline="0" dirty="0">
+              <a:rPr lang="zh-CN" sz="2200" u="sng" strike="noStrike" kern="0" cap="none" spc="0" baseline="0" dirty="0">
                 <a:solidFill>
                   <a:srgbClr val="212121"/>
                 </a:solidFill>
@@ -15219,9 +15392,9 @@
                 <a:ea typeface="微软雅黑" panose="020B0503020204020204" charset="-122"/>
                 <a:cs typeface="Times New Roman" panose="02020603050405020304" charset="0"/>
               </a:rPr>
-              <a:t>语句</a:t>
-            </a:r>
-            <a:endParaRPr sz="2200" u="sng" strike="noStrike" kern="0" cap="none" spc="0" baseline="0" dirty="0">
+              <a:t>谢谢</a:t>
+            </a:r>
+            <a:endParaRPr lang="zh-CN" sz="2200" u="sng" strike="noStrike" kern="0" cap="none" spc="0" baseline="0" dirty="0">
               <a:solidFill>
                 <a:srgbClr val="212121"/>
               </a:solidFill>
@@ -15240,7 +15413,7 @@
         </p:nvSpPr>
         <p:spPr>
           <a:xfrm>
-            <a:off x="622935" y="2135188"/>
+            <a:off x="542290" y="2243138"/>
             <a:ext cx="7918450" cy="337185"/>
           </a:xfrm>
           <a:prstGeom prst="rect">
@@ -15264,7 +15437,7 @@
               <a:buChar char="u"/>
             </a:pPr>
             <a:r>
-              <a:rPr sz="1600" u="none" strike="noStrike" kern="1200" cap="none" spc="0" baseline="0" dirty="0">
+              <a:rPr lang="zh-CN" sz="1600" u="none" strike="noStrike" kern="1200" cap="none" spc="0" baseline="0" dirty="0">
                 <a:solidFill>
                   <a:srgbClr val="474747"/>
                 </a:solidFill>
@@ -15272,9 +15445,9 @@
                 <a:ea typeface="微软雅黑" panose="020B0503020204020204" charset="-122"/>
                 <a:cs typeface="微软雅黑" panose="020B0503020204020204" charset="-122"/>
               </a:rPr>
-              <a:t>声明语句</a:t>
-            </a:r>
-            <a:endParaRPr sz="1600" u="none" strike="noStrike" kern="1200" cap="none" spc="0" baseline="0" dirty="0">
+              <a:t>谢谢</a:t>
+            </a:r>
+            <a:endParaRPr lang="zh-CN" sz="1600" u="none" strike="noStrike" kern="1200" cap="none" spc="0" baseline="0" dirty="0">
               <a:solidFill>
                 <a:srgbClr val="474747"/>
               </a:solidFill>
@@ -15343,8 +15516,8 @@
         </p:nvSpPr>
         <p:spPr>
           <a:xfrm>
-            <a:off x="622935" y="3104198"/>
-            <a:ext cx="7918450" cy="583565"/>
+            <a:off x="542290" y="3209608"/>
+            <a:ext cx="7918450" cy="337185"/>
           </a:xfrm>
           <a:prstGeom prst="rect">
             <a:avLst/>
@@ -15362,29 +15535,20 @@
           </a:bodyPr>
           <a:p>
             <a:pPr marL="800100" lvl="1" indent="-342900" algn="l">
-              <a:lnSpc>
-                <a:spcPct val="100000"/>
-              </a:lnSpc>
-              <a:spcBef>
-                <a:spcPts val="0"/>
-              </a:spcBef>
-              <a:spcAft>
-                <a:spcPts val="0"/>
-              </a:spcAft>
               <a:buFont typeface="Wingdings" panose="05000000000000000000" pitchFamily="2" charset="2"/>
               <a:buChar char="u"/>
             </a:pPr>
             <a:r>
-              <a:rPr lang="zh-CN" altLang="en-US" sz="1600" dirty="0">
+              <a:rPr lang="zh-CN" sz="1600" dirty="0">
                 <a:solidFill>
                   <a:srgbClr val="474747"/>
                 </a:solidFill>
                 <a:latin typeface="微软雅黑" panose="020B0503020204020204" charset="-122"/>
                 <a:ea typeface="微软雅黑" panose="020B0503020204020204" charset="-122"/>
                 <a:cs typeface="微软雅黑" panose="020B0503020204020204" charset="-122"/>
-                <a:sym typeface="Calibri" panose="020F0502020204030204" pitchFamily="34" charset="0"/>
-              </a:rPr>
-              <a:t>控制语句</a:t>
+                <a:sym typeface="+mn-ea"/>
+              </a:rPr>
+              <a:t>谢谢</a:t>
             </a:r>
             <a:endParaRPr lang="zh-CN" altLang="en-US" sz="1600" dirty="0">
               <a:solidFill>
@@ -15396,42 +15560,6 @@
               <a:sym typeface="Calibri" panose="020F0502020204030204" pitchFamily="34" charset="0"/>
             </a:endParaRPr>
           </a:p>
-          <a:p>
-            <a:pPr marL="1257300" lvl="2" indent="-342900" algn="l">
-              <a:lnSpc>
-                <a:spcPct val="100000"/>
-              </a:lnSpc>
-              <a:spcBef>
-                <a:spcPts val="0"/>
-              </a:spcBef>
-              <a:spcAft>
-                <a:spcPts val="0"/>
-              </a:spcAft>
-              <a:buFont typeface="Wingdings" panose="05000000000000000000" pitchFamily="2" charset="2"/>
-              <a:buChar char="u"/>
-            </a:pPr>
-            <a:r>
-              <a:rPr lang="zh-CN" altLang="en-US" sz="1600" dirty="0">
-                <a:solidFill>
-                  <a:srgbClr val="474747"/>
-                </a:solidFill>
-                <a:latin typeface="微软雅黑" panose="020B0503020204020204" charset="-122"/>
-                <a:ea typeface="微软雅黑" panose="020B0503020204020204" charset="-122"/>
-                <a:cs typeface="微软雅黑" panose="020B0503020204020204" charset="-122"/>
-                <a:sym typeface="Calibri" panose="020F0502020204030204" pitchFamily="34" charset="0"/>
-              </a:rPr>
-              <a:t>循环语句和if语句就是典型的语句 </a:t>
-            </a:r>
-            <a:endParaRPr lang="zh-CN" altLang="en-US" sz="1600" dirty="0">
-              <a:solidFill>
-                <a:srgbClr val="474747"/>
-              </a:solidFill>
-              <a:latin typeface="微软雅黑" panose="020B0503020204020204" charset="-122"/>
-              <a:ea typeface="微软雅黑" panose="020B0503020204020204" charset="-122"/>
-              <a:cs typeface="微软雅黑" panose="020B0503020204020204" charset="-122"/>
-              <a:sym typeface="Calibri" panose="020F0502020204030204" pitchFamily="34" charset="0"/>
-            </a:endParaRPr>
-          </a:p>
         </p:txBody>
       </p:sp>
       <p:sp>
@@ -15442,7 +15570,7 @@
         </p:nvSpPr>
         <p:spPr>
           <a:xfrm>
-            <a:off x="622935" y="2619693"/>
+            <a:off x="542290" y="2726373"/>
             <a:ext cx="6915150" cy="337185"/>
           </a:xfrm>
           <a:prstGeom prst="rect">
@@ -15456,221 +15584,22 @@
           </a:bodyPr>
           <a:p>
             <a:pPr marL="800100" lvl="1" indent="-342900" algn="l">
-              <a:lnSpc>
-                <a:spcPct val="100000"/>
-              </a:lnSpc>
-              <a:spcBef>
-                <a:spcPts val="0"/>
-              </a:spcBef>
-              <a:spcAft>
-                <a:spcPts val="0"/>
-              </a:spcAft>
               <a:buFont typeface="Wingdings" panose="05000000000000000000" pitchFamily="2" charset="2"/>
               <a:buChar char="u"/>
             </a:pPr>
             <a:r>
-              <a:rPr lang="zh-CN" altLang="en-US" sz="1600" dirty="0">
+              <a:rPr lang="zh-CN" sz="1600" dirty="0">
                 <a:solidFill>
                   <a:srgbClr val="474747"/>
                 </a:solidFill>
                 <a:latin typeface="微软雅黑" panose="020B0503020204020204" charset="-122"/>
                 <a:ea typeface="微软雅黑" panose="020B0503020204020204" charset="-122"/>
                 <a:cs typeface="微软雅黑" panose="020B0503020204020204" charset="-122"/>
-                <a:sym typeface="Calibri" panose="020F0502020204030204" pitchFamily="34" charset="0"/>
-              </a:rPr>
-              <a:t>赋值语句</a:t>
-            </a:r>
-            <a:endParaRPr lang="zh-CN" altLang="en-US" sz="1600" dirty="0">
-              <a:solidFill>
-                <a:srgbClr val="474747"/>
-              </a:solidFill>
-              <a:latin typeface="微软雅黑" panose="020B0503020204020204" charset="-122"/>
-              <a:ea typeface="微软雅黑" panose="020B0503020204020204" charset="-122"/>
-              <a:cs typeface="微软雅黑" panose="020B0503020204020204" charset="-122"/>
-              <a:sym typeface="Calibri" panose="020F0502020204030204" pitchFamily="34" charset="0"/>
-            </a:endParaRPr>
-          </a:p>
-        </p:txBody>
-      </p:sp>
-      <p:sp>
-        <p:nvSpPr>
-          <p:cNvPr id="4" name="文本框 3"/>
-          <p:cNvSpPr txBox="1"/>
-          <p:nvPr/>
-        </p:nvSpPr>
-        <p:spPr>
-          <a:xfrm>
-            <a:off x="622935" y="3835083"/>
-            <a:ext cx="6915150" cy="583565"/>
-          </a:xfrm>
-          <a:prstGeom prst="rect">
-            <a:avLst/>
-          </a:prstGeom>
-          <a:noFill/>
-        </p:spPr>
-        <p:txBody>
-          <a:bodyPr wrap="square" rtlCol="0" anchor="t">
-            <a:spAutoFit/>
-          </a:bodyPr>
-          <a:p>
-            <a:pPr marL="800100" lvl="1" indent="-342900" algn="l">
-              <a:lnSpc>
-                <a:spcPct val="100000"/>
-              </a:lnSpc>
-              <a:spcBef>
-                <a:spcPts val="0"/>
-              </a:spcBef>
-              <a:spcAft>
-                <a:spcPts val="0"/>
-              </a:spcAft>
-              <a:buFont typeface="Wingdings" panose="05000000000000000000" pitchFamily="2" charset="2"/>
-              <a:buChar char="u"/>
-            </a:pPr>
-            <a:r>
-              <a:rPr lang="zh-CN" altLang="en-US" sz="1600" dirty="0">
-                <a:solidFill>
-                  <a:srgbClr val="474747"/>
-                </a:solidFill>
-                <a:latin typeface="微软雅黑" panose="020B0503020204020204" charset="-122"/>
-                <a:ea typeface="微软雅黑" panose="020B0503020204020204" charset="-122"/>
-                <a:cs typeface="微软雅黑" panose="020B0503020204020204" charset="-122"/>
-                <a:sym typeface="Calibri" panose="020F0502020204030204" pitchFamily="34" charset="0"/>
-              </a:rPr>
-              <a:t>表达式语句(有</a:t>
-            </a:r>
-            <a:r>
-              <a:rPr lang="zh-CN" altLang="en-US" sz="1600" dirty="0">
-                <a:solidFill>
-                  <a:srgbClr val="FF0000"/>
-                </a:solidFill>
-                <a:latin typeface="微软雅黑" panose="020B0503020204020204" charset="-122"/>
-                <a:ea typeface="微软雅黑" panose="020B0503020204020204" charset="-122"/>
-                <a:cs typeface="微软雅黑" panose="020B0503020204020204" charset="-122"/>
-                <a:sym typeface="Calibri" panose="020F0502020204030204" pitchFamily="34" charset="0"/>
-              </a:rPr>
-              <a:t>返回值</a:t>
-            </a:r>
-            <a:r>
-              <a:rPr lang="zh-CN" altLang="en-US" sz="1600" dirty="0">
-                <a:solidFill>
-                  <a:srgbClr val="474747"/>
-                </a:solidFill>
-                <a:latin typeface="微软雅黑" panose="020B0503020204020204" charset="-122"/>
-                <a:ea typeface="微软雅黑" panose="020B0503020204020204" charset="-122"/>
-                <a:cs typeface="微软雅黑" panose="020B0503020204020204" charset="-122"/>
-                <a:sym typeface="Calibri" panose="020F0502020204030204" pitchFamily="34" charset="0"/>
-              </a:rPr>
-              <a:t>)</a:t>
-            </a:r>
-            <a:endParaRPr lang="zh-CN" altLang="en-US" sz="1600" dirty="0">
-              <a:solidFill>
-                <a:srgbClr val="474747"/>
-              </a:solidFill>
-              <a:latin typeface="微软雅黑" panose="020B0503020204020204" charset="-122"/>
-              <a:ea typeface="微软雅黑" panose="020B0503020204020204" charset="-122"/>
-              <a:cs typeface="微软雅黑" panose="020B0503020204020204" charset="-122"/>
-              <a:sym typeface="Calibri" panose="020F0502020204030204" pitchFamily="34" charset="0"/>
-            </a:endParaRPr>
-          </a:p>
-          <a:p>
-            <a:pPr marL="1257300" lvl="2" indent="-342900" algn="l">
-              <a:lnSpc>
-                <a:spcPct val="100000"/>
-              </a:lnSpc>
-              <a:spcBef>
-                <a:spcPts val="0"/>
-              </a:spcBef>
-              <a:spcAft>
-                <a:spcPts val="0"/>
-              </a:spcAft>
-              <a:buFont typeface="Wingdings" panose="05000000000000000000" pitchFamily="2" charset="2"/>
-              <a:buChar char="u"/>
-            </a:pPr>
-            <a:r>
-              <a:rPr lang="zh-CN" altLang="en-US" sz="1600" dirty="0">
-                <a:solidFill>
-                  <a:srgbClr val="474747"/>
-                </a:solidFill>
-                <a:latin typeface="微软雅黑" panose="020B0503020204020204" charset="-122"/>
-                <a:ea typeface="微软雅黑" panose="020B0503020204020204" charset="-122"/>
-                <a:cs typeface="微软雅黑" panose="020B0503020204020204" charset="-122"/>
-                <a:sym typeface="Calibri" panose="020F0502020204030204" pitchFamily="34" charset="0"/>
-              </a:rPr>
-              <a:t>由</a:t>
-            </a:r>
-            <a:r>
-              <a:rPr lang="zh-CN" altLang="en-US" sz="1600" dirty="0">
-                <a:solidFill>
-                  <a:srgbClr val="FF0000"/>
-                </a:solidFill>
-                <a:latin typeface="微软雅黑" panose="020B0503020204020204" charset="-122"/>
-                <a:ea typeface="微软雅黑" panose="020B0503020204020204" charset="-122"/>
-                <a:cs typeface="微软雅黑" panose="020B0503020204020204" charset="-122"/>
-                <a:sym typeface="Calibri" panose="020F0502020204030204" pitchFamily="34" charset="0"/>
-              </a:rPr>
-              <a:t>数据</a:t>
-            </a:r>
-            <a:r>
-              <a:rPr lang="zh-CN" altLang="en-US" sz="1600" dirty="0">
-                <a:solidFill>
-                  <a:srgbClr val="474747"/>
-                </a:solidFill>
-                <a:latin typeface="微软雅黑" panose="020B0503020204020204" charset="-122"/>
-                <a:ea typeface="微软雅黑" panose="020B0503020204020204" charset="-122"/>
-                <a:cs typeface="微软雅黑" panose="020B0503020204020204" charset="-122"/>
-                <a:sym typeface="Calibri" panose="020F0502020204030204" pitchFamily="34" charset="0"/>
-              </a:rPr>
-              <a:t>和一些</a:t>
-            </a:r>
-            <a:r>
-              <a:rPr lang="zh-CN" altLang="en-US" sz="1600" dirty="0">
-                <a:solidFill>
-                  <a:srgbClr val="FF0000"/>
-                </a:solidFill>
-                <a:latin typeface="微软雅黑" panose="020B0503020204020204" charset="-122"/>
-                <a:ea typeface="微软雅黑" panose="020B0503020204020204" charset="-122"/>
-                <a:cs typeface="微软雅黑" panose="020B0503020204020204" charset="-122"/>
-                <a:sym typeface="Calibri" panose="020F0502020204030204" pitchFamily="34" charset="0"/>
-              </a:rPr>
-              <a:t>运算符</a:t>
-            </a:r>
-            <a:r>
-              <a:rPr lang="zh-CN" altLang="en-US" sz="1600" dirty="0">
-                <a:solidFill>
-                  <a:srgbClr val="474747"/>
-                </a:solidFill>
-                <a:latin typeface="微软雅黑" panose="020B0503020204020204" charset="-122"/>
-                <a:ea typeface="微软雅黑" panose="020B0503020204020204" charset="-122"/>
-                <a:cs typeface="微软雅黑" panose="020B0503020204020204" charset="-122"/>
-                <a:sym typeface="Calibri" panose="020F0502020204030204" pitchFamily="34" charset="0"/>
-              </a:rPr>
-              <a:t>或者</a:t>
-            </a:r>
-            <a:r>
-              <a:rPr lang="zh-CN" altLang="en-US" sz="1600" dirty="0">
-                <a:solidFill>
-                  <a:srgbClr val="FF0000"/>
-                </a:solidFill>
-                <a:latin typeface="微软雅黑" panose="020B0503020204020204" charset="-122"/>
-                <a:ea typeface="微软雅黑" panose="020B0503020204020204" charset="-122"/>
-                <a:cs typeface="微软雅黑" panose="020B0503020204020204" charset="-122"/>
-                <a:sym typeface="Calibri" panose="020F0502020204030204" pitchFamily="34" charset="0"/>
-              </a:rPr>
-              <a:t>函数</a:t>
-            </a:r>
-            <a:r>
-              <a:rPr lang="zh-CN" altLang="en-US" sz="1600" dirty="0">
-                <a:solidFill>
-                  <a:srgbClr val="474747"/>
-                </a:solidFill>
-                <a:latin typeface="微软雅黑" panose="020B0503020204020204" charset="-122"/>
-                <a:ea typeface="微软雅黑" panose="020B0503020204020204" charset="-122"/>
-                <a:cs typeface="微软雅黑" panose="020B0503020204020204" charset="-122"/>
-                <a:sym typeface="Calibri" panose="020F0502020204030204" pitchFamily="34" charset="0"/>
-              </a:rPr>
-              <a:t>构成</a:t>
-            </a:r>
-            <a:endParaRPr lang="zh-CN" altLang="en-US" sz="1600" dirty="0">
+                <a:sym typeface="+mn-ea"/>
+              </a:rPr>
+              <a:t>谢谢</a:t>
+            </a:r>
+            <a:endParaRPr lang="en-US" altLang="zh-CN" sz="1600" dirty="0">
               <a:solidFill>
                 <a:srgbClr val="474747"/>
               </a:solidFill>

--- a/tuling/go语言_傻大猫.pptx
+++ b/tuling/go语言_傻大猫.pptx
@@ -14,22 +14,21 @@
     <p:sldId id="320" r:id="rId7"/>
     <p:sldId id="321" r:id="rId8"/>
     <p:sldId id="319" r:id="rId9"/>
-    <p:sldId id="324" r:id="rId10"/>
-    <p:sldId id="326" r:id="rId11"/>
-    <p:sldId id="325" r:id="rId12"/>
-    <p:sldId id="327" r:id="rId13"/>
-    <p:sldId id="322" r:id="rId14"/>
-    <p:sldId id="344" r:id="rId15"/>
-    <p:sldId id="345" r:id="rId16"/>
-    <p:sldId id="346" r:id="rId17"/>
-    <p:sldId id="347" r:id="rId18"/>
-    <p:sldId id="348" r:id="rId19"/>
-    <p:sldId id="349" r:id="rId20"/>
-    <p:sldId id="350" r:id="rId21"/>
-    <p:sldId id="351" r:id="rId22"/>
-    <p:sldId id="352" r:id="rId23"/>
-    <p:sldId id="353" r:id="rId24"/>
-    <p:sldId id="354" r:id="rId25"/>
+    <p:sldId id="326" r:id="rId10"/>
+    <p:sldId id="325" r:id="rId11"/>
+    <p:sldId id="327" r:id="rId12"/>
+    <p:sldId id="322" r:id="rId13"/>
+    <p:sldId id="344" r:id="rId14"/>
+    <p:sldId id="345" r:id="rId15"/>
+    <p:sldId id="346" r:id="rId16"/>
+    <p:sldId id="347" r:id="rId17"/>
+    <p:sldId id="348" r:id="rId18"/>
+    <p:sldId id="349" r:id="rId19"/>
+    <p:sldId id="350" r:id="rId20"/>
+    <p:sldId id="351" r:id="rId21"/>
+    <p:sldId id="352" r:id="rId22"/>
+    <p:sldId id="353" r:id="rId23"/>
+    <p:sldId id="354" r:id="rId24"/>
   </p:sldIdLst>
   <p:sldSz cx="9144000" cy="5143500" type="screen16x9"/>
   <p:notesSz cx="6858000" cy="9144000"/>
@@ -1983,110 +1982,6 @@
           </a:p>
           <a:p>
             <a:endParaRPr lang="en-US" altLang="zh-CN"/>
-          </a:p>
-        </p:txBody>
-      </p:sp>
-      <p:sp>
-        <p:nvSpPr>
-          <p:cNvPr id="9" name="文本框"/>
-          <p:cNvSpPr>
-            <a:spLocks noGrp="1"/>
-          </p:cNvSpPr>
-          <p:nvPr>
-            <p:ph type="sldNum" idx="5"/>
-          </p:nvPr>
-        </p:nvSpPr>
-        <p:spPr>
-          <a:xfrm>
-            <a:off x="3884613" y="8685213"/>
-            <a:ext cx="2971800" cy="457200"/>
-          </a:xfrm>
-          <a:prstGeom prst="rect">
-            <a:avLst/>
-          </a:prstGeom>
-          <a:noFill/>
-          <a:ln w="9525" cap="flat" cmpd="sng">
-            <a:noFill/>
-            <a:prstDash val="solid"/>
-            <a:round/>
-          </a:ln>
-        </p:spPr>
-        <p:txBody>
-          <a:bodyPr vert="horz" wrap="square" lIns="91440" tIns="45720" rIns="91440" bIns="45720" anchor="b" anchorCtr="0"/>
-          <a:lstStyle/>
-          <a:p>
-            <a:pPr algn="r"/>
-            <a:fld id="{CAD2D6BD-DE1B-4B5F-8B41-2702339687B9}" type="slidenum">
-              <a:rPr lang="en-US" altLang="zh-CN" sz="1800" u="none" strike="noStrike" kern="1200" cap="none" spc="0" baseline="0">
-                <a:solidFill>
-                  <a:schemeClr val="tx1"/>
-                </a:solidFill>
-                <a:latin typeface="Calibri" panose="020F0502020204030204" pitchFamily="34" charset="0"/>
-                <a:ea typeface="宋体" panose="02010600030101010101" pitchFamily="2" charset="-122"/>
-                <a:cs typeface="Calibri" panose="020F0502020204030204" pitchFamily="34" charset="0"/>
-              </a:rPr>
-            </a:fld>
-            <a:endParaRPr lang="zh-CN" altLang="en-US" sz="1200">
-              <a:latin typeface="Calibri" panose="020F0502020204030204" pitchFamily="34" charset="0"/>
-              <a:ea typeface="宋体" panose="02010600030101010101" pitchFamily="2" charset="-122"/>
-              <a:cs typeface="Calibri" panose="020F0502020204030204" pitchFamily="34" charset="0"/>
-            </a:endParaRPr>
-          </a:p>
-        </p:txBody>
-      </p:sp>
-    </p:spTree>
-  </p:cSld>
-  <p:clrMapOvr>
-    <a:masterClrMapping/>
-  </p:clrMapOvr>
-</p:notes>
-</file>
-
-<file path=ppt/notesSlides/notesSlide20.xml><?xml version="1.0" encoding="utf-8"?>
-<p:notes xmlns:a="http://schemas.openxmlformats.org/drawingml/2006/main" xmlns:r="http://schemas.openxmlformats.org/officeDocument/2006/relationships" xmlns:p="http://schemas.openxmlformats.org/presentationml/2006/main">
-  <p:cSld>
-    <p:spTree>
-      <p:nvGrpSpPr>
-        <p:cNvPr id="1" name=""/>
-        <p:cNvGrpSpPr/>
-        <p:nvPr/>
-      </p:nvGrpSpPr>
-      <p:grpSpPr>
-        <a:xfrm>
-          <a:off x="0" y="0"/>
-          <a:ext cx="0" cy="0"/>
-          <a:chOff x="0" y="0"/>
-          <a:chExt cx="0" cy="0"/>
-        </a:xfrm>
-      </p:grpSpPr>
-      <p:sp>
-        <p:nvSpPr>
-          <p:cNvPr id="2" name="文本框"/>
-          <p:cNvSpPr>
-            <a:spLocks noGrp="1" noRot="1" noChangeAspect="1"/>
-          </p:cNvSpPr>
-          <p:nvPr>
-            <p:ph type="sldImg"/>
-          </p:nvPr>
-        </p:nvSpPr>
-        <p:spPr/>
-      </p:sp>
-      <p:sp>
-        <p:nvSpPr>
-          <p:cNvPr id="3" name="文本框"/>
-          <p:cNvSpPr>
-            <a:spLocks noGrp="1"/>
-          </p:cNvSpPr>
-          <p:nvPr>
-            <p:ph type="body" idx="1"/>
-          </p:nvPr>
-        </p:nvSpPr>
-        <p:spPr/>
-        <p:txBody>
-          <a:bodyPr/>
-          <a:lstStyle/>
-          <a:p>
-            <a:endParaRPr lang="zh-CN" altLang="en-US"/>
           </a:p>
         </p:txBody>
       </p:sp>
@@ -8504,7 +8399,7 @@
               <a:t> </a:t>
             </a:r>
             <a:r>
-              <a:rPr sz="2200" u="sng" strike="noStrike" kern="0" cap="none" spc="0" baseline="0" dirty="0">
+              <a:rPr lang="zh-CN" sz="2200" u="sng" strike="noStrike" kern="0" cap="none" spc="0" baseline="0" dirty="0">
                 <a:solidFill>
                   <a:srgbClr val="212121"/>
                 </a:solidFill>
@@ -8512,42 +8407,9 @@
                 <a:ea typeface="微软雅黑" panose="020B0503020204020204" charset="-122"/>
                 <a:cs typeface="Times New Roman" panose="02020603050405020304" charset="0"/>
               </a:rPr>
-              <a:t>人类认识和表示事物的基本方式</a:t>
-            </a:r>
-            <a:r>
-              <a:rPr lang="en-US" sz="2200" u="sng" strike="noStrike" kern="0" cap="none" spc="0" baseline="0" dirty="0">
-                <a:solidFill>
-                  <a:srgbClr val="212121"/>
-                </a:solidFill>
-                <a:latin typeface="微软雅黑" panose="020B0503020204020204" charset="-122"/>
-                <a:ea typeface="微软雅黑" panose="020B0503020204020204" charset="-122"/>
-                <a:cs typeface="Times New Roman" panose="02020603050405020304" charset="0"/>
-              </a:rPr>
-              <a:t>(</a:t>
-            </a:r>
-            <a:r>
-              <a:rPr lang="zh-CN" altLang="en-US" sz="2200" u="sng" strike="noStrike" kern="0" cap="none" spc="0" baseline="0" dirty="0">
-                <a:solidFill>
-                  <a:srgbClr val="212121"/>
-                </a:solidFill>
-                <a:latin typeface="微软雅黑" panose="020B0503020204020204" charset="-122"/>
-                <a:ea typeface="微软雅黑" panose="020B0503020204020204" charset="-122"/>
-                <a:cs typeface="Times New Roman" panose="02020603050405020304" charset="0"/>
-              </a:rPr>
-              <a:t>编程也是这样的</a:t>
-            </a:r>
-            <a:r>
-              <a:rPr lang="en-US" sz="2200" u="sng" strike="noStrike" kern="0" cap="none" spc="0" baseline="0" dirty="0">
-                <a:solidFill>
-                  <a:srgbClr val="212121"/>
-                </a:solidFill>
-                <a:latin typeface="微软雅黑" panose="020B0503020204020204" charset="-122"/>
-                <a:ea typeface="微软雅黑" panose="020B0503020204020204" charset="-122"/>
-                <a:cs typeface="Times New Roman" panose="02020603050405020304" charset="0"/>
-              </a:rPr>
-              <a:t>)</a:t>
-            </a:r>
-            <a:endParaRPr lang="en-US" sz="2200" u="sng" strike="noStrike" kern="0" cap="none" spc="0" baseline="0" dirty="0">
+              <a:t>谢谢</a:t>
+            </a:r>
+            <a:endParaRPr lang="zh-CN" sz="2200" u="sng" strike="noStrike" kern="0" cap="none" spc="0" baseline="0" dirty="0">
               <a:solidFill>
                 <a:srgbClr val="212121"/>
               </a:solidFill>
@@ -8590,7 +8452,7 @@
               <a:buChar char="u"/>
             </a:pPr>
             <a:r>
-              <a:rPr sz="1600" u="none" strike="noStrike" kern="1200" cap="none" spc="0" baseline="0" dirty="0">
+              <a:rPr lang="zh-CN" sz="1600" u="none" strike="noStrike" kern="1200" cap="none" spc="0" baseline="0" dirty="0">
                 <a:solidFill>
                   <a:srgbClr val="474747"/>
                 </a:solidFill>
@@ -8598,9 +8460,9 @@
                 <a:ea typeface="微软雅黑" panose="020B0503020204020204" charset="-122"/>
                 <a:cs typeface="微软雅黑" panose="020B0503020204020204" charset="-122"/>
               </a:rPr>
-              <a:t>对比</a:t>
-            </a:r>
-            <a:endParaRPr lang="en-US" sz="1600" u="none" strike="noStrike" kern="1200" cap="none" spc="0" baseline="0" dirty="0">
+              <a:t>谢谢</a:t>
+            </a:r>
+            <a:endParaRPr lang="zh-CN" sz="1600" u="none" strike="noStrike" kern="1200" cap="none" spc="0" baseline="0" dirty="0">
               <a:solidFill>
                 <a:srgbClr val="474747"/>
               </a:solidFill>
@@ -8688,29 +8550,20 @@
           </a:bodyPr>
           <a:p>
             <a:pPr marL="800100" lvl="1" indent="-342900" algn="l">
-              <a:lnSpc>
-                <a:spcPct val="100000"/>
-              </a:lnSpc>
-              <a:spcBef>
-                <a:spcPts val="0"/>
-              </a:spcBef>
-              <a:spcAft>
-                <a:spcPts val="0"/>
-              </a:spcAft>
               <a:buFont typeface="Wingdings" panose="05000000000000000000" pitchFamily="2" charset="2"/>
               <a:buChar char="u"/>
             </a:pPr>
             <a:r>
-              <a:rPr lang="zh-CN" altLang="en-US" sz="1600" dirty="0">
+              <a:rPr lang="zh-CN" sz="1600" dirty="0">
                 <a:solidFill>
                   <a:srgbClr val="474747"/>
                 </a:solidFill>
                 <a:latin typeface="微软雅黑" panose="020B0503020204020204" charset="-122"/>
                 <a:ea typeface="微软雅黑" panose="020B0503020204020204" charset="-122"/>
                 <a:cs typeface="微软雅黑" panose="020B0503020204020204" charset="-122"/>
-                <a:sym typeface="Calibri" panose="020F0502020204030204" pitchFamily="34" charset="0"/>
-              </a:rPr>
-              <a:t>抽象</a:t>
+                <a:sym typeface="+mn-ea"/>
+              </a:rPr>
+              <a:t>谢谢</a:t>
             </a:r>
             <a:endParaRPr lang="zh-CN" altLang="en-US" sz="1600" dirty="0">
               <a:solidFill>
@@ -8746,29 +8599,20 @@
           </a:bodyPr>
           <a:p>
             <a:pPr marL="800100" lvl="1" indent="-342900" algn="l">
-              <a:lnSpc>
-                <a:spcPct val="100000"/>
-              </a:lnSpc>
-              <a:spcBef>
-                <a:spcPts val="0"/>
-              </a:spcBef>
-              <a:spcAft>
-                <a:spcPts val="0"/>
-              </a:spcAft>
               <a:buFont typeface="Wingdings" panose="05000000000000000000" pitchFamily="2" charset="2"/>
               <a:buChar char="u"/>
             </a:pPr>
             <a:r>
-              <a:rPr lang="zh-CN" altLang="en-US" sz="1600" dirty="0">
+              <a:rPr lang="zh-CN" sz="1600" dirty="0">
                 <a:solidFill>
                   <a:srgbClr val="474747"/>
                 </a:solidFill>
                 <a:latin typeface="微软雅黑" panose="020B0503020204020204" charset="-122"/>
                 <a:ea typeface="微软雅黑" panose="020B0503020204020204" charset="-122"/>
                 <a:cs typeface="微软雅黑" panose="020B0503020204020204" charset="-122"/>
-                <a:sym typeface="Calibri" panose="020F0502020204030204" pitchFamily="34" charset="0"/>
-              </a:rPr>
-              <a:t>组合</a:t>
+                <a:sym typeface="+mn-ea"/>
+              </a:rPr>
+              <a:t>谢谢</a:t>
             </a:r>
             <a:endParaRPr lang="en-US" altLang="zh-CN" sz="1600" dirty="0">
               <a:solidFill>
@@ -12410,326 +12254,6 @@
 </p:sld>
 </file>
 
-<file path=ppt/slides/slide21.xml><?xml version="1.0" encoding="utf-8"?>
-<p:sld xmlns:a="http://schemas.openxmlformats.org/drawingml/2006/main" xmlns:r="http://schemas.openxmlformats.org/officeDocument/2006/relationships" xmlns:p="http://schemas.openxmlformats.org/presentationml/2006/main">
-  <p:cSld>
-    <p:bg>
-      <p:bgPr>
-        <a:solidFill>
-          <a:schemeClr val="bg1"/>
-        </a:solidFill>
-        <a:effectLst/>
-      </p:bgPr>
-    </p:bg>
-    <p:spTree>
-      <p:nvGrpSpPr>
-        <p:cNvPr id="1" name=""/>
-        <p:cNvGrpSpPr/>
-        <p:nvPr/>
-      </p:nvGrpSpPr>
-      <p:grpSpPr>
-        <a:xfrm>
-          <a:off x="0" y="0"/>
-          <a:ext cx="0" cy="0"/>
-          <a:chOff x="0" y="0"/>
-          <a:chExt cx="0" cy="0"/>
-        </a:xfrm>
-      </p:grpSpPr>
-      <p:sp>
-        <p:nvSpPr>
-          <p:cNvPr id="13" name="文本框"/>
-          <p:cNvSpPr>
-            <a:spLocks noGrp="1"/>
-          </p:cNvSpPr>
-          <p:nvPr>
-            <p:ph type="body" idx="1"/>
-          </p:nvPr>
-        </p:nvSpPr>
-        <p:spPr>
-          <a:xfrm>
-            <a:off x="467544" y="1275606"/>
-            <a:ext cx="8229600" cy="507999"/>
-          </a:xfrm>
-          <a:prstGeom prst="rect">
-            <a:avLst/>
-          </a:prstGeom>
-          <a:noFill/>
-          <a:ln w="9525" cap="flat" cmpd="sng">
-            <a:noFill/>
-            <a:prstDash val="solid"/>
-            <a:round/>
-          </a:ln>
-        </p:spPr>
-        <p:txBody>
-          <a:bodyPr vert="horz" wrap="square" lIns="91440" tIns="45720" rIns="91440" bIns="45720" anchor="ctr" anchorCtr="0"/>
-          <a:lstStyle/>
-          <a:p>
-            <a:pPr marL="0" indent="0" algn="l">
-              <a:lnSpc>
-                <a:spcPct val="100000"/>
-              </a:lnSpc>
-              <a:spcBef>
-                <a:spcPct val="20000"/>
-              </a:spcBef>
-              <a:spcAft>
-                <a:spcPts val="0"/>
-              </a:spcAft>
-              <a:buNone/>
-            </a:pPr>
-            <a:r>
-              <a:rPr lang="en-US" altLang="zh-CN" sz="2200" u="none" strike="noStrike" kern="0" cap="none" spc="0" baseline="0" dirty="0">
-                <a:solidFill>
-                  <a:srgbClr val="212121"/>
-                </a:solidFill>
-                <a:latin typeface="微软雅黑" panose="020B0503020204020204" charset="-122"/>
-                <a:ea typeface="微软雅黑" panose="020B0503020204020204" charset="-122"/>
-                <a:cs typeface="Times New Roman" panose="02020603050405020304" charset="0"/>
-              </a:rPr>
-              <a:t> </a:t>
-            </a:r>
-            <a:r>
-              <a:rPr lang="zh-CN" sz="2200" u="sng" strike="noStrike" kern="0" cap="none" spc="0" baseline="0" dirty="0">
-                <a:solidFill>
-                  <a:srgbClr val="212121"/>
-                </a:solidFill>
-                <a:latin typeface="微软雅黑" panose="020B0503020204020204" charset="-122"/>
-                <a:ea typeface="微软雅黑" panose="020B0503020204020204" charset="-122"/>
-                <a:cs typeface="Times New Roman" panose="02020603050405020304" charset="0"/>
-              </a:rPr>
-              <a:t>谢谢</a:t>
-            </a:r>
-            <a:endParaRPr lang="zh-CN" sz="2200" u="sng" strike="noStrike" kern="0" cap="none" spc="0" baseline="0" dirty="0">
-              <a:solidFill>
-                <a:srgbClr val="212121"/>
-              </a:solidFill>
-              <a:latin typeface="微软雅黑" panose="020B0503020204020204" charset="-122"/>
-              <a:ea typeface="微软雅黑" panose="020B0503020204020204" charset="-122"/>
-              <a:cs typeface="Times New Roman" panose="02020603050405020304" charset="0"/>
-            </a:endParaRPr>
-          </a:p>
-        </p:txBody>
-      </p:sp>
-      <p:sp>
-        <p:nvSpPr>
-          <p:cNvPr id="15" name="矩形"/>
-          <p:cNvSpPr/>
-          <p:nvPr/>
-        </p:nvSpPr>
-        <p:spPr>
-          <a:xfrm>
-            <a:off x="542290" y="2243138"/>
-            <a:ext cx="7918450" cy="337185"/>
-          </a:xfrm>
-          <a:prstGeom prst="rect">
-            <a:avLst/>
-          </a:prstGeom>
-          <a:noFill/>
-          <a:ln w="9525" cap="flat" cmpd="sng">
-            <a:noFill/>
-            <a:prstDash val="solid"/>
-            <a:miter/>
-          </a:ln>
-        </p:spPr>
-        <p:txBody>
-          <a:bodyPr vert="horz" wrap="square" lIns="91440" tIns="45720" rIns="91440" bIns="45720" anchor="ctr" anchorCtr="0">
-            <a:spAutoFit/>
-          </a:bodyPr>
-          <a:lstStyle/>
-          <a:p>
-            <a:pPr marL="800100" lvl="1" indent="-342900" algn="l">
-              <a:buFont typeface="Wingdings" panose="05000000000000000000" pitchFamily="2" charset="2"/>
-              <a:buChar char="u"/>
-            </a:pPr>
-            <a:r>
-              <a:rPr lang="zh-CN" sz="1600" u="none" strike="noStrike" kern="1200" cap="none" spc="0" baseline="0" dirty="0">
-                <a:solidFill>
-                  <a:srgbClr val="474747"/>
-                </a:solidFill>
-                <a:latin typeface="微软雅黑" panose="020B0503020204020204" charset="-122"/>
-                <a:ea typeface="微软雅黑" panose="020B0503020204020204" charset="-122"/>
-                <a:cs typeface="微软雅黑" panose="020B0503020204020204" charset="-122"/>
-              </a:rPr>
-              <a:t>谢谢</a:t>
-            </a:r>
-            <a:endParaRPr lang="zh-CN" sz="1600" u="none" strike="noStrike" kern="1200" cap="none" spc="0" baseline="0" dirty="0">
-              <a:solidFill>
-                <a:srgbClr val="474747"/>
-              </a:solidFill>
-              <a:latin typeface="微软雅黑" panose="020B0503020204020204" charset="-122"/>
-              <a:ea typeface="微软雅黑" panose="020B0503020204020204" charset="-122"/>
-              <a:cs typeface="微软雅黑" panose="020B0503020204020204" charset="-122"/>
-            </a:endParaRPr>
-          </a:p>
-        </p:txBody>
-      </p:sp>
-      <p:sp>
-        <p:nvSpPr>
-          <p:cNvPr id="17" name="矩形"/>
-          <p:cNvSpPr/>
-          <p:nvPr/>
-        </p:nvSpPr>
-        <p:spPr>
-          <a:xfrm>
-            <a:off x="3340151" y="497054"/>
-            <a:ext cx="1448435" cy="553085"/>
-          </a:xfrm>
-          <a:prstGeom prst="rect">
-            <a:avLst/>
-          </a:prstGeom>
-          <a:noFill/>
-          <a:ln w="9525" cap="flat" cmpd="sng">
-            <a:noFill/>
-            <a:prstDash val="solid"/>
-            <a:miter/>
-          </a:ln>
-        </p:spPr>
-        <p:txBody>
-          <a:bodyPr vert="horz" wrap="none" lIns="91440" tIns="45720" rIns="91440" bIns="45720" anchor="t" anchorCtr="0">
-            <a:spAutoFit/>
-          </a:bodyPr>
-          <a:lstStyle/>
-          <a:p>
-            <a:pPr algn="l"/>
-            <a:r>
-              <a:rPr lang="zh-CN" altLang="en-US" sz="3000" b="1" u="none" strike="noStrike" kern="0" cap="none" spc="0" baseline="0" dirty="0" err="1">
-                <a:solidFill>
-                  <a:srgbClr val="C9394A"/>
-                </a:solidFill>
-                <a:latin typeface="微软雅黑" panose="020B0503020204020204" charset="-122"/>
-                <a:ea typeface="微软雅黑" panose="020B0503020204020204" charset="-122"/>
-                <a:cs typeface="微软雅黑" panose="020B0503020204020204" charset="-122"/>
-              </a:rPr>
-              <a:t>go语言</a:t>
-            </a:r>
-            <a:endParaRPr lang="zh-CN" altLang="en-US" sz="3000" b="1" u="none" strike="noStrike" kern="0" cap="none" spc="0" baseline="0" dirty="0" err="1">
-              <a:solidFill>
-                <a:srgbClr val="C9394A"/>
-              </a:solidFill>
-              <a:latin typeface="微软雅黑" panose="020B0503020204020204" charset="-122"/>
-              <a:ea typeface="微软雅黑" panose="020B0503020204020204" charset="-122"/>
-              <a:cs typeface="微软雅黑" panose="020B0503020204020204" charset="-122"/>
-            </a:endParaRPr>
-          </a:p>
-        </p:txBody>
-      </p:sp>
-      <p:sp>
-        <p:nvSpPr>
-          <p:cNvPr id="2" name="矩形"/>
-          <p:cNvSpPr/>
-          <p:nvPr/>
-        </p:nvSpPr>
-        <p:spPr>
-          <a:xfrm>
-            <a:off x="542290" y="3209608"/>
-            <a:ext cx="7918450" cy="337185"/>
-          </a:xfrm>
-          <a:prstGeom prst="rect">
-            <a:avLst/>
-          </a:prstGeom>
-          <a:noFill/>
-          <a:ln w="9525" cap="flat" cmpd="sng">
-            <a:noFill/>
-            <a:prstDash val="solid"/>
-            <a:miter/>
-          </a:ln>
-        </p:spPr>
-        <p:txBody>
-          <a:bodyPr vert="horz" wrap="square" lIns="91440" tIns="45720" rIns="91440" bIns="45720" anchor="ctr" anchorCtr="0">
-            <a:spAutoFit/>
-          </a:bodyPr>
-          <a:p>
-            <a:pPr marL="800100" lvl="1" indent="-342900" algn="l">
-              <a:buFont typeface="Wingdings" panose="05000000000000000000" pitchFamily="2" charset="2"/>
-              <a:buChar char="u"/>
-            </a:pPr>
-            <a:r>
-              <a:rPr lang="zh-CN" sz="1600" dirty="0">
-                <a:solidFill>
-                  <a:srgbClr val="474747"/>
-                </a:solidFill>
-                <a:latin typeface="微软雅黑" panose="020B0503020204020204" charset="-122"/>
-                <a:ea typeface="微软雅黑" panose="020B0503020204020204" charset="-122"/>
-                <a:cs typeface="微软雅黑" panose="020B0503020204020204" charset="-122"/>
-                <a:sym typeface="+mn-ea"/>
-              </a:rPr>
-              <a:t>谢谢</a:t>
-            </a:r>
-            <a:endParaRPr lang="zh-CN" altLang="en-US" sz="1600" dirty="0">
-              <a:solidFill>
-                <a:srgbClr val="474747"/>
-              </a:solidFill>
-              <a:latin typeface="微软雅黑" panose="020B0503020204020204" charset="-122"/>
-              <a:ea typeface="微软雅黑" panose="020B0503020204020204" charset="-122"/>
-              <a:cs typeface="微软雅黑" panose="020B0503020204020204" charset="-122"/>
-              <a:sym typeface="Calibri" panose="020F0502020204030204" pitchFamily="34" charset="0"/>
-            </a:endParaRPr>
-          </a:p>
-        </p:txBody>
-      </p:sp>
-      <p:sp>
-        <p:nvSpPr>
-          <p:cNvPr id="3" name="文本框 2"/>
-          <p:cNvSpPr txBox="1"/>
-          <p:nvPr/>
-        </p:nvSpPr>
-        <p:spPr>
-          <a:xfrm>
-            <a:off x="542290" y="2726373"/>
-            <a:ext cx="6915150" cy="337185"/>
-          </a:xfrm>
-          <a:prstGeom prst="rect">
-            <a:avLst/>
-          </a:prstGeom>
-          <a:noFill/>
-        </p:spPr>
-        <p:txBody>
-          <a:bodyPr wrap="square" rtlCol="0" anchor="t">
-            <a:spAutoFit/>
-          </a:bodyPr>
-          <a:p>
-            <a:pPr marL="800100" lvl="1" indent="-342900" algn="l">
-              <a:buFont typeface="Wingdings" panose="05000000000000000000" pitchFamily="2" charset="2"/>
-              <a:buChar char="u"/>
-            </a:pPr>
-            <a:r>
-              <a:rPr lang="zh-CN" sz="1600" dirty="0">
-                <a:solidFill>
-                  <a:srgbClr val="474747"/>
-                </a:solidFill>
-                <a:latin typeface="微软雅黑" panose="020B0503020204020204" charset="-122"/>
-                <a:ea typeface="微软雅黑" panose="020B0503020204020204" charset="-122"/>
-                <a:cs typeface="微软雅黑" panose="020B0503020204020204" charset="-122"/>
-                <a:sym typeface="+mn-ea"/>
-              </a:rPr>
-              <a:t>谢谢</a:t>
-            </a:r>
-            <a:endParaRPr lang="en-US" altLang="zh-CN" sz="1600" dirty="0">
-              <a:solidFill>
-                <a:srgbClr val="474747"/>
-              </a:solidFill>
-              <a:latin typeface="微软雅黑" panose="020B0503020204020204" charset="-122"/>
-              <a:ea typeface="微软雅黑" panose="020B0503020204020204" charset="-122"/>
-              <a:cs typeface="微软雅黑" panose="020B0503020204020204" charset="-122"/>
-              <a:sym typeface="Calibri" panose="020F0502020204030204" pitchFamily="34" charset="0"/>
-            </a:endParaRPr>
-          </a:p>
-        </p:txBody>
-      </p:sp>
-    </p:spTree>
-  </p:cSld>
-  <p:clrMapOvr>
-    <a:masterClrMapping/>
-  </p:clrMapOvr>
-  <p:timing>
-    <p:tnLst>
-      <p:par>
-        <p:cTn id="1" dur="indefinite" restart="never" nodeType="tmRoot"/>
-      </p:par>
-    </p:tnLst>
-  </p:timing>
-</p:sld>
-</file>
-
 <file path=ppt/slides/slide3.xml><?xml version="1.0" encoding="utf-8"?>
 <p:sld xmlns:a="http://schemas.openxmlformats.org/drawingml/2006/main" xmlns:r="http://schemas.openxmlformats.org/officeDocument/2006/relationships" xmlns:p="http://schemas.openxmlformats.org/presentationml/2006/main">
   <p:cSld>
@@ -12837,7 +12361,7 @@
         </p:nvSpPr>
         <p:spPr>
           <a:xfrm>
-            <a:off x="542290" y="1999615"/>
+            <a:off x="542290" y="2393315"/>
             <a:ext cx="5555615" cy="583565"/>
           </a:xfrm>
           <a:prstGeom prst="rect">
@@ -12940,7 +12464,7 @@
         </p:nvSpPr>
         <p:spPr>
           <a:xfrm>
-            <a:off x="542290" y="4283075"/>
+            <a:off x="542290" y="4284345"/>
             <a:ext cx="7918450" cy="337185"/>
           </a:xfrm>
           <a:prstGeom prst="rect">
@@ -13054,7 +12578,7 @@
         </p:nvSpPr>
         <p:spPr>
           <a:xfrm>
-            <a:off x="542290" y="3141345"/>
+            <a:off x="542290" y="3105785"/>
             <a:ext cx="5430520" cy="583565"/>
           </a:xfrm>
           <a:prstGeom prst="rect">
@@ -13124,7 +12648,7 @@
         </p:nvSpPr>
         <p:spPr>
           <a:xfrm>
-            <a:off x="542290" y="2693670"/>
+            <a:off x="542290" y="1927225"/>
             <a:ext cx="7918450" cy="337185"/>
           </a:xfrm>
           <a:prstGeom prst="rect">
@@ -13201,7 +12725,7 @@
         </p:nvSpPr>
         <p:spPr>
           <a:xfrm>
-            <a:off x="542290" y="3835400"/>
+            <a:off x="542290" y="3818255"/>
             <a:ext cx="7918450" cy="337185"/>
           </a:xfrm>
           <a:prstGeom prst="rect">
@@ -13725,6 +13249,39 @@
                 <a:ea typeface="微软雅黑" panose="020B0503020204020204" charset="-122"/>
                 <a:cs typeface="微软雅黑" panose="020B0503020204020204" charset="-122"/>
               </a:rPr>
+              <a:t>汇编语言</a:t>
+            </a:r>
+            <a:r>
+              <a:rPr lang="en-US" altLang="zh-CN" sz="1600" u="none" strike="noStrike" kern="1200" cap="none" spc="0" baseline="0" dirty="0">
+                <a:solidFill>
+                  <a:srgbClr val="474747"/>
+                </a:solidFill>
+                <a:latin typeface="微软雅黑" panose="020B0503020204020204" charset="-122"/>
+                <a:ea typeface="微软雅黑" panose="020B0503020204020204" charset="-122"/>
+                <a:cs typeface="微软雅黑" panose="020B0503020204020204" charset="-122"/>
+              </a:rPr>
+              <a:t> -&gt; </a:t>
+            </a:r>
+            <a:r>
+              <a:rPr lang="zh-CN" altLang="zh-CN" sz="1600" u="none" strike="noStrike" kern="1200" cap="none" spc="0" baseline="0" dirty="0">
+                <a:solidFill>
+                  <a:srgbClr val="474747"/>
+                </a:solidFill>
+                <a:latin typeface="微软雅黑" panose="020B0503020204020204" charset="-122"/>
+                <a:ea typeface="微软雅黑" panose="020B0503020204020204" charset="-122"/>
+                <a:cs typeface="微软雅黑" panose="020B0503020204020204" charset="-122"/>
+              </a:rPr>
+              <a:t>高级</a:t>
+            </a:r>
+            <a:r>
+              <a:rPr lang="zh-CN" altLang="en-US" sz="1600" u="none" strike="noStrike" kern="1200" cap="none" spc="0" baseline="0" dirty="0">
+                <a:solidFill>
+                  <a:srgbClr val="474747"/>
+                </a:solidFill>
+                <a:latin typeface="微软雅黑" panose="020B0503020204020204" charset="-122"/>
+                <a:ea typeface="微软雅黑" panose="020B0503020204020204" charset="-122"/>
+                <a:cs typeface="微软雅黑" panose="020B0503020204020204" charset="-122"/>
+              </a:rPr>
               <a:t>编程语言</a:t>
             </a:r>
             <a:endParaRPr lang="zh-CN" altLang="en-US" sz="1600" u="none" strike="noStrike" kern="1200" cap="none" spc="0" baseline="0" dirty="0">
@@ -13860,8 +13417,8 @@
         </p:nvSpPr>
         <p:spPr>
           <a:xfrm>
-            <a:off x="542290" y="1996758"/>
-            <a:ext cx="7918450" cy="829945"/>
+            <a:off x="542290" y="1873568"/>
+            <a:ext cx="7918450" cy="1076325"/>
           </a:xfrm>
           <a:prstGeom prst="rect">
             <a:avLst/>
@@ -13904,6 +13461,32 @@
                 <a:cs typeface="微软雅黑" panose="020B0503020204020204" charset="-122"/>
               </a:rPr>
               <a:t>:</a:t>
+            </a:r>
+            <a:endParaRPr lang="en-US" sz="1600" u="none" strike="noStrike" kern="1200" cap="none" spc="0" baseline="0" dirty="0">
+              <a:solidFill>
+                <a:srgbClr val="474747"/>
+              </a:solidFill>
+              <a:latin typeface="微软雅黑" panose="020B0503020204020204" charset="-122"/>
+              <a:ea typeface="微软雅黑" panose="020B0503020204020204" charset="-122"/>
+              <a:cs typeface="微软雅黑" panose="020B0503020204020204" charset="-122"/>
+            </a:endParaRPr>
+          </a:p>
+          <a:p>
+            <a:pPr marL="1257300" lvl="2" indent="-342900" algn="l">
+              <a:buFont typeface="Wingdings" panose="05000000000000000000" pitchFamily="2" charset="2"/>
+              <a:buChar char="u"/>
+            </a:pPr>
+            <a:r>
+              <a:rPr lang="zh-CN" altLang="en-US" sz="1600" dirty="0">
+                <a:solidFill>
+                  <a:srgbClr val="474747"/>
+                </a:solidFill>
+                <a:latin typeface="微软雅黑" panose="020B0503020204020204" charset="-122"/>
+                <a:ea typeface="微软雅黑" panose="020B0503020204020204" charset="-122"/>
+                <a:cs typeface="微软雅黑" panose="020B0503020204020204" charset="-122"/>
+                <a:sym typeface="Calibri" panose="020F0502020204030204" pitchFamily="34" charset="0"/>
+              </a:rPr>
+              <a:t>数据类型</a:t>
             </a:r>
             <a:endParaRPr lang="en-US" sz="1600" u="none" strike="noStrike" kern="1200" cap="none" spc="0" baseline="0" dirty="0">
               <a:solidFill>
@@ -14300,7 +13883,7 @@
                 <a:ea typeface="微软雅黑" panose="020B0503020204020204" charset="-122"/>
                 <a:cs typeface="Times New Roman" panose="02020603050405020304" charset="0"/>
               </a:rPr>
-              <a:t>二进制</a:t>
+              <a:t>语句</a:t>
             </a:r>
             <a:endParaRPr sz="2200" u="sng" strike="noStrike" kern="0" cap="none" spc="0" baseline="0" dirty="0">
               <a:solidFill>
@@ -14321,7 +13904,7 @@
         </p:nvSpPr>
         <p:spPr>
           <a:xfrm>
-            <a:off x="542290" y="2243138"/>
+            <a:off x="622935" y="2135188"/>
             <a:ext cx="7918450" cy="337185"/>
           </a:xfrm>
           <a:prstGeom prst="rect">
@@ -14345,7 +13928,7 @@
               <a:buChar char="u"/>
             </a:pPr>
             <a:r>
-              <a:rPr lang="en-US" sz="1600" u="none" strike="noStrike" kern="1200" cap="none" spc="0" baseline="0" dirty="0">
+              <a:rPr sz="1600" u="none" strike="noStrike" kern="1200" cap="none" spc="0" baseline="0" dirty="0">
                 <a:solidFill>
                   <a:srgbClr val="474747"/>
                 </a:solidFill>
@@ -14353,9 +13936,9 @@
                 <a:ea typeface="微软雅黑" panose="020B0503020204020204" charset="-122"/>
                 <a:cs typeface="微软雅黑" panose="020B0503020204020204" charset="-122"/>
               </a:rPr>
-              <a:t>信息表示的最基础单位 bit(位) ;存储单位 Byte(字节)</a:t>
-            </a:r>
-            <a:endParaRPr lang="en-US" sz="1600" u="none" strike="noStrike" kern="1200" cap="none" spc="0" baseline="0" dirty="0">
+              <a:t>声明语句</a:t>
+            </a:r>
+            <a:endParaRPr sz="1600" u="none" strike="noStrike" kern="1200" cap="none" spc="0" baseline="0" dirty="0">
               <a:solidFill>
                 <a:srgbClr val="474747"/>
               </a:solidFill>
@@ -14418,22 +14001,27 @@
       </p:sp>
       <p:sp>
         <p:nvSpPr>
-          <p:cNvPr id="3" name="文本框 2"/>
-          <p:cNvSpPr txBox="1"/>
+          <p:cNvPr id="2" name="矩形"/>
+          <p:cNvSpPr/>
           <p:nvPr/>
         </p:nvSpPr>
         <p:spPr>
           <a:xfrm>
-            <a:off x="542290" y="2726373"/>
-            <a:ext cx="6915150" cy="337185"/>
+            <a:off x="622935" y="3227388"/>
+            <a:ext cx="7918450" cy="337185"/>
           </a:xfrm>
           <a:prstGeom prst="rect">
             <a:avLst/>
           </a:prstGeom>
           <a:noFill/>
-        </p:spPr>
-        <p:txBody>
-          <a:bodyPr wrap="square" rtlCol="0" anchor="t">
+          <a:ln w="9525" cap="flat" cmpd="sng">
+            <a:noFill/>
+            <a:prstDash val="solid"/>
+            <a:miter/>
+          </a:ln>
+        </p:spPr>
+        <p:txBody>
+          <a:bodyPr vert="horz" wrap="square" lIns="91440" tIns="45720" rIns="91440" bIns="45720" anchor="ctr" anchorCtr="0">
             <a:spAutoFit/>
           </a:bodyPr>
           <a:p>
@@ -14460,10 +14048,56 @@
                 <a:cs typeface="微软雅黑" panose="020B0503020204020204" charset="-122"/>
                 <a:sym typeface="Calibri" panose="020F0502020204030204" pitchFamily="34" charset="0"/>
               </a:rPr>
-              <a:t>数据类型</a:t>
-            </a:r>
-            <a:r>
-              <a:rPr lang="en-US" altLang="zh-CN" sz="1600" dirty="0">
+              <a:t>控制语句</a:t>
+            </a:r>
+            <a:endParaRPr lang="zh-CN" altLang="en-US" sz="1600" dirty="0">
+              <a:solidFill>
+                <a:srgbClr val="474747"/>
+              </a:solidFill>
+              <a:latin typeface="微软雅黑" panose="020B0503020204020204" charset="-122"/>
+              <a:ea typeface="微软雅黑" panose="020B0503020204020204" charset="-122"/>
+              <a:cs typeface="微软雅黑" panose="020B0503020204020204" charset="-122"/>
+              <a:sym typeface="Calibri" panose="020F0502020204030204" pitchFamily="34" charset="0"/>
+            </a:endParaRPr>
+          </a:p>
+        </p:txBody>
+      </p:sp>
+      <p:sp>
+        <p:nvSpPr>
+          <p:cNvPr id="3" name="文本框 2"/>
+          <p:cNvSpPr txBox="1"/>
+          <p:nvPr/>
+        </p:nvSpPr>
+        <p:spPr>
+          <a:xfrm>
+            <a:off x="622935" y="2619693"/>
+            <a:ext cx="6915150" cy="337185"/>
+          </a:xfrm>
+          <a:prstGeom prst="rect">
+            <a:avLst/>
+          </a:prstGeom>
+          <a:noFill/>
+        </p:spPr>
+        <p:txBody>
+          <a:bodyPr wrap="square" rtlCol="0" anchor="t">
+            <a:spAutoFit/>
+          </a:bodyPr>
+          <a:p>
+            <a:pPr marL="800100" lvl="1" indent="-342900" algn="l">
+              <a:lnSpc>
+                <a:spcPct val="100000"/>
+              </a:lnSpc>
+              <a:spcBef>
+                <a:spcPts val="0"/>
+              </a:spcBef>
+              <a:spcAft>
+                <a:spcPts val="0"/>
+              </a:spcAft>
+              <a:buFont typeface="Wingdings" panose="05000000000000000000" pitchFamily="2" charset="2"/>
+              <a:buChar char="u"/>
+            </a:pPr>
+            <a:r>
+              <a:rPr lang="zh-CN" altLang="en-US" sz="1600" dirty="0">
                 <a:solidFill>
                   <a:srgbClr val="474747"/>
                 </a:solidFill>
@@ -14472,10 +14106,56 @@
                 <a:cs typeface="微软雅黑" panose="020B0503020204020204" charset="-122"/>
                 <a:sym typeface="Calibri" panose="020F0502020204030204" pitchFamily="34" charset="0"/>
               </a:rPr>
-              <a:t>: 数据在计算机内部都是二进制，不方便</a:t>
-            </a:r>
-            <a:r>
-              <a:rPr lang="zh-CN" altLang="zh-CN" sz="1600" dirty="0">
+              <a:t>赋值语句</a:t>
+            </a:r>
+            <a:endParaRPr lang="zh-CN" altLang="en-US" sz="1600" dirty="0">
+              <a:solidFill>
+                <a:srgbClr val="474747"/>
+              </a:solidFill>
+              <a:latin typeface="微软雅黑" panose="020B0503020204020204" charset="-122"/>
+              <a:ea typeface="微软雅黑" panose="020B0503020204020204" charset="-122"/>
+              <a:cs typeface="微软雅黑" panose="020B0503020204020204" charset="-122"/>
+              <a:sym typeface="Calibri" panose="020F0502020204030204" pitchFamily="34" charset="0"/>
+            </a:endParaRPr>
+          </a:p>
+        </p:txBody>
+      </p:sp>
+      <p:sp>
+        <p:nvSpPr>
+          <p:cNvPr id="4" name="文本框 3"/>
+          <p:cNvSpPr txBox="1"/>
+          <p:nvPr/>
+        </p:nvSpPr>
+        <p:spPr>
+          <a:xfrm>
+            <a:off x="622935" y="3835083"/>
+            <a:ext cx="6915150" cy="583565"/>
+          </a:xfrm>
+          <a:prstGeom prst="rect">
+            <a:avLst/>
+          </a:prstGeom>
+          <a:noFill/>
+        </p:spPr>
+        <p:txBody>
+          <a:bodyPr wrap="square" rtlCol="0" anchor="t">
+            <a:spAutoFit/>
+          </a:bodyPr>
+          <a:p>
+            <a:pPr marL="800100" lvl="1" indent="-342900" algn="l">
+              <a:lnSpc>
+                <a:spcPct val="100000"/>
+              </a:lnSpc>
+              <a:spcBef>
+                <a:spcPts val="0"/>
+              </a:spcBef>
+              <a:spcAft>
+                <a:spcPts val="0"/>
+              </a:spcAft>
+              <a:buFont typeface="Wingdings" panose="05000000000000000000" pitchFamily="2" charset="2"/>
+              <a:buChar char="u"/>
+            </a:pPr>
+            <a:r>
+              <a:rPr lang="zh-CN" altLang="en-US" sz="1600" dirty="0">
                 <a:solidFill>
                   <a:srgbClr val="474747"/>
                 </a:solidFill>
@@ -14484,21 +14164,141 @@
                 <a:cs typeface="微软雅黑" panose="020B0503020204020204" charset="-122"/>
                 <a:sym typeface="Calibri" panose="020F0502020204030204" pitchFamily="34" charset="0"/>
               </a:rPr>
-              <a:t>使用</a:t>
-            </a:r>
-            <a:r>
-              <a:rPr lang="en-US" altLang="zh-CN" sz="1600" dirty="0">
-                <a:solidFill>
-                  <a:srgbClr val="474747"/>
+              <a:t>表达式语句(有</a:t>
+            </a:r>
+            <a:r>
+              <a:rPr lang="zh-CN" altLang="en-US" sz="1600" dirty="0">
+                <a:solidFill>
+                  <a:srgbClr val="FF0000"/>
                 </a:solidFill>
                 <a:latin typeface="微软雅黑" panose="020B0503020204020204" charset="-122"/>
                 <a:ea typeface="微软雅黑" panose="020B0503020204020204" charset="-122"/>
                 <a:cs typeface="微软雅黑" panose="020B0503020204020204" charset="-122"/>
                 <a:sym typeface="Calibri" panose="020F0502020204030204" pitchFamily="34" charset="0"/>
               </a:rPr>
-              <a:t> </a:t>
-            </a:r>
-            <a:endParaRPr lang="en-US" altLang="zh-CN" sz="1600" dirty="0">
+              <a:t>返回值</a:t>
+            </a:r>
+            <a:r>
+              <a:rPr lang="zh-CN" altLang="en-US" sz="1600" dirty="0">
+                <a:solidFill>
+                  <a:srgbClr val="474747"/>
+                </a:solidFill>
+                <a:latin typeface="微软雅黑" panose="020B0503020204020204" charset="-122"/>
+                <a:ea typeface="微软雅黑" panose="020B0503020204020204" charset="-122"/>
+                <a:cs typeface="微软雅黑" panose="020B0503020204020204" charset="-122"/>
+                <a:sym typeface="Calibri" panose="020F0502020204030204" pitchFamily="34" charset="0"/>
+              </a:rPr>
+              <a:t>)</a:t>
+            </a:r>
+            <a:endParaRPr lang="zh-CN" altLang="en-US" sz="1600" dirty="0">
+              <a:solidFill>
+                <a:srgbClr val="474747"/>
+              </a:solidFill>
+              <a:latin typeface="微软雅黑" panose="020B0503020204020204" charset="-122"/>
+              <a:ea typeface="微软雅黑" panose="020B0503020204020204" charset="-122"/>
+              <a:cs typeface="微软雅黑" panose="020B0503020204020204" charset="-122"/>
+              <a:sym typeface="Calibri" panose="020F0502020204030204" pitchFamily="34" charset="0"/>
+            </a:endParaRPr>
+          </a:p>
+          <a:p>
+            <a:pPr marL="1257300" lvl="2" indent="-342900" algn="l">
+              <a:lnSpc>
+                <a:spcPct val="100000"/>
+              </a:lnSpc>
+              <a:spcBef>
+                <a:spcPts val="0"/>
+              </a:spcBef>
+              <a:spcAft>
+                <a:spcPts val="0"/>
+              </a:spcAft>
+              <a:buFont typeface="Wingdings" panose="05000000000000000000" pitchFamily="2" charset="2"/>
+              <a:buChar char="u"/>
+            </a:pPr>
+            <a:r>
+              <a:rPr lang="zh-CN" altLang="en-US" sz="1600" dirty="0">
+                <a:solidFill>
+                  <a:srgbClr val="474747"/>
+                </a:solidFill>
+                <a:latin typeface="微软雅黑" panose="020B0503020204020204" charset="-122"/>
+                <a:ea typeface="微软雅黑" panose="020B0503020204020204" charset="-122"/>
+                <a:cs typeface="微软雅黑" panose="020B0503020204020204" charset="-122"/>
+                <a:sym typeface="Calibri" panose="020F0502020204030204" pitchFamily="34" charset="0"/>
+              </a:rPr>
+              <a:t>由</a:t>
+            </a:r>
+            <a:r>
+              <a:rPr lang="zh-CN" altLang="en-US" sz="1600" dirty="0">
+                <a:solidFill>
+                  <a:srgbClr val="FF0000"/>
+                </a:solidFill>
+                <a:latin typeface="微软雅黑" panose="020B0503020204020204" charset="-122"/>
+                <a:ea typeface="微软雅黑" panose="020B0503020204020204" charset="-122"/>
+                <a:cs typeface="微软雅黑" panose="020B0503020204020204" charset="-122"/>
+                <a:sym typeface="Calibri" panose="020F0502020204030204" pitchFamily="34" charset="0"/>
+              </a:rPr>
+              <a:t>数据</a:t>
+            </a:r>
+            <a:r>
+              <a:rPr lang="zh-CN" altLang="en-US" sz="1600" dirty="0">
+                <a:solidFill>
+                  <a:srgbClr val="474747"/>
+                </a:solidFill>
+                <a:latin typeface="微软雅黑" panose="020B0503020204020204" charset="-122"/>
+                <a:ea typeface="微软雅黑" panose="020B0503020204020204" charset="-122"/>
+                <a:cs typeface="微软雅黑" panose="020B0503020204020204" charset="-122"/>
+                <a:sym typeface="Calibri" panose="020F0502020204030204" pitchFamily="34" charset="0"/>
+              </a:rPr>
+              <a:t>和一些</a:t>
+            </a:r>
+            <a:r>
+              <a:rPr lang="zh-CN" altLang="en-US" sz="1600" dirty="0">
+                <a:solidFill>
+                  <a:srgbClr val="FF0000"/>
+                </a:solidFill>
+                <a:latin typeface="微软雅黑" panose="020B0503020204020204" charset="-122"/>
+                <a:ea typeface="微软雅黑" panose="020B0503020204020204" charset="-122"/>
+                <a:cs typeface="微软雅黑" panose="020B0503020204020204" charset="-122"/>
+                <a:sym typeface="Calibri" panose="020F0502020204030204" pitchFamily="34" charset="0"/>
+              </a:rPr>
+              <a:t>运算符</a:t>
+            </a:r>
+            <a:r>
+              <a:rPr lang="zh-CN" altLang="en-US" sz="1600" dirty="0">
+                <a:solidFill>
+                  <a:srgbClr val="474747"/>
+                </a:solidFill>
+                <a:latin typeface="微软雅黑" panose="020B0503020204020204" charset="-122"/>
+                <a:ea typeface="微软雅黑" panose="020B0503020204020204" charset="-122"/>
+                <a:cs typeface="微软雅黑" panose="020B0503020204020204" charset="-122"/>
+                <a:sym typeface="Calibri" panose="020F0502020204030204" pitchFamily="34" charset="0"/>
+              </a:rPr>
+              <a:t>或者</a:t>
+            </a:r>
+            <a:r>
+              <a:rPr lang="zh-CN" altLang="en-US" sz="1600" dirty="0">
+                <a:solidFill>
+                  <a:srgbClr val="FF0000"/>
+                </a:solidFill>
+                <a:latin typeface="微软雅黑" panose="020B0503020204020204" charset="-122"/>
+                <a:ea typeface="微软雅黑" panose="020B0503020204020204" charset="-122"/>
+                <a:cs typeface="微软雅黑" panose="020B0503020204020204" charset="-122"/>
+                <a:sym typeface="Calibri" panose="020F0502020204030204" pitchFamily="34" charset="0"/>
+              </a:rPr>
+              <a:t>函数</a:t>
+            </a:r>
+            <a:r>
+              <a:rPr lang="zh-CN" altLang="en-US" sz="1600" dirty="0">
+                <a:solidFill>
+                  <a:srgbClr val="474747"/>
+                </a:solidFill>
+                <a:latin typeface="微软雅黑" panose="020B0503020204020204" charset="-122"/>
+                <a:ea typeface="微软雅黑" panose="020B0503020204020204" charset="-122"/>
+                <a:cs typeface="微软雅黑" panose="020B0503020204020204" charset="-122"/>
+                <a:sym typeface="Calibri" panose="020F0502020204030204" pitchFamily="34" charset="0"/>
+              </a:rPr>
+              <a:t>构成</a:t>
+            </a:r>
+            <a:endParaRPr lang="zh-CN" altLang="en-US" sz="1600" dirty="0">
               <a:solidFill>
                 <a:srgbClr val="474747"/>
               </a:solidFill>
@@ -14611,7 +14411,7 @@
                 <a:ea typeface="微软雅黑" panose="020B0503020204020204" charset="-122"/>
                 <a:cs typeface="Times New Roman" panose="02020603050405020304" charset="0"/>
               </a:rPr>
-              <a:t>语句</a:t>
+              <a:t>go语言程序示例</a:t>
             </a:r>
             <a:endParaRPr sz="2200" u="sng" strike="noStrike" kern="0" cap="none" spc="0" baseline="0" dirty="0">
               <a:solidFill>
@@ -14632,7 +14432,7 @@
         </p:nvSpPr>
         <p:spPr>
           <a:xfrm>
-            <a:off x="622935" y="2135188"/>
+            <a:off x="542290" y="2243138"/>
             <a:ext cx="7918450" cy="337185"/>
           </a:xfrm>
           <a:prstGeom prst="rect">
@@ -14664,7 +14464,7 @@
                 <a:ea typeface="微软雅黑" panose="020B0503020204020204" charset="-122"/>
                 <a:cs typeface="微软雅黑" panose="020B0503020204020204" charset="-122"/>
               </a:rPr>
-              <a:t>声明语句</a:t>
+              <a:t>编辑环境 play.golang.org (需要科学上网)</a:t>
             </a:r>
             <a:endParaRPr sz="1600" u="none" strike="noStrike" kern="1200" cap="none" spc="0" baseline="0" dirty="0">
               <a:solidFill>
@@ -14723,353 +14523,6 @@
               <a:latin typeface="微软雅黑" panose="020B0503020204020204" charset="-122"/>
               <a:ea typeface="微软雅黑" panose="020B0503020204020204" charset="-122"/>
               <a:cs typeface="微软雅黑" panose="020B0503020204020204" charset="-122"/>
-            </a:endParaRPr>
-          </a:p>
-        </p:txBody>
-      </p:sp>
-      <p:sp>
-        <p:nvSpPr>
-          <p:cNvPr id="2" name="矩形"/>
-          <p:cNvSpPr/>
-          <p:nvPr/>
-        </p:nvSpPr>
-        <p:spPr>
-          <a:xfrm>
-            <a:off x="622935" y="3104198"/>
-            <a:ext cx="7918450" cy="583565"/>
-          </a:xfrm>
-          <a:prstGeom prst="rect">
-            <a:avLst/>
-          </a:prstGeom>
-          <a:noFill/>
-          <a:ln w="9525" cap="flat" cmpd="sng">
-            <a:noFill/>
-            <a:prstDash val="solid"/>
-            <a:miter/>
-          </a:ln>
-        </p:spPr>
-        <p:txBody>
-          <a:bodyPr vert="horz" wrap="square" lIns="91440" tIns="45720" rIns="91440" bIns="45720" anchor="ctr" anchorCtr="0">
-            <a:spAutoFit/>
-          </a:bodyPr>
-          <a:p>
-            <a:pPr marL="800100" lvl="1" indent="-342900" algn="l">
-              <a:lnSpc>
-                <a:spcPct val="100000"/>
-              </a:lnSpc>
-              <a:spcBef>
-                <a:spcPts val="0"/>
-              </a:spcBef>
-              <a:spcAft>
-                <a:spcPts val="0"/>
-              </a:spcAft>
-              <a:buFont typeface="Wingdings" panose="05000000000000000000" pitchFamily="2" charset="2"/>
-              <a:buChar char="u"/>
-            </a:pPr>
-            <a:r>
-              <a:rPr lang="zh-CN" altLang="en-US" sz="1600" dirty="0">
-                <a:solidFill>
-                  <a:srgbClr val="474747"/>
-                </a:solidFill>
-                <a:latin typeface="微软雅黑" panose="020B0503020204020204" charset="-122"/>
-                <a:ea typeface="微软雅黑" panose="020B0503020204020204" charset="-122"/>
-                <a:cs typeface="微软雅黑" panose="020B0503020204020204" charset="-122"/>
-                <a:sym typeface="Calibri" panose="020F0502020204030204" pitchFamily="34" charset="0"/>
-              </a:rPr>
-              <a:t>控制语句</a:t>
-            </a:r>
-            <a:endParaRPr lang="zh-CN" altLang="en-US" sz="1600" dirty="0">
-              <a:solidFill>
-                <a:srgbClr val="474747"/>
-              </a:solidFill>
-              <a:latin typeface="微软雅黑" panose="020B0503020204020204" charset="-122"/>
-              <a:ea typeface="微软雅黑" panose="020B0503020204020204" charset="-122"/>
-              <a:cs typeface="微软雅黑" panose="020B0503020204020204" charset="-122"/>
-              <a:sym typeface="Calibri" panose="020F0502020204030204" pitchFamily="34" charset="0"/>
-            </a:endParaRPr>
-          </a:p>
-          <a:p>
-            <a:pPr marL="1257300" lvl="2" indent="-342900" algn="l">
-              <a:lnSpc>
-                <a:spcPct val="100000"/>
-              </a:lnSpc>
-              <a:spcBef>
-                <a:spcPts val="0"/>
-              </a:spcBef>
-              <a:spcAft>
-                <a:spcPts val="0"/>
-              </a:spcAft>
-              <a:buFont typeface="Wingdings" panose="05000000000000000000" pitchFamily="2" charset="2"/>
-              <a:buChar char="u"/>
-            </a:pPr>
-            <a:r>
-              <a:rPr lang="zh-CN" altLang="en-US" sz="1600" dirty="0">
-                <a:solidFill>
-                  <a:srgbClr val="474747"/>
-                </a:solidFill>
-                <a:latin typeface="微软雅黑" panose="020B0503020204020204" charset="-122"/>
-                <a:ea typeface="微软雅黑" panose="020B0503020204020204" charset="-122"/>
-                <a:cs typeface="微软雅黑" panose="020B0503020204020204" charset="-122"/>
-                <a:sym typeface="Calibri" panose="020F0502020204030204" pitchFamily="34" charset="0"/>
-              </a:rPr>
-              <a:t>循环语句和if语句就是典型的语句 </a:t>
-            </a:r>
-            <a:endParaRPr lang="zh-CN" altLang="en-US" sz="1600" dirty="0">
-              <a:solidFill>
-                <a:srgbClr val="474747"/>
-              </a:solidFill>
-              <a:latin typeface="微软雅黑" panose="020B0503020204020204" charset="-122"/>
-              <a:ea typeface="微软雅黑" panose="020B0503020204020204" charset="-122"/>
-              <a:cs typeface="微软雅黑" panose="020B0503020204020204" charset="-122"/>
-              <a:sym typeface="Calibri" panose="020F0502020204030204" pitchFamily="34" charset="0"/>
-            </a:endParaRPr>
-          </a:p>
-        </p:txBody>
-      </p:sp>
-      <p:sp>
-        <p:nvSpPr>
-          <p:cNvPr id="3" name="文本框 2"/>
-          <p:cNvSpPr txBox="1"/>
-          <p:nvPr/>
-        </p:nvSpPr>
-        <p:spPr>
-          <a:xfrm>
-            <a:off x="622935" y="2619693"/>
-            <a:ext cx="6915150" cy="337185"/>
-          </a:xfrm>
-          <a:prstGeom prst="rect">
-            <a:avLst/>
-          </a:prstGeom>
-          <a:noFill/>
-        </p:spPr>
-        <p:txBody>
-          <a:bodyPr wrap="square" rtlCol="0" anchor="t">
-            <a:spAutoFit/>
-          </a:bodyPr>
-          <a:p>
-            <a:pPr marL="800100" lvl="1" indent="-342900" algn="l">
-              <a:lnSpc>
-                <a:spcPct val="100000"/>
-              </a:lnSpc>
-              <a:spcBef>
-                <a:spcPts val="0"/>
-              </a:spcBef>
-              <a:spcAft>
-                <a:spcPts val="0"/>
-              </a:spcAft>
-              <a:buFont typeface="Wingdings" panose="05000000000000000000" pitchFamily="2" charset="2"/>
-              <a:buChar char="u"/>
-            </a:pPr>
-            <a:r>
-              <a:rPr lang="zh-CN" altLang="en-US" sz="1600" dirty="0">
-                <a:solidFill>
-                  <a:srgbClr val="474747"/>
-                </a:solidFill>
-                <a:latin typeface="微软雅黑" panose="020B0503020204020204" charset="-122"/>
-                <a:ea typeface="微软雅黑" panose="020B0503020204020204" charset="-122"/>
-                <a:cs typeface="微软雅黑" panose="020B0503020204020204" charset="-122"/>
-                <a:sym typeface="Calibri" panose="020F0502020204030204" pitchFamily="34" charset="0"/>
-              </a:rPr>
-              <a:t>赋值语句</a:t>
-            </a:r>
-            <a:endParaRPr lang="zh-CN" altLang="en-US" sz="1600" dirty="0">
-              <a:solidFill>
-                <a:srgbClr val="474747"/>
-              </a:solidFill>
-              <a:latin typeface="微软雅黑" panose="020B0503020204020204" charset="-122"/>
-              <a:ea typeface="微软雅黑" panose="020B0503020204020204" charset="-122"/>
-              <a:cs typeface="微软雅黑" panose="020B0503020204020204" charset="-122"/>
-              <a:sym typeface="Calibri" panose="020F0502020204030204" pitchFamily="34" charset="0"/>
-            </a:endParaRPr>
-          </a:p>
-        </p:txBody>
-      </p:sp>
-      <p:sp>
-        <p:nvSpPr>
-          <p:cNvPr id="4" name="文本框 3"/>
-          <p:cNvSpPr txBox="1"/>
-          <p:nvPr/>
-        </p:nvSpPr>
-        <p:spPr>
-          <a:xfrm>
-            <a:off x="622935" y="3835083"/>
-            <a:ext cx="6915150" cy="583565"/>
-          </a:xfrm>
-          <a:prstGeom prst="rect">
-            <a:avLst/>
-          </a:prstGeom>
-          <a:noFill/>
-        </p:spPr>
-        <p:txBody>
-          <a:bodyPr wrap="square" rtlCol="0" anchor="t">
-            <a:spAutoFit/>
-          </a:bodyPr>
-          <a:p>
-            <a:pPr marL="800100" lvl="1" indent="-342900" algn="l">
-              <a:lnSpc>
-                <a:spcPct val="100000"/>
-              </a:lnSpc>
-              <a:spcBef>
-                <a:spcPts val="0"/>
-              </a:spcBef>
-              <a:spcAft>
-                <a:spcPts val="0"/>
-              </a:spcAft>
-              <a:buFont typeface="Wingdings" panose="05000000000000000000" pitchFamily="2" charset="2"/>
-              <a:buChar char="u"/>
-            </a:pPr>
-            <a:r>
-              <a:rPr lang="zh-CN" altLang="en-US" sz="1600" dirty="0">
-                <a:solidFill>
-                  <a:srgbClr val="474747"/>
-                </a:solidFill>
-                <a:latin typeface="微软雅黑" panose="020B0503020204020204" charset="-122"/>
-                <a:ea typeface="微软雅黑" panose="020B0503020204020204" charset="-122"/>
-                <a:cs typeface="微软雅黑" panose="020B0503020204020204" charset="-122"/>
-                <a:sym typeface="Calibri" panose="020F0502020204030204" pitchFamily="34" charset="0"/>
-              </a:rPr>
-              <a:t>表达式语句(有</a:t>
-            </a:r>
-            <a:r>
-              <a:rPr lang="zh-CN" altLang="en-US" sz="1600" dirty="0">
-                <a:solidFill>
-                  <a:srgbClr val="FF0000"/>
-                </a:solidFill>
-                <a:latin typeface="微软雅黑" panose="020B0503020204020204" charset="-122"/>
-                <a:ea typeface="微软雅黑" panose="020B0503020204020204" charset="-122"/>
-                <a:cs typeface="微软雅黑" panose="020B0503020204020204" charset="-122"/>
-                <a:sym typeface="Calibri" panose="020F0502020204030204" pitchFamily="34" charset="0"/>
-              </a:rPr>
-              <a:t>返回值</a:t>
-            </a:r>
-            <a:r>
-              <a:rPr lang="zh-CN" altLang="en-US" sz="1600" dirty="0">
-                <a:solidFill>
-                  <a:srgbClr val="474747"/>
-                </a:solidFill>
-                <a:latin typeface="微软雅黑" panose="020B0503020204020204" charset="-122"/>
-                <a:ea typeface="微软雅黑" panose="020B0503020204020204" charset="-122"/>
-                <a:cs typeface="微软雅黑" panose="020B0503020204020204" charset="-122"/>
-                <a:sym typeface="Calibri" panose="020F0502020204030204" pitchFamily="34" charset="0"/>
-              </a:rPr>
-              <a:t>)</a:t>
-            </a:r>
-            <a:endParaRPr lang="zh-CN" altLang="en-US" sz="1600" dirty="0">
-              <a:solidFill>
-                <a:srgbClr val="474747"/>
-              </a:solidFill>
-              <a:latin typeface="微软雅黑" panose="020B0503020204020204" charset="-122"/>
-              <a:ea typeface="微软雅黑" panose="020B0503020204020204" charset="-122"/>
-              <a:cs typeface="微软雅黑" panose="020B0503020204020204" charset="-122"/>
-              <a:sym typeface="Calibri" panose="020F0502020204030204" pitchFamily="34" charset="0"/>
-            </a:endParaRPr>
-          </a:p>
-          <a:p>
-            <a:pPr marL="1257300" lvl="2" indent="-342900" algn="l">
-              <a:lnSpc>
-                <a:spcPct val="100000"/>
-              </a:lnSpc>
-              <a:spcBef>
-                <a:spcPts val="0"/>
-              </a:spcBef>
-              <a:spcAft>
-                <a:spcPts val="0"/>
-              </a:spcAft>
-              <a:buFont typeface="Wingdings" panose="05000000000000000000" pitchFamily="2" charset="2"/>
-              <a:buChar char="u"/>
-            </a:pPr>
-            <a:r>
-              <a:rPr lang="zh-CN" altLang="en-US" sz="1600" dirty="0">
-                <a:solidFill>
-                  <a:srgbClr val="474747"/>
-                </a:solidFill>
-                <a:latin typeface="微软雅黑" panose="020B0503020204020204" charset="-122"/>
-                <a:ea typeface="微软雅黑" panose="020B0503020204020204" charset="-122"/>
-                <a:cs typeface="微软雅黑" panose="020B0503020204020204" charset="-122"/>
-                <a:sym typeface="Calibri" panose="020F0502020204030204" pitchFamily="34" charset="0"/>
-              </a:rPr>
-              <a:t>由</a:t>
-            </a:r>
-            <a:r>
-              <a:rPr lang="zh-CN" altLang="en-US" sz="1600" dirty="0">
-                <a:solidFill>
-                  <a:srgbClr val="FF0000"/>
-                </a:solidFill>
-                <a:latin typeface="微软雅黑" panose="020B0503020204020204" charset="-122"/>
-                <a:ea typeface="微软雅黑" panose="020B0503020204020204" charset="-122"/>
-                <a:cs typeface="微软雅黑" panose="020B0503020204020204" charset="-122"/>
-                <a:sym typeface="Calibri" panose="020F0502020204030204" pitchFamily="34" charset="0"/>
-              </a:rPr>
-              <a:t>数据</a:t>
-            </a:r>
-            <a:r>
-              <a:rPr lang="zh-CN" altLang="en-US" sz="1600" dirty="0">
-                <a:solidFill>
-                  <a:srgbClr val="474747"/>
-                </a:solidFill>
-                <a:latin typeface="微软雅黑" panose="020B0503020204020204" charset="-122"/>
-                <a:ea typeface="微软雅黑" panose="020B0503020204020204" charset="-122"/>
-                <a:cs typeface="微软雅黑" panose="020B0503020204020204" charset="-122"/>
-                <a:sym typeface="Calibri" panose="020F0502020204030204" pitchFamily="34" charset="0"/>
-              </a:rPr>
-              <a:t>和一些</a:t>
-            </a:r>
-            <a:r>
-              <a:rPr lang="zh-CN" altLang="en-US" sz="1600" dirty="0">
-                <a:solidFill>
-                  <a:srgbClr val="FF0000"/>
-                </a:solidFill>
-                <a:latin typeface="微软雅黑" panose="020B0503020204020204" charset="-122"/>
-                <a:ea typeface="微软雅黑" panose="020B0503020204020204" charset="-122"/>
-                <a:cs typeface="微软雅黑" panose="020B0503020204020204" charset="-122"/>
-                <a:sym typeface="Calibri" panose="020F0502020204030204" pitchFamily="34" charset="0"/>
-              </a:rPr>
-              <a:t>运算符</a:t>
-            </a:r>
-            <a:r>
-              <a:rPr lang="zh-CN" altLang="en-US" sz="1600" dirty="0">
-                <a:solidFill>
-                  <a:srgbClr val="474747"/>
-                </a:solidFill>
-                <a:latin typeface="微软雅黑" panose="020B0503020204020204" charset="-122"/>
-                <a:ea typeface="微软雅黑" panose="020B0503020204020204" charset="-122"/>
-                <a:cs typeface="微软雅黑" panose="020B0503020204020204" charset="-122"/>
-                <a:sym typeface="Calibri" panose="020F0502020204030204" pitchFamily="34" charset="0"/>
-              </a:rPr>
-              <a:t>或者</a:t>
-            </a:r>
-            <a:r>
-              <a:rPr lang="zh-CN" altLang="en-US" sz="1600" dirty="0">
-                <a:solidFill>
-                  <a:srgbClr val="FF0000"/>
-                </a:solidFill>
-                <a:latin typeface="微软雅黑" panose="020B0503020204020204" charset="-122"/>
-                <a:ea typeface="微软雅黑" panose="020B0503020204020204" charset="-122"/>
-                <a:cs typeface="微软雅黑" panose="020B0503020204020204" charset="-122"/>
-                <a:sym typeface="Calibri" panose="020F0502020204030204" pitchFamily="34" charset="0"/>
-              </a:rPr>
-              <a:t>函数</a:t>
-            </a:r>
-            <a:r>
-              <a:rPr lang="zh-CN" altLang="en-US" sz="1600" dirty="0">
-                <a:solidFill>
-                  <a:srgbClr val="474747"/>
-                </a:solidFill>
-                <a:latin typeface="微软雅黑" panose="020B0503020204020204" charset="-122"/>
-                <a:ea typeface="微软雅黑" panose="020B0503020204020204" charset="-122"/>
-                <a:cs typeface="微软雅黑" panose="020B0503020204020204" charset="-122"/>
-                <a:sym typeface="Calibri" panose="020F0502020204030204" pitchFamily="34" charset="0"/>
-              </a:rPr>
-              <a:t>构成</a:t>
-            </a:r>
-            <a:endParaRPr lang="zh-CN" altLang="en-US" sz="1600" dirty="0">
-              <a:solidFill>
-                <a:srgbClr val="474747"/>
-              </a:solidFill>
-              <a:latin typeface="微软雅黑" panose="020B0503020204020204" charset="-122"/>
-              <a:ea typeface="微软雅黑" panose="020B0503020204020204" charset="-122"/>
-              <a:cs typeface="微软雅黑" panose="020B0503020204020204" charset="-122"/>
-              <a:sym typeface="Calibri" panose="020F0502020204030204" pitchFamily="34" charset="0"/>
             </a:endParaRPr>
           </a:p>
         </p:txBody>
@@ -15167,7 +14620,7 @@
               <a:t> </a:t>
             </a:r>
             <a:r>
-              <a:rPr sz="2200" u="sng" strike="noStrike" kern="0" cap="none" spc="0" baseline="0" dirty="0">
+              <a:rPr lang="zh-CN" sz="2200" u="sng" strike="noStrike" kern="0" cap="none" spc="0" baseline="0" dirty="0">
                 <a:solidFill>
                   <a:srgbClr val="212121"/>
                 </a:solidFill>
@@ -15175,9 +14628,9 @@
                 <a:ea typeface="微软雅黑" panose="020B0503020204020204" charset="-122"/>
                 <a:cs typeface="Times New Roman" panose="02020603050405020304" charset="0"/>
               </a:rPr>
-              <a:t>go语言程序示例</a:t>
-            </a:r>
-            <a:endParaRPr sz="2200" u="sng" strike="noStrike" kern="0" cap="none" spc="0" baseline="0" dirty="0">
+              <a:t>谢谢</a:t>
+            </a:r>
+            <a:endParaRPr lang="zh-CN" sz="2200" u="sng" strike="noStrike" kern="0" cap="none" spc="0" baseline="0" dirty="0">
               <a:solidFill>
                 <a:srgbClr val="212121"/>
               </a:solidFill>
@@ -15220,7 +14673,7 @@
               <a:buChar char="u"/>
             </a:pPr>
             <a:r>
-              <a:rPr sz="1600" u="none" strike="noStrike" kern="1200" cap="none" spc="0" baseline="0" dirty="0">
+              <a:rPr lang="zh-CN" sz="1600" u="none" strike="noStrike" kern="1200" cap="none" spc="0" baseline="0" dirty="0">
                 <a:solidFill>
                   <a:srgbClr val="474747"/>
                 </a:solidFill>
@@ -15228,9 +14681,9 @@
                 <a:ea typeface="微软雅黑" panose="020B0503020204020204" charset="-122"/>
                 <a:cs typeface="微软雅黑" panose="020B0503020204020204" charset="-122"/>
               </a:rPr>
-              <a:t>编辑环境 play.golang.org (需要科学上网)</a:t>
-            </a:r>
-            <a:endParaRPr sz="1600" u="none" strike="noStrike" kern="1200" cap="none" spc="0" baseline="0" dirty="0">
+              <a:t>谢谢</a:t>
+            </a:r>
+            <a:endParaRPr lang="zh-CN" sz="1600" u="none" strike="noStrike" kern="1200" cap="none" spc="0" baseline="0" dirty="0">
               <a:solidFill>
                 <a:srgbClr val="474747"/>
               </a:solidFill>
@@ -15287,6 +14740,109 @@
               <a:latin typeface="微软雅黑" panose="020B0503020204020204" charset="-122"/>
               <a:ea typeface="微软雅黑" panose="020B0503020204020204" charset="-122"/>
               <a:cs typeface="微软雅黑" panose="020B0503020204020204" charset="-122"/>
+            </a:endParaRPr>
+          </a:p>
+        </p:txBody>
+      </p:sp>
+      <p:sp>
+        <p:nvSpPr>
+          <p:cNvPr id="2" name="矩形"/>
+          <p:cNvSpPr/>
+          <p:nvPr/>
+        </p:nvSpPr>
+        <p:spPr>
+          <a:xfrm>
+            <a:off x="542290" y="3209608"/>
+            <a:ext cx="7918450" cy="337185"/>
+          </a:xfrm>
+          <a:prstGeom prst="rect">
+            <a:avLst/>
+          </a:prstGeom>
+          <a:noFill/>
+          <a:ln w="9525" cap="flat" cmpd="sng">
+            <a:noFill/>
+            <a:prstDash val="solid"/>
+            <a:miter/>
+          </a:ln>
+        </p:spPr>
+        <p:txBody>
+          <a:bodyPr vert="horz" wrap="square" lIns="91440" tIns="45720" rIns="91440" bIns="45720" anchor="ctr" anchorCtr="0">
+            <a:spAutoFit/>
+          </a:bodyPr>
+          <a:p>
+            <a:pPr marL="800100" lvl="1" indent="-342900" algn="l">
+              <a:buFont typeface="Wingdings" panose="05000000000000000000" pitchFamily="2" charset="2"/>
+              <a:buChar char="u"/>
+            </a:pPr>
+            <a:r>
+              <a:rPr lang="zh-CN" sz="1600" dirty="0">
+                <a:solidFill>
+                  <a:srgbClr val="474747"/>
+                </a:solidFill>
+                <a:latin typeface="微软雅黑" panose="020B0503020204020204" charset="-122"/>
+                <a:ea typeface="微软雅黑" panose="020B0503020204020204" charset="-122"/>
+                <a:cs typeface="微软雅黑" panose="020B0503020204020204" charset="-122"/>
+                <a:sym typeface="+mn-ea"/>
+              </a:rPr>
+              <a:t>谢谢</a:t>
+            </a:r>
+            <a:endParaRPr lang="zh-CN" altLang="en-US" sz="1600" dirty="0">
+              <a:solidFill>
+                <a:srgbClr val="474747"/>
+              </a:solidFill>
+              <a:latin typeface="微软雅黑" panose="020B0503020204020204" charset="-122"/>
+              <a:ea typeface="微软雅黑" panose="020B0503020204020204" charset="-122"/>
+              <a:cs typeface="微软雅黑" panose="020B0503020204020204" charset="-122"/>
+              <a:sym typeface="Calibri" panose="020F0502020204030204" pitchFamily="34" charset="0"/>
+            </a:endParaRPr>
+          </a:p>
+        </p:txBody>
+      </p:sp>
+      <p:sp>
+        <p:nvSpPr>
+          <p:cNvPr id="3" name="文本框 2"/>
+          <p:cNvSpPr txBox="1"/>
+          <p:nvPr/>
+        </p:nvSpPr>
+        <p:spPr>
+          <a:xfrm>
+            <a:off x="542290" y="2726373"/>
+            <a:ext cx="6915150" cy="337185"/>
+          </a:xfrm>
+          <a:prstGeom prst="rect">
+            <a:avLst/>
+          </a:prstGeom>
+          <a:noFill/>
+        </p:spPr>
+        <p:txBody>
+          <a:bodyPr wrap="square" rtlCol="0" anchor="t">
+            <a:spAutoFit/>
+          </a:bodyPr>
+          <a:p>
+            <a:pPr marL="800100" lvl="1" indent="-342900" algn="l">
+              <a:buFont typeface="Wingdings" panose="05000000000000000000" pitchFamily="2" charset="2"/>
+              <a:buChar char="u"/>
+            </a:pPr>
+            <a:r>
+              <a:rPr lang="zh-CN" sz="1600" dirty="0">
+                <a:solidFill>
+                  <a:srgbClr val="474747"/>
+                </a:solidFill>
+                <a:latin typeface="微软雅黑" panose="020B0503020204020204" charset="-122"/>
+                <a:ea typeface="微软雅黑" panose="020B0503020204020204" charset="-122"/>
+                <a:cs typeface="微软雅黑" panose="020B0503020204020204" charset="-122"/>
+                <a:sym typeface="+mn-ea"/>
+              </a:rPr>
+              <a:t>谢谢</a:t>
+            </a:r>
+            <a:endParaRPr lang="en-US" altLang="zh-CN" sz="1600" dirty="0">
+              <a:solidFill>
+                <a:srgbClr val="474747"/>
+              </a:solidFill>
+              <a:latin typeface="微软雅黑" panose="020B0503020204020204" charset="-122"/>
+              <a:ea typeface="微软雅黑" panose="020B0503020204020204" charset="-122"/>
+              <a:cs typeface="微软雅黑" panose="020B0503020204020204" charset="-122"/>
+              <a:sym typeface="Calibri" panose="020F0502020204030204" pitchFamily="34" charset="0"/>
             </a:endParaRPr>
           </a:p>
         </p:txBody>
@@ -15384,7 +14940,7 @@
               <a:t> </a:t>
             </a:r>
             <a:r>
-              <a:rPr lang="zh-CN" sz="2200" u="sng" strike="noStrike" kern="0" cap="none" spc="0" baseline="0" dirty="0">
+              <a:rPr sz="2200" u="sng" strike="noStrike" kern="0" cap="none" spc="0" baseline="0" dirty="0">
                 <a:solidFill>
                   <a:srgbClr val="212121"/>
                 </a:solidFill>
@@ -15392,9 +14948,42 @@
                 <a:ea typeface="微软雅黑" panose="020B0503020204020204" charset="-122"/>
                 <a:cs typeface="Times New Roman" panose="02020603050405020304" charset="0"/>
               </a:rPr>
-              <a:t>谢谢</a:t>
-            </a:r>
-            <a:endParaRPr lang="zh-CN" sz="2200" u="sng" strike="noStrike" kern="0" cap="none" spc="0" baseline="0" dirty="0">
+              <a:t>人类认识和表示事物的基本方式</a:t>
+            </a:r>
+            <a:r>
+              <a:rPr lang="en-US" sz="2200" u="sng" strike="noStrike" kern="0" cap="none" spc="0" baseline="0" dirty="0">
+                <a:solidFill>
+                  <a:srgbClr val="212121"/>
+                </a:solidFill>
+                <a:latin typeface="微软雅黑" panose="020B0503020204020204" charset="-122"/>
+                <a:ea typeface="微软雅黑" panose="020B0503020204020204" charset="-122"/>
+                <a:cs typeface="Times New Roman" panose="02020603050405020304" charset="0"/>
+              </a:rPr>
+              <a:t>(</a:t>
+            </a:r>
+            <a:r>
+              <a:rPr lang="zh-CN" altLang="en-US" sz="2200" u="sng" strike="noStrike" kern="0" cap="none" spc="0" baseline="0" dirty="0">
+                <a:solidFill>
+                  <a:srgbClr val="212121"/>
+                </a:solidFill>
+                <a:latin typeface="微软雅黑" panose="020B0503020204020204" charset="-122"/>
+                <a:ea typeface="微软雅黑" panose="020B0503020204020204" charset="-122"/>
+                <a:cs typeface="Times New Roman" panose="02020603050405020304" charset="0"/>
+              </a:rPr>
+              <a:t>编程也是这样的</a:t>
+            </a:r>
+            <a:r>
+              <a:rPr lang="en-US" sz="2200" u="sng" strike="noStrike" kern="0" cap="none" spc="0" baseline="0" dirty="0">
+                <a:solidFill>
+                  <a:srgbClr val="212121"/>
+                </a:solidFill>
+                <a:latin typeface="微软雅黑" panose="020B0503020204020204" charset="-122"/>
+                <a:ea typeface="微软雅黑" panose="020B0503020204020204" charset="-122"/>
+                <a:cs typeface="Times New Roman" panose="02020603050405020304" charset="0"/>
+              </a:rPr>
+              <a:t>)</a:t>
+            </a:r>
+            <a:endParaRPr lang="en-US" sz="2200" u="sng" strike="noStrike" kern="0" cap="none" spc="0" baseline="0" dirty="0">
               <a:solidFill>
                 <a:srgbClr val="212121"/>
               </a:solidFill>
@@ -15437,7 +15026,7 @@
               <a:buChar char="u"/>
             </a:pPr>
             <a:r>
-              <a:rPr lang="zh-CN" sz="1600" u="none" strike="noStrike" kern="1200" cap="none" spc="0" baseline="0" dirty="0">
+              <a:rPr sz="1600" u="none" strike="noStrike" kern="1200" cap="none" spc="0" baseline="0" dirty="0">
                 <a:solidFill>
                   <a:srgbClr val="474747"/>
                 </a:solidFill>
@@ -15445,9 +15034,9 @@
                 <a:ea typeface="微软雅黑" panose="020B0503020204020204" charset="-122"/>
                 <a:cs typeface="微软雅黑" panose="020B0503020204020204" charset="-122"/>
               </a:rPr>
-              <a:t>谢谢</a:t>
-            </a:r>
-            <a:endParaRPr lang="zh-CN" sz="1600" u="none" strike="noStrike" kern="1200" cap="none" spc="0" baseline="0" dirty="0">
+              <a:t>对比</a:t>
+            </a:r>
+            <a:endParaRPr lang="en-US" sz="1600" u="none" strike="noStrike" kern="1200" cap="none" spc="0" baseline="0" dirty="0">
               <a:solidFill>
                 <a:srgbClr val="474747"/>
               </a:solidFill>
@@ -15535,20 +15124,29 @@
           </a:bodyPr>
           <a:p>
             <a:pPr marL="800100" lvl="1" indent="-342900" algn="l">
+              <a:lnSpc>
+                <a:spcPct val="100000"/>
+              </a:lnSpc>
+              <a:spcBef>
+                <a:spcPts val="0"/>
+              </a:spcBef>
+              <a:spcAft>
+                <a:spcPts val="0"/>
+              </a:spcAft>
               <a:buFont typeface="Wingdings" panose="05000000000000000000" pitchFamily="2" charset="2"/>
               <a:buChar char="u"/>
             </a:pPr>
             <a:r>
-              <a:rPr lang="zh-CN" sz="1600" dirty="0">
+              <a:rPr lang="zh-CN" altLang="en-US" sz="1600" dirty="0">
                 <a:solidFill>
                   <a:srgbClr val="474747"/>
                 </a:solidFill>
                 <a:latin typeface="微软雅黑" panose="020B0503020204020204" charset="-122"/>
                 <a:ea typeface="微软雅黑" panose="020B0503020204020204" charset="-122"/>
                 <a:cs typeface="微软雅黑" panose="020B0503020204020204" charset="-122"/>
-                <a:sym typeface="+mn-ea"/>
-              </a:rPr>
-              <a:t>谢谢</a:t>
+                <a:sym typeface="Calibri" panose="020F0502020204030204" pitchFamily="34" charset="0"/>
+              </a:rPr>
+              <a:t>抽象</a:t>
             </a:r>
             <a:endParaRPr lang="zh-CN" altLang="en-US" sz="1600" dirty="0">
               <a:solidFill>
@@ -15584,20 +15182,29 @@
           </a:bodyPr>
           <a:p>
             <a:pPr marL="800100" lvl="1" indent="-342900" algn="l">
+              <a:lnSpc>
+                <a:spcPct val="100000"/>
+              </a:lnSpc>
+              <a:spcBef>
+                <a:spcPts val="0"/>
+              </a:spcBef>
+              <a:spcAft>
+                <a:spcPts val="0"/>
+              </a:spcAft>
               <a:buFont typeface="Wingdings" panose="05000000000000000000" pitchFamily="2" charset="2"/>
               <a:buChar char="u"/>
             </a:pPr>
             <a:r>
-              <a:rPr lang="zh-CN" sz="1600" dirty="0">
+              <a:rPr lang="zh-CN" altLang="en-US" sz="1600" dirty="0">
                 <a:solidFill>
                   <a:srgbClr val="474747"/>
                 </a:solidFill>
                 <a:latin typeface="微软雅黑" panose="020B0503020204020204" charset="-122"/>
                 <a:ea typeface="微软雅黑" panose="020B0503020204020204" charset="-122"/>
                 <a:cs typeface="微软雅黑" panose="020B0503020204020204" charset="-122"/>
-                <a:sym typeface="+mn-ea"/>
-              </a:rPr>
-              <a:t>谢谢</a:t>
+                <a:sym typeface="Calibri" panose="020F0502020204030204" pitchFamily="34" charset="0"/>
+              </a:rPr>
+              <a:t>组合</a:t>
             </a:r>
             <a:endParaRPr lang="en-US" altLang="zh-CN" sz="1600" dirty="0">
               <a:solidFill>

--- a/tuling/go语言_傻大猫.pptx
+++ b/tuling/go语言_傻大猫.pptx
@@ -16,19 +16,19 @@
     <p:sldId id="319" r:id="rId9"/>
     <p:sldId id="326" r:id="rId10"/>
     <p:sldId id="325" r:id="rId11"/>
-    <p:sldId id="327" r:id="rId12"/>
-    <p:sldId id="322" r:id="rId13"/>
+    <p:sldId id="346" r:id="rId12"/>
+    <p:sldId id="327" r:id="rId13"/>
     <p:sldId id="344" r:id="rId14"/>
     <p:sldId id="345" r:id="rId15"/>
-    <p:sldId id="346" r:id="rId16"/>
-    <p:sldId id="347" r:id="rId17"/>
-    <p:sldId id="348" r:id="rId18"/>
-    <p:sldId id="349" r:id="rId19"/>
-    <p:sldId id="350" r:id="rId20"/>
-    <p:sldId id="351" r:id="rId21"/>
-    <p:sldId id="352" r:id="rId22"/>
-    <p:sldId id="353" r:id="rId23"/>
-    <p:sldId id="354" r:id="rId24"/>
+    <p:sldId id="347" r:id="rId16"/>
+    <p:sldId id="348" r:id="rId17"/>
+    <p:sldId id="349" r:id="rId18"/>
+    <p:sldId id="350" r:id="rId19"/>
+    <p:sldId id="351" r:id="rId20"/>
+    <p:sldId id="352" r:id="rId21"/>
+    <p:sldId id="353" r:id="rId22"/>
+    <p:sldId id="354" r:id="rId23"/>
+    <p:sldId id="322" r:id="rId24"/>
   </p:sldIdLst>
   <p:sldSz cx="9144000" cy="5143500" type="screen16x9"/>
   <p:notesSz cx="6858000" cy="9144000"/>
@@ -8407,7 +8407,7 @@
                 <a:ea typeface="微软雅黑" panose="020B0503020204020204" charset="-122"/>
                 <a:cs typeface="Times New Roman" panose="02020603050405020304" charset="0"/>
               </a:rPr>
-              <a:t>谢谢</a:t>
+              <a:t>IDE 集成开发环境</a:t>
             </a:r>
             <a:endParaRPr lang="zh-CN" sz="2200" u="sng" strike="noStrike" kern="0" cap="none" spc="0" baseline="0" dirty="0">
               <a:solidFill>
@@ -8460,7 +8460,7 @@
                 <a:ea typeface="微软雅黑" panose="020B0503020204020204" charset="-122"/>
                 <a:cs typeface="微软雅黑" panose="020B0503020204020204" charset="-122"/>
               </a:rPr>
-              <a:t>谢谢</a:t>
+              <a:t>sublime VScode Idea goLand Eclipse LiteIDE Vi Emacs </a:t>
             </a:r>
             <a:endParaRPr lang="zh-CN" sz="1600" u="none" strike="noStrike" kern="1200" cap="none" spc="0" baseline="0" dirty="0">
               <a:solidFill>
@@ -8525,27 +8525,22 @@
       </p:sp>
       <p:sp>
         <p:nvSpPr>
-          <p:cNvPr id="2" name="矩形"/>
-          <p:cNvSpPr/>
+          <p:cNvPr id="3" name="文本框 2"/>
+          <p:cNvSpPr txBox="1"/>
           <p:nvPr/>
         </p:nvSpPr>
         <p:spPr>
           <a:xfrm>
-            <a:off x="542290" y="3209608"/>
-            <a:ext cx="7918450" cy="337185"/>
+            <a:off x="542290" y="2726373"/>
+            <a:ext cx="6915150" cy="337185"/>
           </a:xfrm>
           <a:prstGeom prst="rect">
             <a:avLst/>
           </a:prstGeom>
           <a:noFill/>
-          <a:ln w="9525" cap="flat" cmpd="sng">
-            <a:noFill/>
-            <a:prstDash val="solid"/>
-            <a:miter/>
-          </a:ln>
-        </p:spPr>
-        <p:txBody>
-          <a:bodyPr vert="horz" wrap="square" lIns="91440" tIns="45720" rIns="91440" bIns="45720" anchor="ctr" anchorCtr="0">
+        </p:spPr>
+        <p:txBody>
+          <a:bodyPr wrap="square" rtlCol="0" anchor="t">
             <a:spAutoFit/>
           </a:bodyPr>
           <a:p>
@@ -8563,56 +8558,7 @@
                 <a:cs typeface="微软雅黑" panose="020B0503020204020204" charset="-122"/>
                 <a:sym typeface="+mn-ea"/>
               </a:rPr>
-              <a:t>谢谢</a:t>
-            </a:r>
-            <a:endParaRPr lang="zh-CN" altLang="en-US" sz="1600" dirty="0">
-              <a:solidFill>
-                <a:srgbClr val="474747"/>
-              </a:solidFill>
-              <a:latin typeface="微软雅黑" panose="020B0503020204020204" charset="-122"/>
-              <a:ea typeface="微软雅黑" panose="020B0503020204020204" charset="-122"/>
-              <a:cs typeface="微软雅黑" panose="020B0503020204020204" charset="-122"/>
-              <a:sym typeface="Calibri" panose="020F0502020204030204" pitchFamily="34" charset="0"/>
-            </a:endParaRPr>
-          </a:p>
-        </p:txBody>
-      </p:sp>
-      <p:sp>
-        <p:nvSpPr>
-          <p:cNvPr id="3" name="文本框 2"/>
-          <p:cNvSpPr txBox="1"/>
-          <p:nvPr/>
-        </p:nvSpPr>
-        <p:spPr>
-          <a:xfrm>
-            <a:off x="542290" y="2726373"/>
-            <a:ext cx="6915150" cy="337185"/>
-          </a:xfrm>
-          <a:prstGeom prst="rect">
-            <a:avLst/>
-          </a:prstGeom>
-          <a:noFill/>
-        </p:spPr>
-        <p:txBody>
-          <a:bodyPr wrap="square" rtlCol="0" anchor="t">
-            <a:spAutoFit/>
-          </a:bodyPr>
-          <a:p>
-            <a:pPr marL="800100" lvl="1" indent="-342900" algn="l">
-              <a:buFont typeface="Wingdings" panose="05000000000000000000" pitchFamily="2" charset="2"/>
-              <a:buChar char="u"/>
-            </a:pPr>
-            <a:r>
-              <a:rPr lang="zh-CN" sz="1600" dirty="0">
-                <a:solidFill>
-                  <a:srgbClr val="474747"/>
-                </a:solidFill>
-                <a:latin typeface="微软雅黑" panose="020B0503020204020204" charset="-122"/>
-                <a:ea typeface="微软雅黑" panose="020B0503020204020204" charset="-122"/>
-                <a:cs typeface="微软雅黑" panose="020B0503020204020204" charset="-122"/>
-                <a:sym typeface="+mn-ea"/>
-              </a:rPr>
-              <a:t>谢谢</a:t>
+              <a:t>自己喜欢的/熟悉的皆可用</a:t>
             </a:r>
             <a:endParaRPr lang="en-US" altLang="zh-CN" sz="1600" dirty="0">
               <a:solidFill>
@@ -8727,7 +8673,7 @@
                 <a:ea typeface="微软雅黑" panose="020B0503020204020204" charset="-122"/>
                 <a:cs typeface="Times New Roman" panose="02020603050405020304" charset="0"/>
               </a:rPr>
-              <a:t>谢谢</a:t>
+              <a:t>编译执行</a:t>
             </a:r>
             <a:endParaRPr lang="zh-CN" sz="2200" u="sng" strike="noStrike" kern="0" cap="none" spc="0" baseline="0" dirty="0">
               <a:solidFill>
@@ -8780,7 +8726,7 @@
                 <a:ea typeface="微软雅黑" panose="020B0503020204020204" charset="-122"/>
                 <a:cs typeface="微软雅黑" panose="020B0503020204020204" charset="-122"/>
               </a:rPr>
-              <a:t>谢谢</a:t>
+              <a:t>命令行编译执行 </a:t>
             </a:r>
             <a:endParaRPr lang="zh-CN" sz="1600" u="none" strike="noStrike" kern="1200" cap="none" spc="0" baseline="0" dirty="0">
               <a:solidFill>
@@ -8883,16 +8829,16 @@
                 <a:cs typeface="微软雅黑" panose="020B0503020204020204" charset="-122"/>
                 <a:sym typeface="+mn-ea"/>
               </a:rPr>
-              <a:t>谢谢</a:t>
-            </a:r>
-            <a:endParaRPr lang="zh-CN" altLang="en-US" sz="1600" dirty="0">
+              <a:t>go fmt (编码规范 / 软件工程范畴 / 团队沟通)</a:t>
+            </a:r>
+            <a:endParaRPr lang="zh-CN" sz="1600" dirty="0">
               <a:solidFill>
                 <a:srgbClr val="474747"/>
               </a:solidFill>
               <a:latin typeface="微软雅黑" panose="020B0503020204020204" charset="-122"/>
               <a:ea typeface="微软雅黑" panose="020B0503020204020204" charset="-122"/>
               <a:cs typeface="微软雅黑" panose="020B0503020204020204" charset="-122"/>
-              <a:sym typeface="Calibri" panose="020F0502020204030204" pitchFamily="34" charset="0"/>
+              <a:sym typeface="+mn-ea"/>
             </a:endParaRPr>
           </a:p>
         </p:txBody>
@@ -8932,16 +8878,16 @@
                 <a:cs typeface="微软雅黑" panose="020B0503020204020204" charset="-122"/>
                 <a:sym typeface="+mn-ea"/>
               </a:rPr>
-              <a:t>谢谢</a:t>
-            </a:r>
-            <a:endParaRPr lang="en-US" altLang="zh-CN" sz="1600" dirty="0">
+              <a:t>IDE编译执行调试</a:t>
+            </a:r>
+            <a:endParaRPr lang="zh-CN" sz="1600" dirty="0">
               <a:solidFill>
                 <a:srgbClr val="474747"/>
               </a:solidFill>
               <a:latin typeface="微软雅黑" panose="020B0503020204020204" charset="-122"/>
               <a:ea typeface="微软雅黑" panose="020B0503020204020204" charset="-122"/>
               <a:cs typeface="微软雅黑" panose="020B0503020204020204" charset="-122"/>
-              <a:sym typeface="Calibri" panose="020F0502020204030204" pitchFamily="34" charset="0"/>
+              <a:sym typeface="+mn-ea"/>
             </a:endParaRPr>
           </a:p>
         </p:txBody>
@@ -12012,7 +11958,7 @@
               <a:t> </a:t>
             </a:r>
             <a:r>
-              <a:rPr lang="zh-CN" sz="2200" u="sng" strike="noStrike" kern="0" cap="none" spc="0" baseline="0" dirty="0">
+              <a:rPr sz="2200" u="sng" strike="noStrike" kern="0" cap="none" spc="0" baseline="0" dirty="0">
                 <a:solidFill>
                   <a:srgbClr val="212121"/>
                 </a:solidFill>
@@ -12020,9 +11966,42 @@
                 <a:ea typeface="微软雅黑" panose="020B0503020204020204" charset="-122"/>
                 <a:cs typeface="Times New Roman" panose="02020603050405020304" charset="0"/>
               </a:rPr>
-              <a:t>谢谢</a:t>
-            </a:r>
-            <a:endParaRPr lang="zh-CN" sz="2200" u="sng" strike="noStrike" kern="0" cap="none" spc="0" baseline="0" dirty="0">
+              <a:t>人类认识和表示事物的基本方式</a:t>
+            </a:r>
+            <a:r>
+              <a:rPr lang="en-US" sz="2200" u="sng" strike="noStrike" kern="0" cap="none" spc="0" baseline="0" dirty="0">
+                <a:solidFill>
+                  <a:srgbClr val="212121"/>
+                </a:solidFill>
+                <a:latin typeface="微软雅黑" panose="020B0503020204020204" charset="-122"/>
+                <a:ea typeface="微软雅黑" panose="020B0503020204020204" charset="-122"/>
+                <a:cs typeface="Times New Roman" panose="02020603050405020304" charset="0"/>
+              </a:rPr>
+              <a:t>(</a:t>
+            </a:r>
+            <a:r>
+              <a:rPr lang="zh-CN" altLang="en-US" sz="2200" u="sng" strike="noStrike" kern="0" cap="none" spc="0" baseline="0" dirty="0">
+                <a:solidFill>
+                  <a:srgbClr val="212121"/>
+                </a:solidFill>
+                <a:latin typeface="微软雅黑" panose="020B0503020204020204" charset="-122"/>
+                <a:ea typeface="微软雅黑" panose="020B0503020204020204" charset="-122"/>
+                <a:cs typeface="Times New Roman" panose="02020603050405020304" charset="0"/>
+              </a:rPr>
+              <a:t>编程也是这样的</a:t>
+            </a:r>
+            <a:r>
+              <a:rPr lang="en-US" sz="2200" u="sng" strike="noStrike" kern="0" cap="none" spc="0" baseline="0" dirty="0">
+                <a:solidFill>
+                  <a:srgbClr val="212121"/>
+                </a:solidFill>
+                <a:latin typeface="微软雅黑" panose="020B0503020204020204" charset="-122"/>
+                <a:ea typeface="微软雅黑" panose="020B0503020204020204" charset="-122"/>
+                <a:cs typeface="Times New Roman" panose="02020603050405020304" charset="0"/>
+              </a:rPr>
+              <a:t>)</a:t>
+            </a:r>
+            <a:endParaRPr lang="en-US" sz="2200" u="sng" strike="noStrike" kern="0" cap="none" spc="0" baseline="0" dirty="0">
               <a:solidFill>
                 <a:srgbClr val="212121"/>
               </a:solidFill>
@@ -12065,7 +12044,7 @@
               <a:buChar char="u"/>
             </a:pPr>
             <a:r>
-              <a:rPr lang="zh-CN" sz="1600" u="none" strike="noStrike" kern="1200" cap="none" spc="0" baseline="0" dirty="0">
+              <a:rPr sz="1600" u="none" strike="noStrike" kern="1200" cap="none" spc="0" baseline="0" dirty="0">
                 <a:solidFill>
                   <a:srgbClr val="474747"/>
                 </a:solidFill>
@@ -12073,9 +12052,9 @@
                 <a:ea typeface="微软雅黑" panose="020B0503020204020204" charset="-122"/>
                 <a:cs typeface="微软雅黑" panose="020B0503020204020204" charset="-122"/>
               </a:rPr>
-              <a:t>谢谢</a:t>
-            </a:r>
-            <a:endParaRPr lang="zh-CN" sz="1600" u="none" strike="noStrike" kern="1200" cap="none" spc="0" baseline="0" dirty="0">
+              <a:t>对比</a:t>
+            </a:r>
+            <a:endParaRPr lang="en-US" sz="1600" u="none" strike="noStrike" kern="1200" cap="none" spc="0" baseline="0" dirty="0">
               <a:solidFill>
                 <a:srgbClr val="474747"/>
               </a:solidFill>
@@ -12163,20 +12142,29 @@
           </a:bodyPr>
           <a:p>
             <a:pPr marL="800100" lvl="1" indent="-342900" algn="l">
+              <a:lnSpc>
+                <a:spcPct val="100000"/>
+              </a:lnSpc>
+              <a:spcBef>
+                <a:spcPts val="0"/>
+              </a:spcBef>
+              <a:spcAft>
+                <a:spcPts val="0"/>
+              </a:spcAft>
               <a:buFont typeface="Wingdings" panose="05000000000000000000" pitchFamily="2" charset="2"/>
               <a:buChar char="u"/>
             </a:pPr>
             <a:r>
-              <a:rPr lang="zh-CN" sz="1600" dirty="0">
+              <a:rPr lang="zh-CN" altLang="en-US" sz="1600" dirty="0">
                 <a:solidFill>
                   <a:srgbClr val="474747"/>
                 </a:solidFill>
                 <a:latin typeface="微软雅黑" panose="020B0503020204020204" charset="-122"/>
                 <a:ea typeface="微软雅黑" panose="020B0503020204020204" charset="-122"/>
                 <a:cs typeface="微软雅黑" panose="020B0503020204020204" charset="-122"/>
-                <a:sym typeface="+mn-ea"/>
-              </a:rPr>
-              <a:t>谢谢</a:t>
+                <a:sym typeface="Calibri" panose="020F0502020204030204" pitchFamily="34" charset="0"/>
+              </a:rPr>
+              <a:t>抽象</a:t>
             </a:r>
             <a:endParaRPr lang="zh-CN" altLang="en-US" sz="1600" dirty="0">
               <a:solidFill>
@@ -12212,20 +12200,29 @@
           </a:bodyPr>
           <a:p>
             <a:pPr marL="800100" lvl="1" indent="-342900" algn="l">
+              <a:lnSpc>
+                <a:spcPct val="100000"/>
+              </a:lnSpc>
+              <a:spcBef>
+                <a:spcPts val="0"/>
+              </a:spcBef>
+              <a:spcAft>
+                <a:spcPts val="0"/>
+              </a:spcAft>
               <a:buFont typeface="Wingdings" panose="05000000000000000000" pitchFamily="2" charset="2"/>
               <a:buChar char="u"/>
             </a:pPr>
             <a:r>
-              <a:rPr lang="zh-CN" sz="1600" dirty="0">
+              <a:rPr lang="zh-CN" altLang="en-US" sz="1600" dirty="0">
                 <a:solidFill>
                   <a:srgbClr val="474747"/>
                 </a:solidFill>
                 <a:latin typeface="微软雅黑" panose="020B0503020204020204" charset="-122"/>
                 <a:ea typeface="微软雅黑" panose="020B0503020204020204" charset="-122"/>
                 <a:cs typeface="微软雅黑" panose="020B0503020204020204" charset="-122"/>
-                <a:sym typeface="+mn-ea"/>
-              </a:rPr>
-              <a:t>谢谢</a:t>
+                <a:sym typeface="Calibri" panose="020F0502020204030204" pitchFamily="34" charset="0"/>
+              </a:rPr>
+              <a:t>组合</a:t>
             </a:r>
             <a:endParaRPr lang="en-US" altLang="zh-CN" sz="1600" dirty="0">
               <a:solidFill>
@@ -14940,50 +14937,12 @@
               <a:t> </a:t>
             </a:r>
             <a:r>
-              <a:rPr sz="2200" u="sng" strike="noStrike" kern="0" cap="none" spc="0" baseline="0" dirty="0">
-                <a:solidFill>
-                  <a:srgbClr val="212121"/>
-                </a:solidFill>
-                <a:latin typeface="微软雅黑" panose="020B0503020204020204" charset="-122"/>
-                <a:ea typeface="微软雅黑" panose="020B0503020204020204" charset="-122"/>
-                <a:cs typeface="Times New Roman" panose="02020603050405020304" charset="0"/>
-              </a:rPr>
-              <a:t>人类认识和表示事物的基本方式</a:t>
-            </a:r>
-            <a:r>
-              <a:rPr lang="en-US" sz="2200" u="sng" strike="noStrike" kern="0" cap="none" spc="0" baseline="0" dirty="0">
-                <a:solidFill>
-                  <a:srgbClr val="212121"/>
-                </a:solidFill>
-                <a:latin typeface="微软雅黑" panose="020B0503020204020204" charset="-122"/>
-                <a:ea typeface="微软雅黑" panose="020B0503020204020204" charset="-122"/>
-                <a:cs typeface="Times New Roman" panose="02020603050405020304" charset="0"/>
-              </a:rPr>
-              <a:t>(</a:t>
-            </a:r>
-            <a:r>
-              <a:rPr lang="zh-CN" altLang="en-US" sz="2200" u="sng" strike="noStrike" kern="0" cap="none" spc="0" baseline="0" dirty="0">
-                <a:solidFill>
-                  <a:srgbClr val="212121"/>
-                </a:solidFill>
-                <a:latin typeface="微软雅黑" panose="020B0503020204020204" charset="-122"/>
-                <a:ea typeface="微软雅黑" panose="020B0503020204020204" charset="-122"/>
-                <a:cs typeface="Times New Roman" panose="02020603050405020304" charset="0"/>
-              </a:rPr>
-              <a:t>编程也是这样的</a:t>
-            </a:r>
-            <a:r>
-              <a:rPr lang="en-US" sz="2200" u="sng" strike="noStrike" kern="0" cap="none" spc="0" baseline="0" dirty="0">
-                <a:solidFill>
-                  <a:srgbClr val="212121"/>
-                </a:solidFill>
-                <a:latin typeface="微软雅黑" panose="020B0503020204020204" charset="-122"/>
-                <a:ea typeface="微软雅黑" panose="020B0503020204020204" charset="-122"/>
-                <a:cs typeface="Times New Roman" panose="02020603050405020304" charset="0"/>
-              </a:rPr>
-              <a:t>)</a:t>
-            </a:r>
-            <a:endParaRPr lang="en-US" sz="2200" u="sng" strike="noStrike" kern="0" cap="none" spc="0" baseline="0" dirty="0">
+              <a:rPr lang="zh-CN" sz="2200" kern="1200" dirty="0">
+                <a:sym typeface="+mn-ea"/>
+              </a:rPr>
+              <a:t>go语言安装</a:t>
+            </a:r>
+            <a:endParaRPr lang="zh-CN" sz="2200" u="sng" strike="noStrike" kern="0" cap="none" spc="0" baseline="0" dirty="0">
               <a:solidFill>
                 <a:srgbClr val="212121"/>
               </a:solidFill>
@@ -15026,7 +14985,7 @@
               <a:buChar char="u"/>
             </a:pPr>
             <a:r>
-              <a:rPr sz="1600" u="none" strike="noStrike" kern="1200" cap="none" spc="0" baseline="0" dirty="0">
+              <a:rPr lang="zh-CN" sz="1600" u="none" strike="noStrike" kern="1200" cap="none" spc="0" baseline="0" dirty="0">
                 <a:solidFill>
                   <a:srgbClr val="474747"/>
                 </a:solidFill>
@@ -15034,9 +14993,9 @@
                 <a:ea typeface="微软雅黑" panose="020B0503020204020204" charset="-122"/>
                 <a:cs typeface="微软雅黑" panose="020B0503020204020204" charset="-122"/>
               </a:rPr>
-              <a:t>对比</a:t>
-            </a:r>
-            <a:endParaRPr lang="en-US" sz="1600" u="none" strike="noStrike" kern="1200" cap="none" spc="0" baseline="0" dirty="0">
+              <a:t>&lt; https://studygolang.com/dl &gt;</a:t>
+            </a:r>
+            <a:endParaRPr lang="zh-CN" sz="1600" u="none" strike="noStrike" kern="1200" cap="none" spc="0" baseline="0" dirty="0">
               <a:solidFill>
                 <a:srgbClr val="474747"/>
               </a:solidFill>
@@ -15124,87 +15083,56 @@
           </a:bodyPr>
           <a:p>
             <a:pPr marL="800100" lvl="1" indent="-342900" algn="l">
-              <a:lnSpc>
-                <a:spcPct val="100000"/>
-              </a:lnSpc>
-              <a:spcBef>
-                <a:spcPts val="0"/>
-              </a:spcBef>
-              <a:spcAft>
-                <a:spcPts val="0"/>
-              </a:spcAft>
               <a:buFont typeface="Wingdings" panose="05000000000000000000" pitchFamily="2" charset="2"/>
               <a:buChar char="u"/>
             </a:pPr>
             <a:r>
-              <a:rPr lang="zh-CN" altLang="en-US" sz="1600" dirty="0">
+              <a:rPr lang="zh-CN" sz="1600" dirty="0">
                 <a:solidFill>
                   <a:srgbClr val="474747"/>
                 </a:solidFill>
                 <a:latin typeface="微软雅黑" panose="020B0503020204020204" charset="-122"/>
                 <a:ea typeface="微软雅黑" panose="020B0503020204020204" charset="-122"/>
                 <a:cs typeface="微软雅黑" panose="020B0503020204020204" charset="-122"/>
-                <a:sym typeface="Calibri" panose="020F0502020204030204" pitchFamily="34" charset="0"/>
-              </a:rPr>
-              <a:t>抽象</a:t>
-            </a:r>
-            <a:endParaRPr lang="zh-CN" altLang="en-US" sz="1600" dirty="0">
-              <a:solidFill>
-                <a:srgbClr val="474747"/>
-              </a:solidFill>
-              <a:latin typeface="微软雅黑" panose="020B0503020204020204" charset="-122"/>
-              <a:ea typeface="微软雅黑" panose="020B0503020204020204" charset="-122"/>
-              <a:cs typeface="微软雅黑" panose="020B0503020204020204" charset="-122"/>
-              <a:sym typeface="Calibri" panose="020F0502020204030204" pitchFamily="34" charset="0"/>
-            </a:endParaRPr>
-          </a:p>
-        </p:txBody>
-      </p:sp>
-      <p:sp>
-        <p:nvSpPr>
-          <p:cNvPr id="3" name="文本框 2"/>
-          <p:cNvSpPr txBox="1"/>
-          <p:nvPr/>
-        </p:nvSpPr>
-        <p:spPr>
-          <a:xfrm>
-            <a:off x="542290" y="2726373"/>
-            <a:ext cx="6915150" cy="337185"/>
-          </a:xfrm>
-          <a:prstGeom prst="rect">
-            <a:avLst/>
-          </a:prstGeom>
-          <a:noFill/>
-        </p:spPr>
-        <p:txBody>
-          <a:bodyPr wrap="square" rtlCol="0" anchor="t">
-            <a:spAutoFit/>
-          </a:bodyPr>
-          <a:p>
-            <a:pPr marL="800100" lvl="1" indent="-342900" algn="l">
-              <a:lnSpc>
-                <a:spcPct val="100000"/>
-              </a:lnSpc>
-              <a:spcBef>
-                <a:spcPts val="0"/>
-              </a:spcBef>
-              <a:spcAft>
-                <a:spcPts val="0"/>
-              </a:spcAft>
-              <a:buFont typeface="Wingdings" panose="05000000000000000000" pitchFamily="2" charset="2"/>
-              <a:buChar char="u"/>
-            </a:pPr>
-            <a:r>
-              <a:rPr lang="zh-CN" altLang="en-US" sz="1600" dirty="0">
+                <a:sym typeface="+mn-ea"/>
+              </a:rPr>
+              <a:t>go env </a:t>
+            </a:r>
+            <a:r>
+              <a:rPr lang="en-US" altLang="zh-CN" sz="1600" dirty="0">
                 <a:solidFill>
                   <a:srgbClr val="474747"/>
                 </a:solidFill>
                 <a:latin typeface="微软雅黑" panose="020B0503020204020204" charset="-122"/>
                 <a:ea typeface="微软雅黑" panose="020B0503020204020204" charset="-122"/>
                 <a:cs typeface="微软雅黑" panose="020B0503020204020204" charset="-122"/>
-                <a:sym typeface="Calibri" panose="020F0502020204030204" pitchFamily="34" charset="0"/>
-              </a:rPr>
-              <a:t>组合</a:t>
+                <a:sym typeface="+mn-ea"/>
+              </a:rPr>
+              <a:t>/</a:t>
+            </a:r>
+            <a:r>
+              <a:rPr lang="zh-CN" sz="1600" dirty="0">
+                <a:solidFill>
+                  <a:srgbClr val="474747"/>
+                </a:solidFill>
+                <a:latin typeface="微软雅黑" panose="020B0503020204020204" charset="-122"/>
+                <a:ea typeface="微软雅黑" panose="020B0503020204020204" charset="-122"/>
+                <a:cs typeface="微软雅黑" panose="020B0503020204020204" charset="-122"/>
+                <a:sym typeface="+mn-ea"/>
+              </a:rPr>
+              <a:t> </a:t>
+            </a:r>
+            <a:r>
+              <a:rPr lang="en-US" altLang="zh-CN" sz="1600" dirty="0">
+                <a:solidFill>
+                  <a:srgbClr val="474747"/>
+                </a:solidFill>
+                <a:latin typeface="微软雅黑" panose="020B0503020204020204" charset="-122"/>
+                <a:ea typeface="微软雅黑" panose="020B0503020204020204" charset="-122"/>
+                <a:cs typeface="微软雅黑" panose="020B0503020204020204" charset="-122"/>
+                <a:sym typeface="+mn-ea"/>
+              </a:rPr>
+              <a:t>go version</a:t>
             </a:r>
             <a:endParaRPr lang="en-US" altLang="zh-CN" sz="1600" dirty="0">
               <a:solidFill>
@@ -15213,7 +15141,59 @@
               <a:latin typeface="微软雅黑" panose="020B0503020204020204" charset="-122"/>
               <a:ea typeface="微软雅黑" panose="020B0503020204020204" charset="-122"/>
               <a:cs typeface="微软雅黑" panose="020B0503020204020204" charset="-122"/>
-              <a:sym typeface="Calibri" panose="020F0502020204030204" pitchFamily="34" charset="0"/>
+              <a:sym typeface="+mn-ea"/>
+            </a:endParaRPr>
+          </a:p>
+        </p:txBody>
+      </p:sp>
+      <p:sp>
+        <p:nvSpPr>
+          <p:cNvPr id="4" name="矩形"/>
+          <p:cNvSpPr/>
+          <p:nvPr/>
+        </p:nvSpPr>
+        <p:spPr>
+          <a:xfrm>
+            <a:off x="542290" y="2726373"/>
+            <a:ext cx="7918450" cy="337185"/>
+          </a:xfrm>
+          <a:prstGeom prst="rect">
+            <a:avLst/>
+          </a:prstGeom>
+          <a:noFill/>
+          <a:ln w="9525" cap="flat" cmpd="sng">
+            <a:noFill/>
+            <a:prstDash val="solid"/>
+            <a:miter/>
+          </a:ln>
+        </p:spPr>
+        <p:txBody>
+          <a:bodyPr vert="horz" wrap="square" lIns="91440" tIns="45720" rIns="91440" bIns="45720" anchor="ctr" anchorCtr="0">
+            <a:spAutoFit/>
+          </a:bodyPr>
+          <a:p>
+            <a:pPr marL="800100" lvl="1" indent="-342900" algn="l">
+              <a:buFont typeface="Wingdings" panose="05000000000000000000" pitchFamily="2" charset="2"/>
+              <a:buChar char="u"/>
+            </a:pPr>
+            <a:r>
+              <a:rPr lang="zh-CN" sz="1600" u="none" strike="noStrike" kern="1200" cap="none" spc="0" baseline="0" dirty="0">
+                <a:solidFill>
+                  <a:srgbClr val="474747"/>
+                </a:solidFill>
+                <a:latin typeface="微软雅黑" panose="020B0503020204020204" charset="-122"/>
+                <a:ea typeface="微软雅黑" panose="020B0503020204020204" charset="-122"/>
+                <a:cs typeface="微软雅黑" panose="020B0503020204020204" charset="-122"/>
+              </a:rPr>
+              <a:t>环境变量</a:t>
+            </a:r>
+            <a:endParaRPr lang="zh-CN" sz="1600" u="none" strike="noStrike" kern="1200" cap="none" spc="0" baseline="0" dirty="0">
+              <a:solidFill>
+                <a:srgbClr val="474747"/>
+              </a:solidFill>
+              <a:latin typeface="微软雅黑" panose="020B0503020204020204" charset="-122"/>
+              <a:ea typeface="微软雅黑" panose="020B0503020204020204" charset="-122"/>
+              <a:cs typeface="微软雅黑" panose="020B0503020204020204" charset="-122"/>
             </a:endParaRPr>
           </a:p>
         </p:txBody>

--- a/tuling/go语言_傻大猫.pptx
+++ b/tuling/go语言_傻大猫.pptx
@@ -8726,7 +8726,7 @@
                 <a:ea typeface="微软雅黑" panose="020B0503020204020204" charset="-122"/>
                 <a:cs typeface="微软雅黑" panose="020B0503020204020204" charset="-122"/>
               </a:rPr>
-              <a:t>命令行编译执行 </a:t>
+              <a:t>命令行执行 </a:t>
             </a:r>
             <a:endParaRPr lang="zh-CN" sz="1600" u="none" strike="noStrike" kern="1200" cap="none" spc="0" baseline="0" dirty="0">
               <a:solidFill>
@@ -9313,7 +9313,7 @@
                 <a:ea typeface="微软雅黑" panose="020B0503020204020204" charset="-122"/>
                 <a:cs typeface="Times New Roman" panose="02020603050405020304" charset="0"/>
               </a:rPr>
-              <a:t>谢谢</a:t>
+              <a:t>go语言基本数据类型</a:t>
             </a:r>
             <a:endParaRPr lang="zh-CN" sz="2200" u="sng" strike="noStrike" kern="0" cap="none" spc="0" baseline="0" dirty="0">
               <a:solidFill>
@@ -9334,7 +9334,7 @@
         </p:nvSpPr>
         <p:spPr>
           <a:xfrm>
-            <a:off x="542290" y="2243138"/>
+            <a:off x="622935" y="2447608"/>
             <a:ext cx="7918450" cy="337185"/>
           </a:xfrm>
           <a:prstGeom prst="rect">
@@ -9358,7 +9358,7 @@
               <a:buChar char="u"/>
             </a:pPr>
             <a:r>
-              <a:rPr lang="zh-CN" sz="1600" u="none" strike="noStrike" kern="1200" cap="none" spc="0" baseline="0" dirty="0">
+              <a:rPr lang="zh-CN" altLang="en-US" sz="1600" u="none" strike="noStrike" kern="1200" cap="none" spc="0" baseline="0" dirty="0">
                 <a:solidFill>
                   <a:srgbClr val="474747"/>
                 </a:solidFill>
@@ -9366,9 +9366,20 @@
                 <a:ea typeface="微软雅黑" panose="020B0503020204020204" charset="-122"/>
                 <a:cs typeface="微软雅黑" panose="020B0503020204020204" charset="-122"/>
               </a:rPr>
-              <a:t>谢谢</a:t>
-            </a:r>
-            <a:endParaRPr lang="zh-CN" sz="1600" u="none" strike="noStrike" kern="1200" cap="none" spc="0" baseline="0" dirty="0">
+              <a:t>浮点数</a:t>
+            </a:r>
+            <a:r>
+              <a:rPr lang="en-US" altLang="zh-CN" sz="1600" u="none" strike="noStrike" kern="1200" cap="none" spc="0" baseline="0" dirty="0">
+                <a:solidFill>
+                  <a:srgbClr val="474747"/>
+                </a:solidFill>
+                <a:latin typeface="微软雅黑" panose="020B0503020204020204" charset="-122"/>
+                <a:ea typeface="微软雅黑" panose="020B0503020204020204" charset="-122"/>
+                <a:cs typeface="微软雅黑" panose="020B0503020204020204" charset="-122"/>
+              </a:rPr>
+              <a:t>(float32 / float64)</a:t>
+            </a:r>
+            <a:endParaRPr lang="en-US" altLang="zh-CN" sz="1600" u="none" strike="noStrike" kern="1200" cap="none" spc="0" baseline="0" dirty="0">
               <a:solidFill>
                 <a:srgbClr val="474747"/>
               </a:solidFill>
@@ -9437,7 +9448,7 @@
         </p:nvSpPr>
         <p:spPr>
           <a:xfrm>
-            <a:off x="542290" y="3209608"/>
+            <a:off x="622935" y="4202748"/>
             <a:ext cx="7918450" cy="337185"/>
           </a:xfrm>
           <a:prstGeom prst="rect">
@@ -9460,7 +9471,7 @@
               <a:buChar char="u"/>
             </a:pPr>
             <a:r>
-              <a:rPr lang="zh-CN" sz="1600" dirty="0">
+              <a:rPr lang="en-US" altLang="zh-CN" sz="1600" dirty="0">
                 <a:solidFill>
                   <a:srgbClr val="474747"/>
                 </a:solidFill>
@@ -9469,56 +9480,7 @@
                 <a:cs typeface="微软雅黑" panose="020B0503020204020204" charset="-122"/>
                 <a:sym typeface="+mn-ea"/>
               </a:rPr>
-              <a:t>谢谢</a:t>
-            </a:r>
-            <a:endParaRPr lang="zh-CN" altLang="en-US" sz="1600" dirty="0">
-              <a:solidFill>
-                <a:srgbClr val="474747"/>
-              </a:solidFill>
-              <a:latin typeface="微软雅黑" panose="020B0503020204020204" charset="-122"/>
-              <a:ea typeface="微软雅黑" panose="020B0503020204020204" charset="-122"/>
-              <a:cs typeface="微软雅黑" panose="020B0503020204020204" charset="-122"/>
-              <a:sym typeface="Calibri" panose="020F0502020204030204" pitchFamily="34" charset="0"/>
-            </a:endParaRPr>
-          </a:p>
-        </p:txBody>
-      </p:sp>
-      <p:sp>
-        <p:nvSpPr>
-          <p:cNvPr id="3" name="文本框 2"/>
-          <p:cNvSpPr txBox="1"/>
-          <p:nvPr/>
-        </p:nvSpPr>
-        <p:spPr>
-          <a:xfrm>
-            <a:off x="542290" y="2726373"/>
-            <a:ext cx="6915150" cy="337185"/>
-          </a:xfrm>
-          <a:prstGeom prst="rect">
-            <a:avLst/>
-          </a:prstGeom>
-          <a:noFill/>
-        </p:spPr>
-        <p:txBody>
-          <a:bodyPr wrap="square" rtlCol="0" anchor="t">
-            <a:spAutoFit/>
-          </a:bodyPr>
-          <a:p>
-            <a:pPr marL="800100" lvl="1" indent="-342900" algn="l">
-              <a:buFont typeface="Wingdings" panose="05000000000000000000" pitchFamily="2" charset="2"/>
-              <a:buChar char="u"/>
-            </a:pPr>
-            <a:r>
-              <a:rPr lang="zh-CN" sz="1600" dirty="0">
-                <a:solidFill>
-                  <a:srgbClr val="474747"/>
-                </a:solidFill>
-                <a:latin typeface="微软雅黑" panose="020B0503020204020204" charset="-122"/>
-                <a:ea typeface="微软雅黑" panose="020B0503020204020204" charset="-122"/>
-                <a:cs typeface="微软雅黑" panose="020B0503020204020204" charset="-122"/>
-                <a:sym typeface="+mn-ea"/>
-              </a:rPr>
-              <a:t>谢谢</a:t>
+              <a:t>byte / rune / uintptr</a:t>
             </a:r>
             <a:endParaRPr lang="en-US" altLang="zh-CN" sz="1600" dirty="0">
               <a:solidFill>
@@ -9527,7 +9489,249 @@
               <a:latin typeface="微软雅黑" panose="020B0503020204020204" charset="-122"/>
               <a:ea typeface="微软雅黑" panose="020B0503020204020204" charset="-122"/>
               <a:cs typeface="微软雅黑" panose="020B0503020204020204" charset="-122"/>
-              <a:sym typeface="Calibri" panose="020F0502020204030204" pitchFamily="34" charset="0"/>
+              <a:sym typeface="+mn-ea"/>
+            </a:endParaRPr>
+          </a:p>
+        </p:txBody>
+      </p:sp>
+      <p:sp>
+        <p:nvSpPr>
+          <p:cNvPr id="3" name="文本框 2"/>
+          <p:cNvSpPr txBox="1"/>
+          <p:nvPr/>
+        </p:nvSpPr>
+        <p:spPr>
+          <a:xfrm>
+            <a:off x="622935" y="3325178"/>
+            <a:ext cx="6915150" cy="337185"/>
+          </a:xfrm>
+          <a:prstGeom prst="rect">
+            <a:avLst/>
+          </a:prstGeom>
+          <a:noFill/>
+        </p:spPr>
+        <p:txBody>
+          <a:bodyPr wrap="square" rtlCol="0" anchor="t">
+            <a:spAutoFit/>
+          </a:bodyPr>
+          <a:p>
+            <a:pPr marL="800100" lvl="1" indent="-342900" algn="l">
+              <a:buFont typeface="Wingdings" panose="05000000000000000000" pitchFamily="2" charset="2"/>
+              <a:buChar char="u"/>
+            </a:pPr>
+            <a:r>
+              <a:rPr lang="zh-CN" sz="1600" dirty="0">
+                <a:solidFill>
+                  <a:srgbClr val="474747"/>
+                </a:solidFill>
+                <a:latin typeface="微软雅黑" panose="020B0503020204020204" charset="-122"/>
+                <a:ea typeface="微软雅黑" panose="020B0503020204020204" charset="-122"/>
+                <a:cs typeface="微软雅黑" panose="020B0503020204020204" charset="-122"/>
+                <a:sym typeface="+mn-ea"/>
+              </a:rPr>
+              <a:t>布尔型</a:t>
+            </a:r>
+            <a:r>
+              <a:rPr lang="en-US" altLang="zh-CN" sz="1600" dirty="0">
+                <a:solidFill>
+                  <a:srgbClr val="474747"/>
+                </a:solidFill>
+                <a:latin typeface="微软雅黑" panose="020B0503020204020204" charset="-122"/>
+                <a:ea typeface="微软雅黑" panose="020B0503020204020204" charset="-122"/>
+                <a:cs typeface="微软雅黑" panose="020B0503020204020204" charset="-122"/>
+                <a:sym typeface="+mn-ea"/>
+              </a:rPr>
+              <a:t>: (true / false)</a:t>
+            </a:r>
+            <a:endParaRPr lang="en-US" altLang="zh-CN" sz="1600" dirty="0">
+              <a:solidFill>
+                <a:srgbClr val="474747"/>
+              </a:solidFill>
+              <a:latin typeface="微软雅黑" panose="020B0503020204020204" charset="-122"/>
+              <a:ea typeface="微软雅黑" panose="020B0503020204020204" charset="-122"/>
+              <a:cs typeface="微软雅黑" panose="020B0503020204020204" charset="-122"/>
+              <a:sym typeface="+mn-ea"/>
+            </a:endParaRPr>
+          </a:p>
+        </p:txBody>
+      </p:sp>
+      <p:sp>
+        <p:nvSpPr>
+          <p:cNvPr id="4" name="矩形"/>
+          <p:cNvSpPr/>
+          <p:nvPr/>
+        </p:nvSpPr>
+        <p:spPr>
+          <a:xfrm>
+            <a:off x="622935" y="3763963"/>
+            <a:ext cx="7918450" cy="337185"/>
+          </a:xfrm>
+          <a:prstGeom prst="rect">
+            <a:avLst/>
+          </a:prstGeom>
+          <a:noFill/>
+          <a:ln w="9525" cap="flat" cmpd="sng">
+            <a:noFill/>
+            <a:prstDash val="solid"/>
+            <a:miter/>
+          </a:ln>
+        </p:spPr>
+        <p:txBody>
+          <a:bodyPr vert="horz" wrap="square" lIns="91440" tIns="45720" rIns="91440" bIns="45720" anchor="ctr" anchorCtr="0">
+            <a:spAutoFit/>
+          </a:bodyPr>
+          <a:p>
+            <a:pPr marL="800100" lvl="1" indent="-342900" algn="l">
+              <a:buFont typeface="Wingdings" panose="05000000000000000000" pitchFamily="2" charset="2"/>
+              <a:buChar char="u"/>
+            </a:pPr>
+            <a:r>
+              <a:rPr lang="zh-CN" sz="1600" dirty="0">
+                <a:solidFill>
+                  <a:srgbClr val="474747"/>
+                </a:solidFill>
+                <a:latin typeface="微软雅黑" panose="020B0503020204020204" charset="-122"/>
+                <a:ea typeface="微软雅黑" panose="020B0503020204020204" charset="-122"/>
+                <a:cs typeface="微软雅黑" panose="020B0503020204020204" charset="-122"/>
+                <a:sym typeface="+mn-ea"/>
+              </a:rPr>
+              <a:t>字符串</a:t>
+            </a:r>
+            <a:endParaRPr lang="zh-CN" sz="1600" dirty="0">
+              <a:solidFill>
+                <a:srgbClr val="474747"/>
+              </a:solidFill>
+              <a:latin typeface="微软雅黑" panose="020B0503020204020204" charset="-122"/>
+              <a:ea typeface="微软雅黑" panose="020B0503020204020204" charset="-122"/>
+              <a:cs typeface="微软雅黑" panose="020B0503020204020204" charset="-122"/>
+              <a:sym typeface="+mn-ea"/>
+            </a:endParaRPr>
+          </a:p>
+        </p:txBody>
+      </p:sp>
+      <p:sp>
+        <p:nvSpPr>
+          <p:cNvPr id="5" name="矩形"/>
+          <p:cNvSpPr/>
+          <p:nvPr/>
+        </p:nvSpPr>
+        <p:spPr>
+          <a:xfrm>
+            <a:off x="622935" y="2008823"/>
+            <a:ext cx="7918450" cy="337185"/>
+          </a:xfrm>
+          <a:prstGeom prst="rect">
+            <a:avLst/>
+          </a:prstGeom>
+          <a:noFill/>
+          <a:ln w="9525" cap="flat" cmpd="sng">
+            <a:noFill/>
+            <a:prstDash val="solid"/>
+            <a:miter/>
+          </a:ln>
+        </p:spPr>
+        <p:txBody>
+          <a:bodyPr vert="horz" wrap="square" lIns="91440" tIns="45720" rIns="91440" bIns="45720" anchor="ctr" anchorCtr="0">
+            <a:spAutoFit/>
+          </a:bodyPr>
+          <a:p>
+            <a:pPr marL="800100" lvl="1" indent="-342900" algn="l">
+              <a:buFont typeface="Wingdings" panose="05000000000000000000" pitchFamily="2" charset="2"/>
+              <a:buChar char="u"/>
+            </a:pPr>
+            <a:r>
+              <a:rPr lang="en-US" altLang="zh-CN" sz="1600" u="none" strike="noStrike" kern="1200" cap="none" spc="0" baseline="0" dirty="0">
+                <a:solidFill>
+                  <a:srgbClr val="474747"/>
+                </a:solidFill>
+                <a:latin typeface="微软雅黑" panose="020B0503020204020204" charset="-122"/>
+                <a:ea typeface="微软雅黑" panose="020B0503020204020204" charset="-122"/>
+                <a:cs typeface="微软雅黑" panose="020B0503020204020204" charset="-122"/>
+              </a:rPr>
+              <a:t>整</a:t>
+            </a:r>
+            <a:r>
+              <a:rPr lang="zh-CN" altLang="en-US" sz="1600" u="none" strike="noStrike" kern="1200" cap="none" spc="0" baseline="0" dirty="0">
+                <a:solidFill>
+                  <a:srgbClr val="474747"/>
+                </a:solidFill>
+                <a:latin typeface="微软雅黑" panose="020B0503020204020204" charset="-122"/>
+                <a:ea typeface="微软雅黑" panose="020B0503020204020204" charset="-122"/>
+                <a:cs typeface="微软雅黑" panose="020B0503020204020204" charset="-122"/>
+              </a:rPr>
+              <a:t>数</a:t>
+            </a:r>
+            <a:endParaRPr lang="en-US" altLang="zh-CN" sz="1600" u="none" strike="noStrike" kern="1200" cap="none" spc="0" baseline="0" dirty="0">
+              <a:solidFill>
+                <a:srgbClr val="474747"/>
+              </a:solidFill>
+              <a:latin typeface="微软雅黑" panose="020B0503020204020204" charset="-122"/>
+              <a:ea typeface="微软雅黑" panose="020B0503020204020204" charset="-122"/>
+              <a:cs typeface="微软雅黑" panose="020B0503020204020204" charset="-122"/>
+            </a:endParaRPr>
+          </a:p>
+        </p:txBody>
+      </p:sp>
+      <p:sp>
+        <p:nvSpPr>
+          <p:cNvPr id="6" name="矩形"/>
+          <p:cNvSpPr/>
+          <p:nvPr/>
+        </p:nvSpPr>
+        <p:spPr>
+          <a:xfrm>
+            <a:off x="622935" y="2886393"/>
+            <a:ext cx="7918450" cy="337185"/>
+          </a:xfrm>
+          <a:prstGeom prst="rect">
+            <a:avLst/>
+          </a:prstGeom>
+          <a:noFill/>
+          <a:ln w="9525" cap="flat" cmpd="sng">
+            <a:noFill/>
+            <a:prstDash val="solid"/>
+            <a:miter/>
+          </a:ln>
+        </p:spPr>
+        <p:txBody>
+          <a:bodyPr vert="horz" wrap="square" lIns="91440" tIns="45720" rIns="91440" bIns="45720" anchor="ctr" anchorCtr="0">
+            <a:spAutoFit/>
+          </a:bodyPr>
+          <a:lstStyle/>
+          <a:p>
+            <a:pPr marL="800100" lvl="1" indent="-342900" algn="l">
+              <a:buFont typeface="Wingdings" panose="05000000000000000000" pitchFamily="2" charset="2"/>
+              <a:buChar char="u"/>
+            </a:pPr>
+            <a:r>
+              <a:rPr lang="zh-CN" altLang="en-US" sz="1600" u="none" strike="noStrike" kern="1200" cap="none" spc="0" baseline="0" dirty="0">
+                <a:solidFill>
+                  <a:srgbClr val="474747"/>
+                </a:solidFill>
+                <a:latin typeface="微软雅黑" panose="020B0503020204020204" charset="-122"/>
+                <a:ea typeface="微软雅黑" panose="020B0503020204020204" charset="-122"/>
+                <a:cs typeface="微软雅黑" panose="020B0503020204020204" charset="-122"/>
+              </a:rPr>
+              <a:t>复数</a:t>
+            </a:r>
+            <a:r>
+              <a:rPr lang="en-US" altLang="zh-CN" sz="1600" u="none" strike="noStrike" kern="1200" cap="none" spc="0" baseline="0" dirty="0">
+                <a:solidFill>
+                  <a:srgbClr val="474747"/>
+                </a:solidFill>
+                <a:latin typeface="微软雅黑" panose="020B0503020204020204" charset="-122"/>
+                <a:ea typeface="微软雅黑" panose="020B0503020204020204" charset="-122"/>
+                <a:cs typeface="微软雅黑" panose="020B0503020204020204" charset="-122"/>
+              </a:rPr>
+              <a:t>(complex64 / complex128)</a:t>
+            </a:r>
+            <a:endParaRPr lang="en-US" altLang="zh-CN" sz="1600" u="none" strike="noStrike" kern="1200" cap="none" spc="0" baseline="0" dirty="0">
+              <a:solidFill>
+                <a:srgbClr val="474747"/>
+              </a:solidFill>
+              <a:latin typeface="微软雅黑" panose="020B0503020204020204" charset="-122"/>
+              <a:ea typeface="微软雅黑" panose="020B0503020204020204" charset="-122"/>
+              <a:cs typeface="微软雅黑" panose="020B0503020204020204" charset="-122"/>
             </a:endParaRPr>
           </a:p>
         </p:txBody>
@@ -9625,15 +9829,16 @@
               <a:t> </a:t>
             </a:r>
             <a:r>
-              <a:rPr lang="zh-CN" sz="2200" u="sng" strike="noStrike" kern="0" cap="none" spc="0" baseline="0" dirty="0">
-                <a:solidFill>
-                  <a:srgbClr val="212121"/>
-                </a:solidFill>
-                <a:latin typeface="微软雅黑" panose="020B0503020204020204" charset="-122"/>
-                <a:ea typeface="微软雅黑" panose="020B0503020204020204" charset="-122"/>
-                <a:cs typeface="Times New Roman" panose="02020603050405020304" charset="0"/>
-              </a:rPr>
-              <a:t>谢谢</a:t>
+              <a:rPr lang="en-US" altLang="zh-CN" sz="2200" kern="1200" dirty="0">
+                <a:sym typeface="+mn-ea"/>
+              </a:rPr>
+              <a:t>整</a:t>
+            </a:r>
+            <a:r>
+              <a:rPr lang="zh-CN" altLang="en-US" sz="2200" kern="1200" dirty="0">
+                <a:sym typeface="+mn-ea"/>
+              </a:rPr>
+              <a:t>数</a:t>
             </a:r>
             <a:endParaRPr lang="zh-CN" sz="2200" u="sng" strike="noStrike" kern="0" cap="none" spc="0" baseline="0" dirty="0">
               <a:solidFill>
@@ -9648,14 +9853,14 @@
       </p:sp>
       <p:sp>
         <p:nvSpPr>
-          <p:cNvPr id="15" name="矩形"/>
+          <p:cNvPr id="17" name="矩形"/>
           <p:cNvSpPr/>
           <p:nvPr/>
         </p:nvSpPr>
         <p:spPr>
           <a:xfrm>
-            <a:off x="542290" y="2243138"/>
-            <a:ext cx="7918450" cy="337185"/>
+            <a:off x="3340151" y="497054"/>
+            <a:ext cx="1448435" cy="553085"/>
           </a:xfrm>
           <a:prstGeom prst="rect">
             <a:avLst/>
@@ -9668,59 +9873,6 @@
           </a:ln>
         </p:spPr>
         <p:txBody>
-          <a:bodyPr vert="horz" wrap="square" lIns="91440" tIns="45720" rIns="91440" bIns="45720" anchor="ctr" anchorCtr="0">
-            <a:spAutoFit/>
-          </a:bodyPr>
-          <a:lstStyle/>
-          <a:p>
-            <a:pPr marL="800100" lvl="1" indent="-342900" algn="l">
-              <a:buFont typeface="Wingdings" panose="05000000000000000000" pitchFamily="2" charset="2"/>
-              <a:buChar char="u"/>
-            </a:pPr>
-            <a:r>
-              <a:rPr lang="zh-CN" sz="1600" u="none" strike="noStrike" kern="1200" cap="none" spc="0" baseline="0" dirty="0">
-                <a:solidFill>
-                  <a:srgbClr val="474747"/>
-                </a:solidFill>
-                <a:latin typeface="微软雅黑" panose="020B0503020204020204" charset="-122"/>
-                <a:ea typeface="微软雅黑" panose="020B0503020204020204" charset="-122"/>
-                <a:cs typeface="微软雅黑" panose="020B0503020204020204" charset="-122"/>
-              </a:rPr>
-              <a:t>谢谢</a:t>
-            </a:r>
-            <a:endParaRPr lang="zh-CN" sz="1600" u="none" strike="noStrike" kern="1200" cap="none" spc="0" baseline="0" dirty="0">
-              <a:solidFill>
-                <a:srgbClr val="474747"/>
-              </a:solidFill>
-              <a:latin typeface="微软雅黑" panose="020B0503020204020204" charset="-122"/>
-              <a:ea typeface="微软雅黑" panose="020B0503020204020204" charset="-122"/>
-              <a:cs typeface="微软雅黑" panose="020B0503020204020204" charset="-122"/>
-            </a:endParaRPr>
-          </a:p>
-        </p:txBody>
-      </p:sp>
-      <p:sp>
-        <p:nvSpPr>
-          <p:cNvPr id="17" name="矩形"/>
-          <p:cNvSpPr/>
-          <p:nvPr/>
-        </p:nvSpPr>
-        <p:spPr>
-          <a:xfrm>
-            <a:off x="3340151" y="497054"/>
-            <a:ext cx="1448435" cy="553085"/>
-          </a:xfrm>
-          <a:prstGeom prst="rect">
-            <a:avLst/>
-          </a:prstGeom>
-          <a:noFill/>
-          <a:ln w="9525" cap="flat" cmpd="sng">
-            <a:noFill/>
-            <a:prstDash val="solid"/>
-            <a:miter/>
-          </a:ln>
-        </p:spPr>
-        <p:txBody>
           <a:bodyPr vert="horz" wrap="none" lIns="91440" tIns="45720" rIns="91440" bIns="45720" anchor="t" anchorCtr="0">
             <a:spAutoFit/>
           </a:bodyPr>
@@ -9749,109 +9901,54 @@
           </a:p>
         </p:txBody>
       </p:sp>
-      <p:sp>
-        <p:nvSpPr>
-          <p:cNvPr id="2" name="矩形"/>
-          <p:cNvSpPr/>
+      <p:pic>
+        <p:nvPicPr>
+          <p:cNvPr id="4" name="图片 3"/>
+          <p:cNvPicPr>
+            <a:picLocks noChangeAspect="1"/>
+          </p:cNvPicPr>
           <p:nvPr/>
-        </p:nvSpPr>
-        <p:spPr>
-          <a:xfrm>
-            <a:off x="542290" y="3209608"/>
-            <a:ext cx="7918450" cy="337185"/>
+        </p:nvPicPr>
+        <p:blipFill>
+          <a:blip r:embed="rId1"/>
+          <a:stretch>
+            <a:fillRect/>
+          </a:stretch>
+        </p:blipFill>
+        <p:spPr>
+          <a:xfrm>
+            <a:off x="640715" y="1867535"/>
+            <a:ext cx="4711700" cy="1515110"/>
           </a:xfrm>
           <a:prstGeom prst="rect">
             <a:avLst/>
           </a:prstGeom>
-          <a:noFill/>
-          <a:ln w="9525" cap="flat" cmpd="sng">
-            <a:noFill/>
-            <a:prstDash val="solid"/>
-            <a:miter/>
-          </a:ln>
-        </p:spPr>
-        <p:txBody>
-          <a:bodyPr vert="horz" wrap="square" lIns="91440" tIns="45720" rIns="91440" bIns="45720" anchor="ctr" anchorCtr="0">
-            <a:spAutoFit/>
-          </a:bodyPr>
-          <a:p>
-            <a:pPr marL="800100" lvl="1" indent="-342900" algn="l">
-              <a:buFont typeface="Wingdings" panose="05000000000000000000" pitchFamily="2" charset="2"/>
-              <a:buChar char="u"/>
-            </a:pPr>
-            <a:r>
-              <a:rPr lang="zh-CN" sz="1600" dirty="0">
-                <a:solidFill>
-                  <a:srgbClr val="474747"/>
-                </a:solidFill>
-                <a:latin typeface="微软雅黑" panose="020B0503020204020204" charset="-122"/>
-                <a:ea typeface="微软雅黑" panose="020B0503020204020204" charset="-122"/>
-                <a:cs typeface="微软雅黑" panose="020B0503020204020204" charset="-122"/>
-                <a:sym typeface="+mn-ea"/>
-              </a:rPr>
-              <a:t>谢谢</a:t>
-            </a:r>
-            <a:endParaRPr lang="zh-CN" altLang="en-US" sz="1600" dirty="0">
-              <a:solidFill>
-                <a:srgbClr val="474747"/>
-              </a:solidFill>
-              <a:latin typeface="微软雅黑" panose="020B0503020204020204" charset="-122"/>
-              <a:ea typeface="微软雅黑" panose="020B0503020204020204" charset="-122"/>
-              <a:cs typeface="微软雅黑" panose="020B0503020204020204" charset="-122"/>
-              <a:sym typeface="Calibri" panose="020F0502020204030204" pitchFamily="34" charset="0"/>
-            </a:endParaRPr>
-          </a:p>
-        </p:txBody>
-      </p:sp>
-      <p:sp>
-        <p:nvSpPr>
-          <p:cNvPr id="3" name="文本框 2"/>
-          <p:cNvSpPr txBox="1"/>
+        </p:spPr>
+      </p:pic>
+      <p:pic>
+        <p:nvPicPr>
+          <p:cNvPr id="5" name="图片 4"/>
+          <p:cNvPicPr>
+            <a:picLocks noChangeAspect="1"/>
+          </p:cNvPicPr>
           <p:nvPr/>
-        </p:nvSpPr>
-        <p:spPr>
-          <a:xfrm>
-            <a:off x="542290" y="2726373"/>
-            <a:ext cx="6915150" cy="337185"/>
+        </p:nvPicPr>
+        <p:blipFill>
+          <a:blip r:embed="rId2"/>
+          <a:stretch>
+            <a:fillRect/>
+          </a:stretch>
+        </p:blipFill>
+        <p:spPr>
+          <a:xfrm>
+            <a:off x="5582920" y="1867535"/>
+            <a:ext cx="3167380" cy="2416175"/>
           </a:xfrm>
           <a:prstGeom prst="rect">
             <a:avLst/>
           </a:prstGeom>
-          <a:noFill/>
-        </p:spPr>
-        <p:txBody>
-          <a:bodyPr wrap="square" rtlCol="0" anchor="t">
-            <a:spAutoFit/>
-          </a:bodyPr>
-          <a:p>
-            <a:pPr marL="800100" lvl="1" indent="-342900" algn="l">
-              <a:buFont typeface="Wingdings" panose="05000000000000000000" pitchFamily="2" charset="2"/>
-              <a:buChar char="u"/>
-            </a:pPr>
-            <a:r>
-              <a:rPr lang="zh-CN" sz="1600" dirty="0">
-                <a:solidFill>
-                  <a:srgbClr val="474747"/>
-                </a:solidFill>
-                <a:latin typeface="微软雅黑" panose="020B0503020204020204" charset="-122"/>
-                <a:ea typeface="微软雅黑" panose="020B0503020204020204" charset="-122"/>
-                <a:cs typeface="微软雅黑" panose="020B0503020204020204" charset="-122"/>
-                <a:sym typeface="+mn-ea"/>
-              </a:rPr>
-              <a:t>谢谢</a:t>
-            </a:r>
-            <a:endParaRPr lang="en-US" altLang="zh-CN" sz="1600" dirty="0">
-              <a:solidFill>
-                <a:srgbClr val="474747"/>
-              </a:solidFill>
-              <a:latin typeface="微软雅黑" panose="020B0503020204020204" charset="-122"/>
-              <a:ea typeface="微软雅黑" panose="020B0503020204020204" charset="-122"/>
-              <a:cs typeface="微软雅黑" panose="020B0503020204020204" charset="-122"/>
-              <a:sym typeface="Calibri" panose="020F0502020204030204" pitchFamily="34" charset="0"/>
-            </a:endParaRPr>
-          </a:p>
-        </p:txBody>
-      </p:sp>
+        </p:spPr>
+      </p:pic>
     </p:spTree>
   </p:cSld>
   <p:clrMapOvr>
@@ -9945,15 +10042,13 @@
               <a:t> </a:t>
             </a:r>
             <a:r>
-              <a:rPr lang="zh-CN" sz="2200" u="sng" strike="noStrike" kern="0" cap="none" spc="0" baseline="0" dirty="0">
+              <a:rPr lang="zh-CN" sz="2200" u="sng" dirty="0">
                 <a:solidFill>
                   <a:srgbClr val="212121"/>
                 </a:solidFill>
-                <a:latin typeface="微软雅黑" panose="020B0503020204020204" charset="-122"/>
-                <a:ea typeface="微软雅黑" panose="020B0503020204020204" charset="-122"/>
-                <a:cs typeface="Times New Roman" panose="02020603050405020304" charset="0"/>
-              </a:rPr>
-              <a:t>谢谢</a:t>
+                <a:sym typeface="+mn-ea"/>
+              </a:rPr>
+              <a:t>变量声明与赋值</a:t>
             </a:r>
             <a:endParaRPr lang="zh-CN" sz="2200" u="sng" strike="noStrike" kern="0" cap="none" spc="0" baseline="0" dirty="0">
               <a:solidFill>
@@ -9974,7 +10069,7 @@
         </p:nvSpPr>
         <p:spPr>
           <a:xfrm>
-            <a:off x="542290" y="2243138"/>
+            <a:off x="542290" y="2848928"/>
             <a:ext cx="7918450" cy="337185"/>
           </a:xfrm>
           <a:prstGeom prst="rect">
@@ -9998,23 +10093,45 @@
               <a:buChar char="u"/>
             </a:pPr>
             <a:r>
-              <a:rPr lang="zh-CN" sz="1600" u="none" strike="noStrike" kern="1200" cap="none" spc="0" baseline="0" dirty="0">
-                <a:solidFill>
-                  <a:srgbClr val="474747"/>
-                </a:solidFill>
-                <a:latin typeface="微软雅黑" panose="020B0503020204020204" charset="-122"/>
-                <a:ea typeface="微软雅黑" panose="020B0503020204020204" charset="-122"/>
-                <a:cs typeface="微软雅黑" panose="020B0503020204020204" charset="-122"/>
-              </a:rPr>
-              <a:t>谢谢</a:t>
-            </a:r>
-            <a:endParaRPr lang="zh-CN" sz="1600" u="none" strike="noStrike" kern="1200" cap="none" spc="0" baseline="0" dirty="0">
+              <a:rPr lang="zh-CN" sz="1600" u="sng" kern="0" dirty="0">
+                <a:solidFill>
+                  <a:srgbClr val="212121"/>
+                </a:solidFill>
+                <a:latin typeface="微软雅黑" panose="020B0503020204020204" charset="-122"/>
+                <a:ea typeface="微软雅黑" panose="020B0503020204020204" charset="-122"/>
+                <a:sym typeface="+mn-ea"/>
+              </a:rPr>
+              <a:t>未赋值</a:t>
+            </a:r>
+            <a:r>
+              <a:rPr lang="en-US" altLang="zh-CN" sz="1600" u="sng" kern="0" dirty="0">
+                <a:solidFill>
+                  <a:srgbClr val="212121"/>
+                </a:solidFill>
+                <a:latin typeface="微软雅黑" panose="020B0503020204020204" charset="-122"/>
+                <a:ea typeface="微软雅黑" panose="020B0503020204020204" charset="-122"/>
+                <a:sym typeface="+mn-ea"/>
+              </a:rPr>
+              <a:t> / </a:t>
+            </a:r>
+            <a:r>
+              <a:rPr lang="zh-CN" sz="1600" u="sng" kern="0" dirty="0">
+                <a:solidFill>
+                  <a:srgbClr val="212121"/>
+                </a:solidFill>
+                <a:latin typeface="微软雅黑" panose="020B0503020204020204" charset="-122"/>
+                <a:ea typeface="微软雅黑" panose="020B0503020204020204" charset="-122"/>
+                <a:sym typeface="+mn-ea"/>
+              </a:rPr>
+              <a:t>零值</a:t>
+            </a:r>
+            <a:endParaRPr lang="zh-CN" sz="1600" u="sng" kern="0" dirty="0">
               <a:solidFill>
-                <a:srgbClr val="474747"/>
+                <a:srgbClr val="212121"/>
               </a:solidFill>
               <a:latin typeface="微软雅黑" panose="020B0503020204020204" charset="-122"/>
               <a:ea typeface="微软雅黑" panose="020B0503020204020204" charset="-122"/>
-              <a:cs typeface="微软雅黑" panose="020B0503020204020204" charset="-122"/>
+              <a:sym typeface="+mn-ea"/>
             </a:endParaRPr>
           </a:p>
         </p:txBody>
@@ -10071,13 +10188,13 @@
       </p:sp>
       <p:sp>
         <p:nvSpPr>
-          <p:cNvPr id="2" name="矩形"/>
+          <p:cNvPr id="4" name="矩形"/>
           <p:cNvSpPr/>
           <p:nvPr/>
         </p:nvSpPr>
         <p:spPr>
           <a:xfrm>
-            <a:off x="542290" y="3209608"/>
+            <a:off x="542290" y="3433128"/>
             <a:ext cx="7918450" cy="337185"/>
           </a:xfrm>
           <a:prstGeom prst="rect">
@@ -10100,47 +10217,50 @@
               <a:buChar char="u"/>
             </a:pPr>
             <a:r>
-              <a:rPr lang="zh-CN" sz="1600" dirty="0">
-                <a:solidFill>
-                  <a:srgbClr val="474747"/>
-                </a:solidFill>
-                <a:latin typeface="微软雅黑" panose="020B0503020204020204" charset="-122"/>
-                <a:ea typeface="微软雅黑" panose="020B0503020204020204" charset="-122"/>
-                <a:cs typeface="微软雅黑" panose="020B0503020204020204" charset="-122"/>
+              <a:rPr lang="zh-CN" sz="1600" u="sng" kern="0" dirty="0">
+                <a:solidFill>
+                  <a:srgbClr val="212121"/>
+                </a:solidFill>
+                <a:latin typeface="微软雅黑" panose="020B0503020204020204" charset="-122"/>
+                <a:ea typeface="微软雅黑" panose="020B0503020204020204" charset="-122"/>
                 <a:sym typeface="+mn-ea"/>
               </a:rPr>
-              <a:t>谢谢</a:t>
-            </a:r>
-            <a:endParaRPr lang="zh-CN" altLang="en-US" sz="1600" dirty="0">
+              <a:t>例子程序</a:t>
+            </a:r>
+            <a:endParaRPr lang="zh-CN" sz="1600" u="sng" kern="0" dirty="0">
               <a:solidFill>
-                <a:srgbClr val="474747"/>
+                <a:srgbClr val="212121"/>
               </a:solidFill>
               <a:latin typeface="微软雅黑" panose="020B0503020204020204" charset="-122"/>
               <a:ea typeface="微软雅黑" panose="020B0503020204020204" charset="-122"/>
-              <a:cs typeface="微软雅黑" panose="020B0503020204020204" charset="-122"/>
-              <a:sym typeface="Calibri" panose="020F0502020204030204" pitchFamily="34" charset="0"/>
+              <a:sym typeface="+mn-ea"/>
             </a:endParaRPr>
           </a:p>
         </p:txBody>
       </p:sp>
       <p:sp>
         <p:nvSpPr>
-          <p:cNvPr id="3" name="文本框 2"/>
-          <p:cNvSpPr txBox="1"/>
+          <p:cNvPr id="5" name="矩形"/>
+          <p:cNvSpPr/>
           <p:nvPr/>
         </p:nvSpPr>
         <p:spPr>
           <a:xfrm>
-            <a:off x="542290" y="2726373"/>
-            <a:ext cx="6915150" cy="337185"/>
+            <a:off x="542290" y="2264728"/>
+            <a:ext cx="7918450" cy="337185"/>
           </a:xfrm>
           <a:prstGeom prst="rect">
             <a:avLst/>
           </a:prstGeom>
           <a:noFill/>
-        </p:spPr>
-        <p:txBody>
-          <a:bodyPr wrap="square" rtlCol="0" anchor="t">
+          <a:ln w="9525" cap="flat" cmpd="sng">
+            <a:noFill/>
+            <a:prstDash val="solid"/>
+            <a:miter/>
+          </a:ln>
+        </p:spPr>
+        <p:txBody>
+          <a:bodyPr vert="horz" wrap="square" lIns="91440" tIns="45720" rIns="91440" bIns="45720" anchor="ctr" anchorCtr="0">
             <a:spAutoFit/>
           </a:bodyPr>
           <a:p>
@@ -10149,25 +10269,56 @@
               <a:buChar char="u"/>
             </a:pPr>
             <a:r>
-              <a:rPr lang="zh-CN" sz="1600" dirty="0">
-                <a:solidFill>
-                  <a:srgbClr val="474747"/>
-                </a:solidFill>
-                <a:latin typeface="微软雅黑" panose="020B0503020204020204" charset="-122"/>
-                <a:ea typeface="微软雅黑" panose="020B0503020204020204" charset="-122"/>
-                <a:cs typeface="微软雅黑" panose="020B0503020204020204" charset="-122"/>
+              <a:rPr lang="zh-CN" sz="1600" u="sng" kern="0" dirty="0">
+                <a:solidFill>
+                  <a:srgbClr val="212121"/>
+                </a:solidFill>
+                <a:latin typeface="微软雅黑" panose="020B0503020204020204" charset="-122"/>
+                <a:ea typeface="微软雅黑" panose="020B0503020204020204" charset="-122"/>
                 <a:sym typeface="+mn-ea"/>
               </a:rPr>
-              <a:t>谢谢</a:t>
-            </a:r>
-            <a:endParaRPr lang="en-US" altLang="zh-CN" sz="1600" dirty="0">
+              <a:t>声明 </a:t>
+            </a:r>
+            <a:r>
+              <a:rPr lang="en-US" altLang="zh-CN" sz="1600" u="sng" kern="0" dirty="0">
+                <a:solidFill>
+                  <a:srgbClr val="212121"/>
+                </a:solidFill>
+                <a:latin typeface="微软雅黑" panose="020B0503020204020204" charset="-122"/>
+                <a:ea typeface="微软雅黑" panose="020B0503020204020204" charset="-122"/>
+                <a:sym typeface="+mn-ea"/>
+              </a:rPr>
+              <a:t>/ </a:t>
+            </a:r>
+            <a:r>
+              <a:rPr lang="zh-CN" altLang="en-US" sz="1600" u="sng" kern="0" dirty="0">
+                <a:solidFill>
+                  <a:srgbClr val="212121"/>
+                </a:solidFill>
+                <a:latin typeface="微软雅黑" panose="020B0503020204020204" charset="-122"/>
+                <a:ea typeface="微软雅黑" panose="020B0503020204020204" charset="-122"/>
+                <a:sym typeface="+mn-ea"/>
+              </a:rPr>
+              <a:t>赋值 </a:t>
+            </a:r>
+            <a:r>
+              <a:rPr lang="en-US" altLang="zh-CN" sz="1600" u="sng" kern="0" dirty="0">
+                <a:solidFill>
+                  <a:srgbClr val="212121"/>
+                </a:solidFill>
+                <a:latin typeface="微软雅黑" panose="020B0503020204020204" charset="-122"/>
+                <a:ea typeface="微软雅黑" panose="020B0503020204020204" charset="-122"/>
+                <a:sym typeface="+mn-ea"/>
+              </a:rPr>
+              <a:t>/ 声明和赋值同时 / 分组声明 </a:t>
+            </a:r>
+            <a:endParaRPr lang="en-US" altLang="zh-CN" sz="1600" u="sng" kern="0" dirty="0">
               <a:solidFill>
-                <a:srgbClr val="474747"/>
+                <a:srgbClr val="212121"/>
               </a:solidFill>
               <a:latin typeface="微软雅黑" panose="020B0503020204020204" charset="-122"/>
               <a:ea typeface="微软雅黑" panose="020B0503020204020204" charset="-122"/>
-              <a:cs typeface="微软雅黑" panose="020B0503020204020204" charset="-122"/>
-              <a:sym typeface="Calibri" panose="020F0502020204030204" pitchFamily="34" charset="0"/>
+              <a:sym typeface="+mn-ea"/>
             </a:endParaRPr>
           </a:p>
         </p:txBody>
@@ -14961,7 +15112,7 @@
         </p:nvSpPr>
         <p:spPr>
           <a:xfrm>
-            <a:off x="542290" y="2243138"/>
+            <a:off x="612775" y="2243138"/>
             <a:ext cx="7918450" cy="337185"/>
           </a:xfrm>
           <a:prstGeom prst="rect">
@@ -15064,7 +15215,7 @@
         </p:nvSpPr>
         <p:spPr>
           <a:xfrm>
-            <a:off x="542290" y="3209608"/>
+            <a:off x="612775" y="2761298"/>
             <a:ext cx="7918450" cy="337185"/>
           </a:xfrm>
           <a:prstGeom prst="rect">
@@ -15096,7 +15247,7 @@
                 <a:cs typeface="微软雅黑" panose="020B0503020204020204" charset="-122"/>
                 <a:sym typeface="+mn-ea"/>
               </a:rPr>
-              <a:t>go env </a:t>
+              <a:t>编译型语言</a:t>
             </a:r>
             <a:r>
               <a:rPr lang="en-US" altLang="zh-CN" sz="1600" dirty="0">
@@ -15111,7 +15262,7 @@
               <a:t>/</a:t>
             </a:r>
             <a:r>
-              <a:rPr lang="zh-CN" sz="1600" dirty="0">
+              <a:rPr lang="zh-CN" altLang="en-US" sz="1600" dirty="0">
                 <a:solidFill>
                   <a:srgbClr val="474747"/>
                 </a:solidFill>
@@ -15120,21 +15271,9 @@
                 <a:cs typeface="微软雅黑" panose="020B0503020204020204" charset="-122"/>
                 <a:sym typeface="+mn-ea"/>
               </a:rPr>
-              <a:t> </a:t>
-            </a:r>
-            <a:r>
-              <a:rPr lang="en-US" altLang="zh-CN" sz="1600" dirty="0">
-                <a:solidFill>
-                  <a:srgbClr val="474747"/>
-                </a:solidFill>
-                <a:latin typeface="微软雅黑" panose="020B0503020204020204" charset="-122"/>
-                <a:ea typeface="微软雅黑" panose="020B0503020204020204" charset="-122"/>
-                <a:cs typeface="微软雅黑" panose="020B0503020204020204" charset="-122"/>
-                <a:sym typeface="+mn-ea"/>
-              </a:rPr>
-              <a:t>go version</a:t>
-            </a:r>
-            <a:endParaRPr lang="en-US" altLang="zh-CN" sz="1600" dirty="0">
+              <a:t>解释型语言</a:t>
+            </a:r>
+            <a:endParaRPr lang="zh-CN" altLang="en-US" sz="1600" dirty="0">
               <a:solidFill>
                 <a:srgbClr val="474747"/>
               </a:solidFill>
@@ -15154,7 +15293,7 @@
         </p:nvSpPr>
         <p:spPr>
           <a:xfrm>
-            <a:off x="542290" y="2726373"/>
+            <a:off x="612775" y="3279458"/>
             <a:ext cx="7918450" cy="337185"/>
           </a:xfrm>
           <a:prstGeom prst="rect">
@@ -15194,6 +15333,96 @@
               <a:latin typeface="微软雅黑" panose="020B0503020204020204" charset="-122"/>
               <a:ea typeface="微软雅黑" panose="020B0503020204020204" charset="-122"/>
               <a:cs typeface="微软雅黑" panose="020B0503020204020204" charset="-122"/>
+            </a:endParaRPr>
+          </a:p>
+        </p:txBody>
+      </p:sp>
+      <p:sp>
+        <p:nvSpPr>
+          <p:cNvPr id="3" name="矩形"/>
+          <p:cNvSpPr/>
+          <p:nvPr/>
+        </p:nvSpPr>
+        <p:spPr>
+          <a:xfrm>
+            <a:off x="612775" y="3797618"/>
+            <a:ext cx="7918450" cy="337185"/>
+          </a:xfrm>
+          <a:prstGeom prst="rect">
+            <a:avLst/>
+          </a:prstGeom>
+          <a:noFill/>
+          <a:ln w="9525" cap="flat" cmpd="sng">
+            <a:noFill/>
+            <a:prstDash val="solid"/>
+            <a:miter/>
+          </a:ln>
+        </p:spPr>
+        <p:txBody>
+          <a:bodyPr vert="horz" wrap="square" lIns="91440" tIns="45720" rIns="91440" bIns="45720" anchor="ctr" anchorCtr="0">
+            <a:spAutoFit/>
+          </a:bodyPr>
+          <a:p>
+            <a:pPr marL="800100" lvl="1" indent="-342900" algn="l">
+              <a:buFont typeface="Wingdings" panose="05000000000000000000" pitchFamily="2" charset="2"/>
+              <a:buChar char="u"/>
+            </a:pPr>
+            <a:r>
+              <a:rPr lang="zh-CN" sz="1600" dirty="0">
+                <a:solidFill>
+                  <a:srgbClr val="474747"/>
+                </a:solidFill>
+                <a:latin typeface="微软雅黑" panose="020B0503020204020204" charset="-122"/>
+                <a:ea typeface="微软雅黑" panose="020B0503020204020204" charset="-122"/>
+                <a:cs typeface="微软雅黑" panose="020B0503020204020204" charset="-122"/>
+                <a:sym typeface="+mn-ea"/>
+              </a:rPr>
+              <a:t>go env </a:t>
+            </a:r>
+            <a:r>
+              <a:rPr lang="en-US" altLang="zh-CN" sz="1600" dirty="0">
+                <a:solidFill>
+                  <a:srgbClr val="474747"/>
+                </a:solidFill>
+                <a:latin typeface="微软雅黑" panose="020B0503020204020204" charset="-122"/>
+                <a:ea typeface="微软雅黑" panose="020B0503020204020204" charset="-122"/>
+                <a:cs typeface="微软雅黑" panose="020B0503020204020204" charset="-122"/>
+                <a:sym typeface="+mn-ea"/>
+              </a:rPr>
+              <a:t>/</a:t>
+            </a:r>
+            <a:r>
+              <a:rPr lang="zh-CN" sz="1600" dirty="0">
+                <a:solidFill>
+                  <a:srgbClr val="474747"/>
+                </a:solidFill>
+                <a:latin typeface="微软雅黑" panose="020B0503020204020204" charset="-122"/>
+                <a:ea typeface="微软雅黑" panose="020B0503020204020204" charset="-122"/>
+                <a:cs typeface="微软雅黑" panose="020B0503020204020204" charset="-122"/>
+                <a:sym typeface="+mn-ea"/>
+              </a:rPr>
+              <a:t> </a:t>
+            </a:r>
+            <a:r>
+              <a:rPr lang="en-US" altLang="zh-CN" sz="1600" dirty="0">
+                <a:solidFill>
+                  <a:srgbClr val="474747"/>
+                </a:solidFill>
+                <a:latin typeface="微软雅黑" panose="020B0503020204020204" charset="-122"/>
+                <a:ea typeface="微软雅黑" panose="020B0503020204020204" charset="-122"/>
+                <a:cs typeface="微软雅黑" panose="020B0503020204020204" charset="-122"/>
+                <a:sym typeface="+mn-ea"/>
+              </a:rPr>
+              <a:t>go version</a:t>
+            </a:r>
+            <a:endParaRPr lang="en-US" altLang="zh-CN" sz="1600" dirty="0">
+              <a:solidFill>
+                <a:srgbClr val="474747"/>
+              </a:solidFill>
+              <a:latin typeface="微软雅黑" panose="020B0503020204020204" charset="-122"/>
+              <a:ea typeface="微软雅黑" panose="020B0503020204020204" charset="-122"/>
+              <a:cs typeface="微软雅黑" panose="020B0503020204020204" charset="-122"/>
+              <a:sym typeface="+mn-ea"/>
             </a:endParaRPr>
           </a:p>
         </p:txBody>

--- a/tuling/go语言_傻大猫.pptx
+++ b/tuling/go语言_傻大猫.pptx
@@ -21,14 +21,18 @@
     <p:sldId id="344" r:id="rId14"/>
     <p:sldId id="345" r:id="rId15"/>
     <p:sldId id="347" r:id="rId16"/>
-    <p:sldId id="348" r:id="rId17"/>
-    <p:sldId id="349" r:id="rId18"/>
-    <p:sldId id="350" r:id="rId19"/>
-    <p:sldId id="351" r:id="rId20"/>
-    <p:sldId id="352" r:id="rId21"/>
-    <p:sldId id="353" r:id="rId22"/>
-    <p:sldId id="354" r:id="rId23"/>
-    <p:sldId id="322" r:id="rId24"/>
+    <p:sldId id="350" r:id="rId17"/>
+    <p:sldId id="362" r:id="rId18"/>
+    <p:sldId id="348" r:id="rId19"/>
+    <p:sldId id="349" r:id="rId20"/>
+    <p:sldId id="351" r:id="rId21"/>
+    <p:sldId id="359" r:id="rId22"/>
+    <p:sldId id="360" r:id="rId23"/>
+    <p:sldId id="361" r:id="rId24"/>
+    <p:sldId id="352" r:id="rId25"/>
+    <p:sldId id="353" r:id="rId26"/>
+    <p:sldId id="354" r:id="rId27"/>
+    <p:sldId id="322" r:id="rId28"/>
   </p:sldIdLst>
   <p:sldSz cx="9144000" cy="5143500" type="screen16x9"/>
   <p:notesSz cx="6858000" cy="9144000"/>
@@ -1982,6 +1986,422 @@
           </a:p>
           <a:p>
             <a:endParaRPr lang="en-US" altLang="zh-CN"/>
+          </a:p>
+        </p:txBody>
+      </p:sp>
+      <p:sp>
+        <p:nvSpPr>
+          <p:cNvPr id="9" name="文本框"/>
+          <p:cNvSpPr>
+            <a:spLocks noGrp="1"/>
+          </p:cNvSpPr>
+          <p:nvPr>
+            <p:ph type="sldNum" idx="5"/>
+          </p:nvPr>
+        </p:nvSpPr>
+        <p:spPr>
+          <a:xfrm>
+            <a:off x="3884613" y="8685213"/>
+            <a:ext cx="2971800" cy="457200"/>
+          </a:xfrm>
+          <a:prstGeom prst="rect">
+            <a:avLst/>
+          </a:prstGeom>
+          <a:noFill/>
+          <a:ln w="9525" cap="flat" cmpd="sng">
+            <a:noFill/>
+            <a:prstDash val="solid"/>
+            <a:round/>
+          </a:ln>
+        </p:spPr>
+        <p:txBody>
+          <a:bodyPr vert="horz" wrap="square" lIns="91440" tIns="45720" rIns="91440" bIns="45720" anchor="b" anchorCtr="0"/>
+          <a:lstStyle/>
+          <a:p>
+            <a:pPr algn="r"/>
+            <a:fld id="{CAD2D6BD-DE1B-4B5F-8B41-2702339687B9}" type="slidenum">
+              <a:rPr lang="en-US" altLang="zh-CN" sz="1800" u="none" strike="noStrike" kern="1200" cap="none" spc="0" baseline="0">
+                <a:solidFill>
+                  <a:schemeClr val="tx1"/>
+                </a:solidFill>
+                <a:latin typeface="Calibri" panose="020F0502020204030204" pitchFamily="34" charset="0"/>
+                <a:ea typeface="宋体" panose="02010600030101010101" pitchFamily="2" charset="-122"/>
+                <a:cs typeface="Calibri" panose="020F0502020204030204" pitchFamily="34" charset="0"/>
+              </a:rPr>
+            </a:fld>
+            <a:endParaRPr lang="zh-CN" altLang="en-US" sz="1200">
+              <a:latin typeface="Calibri" panose="020F0502020204030204" pitchFamily="34" charset="0"/>
+              <a:ea typeface="宋体" panose="02010600030101010101" pitchFamily="2" charset="-122"/>
+              <a:cs typeface="Calibri" panose="020F0502020204030204" pitchFamily="34" charset="0"/>
+            </a:endParaRPr>
+          </a:p>
+        </p:txBody>
+      </p:sp>
+    </p:spTree>
+  </p:cSld>
+  <p:clrMapOvr>
+    <a:masterClrMapping/>
+  </p:clrMapOvr>
+</p:notes>
+</file>
+
+<file path=ppt/notesSlides/notesSlide20.xml><?xml version="1.0" encoding="utf-8"?>
+<p:notes xmlns:a="http://schemas.openxmlformats.org/drawingml/2006/main" xmlns:r="http://schemas.openxmlformats.org/officeDocument/2006/relationships" xmlns:p="http://schemas.openxmlformats.org/presentationml/2006/main">
+  <p:cSld>
+    <p:spTree>
+      <p:nvGrpSpPr>
+        <p:cNvPr id="1" name=""/>
+        <p:cNvGrpSpPr/>
+        <p:nvPr/>
+      </p:nvGrpSpPr>
+      <p:grpSpPr>
+        <a:xfrm>
+          <a:off x="0" y="0"/>
+          <a:ext cx="0" cy="0"/>
+          <a:chOff x="0" y="0"/>
+          <a:chExt cx="0" cy="0"/>
+        </a:xfrm>
+      </p:grpSpPr>
+      <p:sp>
+        <p:nvSpPr>
+          <p:cNvPr id="2" name="文本框"/>
+          <p:cNvSpPr>
+            <a:spLocks noGrp="1" noRot="1" noChangeAspect="1"/>
+          </p:cNvSpPr>
+          <p:nvPr>
+            <p:ph type="sldImg"/>
+          </p:nvPr>
+        </p:nvSpPr>
+        <p:spPr/>
+      </p:sp>
+      <p:sp>
+        <p:nvSpPr>
+          <p:cNvPr id="3" name="文本框"/>
+          <p:cNvSpPr>
+            <a:spLocks noGrp="1"/>
+          </p:cNvSpPr>
+          <p:nvPr>
+            <p:ph type="body" idx="1"/>
+          </p:nvPr>
+        </p:nvSpPr>
+        <p:spPr/>
+        <p:txBody>
+          <a:bodyPr/>
+          <a:lstStyle/>
+          <a:p>
+            <a:endParaRPr lang="zh-CN" altLang="en-US"/>
+          </a:p>
+        </p:txBody>
+      </p:sp>
+      <p:sp>
+        <p:nvSpPr>
+          <p:cNvPr id="9" name="文本框"/>
+          <p:cNvSpPr>
+            <a:spLocks noGrp="1"/>
+          </p:cNvSpPr>
+          <p:nvPr>
+            <p:ph type="sldNum" idx="5"/>
+          </p:nvPr>
+        </p:nvSpPr>
+        <p:spPr>
+          <a:xfrm>
+            <a:off x="3884613" y="8685213"/>
+            <a:ext cx="2971800" cy="457200"/>
+          </a:xfrm>
+          <a:prstGeom prst="rect">
+            <a:avLst/>
+          </a:prstGeom>
+          <a:noFill/>
+          <a:ln w="9525" cap="flat" cmpd="sng">
+            <a:noFill/>
+            <a:prstDash val="solid"/>
+            <a:round/>
+          </a:ln>
+        </p:spPr>
+        <p:txBody>
+          <a:bodyPr vert="horz" wrap="square" lIns="91440" tIns="45720" rIns="91440" bIns="45720" anchor="b" anchorCtr="0"/>
+          <a:lstStyle/>
+          <a:p>
+            <a:pPr algn="r"/>
+            <a:fld id="{CAD2D6BD-DE1B-4B5F-8B41-2702339687B9}" type="slidenum">
+              <a:rPr lang="en-US" altLang="zh-CN" sz="1800" u="none" strike="noStrike" kern="1200" cap="none" spc="0" baseline="0">
+                <a:solidFill>
+                  <a:schemeClr val="tx1"/>
+                </a:solidFill>
+                <a:latin typeface="Calibri" panose="020F0502020204030204" pitchFamily="34" charset="0"/>
+                <a:ea typeface="宋体" panose="02010600030101010101" pitchFamily="2" charset="-122"/>
+                <a:cs typeface="Calibri" panose="020F0502020204030204" pitchFamily="34" charset="0"/>
+              </a:rPr>
+            </a:fld>
+            <a:endParaRPr lang="zh-CN" altLang="en-US" sz="1200">
+              <a:latin typeface="Calibri" panose="020F0502020204030204" pitchFamily="34" charset="0"/>
+              <a:ea typeface="宋体" panose="02010600030101010101" pitchFamily="2" charset="-122"/>
+              <a:cs typeface="Calibri" panose="020F0502020204030204" pitchFamily="34" charset="0"/>
+            </a:endParaRPr>
+          </a:p>
+        </p:txBody>
+      </p:sp>
+    </p:spTree>
+  </p:cSld>
+  <p:clrMapOvr>
+    <a:masterClrMapping/>
+  </p:clrMapOvr>
+</p:notes>
+</file>
+
+<file path=ppt/notesSlides/notesSlide21.xml><?xml version="1.0" encoding="utf-8"?>
+<p:notes xmlns:a="http://schemas.openxmlformats.org/drawingml/2006/main" xmlns:r="http://schemas.openxmlformats.org/officeDocument/2006/relationships" xmlns:p="http://schemas.openxmlformats.org/presentationml/2006/main">
+  <p:cSld>
+    <p:spTree>
+      <p:nvGrpSpPr>
+        <p:cNvPr id="1" name=""/>
+        <p:cNvGrpSpPr/>
+        <p:nvPr/>
+      </p:nvGrpSpPr>
+      <p:grpSpPr>
+        <a:xfrm>
+          <a:off x="0" y="0"/>
+          <a:ext cx="0" cy="0"/>
+          <a:chOff x="0" y="0"/>
+          <a:chExt cx="0" cy="0"/>
+        </a:xfrm>
+      </p:grpSpPr>
+      <p:sp>
+        <p:nvSpPr>
+          <p:cNvPr id="2" name="文本框"/>
+          <p:cNvSpPr>
+            <a:spLocks noGrp="1" noRot="1" noChangeAspect="1"/>
+          </p:cNvSpPr>
+          <p:nvPr>
+            <p:ph type="sldImg"/>
+          </p:nvPr>
+        </p:nvSpPr>
+        <p:spPr/>
+      </p:sp>
+      <p:sp>
+        <p:nvSpPr>
+          <p:cNvPr id="3" name="文本框"/>
+          <p:cNvSpPr>
+            <a:spLocks noGrp="1"/>
+          </p:cNvSpPr>
+          <p:nvPr>
+            <p:ph type="body" idx="1"/>
+          </p:nvPr>
+        </p:nvSpPr>
+        <p:spPr/>
+        <p:txBody>
+          <a:bodyPr/>
+          <a:lstStyle/>
+          <a:p>
+            <a:endParaRPr lang="zh-CN" altLang="en-US"/>
+          </a:p>
+        </p:txBody>
+      </p:sp>
+      <p:sp>
+        <p:nvSpPr>
+          <p:cNvPr id="9" name="文本框"/>
+          <p:cNvSpPr>
+            <a:spLocks noGrp="1"/>
+          </p:cNvSpPr>
+          <p:nvPr>
+            <p:ph type="sldNum" idx="5"/>
+          </p:nvPr>
+        </p:nvSpPr>
+        <p:spPr>
+          <a:xfrm>
+            <a:off x="3884613" y="8685213"/>
+            <a:ext cx="2971800" cy="457200"/>
+          </a:xfrm>
+          <a:prstGeom prst="rect">
+            <a:avLst/>
+          </a:prstGeom>
+          <a:noFill/>
+          <a:ln w="9525" cap="flat" cmpd="sng">
+            <a:noFill/>
+            <a:prstDash val="solid"/>
+            <a:round/>
+          </a:ln>
+        </p:spPr>
+        <p:txBody>
+          <a:bodyPr vert="horz" wrap="square" lIns="91440" tIns="45720" rIns="91440" bIns="45720" anchor="b" anchorCtr="0"/>
+          <a:lstStyle/>
+          <a:p>
+            <a:pPr algn="r"/>
+            <a:fld id="{CAD2D6BD-DE1B-4B5F-8B41-2702339687B9}" type="slidenum">
+              <a:rPr lang="en-US" altLang="zh-CN" sz="1800" u="none" strike="noStrike" kern="1200" cap="none" spc="0" baseline="0">
+                <a:solidFill>
+                  <a:schemeClr val="tx1"/>
+                </a:solidFill>
+                <a:latin typeface="Calibri" panose="020F0502020204030204" pitchFamily="34" charset="0"/>
+                <a:ea typeface="宋体" panose="02010600030101010101" pitchFamily="2" charset="-122"/>
+                <a:cs typeface="Calibri" panose="020F0502020204030204" pitchFamily="34" charset="0"/>
+              </a:rPr>
+            </a:fld>
+            <a:endParaRPr lang="zh-CN" altLang="en-US" sz="1200">
+              <a:latin typeface="Calibri" panose="020F0502020204030204" pitchFamily="34" charset="0"/>
+              <a:ea typeface="宋体" panose="02010600030101010101" pitchFamily="2" charset="-122"/>
+              <a:cs typeface="Calibri" panose="020F0502020204030204" pitchFamily="34" charset="0"/>
+            </a:endParaRPr>
+          </a:p>
+        </p:txBody>
+      </p:sp>
+    </p:spTree>
+  </p:cSld>
+  <p:clrMapOvr>
+    <a:masterClrMapping/>
+  </p:clrMapOvr>
+</p:notes>
+</file>
+
+<file path=ppt/notesSlides/notesSlide22.xml><?xml version="1.0" encoding="utf-8"?>
+<p:notes xmlns:a="http://schemas.openxmlformats.org/drawingml/2006/main" xmlns:r="http://schemas.openxmlformats.org/officeDocument/2006/relationships" xmlns:p="http://schemas.openxmlformats.org/presentationml/2006/main">
+  <p:cSld>
+    <p:spTree>
+      <p:nvGrpSpPr>
+        <p:cNvPr id="1" name=""/>
+        <p:cNvGrpSpPr/>
+        <p:nvPr/>
+      </p:nvGrpSpPr>
+      <p:grpSpPr>
+        <a:xfrm>
+          <a:off x="0" y="0"/>
+          <a:ext cx="0" cy="0"/>
+          <a:chOff x="0" y="0"/>
+          <a:chExt cx="0" cy="0"/>
+        </a:xfrm>
+      </p:grpSpPr>
+      <p:sp>
+        <p:nvSpPr>
+          <p:cNvPr id="2" name="文本框"/>
+          <p:cNvSpPr>
+            <a:spLocks noGrp="1" noRot="1" noChangeAspect="1"/>
+          </p:cNvSpPr>
+          <p:nvPr>
+            <p:ph type="sldImg"/>
+          </p:nvPr>
+        </p:nvSpPr>
+        <p:spPr/>
+      </p:sp>
+      <p:sp>
+        <p:nvSpPr>
+          <p:cNvPr id="3" name="文本框"/>
+          <p:cNvSpPr>
+            <a:spLocks noGrp="1"/>
+          </p:cNvSpPr>
+          <p:nvPr>
+            <p:ph type="body" idx="1"/>
+          </p:nvPr>
+        </p:nvSpPr>
+        <p:spPr/>
+        <p:txBody>
+          <a:bodyPr/>
+          <a:lstStyle/>
+          <a:p>
+            <a:endParaRPr lang="zh-CN" altLang="en-US"/>
+          </a:p>
+        </p:txBody>
+      </p:sp>
+      <p:sp>
+        <p:nvSpPr>
+          <p:cNvPr id="9" name="文本框"/>
+          <p:cNvSpPr>
+            <a:spLocks noGrp="1"/>
+          </p:cNvSpPr>
+          <p:nvPr>
+            <p:ph type="sldNum" idx="5"/>
+          </p:nvPr>
+        </p:nvSpPr>
+        <p:spPr>
+          <a:xfrm>
+            <a:off x="3884613" y="8685213"/>
+            <a:ext cx="2971800" cy="457200"/>
+          </a:xfrm>
+          <a:prstGeom prst="rect">
+            <a:avLst/>
+          </a:prstGeom>
+          <a:noFill/>
+          <a:ln w="9525" cap="flat" cmpd="sng">
+            <a:noFill/>
+            <a:prstDash val="solid"/>
+            <a:round/>
+          </a:ln>
+        </p:spPr>
+        <p:txBody>
+          <a:bodyPr vert="horz" wrap="square" lIns="91440" tIns="45720" rIns="91440" bIns="45720" anchor="b" anchorCtr="0"/>
+          <a:lstStyle/>
+          <a:p>
+            <a:pPr algn="r"/>
+            <a:fld id="{CAD2D6BD-DE1B-4B5F-8B41-2702339687B9}" type="slidenum">
+              <a:rPr lang="en-US" altLang="zh-CN" sz="1800" u="none" strike="noStrike" kern="1200" cap="none" spc="0" baseline="0">
+                <a:solidFill>
+                  <a:schemeClr val="tx1"/>
+                </a:solidFill>
+                <a:latin typeface="Calibri" panose="020F0502020204030204" pitchFamily="34" charset="0"/>
+                <a:ea typeface="宋体" panose="02010600030101010101" pitchFamily="2" charset="-122"/>
+                <a:cs typeface="Calibri" panose="020F0502020204030204" pitchFamily="34" charset="0"/>
+              </a:rPr>
+            </a:fld>
+            <a:endParaRPr lang="zh-CN" altLang="en-US" sz="1200">
+              <a:latin typeface="Calibri" panose="020F0502020204030204" pitchFamily="34" charset="0"/>
+              <a:ea typeface="宋体" panose="02010600030101010101" pitchFamily="2" charset="-122"/>
+              <a:cs typeface="Calibri" panose="020F0502020204030204" pitchFamily="34" charset="0"/>
+            </a:endParaRPr>
+          </a:p>
+        </p:txBody>
+      </p:sp>
+    </p:spTree>
+  </p:cSld>
+  <p:clrMapOvr>
+    <a:masterClrMapping/>
+  </p:clrMapOvr>
+</p:notes>
+</file>
+
+<file path=ppt/notesSlides/notesSlide23.xml><?xml version="1.0" encoding="utf-8"?>
+<p:notes xmlns:a="http://schemas.openxmlformats.org/drawingml/2006/main" xmlns:r="http://schemas.openxmlformats.org/officeDocument/2006/relationships" xmlns:p="http://schemas.openxmlformats.org/presentationml/2006/main">
+  <p:cSld>
+    <p:spTree>
+      <p:nvGrpSpPr>
+        <p:cNvPr id="1" name=""/>
+        <p:cNvGrpSpPr/>
+        <p:nvPr/>
+      </p:nvGrpSpPr>
+      <p:grpSpPr>
+        <a:xfrm>
+          <a:off x="0" y="0"/>
+          <a:ext cx="0" cy="0"/>
+          <a:chOff x="0" y="0"/>
+          <a:chExt cx="0" cy="0"/>
+        </a:xfrm>
+      </p:grpSpPr>
+      <p:sp>
+        <p:nvSpPr>
+          <p:cNvPr id="2" name="文本框"/>
+          <p:cNvSpPr>
+            <a:spLocks noGrp="1" noRot="1" noChangeAspect="1"/>
+          </p:cNvSpPr>
+          <p:nvPr>
+            <p:ph type="sldImg"/>
+          </p:nvPr>
+        </p:nvSpPr>
+        <p:spPr/>
+      </p:sp>
+      <p:sp>
+        <p:nvSpPr>
+          <p:cNvPr id="3" name="文本框"/>
+          <p:cNvSpPr>
+            <a:spLocks noGrp="1"/>
+          </p:cNvSpPr>
+          <p:nvPr>
+            <p:ph type="body" idx="1"/>
+          </p:nvPr>
+        </p:nvSpPr>
+        <p:spPr/>
+        <p:txBody>
+          <a:bodyPr/>
+          <a:lstStyle/>
+          <a:p>
+            <a:endParaRPr lang="zh-CN" altLang="en-US"/>
           </a:p>
         </p:txBody>
       </p:sp>
@@ -8460,7 +8880,161 @@
                 <a:ea typeface="微软雅黑" panose="020B0503020204020204" charset="-122"/>
                 <a:cs typeface="微软雅黑" panose="020B0503020204020204" charset="-122"/>
               </a:rPr>
-              <a:t>sublime VScode Idea goLand Eclipse LiteIDE Vi Emacs </a:t>
+              <a:t>sublime </a:t>
+            </a:r>
+            <a:r>
+              <a:rPr lang="en-US" altLang="zh-CN" sz="1600" u="none" strike="noStrike" kern="1200" cap="none" spc="0" baseline="0" dirty="0">
+                <a:solidFill>
+                  <a:srgbClr val="474747"/>
+                </a:solidFill>
+                <a:latin typeface="微软雅黑" panose="020B0503020204020204" charset="-122"/>
+                <a:ea typeface="微软雅黑" panose="020B0503020204020204" charset="-122"/>
+                <a:cs typeface="微软雅黑" panose="020B0503020204020204" charset="-122"/>
+              </a:rPr>
+              <a:t>/</a:t>
+            </a:r>
+            <a:r>
+              <a:rPr lang="zh-CN" sz="1600" u="none" strike="noStrike" kern="1200" cap="none" spc="0" baseline="0" dirty="0">
+                <a:solidFill>
+                  <a:srgbClr val="474747"/>
+                </a:solidFill>
+                <a:latin typeface="微软雅黑" panose="020B0503020204020204" charset="-122"/>
+                <a:ea typeface="微软雅黑" panose="020B0503020204020204" charset="-122"/>
+                <a:cs typeface="微软雅黑" panose="020B0503020204020204" charset="-122"/>
+              </a:rPr>
+              <a:t> VScode </a:t>
+            </a:r>
+            <a:r>
+              <a:rPr lang="en-US" altLang="zh-CN" sz="1600" u="none" strike="noStrike" kern="1200" cap="none" spc="0" baseline="0" dirty="0">
+                <a:solidFill>
+                  <a:srgbClr val="474747"/>
+                </a:solidFill>
+                <a:latin typeface="微软雅黑" panose="020B0503020204020204" charset="-122"/>
+                <a:ea typeface="微软雅黑" panose="020B0503020204020204" charset="-122"/>
+                <a:cs typeface="微软雅黑" panose="020B0503020204020204" charset="-122"/>
+              </a:rPr>
+              <a:t>/</a:t>
+            </a:r>
+            <a:r>
+              <a:rPr lang="zh-CN" sz="1600" u="none" strike="noStrike" kern="1200" cap="none" spc="0" baseline="0" dirty="0">
+                <a:solidFill>
+                  <a:srgbClr val="474747"/>
+                </a:solidFill>
+                <a:latin typeface="微软雅黑" panose="020B0503020204020204" charset="-122"/>
+                <a:ea typeface="微软雅黑" panose="020B0503020204020204" charset="-122"/>
+                <a:cs typeface="微软雅黑" panose="020B0503020204020204" charset="-122"/>
+              </a:rPr>
+              <a:t> Idea </a:t>
+            </a:r>
+            <a:r>
+              <a:rPr lang="en-US" altLang="zh-CN" sz="1600" u="none" strike="noStrike" kern="1200" cap="none" spc="0" baseline="0" dirty="0">
+                <a:solidFill>
+                  <a:srgbClr val="474747"/>
+                </a:solidFill>
+                <a:latin typeface="微软雅黑" panose="020B0503020204020204" charset="-122"/>
+                <a:ea typeface="微软雅黑" panose="020B0503020204020204" charset="-122"/>
+                <a:cs typeface="微软雅黑" panose="020B0503020204020204" charset="-122"/>
+              </a:rPr>
+              <a:t>/</a:t>
+            </a:r>
+            <a:r>
+              <a:rPr lang="zh-CN" sz="1600" u="none" strike="noStrike" kern="1200" cap="none" spc="0" baseline="0" dirty="0">
+                <a:solidFill>
+                  <a:srgbClr val="474747"/>
+                </a:solidFill>
+                <a:latin typeface="微软雅黑" panose="020B0503020204020204" charset="-122"/>
+                <a:ea typeface="微软雅黑" panose="020B0503020204020204" charset="-122"/>
+                <a:cs typeface="微软雅黑" panose="020B0503020204020204" charset="-122"/>
+              </a:rPr>
+              <a:t> goLand </a:t>
+            </a:r>
+            <a:r>
+              <a:rPr lang="en-US" altLang="zh-CN" sz="1600" u="none" strike="noStrike" kern="1200" cap="none" spc="0" baseline="0" dirty="0">
+                <a:solidFill>
+                  <a:srgbClr val="474747"/>
+                </a:solidFill>
+                <a:latin typeface="微软雅黑" panose="020B0503020204020204" charset="-122"/>
+                <a:ea typeface="微软雅黑" panose="020B0503020204020204" charset="-122"/>
+                <a:cs typeface="微软雅黑" panose="020B0503020204020204" charset="-122"/>
+              </a:rPr>
+              <a:t>/</a:t>
+            </a:r>
+            <a:r>
+              <a:rPr lang="zh-CN" sz="1600" u="none" strike="noStrike" kern="1200" cap="none" spc="0" baseline="0" dirty="0">
+                <a:solidFill>
+                  <a:srgbClr val="474747"/>
+                </a:solidFill>
+                <a:latin typeface="微软雅黑" panose="020B0503020204020204" charset="-122"/>
+                <a:ea typeface="微软雅黑" panose="020B0503020204020204" charset="-122"/>
+                <a:cs typeface="微软雅黑" panose="020B0503020204020204" charset="-122"/>
+              </a:rPr>
+              <a:t> Eclipse </a:t>
+            </a:r>
+            <a:r>
+              <a:rPr lang="en-US" altLang="zh-CN" sz="1600" u="none" strike="noStrike" kern="1200" cap="none" spc="0" baseline="0" dirty="0">
+                <a:solidFill>
+                  <a:srgbClr val="474747"/>
+                </a:solidFill>
+                <a:latin typeface="微软雅黑" panose="020B0503020204020204" charset="-122"/>
+                <a:ea typeface="微软雅黑" panose="020B0503020204020204" charset="-122"/>
+                <a:cs typeface="微软雅黑" panose="020B0503020204020204" charset="-122"/>
+              </a:rPr>
+              <a:t>/</a:t>
+            </a:r>
+            <a:r>
+              <a:rPr lang="zh-CN" sz="1600" u="none" strike="noStrike" kern="1200" cap="none" spc="0" baseline="0" dirty="0">
+                <a:solidFill>
+                  <a:srgbClr val="474747"/>
+                </a:solidFill>
+                <a:latin typeface="微软雅黑" panose="020B0503020204020204" charset="-122"/>
+                <a:ea typeface="微软雅黑" panose="020B0503020204020204" charset="-122"/>
+                <a:cs typeface="微软雅黑" panose="020B0503020204020204" charset="-122"/>
+              </a:rPr>
+              <a:t> LiteIDE </a:t>
+            </a:r>
+            <a:r>
+              <a:rPr lang="en-US" altLang="zh-CN" sz="1600" u="none" strike="noStrike" kern="1200" cap="none" spc="0" baseline="0" dirty="0">
+                <a:solidFill>
+                  <a:srgbClr val="474747"/>
+                </a:solidFill>
+                <a:latin typeface="微软雅黑" panose="020B0503020204020204" charset="-122"/>
+                <a:ea typeface="微软雅黑" panose="020B0503020204020204" charset="-122"/>
+                <a:cs typeface="微软雅黑" panose="020B0503020204020204" charset="-122"/>
+              </a:rPr>
+              <a:t>/</a:t>
+            </a:r>
+            <a:r>
+              <a:rPr lang="zh-CN" sz="1600" u="none" strike="noStrike" kern="1200" cap="none" spc="0" baseline="0" dirty="0">
+                <a:solidFill>
+                  <a:srgbClr val="474747"/>
+                </a:solidFill>
+                <a:latin typeface="微软雅黑" panose="020B0503020204020204" charset="-122"/>
+                <a:ea typeface="微软雅黑" panose="020B0503020204020204" charset="-122"/>
+                <a:cs typeface="微软雅黑" panose="020B0503020204020204" charset="-122"/>
+              </a:rPr>
+              <a:t> Vi </a:t>
+            </a:r>
+            <a:r>
+              <a:rPr lang="en-US" altLang="zh-CN" sz="1600" u="none" strike="noStrike" kern="1200" cap="none" spc="0" baseline="0" dirty="0">
+                <a:solidFill>
+                  <a:srgbClr val="474747"/>
+                </a:solidFill>
+                <a:latin typeface="微软雅黑" panose="020B0503020204020204" charset="-122"/>
+                <a:ea typeface="微软雅黑" panose="020B0503020204020204" charset="-122"/>
+                <a:cs typeface="微软雅黑" panose="020B0503020204020204" charset="-122"/>
+              </a:rPr>
+              <a:t>/</a:t>
+            </a:r>
+            <a:r>
+              <a:rPr lang="zh-CN" sz="1600" u="none" strike="noStrike" kern="1200" cap="none" spc="0" baseline="0" dirty="0">
+                <a:solidFill>
+                  <a:srgbClr val="474747"/>
+                </a:solidFill>
+                <a:latin typeface="微软雅黑" panose="020B0503020204020204" charset="-122"/>
+                <a:ea typeface="微软雅黑" panose="020B0503020204020204" charset="-122"/>
+                <a:cs typeface="微软雅黑" panose="020B0503020204020204" charset="-122"/>
+              </a:rPr>
+              <a:t> Emacs </a:t>
             </a:r>
             <a:endParaRPr lang="zh-CN" sz="1600" u="none" strike="noStrike" kern="1200" cap="none" spc="0" baseline="0" dirty="0">
               <a:solidFill>
@@ -9305,15 +9879,13 @@
               <a:t> </a:t>
             </a:r>
             <a:r>
-              <a:rPr lang="zh-CN" sz="2200" u="sng" strike="noStrike" kern="0" cap="none" spc="0" baseline="0" dirty="0">
+              <a:rPr lang="zh-CN" sz="2200" u="sng" dirty="0">
                 <a:solidFill>
                   <a:srgbClr val="212121"/>
                 </a:solidFill>
-                <a:latin typeface="微软雅黑" panose="020B0503020204020204" charset="-122"/>
-                <a:ea typeface="微软雅黑" panose="020B0503020204020204" charset="-122"/>
-                <a:cs typeface="Times New Roman" panose="02020603050405020304" charset="0"/>
-              </a:rPr>
-              <a:t>go语言基本数据类型</a:t>
+                <a:sym typeface="+mn-ea"/>
+              </a:rPr>
+              <a:t>变量声明与赋值</a:t>
             </a:r>
             <a:endParaRPr lang="zh-CN" sz="2200" u="sng" strike="noStrike" kern="0" cap="none" spc="0" baseline="0" dirty="0">
               <a:solidFill>
@@ -9334,7 +9906,7 @@
         </p:nvSpPr>
         <p:spPr>
           <a:xfrm>
-            <a:off x="622935" y="2447608"/>
+            <a:off x="612775" y="3162618"/>
             <a:ext cx="7918450" cy="337185"/>
           </a:xfrm>
           <a:prstGeom prst="rect">
@@ -9358,34 +9930,78 @@
               <a:buChar char="u"/>
             </a:pPr>
             <a:r>
-              <a:rPr lang="zh-CN" altLang="en-US" sz="1600" u="none" strike="noStrike" kern="1200" cap="none" spc="0" baseline="0" dirty="0">
-                <a:solidFill>
-                  <a:srgbClr val="474747"/>
-                </a:solidFill>
-                <a:latin typeface="微软雅黑" panose="020B0503020204020204" charset="-122"/>
-                <a:ea typeface="微软雅黑" panose="020B0503020204020204" charset="-122"/>
-                <a:cs typeface="微软雅黑" panose="020B0503020204020204" charset="-122"/>
-              </a:rPr>
-              <a:t>浮点数</a:t>
-            </a:r>
-            <a:r>
-              <a:rPr lang="en-US" altLang="zh-CN" sz="1600" u="none" strike="noStrike" kern="1200" cap="none" spc="0" baseline="0" dirty="0">
-                <a:solidFill>
-                  <a:srgbClr val="474747"/>
-                </a:solidFill>
-                <a:latin typeface="微软雅黑" panose="020B0503020204020204" charset="-122"/>
-                <a:ea typeface="微软雅黑" panose="020B0503020204020204" charset="-122"/>
-                <a:cs typeface="微软雅黑" panose="020B0503020204020204" charset="-122"/>
-              </a:rPr>
-              <a:t>(float32 / float64)</a:t>
-            </a:r>
-            <a:endParaRPr lang="en-US" altLang="zh-CN" sz="1600" u="none" strike="noStrike" kern="1200" cap="none" spc="0" baseline="0" dirty="0">
+              <a:rPr lang="zh-CN" altLang="en-US" sz="1600" kern="0" dirty="0">
+                <a:solidFill>
+                  <a:srgbClr val="212121"/>
+                </a:solidFill>
+                <a:latin typeface="微软雅黑" panose="020B0503020204020204" charset="-122"/>
+                <a:ea typeface="微软雅黑" panose="020B0503020204020204" charset="-122"/>
+                <a:sym typeface="+mn-ea"/>
+              </a:rPr>
+              <a:t>短格式</a:t>
+            </a:r>
+            <a:r>
+              <a:rPr lang="en-US" altLang="zh-CN" sz="1600" kern="0" dirty="0">
+                <a:solidFill>
+                  <a:srgbClr val="212121"/>
+                </a:solidFill>
+                <a:latin typeface="微软雅黑" panose="020B0503020204020204" charset="-122"/>
+                <a:ea typeface="微软雅黑" panose="020B0503020204020204" charset="-122"/>
+                <a:sym typeface="+mn-ea"/>
+              </a:rPr>
+              <a:t>(</a:t>
+            </a:r>
+            <a:r>
+              <a:rPr lang="zh-CN" altLang="zh-CN" sz="1600" kern="0" dirty="0">
+                <a:solidFill>
+                  <a:srgbClr val="FF0000"/>
+                </a:solidFill>
+                <a:latin typeface="微软雅黑" panose="020B0503020204020204" charset="-122"/>
+                <a:ea typeface="微软雅黑" panose="020B0503020204020204" charset="-122"/>
+                <a:sym typeface="+mn-ea"/>
+              </a:rPr>
+              <a:t>只能在函数内用</a:t>
+            </a:r>
+            <a:r>
+              <a:rPr lang="en-US" altLang="zh-CN" sz="1600" kern="0" dirty="0">
+                <a:solidFill>
+                  <a:srgbClr val="212121"/>
+                </a:solidFill>
+                <a:latin typeface="微软雅黑" panose="020B0503020204020204" charset="-122"/>
+                <a:ea typeface="微软雅黑" panose="020B0503020204020204" charset="-122"/>
+                <a:sym typeface="+mn-ea"/>
+              </a:rPr>
+              <a:t>)</a:t>
+            </a:r>
+            <a:r>
+              <a:rPr lang="zh-CN" altLang="en-US" sz="1600" kern="0" dirty="0">
+                <a:solidFill>
+                  <a:srgbClr val="212121"/>
+                </a:solidFill>
+                <a:latin typeface="微软雅黑" panose="020B0503020204020204" charset="-122"/>
+                <a:ea typeface="微软雅黑" panose="020B0503020204020204" charset="-122"/>
+                <a:sym typeface="+mn-ea"/>
+              </a:rPr>
+              <a:t> </a:t>
+            </a:r>
+            <a:r>
+              <a:rPr lang="en-US" altLang="zh-CN" sz="1600" kern="0" dirty="0">
+                <a:solidFill>
+                  <a:srgbClr val="212121"/>
+                </a:solidFill>
+                <a:latin typeface="微软雅黑" panose="020B0503020204020204" charset="-122"/>
+                <a:ea typeface="微软雅黑" panose="020B0503020204020204" charset="-122"/>
+                <a:sym typeface="+mn-ea"/>
+              </a:rPr>
+              <a:t> :=</a:t>
+            </a:r>
+            <a:endParaRPr lang="en-US" altLang="zh-CN" sz="1600" kern="0" dirty="0">
               <a:solidFill>
-                <a:srgbClr val="474747"/>
+                <a:srgbClr val="212121"/>
               </a:solidFill>
               <a:latin typeface="微软雅黑" panose="020B0503020204020204" charset="-122"/>
               <a:ea typeface="微软雅黑" panose="020B0503020204020204" charset="-122"/>
-              <a:cs typeface="微软雅黑" panose="020B0503020204020204" charset="-122"/>
+              <a:sym typeface="+mn-ea"/>
             </a:endParaRPr>
           </a:p>
         </p:txBody>
@@ -9442,13 +10058,13 @@
       </p:sp>
       <p:sp>
         <p:nvSpPr>
-          <p:cNvPr id="2" name="矩形"/>
+          <p:cNvPr id="4" name="矩形"/>
           <p:cNvSpPr/>
           <p:nvPr/>
         </p:nvSpPr>
         <p:spPr>
           <a:xfrm>
-            <a:off x="622935" y="4202748"/>
+            <a:off x="612775" y="3611563"/>
             <a:ext cx="7918450" cy="337185"/>
           </a:xfrm>
           <a:prstGeom prst="rect">
@@ -9471,24 +10087,22 @@
               <a:buChar char="u"/>
             </a:pPr>
             <a:r>
-              <a:rPr lang="en-US" altLang="zh-CN" sz="1600" dirty="0">
-                <a:solidFill>
-                  <a:srgbClr val="474747"/>
-                </a:solidFill>
-                <a:latin typeface="微软雅黑" panose="020B0503020204020204" charset="-122"/>
-                <a:ea typeface="微软雅黑" panose="020B0503020204020204" charset="-122"/>
-                <a:cs typeface="微软雅黑" panose="020B0503020204020204" charset="-122"/>
+              <a:rPr lang="zh-CN" sz="1600" kern="0" dirty="0">
+                <a:solidFill>
+                  <a:srgbClr val="212121"/>
+                </a:solidFill>
+                <a:latin typeface="微软雅黑" panose="020B0503020204020204" charset="-122"/>
+                <a:ea typeface="微软雅黑" panose="020B0503020204020204" charset="-122"/>
                 <a:sym typeface="+mn-ea"/>
               </a:rPr>
-              <a:t>byte / rune / uintptr</a:t>
-            </a:r>
-            <a:endParaRPr lang="en-US" altLang="zh-CN" sz="1600" dirty="0">
+              <a:t>零值</a:t>
+            </a:r>
+            <a:endParaRPr lang="zh-CN" sz="1600" kern="0" dirty="0">
               <a:solidFill>
-                <a:srgbClr val="474747"/>
+                <a:srgbClr val="212121"/>
               </a:solidFill>
               <a:latin typeface="微软雅黑" panose="020B0503020204020204" charset="-122"/>
               <a:ea typeface="微软雅黑" panose="020B0503020204020204" charset="-122"/>
-              <a:cs typeface="微软雅黑" panose="020B0503020204020204" charset="-122"/>
               <a:sym typeface="+mn-ea"/>
             </a:endParaRPr>
           </a:p>
@@ -9496,74 +10110,13 @@
       </p:sp>
       <p:sp>
         <p:nvSpPr>
-          <p:cNvPr id="3" name="文本框 2"/>
-          <p:cNvSpPr txBox="1"/>
-          <p:nvPr/>
-        </p:nvSpPr>
-        <p:spPr>
-          <a:xfrm>
-            <a:off x="622935" y="3325178"/>
-            <a:ext cx="6915150" cy="337185"/>
-          </a:xfrm>
-          <a:prstGeom prst="rect">
-            <a:avLst/>
-          </a:prstGeom>
-          <a:noFill/>
-        </p:spPr>
-        <p:txBody>
-          <a:bodyPr wrap="square" rtlCol="0" anchor="t">
-            <a:spAutoFit/>
-          </a:bodyPr>
-          <a:p>
-            <a:pPr marL="800100" lvl="1" indent="-342900" algn="l">
-              <a:buFont typeface="Wingdings" panose="05000000000000000000" pitchFamily="2" charset="2"/>
-              <a:buChar char="u"/>
-            </a:pPr>
-            <a:r>
-              <a:rPr lang="zh-CN" sz="1600" dirty="0">
-                <a:solidFill>
-                  <a:srgbClr val="474747"/>
-                </a:solidFill>
-                <a:latin typeface="微软雅黑" panose="020B0503020204020204" charset="-122"/>
-                <a:ea typeface="微软雅黑" panose="020B0503020204020204" charset="-122"/>
-                <a:cs typeface="微软雅黑" panose="020B0503020204020204" charset="-122"/>
-                <a:sym typeface="+mn-ea"/>
-              </a:rPr>
-              <a:t>布尔型</a:t>
-            </a:r>
-            <a:r>
-              <a:rPr lang="en-US" altLang="zh-CN" sz="1600" dirty="0">
-                <a:solidFill>
-                  <a:srgbClr val="474747"/>
-                </a:solidFill>
-                <a:latin typeface="微软雅黑" panose="020B0503020204020204" charset="-122"/>
-                <a:ea typeface="微软雅黑" panose="020B0503020204020204" charset="-122"/>
-                <a:cs typeface="微软雅黑" panose="020B0503020204020204" charset="-122"/>
-                <a:sym typeface="+mn-ea"/>
-              </a:rPr>
-              <a:t>: (true / false)</a:t>
-            </a:r>
-            <a:endParaRPr lang="en-US" altLang="zh-CN" sz="1600" dirty="0">
-              <a:solidFill>
-                <a:srgbClr val="474747"/>
-              </a:solidFill>
-              <a:latin typeface="微软雅黑" panose="020B0503020204020204" charset="-122"/>
-              <a:ea typeface="微软雅黑" panose="020B0503020204020204" charset="-122"/>
-              <a:cs typeface="微软雅黑" panose="020B0503020204020204" charset="-122"/>
-              <a:sym typeface="+mn-ea"/>
-            </a:endParaRPr>
-          </a:p>
-        </p:txBody>
-      </p:sp>
-      <p:sp>
-        <p:nvSpPr>
-          <p:cNvPr id="4" name="矩形"/>
+          <p:cNvPr id="5" name="矩形"/>
           <p:cNvSpPr/>
           <p:nvPr/>
         </p:nvSpPr>
         <p:spPr>
           <a:xfrm>
-            <a:off x="622935" y="3763963"/>
+            <a:off x="612775" y="2264728"/>
             <a:ext cx="7918450" cy="337185"/>
           </a:xfrm>
           <a:prstGeom prst="rect">
@@ -9586,24 +10139,110 @@
               <a:buChar char="u"/>
             </a:pPr>
             <a:r>
-              <a:rPr lang="zh-CN" sz="1600" dirty="0">
-                <a:solidFill>
-                  <a:srgbClr val="474747"/>
-                </a:solidFill>
-                <a:latin typeface="微软雅黑" panose="020B0503020204020204" charset="-122"/>
-                <a:ea typeface="微软雅黑" panose="020B0503020204020204" charset="-122"/>
-                <a:cs typeface="微软雅黑" panose="020B0503020204020204" charset="-122"/>
+              <a:rPr lang="zh-CN" sz="1600" kern="0" dirty="0">
+                <a:solidFill>
+                  <a:srgbClr val="212121"/>
+                </a:solidFill>
+                <a:latin typeface="微软雅黑" panose="020B0503020204020204" charset="-122"/>
+                <a:ea typeface="微软雅黑" panose="020B0503020204020204" charset="-122"/>
                 <a:sym typeface="+mn-ea"/>
               </a:rPr>
-              <a:t>字符串</a:t>
-            </a:r>
-            <a:endParaRPr lang="zh-CN" sz="1600" dirty="0">
+              <a:t>变量声明</a:t>
+            </a:r>
+            <a:r>
+              <a:rPr lang="en-US" altLang="zh-CN" sz="1600" kern="0" dirty="0">
+                <a:solidFill>
+                  <a:srgbClr val="212121"/>
+                </a:solidFill>
+                <a:latin typeface="微软雅黑" panose="020B0503020204020204" charset="-122"/>
+                <a:ea typeface="微软雅黑" panose="020B0503020204020204" charset="-122"/>
+                <a:sym typeface="+mn-ea"/>
+              </a:rPr>
+              <a:t>(</a:t>
+            </a:r>
+            <a:r>
+              <a:rPr lang="zh-CN" altLang="en-US" sz="1600" kern="0" dirty="0">
+                <a:solidFill>
+                  <a:srgbClr val="FF0000"/>
+                </a:solidFill>
+                <a:latin typeface="微软雅黑" panose="020B0503020204020204" charset="-122"/>
+                <a:ea typeface="微软雅黑" panose="020B0503020204020204" charset="-122"/>
+                <a:sym typeface="+mn-ea"/>
+              </a:rPr>
+              <a:t>名字在前</a:t>
+            </a:r>
+            <a:r>
+              <a:rPr lang="en-US" altLang="zh-CN" sz="1600" kern="0" dirty="0">
+                <a:solidFill>
+                  <a:srgbClr val="FF0000"/>
+                </a:solidFill>
+                <a:latin typeface="微软雅黑" panose="020B0503020204020204" charset="-122"/>
+                <a:ea typeface="微软雅黑" panose="020B0503020204020204" charset="-122"/>
+                <a:sym typeface="+mn-ea"/>
+              </a:rPr>
+              <a:t>/</a:t>
+            </a:r>
+            <a:r>
+              <a:rPr lang="zh-CN" altLang="zh-CN" sz="1600" kern="0" dirty="0">
+                <a:solidFill>
+                  <a:srgbClr val="FF0000"/>
+                </a:solidFill>
+                <a:latin typeface="微软雅黑" panose="020B0503020204020204" charset="-122"/>
+                <a:ea typeface="微软雅黑" panose="020B0503020204020204" charset="-122"/>
+                <a:sym typeface="+mn-ea"/>
+              </a:rPr>
+              <a:t>类型在后</a:t>
+            </a:r>
+            <a:r>
+              <a:rPr lang="en-US" altLang="zh-CN" sz="1600" kern="0" dirty="0">
+                <a:solidFill>
+                  <a:srgbClr val="212121"/>
+                </a:solidFill>
+                <a:latin typeface="微软雅黑" panose="020B0503020204020204" charset="-122"/>
+                <a:ea typeface="微软雅黑" panose="020B0503020204020204" charset="-122"/>
+                <a:sym typeface="+mn-ea"/>
+              </a:rPr>
+              <a:t>) </a:t>
+            </a:r>
+            <a:r>
+              <a:rPr lang="en-US" altLang="zh-CN" sz="1600" kern="0" dirty="0">
+                <a:solidFill>
+                  <a:srgbClr val="212121"/>
+                </a:solidFill>
+                <a:latin typeface="微软雅黑" panose="020B0503020204020204" charset="-122"/>
+                <a:ea typeface="微软雅黑" panose="020B0503020204020204" charset="-122"/>
+                <a:sym typeface="+mn-ea"/>
+              </a:rPr>
+              <a:t>var</a:t>
+            </a:r>
+            <a:r>
+              <a:rPr lang="zh-CN" altLang="zh-CN" sz="1600" kern="0" dirty="0">
+                <a:solidFill>
+                  <a:srgbClr val="212121"/>
+                </a:solidFill>
+                <a:latin typeface="微软雅黑" panose="020B0503020204020204" charset="-122"/>
+                <a:ea typeface="微软雅黑" panose="020B0503020204020204" charset="-122"/>
+                <a:sym typeface="+mn-ea"/>
+              </a:rPr>
+              <a:t>关键字</a:t>
+            </a:r>
+            <a:r>
+              <a:rPr lang="zh-CN" sz="1600" kern="0" dirty="0">
+                <a:solidFill>
+                  <a:srgbClr val="212121"/>
+                </a:solidFill>
+                <a:latin typeface="微软雅黑" panose="020B0503020204020204" charset="-122"/>
+                <a:ea typeface="微软雅黑" panose="020B0503020204020204" charset="-122"/>
+                <a:sym typeface="+mn-ea"/>
+              </a:rPr>
+              <a:t> </a:t>
+            </a:r>
+            <a:endParaRPr lang="en-US" altLang="zh-CN" sz="1600" kern="0" dirty="0">
               <a:solidFill>
-                <a:srgbClr val="474747"/>
+                <a:srgbClr val="212121"/>
               </a:solidFill>
               <a:latin typeface="微软雅黑" panose="020B0503020204020204" charset="-122"/>
               <a:ea typeface="微软雅黑" panose="020B0503020204020204" charset="-122"/>
-              <a:cs typeface="微软雅黑" panose="020B0503020204020204" charset="-122"/>
               <a:sym typeface="+mn-ea"/>
             </a:endParaRPr>
           </a:p>
@@ -9611,13 +10250,13 @@
       </p:sp>
       <p:sp>
         <p:nvSpPr>
-          <p:cNvPr id="5" name="矩形"/>
+          <p:cNvPr id="2" name="矩形"/>
           <p:cNvSpPr/>
           <p:nvPr/>
         </p:nvSpPr>
         <p:spPr>
           <a:xfrm>
-            <a:off x="622935" y="2008823"/>
+            <a:off x="612775" y="2713673"/>
             <a:ext cx="7918450" cy="337185"/>
           </a:xfrm>
           <a:prstGeom prst="rect">
@@ -9640,98 +10279,34 @@
               <a:buChar char="u"/>
             </a:pPr>
             <a:r>
-              <a:rPr lang="en-US" altLang="zh-CN" sz="1600" u="none" strike="noStrike" kern="1200" cap="none" spc="0" baseline="0" dirty="0">
-                <a:solidFill>
-                  <a:srgbClr val="474747"/>
-                </a:solidFill>
-                <a:latin typeface="微软雅黑" panose="020B0503020204020204" charset="-122"/>
-                <a:ea typeface="微软雅黑" panose="020B0503020204020204" charset="-122"/>
-                <a:cs typeface="微软雅黑" panose="020B0503020204020204" charset="-122"/>
-              </a:rPr>
-              <a:t>整</a:t>
-            </a:r>
-            <a:r>
-              <a:rPr lang="zh-CN" altLang="en-US" sz="1600" u="none" strike="noStrike" kern="1200" cap="none" spc="0" baseline="0" dirty="0">
-                <a:solidFill>
-                  <a:srgbClr val="474747"/>
-                </a:solidFill>
-                <a:latin typeface="微软雅黑" panose="020B0503020204020204" charset="-122"/>
-                <a:ea typeface="微软雅黑" panose="020B0503020204020204" charset="-122"/>
-                <a:cs typeface="微软雅黑" panose="020B0503020204020204" charset="-122"/>
-              </a:rPr>
-              <a:t>数</a:t>
-            </a:r>
-            <a:endParaRPr lang="en-US" altLang="zh-CN" sz="1600" u="none" strike="noStrike" kern="1200" cap="none" spc="0" baseline="0" dirty="0">
+              <a:rPr lang="zh-CN" altLang="en-US" sz="1600" kern="0" dirty="0">
+                <a:solidFill>
+                  <a:srgbClr val="212121"/>
+                </a:solidFill>
+                <a:latin typeface="微软雅黑" panose="020B0503020204020204" charset="-122"/>
+                <a:ea typeface="微软雅黑" panose="020B0503020204020204" charset="-122"/>
+                <a:sym typeface="+mn-ea"/>
+              </a:rPr>
+              <a:t>赋值 </a:t>
+            </a:r>
+            <a:r>
+              <a:rPr lang="en-US" altLang="zh-CN" sz="1600" kern="0" dirty="0">
+                <a:solidFill>
+                  <a:srgbClr val="212121"/>
+                </a:solidFill>
+                <a:latin typeface="微软雅黑" panose="020B0503020204020204" charset="-122"/>
+                <a:ea typeface="微软雅黑" panose="020B0503020204020204" charset="-122"/>
+                <a:sym typeface="+mn-ea"/>
+              </a:rPr>
+              <a:t>=</a:t>
+            </a:r>
+            <a:endParaRPr lang="en-US" altLang="zh-CN" sz="1600" kern="0" dirty="0">
               <a:solidFill>
-                <a:srgbClr val="474747"/>
+                <a:srgbClr val="212121"/>
               </a:solidFill>
               <a:latin typeface="微软雅黑" panose="020B0503020204020204" charset="-122"/>
               <a:ea typeface="微软雅黑" panose="020B0503020204020204" charset="-122"/>
-              <a:cs typeface="微软雅黑" panose="020B0503020204020204" charset="-122"/>
-            </a:endParaRPr>
-          </a:p>
-        </p:txBody>
-      </p:sp>
-      <p:sp>
-        <p:nvSpPr>
-          <p:cNvPr id="6" name="矩形"/>
-          <p:cNvSpPr/>
-          <p:nvPr/>
-        </p:nvSpPr>
-        <p:spPr>
-          <a:xfrm>
-            <a:off x="622935" y="2886393"/>
-            <a:ext cx="7918450" cy="337185"/>
-          </a:xfrm>
-          <a:prstGeom prst="rect">
-            <a:avLst/>
-          </a:prstGeom>
-          <a:noFill/>
-          <a:ln w="9525" cap="flat" cmpd="sng">
-            <a:noFill/>
-            <a:prstDash val="solid"/>
-            <a:miter/>
-          </a:ln>
-        </p:spPr>
-        <p:txBody>
-          <a:bodyPr vert="horz" wrap="square" lIns="91440" tIns="45720" rIns="91440" bIns="45720" anchor="ctr" anchorCtr="0">
-            <a:spAutoFit/>
-          </a:bodyPr>
-          <a:lstStyle/>
-          <a:p>
-            <a:pPr marL="800100" lvl="1" indent="-342900" algn="l">
-              <a:buFont typeface="Wingdings" panose="05000000000000000000" pitchFamily="2" charset="2"/>
-              <a:buChar char="u"/>
-            </a:pPr>
-            <a:r>
-              <a:rPr lang="zh-CN" altLang="en-US" sz="1600" u="none" strike="noStrike" kern="1200" cap="none" spc="0" baseline="0" dirty="0">
-                <a:solidFill>
-                  <a:srgbClr val="474747"/>
-                </a:solidFill>
-                <a:latin typeface="微软雅黑" panose="020B0503020204020204" charset="-122"/>
-                <a:ea typeface="微软雅黑" panose="020B0503020204020204" charset="-122"/>
-                <a:cs typeface="微软雅黑" panose="020B0503020204020204" charset="-122"/>
-              </a:rPr>
-              <a:t>复数</a:t>
-            </a:r>
-            <a:r>
-              <a:rPr lang="en-US" altLang="zh-CN" sz="1600" u="none" strike="noStrike" kern="1200" cap="none" spc="0" baseline="0" dirty="0">
-                <a:solidFill>
-                  <a:srgbClr val="474747"/>
-                </a:solidFill>
-                <a:latin typeface="微软雅黑" panose="020B0503020204020204" charset="-122"/>
-                <a:ea typeface="微软雅黑" panose="020B0503020204020204" charset="-122"/>
-                <a:cs typeface="微软雅黑" panose="020B0503020204020204" charset="-122"/>
-              </a:rPr>
-              <a:t>(complex64 / complex128)</a:t>
-            </a:r>
-            <a:endParaRPr lang="en-US" altLang="zh-CN" sz="1600" u="none" strike="noStrike" kern="1200" cap="none" spc="0" baseline="0" dirty="0">
-              <a:solidFill>
-                <a:srgbClr val="474747"/>
-              </a:solidFill>
-              <a:latin typeface="微软雅黑" panose="020B0503020204020204" charset="-122"/>
-              <a:ea typeface="微软雅黑" panose="020B0503020204020204" charset="-122"/>
-              <a:cs typeface="微软雅黑" panose="020B0503020204020204" charset="-122"/>
+              <a:sym typeface="+mn-ea"/>
             </a:endParaRPr>
           </a:p>
         </p:txBody>
@@ -9829,16 +10404,15 @@
               <a:t> </a:t>
             </a:r>
             <a:r>
-              <a:rPr lang="en-US" altLang="zh-CN" sz="2200" kern="1200" dirty="0">
-                <a:sym typeface="+mn-ea"/>
-              </a:rPr>
-              <a:t>整</a:t>
-            </a:r>
-            <a:r>
-              <a:rPr lang="zh-CN" altLang="en-US" sz="2200" kern="1200" dirty="0">
-                <a:sym typeface="+mn-ea"/>
-              </a:rPr>
-              <a:t>数</a:t>
+              <a:rPr lang="zh-CN" sz="2200" u="sng" strike="noStrike" kern="0" cap="none" spc="0" baseline="0" dirty="0">
+                <a:solidFill>
+                  <a:srgbClr val="212121"/>
+                </a:solidFill>
+                <a:latin typeface="微软雅黑" panose="020B0503020204020204" charset="-122"/>
+                <a:ea typeface="微软雅黑" panose="020B0503020204020204" charset="-122"/>
+                <a:cs typeface="Times New Roman" panose="02020603050405020304" charset="0"/>
+              </a:rPr>
+              <a:t>谢谢</a:t>
             </a:r>
             <a:endParaRPr lang="zh-CN" sz="2200" u="sng" strike="noStrike" kern="0" cap="none" spc="0" baseline="0" dirty="0">
               <a:solidFill>
@@ -9853,14 +10427,14 @@
       </p:sp>
       <p:sp>
         <p:nvSpPr>
-          <p:cNvPr id="17" name="矩形"/>
+          <p:cNvPr id="15" name="矩形"/>
           <p:cNvSpPr/>
           <p:nvPr/>
         </p:nvSpPr>
         <p:spPr>
           <a:xfrm>
-            <a:off x="3340151" y="497054"/>
-            <a:ext cx="1448435" cy="553085"/>
+            <a:off x="542290" y="2243138"/>
+            <a:ext cx="7918450" cy="337185"/>
           </a:xfrm>
           <a:prstGeom prst="rect">
             <a:avLst/>
@@ -9873,6 +10447,59 @@
           </a:ln>
         </p:spPr>
         <p:txBody>
+          <a:bodyPr vert="horz" wrap="square" lIns="91440" tIns="45720" rIns="91440" bIns="45720" anchor="ctr" anchorCtr="0">
+            <a:spAutoFit/>
+          </a:bodyPr>
+          <a:lstStyle/>
+          <a:p>
+            <a:pPr marL="800100" lvl="1" indent="-342900" algn="l">
+              <a:buFont typeface="Wingdings" panose="05000000000000000000" pitchFamily="2" charset="2"/>
+              <a:buChar char="u"/>
+            </a:pPr>
+            <a:r>
+              <a:rPr lang="zh-CN" sz="1600" u="none" strike="noStrike" kern="1200" cap="none" spc="0" baseline="0" dirty="0">
+                <a:solidFill>
+                  <a:srgbClr val="474747"/>
+                </a:solidFill>
+                <a:latin typeface="微软雅黑" panose="020B0503020204020204" charset="-122"/>
+                <a:ea typeface="微软雅黑" panose="020B0503020204020204" charset="-122"/>
+                <a:cs typeface="微软雅黑" panose="020B0503020204020204" charset="-122"/>
+              </a:rPr>
+              <a:t>谢谢</a:t>
+            </a:r>
+            <a:endParaRPr lang="zh-CN" sz="1600" u="none" strike="noStrike" kern="1200" cap="none" spc="0" baseline="0" dirty="0">
+              <a:solidFill>
+                <a:srgbClr val="474747"/>
+              </a:solidFill>
+              <a:latin typeface="微软雅黑" panose="020B0503020204020204" charset="-122"/>
+              <a:ea typeface="微软雅黑" panose="020B0503020204020204" charset="-122"/>
+              <a:cs typeface="微软雅黑" panose="020B0503020204020204" charset="-122"/>
+            </a:endParaRPr>
+          </a:p>
+        </p:txBody>
+      </p:sp>
+      <p:sp>
+        <p:nvSpPr>
+          <p:cNvPr id="17" name="矩形"/>
+          <p:cNvSpPr/>
+          <p:nvPr/>
+        </p:nvSpPr>
+        <p:spPr>
+          <a:xfrm>
+            <a:off x="3340151" y="497054"/>
+            <a:ext cx="1448435" cy="553085"/>
+          </a:xfrm>
+          <a:prstGeom prst="rect">
+            <a:avLst/>
+          </a:prstGeom>
+          <a:noFill/>
+          <a:ln w="9525" cap="flat" cmpd="sng">
+            <a:noFill/>
+            <a:prstDash val="solid"/>
+            <a:miter/>
+          </a:ln>
+        </p:spPr>
+        <p:txBody>
           <a:bodyPr vert="horz" wrap="none" lIns="91440" tIns="45720" rIns="91440" bIns="45720" anchor="t" anchorCtr="0">
             <a:spAutoFit/>
           </a:bodyPr>
@@ -9901,54 +10528,109 @@
           </a:p>
         </p:txBody>
       </p:sp>
-      <p:pic>
-        <p:nvPicPr>
-          <p:cNvPr id="4" name="图片 3"/>
-          <p:cNvPicPr>
-            <a:picLocks noChangeAspect="1"/>
-          </p:cNvPicPr>
+      <p:sp>
+        <p:nvSpPr>
+          <p:cNvPr id="2" name="矩形"/>
+          <p:cNvSpPr/>
           <p:nvPr/>
-        </p:nvPicPr>
-        <p:blipFill>
-          <a:blip r:embed="rId1"/>
-          <a:stretch>
-            <a:fillRect/>
-          </a:stretch>
-        </p:blipFill>
-        <p:spPr>
-          <a:xfrm>
-            <a:off x="640715" y="1867535"/>
-            <a:ext cx="4711700" cy="1515110"/>
+        </p:nvSpPr>
+        <p:spPr>
+          <a:xfrm>
+            <a:off x="542290" y="3209608"/>
+            <a:ext cx="7918450" cy="337185"/>
           </a:xfrm>
           <a:prstGeom prst="rect">
             <a:avLst/>
           </a:prstGeom>
-        </p:spPr>
-      </p:pic>
-      <p:pic>
-        <p:nvPicPr>
-          <p:cNvPr id="5" name="图片 4"/>
-          <p:cNvPicPr>
-            <a:picLocks noChangeAspect="1"/>
-          </p:cNvPicPr>
+          <a:noFill/>
+          <a:ln w="9525" cap="flat" cmpd="sng">
+            <a:noFill/>
+            <a:prstDash val="solid"/>
+            <a:miter/>
+          </a:ln>
+        </p:spPr>
+        <p:txBody>
+          <a:bodyPr vert="horz" wrap="square" lIns="91440" tIns="45720" rIns="91440" bIns="45720" anchor="ctr" anchorCtr="0">
+            <a:spAutoFit/>
+          </a:bodyPr>
+          <a:p>
+            <a:pPr marL="800100" lvl="1" indent="-342900" algn="l">
+              <a:buFont typeface="Wingdings" panose="05000000000000000000" pitchFamily="2" charset="2"/>
+              <a:buChar char="u"/>
+            </a:pPr>
+            <a:r>
+              <a:rPr lang="zh-CN" sz="1600" dirty="0">
+                <a:solidFill>
+                  <a:srgbClr val="474747"/>
+                </a:solidFill>
+                <a:latin typeface="微软雅黑" panose="020B0503020204020204" charset="-122"/>
+                <a:ea typeface="微软雅黑" panose="020B0503020204020204" charset="-122"/>
+                <a:cs typeface="微软雅黑" panose="020B0503020204020204" charset="-122"/>
+                <a:sym typeface="+mn-ea"/>
+              </a:rPr>
+              <a:t>谢谢</a:t>
+            </a:r>
+            <a:endParaRPr lang="zh-CN" altLang="en-US" sz="1600" dirty="0">
+              <a:solidFill>
+                <a:srgbClr val="474747"/>
+              </a:solidFill>
+              <a:latin typeface="微软雅黑" panose="020B0503020204020204" charset="-122"/>
+              <a:ea typeface="微软雅黑" panose="020B0503020204020204" charset="-122"/>
+              <a:cs typeface="微软雅黑" panose="020B0503020204020204" charset="-122"/>
+              <a:sym typeface="Calibri" panose="020F0502020204030204" pitchFamily="34" charset="0"/>
+            </a:endParaRPr>
+          </a:p>
+        </p:txBody>
+      </p:sp>
+      <p:sp>
+        <p:nvSpPr>
+          <p:cNvPr id="3" name="文本框 2"/>
+          <p:cNvSpPr txBox="1"/>
           <p:nvPr/>
-        </p:nvPicPr>
-        <p:blipFill>
-          <a:blip r:embed="rId2"/>
-          <a:stretch>
-            <a:fillRect/>
-          </a:stretch>
-        </p:blipFill>
-        <p:spPr>
-          <a:xfrm>
-            <a:off x="5582920" y="1867535"/>
-            <a:ext cx="3167380" cy="2416175"/>
+        </p:nvSpPr>
+        <p:spPr>
+          <a:xfrm>
+            <a:off x="542290" y="2726373"/>
+            <a:ext cx="6915150" cy="337185"/>
           </a:xfrm>
           <a:prstGeom prst="rect">
             <a:avLst/>
           </a:prstGeom>
-        </p:spPr>
-      </p:pic>
+          <a:noFill/>
+        </p:spPr>
+        <p:txBody>
+          <a:bodyPr wrap="square" rtlCol="0" anchor="t">
+            <a:spAutoFit/>
+          </a:bodyPr>
+          <a:p>
+            <a:pPr marL="800100" lvl="1" indent="-342900" algn="l">
+              <a:buFont typeface="Wingdings" panose="05000000000000000000" pitchFamily="2" charset="2"/>
+              <a:buChar char="u"/>
+            </a:pPr>
+            <a:r>
+              <a:rPr lang="zh-CN" sz="1600" dirty="0">
+                <a:solidFill>
+                  <a:srgbClr val="474747"/>
+                </a:solidFill>
+                <a:latin typeface="微软雅黑" panose="020B0503020204020204" charset="-122"/>
+                <a:ea typeface="微软雅黑" panose="020B0503020204020204" charset="-122"/>
+                <a:cs typeface="微软雅黑" panose="020B0503020204020204" charset="-122"/>
+                <a:sym typeface="+mn-ea"/>
+              </a:rPr>
+              <a:t>谢谢</a:t>
+            </a:r>
+            <a:endParaRPr lang="en-US" altLang="zh-CN" sz="1600" dirty="0">
+              <a:solidFill>
+                <a:srgbClr val="474747"/>
+              </a:solidFill>
+              <a:latin typeface="微软雅黑" panose="020B0503020204020204" charset="-122"/>
+              <a:ea typeface="微软雅黑" panose="020B0503020204020204" charset="-122"/>
+              <a:cs typeface="微软雅黑" panose="020B0503020204020204" charset="-122"/>
+              <a:sym typeface="Calibri" panose="020F0502020204030204" pitchFamily="34" charset="0"/>
+            </a:endParaRPr>
+          </a:p>
+        </p:txBody>
+      </p:sp>
     </p:spTree>
   </p:cSld>
   <p:clrMapOvr>
@@ -10042,13 +10724,15 @@
               <a:t> </a:t>
             </a:r>
             <a:r>
-              <a:rPr lang="zh-CN" sz="2200" u="sng" dirty="0">
+              <a:rPr lang="zh-CN" sz="2200" u="sng" strike="noStrike" kern="0" cap="none" spc="0" baseline="0" dirty="0">
                 <a:solidFill>
                   <a:srgbClr val="212121"/>
                 </a:solidFill>
-                <a:sym typeface="+mn-ea"/>
-              </a:rPr>
-              <a:t>变量声明与赋值</a:t>
+                <a:latin typeface="微软雅黑" panose="020B0503020204020204" charset="-122"/>
+                <a:ea typeface="微软雅黑" panose="020B0503020204020204" charset="-122"/>
+                <a:cs typeface="Times New Roman" panose="02020603050405020304" charset="0"/>
+              </a:rPr>
+              <a:t>go语言基本数据类型</a:t>
             </a:r>
             <a:endParaRPr lang="zh-CN" sz="2200" u="sng" strike="noStrike" kern="0" cap="none" spc="0" baseline="0" dirty="0">
               <a:solidFill>
@@ -10069,7 +10753,7 @@
         </p:nvSpPr>
         <p:spPr>
           <a:xfrm>
-            <a:off x="542290" y="2848928"/>
+            <a:off x="622935" y="2447608"/>
             <a:ext cx="7918450" cy="337185"/>
           </a:xfrm>
           <a:prstGeom prst="rect">
@@ -10093,45 +10777,34 @@
               <a:buChar char="u"/>
             </a:pPr>
             <a:r>
-              <a:rPr lang="zh-CN" sz="1600" u="sng" kern="0" dirty="0">
-                <a:solidFill>
-                  <a:srgbClr val="212121"/>
-                </a:solidFill>
-                <a:latin typeface="微软雅黑" panose="020B0503020204020204" charset="-122"/>
-                <a:ea typeface="微软雅黑" panose="020B0503020204020204" charset="-122"/>
-                <a:sym typeface="+mn-ea"/>
-              </a:rPr>
-              <a:t>未赋值</a:t>
-            </a:r>
-            <a:r>
-              <a:rPr lang="en-US" altLang="zh-CN" sz="1600" u="sng" kern="0" dirty="0">
-                <a:solidFill>
-                  <a:srgbClr val="212121"/>
-                </a:solidFill>
-                <a:latin typeface="微软雅黑" panose="020B0503020204020204" charset="-122"/>
-                <a:ea typeface="微软雅黑" panose="020B0503020204020204" charset="-122"/>
-                <a:sym typeface="+mn-ea"/>
-              </a:rPr>
-              <a:t> / </a:t>
-            </a:r>
-            <a:r>
-              <a:rPr lang="zh-CN" sz="1600" u="sng" kern="0" dirty="0">
-                <a:solidFill>
-                  <a:srgbClr val="212121"/>
-                </a:solidFill>
-                <a:latin typeface="微软雅黑" panose="020B0503020204020204" charset="-122"/>
-                <a:ea typeface="微软雅黑" panose="020B0503020204020204" charset="-122"/>
-                <a:sym typeface="+mn-ea"/>
-              </a:rPr>
-              <a:t>零值</a:t>
-            </a:r>
-            <a:endParaRPr lang="zh-CN" sz="1600" u="sng" kern="0" dirty="0">
+              <a:rPr lang="zh-CN" altLang="en-US" sz="1600" u="none" strike="noStrike" kern="1200" cap="none" spc="0" baseline="0" dirty="0">
+                <a:solidFill>
+                  <a:srgbClr val="474747"/>
+                </a:solidFill>
+                <a:latin typeface="微软雅黑" panose="020B0503020204020204" charset="-122"/>
+                <a:ea typeface="微软雅黑" panose="020B0503020204020204" charset="-122"/>
+                <a:cs typeface="微软雅黑" panose="020B0503020204020204" charset="-122"/>
+              </a:rPr>
+              <a:t>浮点数</a:t>
+            </a:r>
+            <a:r>
+              <a:rPr lang="en-US" altLang="zh-CN" sz="1600" u="none" strike="noStrike" kern="1200" cap="none" spc="0" baseline="0" dirty="0">
+                <a:solidFill>
+                  <a:srgbClr val="474747"/>
+                </a:solidFill>
+                <a:latin typeface="微软雅黑" panose="020B0503020204020204" charset="-122"/>
+                <a:ea typeface="微软雅黑" panose="020B0503020204020204" charset="-122"/>
+                <a:cs typeface="微软雅黑" panose="020B0503020204020204" charset="-122"/>
+              </a:rPr>
+              <a:t>(float32 / float64)</a:t>
+            </a:r>
+            <a:endParaRPr lang="en-US" altLang="zh-CN" sz="1600" u="none" strike="noStrike" kern="1200" cap="none" spc="0" baseline="0" dirty="0">
               <a:solidFill>
-                <a:srgbClr val="212121"/>
+                <a:srgbClr val="474747"/>
               </a:solidFill>
               <a:latin typeface="微软雅黑" panose="020B0503020204020204" charset="-122"/>
               <a:ea typeface="微软雅黑" panose="020B0503020204020204" charset="-122"/>
-              <a:sym typeface="+mn-ea"/>
+              <a:cs typeface="微软雅黑" panose="020B0503020204020204" charset="-122"/>
             </a:endParaRPr>
           </a:p>
         </p:txBody>
@@ -10188,13 +10861,13 @@
       </p:sp>
       <p:sp>
         <p:nvSpPr>
-          <p:cNvPr id="4" name="矩形"/>
+          <p:cNvPr id="2" name="矩形"/>
           <p:cNvSpPr/>
           <p:nvPr/>
         </p:nvSpPr>
         <p:spPr>
           <a:xfrm>
-            <a:off x="542290" y="3433128"/>
+            <a:off x="622935" y="4202748"/>
             <a:ext cx="7918450" cy="337185"/>
           </a:xfrm>
           <a:prstGeom prst="rect">
@@ -10217,22 +10890,24 @@
               <a:buChar char="u"/>
             </a:pPr>
             <a:r>
-              <a:rPr lang="zh-CN" sz="1600" u="sng" kern="0" dirty="0">
-                <a:solidFill>
-                  <a:srgbClr val="212121"/>
-                </a:solidFill>
-                <a:latin typeface="微软雅黑" panose="020B0503020204020204" charset="-122"/>
-                <a:ea typeface="微软雅黑" panose="020B0503020204020204" charset="-122"/>
+              <a:rPr lang="en-US" altLang="zh-CN" sz="1600" dirty="0">
+                <a:solidFill>
+                  <a:srgbClr val="474747"/>
+                </a:solidFill>
+                <a:latin typeface="微软雅黑" panose="020B0503020204020204" charset="-122"/>
+                <a:ea typeface="微软雅黑" panose="020B0503020204020204" charset="-122"/>
+                <a:cs typeface="微软雅黑" panose="020B0503020204020204" charset="-122"/>
                 <a:sym typeface="+mn-ea"/>
               </a:rPr>
-              <a:t>例子程序</a:t>
-            </a:r>
-            <a:endParaRPr lang="zh-CN" sz="1600" u="sng" kern="0" dirty="0">
+              <a:t>byte / rune / uintptr</a:t>
+            </a:r>
+            <a:endParaRPr lang="en-US" altLang="zh-CN" sz="1600" dirty="0">
               <a:solidFill>
-                <a:srgbClr val="212121"/>
+                <a:srgbClr val="474747"/>
               </a:solidFill>
               <a:latin typeface="微软雅黑" panose="020B0503020204020204" charset="-122"/>
               <a:ea typeface="微软雅黑" panose="020B0503020204020204" charset="-122"/>
+              <a:cs typeface="微软雅黑" panose="020B0503020204020204" charset="-122"/>
               <a:sym typeface="+mn-ea"/>
             </a:endParaRPr>
           </a:p>
@@ -10240,13 +10915,74 @@
       </p:sp>
       <p:sp>
         <p:nvSpPr>
-          <p:cNvPr id="5" name="矩形"/>
+          <p:cNvPr id="3" name="文本框 2"/>
+          <p:cNvSpPr txBox="1"/>
+          <p:nvPr/>
+        </p:nvSpPr>
+        <p:spPr>
+          <a:xfrm>
+            <a:off x="622935" y="3325178"/>
+            <a:ext cx="6915150" cy="337185"/>
+          </a:xfrm>
+          <a:prstGeom prst="rect">
+            <a:avLst/>
+          </a:prstGeom>
+          <a:noFill/>
+        </p:spPr>
+        <p:txBody>
+          <a:bodyPr wrap="square" rtlCol="0" anchor="t">
+            <a:spAutoFit/>
+          </a:bodyPr>
+          <a:p>
+            <a:pPr marL="800100" lvl="1" indent="-342900" algn="l">
+              <a:buFont typeface="Wingdings" panose="05000000000000000000" pitchFamily="2" charset="2"/>
+              <a:buChar char="u"/>
+            </a:pPr>
+            <a:r>
+              <a:rPr lang="zh-CN" sz="1600" dirty="0">
+                <a:solidFill>
+                  <a:srgbClr val="474747"/>
+                </a:solidFill>
+                <a:latin typeface="微软雅黑" panose="020B0503020204020204" charset="-122"/>
+                <a:ea typeface="微软雅黑" panose="020B0503020204020204" charset="-122"/>
+                <a:cs typeface="微软雅黑" panose="020B0503020204020204" charset="-122"/>
+                <a:sym typeface="+mn-ea"/>
+              </a:rPr>
+              <a:t>布尔型</a:t>
+            </a:r>
+            <a:r>
+              <a:rPr lang="en-US" altLang="zh-CN" sz="1600" dirty="0">
+                <a:solidFill>
+                  <a:srgbClr val="474747"/>
+                </a:solidFill>
+                <a:latin typeface="微软雅黑" panose="020B0503020204020204" charset="-122"/>
+                <a:ea typeface="微软雅黑" panose="020B0503020204020204" charset="-122"/>
+                <a:cs typeface="微软雅黑" panose="020B0503020204020204" charset="-122"/>
+                <a:sym typeface="+mn-ea"/>
+              </a:rPr>
+              <a:t>  bool (true / false)</a:t>
+            </a:r>
+            <a:endParaRPr lang="en-US" altLang="zh-CN" sz="1600" dirty="0">
+              <a:solidFill>
+                <a:srgbClr val="474747"/>
+              </a:solidFill>
+              <a:latin typeface="微软雅黑" panose="020B0503020204020204" charset="-122"/>
+              <a:ea typeface="微软雅黑" panose="020B0503020204020204" charset="-122"/>
+              <a:cs typeface="微软雅黑" panose="020B0503020204020204" charset="-122"/>
+              <a:sym typeface="+mn-ea"/>
+            </a:endParaRPr>
+          </a:p>
+        </p:txBody>
+      </p:sp>
+      <p:sp>
+        <p:nvSpPr>
+          <p:cNvPr id="4" name="矩形"/>
           <p:cNvSpPr/>
           <p:nvPr/>
         </p:nvSpPr>
         <p:spPr>
           <a:xfrm>
-            <a:off x="542290" y="2264728"/>
+            <a:off x="622935" y="3763963"/>
             <a:ext cx="7918450" cy="337185"/>
           </a:xfrm>
           <a:prstGeom prst="rect">
@@ -10269,56 +11005,152 @@
               <a:buChar char="u"/>
             </a:pPr>
             <a:r>
-              <a:rPr lang="zh-CN" sz="1600" u="sng" kern="0" dirty="0">
-                <a:solidFill>
-                  <a:srgbClr val="212121"/>
-                </a:solidFill>
-                <a:latin typeface="微软雅黑" panose="020B0503020204020204" charset="-122"/>
-                <a:ea typeface="微软雅黑" panose="020B0503020204020204" charset="-122"/>
+              <a:rPr lang="zh-CN" sz="1600" dirty="0">
+                <a:solidFill>
+                  <a:srgbClr val="474747"/>
+                </a:solidFill>
+                <a:latin typeface="微软雅黑" panose="020B0503020204020204" charset="-122"/>
+                <a:ea typeface="微软雅黑" panose="020B0503020204020204" charset="-122"/>
+                <a:cs typeface="微软雅黑" panose="020B0503020204020204" charset="-122"/>
                 <a:sym typeface="+mn-ea"/>
               </a:rPr>
-              <a:t>声明 </a:t>
-            </a:r>
-            <a:r>
-              <a:rPr lang="en-US" altLang="zh-CN" sz="1600" u="sng" kern="0" dirty="0">
-                <a:solidFill>
-                  <a:srgbClr val="212121"/>
-                </a:solidFill>
-                <a:latin typeface="微软雅黑" panose="020B0503020204020204" charset="-122"/>
-                <a:ea typeface="微软雅黑" panose="020B0503020204020204" charset="-122"/>
-                <a:sym typeface="+mn-ea"/>
-              </a:rPr>
-              <a:t>/ </a:t>
-            </a:r>
-            <a:r>
-              <a:rPr lang="zh-CN" altLang="en-US" sz="1600" u="sng" kern="0" dirty="0">
-                <a:solidFill>
-                  <a:srgbClr val="212121"/>
-                </a:solidFill>
-                <a:latin typeface="微软雅黑" panose="020B0503020204020204" charset="-122"/>
-                <a:ea typeface="微软雅黑" panose="020B0503020204020204" charset="-122"/>
-                <a:sym typeface="+mn-ea"/>
-              </a:rPr>
-              <a:t>赋值 </a:t>
-            </a:r>
-            <a:r>
-              <a:rPr lang="en-US" altLang="zh-CN" sz="1600" u="sng" kern="0" dirty="0">
-                <a:solidFill>
-                  <a:srgbClr val="212121"/>
-                </a:solidFill>
-                <a:latin typeface="微软雅黑" panose="020B0503020204020204" charset="-122"/>
-                <a:ea typeface="微软雅黑" panose="020B0503020204020204" charset="-122"/>
-                <a:sym typeface="+mn-ea"/>
-              </a:rPr>
-              <a:t>/ 声明和赋值同时 / 分组声明 </a:t>
-            </a:r>
-            <a:endParaRPr lang="en-US" altLang="zh-CN" sz="1600" u="sng" kern="0" dirty="0">
+              <a:t>字符串 string</a:t>
+            </a:r>
+            <a:endParaRPr lang="zh-CN" sz="1600" dirty="0">
               <a:solidFill>
-                <a:srgbClr val="212121"/>
+                <a:srgbClr val="474747"/>
               </a:solidFill>
               <a:latin typeface="微软雅黑" panose="020B0503020204020204" charset="-122"/>
               <a:ea typeface="微软雅黑" panose="020B0503020204020204" charset="-122"/>
+              <a:cs typeface="微软雅黑" panose="020B0503020204020204" charset="-122"/>
               <a:sym typeface="+mn-ea"/>
+            </a:endParaRPr>
+          </a:p>
+        </p:txBody>
+      </p:sp>
+      <p:sp>
+        <p:nvSpPr>
+          <p:cNvPr id="5" name="矩形"/>
+          <p:cNvSpPr/>
+          <p:nvPr/>
+        </p:nvSpPr>
+        <p:spPr>
+          <a:xfrm>
+            <a:off x="622935" y="2008823"/>
+            <a:ext cx="7918450" cy="337185"/>
+          </a:xfrm>
+          <a:prstGeom prst="rect">
+            <a:avLst/>
+          </a:prstGeom>
+          <a:noFill/>
+          <a:ln w="9525" cap="flat" cmpd="sng">
+            <a:noFill/>
+            <a:prstDash val="solid"/>
+            <a:miter/>
+          </a:ln>
+        </p:spPr>
+        <p:txBody>
+          <a:bodyPr vert="horz" wrap="square" lIns="91440" tIns="45720" rIns="91440" bIns="45720" anchor="ctr" anchorCtr="0">
+            <a:spAutoFit/>
+          </a:bodyPr>
+          <a:p>
+            <a:pPr marL="800100" lvl="1" indent="-342900" algn="l">
+              <a:buFont typeface="Wingdings" panose="05000000000000000000" pitchFamily="2" charset="2"/>
+              <a:buChar char="u"/>
+            </a:pPr>
+            <a:r>
+              <a:rPr lang="en-US" altLang="zh-CN" sz="1600" u="none" strike="noStrike" kern="1200" cap="none" spc="0" baseline="0" dirty="0">
+                <a:solidFill>
+                  <a:srgbClr val="474747"/>
+                </a:solidFill>
+                <a:latin typeface="微软雅黑" panose="020B0503020204020204" charset="-122"/>
+                <a:ea typeface="微软雅黑" panose="020B0503020204020204" charset="-122"/>
+                <a:cs typeface="微软雅黑" panose="020B0503020204020204" charset="-122"/>
+              </a:rPr>
+              <a:t>整</a:t>
+            </a:r>
+            <a:r>
+              <a:rPr lang="zh-CN" altLang="en-US" sz="1600" u="none" strike="noStrike" kern="1200" cap="none" spc="0" baseline="0" dirty="0">
+                <a:solidFill>
+                  <a:srgbClr val="474747"/>
+                </a:solidFill>
+                <a:latin typeface="微软雅黑" panose="020B0503020204020204" charset="-122"/>
+                <a:ea typeface="微软雅黑" panose="020B0503020204020204" charset="-122"/>
+                <a:cs typeface="微软雅黑" panose="020B0503020204020204" charset="-122"/>
+              </a:rPr>
+              <a:t>数</a:t>
+            </a:r>
+            <a:endParaRPr lang="en-US" altLang="zh-CN" sz="1600" u="none" strike="noStrike" kern="1200" cap="none" spc="0" baseline="0" dirty="0">
+              <a:solidFill>
+                <a:srgbClr val="474747"/>
+              </a:solidFill>
+              <a:latin typeface="微软雅黑" panose="020B0503020204020204" charset="-122"/>
+              <a:ea typeface="微软雅黑" panose="020B0503020204020204" charset="-122"/>
+              <a:cs typeface="微软雅黑" panose="020B0503020204020204" charset="-122"/>
+            </a:endParaRPr>
+          </a:p>
+        </p:txBody>
+      </p:sp>
+      <p:sp>
+        <p:nvSpPr>
+          <p:cNvPr id="6" name="矩形"/>
+          <p:cNvSpPr/>
+          <p:nvPr/>
+        </p:nvSpPr>
+        <p:spPr>
+          <a:xfrm>
+            <a:off x="622935" y="2886393"/>
+            <a:ext cx="7918450" cy="337185"/>
+          </a:xfrm>
+          <a:prstGeom prst="rect">
+            <a:avLst/>
+          </a:prstGeom>
+          <a:noFill/>
+          <a:ln w="9525" cap="flat" cmpd="sng">
+            <a:noFill/>
+            <a:prstDash val="solid"/>
+            <a:miter/>
+          </a:ln>
+        </p:spPr>
+        <p:txBody>
+          <a:bodyPr vert="horz" wrap="square" lIns="91440" tIns="45720" rIns="91440" bIns="45720" anchor="ctr" anchorCtr="0">
+            <a:spAutoFit/>
+          </a:bodyPr>
+          <a:lstStyle/>
+          <a:p>
+            <a:pPr marL="800100" lvl="1" indent="-342900" algn="l">
+              <a:buFont typeface="Wingdings" panose="05000000000000000000" pitchFamily="2" charset="2"/>
+              <a:buChar char="u"/>
+            </a:pPr>
+            <a:r>
+              <a:rPr lang="zh-CN" altLang="en-US" sz="1600" u="none" strike="noStrike" kern="1200" cap="none" spc="0" baseline="0" dirty="0">
+                <a:solidFill>
+                  <a:srgbClr val="474747"/>
+                </a:solidFill>
+                <a:latin typeface="微软雅黑" panose="020B0503020204020204" charset="-122"/>
+                <a:ea typeface="微软雅黑" panose="020B0503020204020204" charset="-122"/>
+                <a:cs typeface="微软雅黑" panose="020B0503020204020204" charset="-122"/>
+              </a:rPr>
+              <a:t>复数</a:t>
+            </a:r>
+            <a:r>
+              <a:rPr lang="en-US" altLang="zh-CN" sz="1600" u="none" strike="noStrike" kern="1200" cap="none" spc="0" baseline="0" dirty="0">
+                <a:solidFill>
+                  <a:srgbClr val="474747"/>
+                </a:solidFill>
+                <a:latin typeface="微软雅黑" panose="020B0503020204020204" charset="-122"/>
+                <a:ea typeface="微软雅黑" panose="020B0503020204020204" charset="-122"/>
+                <a:cs typeface="微软雅黑" panose="020B0503020204020204" charset="-122"/>
+              </a:rPr>
+              <a:t>(complex64 / complex128)</a:t>
+            </a:r>
+            <a:endParaRPr lang="en-US" altLang="zh-CN" sz="1600" u="none" strike="noStrike" kern="1200" cap="none" spc="0" baseline="0" dirty="0">
+              <a:solidFill>
+                <a:srgbClr val="474747"/>
+              </a:solidFill>
+              <a:latin typeface="微软雅黑" panose="020B0503020204020204" charset="-122"/>
+              <a:ea typeface="微软雅黑" panose="020B0503020204020204" charset="-122"/>
+              <a:cs typeface="微软雅黑" panose="020B0503020204020204" charset="-122"/>
             </a:endParaRPr>
           </a:p>
         </p:txBody>
@@ -10416,15 +11248,16 @@
               <a:t> </a:t>
             </a:r>
             <a:r>
-              <a:rPr lang="zh-CN" sz="2200" u="sng" strike="noStrike" kern="0" cap="none" spc="0" baseline="0" dirty="0">
-                <a:solidFill>
-                  <a:srgbClr val="212121"/>
-                </a:solidFill>
-                <a:latin typeface="微软雅黑" panose="020B0503020204020204" charset="-122"/>
-                <a:ea typeface="微软雅黑" panose="020B0503020204020204" charset="-122"/>
-                <a:cs typeface="Times New Roman" panose="02020603050405020304" charset="0"/>
-              </a:rPr>
-              <a:t>谢谢</a:t>
+              <a:rPr lang="en-US" altLang="zh-CN" sz="2200" kern="1200" dirty="0">
+                <a:sym typeface="+mn-ea"/>
+              </a:rPr>
+              <a:t>整</a:t>
+            </a:r>
+            <a:r>
+              <a:rPr lang="zh-CN" altLang="en-US" sz="2200" kern="1200" dirty="0">
+                <a:sym typeface="+mn-ea"/>
+              </a:rPr>
+              <a:t>数</a:t>
             </a:r>
             <a:endParaRPr lang="zh-CN" sz="2200" u="sng" strike="noStrike" kern="0" cap="none" spc="0" baseline="0" dirty="0">
               <a:solidFill>
@@ -10439,14 +11272,14 @@
       </p:sp>
       <p:sp>
         <p:nvSpPr>
-          <p:cNvPr id="15" name="矩形"/>
+          <p:cNvPr id="17" name="矩形"/>
           <p:cNvSpPr/>
           <p:nvPr/>
         </p:nvSpPr>
         <p:spPr>
           <a:xfrm>
-            <a:off x="542290" y="2243138"/>
-            <a:ext cx="7918450" cy="337185"/>
+            <a:off x="3340151" y="497054"/>
+            <a:ext cx="1448435" cy="553085"/>
           </a:xfrm>
           <a:prstGeom prst="rect">
             <a:avLst/>
@@ -10459,59 +11292,6 @@
           </a:ln>
         </p:spPr>
         <p:txBody>
-          <a:bodyPr vert="horz" wrap="square" lIns="91440" tIns="45720" rIns="91440" bIns="45720" anchor="ctr" anchorCtr="0">
-            <a:spAutoFit/>
-          </a:bodyPr>
-          <a:lstStyle/>
-          <a:p>
-            <a:pPr marL="800100" lvl="1" indent="-342900" algn="l">
-              <a:buFont typeface="Wingdings" panose="05000000000000000000" pitchFamily="2" charset="2"/>
-              <a:buChar char="u"/>
-            </a:pPr>
-            <a:r>
-              <a:rPr lang="zh-CN" sz="1600" u="none" strike="noStrike" kern="1200" cap="none" spc="0" baseline="0" dirty="0">
-                <a:solidFill>
-                  <a:srgbClr val="474747"/>
-                </a:solidFill>
-                <a:latin typeface="微软雅黑" panose="020B0503020204020204" charset="-122"/>
-                <a:ea typeface="微软雅黑" panose="020B0503020204020204" charset="-122"/>
-                <a:cs typeface="微软雅黑" panose="020B0503020204020204" charset="-122"/>
-              </a:rPr>
-              <a:t>谢谢</a:t>
-            </a:r>
-            <a:endParaRPr lang="zh-CN" sz="1600" u="none" strike="noStrike" kern="1200" cap="none" spc="0" baseline="0" dirty="0">
-              <a:solidFill>
-                <a:srgbClr val="474747"/>
-              </a:solidFill>
-              <a:latin typeface="微软雅黑" panose="020B0503020204020204" charset="-122"/>
-              <a:ea typeface="微软雅黑" panose="020B0503020204020204" charset="-122"/>
-              <a:cs typeface="微软雅黑" panose="020B0503020204020204" charset="-122"/>
-            </a:endParaRPr>
-          </a:p>
-        </p:txBody>
-      </p:sp>
-      <p:sp>
-        <p:nvSpPr>
-          <p:cNvPr id="17" name="矩形"/>
-          <p:cNvSpPr/>
-          <p:nvPr/>
-        </p:nvSpPr>
-        <p:spPr>
-          <a:xfrm>
-            <a:off x="3340151" y="497054"/>
-            <a:ext cx="1448435" cy="553085"/>
-          </a:xfrm>
-          <a:prstGeom prst="rect">
-            <a:avLst/>
-          </a:prstGeom>
-          <a:noFill/>
-          <a:ln w="9525" cap="flat" cmpd="sng">
-            <a:noFill/>
-            <a:prstDash val="solid"/>
-            <a:miter/>
-          </a:ln>
-        </p:spPr>
-        <p:txBody>
           <a:bodyPr vert="horz" wrap="none" lIns="91440" tIns="45720" rIns="91440" bIns="45720" anchor="t" anchorCtr="0">
             <a:spAutoFit/>
           </a:bodyPr>
@@ -10540,109 +11320,54 @@
           </a:p>
         </p:txBody>
       </p:sp>
-      <p:sp>
-        <p:nvSpPr>
-          <p:cNvPr id="2" name="矩形"/>
-          <p:cNvSpPr/>
+      <p:pic>
+        <p:nvPicPr>
+          <p:cNvPr id="4" name="图片 3"/>
+          <p:cNvPicPr>
+            <a:picLocks noChangeAspect="1"/>
+          </p:cNvPicPr>
           <p:nvPr/>
-        </p:nvSpPr>
-        <p:spPr>
-          <a:xfrm>
-            <a:off x="542290" y="3209608"/>
-            <a:ext cx="7918450" cy="337185"/>
+        </p:nvPicPr>
+        <p:blipFill>
+          <a:blip r:embed="rId1"/>
+          <a:stretch>
+            <a:fillRect/>
+          </a:stretch>
+        </p:blipFill>
+        <p:spPr>
+          <a:xfrm>
+            <a:off x="640715" y="1867535"/>
+            <a:ext cx="4711700" cy="1515110"/>
           </a:xfrm>
           <a:prstGeom prst="rect">
             <a:avLst/>
           </a:prstGeom>
-          <a:noFill/>
-          <a:ln w="9525" cap="flat" cmpd="sng">
-            <a:noFill/>
-            <a:prstDash val="solid"/>
-            <a:miter/>
-          </a:ln>
-        </p:spPr>
-        <p:txBody>
-          <a:bodyPr vert="horz" wrap="square" lIns="91440" tIns="45720" rIns="91440" bIns="45720" anchor="ctr" anchorCtr="0">
-            <a:spAutoFit/>
-          </a:bodyPr>
-          <a:p>
-            <a:pPr marL="800100" lvl="1" indent="-342900" algn="l">
-              <a:buFont typeface="Wingdings" panose="05000000000000000000" pitchFamily="2" charset="2"/>
-              <a:buChar char="u"/>
-            </a:pPr>
-            <a:r>
-              <a:rPr lang="zh-CN" sz="1600" dirty="0">
-                <a:solidFill>
-                  <a:srgbClr val="474747"/>
-                </a:solidFill>
-                <a:latin typeface="微软雅黑" panose="020B0503020204020204" charset="-122"/>
-                <a:ea typeface="微软雅黑" panose="020B0503020204020204" charset="-122"/>
-                <a:cs typeface="微软雅黑" panose="020B0503020204020204" charset="-122"/>
-                <a:sym typeface="+mn-ea"/>
-              </a:rPr>
-              <a:t>谢谢</a:t>
-            </a:r>
-            <a:endParaRPr lang="zh-CN" altLang="en-US" sz="1600" dirty="0">
-              <a:solidFill>
-                <a:srgbClr val="474747"/>
-              </a:solidFill>
-              <a:latin typeface="微软雅黑" panose="020B0503020204020204" charset="-122"/>
-              <a:ea typeface="微软雅黑" panose="020B0503020204020204" charset="-122"/>
-              <a:cs typeface="微软雅黑" panose="020B0503020204020204" charset="-122"/>
-              <a:sym typeface="Calibri" panose="020F0502020204030204" pitchFamily="34" charset="0"/>
-            </a:endParaRPr>
-          </a:p>
-        </p:txBody>
-      </p:sp>
-      <p:sp>
-        <p:nvSpPr>
-          <p:cNvPr id="3" name="文本框 2"/>
-          <p:cNvSpPr txBox="1"/>
+        </p:spPr>
+      </p:pic>
+      <p:pic>
+        <p:nvPicPr>
+          <p:cNvPr id="5" name="图片 4"/>
+          <p:cNvPicPr>
+            <a:picLocks noChangeAspect="1"/>
+          </p:cNvPicPr>
           <p:nvPr/>
-        </p:nvSpPr>
-        <p:spPr>
-          <a:xfrm>
-            <a:off x="542290" y="2726373"/>
-            <a:ext cx="6915150" cy="337185"/>
+        </p:nvPicPr>
+        <p:blipFill>
+          <a:blip r:embed="rId2"/>
+          <a:stretch>
+            <a:fillRect/>
+          </a:stretch>
+        </p:blipFill>
+        <p:spPr>
+          <a:xfrm>
+            <a:off x="5582920" y="1867535"/>
+            <a:ext cx="3167380" cy="2416175"/>
           </a:xfrm>
           <a:prstGeom prst="rect">
             <a:avLst/>
           </a:prstGeom>
-          <a:noFill/>
-        </p:spPr>
-        <p:txBody>
-          <a:bodyPr wrap="square" rtlCol="0" anchor="t">
-            <a:spAutoFit/>
-          </a:bodyPr>
-          <a:p>
-            <a:pPr marL="800100" lvl="1" indent="-342900" algn="l">
-              <a:buFont typeface="Wingdings" panose="05000000000000000000" pitchFamily="2" charset="2"/>
-              <a:buChar char="u"/>
-            </a:pPr>
-            <a:r>
-              <a:rPr lang="zh-CN" sz="1600" dirty="0">
-                <a:solidFill>
-                  <a:srgbClr val="474747"/>
-                </a:solidFill>
-                <a:latin typeface="微软雅黑" panose="020B0503020204020204" charset="-122"/>
-                <a:ea typeface="微软雅黑" panose="020B0503020204020204" charset="-122"/>
-                <a:cs typeface="微软雅黑" panose="020B0503020204020204" charset="-122"/>
-                <a:sym typeface="+mn-ea"/>
-              </a:rPr>
-              <a:t>谢谢</a:t>
-            </a:r>
-            <a:endParaRPr lang="en-US" altLang="zh-CN" sz="1600" dirty="0">
-              <a:solidFill>
-                <a:srgbClr val="474747"/>
-              </a:solidFill>
-              <a:latin typeface="微软雅黑" panose="020B0503020204020204" charset="-122"/>
-              <a:ea typeface="微软雅黑" panose="020B0503020204020204" charset="-122"/>
-              <a:cs typeface="微软雅黑" panose="020B0503020204020204" charset="-122"/>
-              <a:sym typeface="Calibri" panose="020F0502020204030204" pitchFamily="34" charset="0"/>
-            </a:endParaRPr>
-          </a:p>
-        </p:txBody>
-      </p:sp>
+        </p:spPr>
+      </p:pic>
     </p:spTree>
   </p:cSld>
   <p:clrMapOvr>
@@ -10736,7 +11461,7 @@
               <a:t> </a:t>
             </a:r>
             <a:r>
-              <a:rPr lang="zh-CN" sz="2200" u="sng" strike="noStrike" kern="0" cap="none" spc="0" baseline="0" dirty="0">
+              <a:rPr lang="zh-CN" altLang="zh-CN" sz="2200" u="none" strike="noStrike" kern="0" cap="none" spc="0" baseline="0" dirty="0">
                 <a:solidFill>
                   <a:srgbClr val="212121"/>
                 </a:solidFill>
@@ -10744,9 +11469,9 @@
                 <a:ea typeface="微软雅黑" panose="020B0503020204020204" charset="-122"/>
                 <a:cs typeface="Times New Roman" panose="02020603050405020304" charset="0"/>
               </a:rPr>
-              <a:t>谢谢</a:t>
-            </a:r>
-            <a:endParaRPr lang="zh-CN" sz="2200" u="sng" strike="noStrike" kern="0" cap="none" spc="0" baseline="0" dirty="0">
+              <a:t>例子程序</a:t>
+            </a:r>
+            <a:endParaRPr lang="zh-CN" altLang="zh-CN" sz="2200" u="none" strike="noStrike" kern="0" cap="none" spc="0" baseline="0" dirty="0">
               <a:solidFill>
                 <a:srgbClr val="212121"/>
               </a:solidFill>
@@ -10797,7 +11522,7 @@
                 <a:ea typeface="微软雅黑" panose="020B0503020204020204" charset="-122"/>
                 <a:cs typeface="微软雅黑" panose="020B0503020204020204" charset="-122"/>
               </a:rPr>
-              <a:t>谢谢</a:t>
+              <a:t>类型转换</a:t>
             </a:r>
             <a:endParaRPr lang="zh-CN" sz="1600" u="none" strike="noStrike" kern="1200" cap="none" spc="0" baseline="0" dirty="0">
               <a:solidFill>
@@ -10856,109 +11581,6 @@
               <a:latin typeface="微软雅黑" panose="020B0503020204020204" charset="-122"/>
               <a:ea typeface="微软雅黑" panose="020B0503020204020204" charset="-122"/>
               <a:cs typeface="微软雅黑" panose="020B0503020204020204" charset="-122"/>
-            </a:endParaRPr>
-          </a:p>
-        </p:txBody>
-      </p:sp>
-      <p:sp>
-        <p:nvSpPr>
-          <p:cNvPr id="2" name="矩形"/>
-          <p:cNvSpPr/>
-          <p:nvPr/>
-        </p:nvSpPr>
-        <p:spPr>
-          <a:xfrm>
-            <a:off x="542290" y="3209608"/>
-            <a:ext cx="7918450" cy="337185"/>
-          </a:xfrm>
-          <a:prstGeom prst="rect">
-            <a:avLst/>
-          </a:prstGeom>
-          <a:noFill/>
-          <a:ln w="9525" cap="flat" cmpd="sng">
-            <a:noFill/>
-            <a:prstDash val="solid"/>
-            <a:miter/>
-          </a:ln>
-        </p:spPr>
-        <p:txBody>
-          <a:bodyPr vert="horz" wrap="square" lIns="91440" tIns="45720" rIns="91440" bIns="45720" anchor="ctr" anchorCtr="0">
-            <a:spAutoFit/>
-          </a:bodyPr>
-          <a:p>
-            <a:pPr marL="800100" lvl="1" indent="-342900" algn="l">
-              <a:buFont typeface="Wingdings" panose="05000000000000000000" pitchFamily="2" charset="2"/>
-              <a:buChar char="u"/>
-            </a:pPr>
-            <a:r>
-              <a:rPr lang="zh-CN" sz="1600" dirty="0">
-                <a:solidFill>
-                  <a:srgbClr val="474747"/>
-                </a:solidFill>
-                <a:latin typeface="微软雅黑" panose="020B0503020204020204" charset="-122"/>
-                <a:ea typeface="微软雅黑" panose="020B0503020204020204" charset="-122"/>
-                <a:cs typeface="微软雅黑" panose="020B0503020204020204" charset="-122"/>
-                <a:sym typeface="+mn-ea"/>
-              </a:rPr>
-              <a:t>谢谢</a:t>
-            </a:r>
-            <a:endParaRPr lang="zh-CN" altLang="en-US" sz="1600" dirty="0">
-              <a:solidFill>
-                <a:srgbClr val="474747"/>
-              </a:solidFill>
-              <a:latin typeface="微软雅黑" panose="020B0503020204020204" charset="-122"/>
-              <a:ea typeface="微软雅黑" panose="020B0503020204020204" charset="-122"/>
-              <a:cs typeface="微软雅黑" panose="020B0503020204020204" charset="-122"/>
-              <a:sym typeface="Calibri" panose="020F0502020204030204" pitchFamily="34" charset="0"/>
-            </a:endParaRPr>
-          </a:p>
-        </p:txBody>
-      </p:sp>
-      <p:sp>
-        <p:nvSpPr>
-          <p:cNvPr id="3" name="文本框 2"/>
-          <p:cNvSpPr txBox="1"/>
-          <p:nvPr/>
-        </p:nvSpPr>
-        <p:spPr>
-          <a:xfrm>
-            <a:off x="542290" y="2726373"/>
-            <a:ext cx="6915150" cy="337185"/>
-          </a:xfrm>
-          <a:prstGeom prst="rect">
-            <a:avLst/>
-          </a:prstGeom>
-          <a:noFill/>
-        </p:spPr>
-        <p:txBody>
-          <a:bodyPr wrap="square" rtlCol="0" anchor="t">
-            <a:spAutoFit/>
-          </a:bodyPr>
-          <a:p>
-            <a:pPr marL="800100" lvl="1" indent="-342900" algn="l">
-              <a:buFont typeface="Wingdings" panose="05000000000000000000" pitchFamily="2" charset="2"/>
-              <a:buChar char="u"/>
-            </a:pPr>
-            <a:r>
-              <a:rPr lang="zh-CN" sz="1600" dirty="0">
-                <a:solidFill>
-                  <a:srgbClr val="474747"/>
-                </a:solidFill>
-                <a:latin typeface="微软雅黑" panose="020B0503020204020204" charset="-122"/>
-                <a:ea typeface="微软雅黑" panose="020B0503020204020204" charset="-122"/>
-                <a:cs typeface="微软雅黑" panose="020B0503020204020204" charset="-122"/>
-                <a:sym typeface="+mn-ea"/>
-              </a:rPr>
-              <a:t>谢谢</a:t>
-            </a:r>
-            <a:endParaRPr lang="en-US" altLang="zh-CN" sz="1600" dirty="0">
-              <a:solidFill>
-                <a:srgbClr val="474747"/>
-              </a:solidFill>
-              <a:latin typeface="微软雅黑" panose="020B0503020204020204" charset="-122"/>
-              <a:ea typeface="微软雅黑" panose="020B0503020204020204" charset="-122"/>
-              <a:cs typeface="微软雅黑" panose="020B0503020204020204" charset="-122"/>
-              <a:sym typeface="Calibri" panose="020F0502020204030204" pitchFamily="34" charset="0"/>
             </a:endParaRPr>
           </a:p>
         </p:txBody>
@@ -12032,6 +12654,1286 @@
 </file>
 
 <file path=ppt/slides/slide20.xml><?xml version="1.0" encoding="utf-8"?>
+<p:sld xmlns:a="http://schemas.openxmlformats.org/drawingml/2006/main" xmlns:r="http://schemas.openxmlformats.org/officeDocument/2006/relationships" xmlns:p="http://schemas.openxmlformats.org/presentationml/2006/main">
+  <p:cSld>
+    <p:bg>
+      <p:bgPr>
+        <a:solidFill>
+          <a:schemeClr val="bg1"/>
+        </a:solidFill>
+        <a:effectLst/>
+      </p:bgPr>
+    </p:bg>
+    <p:spTree>
+      <p:nvGrpSpPr>
+        <p:cNvPr id="1" name=""/>
+        <p:cNvGrpSpPr/>
+        <p:nvPr/>
+      </p:nvGrpSpPr>
+      <p:grpSpPr>
+        <a:xfrm>
+          <a:off x="0" y="0"/>
+          <a:ext cx="0" cy="0"/>
+          <a:chOff x="0" y="0"/>
+          <a:chExt cx="0" cy="0"/>
+        </a:xfrm>
+      </p:grpSpPr>
+      <p:sp>
+        <p:nvSpPr>
+          <p:cNvPr id="13" name="文本框"/>
+          <p:cNvSpPr>
+            <a:spLocks noGrp="1"/>
+          </p:cNvSpPr>
+          <p:nvPr>
+            <p:ph type="body" idx="1"/>
+          </p:nvPr>
+        </p:nvSpPr>
+        <p:spPr>
+          <a:xfrm>
+            <a:off x="467544" y="1275606"/>
+            <a:ext cx="8229600" cy="507999"/>
+          </a:xfrm>
+          <a:prstGeom prst="rect">
+            <a:avLst/>
+          </a:prstGeom>
+          <a:noFill/>
+          <a:ln w="9525" cap="flat" cmpd="sng">
+            <a:noFill/>
+            <a:prstDash val="solid"/>
+            <a:round/>
+          </a:ln>
+        </p:spPr>
+        <p:txBody>
+          <a:bodyPr vert="horz" wrap="square" lIns="91440" tIns="45720" rIns="91440" bIns="45720" anchor="ctr" anchorCtr="0"/>
+          <a:lstStyle/>
+          <a:p>
+            <a:pPr marL="0" indent="0" algn="l">
+              <a:lnSpc>
+                <a:spcPct val="100000"/>
+              </a:lnSpc>
+              <a:spcBef>
+                <a:spcPct val="20000"/>
+              </a:spcBef>
+              <a:spcAft>
+                <a:spcPts val="0"/>
+              </a:spcAft>
+              <a:buNone/>
+            </a:pPr>
+            <a:r>
+              <a:rPr lang="en-US" altLang="zh-CN" sz="2200" u="none" strike="noStrike" kern="0" cap="none" spc="0" baseline="0" dirty="0">
+                <a:solidFill>
+                  <a:srgbClr val="212121"/>
+                </a:solidFill>
+                <a:latin typeface="微软雅黑" panose="020B0503020204020204" charset="-122"/>
+                <a:ea typeface="微软雅黑" panose="020B0503020204020204" charset="-122"/>
+                <a:cs typeface="Times New Roman" panose="02020603050405020304" charset="0"/>
+              </a:rPr>
+              <a:t> </a:t>
+            </a:r>
+            <a:r>
+              <a:rPr lang="zh-CN" sz="2200" u="sng" strike="noStrike" kern="0" cap="none" spc="0" baseline="0" dirty="0">
+                <a:solidFill>
+                  <a:srgbClr val="212121"/>
+                </a:solidFill>
+                <a:latin typeface="微软雅黑" panose="020B0503020204020204" charset="-122"/>
+                <a:ea typeface="微软雅黑" panose="020B0503020204020204" charset="-122"/>
+                <a:cs typeface="Times New Roman" panose="02020603050405020304" charset="0"/>
+              </a:rPr>
+              <a:t>谢谢</a:t>
+            </a:r>
+            <a:endParaRPr lang="zh-CN" sz="2200" u="sng" strike="noStrike" kern="0" cap="none" spc="0" baseline="0" dirty="0">
+              <a:solidFill>
+                <a:srgbClr val="212121"/>
+              </a:solidFill>
+              <a:latin typeface="微软雅黑" panose="020B0503020204020204" charset="-122"/>
+              <a:ea typeface="微软雅黑" panose="020B0503020204020204" charset="-122"/>
+              <a:cs typeface="Times New Roman" panose="02020603050405020304" charset="0"/>
+            </a:endParaRPr>
+          </a:p>
+        </p:txBody>
+      </p:sp>
+      <p:sp>
+        <p:nvSpPr>
+          <p:cNvPr id="15" name="矩形"/>
+          <p:cNvSpPr/>
+          <p:nvPr/>
+        </p:nvSpPr>
+        <p:spPr>
+          <a:xfrm>
+            <a:off x="542290" y="2243138"/>
+            <a:ext cx="7918450" cy="337185"/>
+          </a:xfrm>
+          <a:prstGeom prst="rect">
+            <a:avLst/>
+          </a:prstGeom>
+          <a:noFill/>
+          <a:ln w="9525" cap="flat" cmpd="sng">
+            <a:noFill/>
+            <a:prstDash val="solid"/>
+            <a:miter/>
+          </a:ln>
+        </p:spPr>
+        <p:txBody>
+          <a:bodyPr vert="horz" wrap="square" lIns="91440" tIns="45720" rIns="91440" bIns="45720" anchor="ctr" anchorCtr="0">
+            <a:spAutoFit/>
+          </a:bodyPr>
+          <a:lstStyle/>
+          <a:p>
+            <a:pPr marL="800100" lvl="1" indent="-342900" algn="l">
+              <a:buFont typeface="Wingdings" panose="05000000000000000000" pitchFamily="2" charset="2"/>
+              <a:buChar char="u"/>
+            </a:pPr>
+            <a:r>
+              <a:rPr lang="zh-CN" sz="1600" u="none" strike="noStrike" kern="1200" cap="none" spc="0" baseline="0" dirty="0">
+                <a:solidFill>
+                  <a:srgbClr val="474747"/>
+                </a:solidFill>
+                <a:latin typeface="微软雅黑" panose="020B0503020204020204" charset="-122"/>
+                <a:ea typeface="微软雅黑" panose="020B0503020204020204" charset="-122"/>
+                <a:cs typeface="微软雅黑" panose="020B0503020204020204" charset="-122"/>
+              </a:rPr>
+              <a:t>谢谢</a:t>
+            </a:r>
+            <a:endParaRPr lang="zh-CN" sz="1600" u="none" strike="noStrike" kern="1200" cap="none" spc="0" baseline="0" dirty="0">
+              <a:solidFill>
+                <a:srgbClr val="474747"/>
+              </a:solidFill>
+              <a:latin typeface="微软雅黑" panose="020B0503020204020204" charset="-122"/>
+              <a:ea typeface="微软雅黑" panose="020B0503020204020204" charset="-122"/>
+              <a:cs typeface="微软雅黑" panose="020B0503020204020204" charset="-122"/>
+            </a:endParaRPr>
+          </a:p>
+        </p:txBody>
+      </p:sp>
+      <p:sp>
+        <p:nvSpPr>
+          <p:cNvPr id="17" name="矩形"/>
+          <p:cNvSpPr/>
+          <p:nvPr/>
+        </p:nvSpPr>
+        <p:spPr>
+          <a:xfrm>
+            <a:off x="3340151" y="497054"/>
+            <a:ext cx="1448435" cy="553085"/>
+          </a:xfrm>
+          <a:prstGeom prst="rect">
+            <a:avLst/>
+          </a:prstGeom>
+          <a:noFill/>
+          <a:ln w="9525" cap="flat" cmpd="sng">
+            <a:noFill/>
+            <a:prstDash val="solid"/>
+            <a:miter/>
+          </a:ln>
+        </p:spPr>
+        <p:txBody>
+          <a:bodyPr vert="horz" wrap="none" lIns="91440" tIns="45720" rIns="91440" bIns="45720" anchor="t" anchorCtr="0">
+            <a:spAutoFit/>
+          </a:bodyPr>
+          <a:lstStyle/>
+          <a:p>
+            <a:pPr algn="l"/>
+            <a:r>
+              <a:rPr lang="zh-CN" altLang="en-US" sz="3000" b="1" u="none" strike="noStrike" kern="0" cap="none" spc="0" baseline="0" dirty="0" err="1">
+                <a:solidFill>
+                  <a:srgbClr val="C9394A"/>
+                </a:solidFill>
+                <a:latin typeface="微软雅黑" panose="020B0503020204020204" charset="-122"/>
+                <a:ea typeface="微软雅黑" panose="020B0503020204020204" charset="-122"/>
+                <a:cs typeface="微软雅黑" panose="020B0503020204020204" charset="-122"/>
+              </a:rPr>
+              <a:t>go语言</a:t>
+            </a:r>
+            <a:endParaRPr lang="zh-CN" altLang="en-US" sz="3000" b="1" u="none" strike="noStrike" kern="0" cap="none" spc="0" baseline="0" dirty="0" err="1">
+              <a:solidFill>
+                <a:srgbClr val="C9394A"/>
+              </a:solidFill>
+              <a:latin typeface="微软雅黑" panose="020B0503020204020204" charset="-122"/>
+              <a:ea typeface="微软雅黑" panose="020B0503020204020204" charset="-122"/>
+              <a:cs typeface="微软雅黑" panose="020B0503020204020204" charset="-122"/>
+            </a:endParaRPr>
+          </a:p>
+        </p:txBody>
+      </p:sp>
+      <p:sp>
+        <p:nvSpPr>
+          <p:cNvPr id="2" name="矩形"/>
+          <p:cNvSpPr/>
+          <p:nvPr/>
+        </p:nvSpPr>
+        <p:spPr>
+          <a:xfrm>
+            <a:off x="542290" y="3209608"/>
+            <a:ext cx="7918450" cy="337185"/>
+          </a:xfrm>
+          <a:prstGeom prst="rect">
+            <a:avLst/>
+          </a:prstGeom>
+          <a:noFill/>
+          <a:ln w="9525" cap="flat" cmpd="sng">
+            <a:noFill/>
+            <a:prstDash val="solid"/>
+            <a:miter/>
+          </a:ln>
+        </p:spPr>
+        <p:txBody>
+          <a:bodyPr vert="horz" wrap="square" lIns="91440" tIns="45720" rIns="91440" bIns="45720" anchor="ctr" anchorCtr="0">
+            <a:spAutoFit/>
+          </a:bodyPr>
+          <a:p>
+            <a:pPr marL="800100" lvl="1" indent="-342900" algn="l">
+              <a:buFont typeface="Wingdings" panose="05000000000000000000" pitchFamily="2" charset="2"/>
+              <a:buChar char="u"/>
+            </a:pPr>
+            <a:r>
+              <a:rPr lang="zh-CN" sz="1600" dirty="0">
+                <a:solidFill>
+                  <a:srgbClr val="474747"/>
+                </a:solidFill>
+                <a:latin typeface="微软雅黑" panose="020B0503020204020204" charset="-122"/>
+                <a:ea typeface="微软雅黑" panose="020B0503020204020204" charset="-122"/>
+                <a:cs typeface="微软雅黑" panose="020B0503020204020204" charset="-122"/>
+                <a:sym typeface="+mn-ea"/>
+              </a:rPr>
+              <a:t>谢谢</a:t>
+            </a:r>
+            <a:endParaRPr lang="zh-CN" altLang="en-US" sz="1600" dirty="0">
+              <a:solidFill>
+                <a:srgbClr val="474747"/>
+              </a:solidFill>
+              <a:latin typeface="微软雅黑" panose="020B0503020204020204" charset="-122"/>
+              <a:ea typeface="微软雅黑" panose="020B0503020204020204" charset="-122"/>
+              <a:cs typeface="微软雅黑" panose="020B0503020204020204" charset="-122"/>
+              <a:sym typeface="Calibri" panose="020F0502020204030204" pitchFamily="34" charset="0"/>
+            </a:endParaRPr>
+          </a:p>
+        </p:txBody>
+      </p:sp>
+      <p:sp>
+        <p:nvSpPr>
+          <p:cNvPr id="3" name="文本框 2"/>
+          <p:cNvSpPr txBox="1"/>
+          <p:nvPr/>
+        </p:nvSpPr>
+        <p:spPr>
+          <a:xfrm>
+            <a:off x="542290" y="2726373"/>
+            <a:ext cx="6915150" cy="337185"/>
+          </a:xfrm>
+          <a:prstGeom prst="rect">
+            <a:avLst/>
+          </a:prstGeom>
+          <a:noFill/>
+        </p:spPr>
+        <p:txBody>
+          <a:bodyPr wrap="square" rtlCol="0" anchor="t">
+            <a:spAutoFit/>
+          </a:bodyPr>
+          <a:p>
+            <a:pPr marL="800100" lvl="1" indent="-342900" algn="l">
+              <a:buFont typeface="Wingdings" panose="05000000000000000000" pitchFamily="2" charset="2"/>
+              <a:buChar char="u"/>
+            </a:pPr>
+            <a:r>
+              <a:rPr lang="zh-CN" sz="1600" dirty="0">
+                <a:solidFill>
+                  <a:srgbClr val="474747"/>
+                </a:solidFill>
+                <a:latin typeface="微软雅黑" panose="020B0503020204020204" charset="-122"/>
+                <a:ea typeface="微软雅黑" panose="020B0503020204020204" charset="-122"/>
+                <a:cs typeface="微软雅黑" panose="020B0503020204020204" charset="-122"/>
+                <a:sym typeface="+mn-ea"/>
+              </a:rPr>
+              <a:t>谢谢</a:t>
+            </a:r>
+            <a:endParaRPr lang="en-US" altLang="zh-CN" sz="1600" dirty="0">
+              <a:solidFill>
+                <a:srgbClr val="474747"/>
+              </a:solidFill>
+              <a:latin typeface="微软雅黑" panose="020B0503020204020204" charset="-122"/>
+              <a:ea typeface="微软雅黑" panose="020B0503020204020204" charset="-122"/>
+              <a:cs typeface="微软雅黑" panose="020B0503020204020204" charset="-122"/>
+              <a:sym typeface="Calibri" panose="020F0502020204030204" pitchFamily="34" charset="0"/>
+            </a:endParaRPr>
+          </a:p>
+        </p:txBody>
+      </p:sp>
+    </p:spTree>
+  </p:cSld>
+  <p:clrMapOvr>
+    <a:masterClrMapping/>
+  </p:clrMapOvr>
+  <p:timing>
+    <p:tnLst>
+      <p:par>
+        <p:cTn id="1" dur="indefinite" restart="never" nodeType="tmRoot"/>
+      </p:par>
+    </p:tnLst>
+  </p:timing>
+</p:sld>
+</file>
+
+<file path=ppt/slides/slide21.xml><?xml version="1.0" encoding="utf-8"?>
+<p:sld xmlns:a="http://schemas.openxmlformats.org/drawingml/2006/main" xmlns:r="http://schemas.openxmlformats.org/officeDocument/2006/relationships" xmlns:p="http://schemas.openxmlformats.org/presentationml/2006/main">
+  <p:cSld>
+    <p:bg>
+      <p:bgPr>
+        <a:solidFill>
+          <a:schemeClr val="bg1"/>
+        </a:solidFill>
+        <a:effectLst/>
+      </p:bgPr>
+    </p:bg>
+    <p:spTree>
+      <p:nvGrpSpPr>
+        <p:cNvPr id="1" name=""/>
+        <p:cNvGrpSpPr/>
+        <p:nvPr/>
+      </p:nvGrpSpPr>
+      <p:grpSpPr>
+        <a:xfrm>
+          <a:off x="0" y="0"/>
+          <a:ext cx="0" cy="0"/>
+          <a:chOff x="0" y="0"/>
+          <a:chExt cx="0" cy="0"/>
+        </a:xfrm>
+      </p:grpSpPr>
+      <p:sp>
+        <p:nvSpPr>
+          <p:cNvPr id="13" name="文本框"/>
+          <p:cNvSpPr>
+            <a:spLocks noGrp="1"/>
+          </p:cNvSpPr>
+          <p:nvPr>
+            <p:ph type="body" idx="1"/>
+          </p:nvPr>
+        </p:nvSpPr>
+        <p:spPr>
+          <a:xfrm>
+            <a:off x="467544" y="1275606"/>
+            <a:ext cx="8229600" cy="507999"/>
+          </a:xfrm>
+          <a:prstGeom prst="rect">
+            <a:avLst/>
+          </a:prstGeom>
+          <a:noFill/>
+          <a:ln w="9525" cap="flat" cmpd="sng">
+            <a:noFill/>
+            <a:prstDash val="solid"/>
+            <a:round/>
+          </a:ln>
+        </p:spPr>
+        <p:txBody>
+          <a:bodyPr vert="horz" wrap="square" lIns="91440" tIns="45720" rIns="91440" bIns="45720" anchor="ctr" anchorCtr="0"/>
+          <a:lstStyle/>
+          <a:p>
+            <a:pPr marL="0" indent="0" algn="l">
+              <a:lnSpc>
+                <a:spcPct val="100000"/>
+              </a:lnSpc>
+              <a:spcBef>
+                <a:spcPct val="20000"/>
+              </a:spcBef>
+              <a:spcAft>
+                <a:spcPts val="0"/>
+              </a:spcAft>
+              <a:buNone/>
+            </a:pPr>
+            <a:r>
+              <a:rPr lang="en-US" altLang="zh-CN" sz="2200" u="none" strike="noStrike" kern="0" cap="none" spc="0" baseline="0" dirty="0">
+                <a:solidFill>
+                  <a:srgbClr val="212121"/>
+                </a:solidFill>
+                <a:latin typeface="微软雅黑" panose="020B0503020204020204" charset="-122"/>
+                <a:ea typeface="微软雅黑" panose="020B0503020204020204" charset="-122"/>
+                <a:cs typeface="Times New Roman" panose="02020603050405020304" charset="0"/>
+              </a:rPr>
+              <a:t> </a:t>
+            </a:r>
+            <a:r>
+              <a:rPr lang="zh-CN" sz="2200" u="sng" strike="noStrike" kern="0" cap="none" spc="0" baseline="0" dirty="0">
+                <a:solidFill>
+                  <a:srgbClr val="212121"/>
+                </a:solidFill>
+                <a:latin typeface="微软雅黑" panose="020B0503020204020204" charset="-122"/>
+                <a:ea typeface="微软雅黑" panose="020B0503020204020204" charset="-122"/>
+                <a:cs typeface="Times New Roman" panose="02020603050405020304" charset="0"/>
+              </a:rPr>
+              <a:t>谢谢</a:t>
+            </a:r>
+            <a:endParaRPr lang="zh-CN" sz="2200" u="sng" strike="noStrike" kern="0" cap="none" spc="0" baseline="0" dirty="0">
+              <a:solidFill>
+                <a:srgbClr val="212121"/>
+              </a:solidFill>
+              <a:latin typeface="微软雅黑" panose="020B0503020204020204" charset="-122"/>
+              <a:ea typeface="微软雅黑" panose="020B0503020204020204" charset="-122"/>
+              <a:cs typeface="Times New Roman" panose="02020603050405020304" charset="0"/>
+            </a:endParaRPr>
+          </a:p>
+        </p:txBody>
+      </p:sp>
+      <p:sp>
+        <p:nvSpPr>
+          <p:cNvPr id="15" name="矩形"/>
+          <p:cNvSpPr/>
+          <p:nvPr/>
+        </p:nvSpPr>
+        <p:spPr>
+          <a:xfrm>
+            <a:off x="542290" y="2243138"/>
+            <a:ext cx="7918450" cy="337185"/>
+          </a:xfrm>
+          <a:prstGeom prst="rect">
+            <a:avLst/>
+          </a:prstGeom>
+          <a:noFill/>
+          <a:ln w="9525" cap="flat" cmpd="sng">
+            <a:noFill/>
+            <a:prstDash val="solid"/>
+            <a:miter/>
+          </a:ln>
+        </p:spPr>
+        <p:txBody>
+          <a:bodyPr vert="horz" wrap="square" lIns="91440" tIns="45720" rIns="91440" bIns="45720" anchor="ctr" anchorCtr="0">
+            <a:spAutoFit/>
+          </a:bodyPr>
+          <a:lstStyle/>
+          <a:p>
+            <a:pPr marL="800100" lvl="1" indent="-342900" algn="l">
+              <a:buFont typeface="Wingdings" panose="05000000000000000000" pitchFamily="2" charset="2"/>
+              <a:buChar char="u"/>
+            </a:pPr>
+            <a:r>
+              <a:rPr lang="zh-CN" sz="1600" u="none" strike="noStrike" kern="1200" cap="none" spc="0" baseline="0" dirty="0">
+                <a:solidFill>
+                  <a:srgbClr val="474747"/>
+                </a:solidFill>
+                <a:latin typeface="微软雅黑" panose="020B0503020204020204" charset="-122"/>
+                <a:ea typeface="微软雅黑" panose="020B0503020204020204" charset="-122"/>
+                <a:cs typeface="微软雅黑" panose="020B0503020204020204" charset="-122"/>
+              </a:rPr>
+              <a:t>谢谢</a:t>
+            </a:r>
+            <a:endParaRPr lang="zh-CN" sz="1600" u="none" strike="noStrike" kern="1200" cap="none" spc="0" baseline="0" dirty="0">
+              <a:solidFill>
+                <a:srgbClr val="474747"/>
+              </a:solidFill>
+              <a:latin typeface="微软雅黑" panose="020B0503020204020204" charset="-122"/>
+              <a:ea typeface="微软雅黑" panose="020B0503020204020204" charset="-122"/>
+              <a:cs typeface="微软雅黑" panose="020B0503020204020204" charset="-122"/>
+            </a:endParaRPr>
+          </a:p>
+        </p:txBody>
+      </p:sp>
+      <p:sp>
+        <p:nvSpPr>
+          <p:cNvPr id="17" name="矩形"/>
+          <p:cNvSpPr/>
+          <p:nvPr/>
+        </p:nvSpPr>
+        <p:spPr>
+          <a:xfrm>
+            <a:off x="3340151" y="497054"/>
+            <a:ext cx="1448435" cy="553085"/>
+          </a:xfrm>
+          <a:prstGeom prst="rect">
+            <a:avLst/>
+          </a:prstGeom>
+          <a:noFill/>
+          <a:ln w="9525" cap="flat" cmpd="sng">
+            <a:noFill/>
+            <a:prstDash val="solid"/>
+            <a:miter/>
+          </a:ln>
+        </p:spPr>
+        <p:txBody>
+          <a:bodyPr vert="horz" wrap="none" lIns="91440" tIns="45720" rIns="91440" bIns="45720" anchor="t" anchorCtr="0">
+            <a:spAutoFit/>
+          </a:bodyPr>
+          <a:lstStyle/>
+          <a:p>
+            <a:pPr algn="l"/>
+            <a:r>
+              <a:rPr lang="zh-CN" altLang="en-US" sz="3000" b="1" u="none" strike="noStrike" kern="0" cap="none" spc="0" baseline="0" dirty="0" err="1">
+                <a:solidFill>
+                  <a:srgbClr val="C9394A"/>
+                </a:solidFill>
+                <a:latin typeface="微软雅黑" panose="020B0503020204020204" charset="-122"/>
+                <a:ea typeface="微软雅黑" panose="020B0503020204020204" charset="-122"/>
+                <a:cs typeface="微软雅黑" panose="020B0503020204020204" charset="-122"/>
+              </a:rPr>
+              <a:t>go语言</a:t>
+            </a:r>
+            <a:endParaRPr lang="zh-CN" altLang="en-US" sz="3000" b="1" u="none" strike="noStrike" kern="0" cap="none" spc="0" baseline="0" dirty="0" err="1">
+              <a:solidFill>
+                <a:srgbClr val="C9394A"/>
+              </a:solidFill>
+              <a:latin typeface="微软雅黑" panose="020B0503020204020204" charset="-122"/>
+              <a:ea typeface="微软雅黑" panose="020B0503020204020204" charset="-122"/>
+              <a:cs typeface="微软雅黑" panose="020B0503020204020204" charset="-122"/>
+            </a:endParaRPr>
+          </a:p>
+        </p:txBody>
+      </p:sp>
+      <p:sp>
+        <p:nvSpPr>
+          <p:cNvPr id="2" name="矩形"/>
+          <p:cNvSpPr/>
+          <p:nvPr/>
+        </p:nvSpPr>
+        <p:spPr>
+          <a:xfrm>
+            <a:off x="542290" y="3209608"/>
+            <a:ext cx="7918450" cy="337185"/>
+          </a:xfrm>
+          <a:prstGeom prst="rect">
+            <a:avLst/>
+          </a:prstGeom>
+          <a:noFill/>
+          <a:ln w="9525" cap="flat" cmpd="sng">
+            <a:noFill/>
+            <a:prstDash val="solid"/>
+            <a:miter/>
+          </a:ln>
+        </p:spPr>
+        <p:txBody>
+          <a:bodyPr vert="horz" wrap="square" lIns="91440" tIns="45720" rIns="91440" bIns="45720" anchor="ctr" anchorCtr="0">
+            <a:spAutoFit/>
+          </a:bodyPr>
+          <a:p>
+            <a:pPr marL="800100" lvl="1" indent="-342900" algn="l">
+              <a:buFont typeface="Wingdings" panose="05000000000000000000" pitchFamily="2" charset="2"/>
+              <a:buChar char="u"/>
+            </a:pPr>
+            <a:r>
+              <a:rPr lang="zh-CN" sz="1600" dirty="0">
+                <a:solidFill>
+                  <a:srgbClr val="474747"/>
+                </a:solidFill>
+                <a:latin typeface="微软雅黑" panose="020B0503020204020204" charset="-122"/>
+                <a:ea typeface="微软雅黑" panose="020B0503020204020204" charset="-122"/>
+                <a:cs typeface="微软雅黑" panose="020B0503020204020204" charset="-122"/>
+                <a:sym typeface="+mn-ea"/>
+              </a:rPr>
+              <a:t>谢谢</a:t>
+            </a:r>
+            <a:endParaRPr lang="zh-CN" altLang="en-US" sz="1600" dirty="0">
+              <a:solidFill>
+                <a:srgbClr val="474747"/>
+              </a:solidFill>
+              <a:latin typeface="微软雅黑" panose="020B0503020204020204" charset="-122"/>
+              <a:ea typeface="微软雅黑" panose="020B0503020204020204" charset="-122"/>
+              <a:cs typeface="微软雅黑" panose="020B0503020204020204" charset="-122"/>
+              <a:sym typeface="Calibri" panose="020F0502020204030204" pitchFamily="34" charset="0"/>
+            </a:endParaRPr>
+          </a:p>
+        </p:txBody>
+      </p:sp>
+      <p:sp>
+        <p:nvSpPr>
+          <p:cNvPr id="3" name="文本框 2"/>
+          <p:cNvSpPr txBox="1"/>
+          <p:nvPr/>
+        </p:nvSpPr>
+        <p:spPr>
+          <a:xfrm>
+            <a:off x="542290" y="2726373"/>
+            <a:ext cx="6915150" cy="337185"/>
+          </a:xfrm>
+          <a:prstGeom prst="rect">
+            <a:avLst/>
+          </a:prstGeom>
+          <a:noFill/>
+        </p:spPr>
+        <p:txBody>
+          <a:bodyPr wrap="square" rtlCol="0" anchor="t">
+            <a:spAutoFit/>
+          </a:bodyPr>
+          <a:p>
+            <a:pPr marL="800100" lvl="1" indent="-342900" algn="l">
+              <a:buFont typeface="Wingdings" panose="05000000000000000000" pitchFamily="2" charset="2"/>
+              <a:buChar char="u"/>
+            </a:pPr>
+            <a:r>
+              <a:rPr lang="zh-CN" sz="1600" dirty="0">
+                <a:solidFill>
+                  <a:srgbClr val="474747"/>
+                </a:solidFill>
+                <a:latin typeface="微软雅黑" panose="020B0503020204020204" charset="-122"/>
+                <a:ea typeface="微软雅黑" panose="020B0503020204020204" charset="-122"/>
+                <a:cs typeface="微软雅黑" panose="020B0503020204020204" charset="-122"/>
+                <a:sym typeface="+mn-ea"/>
+              </a:rPr>
+              <a:t>谢谢</a:t>
+            </a:r>
+            <a:endParaRPr lang="en-US" altLang="zh-CN" sz="1600" dirty="0">
+              <a:solidFill>
+                <a:srgbClr val="474747"/>
+              </a:solidFill>
+              <a:latin typeface="微软雅黑" panose="020B0503020204020204" charset="-122"/>
+              <a:ea typeface="微软雅黑" panose="020B0503020204020204" charset="-122"/>
+              <a:cs typeface="微软雅黑" panose="020B0503020204020204" charset="-122"/>
+              <a:sym typeface="Calibri" panose="020F0502020204030204" pitchFamily="34" charset="0"/>
+            </a:endParaRPr>
+          </a:p>
+        </p:txBody>
+      </p:sp>
+    </p:spTree>
+  </p:cSld>
+  <p:clrMapOvr>
+    <a:masterClrMapping/>
+  </p:clrMapOvr>
+  <p:timing>
+    <p:tnLst>
+      <p:par>
+        <p:cTn id="1" dur="indefinite" restart="never" nodeType="tmRoot"/>
+      </p:par>
+    </p:tnLst>
+  </p:timing>
+</p:sld>
+</file>
+
+<file path=ppt/slides/slide22.xml><?xml version="1.0" encoding="utf-8"?>
+<p:sld xmlns:a="http://schemas.openxmlformats.org/drawingml/2006/main" xmlns:r="http://schemas.openxmlformats.org/officeDocument/2006/relationships" xmlns:p="http://schemas.openxmlformats.org/presentationml/2006/main">
+  <p:cSld>
+    <p:bg>
+      <p:bgPr>
+        <a:solidFill>
+          <a:schemeClr val="bg1"/>
+        </a:solidFill>
+        <a:effectLst/>
+      </p:bgPr>
+    </p:bg>
+    <p:spTree>
+      <p:nvGrpSpPr>
+        <p:cNvPr id="1" name=""/>
+        <p:cNvGrpSpPr/>
+        <p:nvPr/>
+      </p:nvGrpSpPr>
+      <p:grpSpPr>
+        <a:xfrm>
+          <a:off x="0" y="0"/>
+          <a:ext cx="0" cy="0"/>
+          <a:chOff x="0" y="0"/>
+          <a:chExt cx="0" cy="0"/>
+        </a:xfrm>
+      </p:grpSpPr>
+      <p:sp>
+        <p:nvSpPr>
+          <p:cNvPr id="13" name="文本框"/>
+          <p:cNvSpPr>
+            <a:spLocks noGrp="1"/>
+          </p:cNvSpPr>
+          <p:nvPr>
+            <p:ph type="body" idx="1"/>
+          </p:nvPr>
+        </p:nvSpPr>
+        <p:spPr>
+          <a:xfrm>
+            <a:off x="467544" y="1275606"/>
+            <a:ext cx="8229600" cy="507999"/>
+          </a:xfrm>
+          <a:prstGeom prst="rect">
+            <a:avLst/>
+          </a:prstGeom>
+          <a:noFill/>
+          <a:ln w="9525" cap="flat" cmpd="sng">
+            <a:noFill/>
+            <a:prstDash val="solid"/>
+            <a:round/>
+          </a:ln>
+        </p:spPr>
+        <p:txBody>
+          <a:bodyPr vert="horz" wrap="square" lIns="91440" tIns="45720" rIns="91440" bIns="45720" anchor="ctr" anchorCtr="0"/>
+          <a:lstStyle/>
+          <a:p>
+            <a:pPr marL="0" indent="0" algn="l">
+              <a:lnSpc>
+                <a:spcPct val="100000"/>
+              </a:lnSpc>
+              <a:spcBef>
+                <a:spcPct val="20000"/>
+              </a:spcBef>
+              <a:spcAft>
+                <a:spcPts val="0"/>
+              </a:spcAft>
+              <a:buNone/>
+            </a:pPr>
+            <a:r>
+              <a:rPr lang="en-US" altLang="zh-CN" sz="2200" u="none" strike="noStrike" kern="0" cap="none" spc="0" baseline="0" dirty="0">
+                <a:solidFill>
+                  <a:srgbClr val="212121"/>
+                </a:solidFill>
+                <a:latin typeface="微软雅黑" panose="020B0503020204020204" charset="-122"/>
+                <a:ea typeface="微软雅黑" panose="020B0503020204020204" charset="-122"/>
+                <a:cs typeface="Times New Roman" panose="02020603050405020304" charset="0"/>
+              </a:rPr>
+              <a:t> </a:t>
+            </a:r>
+            <a:r>
+              <a:rPr lang="zh-CN" sz="2200" u="sng" strike="noStrike" kern="0" cap="none" spc="0" baseline="0" dirty="0">
+                <a:solidFill>
+                  <a:srgbClr val="212121"/>
+                </a:solidFill>
+                <a:latin typeface="微软雅黑" panose="020B0503020204020204" charset="-122"/>
+                <a:ea typeface="微软雅黑" panose="020B0503020204020204" charset="-122"/>
+                <a:cs typeface="Times New Roman" panose="02020603050405020304" charset="0"/>
+              </a:rPr>
+              <a:t>谢谢</a:t>
+            </a:r>
+            <a:endParaRPr lang="zh-CN" sz="2200" u="sng" strike="noStrike" kern="0" cap="none" spc="0" baseline="0" dirty="0">
+              <a:solidFill>
+                <a:srgbClr val="212121"/>
+              </a:solidFill>
+              <a:latin typeface="微软雅黑" panose="020B0503020204020204" charset="-122"/>
+              <a:ea typeface="微软雅黑" panose="020B0503020204020204" charset="-122"/>
+              <a:cs typeface="Times New Roman" panose="02020603050405020304" charset="0"/>
+            </a:endParaRPr>
+          </a:p>
+        </p:txBody>
+      </p:sp>
+      <p:sp>
+        <p:nvSpPr>
+          <p:cNvPr id="15" name="矩形"/>
+          <p:cNvSpPr/>
+          <p:nvPr/>
+        </p:nvSpPr>
+        <p:spPr>
+          <a:xfrm>
+            <a:off x="542290" y="2243138"/>
+            <a:ext cx="7918450" cy="337185"/>
+          </a:xfrm>
+          <a:prstGeom prst="rect">
+            <a:avLst/>
+          </a:prstGeom>
+          <a:noFill/>
+          <a:ln w="9525" cap="flat" cmpd="sng">
+            <a:noFill/>
+            <a:prstDash val="solid"/>
+            <a:miter/>
+          </a:ln>
+        </p:spPr>
+        <p:txBody>
+          <a:bodyPr vert="horz" wrap="square" lIns="91440" tIns="45720" rIns="91440" bIns="45720" anchor="ctr" anchorCtr="0">
+            <a:spAutoFit/>
+          </a:bodyPr>
+          <a:lstStyle/>
+          <a:p>
+            <a:pPr marL="800100" lvl="1" indent="-342900" algn="l">
+              <a:buFont typeface="Wingdings" panose="05000000000000000000" pitchFamily="2" charset="2"/>
+              <a:buChar char="u"/>
+            </a:pPr>
+            <a:r>
+              <a:rPr lang="zh-CN" sz="1600" u="none" strike="noStrike" kern="1200" cap="none" spc="0" baseline="0" dirty="0">
+                <a:solidFill>
+                  <a:srgbClr val="474747"/>
+                </a:solidFill>
+                <a:latin typeface="微软雅黑" panose="020B0503020204020204" charset="-122"/>
+                <a:ea typeface="微软雅黑" panose="020B0503020204020204" charset="-122"/>
+                <a:cs typeface="微软雅黑" panose="020B0503020204020204" charset="-122"/>
+              </a:rPr>
+              <a:t>谢谢</a:t>
+            </a:r>
+            <a:endParaRPr lang="zh-CN" sz="1600" u="none" strike="noStrike" kern="1200" cap="none" spc="0" baseline="0" dirty="0">
+              <a:solidFill>
+                <a:srgbClr val="474747"/>
+              </a:solidFill>
+              <a:latin typeface="微软雅黑" panose="020B0503020204020204" charset="-122"/>
+              <a:ea typeface="微软雅黑" panose="020B0503020204020204" charset="-122"/>
+              <a:cs typeface="微软雅黑" panose="020B0503020204020204" charset="-122"/>
+            </a:endParaRPr>
+          </a:p>
+        </p:txBody>
+      </p:sp>
+      <p:sp>
+        <p:nvSpPr>
+          <p:cNvPr id="17" name="矩形"/>
+          <p:cNvSpPr/>
+          <p:nvPr/>
+        </p:nvSpPr>
+        <p:spPr>
+          <a:xfrm>
+            <a:off x="3340151" y="497054"/>
+            <a:ext cx="1448435" cy="553085"/>
+          </a:xfrm>
+          <a:prstGeom prst="rect">
+            <a:avLst/>
+          </a:prstGeom>
+          <a:noFill/>
+          <a:ln w="9525" cap="flat" cmpd="sng">
+            <a:noFill/>
+            <a:prstDash val="solid"/>
+            <a:miter/>
+          </a:ln>
+        </p:spPr>
+        <p:txBody>
+          <a:bodyPr vert="horz" wrap="none" lIns="91440" tIns="45720" rIns="91440" bIns="45720" anchor="t" anchorCtr="0">
+            <a:spAutoFit/>
+          </a:bodyPr>
+          <a:lstStyle/>
+          <a:p>
+            <a:pPr algn="l"/>
+            <a:r>
+              <a:rPr lang="zh-CN" altLang="en-US" sz="3000" b="1" u="none" strike="noStrike" kern="0" cap="none" spc="0" baseline="0" dirty="0" err="1">
+                <a:solidFill>
+                  <a:srgbClr val="C9394A"/>
+                </a:solidFill>
+                <a:latin typeface="微软雅黑" panose="020B0503020204020204" charset="-122"/>
+                <a:ea typeface="微软雅黑" panose="020B0503020204020204" charset="-122"/>
+                <a:cs typeface="微软雅黑" panose="020B0503020204020204" charset="-122"/>
+              </a:rPr>
+              <a:t>go语言</a:t>
+            </a:r>
+            <a:endParaRPr lang="zh-CN" altLang="en-US" sz="3000" b="1" u="none" strike="noStrike" kern="0" cap="none" spc="0" baseline="0" dirty="0" err="1">
+              <a:solidFill>
+                <a:srgbClr val="C9394A"/>
+              </a:solidFill>
+              <a:latin typeface="微软雅黑" panose="020B0503020204020204" charset="-122"/>
+              <a:ea typeface="微软雅黑" panose="020B0503020204020204" charset="-122"/>
+              <a:cs typeface="微软雅黑" panose="020B0503020204020204" charset="-122"/>
+            </a:endParaRPr>
+          </a:p>
+        </p:txBody>
+      </p:sp>
+      <p:sp>
+        <p:nvSpPr>
+          <p:cNvPr id="2" name="矩形"/>
+          <p:cNvSpPr/>
+          <p:nvPr/>
+        </p:nvSpPr>
+        <p:spPr>
+          <a:xfrm>
+            <a:off x="542290" y="3209608"/>
+            <a:ext cx="7918450" cy="337185"/>
+          </a:xfrm>
+          <a:prstGeom prst="rect">
+            <a:avLst/>
+          </a:prstGeom>
+          <a:noFill/>
+          <a:ln w="9525" cap="flat" cmpd="sng">
+            <a:noFill/>
+            <a:prstDash val="solid"/>
+            <a:miter/>
+          </a:ln>
+        </p:spPr>
+        <p:txBody>
+          <a:bodyPr vert="horz" wrap="square" lIns="91440" tIns="45720" rIns="91440" bIns="45720" anchor="ctr" anchorCtr="0">
+            <a:spAutoFit/>
+          </a:bodyPr>
+          <a:p>
+            <a:pPr marL="800100" lvl="1" indent="-342900" algn="l">
+              <a:buFont typeface="Wingdings" panose="05000000000000000000" pitchFamily="2" charset="2"/>
+              <a:buChar char="u"/>
+            </a:pPr>
+            <a:r>
+              <a:rPr lang="zh-CN" sz="1600" dirty="0">
+                <a:solidFill>
+                  <a:srgbClr val="474747"/>
+                </a:solidFill>
+                <a:latin typeface="微软雅黑" panose="020B0503020204020204" charset="-122"/>
+                <a:ea typeface="微软雅黑" panose="020B0503020204020204" charset="-122"/>
+                <a:cs typeface="微软雅黑" panose="020B0503020204020204" charset="-122"/>
+                <a:sym typeface="+mn-ea"/>
+              </a:rPr>
+              <a:t>谢谢</a:t>
+            </a:r>
+            <a:endParaRPr lang="zh-CN" altLang="en-US" sz="1600" dirty="0">
+              <a:solidFill>
+                <a:srgbClr val="474747"/>
+              </a:solidFill>
+              <a:latin typeface="微软雅黑" panose="020B0503020204020204" charset="-122"/>
+              <a:ea typeface="微软雅黑" panose="020B0503020204020204" charset="-122"/>
+              <a:cs typeface="微软雅黑" panose="020B0503020204020204" charset="-122"/>
+              <a:sym typeface="Calibri" panose="020F0502020204030204" pitchFamily="34" charset="0"/>
+            </a:endParaRPr>
+          </a:p>
+        </p:txBody>
+      </p:sp>
+      <p:sp>
+        <p:nvSpPr>
+          <p:cNvPr id="3" name="文本框 2"/>
+          <p:cNvSpPr txBox="1"/>
+          <p:nvPr/>
+        </p:nvSpPr>
+        <p:spPr>
+          <a:xfrm>
+            <a:off x="542290" y="2726373"/>
+            <a:ext cx="6915150" cy="337185"/>
+          </a:xfrm>
+          <a:prstGeom prst="rect">
+            <a:avLst/>
+          </a:prstGeom>
+          <a:noFill/>
+        </p:spPr>
+        <p:txBody>
+          <a:bodyPr wrap="square" rtlCol="0" anchor="t">
+            <a:spAutoFit/>
+          </a:bodyPr>
+          <a:p>
+            <a:pPr marL="800100" lvl="1" indent="-342900" algn="l">
+              <a:buFont typeface="Wingdings" panose="05000000000000000000" pitchFamily="2" charset="2"/>
+              <a:buChar char="u"/>
+            </a:pPr>
+            <a:r>
+              <a:rPr lang="zh-CN" sz="1600" dirty="0">
+                <a:solidFill>
+                  <a:srgbClr val="474747"/>
+                </a:solidFill>
+                <a:latin typeface="微软雅黑" panose="020B0503020204020204" charset="-122"/>
+                <a:ea typeface="微软雅黑" panose="020B0503020204020204" charset="-122"/>
+                <a:cs typeface="微软雅黑" panose="020B0503020204020204" charset="-122"/>
+                <a:sym typeface="+mn-ea"/>
+              </a:rPr>
+              <a:t>谢谢</a:t>
+            </a:r>
+            <a:endParaRPr lang="en-US" altLang="zh-CN" sz="1600" dirty="0">
+              <a:solidFill>
+                <a:srgbClr val="474747"/>
+              </a:solidFill>
+              <a:latin typeface="微软雅黑" panose="020B0503020204020204" charset="-122"/>
+              <a:ea typeface="微软雅黑" panose="020B0503020204020204" charset="-122"/>
+              <a:cs typeface="微软雅黑" panose="020B0503020204020204" charset="-122"/>
+              <a:sym typeface="Calibri" panose="020F0502020204030204" pitchFamily="34" charset="0"/>
+            </a:endParaRPr>
+          </a:p>
+        </p:txBody>
+      </p:sp>
+    </p:spTree>
+  </p:cSld>
+  <p:clrMapOvr>
+    <a:masterClrMapping/>
+  </p:clrMapOvr>
+  <p:timing>
+    <p:tnLst>
+      <p:par>
+        <p:cTn id="1" dur="indefinite" restart="never" nodeType="tmRoot"/>
+      </p:par>
+    </p:tnLst>
+  </p:timing>
+</p:sld>
+</file>
+
+<file path=ppt/slides/slide23.xml><?xml version="1.0" encoding="utf-8"?>
+<p:sld xmlns:a="http://schemas.openxmlformats.org/drawingml/2006/main" xmlns:r="http://schemas.openxmlformats.org/officeDocument/2006/relationships" xmlns:p="http://schemas.openxmlformats.org/presentationml/2006/main">
+  <p:cSld>
+    <p:bg>
+      <p:bgPr>
+        <a:solidFill>
+          <a:schemeClr val="bg1"/>
+        </a:solidFill>
+        <a:effectLst/>
+      </p:bgPr>
+    </p:bg>
+    <p:spTree>
+      <p:nvGrpSpPr>
+        <p:cNvPr id="1" name=""/>
+        <p:cNvGrpSpPr/>
+        <p:nvPr/>
+      </p:nvGrpSpPr>
+      <p:grpSpPr>
+        <a:xfrm>
+          <a:off x="0" y="0"/>
+          <a:ext cx="0" cy="0"/>
+          <a:chOff x="0" y="0"/>
+          <a:chExt cx="0" cy="0"/>
+        </a:xfrm>
+      </p:grpSpPr>
+      <p:sp>
+        <p:nvSpPr>
+          <p:cNvPr id="13" name="文本框"/>
+          <p:cNvSpPr>
+            <a:spLocks noGrp="1"/>
+          </p:cNvSpPr>
+          <p:nvPr>
+            <p:ph type="body" idx="1"/>
+          </p:nvPr>
+        </p:nvSpPr>
+        <p:spPr>
+          <a:xfrm>
+            <a:off x="467544" y="1275606"/>
+            <a:ext cx="8229600" cy="507999"/>
+          </a:xfrm>
+          <a:prstGeom prst="rect">
+            <a:avLst/>
+          </a:prstGeom>
+          <a:noFill/>
+          <a:ln w="9525" cap="flat" cmpd="sng">
+            <a:noFill/>
+            <a:prstDash val="solid"/>
+            <a:round/>
+          </a:ln>
+        </p:spPr>
+        <p:txBody>
+          <a:bodyPr vert="horz" wrap="square" lIns="91440" tIns="45720" rIns="91440" bIns="45720" anchor="ctr" anchorCtr="0"/>
+          <a:lstStyle/>
+          <a:p>
+            <a:pPr marL="0" indent="0" algn="l">
+              <a:lnSpc>
+                <a:spcPct val="100000"/>
+              </a:lnSpc>
+              <a:spcBef>
+                <a:spcPct val="20000"/>
+              </a:spcBef>
+              <a:spcAft>
+                <a:spcPts val="0"/>
+              </a:spcAft>
+              <a:buNone/>
+            </a:pPr>
+            <a:r>
+              <a:rPr lang="en-US" altLang="zh-CN" sz="2200" u="none" strike="noStrike" kern="0" cap="none" spc="0" baseline="0" dirty="0">
+                <a:solidFill>
+                  <a:srgbClr val="212121"/>
+                </a:solidFill>
+                <a:latin typeface="微软雅黑" panose="020B0503020204020204" charset="-122"/>
+                <a:ea typeface="微软雅黑" panose="020B0503020204020204" charset="-122"/>
+                <a:cs typeface="Times New Roman" panose="02020603050405020304" charset="0"/>
+              </a:rPr>
+              <a:t> </a:t>
+            </a:r>
+            <a:r>
+              <a:rPr lang="zh-CN" sz="2200" u="sng" strike="noStrike" kern="0" cap="none" spc="0" baseline="0" dirty="0">
+                <a:solidFill>
+                  <a:srgbClr val="212121"/>
+                </a:solidFill>
+                <a:latin typeface="微软雅黑" panose="020B0503020204020204" charset="-122"/>
+                <a:ea typeface="微软雅黑" panose="020B0503020204020204" charset="-122"/>
+                <a:cs typeface="Times New Roman" panose="02020603050405020304" charset="0"/>
+              </a:rPr>
+              <a:t>谢谢</a:t>
+            </a:r>
+            <a:endParaRPr lang="zh-CN" sz="2200" u="sng" strike="noStrike" kern="0" cap="none" spc="0" baseline="0" dirty="0">
+              <a:solidFill>
+                <a:srgbClr val="212121"/>
+              </a:solidFill>
+              <a:latin typeface="微软雅黑" panose="020B0503020204020204" charset="-122"/>
+              <a:ea typeface="微软雅黑" panose="020B0503020204020204" charset="-122"/>
+              <a:cs typeface="Times New Roman" panose="02020603050405020304" charset="0"/>
+            </a:endParaRPr>
+          </a:p>
+        </p:txBody>
+      </p:sp>
+      <p:sp>
+        <p:nvSpPr>
+          <p:cNvPr id="15" name="矩形"/>
+          <p:cNvSpPr/>
+          <p:nvPr/>
+        </p:nvSpPr>
+        <p:spPr>
+          <a:xfrm>
+            <a:off x="542290" y="2243138"/>
+            <a:ext cx="7918450" cy="337185"/>
+          </a:xfrm>
+          <a:prstGeom prst="rect">
+            <a:avLst/>
+          </a:prstGeom>
+          <a:noFill/>
+          <a:ln w="9525" cap="flat" cmpd="sng">
+            <a:noFill/>
+            <a:prstDash val="solid"/>
+            <a:miter/>
+          </a:ln>
+        </p:spPr>
+        <p:txBody>
+          <a:bodyPr vert="horz" wrap="square" lIns="91440" tIns="45720" rIns="91440" bIns="45720" anchor="ctr" anchorCtr="0">
+            <a:spAutoFit/>
+          </a:bodyPr>
+          <a:lstStyle/>
+          <a:p>
+            <a:pPr marL="800100" lvl="1" indent="-342900" algn="l">
+              <a:buFont typeface="Wingdings" panose="05000000000000000000" pitchFamily="2" charset="2"/>
+              <a:buChar char="u"/>
+            </a:pPr>
+            <a:r>
+              <a:rPr lang="zh-CN" sz="1600" u="none" strike="noStrike" kern="1200" cap="none" spc="0" baseline="0" dirty="0">
+                <a:solidFill>
+                  <a:srgbClr val="474747"/>
+                </a:solidFill>
+                <a:latin typeface="微软雅黑" panose="020B0503020204020204" charset="-122"/>
+                <a:ea typeface="微软雅黑" panose="020B0503020204020204" charset="-122"/>
+                <a:cs typeface="微软雅黑" panose="020B0503020204020204" charset="-122"/>
+              </a:rPr>
+              <a:t>谢谢</a:t>
+            </a:r>
+            <a:endParaRPr lang="zh-CN" sz="1600" u="none" strike="noStrike" kern="1200" cap="none" spc="0" baseline="0" dirty="0">
+              <a:solidFill>
+                <a:srgbClr val="474747"/>
+              </a:solidFill>
+              <a:latin typeface="微软雅黑" panose="020B0503020204020204" charset="-122"/>
+              <a:ea typeface="微软雅黑" panose="020B0503020204020204" charset="-122"/>
+              <a:cs typeface="微软雅黑" panose="020B0503020204020204" charset="-122"/>
+            </a:endParaRPr>
+          </a:p>
+        </p:txBody>
+      </p:sp>
+      <p:sp>
+        <p:nvSpPr>
+          <p:cNvPr id="17" name="矩形"/>
+          <p:cNvSpPr/>
+          <p:nvPr/>
+        </p:nvSpPr>
+        <p:spPr>
+          <a:xfrm>
+            <a:off x="3340151" y="497054"/>
+            <a:ext cx="1448435" cy="553085"/>
+          </a:xfrm>
+          <a:prstGeom prst="rect">
+            <a:avLst/>
+          </a:prstGeom>
+          <a:noFill/>
+          <a:ln w="9525" cap="flat" cmpd="sng">
+            <a:noFill/>
+            <a:prstDash val="solid"/>
+            <a:miter/>
+          </a:ln>
+        </p:spPr>
+        <p:txBody>
+          <a:bodyPr vert="horz" wrap="none" lIns="91440" tIns="45720" rIns="91440" bIns="45720" anchor="t" anchorCtr="0">
+            <a:spAutoFit/>
+          </a:bodyPr>
+          <a:lstStyle/>
+          <a:p>
+            <a:pPr algn="l"/>
+            <a:r>
+              <a:rPr lang="zh-CN" altLang="en-US" sz="3000" b="1" u="none" strike="noStrike" kern="0" cap="none" spc="0" baseline="0" dirty="0" err="1">
+                <a:solidFill>
+                  <a:srgbClr val="C9394A"/>
+                </a:solidFill>
+                <a:latin typeface="微软雅黑" panose="020B0503020204020204" charset="-122"/>
+                <a:ea typeface="微软雅黑" panose="020B0503020204020204" charset="-122"/>
+                <a:cs typeface="微软雅黑" panose="020B0503020204020204" charset="-122"/>
+              </a:rPr>
+              <a:t>go语言</a:t>
+            </a:r>
+            <a:endParaRPr lang="zh-CN" altLang="en-US" sz="3000" b="1" u="none" strike="noStrike" kern="0" cap="none" spc="0" baseline="0" dirty="0" err="1">
+              <a:solidFill>
+                <a:srgbClr val="C9394A"/>
+              </a:solidFill>
+              <a:latin typeface="微软雅黑" panose="020B0503020204020204" charset="-122"/>
+              <a:ea typeface="微软雅黑" panose="020B0503020204020204" charset="-122"/>
+              <a:cs typeface="微软雅黑" panose="020B0503020204020204" charset="-122"/>
+            </a:endParaRPr>
+          </a:p>
+        </p:txBody>
+      </p:sp>
+      <p:sp>
+        <p:nvSpPr>
+          <p:cNvPr id="2" name="矩形"/>
+          <p:cNvSpPr/>
+          <p:nvPr/>
+        </p:nvSpPr>
+        <p:spPr>
+          <a:xfrm>
+            <a:off x="542290" y="3209608"/>
+            <a:ext cx="7918450" cy="337185"/>
+          </a:xfrm>
+          <a:prstGeom prst="rect">
+            <a:avLst/>
+          </a:prstGeom>
+          <a:noFill/>
+          <a:ln w="9525" cap="flat" cmpd="sng">
+            <a:noFill/>
+            <a:prstDash val="solid"/>
+            <a:miter/>
+          </a:ln>
+        </p:spPr>
+        <p:txBody>
+          <a:bodyPr vert="horz" wrap="square" lIns="91440" tIns="45720" rIns="91440" bIns="45720" anchor="ctr" anchorCtr="0">
+            <a:spAutoFit/>
+          </a:bodyPr>
+          <a:p>
+            <a:pPr marL="800100" lvl="1" indent="-342900" algn="l">
+              <a:buFont typeface="Wingdings" panose="05000000000000000000" pitchFamily="2" charset="2"/>
+              <a:buChar char="u"/>
+            </a:pPr>
+            <a:r>
+              <a:rPr lang="zh-CN" sz="1600" dirty="0">
+                <a:solidFill>
+                  <a:srgbClr val="474747"/>
+                </a:solidFill>
+                <a:latin typeface="微软雅黑" panose="020B0503020204020204" charset="-122"/>
+                <a:ea typeface="微软雅黑" panose="020B0503020204020204" charset="-122"/>
+                <a:cs typeface="微软雅黑" panose="020B0503020204020204" charset="-122"/>
+                <a:sym typeface="+mn-ea"/>
+              </a:rPr>
+              <a:t>谢谢</a:t>
+            </a:r>
+            <a:endParaRPr lang="zh-CN" altLang="en-US" sz="1600" dirty="0">
+              <a:solidFill>
+                <a:srgbClr val="474747"/>
+              </a:solidFill>
+              <a:latin typeface="微软雅黑" panose="020B0503020204020204" charset="-122"/>
+              <a:ea typeface="微软雅黑" panose="020B0503020204020204" charset="-122"/>
+              <a:cs typeface="微软雅黑" panose="020B0503020204020204" charset="-122"/>
+              <a:sym typeface="Calibri" panose="020F0502020204030204" pitchFamily="34" charset="0"/>
+            </a:endParaRPr>
+          </a:p>
+        </p:txBody>
+      </p:sp>
+      <p:sp>
+        <p:nvSpPr>
+          <p:cNvPr id="3" name="文本框 2"/>
+          <p:cNvSpPr txBox="1"/>
+          <p:nvPr/>
+        </p:nvSpPr>
+        <p:spPr>
+          <a:xfrm>
+            <a:off x="542290" y="2726373"/>
+            <a:ext cx="6915150" cy="337185"/>
+          </a:xfrm>
+          <a:prstGeom prst="rect">
+            <a:avLst/>
+          </a:prstGeom>
+          <a:noFill/>
+        </p:spPr>
+        <p:txBody>
+          <a:bodyPr wrap="square" rtlCol="0" anchor="t">
+            <a:spAutoFit/>
+          </a:bodyPr>
+          <a:p>
+            <a:pPr marL="800100" lvl="1" indent="-342900" algn="l">
+              <a:buFont typeface="Wingdings" panose="05000000000000000000" pitchFamily="2" charset="2"/>
+              <a:buChar char="u"/>
+            </a:pPr>
+            <a:r>
+              <a:rPr lang="zh-CN" sz="1600" dirty="0">
+                <a:solidFill>
+                  <a:srgbClr val="474747"/>
+                </a:solidFill>
+                <a:latin typeface="微软雅黑" panose="020B0503020204020204" charset="-122"/>
+                <a:ea typeface="微软雅黑" panose="020B0503020204020204" charset="-122"/>
+                <a:cs typeface="微软雅黑" panose="020B0503020204020204" charset="-122"/>
+                <a:sym typeface="+mn-ea"/>
+              </a:rPr>
+              <a:t>谢谢</a:t>
+            </a:r>
+            <a:endParaRPr lang="en-US" altLang="zh-CN" sz="1600" dirty="0">
+              <a:solidFill>
+                <a:srgbClr val="474747"/>
+              </a:solidFill>
+              <a:latin typeface="微软雅黑" panose="020B0503020204020204" charset="-122"/>
+              <a:ea typeface="微软雅黑" panose="020B0503020204020204" charset="-122"/>
+              <a:cs typeface="微软雅黑" panose="020B0503020204020204" charset="-122"/>
+              <a:sym typeface="Calibri" panose="020F0502020204030204" pitchFamily="34" charset="0"/>
+            </a:endParaRPr>
+          </a:p>
+        </p:txBody>
+      </p:sp>
+    </p:spTree>
+  </p:cSld>
+  <p:clrMapOvr>
+    <a:masterClrMapping/>
+  </p:clrMapOvr>
+  <p:timing>
+    <p:tnLst>
+      <p:par>
+        <p:cTn id="1" dur="indefinite" restart="never" nodeType="tmRoot"/>
+      </p:par>
+    </p:tnLst>
+  </p:timing>
+</p:sld>
+</file>
+
+<file path=ppt/slides/slide24.xml><?xml version="1.0" encoding="utf-8"?>
 <p:sld xmlns:a="http://schemas.openxmlformats.org/drawingml/2006/main" xmlns:r="http://schemas.openxmlformats.org/officeDocument/2006/relationships" xmlns:p="http://schemas.openxmlformats.org/presentationml/2006/main">
   <p:cSld>
     <p:bg>

--- a/tuling/go语言_傻大猫.pptx
+++ b/tuling/go语言_傻大猫.pptx
@@ -10796,9 +10796,42 @@
                 <a:ea typeface="微软雅黑" panose="020B0503020204020204" charset="-122"/>
                 <a:cs typeface="微软雅黑" panose="020B0503020204020204" charset="-122"/>
               </a:rPr>
-              <a:t>(float32 / float64)</a:t>
-            </a:r>
-            <a:endParaRPr lang="en-US" altLang="zh-CN" sz="1600" u="none" strike="noStrike" kern="1200" cap="none" spc="0" baseline="0" dirty="0">
+              <a:t>(float32 / float64),</a:t>
+            </a:r>
+            <a:r>
+              <a:rPr lang="zh-CN" altLang="zh-CN" sz="1600" u="none" strike="noStrike" kern="1200" cap="none" spc="0" baseline="0" dirty="0">
+                <a:solidFill>
+                  <a:srgbClr val="474747"/>
+                </a:solidFill>
+                <a:latin typeface="微软雅黑" panose="020B0503020204020204" charset="-122"/>
+                <a:ea typeface="微软雅黑" panose="020B0503020204020204" charset="-122"/>
+                <a:cs typeface="微软雅黑" panose="020B0503020204020204" charset="-122"/>
+              </a:rPr>
+              <a:t>不连续的</a:t>
+            </a:r>
+            <a:r>
+              <a:rPr lang="en-US" altLang="zh-CN" sz="1600" u="none" strike="noStrike" kern="1200" cap="none" spc="0" baseline="0" dirty="0">
+                <a:solidFill>
+                  <a:srgbClr val="474747"/>
+                </a:solidFill>
+                <a:latin typeface="微软雅黑" panose="020B0503020204020204" charset="-122"/>
+                <a:ea typeface="微软雅黑" panose="020B0503020204020204" charset="-122"/>
+                <a:cs typeface="微软雅黑" panose="020B0503020204020204" charset="-122"/>
+              </a:rPr>
+              <a:t>,</a:t>
+            </a:r>
+            <a:r>
+              <a:rPr lang="zh-CN" altLang="zh-CN" sz="1600" u="none" strike="noStrike" kern="1200" cap="none" spc="0" baseline="0" dirty="0">
+                <a:solidFill>
+                  <a:srgbClr val="474747"/>
+                </a:solidFill>
+                <a:latin typeface="微软雅黑" panose="020B0503020204020204" charset="-122"/>
+                <a:ea typeface="微软雅黑" panose="020B0503020204020204" charset="-122"/>
+                <a:cs typeface="微软雅黑" panose="020B0503020204020204" charset="-122"/>
+              </a:rPr>
+              <a:t>近似的</a:t>
+            </a:r>
+            <a:endParaRPr lang="zh-CN" altLang="zh-CN" sz="1600" u="none" strike="noStrike" kern="1200" cap="none" spc="0" baseline="0" dirty="0">
               <a:solidFill>
                 <a:srgbClr val="474747"/>
               </a:solidFill>
@@ -11142,9 +11175,42 @@
                 <a:ea typeface="微软雅黑" panose="020B0503020204020204" charset="-122"/>
                 <a:cs typeface="微软雅黑" panose="020B0503020204020204" charset="-122"/>
               </a:rPr>
-              <a:t>(complex64 / complex128)</a:t>
-            </a:r>
-            <a:endParaRPr lang="en-US" altLang="zh-CN" sz="1600" u="none" strike="noStrike" kern="1200" cap="none" spc="0" baseline="0" dirty="0">
+              <a:t>(complex64 / complex128),</a:t>
+            </a:r>
+            <a:r>
+              <a:rPr lang="zh-CN" altLang="en-US" sz="1600" u="none" strike="noStrike" kern="1200" cap="none" spc="0" baseline="0" dirty="0">
+                <a:solidFill>
+                  <a:srgbClr val="474747"/>
+                </a:solidFill>
+                <a:latin typeface="微软雅黑" panose="020B0503020204020204" charset="-122"/>
+                <a:ea typeface="微软雅黑" panose="020B0503020204020204" charset="-122"/>
+                <a:cs typeface="微软雅黑" panose="020B0503020204020204" charset="-122"/>
+              </a:rPr>
+              <a:t>不连续的</a:t>
+            </a:r>
+            <a:r>
+              <a:rPr lang="en-US" altLang="zh-CN" sz="1600" u="none" strike="noStrike" kern="1200" cap="none" spc="0" baseline="0" dirty="0">
+                <a:solidFill>
+                  <a:srgbClr val="474747"/>
+                </a:solidFill>
+                <a:latin typeface="微软雅黑" panose="020B0503020204020204" charset="-122"/>
+                <a:ea typeface="微软雅黑" panose="020B0503020204020204" charset="-122"/>
+                <a:cs typeface="微软雅黑" panose="020B0503020204020204" charset="-122"/>
+              </a:rPr>
+              <a:t>,</a:t>
+            </a:r>
+            <a:r>
+              <a:rPr lang="zh-CN" altLang="en-US" sz="1600" u="none" strike="noStrike" kern="1200" cap="none" spc="0" baseline="0" dirty="0">
+                <a:solidFill>
+                  <a:srgbClr val="474747"/>
+                </a:solidFill>
+                <a:latin typeface="微软雅黑" panose="020B0503020204020204" charset="-122"/>
+                <a:ea typeface="微软雅黑" panose="020B0503020204020204" charset="-122"/>
+                <a:cs typeface="微软雅黑" panose="020B0503020204020204" charset="-122"/>
+              </a:rPr>
+              <a:t>近似的</a:t>
+            </a:r>
+            <a:endParaRPr lang="zh-CN" altLang="en-US" sz="1600" u="none" strike="noStrike" kern="1200" cap="none" spc="0" baseline="0" dirty="0">
               <a:solidFill>
                 <a:srgbClr val="474747"/>
               </a:solidFill>
@@ -11490,7 +11556,7 @@
         </p:nvSpPr>
         <p:spPr>
           <a:xfrm>
-            <a:off x="542290" y="2243138"/>
+            <a:off x="669290" y="3107373"/>
             <a:ext cx="7918450" cy="337185"/>
           </a:xfrm>
           <a:prstGeom prst="rect">
@@ -11522,7 +11588,7 @@
                 <a:ea typeface="微软雅黑" panose="020B0503020204020204" charset="-122"/>
                 <a:cs typeface="微软雅黑" panose="020B0503020204020204" charset="-122"/>
               </a:rPr>
-              <a:t>类型转换</a:t>
+              <a:t>两个变量交换</a:t>
             </a:r>
             <a:endParaRPr lang="zh-CN" sz="1600" u="none" strike="noStrike" kern="1200" cap="none" spc="0" baseline="0" dirty="0">
               <a:solidFill>
@@ -11577,6 +11643,58 @@
             <a:endParaRPr lang="zh-CN" altLang="en-US" sz="3000" b="1" u="none" strike="noStrike" kern="0" cap="none" spc="0" baseline="0" dirty="0" err="1">
               <a:solidFill>
                 <a:srgbClr val="C9394A"/>
+              </a:solidFill>
+              <a:latin typeface="微软雅黑" panose="020B0503020204020204" charset="-122"/>
+              <a:ea typeface="微软雅黑" panose="020B0503020204020204" charset="-122"/>
+              <a:cs typeface="微软雅黑" panose="020B0503020204020204" charset="-122"/>
+            </a:endParaRPr>
+          </a:p>
+        </p:txBody>
+      </p:sp>
+      <p:sp>
+        <p:nvSpPr>
+          <p:cNvPr id="2" name="矩形"/>
+          <p:cNvSpPr/>
+          <p:nvPr/>
+        </p:nvSpPr>
+        <p:spPr>
+          <a:xfrm>
+            <a:off x="669290" y="2370138"/>
+            <a:ext cx="7918450" cy="337185"/>
+          </a:xfrm>
+          <a:prstGeom prst="rect">
+            <a:avLst/>
+          </a:prstGeom>
+          <a:noFill/>
+          <a:ln w="9525" cap="flat" cmpd="sng">
+            <a:noFill/>
+            <a:prstDash val="solid"/>
+            <a:miter/>
+          </a:ln>
+        </p:spPr>
+        <p:txBody>
+          <a:bodyPr vert="horz" wrap="square" lIns="91440" tIns="45720" rIns="91440" bIns="45720" anchor="ctr" anchorCtr="0">
+            <a:spAutoFit/>
+          </a:bodyPr>
+          <a:p>
+            <a:pPr marL="800100" lvl="1" indent="-342900" algn="l">
+              <a:buFont typeface="Wingdings" panose="05000000000000000000" pitchFamily="2" charset="2"/>
+              <a:buChar char="u"/>
+            </a:pPr>
+            <a:r>
+              <a:rPr lang="zh-CN" sz="1600" u="none" strike="noStrike" kern="1200" cap="none" spc="0" baseline="0" dirty="0">
+                <a:solidFill>
+                  <a:srgbClr val="474747"/>
+                </a:solidFill>
+                <a:latin typeface="微软雅黑" panose="020B0503020204020204" charset="-122"/>
+                <a:ea typeface="微软雅黑" panose="020B0503020204020204" charset="-122"/>
+                <a:cs typeface="微软雅黑" panose="020B0503020204020204" charset="-122"/>
+              </a:rPr>
+              <a:t>类型转换</a:t>
+            </a:r>
+            <a:endParaRPr lang="zh-CN" sz="1600" u="none" strike="noStrike" kern="1200" cap="none" spc="0" baseline="0" dirty="0">
+              <a:solidFill>
+                <a:srgbClr val="474747"/>
               </a:solidFill>
               <a:latin typeface="微软雅黑" panose="020B0503020204020204" charset="-122"/>
               <a:ea typeface="微软雅黑" panose="020B0503020204020204" charset="-122"/>
@@ -12006,7 +12124,7 @@
                 <a:ea typeface="微软雅黑" panose="020B0503020204020204" charset="-122"/>
                 <a:cs typeface="Times New Roman" panose="02020603050405020304" charset="0"/>
               </a:rPr>
-              <a:t>谢谢</a:t>
+              <a:t>常量的定义</a:t>
             </a:r>
             <a:endParaRPr lang="zh-CN" sz="2200" u="sng" strike="noStrike" kern="0" cap="none" spc="0" baseline="0" dirty="0">
               <a:solidFill>
@@ -12059,9 +12177,9 @@
                 <a:ea typeface="微软雅黑" panose="020B0503020204020204" charset="-122"/>
                 <a:cs typeface="微软雅黑" panose="020B0503020204020204" charset="-122"/>
               </a:rPr>
-              <a:t>谢谢</a:t>
-            </a:r>
-            <a:endParaRPr lang="zh-CN" sz="1600" u="none" strike="noStrike" kern="1200" cap="none" spc="0" baseline="0" dirty="0">
+              <a:t>不设类型的时候</a:t>
+            </a:r>
+            <a:endParaRPr lang="en-US" altLang="zh-CN" sz="1600" u="none" strike="noStrike" kern="1200" cap="none" spc="0" baseline="0" dirty="0">
               <a:solidFill>
                 <a:srgbClr val="474747"/>
               </a:solidFill>
@@ -12153,7 +12271,7 @@
               <a:buChar char="u"/>
             </a:pPr>
             <a:r>
-              <a:rPr lang="zh-CN" sz="1600" dirty="0">
+              <a:rPr lang="en-US" altLang="zh-CN" sz="1600" dirty="0">
                 <a:solidFill>
                   <a:srgbClr val="474747"/>
                 </a:solidFill>
@@ -12162,56 +12280,7 @@
                 <a:cs typeface="微软雅黑" panose="020B0503020204020204" charset="-122"/>
                 <a:sym typeface="+mn-ea"/>
               </a:rPr>
-              <a:t>谢谢</a:t>
-            </a:r>
-            <a:endParaRPr lang="zh-CN" altLang="en-US" sz="1600" dirty="0">
-              <a:solidFill>
-                <a:srgbClr val="474747"/>
-              </a:solidFill>
-              <a:latin typeface="微软雅黑" panose="020B0503020204020204" charset="-122"/>
-              <a:ea typeface="微软雅黑" panose="020B0503020204020204" charset="-122"/>
-              <a:cs typeface="微软雅黑" panose="020B0503020204020204" charset="-122"/>
-              <a:sym typeface="Calibri" panose="020F0502020204030204" pitchFamily="34" charset="0"/>
-            </a:endParaRPr>
-          </a:p>
-        </p:txBody>
-      </p:sp>
-      <p:sp>
-        <p:nvSpPr>
-          <p:cNvPr id="3" name="文本框 2"/>
-          <p:cNvSpPr txBox="1"/>
-          <p:nvPr/>
-        </p:nvSpPr>
-        <p:spPr>
-          <a:xfrm>
-            <a:off x="542290" y="2726373"/>
-            <a:ext cx="6915150" cy="337185"/>
-          </a:xfrm>
-          <a:prstGeom prst="rect">
-            <a:avLst/>
-          </a:prstGeom>
-          <a:noFill/>
-        </p:spPr>
-        <p:txBody>
-          <a:bodyPr wrap="square" rtlCol="0" anchor="t">
-            <a:spAutoFit/>
-          </a:bodyPr>
-          <a:p>
-            <a:pPr marL="800100" lvl="1" indent="-342900" algn="l">
-              <a:buFont typeface="Wingdings" panose="05000000000000000000" pitchFamily="2" charset="2"/>
-              <a:buChar char="u"/>
-            </a:pPr>
-            <a:r>
-              <a:rPr lang="zh-CN" sz="1600" dirty="0">
-                <a:solidFill>
-                  <a:srgbClr val="474747"/>
-                </a:solidFill>
-                <a:latin typeface="微软雅黑" panose="020B0503020204020204" charset="-122"/>
-                <a:ea typeface="微软雅黑" panose="020B0503020204020204" charset="-122"/>
-                <a:cs typeface="微软雅黑" panose="020B0503020204020204" charset="-122"/>
-                <a:sym typeface="+mn-ea"/>
-              </a:rPr>
-              <a:t>谢谢</a:t>
+              <a:t>iota</a:t>
             </a:r>
             <a:endParaRPr lang="en-US" altLang="zh-CN" sz="1600" dirty="0">
               <a:solidFill>
@@ -12220,7 +12289,68 @@
               <a:latin typeface="微软雅黑" panose="020B0503020204020204" charset="-122"/>
               <a:ea typeface="微软雅黑" panose="020B0503020204020204" charset="-122"/>
               <a:cs typeface="微软雅黑" panose="020B0503020204020204" charset="-122"/>
-              <a:sym typeface="Calibri" panose="020F0502020204030204" pitchFamily="34" charset="0"/>
+              <a:sym typeface="+mn-ea"/>
+            </a:endParaRPr>
+          </a:p>
+        </p:txBody>
+      </p:sp>
+      <p:sp>
+        <p:nvSpPr>
+          <p:cNvPr id="3" name="文本框 2"/>
+          <p:cNvSpPr txBox="1"/>
+          <p:nvPr/>
+        </p:nvSpPr>
+        <p:spPr>
+          <a:xfrm>
+            <a:off x="542290" y="2726373"/>
+            <a:ext cx="6915150" cy="337185"/>
+          </a:xfrm>
+          <a:prstGeom prst="rect">
+            <a:avLst/>
+          </a:prstGeom>
+          <a:noFill/>
+        </p:spPr>
+        <p:txBody>
+          <a:bodyPr wrap="square" rtlCol="0" anchor="t">
+            <a:spAutoFit/>
+          </a:bodyPr>
+          <a:p>
+            <a:pPr marL="800100" lvl="1" indent="-342900" algn="l">
+              <a:buFont typeface="Wingdings" panose="05000000000000000000" pitchFamily="2" charset="2"/>
+              <a:buChar char="u"/>
+            </a:pPr>
+            <a:r>
+              <a:rPr lang="zh-CN" sz="1600" dirty="0">
+                <a:solidFill>
+                  <a:srgbClr val="474747"/>
+                </a:solidFill>
+                <a:latin typeface="微软雅黑" panose="020B0503020204020204" charset="-122"/>
+                <a:ea typeface="微软雅黑" panose="020B0503020204020204" charset="-122"/>
+                <a:cs typeface="微软雅黑" panose="020B0503020204020204" charset="-122"/>
+                <a:sym typeface="+mn-ea"/>
+              </a:rPr>
+              <a:t>名称</a:t>
+            </a:r>
+            <a:r>
+              <a:rPr lang="zh-CN" sz="1600" dirty="0">
+                <a:solidFill>
+                  <a:srgbClr val="474747"/>
+                </a:solidFill>
+                <a:latin typeface="微软雅黑" panose="020B0503020204020204" charset="-122"/>
+                <a:ea typeface="微软雅黑" panose="020B0503020204020204" charset="-122"/>
+                <a:cs typeface="微软雅黑" panose="020B0503020204020204" charset="-122"/>
+                <a:sym typeface="+mn-ea"/>
+              </a:rPr>
+              <a:t>大小写</a:t>
+            </a:r>
+            <a:endParaRPr lang="zh-CN" sz="1600" dirty="0">
+              <a:solidFill>
+                <a:srgbClr val="474747"/>
+              </a:solidFill>
+              <a:latin typeface="微软雅黑" panose="020B0503020204020204" charset="-122"/>
+              <a:ea typeface="微软雅黑" panose="020B0503020204020204" charset="-122"/>
+              <a:cs typeface="微软雅黑" panose="020B0503020204020204" charset="-122"/>
+              <a:sym typeface="+mn-ea"/>
             </a:endParaRPr>
           </a:p>
         </p:txBody>

--- a/tuling/go语言_傻大猫.pptx
+++ b/tuling/go语言_傻大猫.pptx
@@ -10058,58 +10058,6 @@
       </p:sp>
       <p:sp>
         <p:nvSpPr>
-          <p:cNvPr id="4" name="矩形"/>
-          <p:cNvSpPr/>
-          <p:nvPr/>
-        </p:nvSpPr>
-        <p:spPr>
-          <a:xfrm>
-            <a:off x="612775" y="3611563"/>
-            <a:ext cx="7918450" cy="337185"/>
-          </a:xfrm>
-          <a:prstGeom prst="rect">
-            <a:avLst/>
-          </a:prstGeom>
-          <a:noFill/>
-          <a:ln w="9525" cap="flat" cmpd="sng">
-            <a:noFill/>
-            <a:prstDash val="solid"/>
-            <a:miter/>
-          </a:ln>
-        </p:spPr>
-        <p:txBody>
-          <a:bodyPr vert="horz" wrap="square" lIns="91440" tIns="45720" rIns="91440" bIns="45720" anchor="ctr" anchorCtr="0">
-            <a:spAutoFit/>
-          </a:bodyPr>
-          <a:p>
-            <a:pPr marL="800100" lvl="1" indent="-342900" algn="l">
-              <a:buFont typeface="Wingdings" panose="05000000000000000000" pitchFamily="2" charset="2"/>
-              <a:buChar char="u"/>
-            </a:pPr>
-            <a:r>
-              <a:rPr lang="zh-CN" sz="1600" kern="0" dirty="0">
-                <a:solidFill>
-                  <a:srgbClr val="212121"/>
-                </a:solidFill>
-                <a:latin typeface="微软雅黑" panose="020B0503020204020204" charset="-122"/>
-                <a:ea typeface="微软雅黑" panose="020B0503020204020204" charset="-122"/>
-                <a:sym typeface="+mn-ea"/>
-              </a:rPr>
-              <a:t>零值</a:t>
-            </a:r>
-            <a:endParaRPr lang="zh-CN" sz="1600" kern="0" dirty="0">
-              <a:solidFill>
-                <a:srgbClr val="212121"/>
-              </a:solidFill>
-              <a:latin typeface="微软雅黑" panose="020B0503020204020204" charset="-122"/>
-              <a:ea typeface="微软雅黑" panose="020B0503020204020204" charset="-122"/>
-              <a:sym typeface="+mn-ea"/>
-            </a:endParaRPr>
-          </a:p>
-        </p:txBody>
-      </p:sp>
-      <p:sp>
-        <p:nvSpPr>
           <p:cNvPr id="5" name="矩形"/>
           <p:cNvSpPr/>
           <p:nvPr/>
@@ -10732,7 +10680,7 @@
                 <a:ea typeface="微软雅黑" panose="020B0503020204020204" charset="-122"/>
                 <a:cs typeface="Times New Roman" panose="02020603050405020304" charset="0"/>
               </a:rPr>
-              <a:t>go语言基本数据类型</a:t>
+              <a:t>go语言数据类型</a:t>
             </a:r>
             <a:endParaRPr lang="zh-CN" sz="2200" u="sng" strike="noStrike" kern="0" cap="none" spc="0" baseline="0" dirty="0">
               <a:solidFill>
@@ -10747,14 +10695,14 @@
       </p:sp>
       <p:sp>
         <p:nvSpPr>
-          <p:cNvPr id="15" name="矩形"/>
+          <p:cNvPr id="17" name="矩形"/>
           <p:cNvSpPr/>
           <p:nvPr/>
         </p:nvSpPr>
         <p:spPr>
           <a:xfrm>
-            <a:off x="622935" y="2447608"/>
-            <a:ext cx="7918450" cy="337185"/>
+            <a:off x="3340151" y="497054"/>
+            <a:ext cx="1448435" cy="553085"/>
           </a:xfrm>
           <a:prstGeom prst="rect">
             <a:avLst/>
@@ -10767,73 +10715,26 @@
           </a:ln>
         </p:spPr>
         <p:txBody>
-          <a:bodyPr vert="horz" wrap="square" lIns="91440" tIns="45720" rIns="91440" bIns="45720" anchor="ctr" anchorCtr="0">
+          <a:bodyPr vert="horz" wrap="none" lIns="91440" tIns="45720" rIns="91440" bIns="45720" anchor="t" anchorCtr="0">
             <a:spAutoFit/>
           </a:bodyPr>
           <a:lstStyle/>
           <a:p>
-            <a:pPr marL="800100" lvl="1" indent="-342900" algn="l">
-              <a:buFont typeface="Wingdings" panose="05000000000000000000" pitchFamily="2" charset="2"/>
-              <a:buChar char="u"/>
-            </a:pPr>
-            <a:r>
-              <a:rPr lang="zh-CN" altLang="en-US" sz="1600" u="none" strike="noStrike" kern="1200" cap="none" spc="0" baseline="0" dirty="0">
-                <a:solidFill>
-                  <a:srgbClr val="474747"/>
+            <a:pPr algn="l"/>
+            <a:r>
+              <a:rPr lang="zh-CN" altLang="en-US" sz="3000" b="1" u="none" strike="noStrike" kern="0" cap="none" spc="0" baseline="0" dirty="0" err="1">
+                <a:solidFill>
+                  <a:srgbClr val="C9394A"/>
                 </a:solidFill>
                 <a:latin typeface="微软雅黑" panose="020B0503020204020204" charset="-122"/>
                 <a:ea typeface="微软雅黑" panose="020B0503020204020204" charset="-122"/>
                 <a:cs typeface="微软雅黑" panose="020B0503020204020204" charset="-122"/>
               </a:rPr>
-              <a:t>浮点数</a:t>
-            </a:r>
-            <a:r>
-              <a:rPr lang="en-US" altLang="zh-CN" sz="1600" u="none" strike="noStrike" kern="1200" cap="none" spc="0" baseline="0" dirty="0">
-                <a:solidFill>
-                  <a:srgbClr val="474747"/>
-                </a:solidFill>
-                <a:latin typeface="微软雅黑" panose="020B0503020204020204" charset="-122"/>
-                <a:ea typeface="微软雅黑" panose="020B0503020204020204" charset="-122"/>
-                <a:cs typeface="微软雅黑" panose="020B0503020204020204" charset="-122"/>
-              </a:rPr>
-              <a:t>(float32 / float64),</a:t>
-            </a:r>
-            <a:r>
-              <a:rPr lang="zh-CN" altLang="zh-CN" sz="1600" u="none" strike="noStrike" kern="1200" cap="none" spc="0" baseline="0" dirty="0">
-                <a:solidFill>
-                  <a:srgbClr val="474747"/>
-                </a:solidFill>
-                <a:latin typeface="微软雅黑" panose="020B0503020204020204" charset="-122"/>
-                <a:ea typeface="微软雅黑" panose="020B0503020204020204" charset="-122"/>
-                <a:cs typeface="微软雅黑" panose="020B0503020204020204" charset="-122"/>
-              </a:rPr>
-              <a:t>不连续的</a:t>
-            </a:r>
-            <a:r>
-              <a:rPr lang="en-US" altLang="zh-CN" sz="1600" u="none" strike="noStrike" kern="1200" cap="none" spc="0" baseline="0" dirty="0">
-                <a:solidFill>
-                  <a:srgbClr val="474747"/>
-                </a:solidFill>
-                <a:latin typeface="微软雅黑" panose="020B0503020204020204" charset="-122"/>
-                <a:ea typeface="微软雅黑" panose="020B0503020204020204" charset="-122"/>
-                <a:cs typeface="微软雅黑" panose="020B0503020204020204" charset="-122"/>
-              </a:rPr>
-              <a:t>,</a:t>
-            </a:r>
-            <a:r>
-              <a:rPr lang="zh-CN" altLang="zh-CN" sz="1600" u="none" strike="noStrike" kern="1200" cap="none" spc="0" baseline="0" dirty="0">
-                <a:solidFill>
-                  <a:srgbClr val="474747"/>
-                </a:solidFill>
-                <a:latin typeface="微软雅黑" panose="020B0503020204020204" charset="-122"/>
-                <a:ea typeface="微软雅黑" panose="020B0503020204020204" charset="-122"/>
-                <a:cs typeface="微软雅黑" panose="020B0503020204020204" charset="-122"/>
-              </a:rPr>
-              <a:t>近似的</a:t>
-            </a:r>
-            <a:endParaRPr lang="zh-CN" altLang="zh-CN" sz="1600" u="none" strike="noStrike" kern="1200" cap="none" spc="0" baseline="0" dirty="0">
+              <a:t>go语言</a:t>
+            </a:r>
+            <a:endParaRPr lang="zh-CN" altLang="en-US" sz="3000" b="1" u="none" strike="noStrike" kern="0" cap="none" spc="0" baseline="0" dirty="0" err="1">
               <a:solidFill>
-                <a:srgbClr val="474747"/>
+                <a:srgbClr val="C9394A"/>
               </a:solidFill>
               <a:latin typeface="微软雅黑" panose="020B0503020204020204" charset="-122"/>
               <a:ea typeface="微软雅黑" panose="020B0503020204020204" charset="-122"/>
@@ -10844,14 +10745,14 @@
       </p:sp>
       <p:sp>
         <p:nvSpPr>
-          <p:cNvPr id="17" name="矩形"/>
+          <p:cNvPr id="2" name="矩形"/>
           <p:cNvSpPr/>
           <p:nvPr/>
         </p:nvSpPr>
         <p:spPr>
           <a:xfrm>
-            <a:off x="3340151" y="497054"/>
-            <a:ext cx="1448435" cy="553085"/>
+            <a:off x="622935" y="3583623"/>
+            <a:ext cx="7918450" cy="337185"/>
           </a:xfrm>
           <a:prstGeom prst="rect">
             <a:avLst/>
@@ -10864,43 +10765,108 @@
           </a:ln>
         </p:spPr>
         <p:txBody>
-          <a:bodyPr vert="horz" wrap="none" lIns="91440" tIns="45720" rIns="91440" bIns="45720" anchor="t" anchorCtr="0">
+          <a:bodyPr vert="horz" wrap="square" lIns="91440" tIns="45720" rIns="91440" bIns="45720" anchor="ctr" anchorCtr="0">
             <a:spAutoFit/>
           </a:bodyPr>
-          <a:lstStyle/>
-          <a:p>
-            <a:pPr algn="l"/>
-            <a:r>
-              <a:rPr lang="zh-CN" altLang="en-US" sz="3000" b="1" u="none" strike="noStrike" kern="0" cap="none" spc="0" baseline="0" dirty="0" err="1">
-                <a:solidFill>
-                  <a:srgbClr val="C9394A"/>
+          <a:p>
+            <a:pPr marL="800100" lvl="1" indent="-342900" algn="l">
+              <a:buFont typeface="Wingdings" panose="05000000000000000000" pitchFamily="2" charset="2"/>
+              <a:buChar char="u"/>
+            </a:pPr>
+            <a:r>
+              <a:rPr lang="en-US" altLang="zh-CN" sz="1600" dirty="0">
+                <a:solidFill>
+                  <a:srgbClr val="474747"/>
                 </a:solidFill>
                 <a:latin typeface="微软雅黑" panose="020B0503020204020204" charset="-122"/>
                 <a:ea typeface="微软雅黑" panose="020B0503020204020204" charset="-122"/>
                 <a:cs typeface="微软雅黑" panose="020B0503020204020204" charset="-122"/>
-              </a:rPr>
-              <a:t>go语言</a:t>
-            </a:r>
-            <a:endParaRPr lang="zh-CN" altLang="en-US" sz="3000" b="1" u="none" strike="noStrike" kern="0" cap="none" spc="0" baseline="0" dirty="0" err="1">
+                <a:sym typeface="+mn-ea"/>
+              </a:rPr>
+              <a:t>byte / rune / uintptr</a:t>
+            </a:r>
+            <a:endParaRPr lang="en-US" altLang="zh-CN" sz="1600" dirty="0">
               <a:solidFill>
-                <a:srgbClr val="C9394A"/>
+                <a:srgbClr val="474747"/>
               </a:solidFill>
               <a:latin typeface="微软雅黑" panose="020B0503020204020204" charset="-122"/>
               <a:ea typeface="微软雅黑" panose="020B0503020204020204" charset="-122"/>
               <a:cs typeface="微软雅黑" panose="020B0503020204020204" charset="-122"/>
+              <a:sym typeface="+mn-ea"/>
             </a:endParaRPr>
           </a:p>
         </p:txBody>
       </p:sp>
       <p:sp>
         <p:nvSpPr>
-          <p:cNvPr id="2" name="矩形"/>
+          <p:cNvPr id="3" name="文本框 2"/>
+          <p:cNvSpPr txBox="1"/>
+          <p:nvPr/>
+        </p:nvSpPr>
+        <p:spPr>
+          <a:xfrm>
+            <a:off x="622935" y="2615883"/>
+            <a:ext cx="6915150" cy="337185"/>
+          </a:xfrm>
+          <a:prstGeom prst="rect">
+            <a:avLst/>
+          </a:prstGeom>
+          <a:noFill/>
+        </p:spPr>
+        <p:txBody>
+          <a:bodyPr wrap="square" rtlCol="0" anchor="t">
+            <a:spAutoFit/>
+          </a:bodyPr>
+          <a:p>
+            <a:pPr marL="800100" lvl="1" indent="-342900" algn="l">
+              <a:buFont typeface="Wingdings" panose="05000000000000000000" pitchFamily="2" charset="2"/>
+              <a:buChar char="u"/>
+            </a:pPr>
+            <a:r>
+              <a:rPr lang="zh-CN" sz="1600" dirty="0">
+                <a:solidFill>
+                  <a:srgbClr val="474747"/>
+                </a:solidFill>
+                <a:latin typeface="微软雅黑" panose="020B0503020204020204" charset="-122"/>
+                <a:ea typeface="微软雅黑" panose="020B0503020204020204" charset="-122"/>
+                <a:cs typeface="微软雅黑" panose="020B0503020204020204" charset="-122"/>
+                <a:sym typeface="+mn-ea"/>
+              </a:rPr>
+              <a:t>布尔型</a:t>
+            </a:r>
+            <a:r>
+              <a:rPr lang="en-US" altLang="zh-CN" sz="1600" dirty="0">
+                <a:solidFill>
+                  <a:srgbClr val="474747"/>
+                </a:solidFill>
+                <a:latin typeface="微软雅黑" panose="020B0503020204020204" charset="-122"/>
+                <a:ea typeface="微软雅黑" panose="020B0503020204020204" charset="-122"/>
+                <a:cs typeface="微软雅黑" panose="020B0503020204020204" charset="-122"/>
+                <a:sym typeface="+mn-ea"/>
+              </a:rPr>
+              <a:t>  bool (true / false)</a:t>
+            </a:r>
+            <a:endParaRPr lang="en-US" altLang="zh-CN" sz="1600" dirty="0">
+              <a:solidFill>
+                <a:srgbClr val="474747"/>
+              </a:solidFill>
+              <a:latin typeface="微软雅黑" panose="020B0503020204020204" charset="-122"/>
+              <a:ea typeface="微软雅黑" panose="020B0503020204020204" charset="-122"/>
+              <a:cs typeface="微软雅黑" panose="020B0503020204020204" charset="-122"/>
+              <a:sym typeface="+mn-ea"/>
+            </a:endParaRPr>
+          </a:p>
+        </p:txBody>
+      </p:sp>
+      <p:sp>
+        <p:nvSpPr>
+          <p:cNvPr id="4" name="矩形"/>
           <p:cNvSpPr/>
           <p:nvPr/>
         </p:nvSpPr>
         <p:spPr>
           <a:xfrm>
-            <a:off x="622935" y="4202748"/>
+            <a:off x="622935" y="3099753"/>
             <a:ext cx="7918450" cy="337185"/>
           </a:xfrm>
           <a:prstGeom prst="rect">
@@ -10923,7 +10889,7 @@
               <a:buChar char="u"/>
             </a:pPr>
             <a:r>
-              <a:rPr lang="en-US" altLang="zh-CN" sz="1600" dirty="0">
+              <a:rPr lang="zh-CN" sz="1600" dirty="0">
                 <a:solidFill>
                   <a:srgbClr val="474747"/>
                 </a:solidFill>
@@ -10932,9 +10898,9 @@
                 <a:cs typeface="微软雅黑" panose="020B0503020204020204" charset="-122"/>
                 <a:sym typeface="+mn-ea"/>
               </a:rPr>
-              <a:t>byte / rune / uintptr</a:t>
-            </a:r>
-            <a:endParaRPr lang="en-US" altLang="zh-CN" sz="1600" dirty="0">
+              <a:t>字符串 string</a:t>
+            </a:r>
+            <a:endParaRPr lang="zh-CN" sz="1600" dirty="0">
               <a:solidFill>
                 <a:srgbClr val="474747"/>
               </a:solidFill>
@@ -10948,75 +10914,14 @@
       </p:sp>
       <p:sp>
         <p:nvSpPr>
-          <p:cNvPr id="3" name="文本框 2"/>
-          <p:cNvSpPr txBox="1"/>
-          <p:nvPr/>
-        </p:nvSpPr>
-        <p:spPr>
-          <a:xfrm>
-            <a:off x="622935" y="3325178"/>
-            <a:ext cx="6915150" cy="337185"/>
-          </a:xfrm>
-          <a:prstGeom prst="rect">
-            <a:avLst/>
-          </a:prstGeom>
-          <a:noFill/>
-        </p:spPr>
-        <p:txBody>
-          <a:bodyPr wrap="square" rtlCol="0" anchor="t">
-            <a:spAutoFit/>
-          </a:bodyPr>
-          <a:p>
-            <a:pPr marL="800100" lvl="1" indent="-342900" algn="l">
-              <a:buFont typeface="Wingdings" panose="05000000000000000000" pitchFamily="2" charset="2"/>
-              <a:buChar char="u"/>
-            </a:pPr>
-            <a:r>
-              <a:rPr lang="zh-CN" sz="1600" dirty="0">
-                <a:solidFill>
-                  <a:srgbClr val="474747"/>
-                </a:solidFill>
-                <a:latin typeface="微软雅黑" panose="020B0503020204020204" charset="-122"/>
-                <a:ea typeface="微软雅黑" panose="020B0503020204020204" charset="-122"/>
-                <a:cs typeface="微软雅黑" panose="020B0503020204020204" charset="-122"/>
-                <a:sym typeface="+mn-ea"/>
-              </a:rPr>
-              <a:t>布尔型</a:t>
-            </a:r>
-            <a:r>
-              <a:rPr lang="en-US" altLang="zh-CN" sz="1600" dirty="0">
-                <a:solidFill>
-                  <a:srgbClr val="474747"/>
-                </a:solidFill>
-                <a:latin typeface="微软雅黑" panose="020B0503020204020204" charset="-122"/>
-                <a:ea typeface="微软雅黑" panose="020B0503020204020204" charset="-122"/>
-                <a:cs typeface="微软雅黑" panose="020B0503020204020204" charset="-122"/>
-                <a:sym typeface="+mn-ea"/>
-              </a:rPr>
-              <a:t>  bool (true / false)</a:t>
-            </a:r>
-            <a:endParaRPr lang="en-US" altLang="zh-CN" sz="1600" dirty="0">
-              <a:solidFill>
-                <a:srgbClr val="474747"/>
-              </a:solidFill>
-              <a:latin typeface="微软雅黑" panose="020B0503020204020204" charset="-122"/>
-              <a:ea typeface="微软雅黑" panose="020B0503020204020204" charset="-122"/>
-              <a:cs typeface="微软雅黑" panose="020B0503020204020204" charset="-122"/>
-              <a:sym typeface="+mn-ea"/>
-            </a:endParaRPr>
-          </a:p>
-        </p:txBody>
-      </p:sp>
-      <p:sp>
-        <p:nvSpPr>
-          <p:cNvPr id="4" name="矩形"/>
+          <p:cNvPr id="5" name="矩形"/>
           <p:cNvSpPr/>
           <p:nvPr/>
         </p:nvSpPr>
         <p:spPr>
           <a:xfrm>
-            <a:off x="622935" y="3763963"/>
-            <a:ext cx="7918450" cy="337185"/>
+            <a:off x="622935" y="1885633"/>
+            <a:ext cx="7918450" cy="583565"/>
           </a:xfrm>
           <a:prstGeom prst="rect">
             <a:avLst/>
@@ -11038,38 +10943,164 @@
               <a:buChar char="u"/>
             </a:pPr>
             <a:r>
-              <a:rPr lang="zh-CN" sz="1600" dirty="0">
+              <a:rPr lang="zh-CN" altLang="zh-CN" sz="1600" u="none" strike="noStrike" kern="1200" cap="none" spc="0" baseline="0" dirty="0">
                 <a:solidFill>
                   <a:srgbClr val="474747"/>
+                </a:solidFill>
+                <a:latin typeface="微软雅黑" panose="020B0503020204020204" charset="-122"/>
+                <a:ea typeface="微软雅黑" panose="020B0503020204020204" charset="-122"/>
+                <a:cs typeface="微软雅黑" panose="020B0503020204020204" charset="-122"/>
+              </a:rPr>
+              <a:t>数值型</a:t>
+            </a:r>
+            <a:r>
+              <a:rPr lang="en-US" altLang="zh-CN" sz="1600" u="none" strike="noStrike" kern="1200" cap="none" spc="0" baseline="0" dirty="0">
+                <a:solidFill>
+                  <a:srgbClr val="474747"/>
+                </a:solidFill>
+                <a:latin typeface="微软雅黑" panose="020B0503020204020204" charset="-122"/>
+                <a:ea typeface="微软雅黑" panose="020B0503020204020204" charset="-122"/>
+                <a:cs typeface="微软雅黑" panose="020B0503020204020204" charset="-122"/>
+              </a:rPr>
+              <a:t>: </a:t>
+            </a:r>
+            <a:r>
+              <a:rPr lang="en-US" altLang="zh-CN" sz="1600" u="none" strike="noStrike" kern="1200" cap="none" spc="0" baseline="0" dirty="0">
+                <a:solidFill>
+                  <a:srgbClr val="FF0000"/>
+                </a:solidFill>
+                <a:latin typeface="微软雅黑" panose="020B0503020204020204" charset="-122"/>
+                <a:ea typeface="微软雅黑" panose="020B0503020204020204" charset="-122"/>
+                <a:cs typeface="微软雅黑" panose="020B0503020204020204" charset="-122"/>
+              </a:rPr>
+              <a:t>整</a:t>
+            </a:r>
+            <a:r>
+              <a:rPr lang="zh-CN" altLang="en-US" sz="1600" u="none" strike="noStrike" kern="1200" cap="none" spc="0" baseline="0" dirty="0">
+                <a:solidFill>
+                  <a:srgbClr val="FF0000"/>
+                </a:solidFill>
+                <a:latin typeface="微软雅黑" panose="020B0503020204020204" charset="-122"/>
+                <a:ea typeface="微软雅黑" panose="020B0503020204020204" charset="-122"/>
+                <a:cs typeface="微软雅黑" panose="020B0503020204020204" charset="-122"/>
+              </a:rPr>
+              <a:t>数</a:t>
+            </a:r>
+            <a:r>
+              <a:rPr lang="en-US" altLang="zh-CN" sz="1600" u="none" strike="noStrike" kern="1200" cap="none" spc="0" baseline="0" dirty="0">
+                <a:solidFill>
+                  <a:srgbClr val="474747"/>
+                </a:solidFill>
+                <a:latin typeface="微软雅黑" panose="020B0503020204020204" charset="-122"/>
+                <a:ea typeface="微软雅黑" panose="020B0503020204020204" charset="-122"/>
+                <a:cs typeface="微软雅黑" panose="020B0503020204020204" charset="-122"/>
+              </a:rPr>
+              <a:t>, </a:t>
+            </a:r>
+            <a:r>
+              <a:rPr lang="zh-CN" altLang="en-US" sz="1600" dirty="0">
+                <a:solidFill>
+                  <a:srgbClr val="FF0000"/>
                 </a:solidFill>
                 <a:latin typeface="微软雅黑" panose="020B0503020204020204" charset="-122"/>
                 <a:ea typeface="微软雅黑" panose="020B0503020204020204" charset="-122"/>
                 <a:cs typeface="微软雅黑" panose="020B0503020204020204" charset="-122"/>
                 <a:sym typeface="+mn-ea"/>
               </a:rPr>
-              <a:t>字符串 string</a:t>
-            </a:r>
-            <a:endParaRPr lang="zh-CN" sz="1600" dirty="0">
+              <a:t>浮点数</a:t>
+            </a:r>
+            <a:r>
+              <a:rPr lang="en-US" altLang="zh-CN" sz="1600" dirty="0">
+                <a:solidFill>
+                  <a:srgbClr val="474747"/>
+                </a:solidFill>
+                <a:latin typeface="微软雅黑" panose="020B0503020204020204" charset="-122"/>
+                <a:ea typeface="微软雅黑" panose="020B0503020204020204" charset="-122"/>
+                <a:cs typeface="微软雅黑" panose="020B0503020204020204" charset="-122"/>
+                <a:sym typeface="+mn-ea"/>
+              </a:rPr>
+              <a:t>(float32 / float64), </a:t>
+            </a:r>
+            <a:r>
+              <a:rPr lang="zh-CN" altLang="en-US" sz="1600" dirty="0">
+                <a:solidFill>
+                  <a:srgbClr val="FF0000"/>
+                </a:solidFill>
+                <a:latin typeface="微软雅黑" panose="020B0503020204020204" charset="-122"/>
+                <a:ea typeface="微软雅黑" panose="020B0503020204020204" charset="-122"/>
+                <a:cs typeface="微软雅黑" panose="020B0503020204020204" charset="-122"/>
+                <a:sym typeface="+mn-ea"/>
+              </a:rPr>
+              <a:t>复数</a:t>
+            </a:r>
+            <a:r>
+              <a:rPr lang="en-US" altLang="zh-CN" sz="1600" dirty="0">
+                <a:solidFill>
+                  <a:srgbClr val="474747"/>
+                </a:solidFill>
+                <a:latin typeface="微软雅黑" panose="020B0503020204020204" charset="-122"/>
+                <a:ea typeface="微软雅黑" panose="020B0503020204020204" charset="-122"/>
+                <a:cs typeface="微软雅黑" panose="020B0503020204020204" charset="-122"/>
+                <a:sym typeface="+mn-ea"/>
+              </a:rPr>
+              <a:t>(complex64 / complex128),</a:t>
+            </a:r>
+            <a:r>
+              <a:rPr lang="zh-CN" altLang="en-US" sz="1600" dirty="0">
+                <a:solidFill>
+                  <a:srgbClr val="474747"/>
+                </a:solidFill>
+                <a:latin typeface="微软雅黑" panose="020B0503020204020204" charset="-122"/>
+                <a:ea typeface="微软雅黑" panose="020B0503020204020204" charset="-122"/>
+                <a:cs typeface="微软雅黑" panose="020B0503020204020204" charset="-122"/>
+                <a:sym typeface="+mn-ea"/>
+              </a:rPr>
+              <a:t>不连续的</a:t>
+            </a:r>
+            <a:r>
+              <a:rPr lang="en-US" altLang="zh-CN" sz="1600" dirty="0">
+                <a:solidFill>
+                  <a:srgbClr val="474747"/>
+                </a:solidFill>
+                <a:latin typeface="微软雅黑" panose="020B0503020204020204" charset="-122"/>
+                <a:ea typeface="微软雅黑" panose="020B0503020204020204" charset="-122"/>
+                <a:cs typeface="微软雅黑" panose="020B0503020204020204" charset="-122"/>
+                <a:sym typeface="+mn-ea"/>
+              </a:rPr>
+              <a:t>,</a:t>
+            </a:r>
+            <a:r>
+              <a:rPr lang="zh-CN" altLang="en-US" sz="1600" dirty="0">
+                <a:solidFill>
+                  <a:srgbClr val="474747"/>
+                </a:solidFill>
+                <a:latin typeface="微软雅黑" panose="020B0503020204020204" charset="-122"/>
+                <a:ea typeface="微软雅黑" panose="020B0503020204020204" charset="-122"/>
+                <a:cs typeface="微软雅黑" panose="020B0503020204020204" charset="-122"/>
+                <a:sym typeface="+mn-ea"/>
+              </a:rPr>
+              <a:t>近似的</a:t>
+            </a:r>
+            <a:endParaRPr lang="en-US" altLang="zh-CN" sz="1600" u="none" strike="noStrike" kern="1200" cap="none" spc="0" baseline="0" dirty="0">
               <a:solidFill>
                 <a:srgbClr val="474747"/>
               </a:solidFill>
               <a:latin typeface="微软雅黑" panose="020B0503020204020204" charset="-122"/>
               <a:ea typeface="微软雅黑" panose="020B0503020204020204" charset="-122"/>
               <a:cs typeface="微软雅黑" panose="020B0503020204020204" charset="-122"/>
-              <a:sym typeface="+mn-ea"/>
             </a:endParaRPr>
           </a:p>
         </p:txBody>
       </p:sp>
       <p:sp>
         <p:nvSpPr>
-          <p:cNvPr id="5" name="矩形"/>
+          <p:cNvPr id="7" name="矩形"/>
           <p:cNvSpPr/>
           <p:nvPr/>
         </p:nvSpPr>
         <p:spPr>
           <a:xfrm>
-            <a:off x="622935" y="2008823"/>
+            <a:off x="622935" y="4067493"/>
             <a:ext cx="7918450" cy="337185"/>
           </a:xfrm>
           <a:prstGeom prst="rect">
@@ -11092,131 +11123,121 @@
               <a:buChar char="u"/>
             </a:pPr>
             <a:r>
-              <a:rPr lang="en-US" altLang="zh-CN" sz="1600" u="none" strike="noStrike" kern="1200" cap="none" spc="0" baseline="0" dirty="0">
+              <a:rPr lang="zh-CN" altLang="en-US" sz="1600" dirty="0">
                 <a:solidFill>
                   <a:srgbClr val="474747"/>
                 </a:solidFill>
                 <a:latin typeface="微软雅黑" panose="020B0503020204020204" charset="-122"/>
                 <a:ea typeface="微软雅黑" panose="020B0503020204020204" charset="-122"/>
                 <a:cs typeface="微软雅黑" panose="020B0503020204020204" charset="-122"/>
-              </a:rPr>
-              <a:t>整</a:t>
-            </a:r>
-            <a:r>
-              <a:rPr lang="zh-CN" altLang="en-US" sz="1600" u="none" strike="noStrike" kern="1200" cap="none" spc="0" baseline="0" dirty="0">
+                <a:sym typeface="+mn-ea"/>
+              </a:rPr>
+              <a:t>其他类型</a:t>
+            </a:r>
+            <a:r>
+              <a:rPr lang="en-US" altLang="zh-CN" sz="1600" dirty="0">
                 <a:solidFill>
                   <a:srgbClr val="474747"/>
                 </a:solidFill>
                 <a:latin typeface="微软雅黑" panose="020B0503020204020204" charset="-122"/>
                 <a:ea typeface="微软雅黑" panose="020B0503020204020204" charset="-122"/>
                 <a:cs typeface="微软雅黑" panose="020B0503020204020204" charset="-122"/>
-              </a:rPr>
-              <a:t>数</a:t>
-            </a:r>
-            <a:endParaRPr lang="en-US" altLang="zh-CN" sz="1600" u="none" strike="noStrike" kern="1200" cap="none" spc="0" baseline="0" dirty="0">
+                <a:sym typeface="+mn-ea"/>
+              </a:rPr>
+              <a:t>: </a:t>
+            </a:r>
+            <a:r>
+              <a:rPr lang="zh-CN" altLang="en-US" sz="1600" dirty="0">
+                <a:solidFill>
+                  <a:srgbClr val="474747"/>
+                </a:solidFill>
+                <a:latin typeface="微软雅黑" panose="020B0503020204020204" charset="-122"/>
+                <a:ea typeface="微软雅黑" panose="020B0503020204020204" charset="-122"/>
+                <a:cs typeface="微软雅黑" panose="020B0503020204020204" charset="-122"/>
+                <a:sym typeface="+mn-ea"/>
+              </a:rPr>
+              <a:t>切片 </a:t>
+            </a:r>
+            <a:r>
+              <a:rPr lang="en-US" altLang="zh-CN" sz="1600" dirty="0">
+                <a:solidFill>
+                  <a:srgbClr val="474747"/>
+                </a:solidFill>
+                <a:latin typeface="微软雅黑" panose="020B0503020204020204" charset="-122"/>
+                <a:ea typeface="微软雅黑" panose="020B0503020204020204" charset="-122"/>
+                <a:cs typeface="微软雅黑" panose="020B0503020204020204" charset="-122"/>
+                <a:sym typeface="+mn-ea"/>
+              </a:rPr>
+              <a:t>/ map / </a:t>
+            </a:r>
+            <a:r>
+              <a:rPr lang="zh-CN" altLang="en-US" sz="1600" dirty="0">
+                <a:solidFill>
+                  <a:srgbClr val="474747"/>
+                </a:solidFill>
+                <a:latin typeface="微软雅黑" panose="020B0503020204020204" charset="-122"/>
+                <a:ea typeface="微软雅黑" panose="020B0503020204020204" charset="-122"/>
+                <a:cs typeface="微软雅黑" panose="020B0503020204020204" charset="-122"/>
+                <a:sym typeface="+mn-ea"/>
+              </a:rPr>
+              <a:t>通道 </a:t>
+            </a:r>
+            <a:r>
+              <a:rPr lang="en-US" altLang="zh-CN" sz="1600" dirty="0">
+                <a:solidFill>
+                  <a:srgbClr val="474747"/>
+                </a:solidFill>
+                <a:latin typeface="微软雅黑" panose="020B0503020204020204" charset="-122"/>
+                <a:ea typeface="微软雅黑" panose="020B0503020204020204" charset="-122"/>
+                <a:cs typeface="微软雅黑" panose="020B0503020204020204" charset="-122"/>
+                <a:sym typeface="+mn-ea"/>
+              </a:rPr>
+              <a:t>/ </a:t>
+            </a:r>
+            <a:r>
+              <a:rPr lang="zh-CN" altLang="en-US" sz="1600" dirty="0">
+                <a:solidFill>
+                  <a:srgbClr val="474747"/>
+                </a:solidFill>
+                <a:latin typeface="微软雅黑" panose="020B0503020204020204" charset="-122"/>
+                <a:ea typeface="微软雅黑" panose="020B0503020204020204" charset="-122"/>
+                <a:cs typeface="微软雅黑" panose="020B0503020204020204" charset="-122"/>
+                <a:sym typeface="+mn-ea"/>
+              </a:rPr>
+              <a:t>结构体 </a:t>
+            </a:r>
+            <a:r>
+              <a:rPr lang="en-US" altLang="zh-CN" sz="1600" dirty="0">
+                <a:solidFill>
+                  <a:srgbClr val="474747"/>
+                </a:solidFill>
+                <a:latin typeface="微软雅黑" panose="020B0503020204020204" charset="-122"/>
+                <a:ea typeface="微软雅黑" panose="020B0503020204020204" charset="-122"/>
+                <a:cs typeface="微软雅黑" panose="020B0503020204020204" charset="-122"/>
+                <a:sym typeface="+mn-ea"/>
+              </a:rPr>
+              <a:t>/ </a:t>
+            </a:r>
+            <a:r>
+              <a:rPr lang="zh-CN" altLang="en-US" sz="1600" dirty="0">
+                <a:solidFill>
+                  <a:srgbClr val="474747"/>
+                </a:solidFill>
+                <a:latin typeface="微软雅黑" panose="020B0503020204020204" charset="-122"/>
+                <a:ea typeface="微软雅黑" panose="020B0503020204020204" charset="-122"/>
+                <a:cs typeface="微软雅黑" panose="020B0503020204020204" charset="-122"/>
+                <a:sym typeface="+mn-ea"/>
+              </a:rPr>
+              <a:t>函数</a:t>
+            </a:r>
+            <a:endParaRPr lang="zh-CN" altLang="en-US" sz="1600" dirty="0">
               <a:solidFill>
                 <a:srgbClr val="474747"/>
               </a:solidFill>
               <a:latin typeface="微软雅黑" panose="020B0503020204020204" charset="-122"/>
               <a:ea typeface="微软雅黑" panose="020B0503020204020204" charset="-122"/>
               <a:cs typeface="微软雅黑" panose="020B0503020204020204" charset="-122"/>
-            </a:endParaRPr>
-          </a:p>
-        </p:txBody>
-      </p:sp>
-      <p:sp>
-        <p:nvSpPr>
-          <p:cNvPr id="6" name="矩形"/>
-          <p:cNvSpPr/>
-          <p:nvPr/>
-        </p:nvSpPr>
-        <p:spPr>
-          <a:xfrm>
-            <a:off x="622935" y="2886393"/>
-            <a:ext cx="7918450" cy="337185"/>
-          </a:xfrm>
-          <a:prstGeom prst="rect">
-            <a:avLst/>
-          </a:prstGeom>
-          <a:noFill/>
-          <a:ln w="9525" cap="flat" cmpd="sng">
-            <a:noFill/>
-            <a:prstDash val="solid"/>
-            <a:miter/>
-          </a:ln>
-        </p:spPr>
-        <p:txBody>
-          <a:bodyPr vert="horz" wrap="square" lIns="91440" tIns="45720" rIns="91440" bIns="45720" anchor="ctr" anchorCtr="0">
-            <a:spAutoFit/>
-          </a:bodyPr>
-          <a:lstStyle/>
-          <a:p>
-            <a:pPr marL="800100" lvl="1" indent="-342900" algn="l">
-              <a:buFont typeface="Wingdings" panose="05000000000000000000" pitchFamily="2" charset="2"/>
-              <a:buChar char="u"/>
-            </a:pPr>
-            <a:r>
-              <a:rPr lang="zh-CN" altLang="en-US" sz="1600" u="none" strike="noStrike" kern="1200" cap="none" spc="0" baseline="0" dirty="0">
-                <a:solidFill>
-                  <a:srgbClr val="474747"/>
-                </a:solidFill>
-                <a:latin typeface="微软雅黑" panose="020B0503020204020204" charset="-122"/>
-                <a:ea typeface="微软雅黑" panose="020B0503020204020204" charset="-122"/>
-                <a:cs typeface="微软雅黑" panose="020B0503020204020204" charset="-122"/>
-              </a:rPr>
-              <a:t>复数</a:t>
-            </a:r>
-            <a:r>
-              <a:rPr lang="en-US" altLang="zh-CN" sz="1600" u="none" strike="noStrike" kern="1200" cap="none" spc="0" baseline="0" dirty="0">
-                <a:solidFill>
-                  <a:srgbClr val="474747"/>
-                </a:solidFill>
-                <a:latin typeface="微软雅黑" panose="020B0503020204020204" charset="-122"/>
-                <a:ea typeface="微软雅黑" panose="020B0503020204020204" charset="-122"/>
-                <a:cs typeface="微软雅黑" panose="020B0503020204020204" charset="-122"/>
-              </a:rPr>
-              <a:t>(complex64 / complex128),</a:t>
-            </a:r>
-            <a:r>
-              <a:rPr lang="zh-CN" altLang="en-US" sz="1600" u="none" strike="noStrike" kern="1200" cap="none" spc="0" baseline="0" dirty="0">
-                <a:solidFill>
-                  <a:srgbClr val="474747"/>
-                </a:solidFill>
-                <a:latin typeface="微软雅黑" panose="020B0503020204020204" charset="-122"/>
-                <a:ea typeface="微软雅黑" panose="020B0503020204020204" charset="-122"/>
-                <a:cs typeface="微软雅黑" panose="020B0503020204020204" charset="-122"/>
-              </a:rPr>
-              <a:t>不连续的</a:t>
-            </a:r>
-            <a:r>
-              <a:rPr lang="en-US" altLang="zh-CN" sz="1600" u="none" strike="noStrike" kern="1200" cap="none" spc="0" baseline="0" dirty="0">
-                <a:solidFill>
-                  <a:srgbClr val="474747"/>
-                </a:solidFill>
-                <a:latin typeface="微软雅黑" panose="020B0503020204020204" charset="-122"/>
-                <a:ea typeface="微软雅黑" panose="020B0503020204020204" charset="-122"/>
-                <a:cs typeface="微软雅黑" panose="020B0503020204020204" charset="-122"/>
-              </a:rPr>
-              <a:t>,</a:t>
-            </a:r>
-            <a:r>
-              <a:rPr lang="zh-CN" altLang="en-US" sz="1600" u="none" strike="noStrike" kern="1200" cap="none" spc="0" baseline="0" dirty="0">
-                <a:solidFill>
-                  <a:srgbClr val="474747"/>
-                </a:solidFill>
-                <a:latin typeface="微软雅黑" panose="020B0503020204020204" charset="-122"/>
-                <a:ea typeface="微软雅黑" panose="020B0503020204020204" charset="-122"/>
-                <a:cs typeface="微软雅黑" panose="020B0503020204020204" charset="-122"/>
-              </a:rPr>
-              <a:t>近似的</a:t>
-            </a:r>
-            <a:endParaRPr lang="zh-CN" altLang="en-US" sz="1600" u="none" strike="noStrike" kern="1200" cap="none" spc="0" baseline="0" dirty="0">
-              <a:solidFill>
-                <a:srgbClr val="474747"/>
-              </a:solidFill>
-              <a:latin typeface="微软雅黑" panose="020B0503020204020204" charset="-122"/>
-              <a:ea typeface="微软雅黑" panose="020B0503020204020204" charset="-122"/>
-              <a:cs typeface="微软雅黑" panose="020B0503020204020204" charset="-122"/>
+              <a:sym typeface="+mn-ea"/>
             </a:endParaRPr>
           </a:p>
         </p:txBody>
@@ -11580,7 +11601,7 @@
               <a:buChar char="u"/>
             </a:pPr>
             <a:r>
-              <a:rPr lang="zh-CN" sz="1600" u="none" strike="noStrike" kern="1200" cap="none" spc="0" baseline="0" dirty="0">
+              <a:rPr lang="zh-CN" altLang="zh-CN" sz="1600" u="none" strike="noStrike" kern="1200" cap="none" spc="0" baseline="0" dirty="0">
                 <a:solidFill>
                   <a:srgbClr val="474747"/>
                 </a:solidFill>
@@ -11588,9 +11609,9 @@
                 <a:ea typeface="微软雅黑" panose="020B0503020204020204" charset="-122"/>
                 <a:cs typeface="微软雅黑" panose="020B0503020204020204" charset="-122"/>
               </a:rPr>
-              <a:t>两个变量交换</a:t>
-            </a:r>
-            <a:endParaRPr lang="zh-CN" sz="1600" u="none" strike="noStrike" kern="1200" cap="none" spc="0" baseline="0" dirty="0">
+              <a:t>零值</a:t>
+            </a:r>
+            <a:endParaRPr lang="zh-CN" altLang="zh-CN" sz="1600" u="none" strike="noStrike" kern="1200" cap="none" spc="0" baseline="0" dirty="0">
               <a:solidFill>
                 <a:srgbClr val="474747"/>
               </a:solidFill>

--- a/tuling/go语言_傻大猫.pptx
+++ b/tuling/go语言_傻大猫.pptx
@@ -27,12 +27,13 @@
     <p:sldId id="349" r:id="rId20"/>
     <p:sldId id="351" r:id="rId21"/>
     <p:sldId id="359" r:id="rId22"/>
-    <p:sldId id="360" r:id="rId23"/>
-    <p:sldId id="361" r:id="rId24"/>
-    <p:sldId id="352" r:id="rId25"/>
-    <p:sldId id="353" r:id="rId26"/>
-    <p:sldId id="354" r:id="rId27"/>
-    <p:sldId id="322" r:id="rId28"/>
+    <p:sldId id="373" r:id="rId23"/>
+    <p:sldId id="360" r:id="rId24"/>
+    <p:sldId id="361" r:id="rId25"/>
+    <p:sldId id="352" r:id="rId26"/>
+    <p:sldId id="353" r:id="rId27"/>
+    <p:sldId id="354" r:id="rId28"/>
+    <p:sldId id="322" r:id="rId29"/>
   </p:sldIdLst>
   <p:sldSz cx="9144000" cy="5143500" type="screen16x9"/>
   <p:notesSz cx="6858000" cy="9144000"/>
@@ -2358,6 +2359,110 @@
 </file>
 
 <file path=ppt/notesSlides/notesSlide23.xml><?xml version="1.0" encoding="utf-8"?>
+<p:notes xmlns:a="http://schemas.openxmlformats.org/drawingml/2006/main" xmlns:r="http://schemas.openxmlformats.org/officeDocument/2006/relationships" xmlns:p="http://schemas.openxmlformats.org/presentationml/2006/main">
+  <p:cSld>
+    <p:spTree>
+      <p:nvGrpSpPr>
+        <p:cNvPr id="1" name=""/>
+        <p:cNvGrpSpPr/>
+        <p:nvPr/>
+      </p:nvGrpSpPr>
+      <p:grpSpPr>
+        <a:xfrm>
+          <a:off x="0" y="0"/>
+          <a:ext cx="0" cy="0"/>
+          <a:chOff x="0" y="0"/>
+          <a:chExt cx="0" cy="0"/>
+        </a:xfrm>
+      </p:grpSpPr>
+      <p:sp>
+        <p:nvSpPr>
+          <p:cNvPr id="2" name="文本框"/>
+          <p:cNvSpPr>
+            <a:spLocks noGrp="1" noRot="1" noChangeAspect="1"/>
+          </p:cNvSpPr>
+          <p:nvPr>
+            <p:ph type="sldImg"/>
+          </p:nvPr>
+        </p:nvSpPr>
+        <p:spPr/>
+      </p:sp>
+      <p:sp>
+        <p:nvSpPr>
+          <p:cNvPr id="3" name="文本框"/>
+          <p:cNvSpPr>
+            <a:spLocks noGrp="1"/>
+          </p:cNvSpPr>
+          <p:nvPr>
+            <p:ph type="body" idx="1"/>
+          </p:nvPr>
+        </p:nvSpPr>
+        <p:spPr/>
+        <p:txBody>
+          <a:bodyPr/>
+          <a:lstStyle/>
+          <a:p>
+            <a:endParaRPr lang="zh-CN" altLang="en-US"/>
+          </a:p>
+        </p:txBody>
+      </p:sp>
+      <p:sp>
+        <p:nvSpPr>
+          <p:cNvPr id="9" name="文本框"/>
+          <p:cNvSpPr>
+            <a:spLocks noGrp="1"/>
+          </p:cNvSpPr>
+          <p:nvPr>
+            <p:ph type="sldNum" idx="5"/>
+          </p:nvPr>
+        </p:nvSpPr>
+        <p:spPr>
+          <a:xfrm>
+            <a:off x="3884613" y="8685213"/>
+            <a:ext cx="2971800" cy="457200"/>
+          </a:xfrm>
+          <a:prstGeom prst="rect">
+            <a:avLst/>
+          </a:prstGeom>
+          <a:noFill/>
+          <a:ln w="9525" cap="flat" cmpd="sng">
+            <a:noFill/>
+            <a:prstDash val="solid"/>
+            <a:round/>
+          </a:ln>
+        </p:spPr>
+        <p:txBody>
+          <a:bodyPr vert="horz" wrap="square" lIns="91440" tIns="45720" rIns="91440" bIns="45720" anchor="b" anchorCtr="0"/>
+          <a:lstStyle/>
+          <a:p>
+            <a:pPr algn="r"/>
+            <a:fld id="{CAD2D6BD-DE1B-4B5F-8B41-2702339687B9}" type="slidenum">
+              <a:rPr lang="en-US" altLang="zh-CN" sz="1800" u="none" strike="noStrike" kern="1200" cap="none" spc="0" baseline="0">
+                <a:solidFill>
+                  <a:schemeClr val="tx1"/>
+                </a:solidFill>
+                <a:latin typeface="Calibri" panose="020F0502020204030204" pitchFamily="34" charset="0"/>
+                <a:ea typeface="宋体" panose="02010600030101010101" pitchFamily="2" charset="-122"/>
+                <a:cs typeface="Calibri" panose="020F0502020204030204" pitchFamily="34" charset="0"/>
+              </a:rPr>
+            </a:fld>
+            <a:endParaRPr lang="zh-CN" altLang="en-US" sz="1200">
+              <a:latin typeface="Calibri" panose="020F0502020204030204" pitchFamily="34" charset="0"/>
+              <a:ea typeface="宋体" panose="02010600030101010101" pitchFamily="2" charset="-122"/>
+              <a:cs typeface="Calibri" panose="020F0502020204030204" pitchFamily="34" charset="0"/>
+            </a:endParaRPr>
+          </a:p>
+        </p:txBody>
+      </p:sp>
+    </p:spTree>
+  </p:cSld>
+  <p:clrMapOvr>
+    <a:masterClrMapping/>
+  </p:clrMapOvr>
+</p:notes>
+</file>
+
+<file path=ppt/notesSlides/notesSlide24.xml><?xml version="1.0" encoding="utf-8"?>
 <p:notes xmlns:a="http://schemas.openxmlformats.org/drawingml/2006/main" xmlns:r="http://schemas.openxmlformats.org/officeDocument/2006/relationships" xmlns:p="http://schemas.openxmlformats.org/presentationml/2006/main">
   <p:cSld>
     <p:spTree>
@@ -12145,7 +12250,7 @@
                 <a:ea typeface="微软雅黑" panose="020B0503020204020204" charset="-122"/>
                 <a:cs typeface="Times New Roman" panose="02020603050405020304" charset="0"/>
               </a:rPr>
-              <a:t>常量的定义</a:t>
+              <a:t>指针</a:t>
             </a:r>
             <a:endParaRPr lang="zh-CN" sz="2200" u="sng" strike="noStrike" kern="0" cap="none" spc="0" baseline="0" dirty="0">
               <a:solidFill>
@@ -12198,9 +12303,9 @@
                 <a:ea typeface="微软雅黑" panose="020B0503020204020204" charset="-122"/>
                 <a:cs typeface="微软雅黑" panose="020B0503020204020204" charset="-122"/>
               </a:rPr>
-              <a:t>不设类型的时候</a:t>
-            </a:r>
-            <a:endParaRPr lang="en-US" altLang="zh-CN" sz="1600" u="none" strike="noStrike" kern="1200" cap="none" spc="0" baseline="0" dirty="0">
+              <a:t>谢谢</a:t>
+            </a:r>
+            <a:endParaRPr lang="zh-CN" sz="1600" u="none" strike="noStrike" kern="1200" cap="none" spc="0" baseline="0" dirty="0">
               <a:solidFill>
                 <a:srgbClr val="474747"/>
               </a:solidFill>
@@ -12292,7 +12397,7 @@
               <a:buChar char="u"/>
             </a:pPr>
             <a:r>
-              <a:rPr lang="en-US" altLang="zh-CN" sz="1600" dirty="0">
+              <a:rPr lang="zh-CN" sz="1600" dirty="0">
                 <a:solidFill>
                   <a:srgbClr val="474747"/>
                 </a:solidFill>
@@ -12301,7 +12406,56 @@
                 <a:cs typeface="微软雅黑" panose="020B0503020204020204" charset="-122"/>
                 <a:sym typeface="+mn-ea"/>
               </a:rPr>
-              <a:t>iota</a:t>
+              <a:t>谢谢</a:t>
+            </a:r>
+            <a:endParaRPr lang="zh-CN" altLang="en-US" sz="1600" dirty="0">
+              <a:solidFill>
+                <a:srgbClr val="474747"/>
+              </a:solidFill>
+              <a:latin typeface="微软雅黑" panose="020B0503020204020204" charset="-122"/>
+              <a:ea typeface="微软雅黑" panose="020B0503020204020204" charset="-122"/>
+              <a:cs typeface="微软雅黑" panose="020B0503020204020204" charset="-122"/>
+              <a:sym typeface="Calibri" panose="020F0502020204030204" pitchFamily="34" charset="0"/>
+            </a:endParaRPr>
+          </a:p>
+        </p:txBody>
+      </p:sp>
+      <p:sp>
+        <p:nvSpPr>
+          <p:cNvPr id="3" name="文本框 2"/>
+          <p:cNvSpPr txBox="1"/>
+          <p:nvPr/>
+        </p:nvSpPr>
+        <p:spPr>
+          <a:xfrm>
+            <a:off x="542290" y="2726373"/>
+            <a:ext cx="6915150" cy="337185"/>
+          </a:xfrm>
+          <a:prstGeom prst="rect">
+            <a:avLst/>
+          </a:prstGeom>
+          <a:noFill/>
+        </p:spPr>
+        <p:txBody>
+          <a:bodyPr wrap="square" rtlCol="0" anchor="t">
+            <a:spAutoFit/>
+          </a:bodyPr>
+          <a:p>
+            <a:pPr marL="800100" lvl="1" indent="-342900" algn="l">
+              <a:buFont typeface="Wingdings" panose="05000000000000000000" pitchFamily="2" charset="2"/>
+              <a:buChar char="u"/>
+            </a:pPr>
+            <a:r>
+              <a:rPr lang="zh-CN" sz="1600" dirty="0">
+                <a:solidFill>
+                  <a:srgbClr val="474747"/>
+                </a:solidFill>
+                <a:latin typeface="微软雅黑" panose="020B0503020204020204" charset="-122"/>
+                <a:ea typeface="微软雅黑" panose="020B0503020204020204" charset="-122"/>
+                <a:cs typeface="微软雅黑" panose="020B0503020204020204" charset="-122"/>
+                <a:sym typeface="+mn-ea"/>
+              </a:rPr>
+              <a:t>谢谢</a:t>
             </a:r>
             <a:endParaRPr lang="en-US" altLang="zh-CN" sz="1600" dirty="0">
               <a:solidFill>
@@ -12310,68 +12464,7 @@
               <a:latin typeface="微软雅黑" panose="020B0503020204020204" charset="-122"/>
               <a:ea typeface="微软雅黑" panose="020B0503020204020204" charset="-122"/>
               <a:cs typeface="微软雅黑" panose="020B0503020204020204" charset="-122"/>
-              <a:sym typeface="+mn-ea"/>
-            </a:endParaRPr>
-          </a:p>
-        </p:txBody>
-      </p:sp>
-      <p:sp>
-        <p:nvSpPr>
-          <p:cNvPr id="3" name="文本框 2"/>
-          <p:cNvSpPr txBox="1"/>
-          <p:nvPr/>
-        </p:nvSpPr>
-        <p:spPr>
-          <a:xfrm>
-            <a:off x="542290" y="2726373"/>
-            <a:ext cx="6915150" cy="337185"/>
-          </a:xfrm>
-          <a:prstGeom prst="rect">
-            <a:avLst/>
-          </a:prstGeom>
-          <a:noFill/>
-        </p:spPr>
-        <p:txBody>
-          <a:bodyPr wrap="square" rtlCol="0" anchor="t">
-            <a:spAutoFit/>
-          </a:bodyPr>
-          <a:p>
-            <a:pPr marL="800100" lvl="1" indent="-342900" algn="l">
-              <a:buFont typeface="Wingdings" panose="05000000000000000000" pitchFamily="2" charset="2"/>
-              <a:buChar char="u"/>
-            </a:pPr>
-            <a:r>
-              <a:rPr lang="zh-CN" sz="1600" dirty="0">
-                <a:solidFill>
-                  <a:srgbClr val="474747"/>
-                </a:solidFill>
-                <a:latin typeface="微软雅黑" panose="020B0503020204020204" charset="-122"/>
-                <a:ea typeface="微软雅黑" panose="020B0503020204020204" charset="-122"/>
-                <a:cs typeface="微软雅黑" panose="020B0503020204020204" charset="-122"/>
-                <a:sym typeface="+mn-ea"/>
-              </a:rPr>
-              <a:t>名称</a:t>
-            </a:r>
-            <a:r>
-              <a:rPr lang="zh-CN" sz="1600" dirty="0">
-                <a:solidFill>
-                  <a:srgbClr val="474747"/>
-                </a:solidFill>
-                <a:latin typeface="微软雅黑" panose="020B0503020204020204" charset="-122"/>
-                <a:ea typeface="微软雅黑" panose="020B0503020204020204" charset="-122"/>
-                <a:cs typeface="微软雅黑" panose="020B0503020204020204" charset="-122"/>
-                <a:sym typeface="+mn-ea"/>
-              </a:rPr>
-              <a:t>大小写</a:t>
-            </a:r>
-            <a:endParaRPr lang="zh-CN" sz="1600" dirty="0">
-              <a:solidFill>
-                <a:srgbClr val="474747"/>
-              </a:solidFill>
-              <a:latin typeface="微软雅黑" panose="020B0503020204020204" charset="-122"/>
-              <a:ea typeface="微软雅黑" panose="020B0503020204020204" charset="-122"/>
-              <a:cs typeface="微软雅黑" panose="020B0503020204020204" charset="-122"/>
-              <a:sym typeface="+mn-ea"/>
+              <a:sym typeface="Calibri" panose="020F0502020204030204" pitchFamily="34" charset="0"/>
             </a:endParaRPr>
           </a:p>
         </p:txBody>
@@ -12890,7 +12983,7 @@
                 <a:ea typeface="微软雅黑" panose="020B0503020204020204" charset="-122"/>
                 <a:cs typeface="Times New Roman" panose="02020603050405020304" charset="0"/>
               </a:rPr>
-              <a:t>谢谢</a:t>
+              <a:t>常量的定义</a:t>
             </a:r>
             <a:endParaRPr lang="zh-CN" sz="2200" u="sng" strike="noStrike" kern="0" cap="none" spc="0" baseline="0" dirty="0">
               <a:solidFill>
@@ -12943,9 +13036,9 @@
                 <a:ea typeface="微软雅黑" panose="020B0503020204020204" charset="-122"/>
                 <a:cs typeface="微软雅黑" panose="020B0503020204020204" charset="-122"/>
               </a:rPr>
-              <a:t>谢谢</a:t>
-            </a:r>
-            <a:endParaRPr lang="zh-CN" sz="1600" u="none" strike="noStrike" kern="1200" cap="none" spc="0" baseline="0" dirty="0">
+              <a:t>不设类型的时候</a:t>
+            </a:r>
+            <a:endParaRPr lang="en-US" altLang="zh-CN" sz="1600" u="none" strike="noStrike" kern="1200" cap="none" spc="0" baseline="0" dirty="0">
               <a:solidFill>
                 <a:srgbClr val="474747"/>
               </a:solidFill>
@@ -13037,7 +13130,7 @@
               <a:buChar char="u"/>
             </a:pPr>
             <a:r>
-              <a:rPr lang="zh-CN" sz="1600" dirty="0">
+              <a:rPr lang="en-US" altLang="zh-CN" sz="1600" dirty="0">
                 <a:solidFill>
                   <a:srgbClr val="474747"/>
                 </a:solidFill>
@@ -13046,56 +13139,7 @@
                 <a:cs typeface="微软雅黑" panose="020B0503020204020204" charset="-122"/>
                 <a:sym typeface="+mn-ea"/>
               </a:rPr>
-              <a:t>谢谢</a:t>
-            </a:r>
-            <a:endParaRPr lang="zh-CN" altLang="en-US" sz="1600" dirty="0">
-              <a:solidFill>
-                <a:srgbClr val="474747"/>
-              </a:solidFill>
-              <a:latin typeface="微软雅黑" panose="020B0503020204020204" charset="-122"/>
-              <a:ea typeface="微软雅黑" panose="020B0503020204020204" charset="-122"/>
-              <a:cs typeface="微软雅黑" panose="020B0503020204020204" charset="-122"/>
-              <a:sym typeface="Calibri" panose="020F0502020204030204" pitchFamily="34" charset="0"/>
-            </a:endParaRPr>
-          </a:p>
-        </p:txBody>
-      </p:sp>
-      <p:sp>
-        <p:nvSpPr>
-          <p:cNvPr id="3" name="文本框 2"/>
-          <p:cNvSpPr txBox="1"/>
-          <p:nvPr/>
-        </p:nvSpPr>
-        <p:spPr>
-          <a:xfrm>
-            <a:off x="542290" y="2726373"/>
-            <a:ext cx="6915150" cy="337185"/>
-          </a:xfrm>
-          <a:prstGeom prst="rect">
-            <a:avLst/>
-          </a:prstGeom>
-          <a:noFill/>
-        </p:spPr>
-        <p:txBody>
-          <a:bodyPr wrap="square" rtlCol="0" anchor="t">
-            <a:spAutoFit/>
-          </a:bodyPr>
-          <a:p>
-            <a:pPr marL="800100" lvl="1" indent="-342900" algn="l">
-              <a:buFont typeface="Wingdings" panose="05000000000000000000" pitchFamily="2" charset="2"/>
-              <a:buChar char="u"/>
-            </a:pPr>
-            <a:r>
-              <a:rPr lang="zh-CN" sz="1600" dirty="0">
-                <a:solidFill>
-                  <a:srgbClr val="474747"/>
-                </a:solidFill>
-                <a:latin typeface="微软雅黑" panose="020B0503020204020204" charset="-122"/>
-                <a:ea typeface="微软雅黑" panose="020B0503020204020204" charset="-122"/>
-                <a:cs typeface="微软雅黑" panose="020B0503020204020204" charset="-122"/>
-                <a:sym typeface="+mn-ea"/>
-              </a:rPr>
-              <a:t>谢谢</a:t>
+              <a:t>iota</a:t>
             </a:r>
             <a:endParaRPr lang="en-US" altLang="zh-CN" sz="1600" dirty="0">
               <a:solidFill>
@@ -13104,7 +13148,56 @@
               <a:latin typeface="微软雅黑" panose="020B0503020204020204" charset="-122"/>
               <a:ea typeface="微软雅黑" panose="020B0503020204020204" charset="-122"/>
               <a:cs typeface="微软雅黑" panose="020B0503020204020204" charset="-122"/>
-              <a:sym typeface="Calibri" panose="020F0502020204030204" pitchFamily="34" charset="0"/>
+              <a:sym typeface="+mn-ea"/>
+            </a:endParaRPr>
+          </a:p>
+        </p:txBody>
+      </p:sp>
+      <p:sp>
+        <p:nvSpPr>
+          <p:cNvPr id="3" name="文本框 2"/>
+          <p:cNvSpPr txBox="1"/>
+          <p:nvPr/>
+        </p:nvSpPr>
+        <p:spPr>
+          <a:xfrm>
+            <a:off x="542290" y="2726373"/>
+            <a:ext cx="6915150" cy="337185"/>
+          </a:xfrm>
+          <a:prstGeom prst="rect">
+            <a:avLst/>
+          </a:prstGeom>
+          <a:noFill/>
+        </p:spPr>
+        <p:txBody>
+          <a:bodyPr wrap="square" rtlCol="0" anchor="t">
+            <a:spAutoFit/>
+          </a:bodyPr>
+          <a:p>
+            <a:pPr marL="800100" lvl="1" indent="-342900" algn="l">
+              <a:buFont typeface="Wingdings" panose="05000000000000000000" pitchFamily="2" charset="2"/>
+              <a:buChar char="u"/>
+            </a:pPr>
+            <a:r>
+              <a:rPr lang="zh-CN" sz="1600" dirty="0">
+                <a:solidFill>
+                  <a:srgbClr val="474747"/>
+                </a:solidFill>
+                <a:latin typeface="微软雅黑" panose="020B0503020204020204" charset="-122"/>
+                <a:ea typeface="微软雅黑" panose="020B0503020204020204" charset="-122"/>
+                <a:cs typeface="微软雅黑" panose="020B0503020204020204" charset="-122"/>
+                <a:sym typeface="+mn-ea"/>
+              </a:rPr>
+              <a:t>编译的时候确定的</a:t>
+            </a:r>
+            <a:endParaRPr lang="zh-CN" sz="1600" dirty="0">
+              <a:solidFill>
+                <a:srgbClr val="474747"/>
+              </a:solidFill>
+              <a:latin typeface="微软雅黑" panose="020B0503020204020204" charset="-122"/>
+              <a:ea typeface="微软雅黑" panose="020B0503020204020204" charset="-122"/>
+              <a:cs typeface="微软雅黑" panose="020B0503020204020204" charset="-122"/>
+              <a:sym typeface="+mn-ea"/>
             </a:endParaRPr>
           </a:p>
         </p:txBody>
@@ -13530,7 +13623,7 @@
                 <a:ea typeface="微软雅黑" panose="020B0503020204020204" charset="-122"/>
                 <a:cs typeface="Times New Roman" panose="02020603050405020304" charset="0"/>
               </a:rPr>
-              <a:t>谢谢</a:t>
+              <a:t>字符和字符串</a:t>
             </a:r>
             <a:endParaRPr lang="zh-CN" sz="2200" u="sng" strike="noStrike" kern="0" cap="none" spc="0" baseline="0" dirty="0">
               <a:solidFill>
@@ -14085,6 +14178,326 @@
 </file>
 
 <file path=ppt/slides/slide24.xml><?xml version="1.0" encoding="utf-8"?>
+<p:sld xmlns:a="http://schemas.openxmlformats.org/drawingml/2006/main" xmlns:r="http://schemas.openxmlformats.org/officeDocument/2006/relationships" xmlns:p="http://schemas.openxmlformats.org/presentationml/2006/main">
+  <p:cSld>
+    <p:bg>
+      <p:bgPr>
+        <a:solidFill>
+          <a:schemeClr val="bg1"/>
+        </a:solidFill>
+        <a:effectLst/>
+      </p:bgPr>
+    </p:bg>
+    <p:spTree>
+      <p:nvGrpSpPr>
+        <p:cNvPr id="1" name=""/>
+        <p:cNvGrpSpPr/>
+        <p:nvPr/>
+      </p:nvGrpSpPr>
+      <p:grpSpPr>
+        <a:xfrm>
+          <a:off x="0" y="0"/>
+          <a:ext cx="0" cy="0"/>
+          <a:chOff x="0" y="0"/>
+          <a:chExt cx="0" cy="0"/>
+        </a:xfrm>
+      </p:grpSpPr>
+      <p:sp>
+        <p:nvSpPr>
+          <p:cNvPr id="13" name="文本框"/>
+          <p:cNvSpPr>
+            <a:spLocks noGrp="1"/>
+          </p:cNvSpPr>
+          <p:nvPr>
+            <p:ph type="body" idx="1"/>
+          </p:nvPr>
+        </p:nvSpPr>
+        <p:spPr>
+          <a:xfrm>
+            <a:off x="467544" y="1275606"/>
+            <a:ext cx="8229600" cy="507999"/>
+          </a:xfrm>
+          <a:prstGeom prst="rect">
+            <a:avLst/>
+          </a:prstGeom>
+          <a:noFill/>
+          <a:ln w="9525" cap="flat" cmpd="sng">
+            <a:noFill/>
+            <a:prstDash val="solid"/>
+            <a:round/>
+          </a:ln>
+        </p:spPr>
+        <p:txBody>
+          <a:bodyPr vert="horz" wrap="square" lIns="91440" tIns="45720" rIns="91440" bIns="45720" anchor="ctr" anchorCtr="0"/>
+          <a:lstStyle/>
+          <a:p>
+            <a:pPr marL="0" indent="0" algn="l">
+              <a:lnSpc>
+                <a:spcPct val="100000"/>
+              </a:lnSpc>
+              <a:spcBef>
+                <a:spcPct val="20000"/>
+              </a:spcBef>
+              <a:spcAft>
+                <a:spcPts val="0"/>
+              </a:spcAft>
+              <a:buNone/>
+            </a:pPr>
+            <a:r>
+              <a:rPr lang="en-US" altLang="zh-CN" sz="2200" u="none" strike="noStrike" kern="0" cap="none" spc="0" baseline="0" dirty="0">
+                <a:solidFill>
+                  <a:srgbClr val="212121"/>
+                </a:solidFill>
+                <a:latin typeface="微软雅黑" panose="020B0503020204020204" charset="-122"/>
+                <a:ea typeface="微软雅黑" panose="020B0503020204020204" charset="-122"/>
+                <a:cs typeface="Times New Roman" panose="02020603050405020304" charset="0"/>
+              </a:rPr>
+              <a:t> </a:t>
+            </a:r>
+            <a:r>
+              <a:rPr lang="zh-CN" sz="2200" u="sng" strike="noStrike" kern="0" cap="none" spc="0" baseline="0" dirty="0">
+                <a:solidFill>
+                  <a:srgbClr val="212121"/>
+                </a:solidFill>
+                <a:latin typeface="微软雅黑" panose="020B0503020204020204" charset="-122"/>
+                <a:ea typeface="微软雅黑" panose="020B0503020204020204" charset="-122"/>
+                <a:cs typeface="Times New Roman" panose="02020603050405020304" charset="0"/>
+              </a:rPr>
+              <a:t>谢谢</a:t>
+            </a:r>
+            <a:endParaRPr lang="zh-CN" sz="2200" u="sng" strike="noStrike" kern="0" cap="none" spc="0" baseline="0" dirty="0">
+              <a:solidFill>
+                <a:srgbClr val="212121"/>
+              </a:solidFill>
+              <a:latin typeface="微软雅黑" panose="020B0503020204020204" charset="-122"/>
+              <a:ea typeface="微软雅黑" panose="020B0503020204020204" charset="-122"/>
+              <a:cs typeface="Times New Roman" panose="02020603050405020304" charset="0"/>
+            </a:endParaRPr>
+          </a:p>
+        </p:txBody>
+      </p:sp>
+      <p:sp>
+        <p:nvSpPr>
+          <p:cNvPr id="15" name="矩形"/>
+          <p:cNvSpPr/>
+          <p:nvPr/>
+        </p:nvSpPr>
+        <p:spPr>
+          <a:xfrm>
+            <a:off x="542290" y="2243138"/>
+            <a:ext cx="7918450" cy="337185"/>
+          </a:xfrm>
+          <a:prstGeom prst="rect">
+            <a:avLst/>
+          </a:prstGeom>
+          <a:noFill/>
+          <a:ln w="9525" cap="flat" cmpd="sng">
+            <a:noFill/>
+            <a:prstDash val="solid"/>
+            <a:miter/>
+          </a:ln>
+        </p:spPr>
+        <p:txBody>
+          <a:bodyPr vert="horz" wrap="square" lIns="91440" tIns="45720" rIns="91440" bIns="45720" anchor="ctr" anchorCtr="0">
+            <a:spAutoFit/>
+          </a:bodyPr>
+          <a:lstStyle/>
+          <a:p>
+            <a:pPr marL="800100" lvl="1" indent="-342900" algn="l">
+              <a:buFont typeface="Wingdings" panose="05000000000000000000" pitchFamily="2" charset="2"/>
+              <a:buChar char="u"/>
+            </a:pPr>
+            <a:r>
+              <a:rPr lang="zh-CN" sz="1600" u="none" strike="noStrike" kern="1200" cap="none" spc="0" baseline="0" dirty="0">
+                <a:solidFill>
+                  <a:srgbClr val="474747"/>
+                </a:solidFill>
+                <a:latin typeface="微软雅黑" panose="020B0503020204020204" charset="-122"/>
+                <a:ea typeface="微软雅黑" panose="020B0503020204020204" charset="-122"/>
+                <a:cs typeface="微软雅黑" panose="020B0503020204020204" charset="-122"/>
+              </a:rPr>
+              <a:t>谢谢</a:t>
+            </a:r>
+            <a:endParaRPr lang="zh-CN" sz="1600" u="none" strike="noStrike" kern="1200" cap="none" spc="0" baseline="0" dirty="0">
+              <a:solidFill>
+                <a:srgbClr val="474747"/>
+              </a:solidFill>
+              <a:latin typeface="微软雅黑" panose="020B0503020204020204" charset="-122"/>
+              <a:ea typeface="微软雅黑" panose="020B0503020204020204" charset="-122"/>
+              <a:cs typeface="微软雅黑" panose="020B0503020204020204" charset="-122"/>
+            </a:endParaRPr>
+          </a:p>
+        </p:txBody>
+      </p:sp>
+      <p:sp>
+        <p:nvSpPr>
+          <p:cNvPr id="17" name="矩形"/>
+          <p:cNvSpPr/>
+          <p:nvPr/>
+        </p:nvSpPr>
+        <p:spPr>
+          <a:xfrm>
+            <a:off x="3340151" y="497054"/>
+            <a:ext cx="1448435" cy="553085"/>
+          </a:xfrm>
+          <a:prstGeom prst="rect">
+            <a:avLst/>
+          </a:prstGeom>
+          <a:noFill/>
+          <a:ln w="9525" cap="flat" cmpd="sng">
+            <a:noFill/>
+            <a:prstDash val="solid"/>
+            <a:miter/>
+          </a:ln>
+        </p:spPr>
+        <p:txBody>
+          <a:bodyPr vert="horz" wrap="none" lIns="91440" tIns="45720" rIns="91440" bIns="45720" anchor="t" anchorCtr="0">
+            <a:spAutoFit/>
+          </a:bodyPr>
+          <a:lstStyle/>
+          <a:p>
+            <a:pPr algn="l"/>
+            <a:r>
+              <a:rPr lang="zh-CN" altLang="en-US" sz="3000" b="1" u="none" strike="noStrike" kern="0" cap="none" spc="0" baseline="0" dirty="0" err="1">
+                <a:solidFill>
+                  <a:srgbClr val="C9394A"/>
+                </a:solidFill>
+                <a:latin typeface="微软雅黑" panose="020B0503020204020204" charset="-122"/>
+                <a:ea typeface="微软雅黑" panose="020B0503020204020204" charset="-122"/>
+                <a:cs typeface="微软雅黑" panose="020B0503020204020204" charset="-122"/>
+              </a:rPr>
+              <a:t>go语言</a:t>
+            </a:r>
+            <a:endParaRPr lang="zh-CN" altLang="en-US" sz="3000" b="1" u="none" strike="noStrike" kern="0" cap="none" spc="0" baseline="0" dirty="0" err="1">
+              <a:solidFill>
+                <a:srgbClr val="C9394A"/>
+              </a:solidFill>
+              <a:latin typeface="微软雅黑" panose="020B0503020204020204" charset="-122"/>
+              <a:ea typeface="微软雅黑" panose="020B0503020204020204" charset="-122"/>
+              <a:cs typeface="微软雅黑" panose="020B0503020204020204" charset="-122"/>
+            </a:endParaRPr>
+          </a:p>
+        </p:txBody>
+      </p:sp>
+      <p:sp>
+        <p:nvSpPr>
+          <p:cNvPr id="2" name="矩形"/>
+          <p:cNvSpPr/>
+          <p:nvPr/>
+        </p:nvSpPr>
+        <p:spPr>
+          <a:xfrm>
+            <a:off x="542290" y="3209608"/>
+            <a:ext cx="7918450" cy="337185"/>
+          </a:xfrm>
+          <a:prstGeom prst="rect">
+            <a:avLst/>
+          </a:prstGeom>
+          <a:noFill/>
+          <a:ln w="9525" cap="flat" cmpd="sng">
+            <a:noFill/>
+            <a:prstDash val="solid"/>
+            <a:miter/>
+          </a:ln>
+        </p:spPr>
+        <p:txBody>
+          <a:bodyPr vert="horz" wrap="square" lIns="91440" tIns="45720" rIns="91440" bIns="45720" anchor="ctr" anchorCtr="0">
+            <a:spAutoFit/>
+          </a:bodyPr>
+          <a:p>
+            <a:pPr marL="800100" lvl="1" indent="-342900" algn="l">
+              <a:buFont typeface="Wingdings" panose="05000000000000000000" pitchFamily="2" charset="2"/>
+              <a:buChar char="u"/>
+            </a:pPr>
+            <a:r>
+              <a:rPr lang="zh-CN" sz="1600" dirty="0">
+                <a:solidFill>
+                  <a:srgbClr val="474747"/>
+                </a:solidFill>
+                <a:latin typeface="微软雅黑" panose="020B0503020204020204" charset="-122"/>
+                <a:ea typeface="微软雅黑" panose="020B0503020204020204" charset="-122"/>
+                <a:cs typeface="微软雅黑" panose="020B0503020204020204" charset="-122"/>
+                <a:sym typeface="+mn-ea"/>
+              </a:rPr>
+              <a:t>谢谢</a:t>
+            </a:r>
+            <a:endParaRPr lang="zh-CN" altLang="en-US" sz="1600" dirty="0">
+              <a:solidFill>
+                <a:srgbClr val="474747"/>
+              </a:solidFill>
+              <a:latin typeface="微软雅黑" panose="020B0503020204020204" charset="-122"/>
+              <a:ea typeface="微软雅黑" panose="020B0503020204020204" charset="-122"/>
+              <a:cs typeface="微软雅黑" panose="020B0503020204020204" charset="-122"/>
+              <a:sym typeface="Calibri" panose="020F0502020204030204" pitchFamily="34" charset="0"/>
+            </a:endParaRPr>
+          </a:p>
+        </p:txBody>
+      </p:sp>
+      <p:sp>
+        <p:nvSpPr>
+          <p:cNvPr id="3" name="文本框 2"/>
+          <p:cNvSpPr txBox="1"/>
+          <p:nvPr/>
+        </p:nvSpPr>
+        <p:spPr>
+          <a:xfrm>
+            <a:off x="542290" y="2726373"/>
+            <a:ext cx="6915150" cy="337185"/>
+          </a:xfrm>
+          <a:prstGeom prst="rect">
+            <a:avLst/>
+          </a:prstGeom>
+          <a:noFill/>
+        </p:spPr>
+        <p:txBody>
+          <a:bodyPr wrap="square" rtlCol="0" anchor="t">
+            <a:spAutoFit/>
+          </a:bodyPr>
+          <a:p>
+            <a:pPr marL="800100" lvl="1" indent="-342900" algn="l">
+              <a:buFont typeface="Wingdings" panose="05000000000000000000" pitchFamily="2" charset="2"/>
+              <a:buChar char="u"/>
+            </a:pPr>
+            <a:r>
+              <a:rPr lang="zh-CN" sz="1600" dirty="0">
+                <a:solidFill>
+                  <a:srgbClr val="474747"/>
+                </a:solidFill>
+                <a:latin typeface="微软雅黑" panose="020B0503020204020204" charset="-122"/>
+                <a:ea typeface="微软雅黑" panose="020B0503020204020204" charset="-122"/>
+                <a:cs typeface="微软雅黑" panose="020B0503020204020204" charset="-122"/>
+                <a:sym typeface="+mn-ea"/>
+              </a:rPr>
+              <a:t>谢谢</a:t>
+            </a:r>
+            <a:endParaRPr lang="en-US" altLang="zh-CN" sz="1600" dirty="0">
+              <a:solidFill>
+                <a:srgbClr val="474747"/>
+              </a:solidFill>
+              <a:latin typeface="微软雅黑" panose="020B0503020204020204" charset="-122"/>
+              <a:ea typeface="微软雅黑" panose="020B0503020204020204" charset="-122"/>
+              <a:cs typeface="微软雅黑" panose="020B0503020204020204" charset="-122"/>
+              <a:sym typeface="Calibri" panose="020F0502020204030204" pitchFamily="34" charset="0"/>
+            </a:endParaRPr>
+          </a:p>
+        </p:txBody>
+      </p:sp>
+    </p:spTree>
+  </p:cSld>
+  <p:clrMapOvr>
+    <a:masterClrMapping/>
+  </p:clrMapOvr>
+  <p:timing>
+    <p:tnLst>
+      <p:par>
+        <p:cTn id="1" dur="indefinite" restart="never" nodeType="tmRoot"/>
+      </p:par>
+    </p:tnLst>
+  </p:timing>
+</p:sld>
+</file>
+
+<file path=ppt/slides/slide25.xml><?xml version="1.0" encoding="utf-8"?>
 <p:sld xmlns:a="http://schemas.openxmlformats.org/drawingml/2006/main" xmlns:r="http://schemas.openxmlformats.org/officeDocument/2006/relationships" xmlns:p="http://schemas.openxmlformats.org/presentationml/2006/main">
   <p:cSld>
     <p:bg>

--- a/tuling/go语言_傻大猫.pptx
+++ b/tuling/go语言_傻大猫.pptx
@@ -27,8 +27,8 @@
     <p:sldId id="349" r:id="rId20"/>
     <p:sldId id="351" r:id="rId21"/>
     <p:sldId id="359" r:id="rId22"/>
-    <p:sldId id="373" r:id="rId23"/>
-    <p:sldId id="360" r:id="rId24"/>
+    <p:sldId id="360" r:id="rId23"/>
+    <p:sldId id="373" r:id="rId24"/>
     <p:sldId id="361" r:id="rId25"/>
     <p:sldId id="352" r:id="rId26"/>
     <p:sldId id="353" r:id="rId27"/>
@@ -12250,7 +12250,7 @@
                 <a:ea typeface="微软雅黑" panose="020B0503020204020204" charset="-122"/>
                 <a:cs typeface="Times New Roman" panose="02020603050405020304" charset="0"/>
               </a:rPr>
-              <a:t>指针</a:t>
+              <a:t>常量</a:t>
             </a:r>
             <a:endParaRPr lang="zh-CN" sz="2200" u="sng" strike="noStrike" kern="0" cap="none" spc="0" baseline="0" dirty="0">
               <a:solidFill>
@@ -12271,7 +12271,7 @@
         </p:nvSpPr>
         <p:spPr>
           <a:xfrm>
-            <a:off x="542290" y="2243138"/>
+            <a:off x="622935" y="2661603"/>
             <a:ext cx="7918450" cy="337185"/>
           </a:xfrm>
           <a:prstGeom prst="rect">
@@ -12303,9 +12303,20 @@
                 <a:ea typeface="微软雅黑" panose="020B0503020204020204" charset="-122"/>
                 <a:cs typeface="微软雅黑" panose="020B0503020204020204" charset="-122"/>
               </a:rPr>
-              <a:t>谢谢</a:t>
-            </a:r>
-            <a:endParaRPr lang="zh-CN" sz="1600" u="none" strike="noStrike" kern="1200" cap="none" spc="0" baseline="0" dirty="0">
+              <a:t>不设定</a:t>
+            </a:r>
+            <a:r>
+              <a:rPr lang="zh-CN" sz="1600" u="none" strike="noStrike" kern="1200" cap="none" spc="0" baseline="0" dirty="0">
+                <a:solidFill>
+                  <a:srgbClr val="474747"/>
+                </a:solidFill>
+                <a:latin typeface="微软雅黑" panose="020B0503020204020204" charset="-122"/>
+                <a:ea typeface="微软雅黑" panose="020B0503020204020204" charset="-122"/>
+                <a:cs typeface="微软雅黑" panose="020B0503020204020204" charset="-122"/>
+              </a:rPr>
+              <a:t>类型的时候</a:t>
+            </a:r>
+            <a:endParaRPr lang="en-US" altLang="zh-CN" sz="1600" u="none" strike="noStrike" kern="1200" cap="none" spc="0" baseline="0" dirty="0">
               <a:solidFill>
                 <a:srgbClr val="474747"/>
               </a:solidFill>
@@ -12374,7 +12385,7 @@
         </p:nvSpPr>
         <p:spPr>
           <a:xfrm>
-            <a:off x="542290" y="3209608"/>
+            <a:off x="622935" y="3656013"/>
             <a:ext cx="7918450" cy="337185"/>
           </a:xfrm>
           <a:prstGeom prst="rect">
@@ -12397,7 +12408,7 @@
               <a:buChar char="u"/>
             </a:pPr>
             <a:r>
-              <a:rPr lang="zh-CN" sz="1600" dirty="0">
+              <a:rPr lang="en-US" altLang="zh-CN" sz="1600" dirty="0">
                 <a:solidFill>
                   <a:srgbClr val="474747"/>
                 </a:solidFill>
@@ -12406,47 +12417,10 @@
                 <a:cs typeface="微软雅黑" panose="020B0503020204020204" charset="-122"/>
                 <a:sym typeface="+mn-ea"/>
               </a:rPr>
-              <a:t>谢谢</a:t>
-            </a:r>
-            <a:endParaRPr lang="zh-CN" altLang="en-US" sz="1600" dirty="0">
-              <a:solidFill>
-                <a:srgbClr val="474747"/>
-              </a:solidFill>
-              <a:latin typeface="微软雅黑" panose="020B0503020204020204" charset="-122"/>
-              <a:ea typeface="微软雅黑" panose="020B0503020204020204" charset="-122"/>
-              <a:cs typeface="微软雅黑" panose="020B0503020204020204" charset="-122"/>
-              <a:sym typeface="Calibri" panose="020F0502020204030204" pitchFamily="34" charset="0"/>
-            </a:endParaRPr>
-          </a:p>
-        </p:txBody>
-      </p:sp>
-      <p:sp>
-        <p:nvSpPr>
-          <p:cNvPr id="3" name="文本框 2"/>
-          <p:cNvSpPr txBox="1"/>
-          <p:nvPr/>
-        </p:nvSpPr>
-        <p:spPr>
-          <a:xfrm>
-            <a:off x="542290" y="2726373"/>
-            <a:ext cx="6915150" cy="337185"/>
-          </a:xfrm>
-          <a:prstGeom prst="rect">
-            <a:avLst/>
-          </a:prstGeom>
-          <a:noFill/>
-        </p:spPr>
-        <p:txBody>
-          <a:bodyPr wrap="square" rtlCol="0" anchor="t">
-            <a:spAutoFit/>
-          </a:bodyPr>
-          <a:p>
-            <a:pPr marL="800100" lvl="1" indent="-342900" algn="l">
-              <a:buFont typeface="Wingdings" panose="05000000000000000000" pitchFamily="2" charset="2"/>
-              <a:buChar char="u"/>
-            </a:pPr>
-            <a:r>
-              <a:rPr lang="zh-CN" sz="1600" dirty="0">
+              <a:t>iota 可以被编译器修改的常量, </a:t>
+            </a:r>
+            <a:r>
+              <a:rPr lang="zh-CN" altLang="en-US" sz="1600" dirty="0">
                 <a:solidFill>
                   <a:srgbClr val="474747"/>
                 </a:solidFill>
@@ -12455,7 +12429,19 @@
                 <a:cs typeface="微软雅黑" panose="020B0503020204020204" charset="-122"/>
                 <a:sym typeface="+mn-ea"/>
               </a:rPr>
-              <a:t>谢谢</a:t>
+              <a:t>每当</a:t>
+            </a:r>
+            <a:r>
+              <a:rPr lang="en-US" altLang="zh-CN" sz="1600" dirty="0">
+                <a:solidFill>
+                  <a:srgbClr val="474747"/>
+                </a:solidFill>
+                <a:latin typeface="微软雅黑" panose="020B0503020204020204" charset="-122"/>
+                <a:ea typeface="微软雅黑" panose="020B0503020204020204" charset="-122"/>
+                <a:cs typeface="微软雅黑" panose="020B0503020204020204" charset="-122"/>
+                <a:sym typeface="+mn-ea"/>
+              </a:rPr>
+              <a:t>const 出现时都会被赋值为0</a:t>
             </a:r>
             <a:endParaRPr lang="en-US" altLang="zh-CN" sz="1600" dirty="0">
               <a:solidFill>
@@ -12464,7 +12450,177 @@
               <a:latin typeface="微软雅黑" panose="020B0503020204020204" charset="-122"/>
               <a:ea typeface="微软雅黑" panose="020B0503020204020204" charset="-122"/>
               <a:cs typeface="微软雅黑" panose="020B0503020204020204" charset="-122"/>
-              <a:sym typeface="Calibri" panose="020F0502020204030204" pitchFamily="34" charset="0"/>
+              <a:sym typeface="+mn-ea"/>
+            </a:endParaRPr>
+          </a:p>
+        </p:txBody>
+      </p:sp>
+      <p:sp>
+        <p:nvSpPr>
+          <p:cNvPr id="3" name="文本框 2"/>
+          <p:cNvSpPr txBox="1"/>
+          <p:nvPr/>
+        </p:nvSpPr>
+        <p:spPr>
+          <a:xfrm>
+            <a:off x="622935" y="3158808"/>
+            <a:ext cx="6915150" cy="337185"/>
+          </a:xfrm>
+          <a:prstGeom prst="rect">
+            <a:avLst/>
+          </a:prstGeom>
+          <a:noFill/>
+        </p:spPr>
+        <p:txBody>
+          <a:bodyPr wrap="square" rtlCol="0" anchor="t">
+            <a:spAutoFit/>
+          </a:bodyPr>
+          <a:p>
+            <a:pPr marL="800100" lvl="1" indent="-342900" algn="l">
+              <a:buFont typeface="Wingdings" panose="05000000000000000000" pitchFamily="2" charset="2"/>
+              <a:buChar char="u"/>
+            </a:pPr>
+            <a:r>
+              <a:rPr lang="zh-CN" altLang="en-US" sz="1600" dirty="0">
+                <a:solidFill>
+                  <a:srgbClr val="FF0000"/>
+                </a:solidFill>
+                <a:latin typeface="微软雅黑" panose="020B0503020204020204" charset="-122"/>
+                <a:ea typeface="微软雅黑" panose="020B0503020204020204" charset="-122"/>
+                <a:cs typeface="微软雅黑" panose="020B0503020204020204" charset="-122"/>
+                <a:sym typeface="+mn-ea"/>
+              </a:rPr>
+              <a:t>右值可以是表达式</a:t>
+            </a:r>
+            <a:r>
+              <a:rPr lang="en-US" altLang="zh-CN" sz="1600" dirty="0">
+                <a:solidFill>
+                  <a:srgbClr val="FF0000"/>
+                </a:solidFill>
+                <a:latin typeface="微软雅黑" panose="020B0503020204020204" charset="-122"/>
+                <a:ea typeface="微软雅黑" panose="020B0503020204020204" charset="-122"/>
+                <a:cs typeface="微软雅黑" panose="020B0503020204020204" charset="-122"/>
+                <a:sym typeface="+mn-ea"/>
+              </a:rPr>
+              <a:t>(</a:t>
+            </a:r>
+            <a:r>
+              <a:rPr lang="zh-CN" altLang="en-US" sz="1600" dirty="0">
+                <a:solidFill>
+                  <a:srgbClr val="FF0000"/>
+                </a:solidFill>
+                <a:latin typeface="微软雅黑" panose="020B0503020204020204" charset="-122"/>
+                <a:ea typeface="微软雅黑" panose="020B0503020204020204" charset="-122"/>
+                <a:cs typeface="微软雅黑" panose="020B0503020204020204" charset="-122"/>
+                <a:sym typeface="+mn-ea"/>
+              </a:rPr>
+              <a:t>只能内置函数和运算符</a:t>
+            </a:r>
+            <a:r>
+              <a:rPr lang="en-US" altLang="zh-CN" sz="1600" dirty="0">
+                <a:solidFill>
+                  <a:srgbClr val="FF0000"/>
+                </a:solidFill>
+                <a:latin typeface="微软雅黑" panose="020B0503020204020204" charset="-122"/>
+                <a:ea typeface="微软雅黑" panose="020B0503020204020204" charset="-122"/>
+                <a:cs typeface="微软雅黑" panose="020B0503020204020204" charset="-122"/>
+                <a:sym typeface="+mn-ea"/>
+              </a:rPr>
+              <a:t>)</a:t>
+            </a:r>
+            <a:endParaRPr lang="zh-CN" sz="1600" dirty="0">
+              <a:solidFill>
+                <a:srgbClr val="474747"/>
+              </a:solidFill>
+              <a:latin typeface="微软雅黑" panose="020B0503020204020204" charset="-122"/>
+              <a:ea typeface="微软雅黑" panose="020B0503020204020204" charset="-122"/>
+              <a:cs typeface="微软雅黑" panose="020B0503020204020204" charset="-122"/>
+              <a:sym typeface="+mn-ea"/>
+            </a:endParaRPr>
+          </a:p>
+        </p:txBody>
+      </p:sp>
+      <p:sp>
+        <p:nvSpPr>
+          <p:cNvPr id="4" name="矩形"/>
+          <p:cNvSpPr/>
+          <p:nvPr/>
+        </p:nvSpPr>
+        <p:spPr>
+          <a:xfrm>
+            <a:off x="622935" y="2164398"/>
+            <a:ext cx="7918450" cy="337185"/>
+          </a:xfrm>
+          <a:prstGeom prst="rect">
+            <a:avLst/>
+          </a:prstGeom>
+          <a:noFill/>
+          <a:ln w="9525" cap="flat" cmpd="sng">
+            <a:noFill/>
+            <a:prstDash val="solid"/>
+            <a:miter/>
+          </a:ln>
+        </p:spPr>
+        <p:txBody>
+          <a:bodyPr vert="horz" wrap="square" lIns="91440" tIns="45720" rIns="91440" bIns="45720" anchor="ctr" anchorCtr="0">
+            <a:spAutoFit/>
+          </a:bodyPr>
+          <a:p>
+            <a:pPr marL="800100" lvl="1" indent="-342900" algn="l">
+              <a:buFont typeface="Wingdings" panose="05000000000000000000" pitchFamily="2" charset="2"/>
+              <a:buChar char="u"/>
+            </a:pPr>
+            <a:r>
+              <a:rPr lang="en-US" altLang="zh-CN" sz="1600" u="none" strike="noStrike" kern="1200" cap="none" spc="0" baseline="0" dirty="0">
+                <a:solidFill>
+                  <a:srgbClr val="474747"/>
+                </a:solidFill>
+                <a:latin typeface="微软雅黑" panose="020B0503020204020204" charset="-122"/>
+                <a:ea typeface="微软雅黑" panose="020B0503020204020204" charset="-122"/>
+                <a:cs typeface="微软雅黑" panose="020B0503020204020204" charset="-122"/>
+              </a:rPr>
+              <a:t>const </a:t>
+            </a:r>
+            <a:r>
+              <a:rPr lang="zh-CN" altLang="zh-CN" sz="1600" u="none" strike="noStrike" kern="1200" cap="none" spc="0" baseline="0" dirty="0">
+                <a:solidFill>
+                  <a:srgbClr val="474747"/>
+                </a:solidFill>
+                <a:latin typeface="微软雅黑" panose="020B0503020204020204" charset="-122"/>
+                <a:ea typeface="微软雅黑" panose="020B0503020204020204" charset="-122"/>
+                <a:cs typeface="微软雅黑" panose="020B0503020204020204" charset="-122"/>
+              </a:rPr>
+              <a:t>常量名 类型</a:t>
+            </a:r>
+            <a:r>
+              <a:rPr lang="en-US" altLang="zh-CN" sz="1600" u="none" strike="noStrike" kern="1200" cap="none" spc="0" baseline="0" dirty="0">
+                <a:solidFill>
+                  <a:srgbClr val="474747"/>
+                </a:solidFill>
+                <a:latin typeface="微软雅黑" panose="020B0503020204020204" charset="-122"/>
+                <a:ea typeface="微软雅黑" panose="020B0503020204020204" charset="-122"/>
+                <a:cs typeface="微软雅黑" panose="020B0503020204020204" charset="-122"/>
+              </a:rPr>
+              <a:t> = </a:t>
+            </a:r>
+            <a:r>
+              <a:rPr lang="zh-CN" altLang="en-US" sz="1600" u="none" strike="noStrike" kern="1200" cap="none" spc="0" baseline="0" dirty="0">
+                <a:solidFill>
+                  <a:srgbClr val="474747"/>
+                </a:solidFill>
+                <a:latin typeface="微软雅黑" panose="020B0503020204020204" charset="-122"/>
+                <a:ea typeface="微软雅黑" panose="020B0503020204020204" charset="-122"/>
+                <a:cs typeface="微软雅黑" panose="020B0503020204020204" charset="-122"/>
+              </a:rPr>
+              <a:t>值</a:t>
+            </a:r>
+            <a:endParaRPr lang="en-US" altLang="zh-CN" sz="1600" u="none" strike="noStrike" kern="1200" cap="none" spc="0" baseline="0" dirty="0">
+              <a:solidFill>
+                <a:srgbClr val="FF0000"/>
+              </a:solidFill>
+              <a:latin typeface="微软雅黑" panose="020B0503020204020204" charset="-122"/>
+              <a:ea typeface="微软雅黑" panose="020B0503020204020204" charset="-122"/>
+              <a:cs typeface="微软雅黑" panose="020B0503020204020204" charset="-122"/>
             </a:endParaRPr>
           </a:p>
         </p:txBody>
@@ -12983,7 +13139,7 @@
                 <a:ea typeface="微软雅黑" panose="020B0503020204020204" charset="-122"/>
                 <a:cs typeface="Times New Roman" panose="02020603050405020304" charset="0"/>
               </a:rPr>
-              <a:t>常量的定义</a:t>
+              <a:t>指针</a:t>
             </a:r>
             <a:endParaRPr lang="zh-CN" sz="2200" u="sng" strike="noStrike" kern="0" cap="none" spc="0" baseline="0" dirty="0">
               <a:solidFill>
@@ -13036,7 +13192,62 @@
                 <a:ea typeface="微软雅黑" panose="020B0503020204020204" charset="-122"/>
                 <a:cs typeface="微软雅黑" panose="020B0503020204020204" charset="-122"/>
               </a:rPr>
-              <a:t>不设类型的时候</a:t>
+              <a:t>指针地址和指针类型  </a:t>
+            </a:r>
+            <a:r>
+              <a:rPr lang="en-US" altLang="zh-CN" sz="1600" u="none" strike="noStrike" kern="1200" cap="none" spc="0" baseline="0" dirty="0">
+                <a:solidFill>
+                  <a:srgbClr val="474747"/>
+                </a:solidFill>
+                <a:latin typeface="微软雅黑" panose="020B0503020204020204" charset="-122"/>
+                <a:ea typeface="微软雅黑" panose="020B0503020204020204" charset="-122"/>
+                <a:cs typeface="微软雅黑" panose="020B0503020204020204" charset="-122"/>
+              </a:rPr>
+              <a:t>(</a:t>
+            </a:r>
+            <a:r>
+              <a:rPr lang="zh-CN" altLang="en-US" sz="1600" u="none" strike="noStrike" kern="1200" cap="none" spc="0" baseline="0" dirty="0">
+                <a:solidFill>
+                  <a:srgbClr val="474747"/>
+                </a:solidFill>
+                <a:latin typeface="微软雅黑" panose="020B0503020204020204" charset="-122"/>
+                <a:ea typeface="微软雅黑" panose="020B0503020204020204" charset="-122"/>
+                <a:cs typeface="微软雅黑" panose="020B0503020204020204" charset="-122"/>
+              </a:rPr>
+              <a:t>取地址符 </a:t>
+            </a:r>
+            <a:r>
+              <a:rPr lang="en-US" altLang="zh-CN" sz="1600" u="none" strike="noStrike" kern="1200" cap="none" spc="0" baseline="0" dirty="0">
+                <a:solidFill>
+                  <a:srgbClr val="474747"/>
+                </a:solidFill>
+                <a:latin typeface="微软雅黑" panose="020B0503020204020204" charset="-122"/>
+                <a:ea typeface="微软雅黑" panose="020B0503020204020204" charset="-122"/>
+                <a:cs typeface="微软雅黑" panose="020B0503020204020204" charset="-122"/>
+              </a:rPr>
+              <a:t>&amp;  </a:t>
+            </a:r>
+            <a:r>
+              <a:rPr lang="zh-CN" altLang="en-US" sz="1600" u="none" strike="noStrike" kern="1200" cap="none" spc="0" baseline="0" dirty="0">
+                <a:solidFill>
+                  <a:srgbClr val="474747"/>
+                </a:solidFill>
+                <a:latin typeface="微软雅黑" panose="020B0503020204020204" charset="-122"/>
+                <a:ea typeface="微软雅黑" panose="020B0503020204020204" charset="-122"/>
+                <a:cs typeface="微软雅黑" panose="020B0503020204020204" charset="-122"/>
+              </a:rPr>
+              <a:t>指针类型 </a:t>
+            </a:r>
+            <a:r>
+              <a:rPr lang="en-US" altLang="zh-CN" sz="1600" u="none" strike="noStrike" kern="1200" cap="none" spc="0" baseline="0" dirty="0">
+                <a:solidFill>
+                  <a:srgbClr val="474747"/>
+                </a:solidFill>
+                <a:latin typeface="微软雅黑" panose="020B0503020204020204" charset="-122"/>
+                <a:ea typeface="微软雅黑" panose="020B0503020204020204" charset="-122"/>
+                <a:cs typeface="微软雅黑" panose="020B0503020204020204" charset="-122"/>
+              </a:rPr>
+              <a:t>*int)</a:t>
             </a:r>
             <a:endParaRPr lang="en-US" altLang="zh-CN" sz="1600" u="none" strike="noStrike" kern="1200" cap="none" spc="0" baseline="0" dirty="0">
               <a:solidFill>
@@ -13107,7 +13318,7 @@
         </p:nvSpPr>
         <p:spPr>
           <a:xfrm>
-            <a:off x="542290" y="3209608"/>
+            <a:off x="542290" y="3194368"/>
             <a:ext cx="7918450" cy="337185"/>
           </a:xfrm>
           <a:prstGeom prst="rect">
@@ -13139,9 +13350,45 @@
                 <a:cs typeface="微软雅黑" panose="020B0503020204020204" charset="-122"/>
                 <a:sym typeface="+mn-ea"/>
               </a:rPr>
-              <a:t>iota</a:t>
-            </a:r>
-            <a:endParaRPr lang="en-US" altLang="zh-CN" sz="1600" dirty="0">
+              <a:t>new(</a:t>
+            </a:r>
+            <a:r>
+              <a:rPr lang="zh-CN" altLang="en-US" sz="1600" dirty="0">
+                <a:solidFill>
+                  <a:srgbClr val="474747"/>
+                </a:solidFill>
+                <a:latin typeface="微软雅黑" panose="020B0503020204020204" charset="-122"/>
+                <a:ea typeface="微软雅黑" panose="020B0503020204020204" charset="-122"/>
+                <a:cs typeface="微软雅黑" panose="020B0503020204020204" charset="-122"/>
+                <a:sym typeface="+mn-ea"/>
+              </a:rPr>
+              <a:t>类型</a:t>
+            </a:r>
+            <a:r>
+              <a:rPr lang="en-US" altLang="zh-CN" sz="1600" dirty="0">
+                <a:solidFill>
+                  <a:srgbClr val="474747"/>
+                </a:solidFill>
+                <a:latin typeface="微软雅黑" panose="020B0503020204020204" charset="-122"/>
+                <a:ea typeface="微软雅黑" panose="020B0503020204020204" charset="-122"/>
+                <a:cs typeface="微软雅黑" panose="020B0503020204020204" charset="-122"/>
+                <a:sym typeface="+mn-ea"/>
+              </a:rPr>
+              <a:t>) </a:t>
+            </a:r>
+            <a:r>
+              <a:rPr lang="zh-CN" altLang="en-US" sz="1600" dirty="0">
+                <a:solidFill>
+                  <a:srgbClr val="474747"/>
+                </a:solidFill>
+                <a:latin typeface="微软雅黑" panose="020B0503020204020204" charset="-122"/>
+                <a:ea typeface="微软雅黑" panose="020B0503020204020204" charset="-122"/>
+                <a:cs typeface="微软雅黑" panose="020B0503020204020204" charset="-122"/>
+                <a:sym typeface="+mn-ea"/>
+              </a:rPr>
+              <a:t>函数</a:t>
+            </a:r>
+            <a:endParaRPr lang="zh-CN" altLang="en-US" sz="1600" dirty="0">
               <a:solidFill>
                 <a:srgbClr val="474747"/>
               </a:solidFill>
@@ -13161,7 +13408,7 @@
         </p:nvSpPr>
         <p:spPr>
           <a:xfrm>
-            <a:off x="542290" y="2726373"/>
+            <a:off x="542290" y="2718753"/>
             <a:ext cx="6915150" cy="337185"/>
           </a:xfrm>
           <a:prstGeom prst="rect">
@@ -13179,7 +13426,7 @@
               <a:buChar char="u"/>
             </a:pPr>
             <a:r>
-              <a:rPr lang="zh-CN" sz="1600" dirty="0">
+              <a:rPr lang="en-US" altLang="zh-CN" sz="1600" dirty="0">
                 <a:solidFill>
                   <a:srgbClr val="474747"/>
                 </a:solidFill>
@@ -13188,9 +13435,9 @@
                 <a:cs typeface="微软雅黑" panose="020B0503020204020204" charset="-122"/>
                 <a:sym typeface="+mn-ea"/>
               </a:rPr>
-              <a:t>编译的时候确定的</a:t>
-            </a:r>
-            <a:endParaRPr lang="zh-CN" sz="1600" dirty="0">
+              <a:t>指针指向的值(获取和修改)  *ptr</a:t>
+            </a:r>
+            <a:endParaRPr lang="en-US" altLang="zh-CN" sz="1600" dirty="0">
               <a:solidFill>
                 <a:srgbClr val="474747"/>
               </a:solidFill>

--- a/tuling/go语言_傻大猫.pptx
+++ b/tuling/go语言_傻大猫.pptx
@@ -29,11 +29,10 @@
     <p:sldId id="359" r:id="rId22"/>
     <p:sldId id="360" r:id="rId23"/>
     <p:sldId id="373" r:id="rId24"/>
-    <p:sldId id="361" r:id="rId25"/>
-    <p:sldId id="352" r:id="rId26"/>
-    <p:sldId id="353" r:id="rId27"/>
-    <p:sldId id="354" r:id="rId28"/>
-    <p:sldId id="322" r:id="rId29"/>
+    <p:sldId id="352" r:id="rId25"/>
+    <p:sldId id="353" r:id="rId26"/>
+    <p:sldId id="354" r:id="rId27"/>
+    <p:sldId id="322" r:id="rId28"/>
   </p:sldIdLst>
   <p:sldSz cx="9144000" cy="5143500" type="screen16x9"/>
   <p:notesSz cx="6858000" cy="9144000"/>
@@ -2359,110 +2358,6 @@
 </file>
 
 <file path=ppt/notesSlides/notesSlide23.xml><?xml version="1.0" encoding="utf-8"?>
-<p:notes xmlns:a="http://schemas.openxmlformats.org/drawingml/2006/main" xmlns:r="http://schemas.openxmlformats.org/officeDocument/2006/relationships" xmlns:p="http://schemas.openxmlformats.org/presentationml/2006/main">
-  <p:cSld>
-    <p:spTree>
-      <p:nvGrpSpPr>
-        <p:cNvPr id="1" name=""/>
-        <p:cNvGrpSpPr/>
-        <p:nvPr/>
-      </p:nvGrpSpPr>
-      <p:grpSpPr>
-        <a:xfrm>
-          <a:off x="0" y="0"/>
-          <a:ext cx="0" cy="0"/>
-          <a:chOff x="0" y="0"/>
-          <a:chExt cx="0" cy="0"/>
-        </a:xfrm>
-      </p:grpSpPr>
-      <p:sp>
-        <p:nvSpPr>
-          <p:cNvPr id="2" name="文本框"/>
-          <p:cNvSpPr>
-            <a:spLocks noGrp="1" noRot="1" noChangeAspect="1"/>
-          </p:cNvSpPr>
-          <p:nvPr>
-            <p:ph type="sldImg"/>
-          </p:nvPr>
-        </p:nvSpPr>
-        <p:spPr/>
-      </p:sp>
-      <p:sp>
-        <p:nvSpPr>
-          <p:cNvPr id="3" name="文本框"/>
-          <p:cNvSpPr>
-            <a:spLocks noGrp="1"/>
-          </p:cNvSpPr>
-          <p:nvPr>
-            <p:ph type="body" idx="1"/>
-          </p:nvPr>
-        </p:nvSpPr>
-        <p:spPr/>
-        <p:txBody>
-          <a:bodyPr/>
-          <a:lstStyle/>
-          <a:p>
-            <a:endParaRPr lang="zh-CN" altLang="en-US"/>
-          </a:p>
-        </p:txBody>
-      </p:sp>
-      <p:sp>
-        <p:nvSpPr>
-          <p:cNvPr id="9" name="文本框"/>
-          <p:cNvSpPr>
-            <a:spLocks noGrp="1"/>
-          </p:cNvSpPr>
-          <p:nvPr>
-            <p:ph type="sldNum" idx="5"/>
-          </p:nvPr>
-        </p:nvSpPr>
-        <p:spPr>
-          <a:xfrm>
-            <a:off x="3884613" y="8685213"/>
-            <a:ext cx="2971800" cy="457200"/>
-          </a:xfrm>
-          <a:prstGeom prst="rect">
-            <a:avLst/>
-          </a:prstGeom>
-          <a:noFill/>
-          <a:ln w="9525" cap="flat" cmpd="sng">
-            <a:noFill/>
-            <a:prstDash val="solid"/>
-            <a:round/>
-          </a:ln>
-        </p:spPr>
-        <p:txBody>
-          <a:bodyPr vert="horz" wrap="square" lIns="91440" tIns="45720" rIns="91440" bIns="45720" anchor="b" anchorCtr="0"/>
-          <a:lstStyle/>
-          <a:p>
-            <a:pPr algn="r"/>
-            <a:fld id="{CAD2D6BD-DE1B-4B5F-8B41-2702339687B9}" type="slidenum">
-              <a:rPr lang="en-US" altLang="zh-CN" sz="1800" u="none" strike="noStrike" kern="1200" cap="none" spc="0" baseline="0">
-                <a:solidFill>
-                  <a:schemeClr val="tx1"/>
-                </a:solidFill>
-                <a:latin typeface="Calibri" panose="020F0502020204030204" pitchFamily="34" charset="0"/>
-                <a:ea typeface="宋体" panose="02010600030101010101" pitchFamily="2" charset="-122"/>
-                <a:cs typeface="Calibri" panose="020F0502020204030204" pitchFamily="34" charset="0"/>
-              </a:rPr>
-            </a:fld>
-            <a:endParaRPr lang="zh-CN" altLang="en-US" sz="1200">
-              <a:latin typeface="Calibri" panose="020F0502020204030204" pitchFamily="34" charset="0"/>
-              <a:ea typeface="宋体" panose="02010600030101010101" pitchFamily="2" charset="-122"/>
-              <a:cs typeface="Calibri" panose="020F0502020204030204" pitchFamily="34" charset="0"/>
-            </a:endParaRPr>
-          </a:p>
-        </p:txBody>
-      </p:sp>
-    </p:spTree>
-  </p:cSld>
-  <p:clrMapOvr>
-    <a:masterClrMapping/>
-  </p:clrMapOvr>
-</p:notes>
-</file>
-
-<file path=ppt/notesSlides/notesSlide24.xml><?xml version="1.0" encoding="utf-8"?>
 <p:notes xmlns:a="http://schemas.openxmlformats.org/drawingml/2006/main" xmlns:r="http://schemas.openxmlformats.org/officeDocument/2006/relationships" xmlns:p="http://schemas.openxmlformats.org/presentationml/2006/main">
   <p:cSld>
     <p:spTree>
@@ -13542,7 +13437,7 @@
               <a:t> </a:t>
             </a:r>
             <a:r>
-              <a:rPr lang="zh-CN" sz="2200" u="sng" strike="noStrike" kern="0" cap="none" spc="0" baseline="0" dirty="0">
+              <a:rPr lang="zh-CN" altLang="zh-CN" sz="2200" u="none" strike="noStrike" kern="0" cap="none" spc="0" baseline="0" dirty="0">
                 <a:solidFill>
                   <a:srgbClr val="212121"/>
                 </a:solidFill>
@@ -13550,9 +13445,9 @@
                 <a:ea typeface="微软雅黑" panose="020B0503020204020204" charset="-122"/>
                 <a:cs typeface="Times New Roman" panose="02020603050405020304" charset="0"/>
               </a:rPr>
-              <a:t>谢谢</a:t>
-            </a:r>
-            <a:endParaRPr lang="zh-CN" sz="2200" u="sng" strike="noStrike" kern="0" cap="none" spc="0" baseline="0" dirty="0">
+              <a:t>条件判断</a:t>
+            </a:r>
+            <a:endParaRPr lang="zh-CN" altLang="zh-CN" sz="2200" u="none" strike="noStrike" kern="0" cap="none" spc="0" baseline="0" dirty="0">
               <a:solidFill>
                 <a:srgbClr val="212121"/>
               </a:solidFill>
@@ -13595,7 +13490,7 @@
               <a:buChar char="u"/>
             </a:pPr>
             <a:r>
-              <a:rPr lang="zh-CN" sz="1600" u="none" strike="noStrike" kern="1200" cap="none" spc="0" baseline="0" dirty="0">
+              <a:rPr lang="en-US" altLang="zh-CN" sz="1600" u="none" strike="noStrike" kern="1200" cap="none" spc="0" baseline="0" dirty="0">
                 <a:solidFill>
                   <a:srgbClr val="474747"/>
                 </a:solidFill>
@@ -13603,9 +13498,9 @@
                 <a:ea typeface="微软雅黑" panose="020B0503020204020204" charset="-122"/>
                 <a:cs typeface="微软雅黑" panose="020B0503020204020204" charset="-122"/>
               </a:rPr>
-              <a:t>谢谢</a:t>
-            </a:r>
-            <a:endParaRPr lang="zh-CN" sz="1600" u="none" strike="noStrike" kern="1200" cap="none" spc="0" baseline="0" dirty="0">
+              <a:t>if</a:t>
+            </a:r>
+            <a:endParaRPr lang="en-US" altLang="zh-CN" sz="1600" u="none" strike="noStrike" kern="1200" cap="none" spc="0" baseline="0" dirty="0">
               <a:solidFill>
                 <a:srgbClr val="474747"/>
               </a:solidFill>
@@ -13668,27 +13563,22 @@
       </p:sp>
       <p:sp>
         <p:nvSpPr>
-          <p:cNvPr id="2" name="矩形"/>
-          <p:cNvSpPr/>
+          <p:cNvPr id="3" name="文本框 2"/>
+          <p:cNvSpPr txBox="1"/>
           <p:nvPr/>
         </p:nvSpPr>
         <p:spPr>
           <a:xfrm>
-            <a:off x="542290" y="3209608"/>
-            <a:ext cx="7918450" cy="337185"/>
+            <a:off x="542290" y="2726373"/>
+            <a:ext cx="6915150" cy="337185"/>
           </a:xfrm>
           <a:prstGeom prst="rect">
             <a:avLst/>
           </a:prstGeom>
           <a:noFill/>
-          <a:ln w="9525" cap="flat" cmpd="sng">
-            <a:noFill/>
-            <a:prstDash val="solid"/>
-            <a:miter/>
-          </a:ln>
-        </p:spPr>
-        <p:txBody>
-          <a:bodyPr vert="horz" wrap="square" lIns="91440" tIns="45720" rIns="91440" bIns="45720" anchor="ctr" anchorCtr="0">
+        </p:spPr>
+        <p:txBody>
+          <a:bodyPr wrap="square" rtlCol="0" anchor="t">
             <a:spAutoFit/>
           </a:bodyPr>
           <a:p>
@@ -13697,7 +13587,7 @@
               <a:buChar char="u"/>
             </a:pPr>
             <a:r>
-              <a:rPr lang="zh-CN" sz="1600" dirty="0">
+              <a:rPr lang="en-US" altLang="zh-CN" sz="1600" dirty="0">
                 <a:solidFill>
                   <a:srgbClr val="474747"/>
                 </a:solidFill>
@@ -13706,56 +13596,7 @@
                 <a:cs typeface="微软雅黑" panose="020B0503020204020204" charset="-122"/>
                 <a:sym typeface="+mn-ea"/>
               </a:rPr>
-              <a:t>谢谢</a:t>
-            </a:r>
-            <a:endParaRPr lang="zh-CN" altLang="en-US" sz="1600" dirty="0">
-              <a:solidFill>
-                <a:srgbClr val="474747"/>
-              </a:solidFill>
-              <a:latin typeface="微软雅黑" panose="020B0503020204020204" charset="-122"/>
-              <a:ea typeface="微软雅黑" panose="020B0503020204020204" charset="-122"/>
-              <a:cs typeface="微软雅黑" panose="020B0503020204020204" charset="-122"/>
-              <a:sym typeface="Calibri" panose="020F0502020204030204" pitchFamily="34" charset="0"/>
-            </a:endParaRPr>
-          </a:p>
-        </p:txBody>
-      </p:sp>
-      <p:sp>
-        <p:nvSpPr>
-          <p:cNvPr id="3" name="文本框 2"/>
-          <p:cNvSpPr txBox="1"/>
-          <p:nvPr/>
-        </p:nvSpPr>
-        <p:spPr>
-          <a:xfrm>
-            <a:off x="542290" y="2726373"/>
-            <a:ext cx="6915150" cy="337185"/>
-          </a:xfrm>
-          <a:prstGeom prst="rect">
-            <a:avLst/>
-          </a:prstGeom>
-          <a:noFill/>
-        </p:spPr>
-        <p:txBody>
-          <a:bodyPr wrap="square" rtlCol="0" anchor="t">
-            <a:spAutoFit/>
-          </a:bodyPr>
-          <a:p>
-            <a:pPr marL="800100" lvl="1" indent="-342900" algn="l">
-              <a:buFont typeface="Wingdings" panose="05000000000000000000" pitchFamily="2" charset="2"/>
-              <a:buChar char="u"/>
-            </a:pPr>
-            <a:r>
-              <a:rPr lang="zh-CN" sz="1600" dirty="0">
-                <a:solidFill>
-                  <a:srgbClr val="474747"/>
-                </a:solidFill>
-                <a:latin typeface="微软雅黑" panose="020B0503020204020204" charset="-122"/>
-                <a:ea typeface="微软雅黑" panose="020B0503020204020204" charset="-122"/>
-                <a:cs typeface="微软雅黑" panose="020B0503020204020204" charset="-122"/>
-                <a:sym typeface="+mn-ea"/>
-              </a:rPr>
-              <a:t>谢谢</a:t>
+              <a:t>switch</a:t>
             </a:r>
             <a:endParaRPr lang="en-US" altLang="zh-CN" sz="1600" dirty="0">
               <a:solidFill>
@@ -13764,7 +13605,7 @@
               <a:latin typeface="微软雅黑" panose="020B0503020204020204" charset="-122"/>
               <a:ea typeface="微软雅黑" panose="020B0503020204020204" charset="-122"/>
               <a:cs typeface="微软雅黑" panose="020B0503020204020204" charset="-122"/>
-              <a:sym typeface="Calibri" panose="020F0502020204030204" pitchFamily="34" charset="0"/>
+              <a:sym typeface="+mn-ea"/>
             </a:endParaRPr>
           </a:p>
         </p:txBody>
@@ -13870,7 +13711,7 @@
                 <a:ea typeface="微软雅黑" panose="020B0503020204020204" charset="-122"/>
                 <a:cs typeface="Times New Roman" panose="02020603050405020304" charset="0"/>
               </a:rPr>
-              <a:t>字符和字符串</a:t>
+              <a:t>谢谢</a:t>
             </a:r>
             <a:endParaRPr lang="zh-CN" sz="2200" u="sng" strike="noStrike" kern="0" cap="none" spc="0" baseline="0" dirty="0">
               <a:solidFill>
@@ -14425,326 +14266,6 @@
 </file>
 
 <file path=ppt/slides/slide24.xml><?xml version="1.0" encoding="utf-8"?>
-<p:sld xmlns:a="http://schemas.openxmlformats.org/drawingml/2006/main" xmlns:r="http://schemas.openxmlformats.org/officeDocument/2006/relationships" xmlns:p="http://schemas.openxmlformats.org/presentationml/2006/main">
-  <p:cSld>
-    <p:bg>
-      <p:bgPr>
-        <a:solidFill>
-          <a:schemeClr val="bg1"/>
-        </a:solidFill>
-        <a:effectLst/>
-      </p:bgPr>
-    </p:bg>
-    <p:spTree>
-      <p:nvGrpSpPr>
-        <p:cNvPr id="1" name=""/>
-        <p:cNvGrpSpPr/>
-        <p:nvPr/>
-      </p:nvGrpSpPr>
-      <p:grpSpPr>
-        <a:xfrm>
-          <a:off x="0" y="0"/>
-          <a:ext cx="0" cy="0"/>
-          <a:chOff x="0" y="0"/>
-          <a:chExt cx="0" cy="0"/>
-        </a:xfrm>
-      </p:grpSpPr>
-      <p:sp>
-        <p:nvSpPr>
-          <p:cNvPr id="13" name="文本框"/>
-          <p:cNvSpPr>
-            <a:spLocks noGrp="1"/>
-          </p:cNvSpPr>
-          <p:nvPr>
-            <p:ph type="body" idx="1"/>
-          </p:nvPr>
-        </p:nvSpPr>
-        <p:spPr>
-          <a:xfrm>
-            <a:off x="467544" y="1275606"/>
-            <a:ext cx="8229600" cy="507999"/>
-          </a:xfrm>
-          <a:prstGeom prst="rect">
-            <a:avLst/>
-          </a:prstGeom>
-          <a:noFill/>
-          <a:ln w="9525" cap="flat" cmpd="sng">
-            <a:noFill/>
-            <a:prstDash val="solid"/>
-            <a:round/>
-          </a:ln>
-        </p:spPr>
-        <p:txBody>
-          <a:bodyPr vert="horz" wrap="square" lIns="91440" tIns="45720" rIns="91440" bIns="45720" anchor="ctr" anchorCtr="0"/>
-          <a:lstStyle/>
-          <a:p>
-            <a:pPr marL="0" indent="0" algn="l">
-              <a:lnSpc>
-                <a:spcPct val="100000"/>
-              </a:lnSpc>
-              <a:spcBef>
-                <a:spcPct val="20000"/>
-              </a:spcBef>
-              <a:spcAft>
-                <a:spcPts val="0"/>
-              </a:spcAft>
-              <a:buNone/>
-            </a:pPr>
-            <a:r>
-              <a:rPr lang="en-US" altLang="zh-CN" sz="2200" u="none" strike="noStrike" kern="0" cap="none" spc="0" baseline="0" dirty="0">
-                <a:solidFill>
-                  <a:srgbClr val="212121"/>
-                </a:solidFill>
-                <a:latin typeface="微软雅黑" panose="020B0503020204020204" charset="-122"/>
-                <a:ea typeface="微软雅黑" panose="020B0503020204020204" charset="-122"/>
-                <a:cs typeface="Times New Roman" panose="02020603050405020304" charset="0"/>
-              </a:rPr>
-              <a:t> </a:t>
-            </a:r>
-            <a:r>
-              <a:rPr lang="zh-CN" sz="2200" u="sng" strike="noStrike" kern="0" cap="none" spc="0" baseline="0" dirty="0">
-                <a:solidFill>
-                  <a:srgbClr val="212121"/>
-                </a:solidFill>
-                <a:latin typeface="微软雅黑" panose="020B0503020204020204" charset="-122"/>
-                <a:ea typeface="微软雅黑" panose="020B0503020204020204" charset="-122"/>
-                <a:cs typeface="Times New Roman" panose="02020603050405020304" charset="0"/>
-              </a:rPr>
-              <a:t>谢谢</a:t>
-            </a:r>
-            <a:endParaRPr lang="zh-CN" sz="2200" u="sng" strike="noStrike" kern="0" cap="none" spc="0" baseline="0" dirty="0">
-              <a:solidFill>
-                <a:srgbClr val="212121"/>
-              </a:solidFill>
-              <a:latin typeface="微软雅黑" panose="020B0503020204020204" charset="-122"/>
-              <a:ea typeface="微软雅黑" panose="020B0503020204020204" charset="-122"/>
-              <a:cs typeface="Times New Roman" panose="02020603050405020304" charset="0"/>
-            </a:endParaRPr>
-          </a:p>
-        </p:txBody>
-      </p:sp>
-      <p:sp>
-        <p:nvSpPr>
-          <p:cNvPr id="15" name="矩形"/>
-          <p:cNvSpPr/>
-          <p:nvPr/>
-        </p:nvSpPr>
-        <p:spPr>
-          <a:xfrm>
-            <a:off x="542290" y="2243138"/>
-            <a:ext cx="7918450" cy="337185"/>
-          </a:xfrm>
-          <a:prstGeom prst="rect">
-            <a:avLst/>
-          </a:prstGeom>
-          <a:noFill/>
-          <a:ln w="9525" cap="flat" cmpd="sng">
-            <a:noFill/>
-            <a:prstDash val="solid"/>
-            <a:miter/>
-          </a:ln>
-        </p:spPr>
-        <p:txBody>
-          <a:bodyPr vert="horz" wrap="square" lIns="91440" tIns="45720" rIns="91440" bIns="45720" anchor="ctr" anchorCtr="0">
-            <a:spAutoFit/>
-          </a:bodyPr>
-          <a:lstStyle/>
-          <a:p>
-            <a:pPr marL="800100" lvl="1" indent="-342900" algn="l">
-              <a:buFont typeface="Wingdings" panose="05000000000000000000" pitchFamily="2" charset="2"/>
-              <a:buChar char="u"/>
-            </a:pPr>
-            <a:r>
-              <a:rPr lang="zh-CN" sz="1600" u="none" strike="noStrike" kern="1200" cap="none" spc="0" baseline="0" dirty="0">
-                <a:solidFill>
-                  <a:srgbClr val="474747"/>
-                </a:solidFill>
-                <a:latin typeface="微软雅黑" panose="020B0503020204020204" charset="-122"/>
-                <a:ea typeface="微软雅黑" panose="020B0503020204020204" charset="-122"/>
-                <a:cs typeface="微软雅黑" panose="020B0503020204020204" charset="-122"/>
-              </a:rPr>
-              <a:t>谢谢</a:t>
-            </a:r>
-            <a:endParaRPr lang="zh-CN" sz="1600" u="none" strike="noStrike" kern="1200" cap="none" spc="0" baseline="0" dirty="0">
-              <a:solidFill>
-                <a:srgbClr val="474747"/>
-              </a:solidFill>
-              <a:latin typeface="微软雅黑" panose="020B0503020204020204" charset="-122"/>
-              <a:ea typeface="微软雅黑" panose="020B0503020204020204" charset="-122"/>
-              <a:cs typeface="微软雅黑" panose="020B0503020204020204" charset="-122"/>
-            </a:endParaRPr>
-          </a:p>
-        </p:txBody>
-      </p:sp>
-      <p:sp>
-        <p:nvSpPr>
-          <p:cNvPr id="17" name="矩形"/>
-          <p:cNvSpPr/>
-          <p:nvPr/>
-        </p:nvSpPr>
-        <p:spPr>
-          <a:xfrm>
-            <a:off x="3340151" y="497054"/>
-            <a:ext cx="1448435" cy="553085"/>
-          </a:xfrm>
-          <a:prstGeom prst="rect">
-            <a:avLst/>
-          </a:prstGeom>
-          <a:noFill/>
-          <a:ln w="9525" cap="flat" cmpd="sng">
-            <a:noFill/>
-            <a:prstDash val="solid"/>
-            <a:miter/>
-          </a:ln>
-        </p:spPr>
-        <p:txBody>
-          <a:bodyPr vert="horz" wrap="none" lIns="91440" tIns="45720" rIns="91440" bIns="45720" anchor="t" anchorCtr="0">
-            <a:spAutoFit/>
-          </a:bodyPr>
-          <a:lstStyle/>
-          <a:p>
-            <a:pPr algn="l"/>
-            <a:r>
-              <a:rPr lang="zh-CN" altLang="en-US" sz="3000" b="1" u="none" strike="noStrike" kern="0" cap="none" spc="0" baseline="0" dirty="0" err="1">
-                <a:solidFill>
-                  <a:srgbClr val="C9394A"/>
-                </a:solidFill>
-                <a:latin typeface="微软雅黑" panose="020B0503020204020204" charset="-122"/>
-                <a:ea typeface="微软雅黑" panose="020B0503020204020204" charset="-122"/>
-                <a:cs typeface="微软雅黑" panose="020B0503020204020204" charset="-122"/>
-              </a:rPr>
-              <a:t>go语言</a:t>
-            </a:r>
-            <a:endParaRPr lang="zh-CN" altLang="en-US" sz="3000" b="1" u="none" strike="noStrike" kern="0" cap="none" spc="0" baseline="0" dirty="0" err="1">
-              <a:solidFill>
-                <a:srgbClr val="C9394A"/>
-              </a:solidFill>
-              <a:latin typeface="微软雅黑" panose="020B0503020204020204" charset="-122"/>
-              <a:ea typeface="微软雅黑" panose="020B0503020204020204" charset="-122"/>
-              <a:cs typeface="微软雅黑" panose="020B0503020204020204" charset="-122"/>
-            </a:endParaRPr>
-          </a:p>
-        </p:txBody>
-      </p:sp>
-      <p:sp>
-        <p:nvSpPr>
-          <p:cNvPr id="2" name="矩形"/>
-          <p:cNvSpPr/>
-          <p:nvPr/>
-        </p:nvSpPr>
-        <p:spPr>
-          <a:xfrm>
-            <a:off x="542290" y="3209608"/>
-            <a:ext cx="7918450" cy="337185"/>
-          </a:xfrm>
-          <a:prstGeom prst="rect">
-            <a:avLst/>
-          </a:prstGeom>
-          <a:noFill/>
-          <a:ln w="9525" cap="flat" cmpd="sng">
-            <a:noFill/>
-            <a:prstDash val="solid"/>
-            <a:miter/>
-          </a:ln>
-        </p:spPr>
-        <p:txBody>
-          <a:bodyPr vert="horz" wrap="square" lIns="91440" tIns="45720" rIns="91440" bIns="45720" anchor="ctr" anchorCtr="0">
-            <a:spAutoFit/>
-          </a:bodyPr>
-          <a:p>
-            <a:pPr marL="800100" lvl="1" indent="-342900" algn="l">
-              <a:buFont typeface="Wingdings" panose="05000000000000000000" pitchFamily="2" charset="2"/>
-              <a:buChar char="u"/>
-            </a:pPr>
-            <a:r>
-              <a:rPr lang="zh-CN" sz="1600" dirty="0">
-                <a:solidFill>
-                  <a:srgbClr val="474747"/>
-                </a:solidFill>
-                <a:latin typeface="微软雅黑" panose="020B0503020204020204" charset="-122"/>
-                <a:ea typeface="微软雅黑" panose="020B0503020204020204" charset="-122"/>
-                <a:cs typeface="微软雅黑" panose="020B0503020204020204" charset="-122"/>
-                <a:sym typeface="+mn-ea"/>
-              </a:rPr>
-              <a:t>谢谢</a:t>
-            </a:r>
-            <a:endParaRPr lang="zh-CN" altLang="en-US" sz="1600" dirty="0">
-              <a:solidFill>
-                <a:srgbClr val="474747"/>
-              </a:solidFill>
-              <a:latin typeface="微软雅黑" panose="020B0503020204020204" charset="-122"/>
-              <a:ea typeface="微软雅黑" panose="020B0503020204020204" charset="-122"/>
-              <a:cs typeface="微软雅黑" panose="020B0503020204020204" charset="-122"/>
-              <a:sym typeface="Calibri" panose="020F0502020204030204" pitchFamily="34" charset="0"/>
-            </a:endParaRPr>
-          </a:p>
-        </p:txBody>
-      </p:sp>
-      <p:sp>
-        <p:nvSpPr>
-          <p:cNvPr id="3" name="文本框 2"/>
-          <p:cNvSpPr txBox="1"/>
-          <p:nvPr/>
-        </p:nvSpPr>
-        <p:spPr>
-          <a:xfrm>
-            <a:off x="542290" y="2726373"/>
-            <a:ext cx="6915150" cy="337185"/>
-          </a:xfrm>
-          <a:prstGeom prst="rect">
-            <a:avLst/>
-          </a:prstGeom>
-          <a:noFill/>
-        </p:spPr>
-        <p:txBody>
-          <a:bodyPr wrap="square" rtlCol="0" anchor="t">
-            <a:spAutoFit/>
-          </a:bodyPr>
-          <a:p>
-            <a:pPr marL="800100" lvl="1" indent="-342900" algn="l">
-              <a:buFont typeface="Wingdings" panose="05000000000000000000" pitchFamily="2" charset="2"/>
-              <a:buChar char="u"/>
-            </a:pPr>
-            <a:r>
-              <a:rPr lang="zh-CN" sz="1600" dirty="0">
-                <a:solidFill>
-                  <a:srgbClr val="474747"/>
-                </a:solidFill>
-                <a:latin typeface="微软雅黑" panose="020B0503020204020204" charset="-122"/>
-                <a:ea typeface="微软雅黑" panose="020B0503020204020204" charset="-122"/>
-                <a:cs typeface="微软雅黑" panose="020B0503020204020204" charset="-122"/>
-                <a:sym typeface="+mn-ea"/>
-              </a:rPr>
-              <a:t>谢谢</a:t>
-            </a:r>
-            <a:endParaRPr lang="en-US" altLang="zh-CN" sz="1600" dirty="0">
-              <a:solidFill>
-                <a:srgbClr val="474747"/>
-              </a:solidFill>
-              <a:latin typeface="微软雅黑" panose="020B0503020204020204" charset="-122"/>
-              <a:ea typeface="微软雅黑" panose="020B0503020204020204" charset="-122"/>
-              <a:cs typeface="微软雅黑" panose="020B0503020204020204" charset="-122"/>
-              <a:sym typeface="Calibri" panose="020F0502020204030204" pitchFamily="34" charset="0"/>
-            </a:endParaRPr>
-          </a:p>
-        </p:txBody>
-      </p:sp>
-    </p:spTree>
-  </p:cSld>
-  <p:clrMapOvr>
-    <a:masterClrMapping/>
-  </p:clrMapOvr>
-  <p:timing>
-    <p:tnLst>
-      <p:par>
-        <p:cTn id="1" dur="indefinite" restart="never" nodeType="tmRoot"/>
-      </p:par>
-    </p:tnLst>
-  </p:timing>
-</p:sld>
-</file>
-
-<file path=ppt/slides/slide25.xml><?xml version="1.0" encoding="utf-8"?>
 <p:sld xmlns:a="http://schemas.openxmlformats.org/drawingml/2006/main" xmlns:r="http://schemas.openxmlformats.org/officeDocument/2006/relationships" xmlns:p="http://schemas.openxmlformats.org/presentationml/2006/main">
   <p:cSld>
     <p:bg>

--- a/tuling/go语言_傻大猫.pptx
+++ b/tuling/go语言_傻大猫.pptx
@@ -26,13 +26,19 @@
     <p:sldId id="348" r:id="rId19"/>
     <p:sldId id="349" r:id="rId20"/>
     <p:sldId id="351" r:id="rId21"/>
-    <p:sldId id="359" r:id="rId22"/>
-    <p:sldId id="360" r:id="rId23"/>
-    <p:sldId id="373" r:id="rId24"/>
-    <p:sldId id="352" r:id="rId25"/>
-    <p:sldId id="353" r:id="rId26"/>
-    <p:sldId id="354" r:id="rId27"/>
-    <p:sldId id="322" r:id="rId28"/>
+    <p:sldId id="360" r:id="rId22"/>
+    <p:sldId id="373" r:id="rId23"/>
+    <p:sldId id="352" r:id="rId24"/>
+    <p:sldId id="353" r:id="rId25"/>
+    <p:sldId id="354" r:id="rId26"/>
+    <p:sldId id="378" r:id="rId27"/>
+    <p:sldId id="379" r:id="rId28"/>
+    <p:sldId id="380" r:id="rId29"/>
+    <p:sldId id="382" r:id="rId30"/>
+    <p:sldId id="383" r:id="rId31"/>
+    <p:sldId id="384" r:id="rId32"/>
+    <p:sldId id="381" r:id="rId33"/>
+    <p:sldId id="322" r:id="rId34"/>
   </p:sldIdLst>
   <p:sldSz cx="9144000" cy="5143500" type="screen16x9"/>
   <p:notesSz cx="6858000" cy="9144000"/>
@@ -2358,6 +2364,630 @@
 </file>
 
 <file path=ppt/notesSlides/notesSlide23.xml><?xml version="1.0" encoding="utf-8"?>
+<p:notes xmlns:a="http://schemas.openxmlformats.org/drawingml/2006/main" xmlns:r="http://schemas.openxmlformats.org/officeDocument/2006/relationships" xmlns:p="http://schemas.openxmlformats.org/presentationml/2006/main">
+  <p:cSld>
+    <p:spTree>
+      <p:nvGrpSpPr>
+        <p:cNvPr id="1" name=""/>
+        <p:cNvGrpSpPr/>
+        <p:nvPr/>
+      </p:nvGrpSpPr>
+      <p:grpSpPr>
+        <a:xfrm>
+          <a:off x="0" y="0"/>
+          <a:ext cx="0" cy="0"/>
+          <a:chOff x="0" y="0"/>
+          <a:chExt cx="0" cy="0"/>
+        </a:xfrm>
+      </p:grpSpPr>
+      <p:sp>
+        <p:nvSpPr>
+          <p:cNvPr id="2" name="文本框"/>
+          <p:cNvSpPr>
+            <a:spLocks noGrp="1" noRot="1" noChangeAspect="1"/>
+          </p:cNvSpPr>
+          <p:nvPr>
+            <p:ph type="sldImg"/>
+          </p:nvPr>
+        </p:nvSpPr>
+        <p:spPr/>
+      </p:sp>
+      <p:sp>
+        <p:nvSpPr>
+          <p:cNvPr id="3" name="文本框"/>
+          <p:cNvSpPr>
+            <a:spLocks noGrp="1"/>
+          </p:cNvSpPr>
+          <p:nvPr>
+            <p:ph type="body" idx="1"/>
+          </p:nvPr>
+        </p:nvSpPr>
+        <p:spPr/>
+        <p:txBody>
+          <a:bodyPr/>
+          <a:lstStyle/>
+          <a:p>
+            <a:endParaRPr lang="zh-CN" altLang="en-US"/>
+          </a:p>
+        </p:txBody>
+      </p:sp>
+      <p:sp>
+        <p:nvSpPr>
+          <p:cNvPr id="9" name="文本框"/>
+          <p:cNvSpPr>
+            <a:spLocks noGrp="1"/>
+          </p:cNvSpPr>
+          <p:nvPr>
+            <p:ph type="sldNum" idx="5"/>
+          </p:nvPr>
+        </p:nvSpPr>
+        <p:spPr>
+          <a:xfrm>
+            <a:off x="3884613" y="8685213"/>
+            <a:ext cx="2971800" cy="457200"/>
+          </a:xfrm>
+          <a:prstGeom prst="rect">
+            <a:avLst/>
+          </a:prstGeom>
+          <a:noFill/>
+          <a:ln w="9525" cap="flat" cmpd="sng">
+            <a:noFill/>
+            <a:prstDash val="solid"/>
+            <a:round/>
+          </a:ln>
+        </p:spPr>
+        <p:txBody>
+          <a:bodyPr vert="horz" wrap="square" lIns="91440" tIns="45720" rIns="91440" bIns="45720" anchor="b" anchorCtr="0"/>
+          <a:lstStyle/>
+          <a:p>
+            <a:pPr algn="r"/>
+            <a:fld id="{CAD2D6BD-DE1B-4B5F-8B41-2702339687B9}" type="slidenum">
+              <a:rPr lang="en-US" altLang="zh-CN" sz="1800" u="none" strike="noStrike" kern="1200" cap="none" spc="0" baseline="0">
+                <a:solidFill>
+                  <a:schemeClr val="tx1"/>
+                </a:solidFill>
+                <a:latin typeface="Calibri" panose="020F0502020204030204" pitchFamily="34" charset="0"/>
+                <a:ea typeface="宋体" panose="02010600030101010101" pitchFamily="2" charset="-122"/>
+                <a:cs typeface="Calibri" panose="020F0502020204030204" pitchFamily="34" charset="0"/>
+              </a:rPr>
+            </a:fld>
+            <a:endParaRPr lang="zh-CN" altLang="en-US" sz="1200">
+              <a:latin typeface="Calibri" panose="020F0502020204030204" pitchFamily="34" charset="0"/>
+              <a:ea typeface="宋体" panose="02010600030101010101" pitchFamily="2" charset="-122"/>
+              <a:cs typeface="Calibri" panose="020F0502020204030204" pitchFamily="34" charset="0"/>
+            </a:endParaRPr>
+          </a:p>
+        </p:txBody>
+      </p:sp>
+    </p:spTree>
+  </p:cSld>
+  <p:clrMapOvr>
+    <a:masterClrMapping/>
+  </p:clrMapOvr>
+</p:notes>
+</file>
+
+<file path=ppt/notesSlides/notesSlide24.xml><?xml version="1.0" encoding="utf-8"?>
+<p:notes xmlns:a="http://schemas.openxmlformats.org/drawingml/2006/main" xmlns:r="http://schemas.openxmlformats.org/officeDocument/2006/relationships" xmlns:p="http://schemas.openxmlformats.org/presentationml/2006/main">
+  <p:cSld>
+    <p:spTree>
+      <p:nvGrpSpPr>
+        <p:cNvPr id="1" name=""/>
+        <p:cNvGrpSpPr/>
+        <p:nvPr/>
+      </p:nvGrpSpPr>
+      <p:grpSpPr>
+        <a:xfrm>
+          <a:off x="0" y="0"/>
+          <a:ext cx="0" cy="0"/>
+          <a:chOff x="0" y="0"/>
+          <a:chExt cx="0" cy="0"/>
+        </a:xfrm>
+      </p:grpSpPr>
+      <p:sp>
+        <p:nvSpPr>
+          <p:cNvPr id="2" name="文本框"/>
+          <p:cNvSpPr>
+            <a:spLocks noGrp="1" noRot="1" noChangeAspect="1"/>
+          </p:cNvSpPr>
+          <p:nvPr>
+            <p:ph type="sldImg"/>
+          </p:nvPr>
+        </p:nvSpPr>
+        <p:spPr/>
+      </p:sp>
+      <p:sp>
+        <p:nvSpPr>
+          <p:cNvPr id="3" name="文本框"/>
+          <p:cNvSpPr>
+            <a:spLocks noGrp="1"/>
+          </p:cNvSpPr>
+          <p:nvPr>
+            <p:ph type="body" idx="1"/>
+          </p:nvPr>
+        </p:nvSpPr>
+        <p:spPr/>
+        <p:txBody>
+          <a:bodyPr/>
+          <a:lstStyle/>
+          <a:p>
+            <a:endParaRPr lang="zh-CN" altLang="en-US"/>
+          </a:p>
+        </p:txBody>
+      </p:sp>
+      <p:sp>
+        <p:nvSpPr>
+          <p:cNvPr id="9" name="文本框"/>
+          <p:cNvSpPr>
+            <a:spLocks noGrp="1"/>
+          </p:cNvSpPr>
+          <p:nvPr>
+            <p:ph type="sldNum" idx="5"/>
+          </p:nvPr>
+        </p:nvSpPr>
+        <p:spPr>
+          <a:xfrm>
+            <a:off x="3884613" y="8685213"/>
+            <a:ext cx="2971800" cy="457200"/>
+          </a:xfrm>
+          <a:prstGeom prst="rect">
+            <a:avLst/>
+          </a:prstGeom>
+          <a:noFill/>
+          <a:ln w="9525" cap="flat" cmpd="sng">
+            <a:noFill/>
+            <a:prstDash val="solid"/>
+            <a:round/>
+          </a:ln>
+        </p:spPr>
+        <p:txBody>
+          <a:bodyPr vert="horz" wrap="square" lIns="91440" tIns="45720" rIns="91440" bIns="45720" anchor="b" anchorCtr="0"/>
+          <a:lstStyle/>
+          <a:p>
+            <a:pPr algn="r"/>
+            <a:fld id="{CAD2D6BD-DE1B-4B5F-8B41-2702339687B9}" type="slidenum">
+              <a:rPr lang="en-US" altLang="zh-CN" sz="1800" u="none" strike="noStrike" kern="1200" cap="none" spc="0" baseline="0">
+                <a:solidFill>
+                  <a:schemeClr val="tx1"/>
+                </a:solidFill>
+                <a:latin typeface="Calibri" panose="020F0502020204030204" pitchFamily="34" charset="0"/>
+                <a:ea typeface="宋体" panose="02010600030101010101" pitchFamily="2" charset="-122"/>
+                <a:cs typeface="Calibri" panose="020F0502020204030204" pitchFamily="34" charset="0"/>
+              </a:rPr>
+            </a:fld>
+            <a:endParaRPr lang="zh-CN" altLang="en-US" sz="1200">
+              <a:latin typeface="Calibri" panose="020F0502020204030204" pitchFamily="34" charset="0"/>
+              <a:ea typeface="宋体" panose="02010600030101010101" pitchFamily="2" charset="-122"/>
+              <a:cs typeface="Calibri" panose="020F0502020204030204" pitchFamily="34" charset="0"/>
+            </a:endParaRPr>
+          </a:p>
+        </p:txBody>
+      </p:sp>
+    </p:spTree>
+  </p:cSld>
+  <p:clrMapOvr>
+    <a:masterClrMapping/>
+  </p:clrMapOvr>
+</p:notes>
+</file>
+
+<file path=ppt/notesSlides/notesSlide25.xml><?xml version="1.0" encoding="utf-8"?>
+<p:notes xmlns:a="http://schemas.openxmlformats.org/drawingml/2006/main" xmlns:r="http://schemas.openxmlformats.org/officeDocument/2006/relationships" xmlns:p="http://schemas.openxmlformats.org/presentationml/2006/main">
+  <p:cSld>
+    <p:spTree>
+      <p:nvGrpSpPr>
+        <p:cNvPr id="1" name=""/>
+        <p:cNvGrpSpPr/>
+        <p:nvPr/>
+      </p:nvGrpSpPr>
+      <p:grpSpPr>
+        <a:xfrm>
+          <a:off x="0" y="0"/>
+          <a:ext cx="0" cy="0"/>
+          <a:chOff x="0" y="0"/>
+          <a:chExt cx="0" cy="0"/>
+        </a:xfrm>
+      </p:grpSpPr>
+      <p:sp>
+        <p:nvSpPr>
+          <p:cNvPr id="2" name="文本框"/>
+          <p:cNvSpPr>
+            <a:spLocks noGrp="1" noRot="1" noChangeAspect="1"/>
+          </p:cNvSpPr>
+          <p:nvPr>
+            <p:ph type="sldImg"/>
+          </p:nvPr>
+        </p:nvSpPr>
+        <p:spPr/>
+      </p:sp>
+      <p:sp>
+        <p:nvSpPr>
+          <p:cNvPr id="3" name="文本框"/>
+          <p:cNvSpPr>
+            <a:spLocks noGrp="1"/>
+          </p:cNvSpPr>
+          <p:nvPr>
+            <p:ph type="body" idx="1"/>
+          </p:nvPr>
+        </p:nvSpPr>
+        <p:spPr/>
+        <p:txBody>
+          <a:bodyPr/>
+          <a:lstStyle/>
+          <a:p>
+            <a:endParaRPr lang="zh-CN" altLang="en-US"/>
+          </a:p>
+        </p:txBody>
+      </p:sp>
+      <p:sp>
+        <p:nvSpPr>
+          <p:cNvPr id="9" name="文本框"/>
+          <p:cNvSpPr>
+            <a:spLocks noGrp="1"/>
+          </p:cNvSpPr>
+          <p:nvPr>
+            <p:ph type="sldNum" idx="5"/>
+          </p:nvPr>
+        </p:nvSpPr>
+        <p:spPr>
+          <a:xfrm>
+            <a:off x="3884613" y="8685213"/>
+            <a:ext cx="2971800" cy="457200"/>
+          </a:xfrm>
+          <a:prstGeom prst="rect">
+            <a:avLst/>
+          </a:prstGeom>
+          <a:noFill/>
+          <a:ln w="9525" cap="flat" cmpd="sng">
+            <a:noFill/>
+            <a:prstDash val="solid"/>
+            <a:round/>
+          </a:ln>
+        </p:spPr>
+        <p:txBody>
+          <a:bodyPr vert="horz" wrap="square" lIns="91440" tIns="45720" rIns="91440" bIns="45720" anchor="b" anchorCtr="0"/>
+          <a:lstStyle/>
+          <a:p>
+            <a:pPr algn="r"/>
+            <a:fld id="{CAD2D6BD-DE1B-4B5F-8B41-2702339687B9}" type="slidenum">
+              <a:rPr lang="en-US" altLang="zh-CN" sz="1800" u="none" strike="noStrike" kern="1200" cap="none" spc="0" baseline="0">
+                <a:solidFill>
+                  <a:schemeClr val="tx1"/>
+                </a:solidFill>
+                <a:latin typeface="Calibri" panose="020F0502020204030204" pitchFamily="34" charset="0"/>
+                <a:ea typeface="宋体" panose="02010600030101010101" pitchFamily="2" charset="-122"/>
+                <a:cs typeface="Calibri" panose="020F0502020204030204" pitchFamily="34" charset="0"/>
+              </a:rPr>
+            </a:fld>
+            <a:endParaRPr lang="zh-CN" altLang="en-US" sz="1200">
+              <a:latin typeface="Calibri" panose="020F0502020204030204" pitchFamily="34" charset="0"/>
+              <a:ea typeface="宋体" panose="02010600030101010101" pitchFamily="2" charset="-122"/>
+              <a:cs typeface="Calibri" panose="020F0502020204030204" pitchFamily="34" charset="0"/>
+            </a:endParaRPr>
+          </a:p>
+        </p:txBody>
+      </p:sp>
+    </p:spTree>
+  </p:cSld>
+  <p:clrMapOvr>
+    <a:masterClrMapping/>
+  </p:clrMapOvr>
+</p:notes>
+</file>
+
+<file path=ppt/notesSlides/notesSlide26.xml><?xml version="1.0" encoding="utf-8"?>
+<p:notes xmlns:a="http://schemas.openxmlformats.org/drawingml/2006/main" xmlns:r="http://schemas.openxmlformats.org/officeDocument/2006/relationships" xmlns:p="http://schemas.openxmlformats.org/presentationml/2006/main">
+  <p:cSld>
+    <p:spTree>
+      <p:nvGrpSpPr>
+        <p:cNvPr id="1" name=""/>
+        <p:cNvGrpSpPr/>
+        <p:nvPr/>
+      </p:nvGrpSpPr>
+      <p:grpSpPr>
+        <a:xfrm>
+          <a:off x="0" y="0"/>
+          <a:ext cx="0" cy="0"/>
+          <a:chOff x="0" y="0"/>
+          <a:chExt cx="0" cy="0"/>
+        </a:xfrm>
+      </p:grpSpPr>
+      <p:sp>
+        <p:nvSpPr>
+          <p:cNvPr id="2" name="文本框"/>
+          <p:cNvSpPr>
+            <a:spLocks noGrp="1" noRot="1" noChangeAspect="1"/>
+          </p:cNvSpPr>
+          <p:nvPr>
+            <p:ph type="sldImg"/>
+          </p:nvPr>
+        </p:nvSpPr>
+        <p:spPr/>
+      </p:sp>
+      <p:sp>
+        <p:nvSpPr>
+          <p:cNvPr id="3" name="文本框"/>
+          <p:cNvSpPr>
+            <a:spLocks noGrp="1"/>
+          </p:cNvSpPr>
+          <p:nvPr>
+            <p:ph type="body" idx="1"/>
+          </p:nvPr>
+        </p:nvSpPr>
+        <p:spPr/>
+        <p:txBody>
+          <a:bodyPr/>
+          <a:lstStyle/>
+          <a:p>
+            <a:endParaRPr lang="zh-CN" altLang="en-US"/>
+          </a:p>
+        </p:txBody>
+      </p:sp>
+      <p:sp>
+        <p:nvSpPr>
+          <p:cNvPr id="9" name="文本框"/>
+          <p:cNvSpPr>
+            <a:spLocks noGrp="1"/>
+          </p:cNvSpPr>
+          <p:nvPr>
+            <p:ph type="sldNum" idx="5"/>
+          </p:nvPr>
+        </p:nvSpPr>
+        <p:spPr>
+          <a:xfrm>
+            <a:off x="3884613" y="8685213"/>
+            <a:ext cx="2971800" cy="457200"/>
+          </a:xfrm>
+          <a:prstGeom prst="rect">
+            <a:avLst/>
+          </a:prstGeom>
+          <a:noFill/>
+          <a:ln w="9525" cap="flat" cmpd="sng">
+            <a:noFill/>
+            <a:prstDash val="solid"/>
+            <a:round/>
+          </a:ln>
+        </p:spPr>
+        <p:txBody>
+          <a:bodyPr vert="horz" wrap="square" lIns="91440" tIns="45720" rIns="91440" bIns="45720" anchor="b" anchorCtr="0"/>
+          <a:lstStyle/>
+          <a:p>
+            <a:pPr algn="r"/>
+            <a:fld id="{CAD2D6BD-DE1B-4B5F-8B41-2702339687B9}" type="slidenum">
+              <a:rPr lang="en-US" altLang="zh-CN" sz="1800" u="none" strike="noStrike" kern="1200" cap="none" spc="0" baseline="0">
+                <a:solidFill>
+                  <a:schemeClr val="tx1"/>
+                </a:solidFill>
+                <a:latin typeface="Calibri" panose="020F0502020204030204" pitchFamily="34" charset="0"/>
+                <a:ea typeface="宋体" panose="02010600030101010101" pitchFamily="2" charset="-122"/>
+                <a:cs typeface="Calibri" panose="020F0502020204030204" pitchFamily="34" charset="0"/>
+              </a:rPr>
+            </a:fld>
+            <a:endParaRPr lang="zh-CN" altLang="en-US" sz="1200">
+              <a:latin typeface="Calibri" panose="020F0502020204030204" pitchFamily="34" charset="0"/>
+              <a:ea typeface="宋体" panose="02010600030101010101" pitchFamily="2" charset="-122"/>
+              <a:cs typeface="Calibri" panose="020F0502020204030204" pitchFamily="34" charset="0"/>
+            </a:endParaRPr>
+          </a:p>
+        </p:txBody>
+      </p:sp>
+    </p:spTree>
+  </p:cSld>
+  <p:clrMapOvr>
+    <a:masterClrMapping/>
+  </p:clrMapOvr>
+</p:notes>
+</file>
+
+<file path=ppt/notesSlides/notesSlide27.xml><?xml version="1.0" encoding="utf-8"?>
+<p:notes xmlns:a="http://schemas.openxmlformats.org/drawingml/2006/main" xmlns:r="http://schemas.openxmlformats.org/officeDocument/2006/relationships" xmlns:p="http://schemas.openxmlformats.org/presentationml/2006/main">
+  <p:cSld>
+    <p:spTree>
+      <p:nvGrpSpPr>
+        <p:cNvPr id="1" name=""/>
+        <p:cNvGrpSpPr/>
+        <p:nvPr/>
+      </p:nvGrpSpPr>
+      <p:grpSpPr>
+        <a:xfrm>
+          <a:off x="0" y="0"/>
+          <a:ext cx="0" cy="0"/>
+          <a:chOff x="0" y="0"/>
+          <a:chExt cx="0" cy="0"/>
+        </a:xfrm>
+      </p:grpSpPr>
+      <p:sp>
+        <p:nvSpPr>
+          <p:cNvPr id="2" name="文本框"/>
+          <p:cNvSpPr>
+            <a:spLocks noGrp="1" noRot="1" noChangeAspect="1"/>
+          </p:cNvSpPr>
+          <p:nvPr>
+            <p:ph type="sldImg"/>
+          </p:nvPr>
+        </p:nvSpPr>
+        <p:spPr/>
+      </p:sp>
+      <p:sp>
+        <p:nvSpPr>
+          <p:cNvPr id="3" name="文本框"/>
+          <p:cNvSpPr>
+            <a:spLocks noGrp="1"/>
+          </p:cNvSpPr>
+          <p:nvPr>
+            <p:ph type="body" idx="1"/>
+          </p:nvPr>
+        </p:nvSpPr>
+        <p:spPr/>
+        <p:txBody>
+          <a:bodyPr/>
+          <a:lstStyle/>
+          <a:p>
+            <a:endParaRPr lang="zh-CN" altLang="en-US"/>
+          </a:p>
+        </p:txBody>
+      </p:sp>
+      <p:sp>
+        <p:nvSpPr>
+          <p:cNvPr id="9" name="文本框"/>
+          <p:cNvSpPr>
+            <a:spLocks noGrp="1"/>
+          </p:cNvSpPr>
+          <p:nvPr>
+            <p:ph type="sldNum" idx="5"/>
+          </p:nvPr>
+        </p:nvSpPr>
+        <p:spPr>
+          <a:xfrm>
+            <a:off x="3884613" y="8685213"/>
+            <a:ext cx="2971800" cy="457200"/>
+          </a:xfrm>
+          <a:prstGeom prst="rect">
+            <a:avLst/>
+          </a:prstGeom>
+          <a:noFill/>
+          <a:ln w="9525" cap="flat" cmpd="sng">
+            <a:noFill/>
+            <a:prstDash val="solid"/>
+            <a:round/>
+          </a:ln>
+        </p:spPr>
+        <p:txBody>
+          <a:bodyPr vert="horz" wrap="square" lIns="91440" tIns="45720" rIns="91440" bIns="45720" anchor="b" anchorCtr="0"/>
+          <a:lstStyle/>
+          <a:p>
+            <a:pPr algn="r"/>
+            <a:fld id="{CAD2D6BD-DE1B-4B5F-8B41-2702339687B9}" type="slidenum">
+              <a:rPr lang="en-US" altLang="zh-CN" sz="1800" u="none" strike="noStrike" kern="1200" cap="none" spc="0" baseline="0">
+                <a:solidFill>
+                  <a:schemeClr val="tx1"/>
+                </a:solidFill>
+                <a:latin typeface="Calibri" panose="020F0502020204030204" pitchFamily="34" charset="0"/>
+                <a:ea typeface="宋体" panose="02010600030101010101" pitchFamily="2" charset="-122"/>
+                <a:cs typeface="Calibri" panose="020F0502020204030204" pitchFamily="34" charset="0"/>
+              </a:rPr>
+            </a:fld>
+            <a:endParaRPr lang="zh-CN" altLang="en-US" sz="1200">
+              <a:latin typeface="Calibri" panose="020F0502020204030204" pitchFamily="34" charset="0"/>
+              <a:ea typeface="宋体" panose="02010600030101010101" pitchFamily="2" charset="-122"/>
+              <a:cs typeface="Calibri" panose="020F0502020204030204" pitchFamily="34" charset="0"/>
+            </a:endParaRPr>
+          </a:p>
+        </p:txBody>
+      </p:sp>
+    </p:spTree>
+  </p:cSld>
+  <p:clrMapOvr>
+    <a:masterClrMapping/>
+  </p:clrMapOvr>
+</p:notes>
+</file>
+
+<file path=ppt/notesSlides/notesSlide28.xml><?xml version="1.0" encoding="utf-8"?>
+<p:notes xmlns:a="http://schemas.openxmlformats.org/drawingml/2006/main" xmlns:r="http://schemas.openxmlformats.org/officeDocument/2006/relationships" xmlns:p="http://schemas.openxmlformats.org/presentationml/2006/main">
+  <p:cSld>
+    <p:spTree>
+      <p:nvGrpSpPr>
+        <p:cNvPr id="1" name=""/>
+        <p:cNvGrpSpPr/>
+        <p:nvPr/>
+      </p:nvGrpSpPr>
+      <p:grpSpPr>
+        <a:xfrm>
+          <a:off x="0" y="0"/>
+          <a:ext cx="0" cy="0"/>
+          <a:chOff x="0" y="0"/>
+          <a:chExt cx="0" cy="0"/>
+        </a:xfrm>
+      </p:grpSpPr>
+      <p:sp>
+        <p:nvSpPr>
+          <p:cNvPr id="2" name="文本框"/>
+          <p:cNvSpPr>
+            <a:spLocks noGrp="1" noRot="1" noChangeAspect="1"/>
+          </p:cNvSpPr>
+          <p:nvPr>
+            <p:ph type="sldImg"/>
+          </p:nvPr>
+        </p:nvSpPr>
+        <p:spPr/>
+      </p:sp>
+      <p:sp>
+        <p:nvSpPr>
+          <p:cNvPr id="3" name="文本框"/>
+          <p:cNvSpPr>
+            <a:spLocks noGrp="1"/>
+          </p:cNvSpPr>
+          <p:nvPr>
+            <p:ph type="body" idx="1"/>
+          </p:nvPr>
+        </p:nvSpPr>
+        <p:spPr/>
+        <p:txBody>
+          <a:bodyPr/>
+          <a:lstStyle/>
+          <a:p>
+            <a:endParaRPr lang="zh-CN" altLang="en-US"/>
+          </a:p>
+        </p:txBody>
+      </p:sp>
+      <p:sp>
+        <p:nvSpPr>
+          <p:cNvPr id="9" name="文本框"/>
+          <p:cNvSpPr>
+            <a:spLocks noGrp="1"/>
+          </p:cNvSpPr>
+          <p:nvPr>
+            <p:ph type="sldNum" idx="5"/>
+          </p:nvPr>
+        </p:nvSpPr>
+        <p:spPr>
+          <a:xfrm>
+            <a:off x="3884613" y="8685213"/>
+            <a:ext cx="2971800" cy="457200"/>
+          </a:xfrm>
+          <a:prstGeom prst="rect">
+            <a:avLst/>
+          </a:prstGeom>
+          <a:noFill/>
+          <a:ln w="9525" cap="flat" cmpd="sng">
+            <a:noFill/>
+            <a:prstDash val="solid"/>
+            <a:round/>
+          </a:ln>
+        </p:spPr>
+        <p:txBody>
+          <a:bodyPr vert="horz" wrap="square" lIns="91440" tIns="45720" rIns="91440" bIns="45720" anchor="b" anchorCtr="0"/>
+          <a:lstStyle/>
+          <a:p>
+            <a:pPr algn="r"/>
+            <a:fld id="{CAD2D6BD-DE1B-4B5F-8B41-2702339687B9}" type="slidenum">
+              <a:rPr lang="en-US" altLang="zh-CN" sz="1800" u="none" strike="noStrike" kern="1200" cap="none" spc="0" baseline="0">
+                <a:solidFill>
+                  <a:schemeClr val="tx1"/>
+                </a:solidFill>
+                <a:latin typeface="Calibri" panose="020F0502020204030204" pitchFamily="34" charset="0"/>
+                <a:ea typeface="宋体" panose="02010600030101010101" pitchFamily="2" charset="-122"/>
+                <a:cs typeface="Calibri" panose="020F0502020204030204" pitchFamily="34" charset="0"/>
+              </a:rPr>
+            </a:fld>
+            <a:endParaRPr lang="zh-CN" altLang="en-US" sz="1200">
+              <a:latin typeface="Calibri" panose="020F0502020204030204" pitchFamily="34" charset="0"/>
+              <a:ea typeface="宋体" panose="02010600030101010101" pitchFamily="2" charset="-122"/>
+              <a:cs typeface="Calibri" panose="020F0502020204030204" pitchFamily="34" charset="0"/>
+            </a:endParaRPr>
+          </a:p>
+        </p:txBody>
+      </p:sp>
+    </p:spTree>
+  </p:cSld>
+  <p:clrMapOvr>
+    <a:masterClrMapping/>
+  </p:clrMapOvr>
+</p:notes>
+</file>
+
+<file path=ppt/notesSlides/notesSlide29.xml><?xml version="1.0" encoding="utf-8"?>
 <p:notes xmlns:a="http://schemas.openxmlformats.org/drawingml/2006/main" xmlns:r="http://schemas.openxmlformats.org/officeDocument/2006/relationships" xmlns:p="http://schemas.openxmlformats.org/presentationml/2006/main">
   <p:cSld>
     <p:spTree>
@@ -11825,7 +12455,7 @@
                 <a:ea typeface="微软雅黑" panose="020B0503020204020204" charset="-122"/>
                 <a:cs typeface="Times New Roman" panose="02020603050405020304" charset="0"/>
               </a:rPr>
-              <a:t>谢谢</a:t>
+              <a:t>常量</a:t>
             </a:r>
             <a:endParaRPr lang="zh-CN" sz="2200" u="sng" strike="noStrike" kern="0" cap="none" spc="0" baseline="0" dirty="0">
               <a:solidFill>
@@ -11846,7 +12476,7 @@
         </p:nvSpPr>
         <p:spPr>
           <a:xfrm>
-            <a:off x="542290" y="2243138"/>
+            <a:off x="622935" y="2661603"/>
             <a:ext cx="7918450" cy="337185"/>
           </a:xfrm>
           <a:prstGeom prst="rect">
@@ -11878,9 +12508,20 @@
                 <a:ea typeface="微软雅黑" panose="020B0503020204020204" charset="-122"/>
                 <a:cs typeface="微软雅黑" panose="020B0503020204020204" charset="-122"/>
               </a:rPr>
-              <a:t>谢谢</a:t>
-            </a:r>
-            <a:endParaRPr lang="zh-CN" sz="1600" u="none" strike="noStrike" kern="1200" cap="none" spc="0" baseline="0" dirty="0">
+              <a:t>不设定</a:t>
+            </a:r>
+            <a:r>
+              <a:rPr lang="zh-CN" sz="1600" u="none" strike="noStrike" kern="1200" cap="none" spc="0" baseline="0" dirty="0">
+                <a:solidFill>
+                  <a:srgbClr val="474747"/>
+                </a:solidFill>
+                <a:latin typeface="微软雅黑" panose="020B0503020204020204" charset="-122"/>
+                <a:ea typeface="微软雅黑" panose="020B0503020204020204" charset="-122"/>
+                <a:cs typeface="微软雅黑" panose="020B0503020204020204" charset="-122"/>
+              </a:rPr>
+              <a:t>类型的时候</a:t>
+            </a:r>
+            <a:endParaRPr lang="en-US" altLang="zh-CN" sz="1600" u="none" strike="noStrike" kern="1200" cap="none" spc="0" baseline="0" dirty="0">
               <a:solidFill>
                 <a:srgbClr val="474747"/>
               </a:solidFill>
@@ -11949,7 +12590,7 @@
         </p:nvSpPr>
         <p:spPr>
           <a:xfrm>
-            <a:off x="542290" y="3209608"/>
+            <a:off x="622935" y="3656013"/>
             <a:ext cx="7918450" cy="337185"/>
           </a:xfrm>
           <a:prstGeom prst="rect">
@@ -11972,7 +12613,7 @@
               <a:buChar char="u"/>
             </a:pPr>
             <a:r>
-              <a:rPr lang="zh-CN" sz="1600" dirty="0">
+              <a:rPr lang="en-US" altLang="zh-CN" sz="1600" dirty="0">
                 <a:solidFill>
                   <a:srgbClr val="474747"/>
                 </a:solidFill>
@@ -11981,47 +12622,10 @@
                 <a:cs typeface="微软雅黑" panose="020B0503020204020204" charset="-122"/>
                 <a:sym typeface="+mn-ea"/>
               </a:rPr>
-              <a:t>谢谢</a:t>
-            </a:r>
-            <a:endParaRPr lang="zh-CN" altLang="en-US" sz="1600" dirty="0">
-              <a:solidFill>
-                <a:srgbClr val="474747"/>
-              </a:solidFill>
-              <a:latin typeface="微软雅黑" panose="020B0503020204020204" charset="-122"/>
-              <a:ea typeface="微软雅黑" panose="020B0503020204020204" charset="-122"/>
-              <a:cs typeface="微软雅黑" panose="020B0503020204020204" charset="-122"/>
-              <a:sym typeface="Calibri" panose="020F0502020204030204" pitchFamily="34" charset="0"/>
-            </a:endParaRPr>
-          </a:p>
-        </p:txBody>
-      </p:sp>
-      <p:sp>
-        <p:nvSpPr>
-          <p:cNvPr id="3" name="文本框 2"/>
-          <p:cNvSpPr txBox="1"/>
-          <p:nvPr/>
-        </p:nvSpPr>
-        <p:spPr>
-          <a:xfrm>
-            <a:off x="542290" y="2726373"/>
-            <a:ext cx="6915150" cy="337185"/>
-          </a:xfrm>
-          <a:prstGeom prst="rect">
-            <a:avLst/>
-          </a:prstGeom>
-          <a:noFill/>
-        </p:spPr>
-        <p:txBody>
-          <a:bodyPr wrap="square" rtlCol="0" anchor="t">
-            <a:spAutoFit/>
-          </a:bodyPr>
-          <a:p>
-            <a:pPr marL="800100" lvl="1" indent="-342900" algn="l">
-              <a:buFont typeface="Wingdings" panose="05000000000000000000" pitchFamily="2" charset="2"/>
-              <a:buChar char="u"/>
-            </a:pPr>
-            <a:r>
-              <a:rPr lang="zh-CN" sz="1600" dirty="0">
+              <a:t>iota 可以被编译器修改的常量, </a:t>
+            </a:r>
+            <a:r>
+              <a:rPr lang="zh-CN" altLang="en-US" sz="1600" dirty="0">
                 <a:solidFill>
                   <a:srgbClr val="474747"/>
                 </a:solidFill>
@@ -12030,7 +12634,19 @@
                 <a:cs typeface="微软雅黑" panose="020B0503020204020204" charset="-122"/>
                 <a:sym typeface="+mn-ea"/>
               </a:rPr>
-              <a:t>谢谢</a:t>
+              <a:t>每当</a:t>
+            </a:r>
+            <a:r>
+              <a:rPr lang="en-US" altLang="zh-CN" sz="1600" dirty="0">
+                <a:solidFill>
+                  <a:srgbClr val="474747"/>
+                </a:solidFill>
+                <a:latin typeface="微软雅黑" panose="020B0503020204020204" charset="-122"/>
+                <a:ea typeface="微软雅黑" panose="020B0503020204020204" charset="-122"/>
+                <a:cs typeface="微软雅黑" panose="020B0503020204020204" charset="-122"/>
+                <a:sym typeface="+mn-ea"/>
+              </a:rPr>
+              <a:t>const 出现时都会被赋值为0</a:t>
             </a:r>
             <a:endParaRPr lang="en-US" altLang="zh-CN" sz="1600" dirty="0">
               <a:solidFill>
@@ -12039,7 +12655,177 @@
               <a:latin typeface="微软雅黑" panose="020B0503020204020204" charset="-122"/>
               <a:ea typeface="微软雅黑" panose="020B0503020204020204" charset="-122"/>
               <a:cs typeface="微软雅黑" panose="020B0503020204020204" charset="-122"/>
-              <a:sym typeface="Calibri" panose="020F0502020204030204" pitchFamily="34" charset="0"/>
+              <a:sym typeface="+mn-ea"/>
+            </a:endParaRPr>
+          </a:p>
+        </p:txBody>
+      </p:sp>
+      <p:sp>
+        <p:nvSpPr>
+          <p:cNvPr id="3" name="文本框 2"/>
+          <p:cNvSpPr txBox="1"/>
+          <p:nvPr/>
+        </p:nvSpPr>
+        <p:spPr>
+          <a:xfrm>
+            <a:off x="622935" y="3158808"/>
+            <a:ext cx="6915150" cy="337185"/>
+          </a:xfrm>
+          <a:prstGeom prst="rect">
+            <a:avLst/>
+          </a:prstGeom>
+          <a:noFill/>
+        </p:spPr>
+        <p:txBody>
+          <a:bodyPr wrap="square" rtlCol="0" anchor="t">
+            <a:spAutoFit/>
+          </a:bodyPr>
+          <a:p>
+            <a:pPr marL="800100" lvl="1" indent="-342900" algn="l">
+              <a:buFont typeface="Wingdings" panose="05000000000000000000" pitchFamily="2" charset="2"/>
+              <a:buChar char="u"/>
+            </a:pPr>
+            <a:r>
+              <a:rPr lang="zh-CN" altLang="en-US" sz="1600" dirty="0">
+                <a:solidFill>
+                  <a:srgbClr val="FF0000"/>
+                </a:solidFill>
+                <a:latin typeface="微软雅黑" panose="020B0503020204020204" charset="-122"/>
+                <a:ea typeface="微软雅黑" panose="020B0503020204020204" charset="-122"/>
+                <a:cs typeface="微软雅黑" panose="020B0503020204020204" charset="-122"/>
+                <a:sym typeface="+mn-ea"/>
+              </a:rPr>
+              <a:t>右值可以是表达式</a:t>
+            </a:r>
+            <a:r>
+              <a:rPr lang="en-US" altLang="zh-CN" sz="1600" dirty="0">
+                <a:solidFill>
+                  <a:srgbClr val="FF0000"/>
+                </a:solidFill>
+                <a:latin typeface="微软雅黑" panose="020B0503020204020204" charset="-122"/>
+                <a:ea typeface="微软雅黑" panose="020B0503020204020204" charset="-122"/>
+                <a:cs typeface="微软雅黑" panose="020B0503020204020204" charset="-122"/>
+                <a:sym typeface="+mn-ea"/>
+              </a:rPr>
+              <a:t>(</a:t>
+            </a:r>
+            <a:r>
+              <a:rPr lang="zh-CN" altLang="en-US" sz="1600" dirty="0">
+                <a:solidFill>
+                  <a:srgbClr val="FF0000"/>
+                </a:solidFill>
+                <a:latin typeface="微软雅黑" panose="020B0503020204020204" charset="-122"/>
+                <a:ea typeface="微软雅黑" panose="020B0503020204020204" charset="-122"/>
+                <a:cs typeface="微软雅黑" panose="020B0503020204020204" charset="-122"/>
+                <a:sym typeface="+mn-ea"/>
+              </a:rPr>
+              <a:t>只能内置函数和运算符</a:t>
+            </a:r>
+            <a:r>
+              <a:rPr lang="en-US" altLang="zh-CN" sz="1600" dirty="0">
+                <a:solidFill>
+                  <a:srgbClr val="FF0000"/>
+                </a:solidFill>
+                <a:latin typeface="微软雅黑" panose="020B0503020204020204" charset="-122"/>
+                <a:ea typeface="微软雅黑" panose="020B0503020204020204" charset="-122"/>
+                <a:cs typeface="微软雅黑" panose="020B0503020204020204" charset="-122"/>
+                <a:sym typeface="+mn-ea"/>
+              </a:rPr>
+              <a:t>)</a:t>
+            </a:r>
+            <a:endParaRPr lang="zh-CN" sz="1600" dirty="0">
+              <a:solidFill>
+                <a:srgbClr val="474747"/>
+              </a:solidFill>
+              <a:latin typeface="微软雅黑" panose="020B0503020204020204" charset="-122"/>
+              <a:ea typeface="微软雅黑" panose="020B0503020204020204" charset="-122"/>
+              <a:cs typeface="微软雅黑" panose="020B0503020204020204" charset="-122"/>
+              <a:sym typeface="+mn-ea"/>
+            </a:endParaRPr>
+          </a:p>
+        </p:txBody>
+      </p:sp>
+      <p:sp>
+        <p:nvSpPr>
+          <p:cNvPr id="4" name="矩形"/>
+          <p:cNvSpPr/>
+          <p:nvPr/>
+        </p:nvSpPr>
+        <p:spPr>
+          <a:xfrm>
+            <a:off x="622935" y="2164398"/>
+            <a:ext cx="7918450" cy="337185"/>
+          </a:xfrm>
+          <a:prstGeom prst="rect">
+            <a:avLst/>
+          </a:prstGeom>
+          <a:noFill/>
+          <a:ln w="9525" cap="flat" cmpd="sng">
+            <a:noFill/>
+            <a:prstDash val="solid"/>
+            <a:miter/>
+          </a:ln>
+        </p:spPr>
+        <p:txBody>
+          <a:bodyPr vert="horz" wrap="square" lIns="91440" tIns="45720" rIns="91440" bIns="45720" anchor="ctr" anchorCtr="0">
+            <a:spAutoFit/>
+          </a:bodyPr>
+          <a:p>
+            <a:pPr marL="800100" lvl="1" indent="-342900" algn="l">
+              <a:buFont typeface="Wingdings" panose="05000000000000000000" pitchFamily="2" charset="2"/>
+              <a:buChar char="u"/>
+            </a:pPr>
+            <a:r>
+              <a:rPr lang="en-US" altLang="zh-CN" sz="1600" u="none" strike="noStrike" kern="1200" cap="none" spc="0" baseline="0" dirty="0">
+                <a:solidFill>
+                  <a:srgbClr val="474747"/>
+                </a:solidFill>
+                <a:latin typeface="微软雅黑" panose="020B0503020204020204" charset="-122"/>
+                <a:ea typeface="微软雅黑" panose="020B0503020204020204" charset="-122"/>
+                <a:cs typeface="微软雅黑" panose="020B0503020204020204" charset="-122"/>
+              </a:rPr>
+              <a:t>const </a:t>
+            </a:r>
+            <a:r>
+              <a:rPr lang="zh-CN" altLang="zh-CN" sz="1600" u="none" strike="noStrike" kern="1200" cap="none" spc="0" baseline="0" dirty="0">
+                <a:solidFill>
+                  <a:srgbClr val="474747"/>
+                </a:solidFill>
+                <a:latin typeface="微软雅黑" panose="020B0503020204020204" charset="-122"/>
+                <a:ea typeface="微软雅黑" panose="020B0503020204020204" charset="-122"/>
+                <a:cs typeface="微软雅黑" panose="020B0503020204020204" charset="-122"/>
+              </a:rPr>
+              <a:t>常量名 </a:t>
+            </a:r>
+            <a:r>
+              <a:rPr lang="en-US" altLang="zh-CN" sz="1600" u="none" strike="noStrike" kern="1200" cap="none" spc="0" baseline="0" dirty="0">
+                <a:solidFill>
+                  <a:srgbClr val="474747"/>
+                </a:solidFill>
+                <a:latin typeface="微软雅黑" panose="020B0503020204020204" charset="-122"/>
+                <a:ea typeface="微软雅黑" panose="020B0503020204020204" charset="-122"/>
+                <a:cs typeface="微软雅黑" panose="020B0503020204020204" charset="-122"/>
+              </a:rPr>
+              <a:t>= </a:t>
+            </a:r>
+            <a:r>
+              <a:rPr lang="zh-CN" altLang="en-US" sz="1600" u="none" strike="noStrike" kern="1200" cap="none" spc="0" baseline="0" dirty="0">
+                <a:solidFill>
+                  <a:srgbClr val="474747"/>
+                </a:solidFill>
+                <a:latin typeface="微软雅黑" panose="020B0503020204020204" charset="-122"/>
+                <a:ea typeface="微软雅黑" panose="020B0503020204020204" charset="-122"/>
+                <a:cs typeface="微软雅黑" panose="020B0503020204020204" charset="-122"/>
+              </a:rPr>
+              <a:t>值</a:t>
+            </a:r>
+            <a:endParaRPr lang="en-US" altLang="zh-CN" sz="1600" u="none" strike="noStrike" kern="1200" cap="none" spc="0" baseline="0" dirty="0">
+              <a:solidFill>
+                <a:srgbClr val="FF0000"/>
+              </a:solidFill>
+              <a:latin typeface="微软雅黑" panose="020B0503020204020204" charset="-122"/>
+              <a:ea typeface="微软雅黑" panose="020B0503020204020204" charset="-122"/>
+              <a:cs typeface="微软雅黑" panose="020B0503020204020204" charset="-122"/>
             </a:endParaRPr>
           </a:p>
         </p:txBody>
@@ -12145,7 +12931,7 @@
                 <a:ea typeface="微软雅黑" panose="020B0503020204020204" charset="-122"/>
                 <a:cs typeface="Times New Roman" panose="02020603050405020304" charset="0"/>
               </a:rPr>
-              <a:t>常量</a:t>
+              <a:t>指针</a:t>
             </a:r>
             <a:endParaRPr lang="zh-CN" sz="2200" u="sng" strike="noStrike" kern="0" cap="none" spc="0" baseline="0" dirty="0">
               <a:solidFill>
@@ -12166,7 +12952,7 @@
         </p:nvSpPr>
         <p:spPr>
           <a:xfrm>
-            <a:off x="622935" y="2661603"/>
+            <a:off x="542290" y="2243138"/>
             <a:ext cx="7918450" cy="337185"/>
           </a:xfrm>
           <a:prstGeom prst="rect">
@@ -12198,10 +12984,10 @@
                 <a:ea typeface="微软雅黑" panose="020B0503020204020204" charset="-122"/>
                 <a:cs typeface="微软雅黑" panose="020B0503020204020204" charset="-122"/>
               </a:rPr>
-              <a:t>不设定</a:t>
-            </a:r>
-            <a:r>
-              <a:rPr lang="zh-CN" sz="1600" u="none" strike="noStrike" kern="1200" cap="none" spc="0" baseline="0" dirty="0">
+              <a:t>指针地址和指针类型  </a:t>
+            </a:r>
+            <a:r>
+              <a:rPr lang="en-US" altLang="zh-CN" sz="1600" u="none" strike="noStrike" kern="1200" cap="none" spc="0" baseline="0" dirty="0">
                 <a:solidFill>
                   <a:srgbClr val="474747"/>
                 </a:solidFill>
@@ -12209,7 +12995,51 @@
                 <a:ea typeface="微软雅黑" panose="020B0503020204020204" charset="-122"/>
                 <a:cs typeface="微软雅黑" panose="020B0503020204020204" charset="-122"/>
               </a:rPr>
-              <a:t>类型的时候</a:t>
+              <a:t>(</a:t>
+            </a:r>
+            <a:r>
+              <a:rPr lang="zh-CN" altLang="en-US" sz="1600" u="none" strike="noStrike" kern="1200" cap="none" spc="0" baseline="0" dirty="0">
+                <a:solidFill>
+                  <a:srgbClr val="474747"/>
+                </a:solidFill>
+                <a:latin typeface="微软雅黑" panose="020B0503020204020204" charset="-122"/>
+                <a:ea typeface="微软雅黑" panose="020B0503020204020204" charset="-122"/>
+                <a:cs typeface="微软雅黑" panose="020B0503020204020204" charset="-122"/>
+              </a:rPr>
+              <a:t>取地址符 </a:t>
+            </a:r>
+            <a:r>
+              <a:rPr lang="en-US" altLang="zh-CN" sz="1600" u="none" strike="noStrike" kern="1200" cap="none" spc="0" baseline="0" dirty="0">
+                <a:solidFill>
+                  <a:srgbClr val="474747"/>
+                </a:solidFill>
+                <a:latin typeface="微软雅黑" panose="020B0503020204020204" charset="-122"/>
+                <a:ea typeface="微软雅黑" panose="020B0503020204020204" charset="-122"/>
+                <a:cs typeface="微软雅黑" panose="020B0503020204020204" charset="-122"/>
+              </a:rPr>
+              <a:t>&amp;  </a:t>
+            </a:r>
+            <a:r>
+              <a:rPr lang="zh-CN" altLang="en-US" sz="1600" u="none" strike="noStrike" kern="1200" cap="none" spc="0" baseline="0" dirty="0">
+                <a:solidFill>
+                  <a:srgbClr val="474747"/>
+                </a:solidFill>
+                <a:latin typeface="微软雅黑" panose="020B0503020204020204" charset="-122"/>
+                <a:ea typeface="微软雅黑" panose="020B0503020204020204" charset="-122"/>
+                <a:cs typeface="微软雅黑" panose="020B0503020204020204" charset="-122"/>
+              </a:rPr>
+              <a:t>指针类型 </a:t>
+            </a:r>
+            <a:r>
+              <a:rPr lang="en-US" altLang="zh-CN" sz="1600" u="none" strike="noStrike" kern="1200" cap="none" spc="0" baseline="0" dirty="0">
+                <a:solidFill>
+                  <a:srgbClr val="474747"/>
+                </a:solidFill>
+                <a:latin typeface="微软雅黑" panose="020B0503020204020204" charset="-122"/>
+                <a:ea typeface="微软雅黑" panose="020B0503020204020204" charset="-122"/>
+                <a:cs typeface="微软雅黑" panose="020B0503020204020204" charset="-122"/>
+              </a:rPr>
+              <a:t>*int)</a:t>
             </a:r>
             <a:endParaRPr lang="en-US" altLang="zh-CN" sz="1600" u="none" strike="noStrike" kern="1200" cap="none" spc="0" baseline="0" dirty="0">
               <a:solidFill>
@@ -12280,7 +13110,7 @@
         </p:nvSpPr>
         <p:spPr>
           <a:xfrm>
-            <a:off x="622935" y="3656013"/>
+            <a:off x="542290" y="3194368"/>
             <a:ext cx="7918450" cy="337185"/>
           </a:xfrm>
           <a:prstGeom prst="rect">
@@ -12312,7 +13142,7 @@
                 <a:cs typeface="微软雅黑" panose="020B0503020204020204" charset="-122"/>
                 <a:sym typeface="+mn-ea"/>
               </a:rPr>
-              <a:t>iota 可以被编译器修改的常量, </a:t>
+              <a:t>new(</a:t>
             </a:r>
             <a:r>
               <a:rPr lang="zh-CN" altLang="en-US" sz="1600" dirty="0">
@@ -12324,7 +13154,7 @@
                 <a:cs typeface="微软雅黑" panose="020B0503020204020204" charset="-122"/>
                 <a:sym typeface="+mn-ea"/>
               </a:rPr>
-              <a:t>每当</a:t>
+              <a:t>类型</a:t>
             </a:r>
             <a:r>
               <a:rPr lang="en-US" altLang="zh-CN" sz="1600" dirty="0">
@@ -12336,7 +13166,68 @@
                 <a:cs typeface="微软雅黑" panose="020B0503020204020204" charset="-122"/>
                 <a:sym typeface="+mn-ea"/>
               </a:rPr>
-              <a:t>const 出现时都会被赋值为0</a:t>
+              <a:t>) </a:t>
+            </a:r>
+            <a:r>
+              <a:rPr lang="zh-CN" altLang="en-US" sz="1600" dirty="0">
+                <a:solidFill>
+                  <a:srgbClr val="474747"/>
+                </a:solidFill>
+                <a:latin typeface="微软雅黑" panose="020B0503020204020204" charset="-122"/>
+                <a:ea typeface="微软雅黑" panose="020B0503020204020204" charset="-122"/>
+                <a:cs typeface="微软雅黑" panose="020B0503020204020204" charset="-122"/>
+                <a:sym typeface="+mn-ea"/>
+              </a:rPr>
+              <a:t>函数</a:t>
+            </a:r>
+            <a:endParaRPr lang="zh-CN" altLang="en-US" sz="1600" dirty="0">
+              <a:solidFill>
+                <a:srgbClr val="474747"/>
+              </a:solidFill>
+              <a:latin typeface="微软雅黑" panose="020B0503020204020204" charset="-122"/>
+              <a:ea typeface="微软雅黑" panose="020B0503020204020204" charset="-122"/>
+              <a:cs typeface="微软雅黑" panose="020B0503020204020204" charset="-122"/>
+              <a:sym typeface="+mn-ea"/>
+            </a:endParaRPr>
+          </a:p>
+        </p:txBody>
+      </p:sp>
+      <p:sp>
+        <p:nvSpPr>
+          <p:cNvPr id="3" name="文本框 2"/>
+          <p:cNvSpPr txBox="1"/>
+          <p:nvPr/>
+        </p:nvSpPr>
+        <p:spPr>
+          <a:xfrm>
+            <a:off x="542290" y="2718753"/>
+            <a:ext cx="6915150" cy="337185"/>
+          </a:xfrm>
+          <a:prstGeom prst="rect">
+            <a:avLst/>
+          </a:prstGeom>
+          <a:noFill/>
+        </p:spPr>
+        <p:txBody>
+          <a:bodyPr wrap="square" rtlCol="0" anchor="t">
+            <a:spAutoFit/>
+          </a:bodyPr>
+          <a:p>
+            <a:pPr marL="800100" lvl="1" indent="-342900" algn="l">
+              <a:buFont typeface="Wingdings" panose="05000000000000000000" pitchFamily="2" charset="2"/>
+              <a:buChar char="u"/>
+            </a:pPr>
+            <a:r>
+              <a:rPr lang="en-US" altLang="zh-CN" sz="1600" dirty="0">
+                <a:solidFill>
+                  <a:srgbClr val="474747"/>
+                </a:solidFill>
+                <a:latin typeface="微软雅黑" panose="020B0503020204020204" charset="-122"/>
+                <a:ea typeface="微软雅黑" panose="020B0503020204020204" charset="-122"/>
+                <a:cs typeface="微软雅黑" panose="020B0503020204020204" charset="-122"/>
+                <a:sym typeface="+mn-ea"/>
+              </a:rPr>
+              <a:t>指针指向的值(获取和修改)  *ptr</a:t>
             </a:r>
             <a:endParaRPr lang="en-US" altLang="zh-CN" sz="1600" dirty="0">
               <a:solidFill>
@@ -12346,176 +13237,6 @@
               <a:ea typeface="微软雅黑" panose="020B0503020204020204" charset="-122"/>
               <a:cs typeface="微软雅黑" panose="020B0503020204020204" charset="-122"/>
               <a:sym typeface="+mn-ea"/>
-            </a:endParaRPr>
-          </a:p>
-        </p:txBody>
-      </p:sp>
-      <p:sp>
-        <p:nvSpPr>
-          <p:cNvPr id="3" name="文本框 2"/>
-          <p:cNvSpPr txBox="1"/>
-          <p:nvPr/>
-        </p:nvSpPr>
-        <p:spPr>
-          <a:xfrm>
-            <a:off x="622935" y="3158808"/>
-            <a:ext cx="6915150" cy="337185"/>
-          </a:xfrm>
-          <a:prstGeom prst="rect">
-            <a:avLst/>
-          </a:prstGeom>
-          <a:noFill/>
-        </p:spPr>
-        <p:txBody>
-          <a:bodyPr wrap="square" rtlCol="0" anchor="t">
-            <a:spAutoFit/>
-          </a:bodyPr>
-          <a:p>
-            <a:pPr marL="800100" lvl="1" indent="-342900" algn="l">
-              <a:buFont typeface="Wingdings" panose="05000000000000000000" pitchFamily="2" charset="2"/>
-              <a:buChar char="u"/>
-            </a:pPr>
-            <a:r>
-              <a:rPr lang="zh-CN" altLang="en-US" sz="1600" dirty="0">
-                <a:solidFill>
-                  <a:srgbClr val="FF0000"/>
-                </a:solidFill>
-                <a:latin typeface="微软雅黑" panose="020B0503020204020204" charset="-122"/>
-                <a:ea typeface="微软雅黑" panose="020B0503020204020204" charset="-122"/>
-                <a:cs typeface="微软雅黑" panose="020B0503020204020204" charset="-122"/>
-                <a:sym typeface="+mn-ea"/>
-              </a:rPr>
-              <a:t>右值可以是表达式</a:t>
-            </a:r>
-            <a:r>
-              <a:rPr lang="en-US" altLang="zh-CN" sz="1600" dirty="0">
-                <a:solidFill>
-                  <a:srgbClr val="FF0000"/>
-                </a:solidFill>
-                <a:latin typeface="微软雅黑" panose="020B0503020204020204" charset="-122"/>
-                <a:ea typeface="微软雅黑" panose="020B0503020204020204" charset="-122"/>
-                <a:cs typeface="微软雅黑" panose="020B0503020204020204" charset="-122"/>
-                <a:sym typeface="+mn-ea"/>
-              </a:rPr>
-              <a:t>(</a:t>
-            </a:r>
-            <a:r>
-              <a:rPr lang="zh-CN" altLang="en-US" sz="1600" dirty="0">
-                <a:solidFill>
-                  <a:srgbClr val="FF0000"/>
-                </a:solidFill>
-                <a:latin typeface="微软雅黑" panose="020B0503020204020204" charset="-122"/>
-                <a:ea typeface="微软雅黑" panose="020B0503020204020204" charset="-122"/>
-                <a:cs typeface="微软雅黑" panose="020B0503020204020204" charset="-122"/>
-                <a:sym typeface="+mn-ea"/>
-              </a:rPr>
-              <a:t>只能内置函数和运算符</a:t>
-            </a:r>
-            <a:r>
-              <a:rPr lang="en-US" altLang="zh-CN" sz="1600" dirty="0">
-                <a:solidFill>
-                  <a:srgbClr val="FF0000"/>
-                </a:solidFill>
-                <a:latin typeface="微软雅黑" panose="020B0503020204020204" charset="-122"/>
-                <a:ea typeface="微软雅黑" panose="020B0503020204020204" charset="-122"/>
-                <a:cs typeface="微软雅黑" panose="020B0503020204020204" charset="-122"/>
-                <a:sym typeface="+mn-ea"/>
-              </a:rPr>
-              <a:t>)</a:t>
-            </a:r>
-            <a:endParaRPr lang="zh-CN" sz="1600" dirty="0">
-              <a:solidFill>
-                <a:srgbClr val="474747"/>
-              </a:solidFill>
-              <a:latin typeface="微软雅黑" panose="020B0503020204020204" charset="-122"/>
-              <a:ea typeface="微软雅黑" panose="020B0503020204020204" charset="-122"/>
-              <a:cs typeface="微软雅黑" panose="020B0503020204020204" charset="-122"/>
-              <a:sym typeface="+mn-ea"/>
-            </a:endParaRPr>
-          </a:p>
-        </p:txBody>
-      </p:sp>
-      <p:sp>
-        <p:nvSpPr>
-          <p:cNvPr id="4" name="矩形"/>
-          <p:cNvSpPr/>
-          <p:nvPr/>
-        </p:nvSpPr>
-        <p:spPr>
-          <a:xfrm>
-            <a:off x="622935" y="2164398"/>
-            <a:ext cx="7918450" cy="337185"/>
-          </a:xfrm>
-          <a:prstGeom prst="rect">
-            <a:avLst/>
-          </a:prstGeom>
-          <a:noFill/>
-          <a:ln w="9525" cap="flat" cmpd="sng">
-            <a:noFill/>
-            <a:prstDash val="solid"/>
-            <a:miter/>
-          </a:ln>
-        </p:spPr>
-        <p:txBody>
-          <a:bodyPr vert="horz" wrap="square" lIns="91440" tIns="45720" rIns="91440" bIns="45720" anchor="ctr" anchorCtr="0">
-            <a:spAutoFit/>
-          </a:bodyPr>
-          <a:p>
-            <a:pPr marL="800100" lvl="1" indent="-342900" algn="l">
-              <a:buFont typeface="Wingdings" panose="05000000000000000000" pitchFamily="2" charset="2"/>
-              <a:buChar char="u"/>
-            </a:pPr>
-            <a:r>
-              <a:rPr lang="en-US" altLang="zh-CN" sz="1600" u="none" strike="noStrike" kern="1200" cap="none" spc="0" baseline="0" dirty="0">
-                <a:solidFill>
-                  <a:srgbClr val="474747"/>
-                </a:solidFill>
-                <a:latin typeface="微软雅黑" panose="020B0503020204020204" charset="-122"/>
-                <a:ea typeface="微软雅黑" panose="020B0503020204020204" charset="-122"/>
-                <a:cs typeface="微软雅黑" panose="020B0503020204020204" charset="-122"/>
-              </a:rPr>
-              <a:t>const </a:t>
-            </a:r>
-            <a:r>
-              <a:rPr lang="zh-CN" altLang="zh-CN" sz="1600" u="none" strike="noStrike" kern="1200" cap="none" spc="0" baseline="0" dirty="0">
-                <a:solidFill>
-                  <a:srgbClr val="474747"/>
-                </a:solidFill>
-                <a:latin typeface="微软雅黑" panose="020B0503020204020204" charset="-122"/>
-                <a:ea typeface="微软雅黑" panose="020B0503020204020204" charset="-122"/>
-                <a:cs typeface="微软雅黑" panose="020B0503020204020204" charset="-122"/>
-              </a:rPr>
-              <a:t>常量名 类型</a:t>
-            </a:r>
-            <a:r>
-              <a:rPr lang="en-US" altLang="zh-CN" sz="1600" u="none" strike="noStrike" kern="1200" cap="none" spc="0" baseline="0" dirty="0">
-                <a:solidFill>
-                  <a:srgbClr val="474747"/>
-                </a:solidFill>
-                <a:latin typeface="微软雅黑" panose="020B0503020204020204" charset="-122"/>
-                <a:ea typeface="微软雅黑" panose="020B0503020204020204" charset="-122"/>
-                <a:cs typeface="微软雅黑" panose="020B0503020204020204" charset="-122"/>
-              </a:rPr>
-              <a:t> = </a:t>
-            </a:r>
-            <a:r>
-              <a:rPr lang="zh-CN" altLang="en-US" sz="1600" u="none" strike="noStrike" kern="1200" cap="none" spc="0" baseline="0" dirty="0">
-                <a:solidFill>
-                  <a:srgbClr val="474747"/>
-                </a:solidFill>
-                <a:latin typeface="微软雅黑" panose="020B0503020204020204" charset="-122"/>
-                <a:ea typeface="微软雅黑" panose="020B0503020204020204" charset="-122"/>
-                <a:cs typeface="微软雅黑" panose="020B0503020204020204" charset="-122"/>
-              </a:rPr>
-              <a:t>值</a:t>
-            </a:r>
-            <a:endParaRPr lang="en-US" altLang="zh-CN" sz="1600" u="none" strike="noStrike" kern="1200" cap="none" spc="0" baseline="0" dirty="0">
-              <a:solidFill>
-                <a:srgbClr val="FF0000"/>
-              </a:solidFill>
-              <a:latin typeface="微软雅黑" panose="020B0503020204020204" charset="-122"/>
-              <a:ea typeface="微软雅黑" panose="020B0503020204020204" charset="-122"/>
-              <a:cs typeface="微软雅黑" panose="020B0503020204020204" charset="-122"/>
             </a:endParaRPr>
           </a:p>
         </p:txBody>
@@ -13026,7 +13747,7 @@
               <a:t> </a:t>
             </a:r>
             <a:r>
-              <a:rPr lang="zh-CN" sz="2200" u="sng" strike="noStrike" kern="0" cap="none" spc="0" baseline="0" dirty="0">
+              <a:rPr lang="zh-CN" altLang="zh-CN" sz="2200" u="none" strike="noStrike" kern="0" cap="none" spc="0" baseline="0" dirty="0">
                 <a:solidFill>
                   <a:srgbClr val="212121"/>
                 </a:solidFill>
@@ -13034,9 +13755,9 @@
                 <a:ea typeface="微软雅黑" panose="020B0503020204020204" charset="-122"/>
                 <a:cs typeface="Times New Roman" panose="02020603050405020304" charset="0"/>
               </a:rPr>
-              <a:t>指针</a:t>
-            </a:r>
-            <a:endParaRPr lang="zh-CN" sz="2200" u="sng" strike="noStrike" kern="0" cap="none" spc="0" baseline="0" dirty="0">
+              <a:t>条件判断</a:t>
+            </a:r>
+            <a:endParaRPr lang="zh-CN" altLang="zh-CN" sz="2200" u="none" strike="noStrike" kern="0" cap="none" spc="0" baseline="0" dirty="0">
               <a:solidFill>
                 <a:srgbClr val="212121"/>
               </a:solidFill>
@@ -13079,7 +13800,7 @@
               <a:buChar char="u"/>
             </a:pPr>
             <a:r>
-              <a:rPr lang="zh-CN" sz="1600" u="none" strike="noStrike" kern="1200" cap="none" spc="0" baseline="0" dirty="0">
+              <a:rPr lang="en-US" altLang="zh-CN" sz="1600" u="none" strike="noStrike" kern="1200" cap="none" spc="0" baseline="0" dirty="0">
                 <a:solidFill>
                   <a:srgbClr val="474747"/>
                 </a:solidFill>
@@ -13087,62 +13808,7 @@
                 <a:ea typeface="微软雅黑" panose="020B0503020204020204" charset="-122"/>
                 <a:cs typeface="微软雅黑" panose="020B0503020204020204" charset="-122"/>
               </a:rPr>
-              <a:t>指针地址和指针类型  </a:t>
-            </a:r>
-            <a:r>
-              <a:rPr lang="en-US" altLang="zh-CN" sz="1600" u="none" strike="noStrike" kern="1200" cap="none" spc="0" baseline="0" dirty="0">
-                <a:solidFill>
-                  <a:srgbClr val="474747"/>
-                </a:solidFill>
-                <a:latin typeface="微软雅黑" panose="020B0503020204020204" charset="-122"/>
-                <a:ea typeface="微软雅黑" panose="020B0503020204020204" charset="-122"/>
-                <a:cs typeface="微软雅黑" panose="020B0503020204020204" charset="-122"/>
-              </a:rPr>
-              <a:t>(</a:t>
-            </a:r>
-            <a:r>
-              <a:rPr lang="zh-CN" altLang="en-US" sz="1600" u="none" strike="noStrike" kern="1200" cap="none" spc="0" baseline="0" dirty="0">
-                <a:solidFill>
-                  <a:srgbClr val="474747"/>
-                </a:solidFill>
-                <a:latin typeface="微软雅黑" panose="020B0503020204020204" charset="-122"/>
-                <a:ea typeface="微软雅黑" panose="020B0503020204020204" charset="-122"/>
-                <a:cs typeface="微软雅黑" panose="020B0503020204020204" charset="-122"/>
-              </a:rPr>
-              <a:t>取地址符 </a:t>
-            </a:r>
-            <a:r>
-              <a:rPr lang="en-US" altLang="zh-CN" sz="1600" u="none" strike="noStrike" kern="1200" cap="none" spc="0" baseline="0" dirty="0">
-                <a:solidFill>
-                  <a:srgbClr val="474747"/>
-                </a:solidFill>
-                <a:latin typeface="微软雅黑" panose="020B0503020204020204" charset="-122"/>
-                <a:ea typeface="微软雅黑" panose="020B0503020204020204" charset="-122"/>
-                <a:cs typeface="微软雅黑" panose="020B0503020204020204" charset="-122"/>
-              </a:rPr>
-              <a:t>&amp;  </a:t>
-            </a:r>
-            <a:r>
-              <a:rPr lang="zh-CN" altLang="en-US" sz="1600" u="none" strike="noStrike" kern="1200" cap="none" spc="0" baseline="0" dirty="0">
-                <a:solidFill>
-                  <a:srgbClr val="474747"/>
-                </a:solidFill>
-                <a:latin typeface="微软雅黑" panose="020B0503020204020204" charset="-122"/>
-                <a:ea typeface="微软雅黑" panose="020B0503020204020204" charset="-122"/>
-                <a:cs typeface="微软雅黑" panose="020B0503020204020204" charset="-122"/>
-              </a:rPr>
-              <a:t>指针类型 </a:t>
-            </a:r>
-            <a:r>
-              <a:rPr lang="en-US" altLang="zh-CN" sz="1600" u="none" strike="noStrike" kern="1200" cap="none" spc="0" baseline="0" dirty="0">
-                <a:solidFill>
-                  <a:srgbClr val="474747"/>
-                </a:solidFill>
-                <a:latin typeface="微软雅黑" panose="020B0503020204020204" charset="-122"/>
-                <a:ea typeface="微软雅黑" panose="020B0503020204020204" charset="-122"/>
-                <a:cs typeface="微软雅黑" panose="020B0503020204020204" charset="-122"/>
-              </a:rPr>
-              <a:t>*int)</a:t>
+              <a:t>if</a:t>
             </a:r>
             <a:endParaRPr lang="en-US" altLang="zh-CN" sz="1600" u="none" strike="noStrike" kern="1200" cap="none" spc="0" baseline="0" dirty="0">
               <a:solidFill>
@@ -13207,27 +13873,22 @@
       </p:sp>
       <p:sp>
         <p:nvSpPr>
-          <p:cNvPr id="2" name="矩形"/>
-          <p:cNvSpPr/>
+          <p:cNvPr id="3" name="文本框 2"/>
+          <p:cNvSpPr txBox="1"/>
           <p:nvPr/>
         </p:nvSpPr>
         <p:spPr>
           <a:xfrm>
-            <a:off x="542290" y="3194368"/>
-            <a:ext cx="7918450" cy="337185"/>
+            <a:off x="542290" y="2726373"/>
+            <a:ext cx="6915150" cy="337185"/>
           </a:xfrm>
           <a:prstGeom prst="rect">
             <a:avLst/>
           </a:prstGeom>
           <a:noFill/>
-          <a:ln w="9525" cap="flat" cmpd="sng">
-            <a:noFill/>
-            <a:prstDash val="solid"/>
-            <a:miter/>
-          </a:ln>
-        </p:spPr>
-        <p:txBody>
-          <a:bodyPr vert="horz" wrap="square" lIns="91440" tIns="45720" rIns="91440" bIns="45720" anchor="ctr" anchorCtr="0">
+        </p:spPr>
+        <p:txBody>
+          <a:bodyPr wrap="square" rtlCol="0" anchor="t">
             <a:spAutoFit/>
           </a:bodyPr>
           <a:p>
@@ -13245,92 +13906,7 @@
                 <a:cs typeface="微软雅黑" panose="020B0503020204020204" charset="-122"/>
                 <a:sym typeface="+mn-ea"/>
               </a:rPr>
-              <a:t>new(</a:t>
-            </a:r>
-            <a:r>
-              <a:rPr lang="zh-CN" altLang="en-US" sz="1600" dirty="0">
-                <a:solidFill>
-                  <a:srgbClr val="474747"/>
-                </a:solidFill>
-                <a:latin typeface="微软雅黑" panose="020B0503020204020204" charset="-122"/>
-                <a:ea typeface="微软雅黑" panose="020B0503020204020204" charset="-122"/>
-                <a:cs typeface="微软雅黑" panose="020B0503020204020204" charset="-122"/>
-                <a:sym typeface="+mn-ea"/>
-              </a:rPr>
-              <a:t>类型</a:t>
-            </a:r>
-            <a:r>
-              <a:rPr lang="en-US" altLang="zh-CN" sz="1600" dirty="0">
-                <a:solidFill>
-                  <a:srgbClr val="474747"/>
-                </a:solidFill>
-                <a:latin typeface="微软雅黑" panose="020B0503020204020204" charset="-122"/>
-                <a:ea typeface="微软雅黑" panose="020B0503020204020204" charset="-122"/>
-                <a:cs typeface="微软雅黑" panose="020B0503020204020204" charset="-122"/>
-                <a:sym typeface="+mn-ea"/>
-              </a:rPr>
-              <a:t>) </a:t>
-            </a:r>
-            <a:r>
-              <a:rPr lang="zh-CN" altLang="en-US" sz="1600" dirty="0">
-                <a:solidFill>
-                  <a:srgbClr val="474747"/>
-                </a:solidFill>
-                <a:latin typeface="微软雅黑" panose="020B0503020204020204" charset="-122"/>
-                <a:ea typeface="微软雅黑" panose="020B0503020204020204" charset="-122"/>
-                <a:cs typeface="微软雅黑" panose="020B0503020204020204" charset="-122"/>
-                <a:sym typeface="+mn-ea"/>
-              </a:rPr>
-              <a:t>函数</a:t>
-            </a:r>
-            <a:endParaRPr lang="zh-CN" altLang="en-US" sz="1600" dirty="0">
-              <a:solidFill>
-                <a:srgbClr val="474747"/>
-              </a:solidFill>
-              <a:latin typeface="微软雅黑" panose="020B0503020204020204" charset="-122"/>
-              <a:ea typeface="微软雅黑" panose="020B0503020204020204" charset="-122"/>
-              <a:cs typeface="微软雅黑" panose="020B0503020204020204" charset="-122"/>
-              <a:sym typeface="+mn-ea"/>
-            </a:endParaRPr>
-          </a:p>
-        </p:txBody>
-      </p:sp>
-      <p:sp>
-        <p:nvSpPr>
-          <p:cNvPr id="3" name="文本框 2"/>
-          <p:cNvSpPr txBox="1"/>
-          <p:nvPr/>
-        </p:nvSpPr>
-        <p:spPr>
-          <a:xfrm>
-            <a:off x="542290" y="2718753"/>
-            <a:ext cx="6915150" cy="337185"/>
-          </a:xfrm>
-          <a:prstGeom prst="rect">
-            <a:avLst/>
-          </a:prstGeom>
-          <a:noFill/>
-        </p:spPr>
-        <p:txBody>
-          <a:bodyPr wrap="square" rtlCol="0" anchor="t">
-            <a:spAutoFit/>
-          </a:bodyPr>
-          <a:p>
-            <a:pPr marL="800100" lvl="1" indent="-342900" algn="l">
-              <a:buFont typeface="Wingdings" panose="05000000000000000000" pitchFamily="2" charset="2"/>
-              <a:buChar char="u"/>
-            </a:pPr>
-            <a:r>
-              <a:rPr lang="en-US" altLang="zh-CN" sz="1600" dirty="0">
-                <a:solidFill>
-                  <a:srgbClr val="474747"/>
-                </a:solidFill>
-                <a:latin typeface="微软雅黑" panose="020B0503020204020204" charset="-122"/>
-                <a:ea typeface="微软雅黑" panose="020B0503020204020204" charset="-122"/>
-                <a:cs typeface="微软雅黑" panose="020B0503020204020204" charset="-122"/>
-                <a:sym typeface="+mn-ea"/>
-              </a:rPr>
-              <a:t>指针指向的值(获取和修改)  *ptr</a:t>
+              <a:t>switch</a:t>
             </a:r>
             <a:endParaRPr lang="en-US" altLang="zh-CN" sz="1600" dirty="0">
               <a:solidFill>
@@ -13437,7 +14013,7 @@
               <a:t> </a:t>
             </a:r>
             <a:r>
-              <a:rPr lang="zh-CN" altLang="zh-CN" sz="2200" u="none" strike="noStrike" kern="0" cap="none" spc="0" baseline="0" dirty="0">
+              <a:rPr lang="zh-CN" sz="2200" u="sng" strike="noStrike" kern="0" cap="none" spc="0" baseline="0" dirty="0">
                 <a:solidFill>
                   <a:srgbClr val="212121"/>
                 </a:solidFill>
@@ -13445,9 +14021,9 @@
                 <a:ea typeface="微软雅黑" panose="020B0503020204020204" charset="-122"/>
                 <a:cs typeface="Times New Roman" panose="02020603050405020304" charset="0"/>
               </a:rPr>
-              <a:t>条件判断</a:t>
-            </a:r>
-            <a:endParaRPr lang="zh-CN" altLang="zh-CN" sz="2200" u="none" strike="noStrike" kern="0" cap="none" spc="0" baseline="0" dirty="0">
+              <a:t>循环</a:t>
+            </a:r>
+            <a:endParaRPr lang="zh-CN" sz="2200" u="sng" strike="noStrike" kern="0" cap="none" spc="0" baseline="0" dirty="0">
               <a:solidFill>
                 <a:srgbClr val="212121"/>
               </a:solidFill>
@@ -13498,7 +14074,95 @@
                 <a:ea typeface="微软雅黑" panose="020B0503020204020204" charset="-122"/>
                 <a:cs typeface="微软雅黑" panose="020B0503020204020204" charset="-122"/>
               </a:rPr>
-              <a:t>if</a:t>
+              <a:t>for </a:t>
+            </a:r>
+            <a:r>
+              <a:rPr lang="zh-CN" altLang="zh-CN" sz="1600" u="none" strike="noStrike" kern="1200" cap="none" spc="0" baseline="0" dirty="0">
+                <a:solidFill>
+                  <a:srgbClr val="474747"/>
+                </a:solidFill>
+                <a:latin typeface="微软雅黑" panose="020B0503020204020204" charset="-122"/>
+                <a:ea typeface="微软雅黑" panose="020B0503020204020204" charset="-122"/>
+                <a:cs typeface="微软雅黑" panose="020B0503020204020204" charset="-122"/>
+              </a:rPr>
+              <a:t>初始语句</a:t>
+            </a:r>
+            <a:r>
+              <a:rPr lang="en-US" altLang="zh-CN" sz="1600" u="none" strike="noStrike" kern="1200" cap="none" spc="0" baseline="0" dirty="0">
+                <a:solidFill>
+                  <a:srgbClr val="474747"/>
+                </a:solidFill>
+                <a:latin typeface="微软雅黑" panose="020B0503020204020204" charset="-122"/>
+                <a:ea typeface="微软雅黑" panose="020B0503020204020204" charset="-122"/>
+                <a:cs typeface="微软雅黑" panose="020B0503020204020204" charset="-122"/>
+              </a:rPr>
+              <a:t>; </a:t>
+            </a:r>
+            <a:r>
+              <a:rPr lang="zh-CN" altLang="en-US" sz="1600" u="none" strike="noStrike" kern="1200" cap="none" spc="0" baseline="0" dirty="0">
+                <a:solidFill>
+                  <a:srgbClr val="474747"/>
+                </a:solidFill>
+                <a:latin typeface="微软雅黑" panose="020B0503020204020204" charset="-122"/>
+                <a:ea typeface="微软雅黑" panose="020B0503020204020204" charset="-122"/>
+                <a:cs typeface="微软雅黑" panose="020B0503020204020204" charset="-122"/>
+              </a:rPr>
+              <a:t>条件表达式</a:t>
+            </a:r>
+            <a:r>
+              <a:rPr lang="en-US" altLang="zh-CN" sz="1600" u="none" strike="noStrike" kern="1200" cap="none" spc="0" baseline="0" dirty="0">
+                <a:solidFill>
+                  <a:srgbClr val="474747"/>
+                </a:solidFill>
+                <a:latin typeface="微软雅黑" panose="020B0503020204020204" charset="-122"/>
+                <a:ea typeface="微软雅黑" panose="020B0503020204020204" charset="-122"/>
+                <a:cs typeface="微软雅黑" panose="020B0503020204020204" charset="-122"/>
+              </a:rPr>
+              <a:t>; </a:t>
+            </a:r>
+            <a:r>
+              <a:rPr lang="zh-CN" altLang="en-US" sz="1600" u="none" strike="noStrike" kern="1200" cap="none" spc="0" baseline="0" dirty="0">
+                <a:solidFill>
+                  <a:srgbClr val="474747"/>
+                </a:solidFill>
+                <a:latin typeface="微软雅黑" panose="020B0503020204020204" charset="-122"/>
+                <a:ea typeface="微软雅黑" panose="020B0503020204020204" charset="-122"/>
+                <a:cs typeface="微软雅黑" panose="020B0503020204020204" charset="-122"/>
+              </a:rPr>
+              <a:t>结束语句 </a:t>
+            </a:r>
+            <a:r>
+              <a:rPr lang="en-US" altLang="zh-CN" sz="1600" u="none" strike="noStrike" kern="1200" cap="none" spc="0" baseline="0" dirty="0">
+                <a:solidFill>
+                  <a:srgbClr val="474747"/>
+                </a:solidFill>
+                <a:latin typeface="微软雅黑" panose="020B0503020204020204" charset="-122"/>
+                <a:ea typeface="微软雅黑" panose="020B0503020204020204" charset="-122"/>
+                <a:cs typeface="微软雅黑" panose="020B0503020204020204" charset="-122"/>
+              </a:rPr>
+              <a:t>{ </a:t>
+            </a:r>
+            <a:r>
+              <a:rPr lang="zh-CN" altLang="en-US" sz="1600" u="none" strike="noStrike" kern="1200" cap="none" spc="0" baseline="0" dirty="0">
+                <a:solidFill>
+                  <a:srgbClr val="474747"/>
+                </a:solidFill>
+                <a:latin typeface="微软雅黑" panose="020B0503020204020204" charset="-122"/>
+                <a:ea typeface="微软雅黑" panose="020B0503020204020204" charset="-122"/>
+                <a:cs typeface="微软雅黑" panose="020B0503020204020204" charset="-122"/>
+              </a:rPr>
+              <a:t>循环体 </a:t>
+            </a:r>
+            <a:r>
+              <a:rPr lang="en-US" altLang="zh-CN" sz="1600" u="none" strike="noStrike" kern="1200" cap="none" spc="0" baseline="0" dirty="0">
+                <a:solidFill>
+                  <a:srgbClr val="474747"/>
+                </a:solidFill>
+                <a:latin typeface="微软雅黑" panose="020B0503020204020204" charset="-122"/>
+                <a:ea typeface="微软雅黑" panose="020B0503020204020204" charset="-122"/>
+                <a:cs typeface="微软雅黑" panose="020B0503020204020204" charset="-122"/>
+              </a:rPr>
+              <a:t>}</a:t>
             </a:r>
             <a:endParaRPr lang="en-US" altLang="zh-CN" sz="1600" u="none" strike="noStrike" kern="1200" cap="none" spc="0" baseline="0" dirty="0">
               <a:solidFill>
@@ -13563,22 +14227,27 @@
       </p:sp>
       <p:sp>
         <p:nvSpPr>
-          <p:cNvPr id="3" name="文本框 2"/>
-          <p:cNvSpPr txBox="1"/>
+          <p:cNvPr id="2" name="矩形"/>
+          <p:cNvSpPr/>
           <p:nvPr/>
         </p:nvSpPr>
         <p:spPr>
           <a:xfrm>
-            <a:off x="542290" y="2726373"/>
-            <a:ext cx="6915150" cy="337185"/>
+            <a:off x="542290" y="3209608"/>
+            <a:ext cx="7918450" cy="337185"/>
           </a:xfrm>
           <a:prstGeom prst="rect">
             <a:avLst/>
           </a:prstGeom>
           <a:noFill/>
-        </p:spPr>
-        <p:txBody>
-          <a:bodyPr wrap="square" rtlCol="0" anchor="t">
+          <a:ln w="9525" cap="flat" cmpd="sng">
+            <a:noFill/>
+            <a:prstDash val="solid"/>
+            <a:miter/>
+          </a:ln>
+        </p:spPr>
+        <p:txBody>
+          <a:bodyPr vert="horz" wrap="square" lIns="91440" tIns="45720" rIns="91440" bIns="45720" anchor="ctr" anchorCtr="0">
             <a:spAutoFit/>
           </a:bodyPr>
           <a:p>
@@ -13596,9 +14265,178 @@
                 <a:cs typeface="微软雅黑" panose="020B0503020204020204" charset="-122"/>
                 <a:sym typeface="+mn-ea"/>
               </a:rPr>
-              <a:t>switch</a:t>
-            </a:r>
-            <a:endParaRPr lang="en-US" altLang="zh-CN" sz="1600" dirty="0">
+              <a:t>(</a:t>
+            </a:r>
+            <a:r>
+              <a:rPr lang="zh-CN" altLang="en-US" sz="1600" dirty="0">
+                <a:solidFill>
+                  <a:srgbClr val="474747"/>
+                </a:solidFill>
+                <a:latin typeface="微软雅黑" panose="020B0503020204020204" charset="-122"/>
+                <a:ea typeface="微软雅黑" panose="020B0503020204020204" charset="-122"/>
+                <a:cs typeface="微软雅黑" panose="020B0503020204020204" charset="-122"/>
+                <a:sym typeface="+mn-ea"/>
+              </a:rPr>
+              <a:t>以后讲</a:t>
+            </a:r>
+            <a:r>
+              <a:rPr lang="en-US" altLang="zh-CN" sz="1600" dirty="0">
+                <a:solidFill>
+                  <a:srgbClr val="474747"/>
+                </a:solidFill>
+                <a:latin typeface="微软雅黑" panose="020B0503020204020204" charset="-122"/>
+                <a:ea typeface="微软雅黑" panose="020B0503020204020204" charset="-122"/>
+                <a:cs typeface="微软雅黑" panose="020B0503020204020204" charset="-122"/>
+                <a:sym typeface="+mn-ea"/>
+              </a:rPr>
+              <a:t>)for range </a:t>
+            </a:r>
+            <a:r>
+              <a:rPr lang="zh-CN" altLang="en-US" sz="1600" dirty="0">
+                <a:solidFill>
+                  <a:srgbClr val="474747"/>
+                </a:solidFill>
+                <a:latin typeface="微软雅黑" panose="020B0503020204020204" charset="-122"/>
+                <a:ea typeface="微软雅黑" panose="020B0503020204020204" charset="-122"/>
+                <a:cs typeface="微软雅黑" panose="020B0503020204020204" charset="-122"/>
+                <a:sym typeface="+mn-ea"/>
+              </a:rPr>
+              <a:t>遍历数组</a:t>
+            </a:r>
+            <a:r>
+              <a:rPr lang="en-US" altLang="zh-CN" sz="1600" dirty="0">
+                <a:solidFill>
+                  <a:srgbClr val="474747"/>
+                </a:solidFill>
+                <a:latin typeface="微软雅黑" panose="020B0503020204020204" charset="-122"/>
+                <a:ea typeface="微软雅黑" panose="020B0503020204020204" charset="-122"/>
+                <a:cs typeface="微软雅黑" panose="020B0503020204020204" charset="-122"/>
+                <a:sym typeface="+mn-ea"/>
+              </a:rPr>
+              <a:t>,</a:t>
+            </a:r>
+            <a:r>
+              <a:rPr lang="zh-CN" altLang="en-US" sz="1600" dirty="0">
+                <a:solidFill>
+                  <a:srgbClr val="474747"/>
+                </a:solidFill>
+                <a:latin typeface="微软雅黑" panose="020B0503020204020204" charset="-122"/>
+                <a:ea typeface="微软雅黑" panose="020B0503020204020204" charset="-122"/>
+                <a:cs typeface="微软雅黑" panose="020B0503020204020204" charset="-122"/>
+                <a:sym typeface="+mn-ea"/>
+              </a:rPr>
+              <a:t>切片</a:t>
+            </a:r>
+            <a:r>
+              <a:rPr lang="en-US" altLang="zh-CN" sz="1600" dirty="0">
+                <a:solidFill>
+                  <a:srgbClr val="474747"/>
+                </a:solidFill>
+                <a:latin typeface="微软雅黑" panose="020B0503020204020204" charset="-122"/>
+                <a:ea typeface="微软雅黑" panose="020B0503020204020204" charset="-122"/>
+                <a:cs typeface="微软雅黑" panose="020B0503020204020204" charset="-122"/>
+                <a:sym typeface="+mn-ea"/>
+              </a:rPr>
+              <a:t>,</a:t>
+            </a:r>
+            <a:r>
+              <a:rPr lang="zh-CN" altLang="en-US" sz="1600" dirty="0">
+                <a:solidFill>
+                  <a:srgbClr val="474747"/>
+                </a:solidFill>
+                <a:latin typeface="微软雅黑" panose="020B0503020204020204" charset="-122"/>
+                <a:ea typeface="微软雅黑" panose="020B0503020204020204" charset="-122"/>
+                <a:cs typeface="微软雅黑" panose="020B0503020204020204" charset="-122"/>
+                <a:sym typeface="+mn-ea"/>
+              </a:rPr>
+              <a:t>字符串</a:t>
+            </a:r>
+            <a:r>
+              <a:rPr lang="en-US" altLang="zh-CN" sz="1600" dirty="0">
+                <a:solidFill>
+                  <a:srgbClr val="474747"/>
+                </a:solidFill>
+                <a:latin typeface="微软雅黑" panose="020B0503020204020204" charset="-122"/>
+                <a:ea typeface="微软雅黑" panose="020B0503020204020204" charset="-122"/>
+                <a:cs typeface="微软雅黑" panose="020B0503020204020204" charset="-122"/>
+                <a:sym typeface="+mn-ea"/>
+              </a:rPr>
+              <a:t>,map,</a:t>
+            </a:r>
+            <a:r>
+              <a:rPr lang="zh-CN" altLang="en-US" sz="1600" dirty="0">
+                <a:solidFill>
+                  <a:srgbClr val="474747"/>
+                </a:solidFill>
+                <a:latin typeface="微软雅黑" panose="020B0503020204020204" charset="-122"/>
+                <a:ea typeface="微软雅黑" panose="020B0503020204020204" charset="-122"/>
+                <a:cs typeface="微软雅黑" panose="020B0503020204020204" charset="-122"/>
+                <a:sym typeface="+mn-ea"/>
+              </a:rPr>
+              <a:t>通道</a:t>
+            </a:r>
+            <a:endParaRPr lang="zh-CN" altLang="en-US" sz="1600" dirty="0">
+              <a:solidFill>
+                <a:srgbClr val="474747"/>
+              </a:solidFill>
+              <a:latin typeface="微软雅黑" panose="020B0503020204020204" charset="-122"/>
+              <a:ea typeface="微软雅黑" panose="020B0503020204020204" charset="-122"/>
+              <a:cs typeface="微软雅黑" panose="020B0503020204020204" charset="-122"/>
+              <a:sym typeface="+mn-ea"/>
+            </a:endParaRPr>
+          </a:p>
+        </p:txBody>
+      </p:sp>
+      <p:sp>
+        <p:nvSpPr>
+          <p:cNvPr id="3" name="文本框 2"/>
+          <p:cNvSpPr txBox="1"/>
+          <p:nvPr/>
+        </p:nvSpPr>
+        <p:spPr>
+          <a:xfrm>
+            <a:off x="542290" y="2726373"/>
+            <a:ext cx="6915150" cy="337185"/>
+          </a:xfrm>
+          <a:prstGeom prst="rect">
+            <a:avLst/>
+          </a:prstGeom>
+          <a:noFill/>
+        </p:spPr>
+        <p:txBody>
+          <a:bodyPr wrap="square" rtlCol="0" anchor="t">
+            <a:spAutoFit/>
+          </a:bodyPr>
+          <a:p>
+            <a:pPr marL="800100" lvl="1" indent="-342900" algn="l">
+              <a:buFont typeface="Wingdings" panose="05000000000000000000" pitchFamily="2" charset="2"/>
+              <a:buChar char="u"/>
+            </a:pPr>
+            <a:r>
+              <a:rPr lang="en-US" altLang="zh-CN" sz="1600" dirty="0">
+                <a:solidFill>
+                  <a:srgbClr val="474747"/>
+                </a:solidFill>
+                <a:latin typeface="微软雅黑" panose="020B0503020204020204" charset="-122"/>
+                <a:ea typeface="微软雅黑" panose="020B0503020204020204" charset="-122"/>
+                <a:cs typeface="微软雅黑" panose="020B0503020204020204" charset="-122"/>
+                <a:sym typeface="+mn-ea"/>
+              </a:rPr>
+              <a:t>break goto return panic </a:t>
+            </a:r>
+            <a:r>
+              <a:rPr lang="zh-CN" altLang="en-US" sz="1600" dirty="0">
+                <a:solidFill>
+                  <a:srgbClr val="474747"/>
+                </a:solidFill>
+                <a:latin typeface="微软雅黑" panose="020B0503020204020204" charset="-122"/>
+                <a:ea typeface="微软雅黑" panose="020B0503020204020204" charset="-122"/>
+                <a:cs typeface="微软雅黑" panose="020B0503020204020204" charset="-122"/>
+                <a:sym typeface="+mn-ea"/>
+              </a:rPr>
+              <a:t>等局域强制退出循环</a:t>
+            </a:r>
+            <a:endParaRPr lang="zh-CN" altLang="en-US" sz="1600" dirty="0">
               <a:solidFill>
                 <a:srgbClr val="474747"/>
               </a:solidFill>
@@ -13711,7 +14549,7 @@
                 <a:ea typeface="微软雅黑" panose="020B0503020204020204" charset="-122"/>
                 <a:cs typeface="Times New Roman" panose="02020603050405020304" charset="0"/>
               </a:rPr>
-              <a:t>谢谢</a:t>
+              <a:t>跳转</a:t>
             </a:r>
             <a:endParaRPr lang="zh-CN" sz="2200" u="sng" strike="noStrike" kern="0" cap="none" spc="0" baseline="0" dirty="0">
               <a:solidFill>
@@ -13756,7 +14594,7 @@
               <a:buChar char="u"/>
             </a:pPr>
             <a:r>
-              <a:rPr lang="zh-CN" sz="1600" u="none" strike="noStrike" kern="1200" cap="none" spc="0" baseline="0" dirty="0">
+              <a:rPr lang="en-US" altLang="zh-CN" sz="1600" u="none" strike="noStrike" kern="1200" cap="none" spc="0" baseline="0" dirty="0">
                 <a:solidFill>
                   <a:srgbClr val="474747"/>
                 </a:solidFill>
@@ -13764,9 +14602,9 @@
                 <a:ea typeface="微软雅黑" panose="020B0503020204020204" charset="-122"/>
                 <a:cs typeface="微软雅黑" panose="020B0503020204020204" charset="-122"/>
               </a:rPr>
-              <a:t>谢谢</a:t>
-            </a:r>
-            <a:endParaRPr lang="zh-CN" sz="1600" u="none" strike="noStrike" kern="1200" cap="none" spc="0" baseline="0" dirty="0">
+              <a:t>goto</a:t>
+            </a:r>
+            <a:endParaRPr lang="en-US" altLang="zh-CN" sz="1600" u="none" strike="noStrike" kern="1200" cap="none" spc="0" baseline="0" dirty="0">
               <a:solidFill>
                 <a:srgbClr val="474747"/>
               </a:solidFill>
@@ -13858,7 +14696,7 @@
               <a:buChar char="u"/>
             </a:pPr>
             <a:r>
-              <a:rPr lang="zh-CN" sz="1600" dirty="0">
+              <a:rPr lang="en-US" altLang="zh-CN" sz="1600" dirty="0">
                 <a:solidFill>
                   <a:srgbClr val="474747"/>
                 </a:solidFill>
@@ -13867,56 +14705,7 @@
                 <a:cs typeface="微软雅黑" panose="020B0503020204020204" charset="-122"/>
                 <a:sym typeface="+mn-ea"/>
               </a:rPr>
-              <a:t>谢谢</a:t>
-            </a:r>
-            <a:endParaRPr lang="zh-CN" altLang="en-US" sz="1600" dirty="0">
-              <a:solidFill>
-                <a:srgbClr val="474747"/>
-              </a:solidFill>
-              <a:latin typeface="微软雅黑" panose="020B0503020204020204" charset="-122"/>
-              <a:ea typeface="微软雅黑" panose="020B0503020204020204" charset="-122"/>
-              <a:cs typeface="微软雅黑" panose="020B0503020204020204" charset="-122"/>
-              <a:sym typeface="Calibri" panose="020F0502020204030204" pitchFamily="34" charset="0"/>
-            </a:endParaRPr>
-          </a:p>
-        </p:txBody>
-      </p:sp>
-      <p:sp>
-        <p:nvSpPr>
-          <p:cNvPr id="3" name="文本框 2"/>
-          <p:cNvSpPr txBox="1"/>
-          <p:nvPr/>
-        </p:nvSpPr>
-        <p:spPr>
-          <a:xfrm>
-            <a:off x="542290" y="2726373"/>
-            <a:ext cx="6915150" cy="337185"/>
-          </a:xfrm>
-          <a:prstGeom prst="rect">
-            <a:avLst/>
-          </a:prstGeom>
-          <a:noFill/>
-        </p:spPr>
-        <p:txBody>
-          <a:bodyPr wrap="square" rtlCol="0" anchor="t">
-            <a:spAutoFit/>
-          </a:bodyPr>
-          <a:p>
-            <a:pPr marL="800100" lvl="1" indent="-342900" algn="l">
-              <a:buFont typeface="Wingdings" panose="05000000000000000000" pitchFamily="2" charset="2"/>
-              <a:buChar char="u"/>
-            </a:pPr>
-            <a:r>
-              <a:rPr lang="zh-CN" sz="1600" dirty="0">
-                <a:solidFill>
-                  <a:srgbClr val="474747"/>
-                </a:solidFill>
-                <a:latin typeface="微软雅黑" panose="020B0503020204020204" charset="-122"/>
-                <a:ea typeface="微软雅黑" panose="020B0503020204020204" charset="-122"/>
-                <a:cs typeface="微软雅黑" panose="020B0503020204020204" charset="-122"/>
-                <a:sym typeface="+mn-ea"/>
-              </a:rPr>
-              <a:t>谢谢</a:t>
+              <a:t>continue</a:t>
             </a:r>
             <a:endParaRPr lang="en-US" altLang="zh-CN" sz="1600" dirty="0">
               <a:solidFill>
@@ -13925,7 +14714,56 @@
               <a:latin typeface="微软雅黑" panose="020B0503020204020204" charset="-122"/>
               <a:ea typeface="微软雅黑" panose="020B0503020204020204" charset="-122"/>
               <a:cs typeface="微软雅黑" panose="020B0503020204020204" charset="-122"/>
-              <a:sym typeface="Calibri" panose="020F0502020204030204" pitchFamily="34" charset="0"/>
+              <a:sym typeface="+mn-ea"/>
+            </a:endParaRPr>
+          </a:p>
+        </p:txBody>
+      </p:sp>
+      <p:sp>
+        <p:nvSpPr>
+          <p:cNvPr id="3" name="文本框 2"/>
+          <p:cNvSpPr txBox="1"/>
+          <p:nvPr/>
+        </p:nvSpPr>
+        <p:spPr>
+          <a:xfrm>
+            <a:off x="542290" y="2726373"/>
+            <a:ext cx="6915150" cy="337185"/>
+          </a:xfrm>
+          <a:prstGeom prst="rect">
+            <a:avLst/>
+          </a:prstGeom>
+          <a:noFill/>
+        </p:spPr>
+        <p:txBody>
+          <a:bodyPr wrap="square" rtlCol="0" anchor="t">
+            <a:spAutoFit/>
+          </a:bodyPr>
+          <a:p>
+            <a:pPr marL="800100" lvl="1" indent="-342900" algn="l">
+              <a:buFont typeface="Wingdings" panose="05000000000000000000" pitchFamily="2" charset="2"/>
+              <a:buChar char="u"/>
+            </a:pPr>
+            <a:r>
+              <a:rPr lang="en-US" altLang="zh-CN" sz="1600" dirty="0">
+                <a:solidFill>
+                  <a:srgbClr val="474747"/>
+                </a:solidFill>
+                <a:latin typeface="微软雅黑" panose="020B0503020204020204" charset="-122"/>
+                <a:ea typeface="微软雅黑" panose="020B0503020204020204" charset="-122"/>
+                <a:cs typeface="微软雅黑" panose="020B0503020204020204" charset="-122"/>
+                <a:sym typeface="+mn-ea"/>
+              </a:rPr>
+              <a:t>break</a:t>
+            </a:r>
+            <a:endParaRPr lang="en-US" altLang="zh-CN" sz="1600" dirty="0">
+              <a:solidFill>
+                <a:srgbClr val="474747"/>
+              </a:solidFill>
+              <a:latin typeface="微软雅黑" panose="020B0503020204020204" charset="-122"/>
+              <a:ea typeface="微软雅黑" panose="020B0503020204020204" charset="-122"/>
+              <a:cs typeface="微软雅黑" panose="020B0503020204020204" charset="-122"/>
+              <a:sym typeface="+mn-ea"/>
             </a:endParaRPr>
           </a:p>
         </p:txBody>
@@ -14343,7 +15181,7 @@
               <a:t> </a:t>
             </a:r>
             <a:r>
-              <a:rPr sz="2200" u="sng" strike="noStrike" kern="0" cap="none" spc="0" baseline="0" dirty="0">
+              <a:rPr lang="zh-CN" sz="2200" u="sng" strike="noStrike" kern="0" cap="none" spc="0" baseline="0" dirty="0">
                 <a:solidFill>
                   <a:srgbClr val="212121"/>
                 </a:solidFill>
@@ -14351,42 +15189,9 @@
                 <a:ea typeface="微软雅黑" panose="020B0503020204020204" charset="-122"/>
                 <a:cs typeface="Times New Roman" panose="02020603050405020304" charset="0"/>
               </a:rPr>
-              <a:t>人类认识和表示事物的基本方式</a:t>
-            </a:r>
-            <a:r>
-              <a:rPr lang="en-US" sz="2200" u="sng" strike="noStrike" kern="0" cap="none" spc="0" baseline="0" dirty="0">
-                <a:solidFill>
-                  <a:srgbClr val="212121"/>
-                </a:solidFill>
-                <a:latin typeface="微软雅黑" panose="020B0503020204020204" charset="-122"/>
-                <a:ea typeface="微软雅黑" panose="020B0503020204020204" charset="-122"/>
-                <a:cs typeface="Times New Roman" panose="02020603050405020304" charset="0"/>
-              </a:rPr>
-              <a:t>(</a:t>
-            </a:r>
-            <a:r>
-              <a:rPr lang="zh-CN" altLang="en-US" sz="2200" u="sng" strike="noStrike" kern="0" cap="none" spc="0" baseline="0" dirty="0">
-                <a:solidFill>
-                  <a:srgbClr val="212121"/>
-                </a:solidFill>
-                <a:latin typeface="微软雅黑" panose="020B0503020204020204" charset="-122"/>
-                <a:ea typeface="微软雅黑" panose="020B0503020204020204" charset="-122"/>
-                <a:cs typeface="Times New Roman" panose="02020603050405020304" charset="0"/>
-              </a:rPr>
-              <a:t>编程也是这样的</a:t>
-            </a:r>
-            <a:r>
-              <a:rPr lang="en-US" sz="2200" u="sng" strike="noStrike" kern="0" cap="none" spc="0" baseline="0" dirty="0">
-                <a:solidFill>
-                  <a:srgbClr val="212121"/>
-                </a:solidFill>
-                <a:latin typeface="微软雅黑" panose="020B0503020204020204" charset="-122"/>
-                <a:ea typeface="微软雅黑" panose="020B0503020204020204" charset="-122"/>
-                <a:cs typeface="Times New Roman" panose="02020603050405020304" charset="0"/>
-              </a:rPr>
-              <a:t>)</a:t>
-            </a:r>
-            <a:endParaRPr lang="en-US" sz="2200" u="sng" strike="noStrike" kern="0" cap="none" spc="0" baseline="0" dirty="0">
+              <a:t>谢谢</a:t>
+            </a:r>
+            <a:endParaRPr lang="zh-CN" sz="2200" u="sng" strike="noStrike" kern="0" cap="none" spc="0" baseline="0" dirty="0">
               <a:solidFill>
                 <a:srgbClr val="212121"/>
               </a:solidFill>
@@ -14429,7 +15234,7 @@
               <a:buChar char="u"/>
             </a:pPr>
             <a:r>
-              <a:rPr sz="1600" u="none" strike="noStrike" kern="1200" cap="none" spc="0" baseline="0" dirty="0">
+              <a:rPr lang="zh-CN" sz="1600" u="none" strike="noStrike" kern="1200" cap="none" spc="0" baseline="0" dirty="0">
                 <a:solidFill>
                   <a:srgbClr val="474747"/>
                 </a:solidFill>
@@ -14437,9 +15242,9 @@
                 <a:ea typeface="微软雅黑" panose="020B0503020204020204" charset="-122"/>
                 <a:cs typeface="微软雅黑" panose="020B0503020204020204" charset="-122"/>
               </a:rPr>
-              <a:t>对比</a:t>
-            </a:r>
-            <a:endParaRPr lang="en-US" sz="1600" u="none" strike="noStrike" kern="1200" cap="none" spc="0" baseline="0" dirty="0">
+              <a:t>谢谢</a:t>
+            </a:r>
+            <a:endParaRPr lang="zh-CN" sz="1600" u="none" strike="noStrike" kern="1200" cap="none" spc="0" baseline="0" dirty="0">
               <a:solidFill>
                 <a:srgbClr val="474747"/>
               </a:solidFill>
@@ -14527,29 +15332,20 @@
           </a:bodyPr>
           <a:p>
             <a:pPr marL="800100" lvl="1" indent="-342900" algn="l">
-              <a:lnSpc>
-                <a:spcPct val="100000"/>
-              </a:lnSpc>
-              <a:spcBef>
-                <a:spcPts val="0"/>
-              </a:spcBef>
-              <a:spcAft>
-                <a:spcPts val="0"/>
-              </a:spcAft>
               <a:buFont typeface="Wingdings" panose="05000000000000000000" pitchFamily="2" charset="2"/>
               <a:buChar char="u"/>
             </a:pPr>
             <a:r>
-              <a:rPr lang="zh-CN" altLang="en-US" sz="1600" dirty="0">
+              <a:rPr lang="zh-CN" sz="1600" dirty="0">
                 <a:solidFill>
                   <a:srgbClr val="474747"/>
                 </a:solidFill>
                 <a:latin typeface="微软雅黑" panose="020B0503020204020204" charset="-122"/>
                 <a:ea typeface="微软雅黑" panose="020B0503020204020204" charset="-122"/>
                 <a:cs typeface="微软雅黑" panose="020B0503020204020204" charset="-122"/>
-                <a:sym typeface="Calibri" panose="020F0502020204030204" pitchFamily="34" charset="0"/>
-              </a:rPr>
-              <a:t>抽象</a:t>
+                <a:sym typeface="+mn-ea"/>
+              </a:rPr>
+              <a:t>谢谢</a:t>
             </a:r>
             <a:endParaRPr lang="zh-CN" altLang="en-US" sz="1600" dirty="0">
               <a:solidFill>
@@ -14585,29 +15381,1620 @@
           </a:bodyPr>
           <a:p>
             <a:pPr marL="800100" lvl="1" indent="-342900" algn="l">
+              <a:buFont typeface="Wingdings" panose="05000000000000000000" pitchFamily="2" charset="2"/>
+              <a:buChar char="u"/>
+            </a:pPr>
+            <a:r>
+              <a:rPr lang="zh-CN" sz="1600" dirty="0">
+                <a:solidFill>
+                  <a:srgbClr val="474747"/>
+                </a:solidFill>
+                <a:latin typeface="微软雅黑" panose="020B0503020204020204" charset="-122"/>
+                <a:ea typeface="微软雅黑" panose="020B0503020204020204" charset="-122"/>
+                <a:cs typeface="微软雅黑" panose="020B0503020204020204" charset="-122"/>
+                <a:sym typeface="+mn-ea"/>
+              </a:rPr>
+              <a:t>谢谢</a:t>
+            </a:r>
+            <a:endParaRPr lang="en-US" altLang="zh-CN" sz="1600" dirty="0">
+              <a:solidFill>
+                <a:srgbClr val="474747"/>
+              </a:solidFill>
+              <a:latin typeface="微软雅黑" panose="020B0503020204020204" charset="-122"/>
+              <a:ea typeface="微软雅黑" panose="020B0503020204020204" charset="-122"/>
+              <a:cs typeface="微软雅黑" panose="020B0503020204020204" charset="-122"/>
+              <a:sym typeface="Calibri" panose="020F0502020204030204" pitchFamily="34" charset="0"/>
+            </a:endParaRPr>
+          </a:p>
+        </p:txBody>
+      </p:sp>
+    </p:spTree>
+  </p:cSld>
+  <p:clrMapOvr>
+    <a:masterClrMapping/>
+  </p:clrMapOvr>
+  <p:timing>
+    <p:tnLst>
+      <p:par>
+        <p:cTn id="1" dur="indefinite" restart="never" nodeType="tmRoot"/>
+      </p:par>
+    </p:tnLst>
+  </p:timing>
+</p:sld>
+</file>
+
+<file path=ppt/slides/slide25.xml><?xml version="1.0" encoding="utf-8"?>
+<p:sld xmlns:a="http://schemas.openxmlformats.org/drawingml/2006/main" xmlns:r="http://schemas.openxmlformats.org/officeDocument/2006/relationships" xmlns:p="http://schemas.openxmlformats.org/presentationml/2006/main">
+  <p:cSld>
+    <p:bg>
+      <p:bgPr>
+        <a:solidFill>
+          <a:schemeClr val="bg1"/>
+        </a:solidFill>
+        <a:effectLst/>
+      </p:bgPr>
+    </p:bg>
+    <p:spTree>
+      <p:nvGrpSpPr>
+        <p:cNvPr id="1" name=""/>
+        <p:cNvGrpSpPr/>
+        <p:nvPr/>
+      </p:nvGrpSpPr>
+      <p:grpSpPr>
+        <a:xfrm>
+          <a:off x="0" y="0"/>
+          <a:ext cx="0" cy="0"/>
+          <a:chOff x="0" y="0"/>
+          <a:chExt cx="0" cy="0"/>
+        </a:xfrm>
+      </p:grpSpPr>
+      <p:sp>
+        <p:nvSpPr>
+          <p:cNvPr id="13" name="文本框"/>
+          <p:cNvSpPr>
+            <a:spLocks noGrp="1"/>
+          </p:cNvSpPr>
+          <p:nvPr>
+            <p:ph type="body" idx="1"/>
+          </p:nvPr>
+        </p:nvSpPr>
+        <p:spPr>
+          <a:xfrm>
+            <a:off x="467544" y="1275606"/>
+            <a:ext cx="8229600" cy="507999"/>
+          </a:xfrm>
+          <a:prstGeom prst="rect">
+            <a:avLst/>
+          </a:prstGeom>
+          <a:noFill/>
+          <a:ln w="9525" cap="flat" cmpd="sng">
+            <a:noFill/>
+            <a:prstDash val="solid"/>
+            <a:round/>
+          </a:ln>
+        </p:spPr>
+        <p:txBody>
+          <a:bodyPr vert="horz" wrap="square" lIns="91440" tIns="45720" rIns="91440" bIns="45720" anchor="ctr" anchorCtr="0"/>
+          <a:lstStyle/>
+          <a:p>
+            <a:pPr marL="0" indent="0" algn="l">
               <a:lnSpc>
                 <a:spcPct val="100000"/>
               </a:lnSpc>
               <a:spcBef>
-                <a:spcPts val="0"/>
+                <a:spcPct val="20000"/>
               </a:spcBef>
               <a:spcAft>
                 <a:spcPts val="0"/>
               </a:spcAft>
+              <a:buNone/>
+            </a:pPr>
+            <a:r>
+              <a:rPr lang="en-US" altLang="zh-CN" sz="2200" u="none" strike="noStrike" kern="0" cap="none" spc="0" baseline="0" dirty="0">
+                <a:solidFill>
+                  <a:srgbClr val="212121"/>
+                </a:solidFill>
+                <a:latin typeface="微软雅黑" panose="020B0503020204020204" charset="-122"/>
+                <a:ea typeface="微软雅黑" panose="020B0503020204020204" charset="-122"/>
+                <a:cs typeface="Times New Roman" panose="02020603050405020304" charset="0"/>
+              </a:rPr>
+              <a:t> </a:t>
+            </a:r>
+            <a:r>
+              <a:rPr lang="zh-CN" sz="2200" u="sng" strike="noStrike" kern="0" cap="none" spc="0" baseline="0" dirty="0">
+                <a:solidFill>
+                  <a:srgbClr val="212121"/>
+                </a:solidFill>
+                <a:latin typeface="微软雅黑" panose="020B0503020204020204" charset="-122"/>
+                <a:ea typeface="微软雅黑" panose="020B0503020204020204" charset="-122"/>
+                <a:cs typeface="Times New Roman" panose="02020603050405020304" charset="0"/>
+              </a:rPr>
+              <a:t>谢谢</a:t>
+            </a:r>
+            <a:endParaRPr lang="zh-CN" sz="2200" u="sng" strike="noStrike" kern="0" cap="none" spc="0" baseline="0" dirty="0">
+              <a:solidFill>
+                <a:srgbClr val="212121"/>
+              </a:solidFill>
+              <a:latin typeface="微软雅黑" panose="020B0503020204020204" charset="-122"/>
+              <a:ea typeface="微软雅黑" panose="020B0503020204020204" charset="-122"/>
+              <a:cs typeface="Times New Roman" panose="02020603050405020304" charset="0"/>
+            </a:endParaRPr>
+          </a:p>
+        </p:txBody>
+      </p:sp>
+      <p:sp>
+        <p:nvSpPr>
+          <p:cNvPr id="15" name="矩形"/>
+          <p:cNvSpPr/>
+          <p:nvPr/>
+        </p:nvSpPr>
+        <p:spPr>
+          <a:xfrm>
+            <a:off x="542290" y="2243138"/>
+            <a:ext cx="7918450" cy="337185"/>
+          </a:xfrm>
+          <a:prstGeom prst="rect">
+            <a:avLst/>
+          </a:prstGeom>
+          <a:noFill/>
+          <a:ln w="9525" cap="flat" cmpd="sng">
+            <a:noFill/>
+            <a:prstDash val="solid"/>
+            <a:miter/>
+          </a:ln>
+        </p:spPr>
+        <p:txBody>
+          <a:bodyPr vert="horz" wrap="square" lIns="91440" tIns="45720" rIns="91440" bIns="45720" anchor="ctr" anchorCtr="0">
+            <a:spAutoFit/>
+          </a:bodyPr>
+          <a:lstStyle/>
+          <a:p>
+            <a:pPr marL="800100" lvl="1" indent="-342900" algn="l">
               <a:buFont typeface="Wingdings" panose="05000000000000000000" pitchFamily="2" charset="2"/>
               <a:buChar char="u"/>
             </a:pPr>
             <a:r>
-              <a:rPr lang="zh-CN" altLang="en-US" sz="1600" dirty="0">
+              <a:rPr lang="zh-CN" sz="1600" u="none" strike="noStrike" kern="1200" cap="none" spc="0" baseline="0" dirty="0">
                 <a:solidFill>
                   <a:srgbClr val="474747"/>
                 </a:solidFill>
                 <a:latin typeface="微软雅黑" panose="020B0503020204020204" charset="-122"/>
                 <a:ea typeface="微软雅黑" panose="020B0503020204020204" charset="-122"/>
                 <a:cs typeface="微软雅黑" panose="020B0503020204020204" charset="-122"/>
-                <a:sym typeface="Calibri" panose="020F0502020204030204" pitchFamily="34" charset="0"/>
-              </a:rPr>
-              <a:t>组合</a:t>
+              </a:rPr>
+              <a:t>谢谢</a:t>
+            </a:r>
+            <a:endParaRPr lang="zh-CN" sz="1600" u="none" strike="noStrike" kern="1200" cap="none" spc="0" baseline="0" dirty="0">
+              <a:solidFill>
+                <a:srgbClr val="474747"/>
+              </a:solidFill>
+              <a:latin typeface="微软雅黑" panose="020B0503020204020204" charset="-122"/>
+              <a:ea typeface="微软雅黑" panose="020B0503020204020204" charset="-122"/>
+              <a:cs typeface="微软雅黑" panose="020B0503020204020204" charset="-122"/>
+            </a:endParaRPr>
+          </a:p>
+        </p:txBody>
+      </p:sp>
+      <p:sp>
+        <p:nvSpPr>
+          <p:cNvPr id="17" name="矩形"/>
+          <p:cNvSpPr/>
+          <p:nvPr/>
+        </p:nvSpPr>
+        <p:spPr>
+          <a:xfrm>
+            <a:off x="3340151" y="497054"/>
+            <a:ext cx="1448435" cy="553085"/>
+          </a:xfrm>
+          <a:prstGeom prst="rect">
+            <a:avLst/>
+          </a:prstGeom>
+          <a:noFill/>
+          <a:ln w="9525" cap="flat" cmpd="sng">
+            <a:noFill/>
+            <a:prstDash val="solid"/>
+            <a:miter/>
+          </a:ln>
+        </p:spPr>
+        <p:txBody>
+          <a:bodyPr vert="horz" wrap="none" lIns="91440" tIns="45720" rIns="91440" bIns="45720" anchor="t" anchorCtr="0">
+            <a:spAutoFit/>
+          </a:bodyPr>
+          <a:lstStyle/>
+          <a:p>
+            <a:pPr algn="l"/>
+            <a:r>
+              <a:rPr lang="zh-CN" altLang="en-US" sz="3000" b="1" u="none" strike="noStrike" kern="0" cap="none" spc="0" baseline="0" dirty="0" err="1">
+                <a:solidFill>
+                  <a:srgbClr val="C9394A"/>
+                </a:solidFill>
+                <a:latin typeface="微软雅黑" panose="020B0503020204020204" charset="-122"/>
+                <a:ea typeface="微软雅黑" panose="020B0503020204020204" charset="-122"/>
+                <a:cs typeface="微软雅黑" panose="020B0503020204020204" charset="-122"/>
+              </a:rPr>
+              <a:t>go语言</a:t>
+            </a:r>
+            <a:endParaRPr lang="zh-CN" altLang="en-US" sz="3000" b="1" u="none" strike="noStrike" kern="0" cap="none" spc="0" baseline="0" dirty="0" err="1">
+              <a:solidFill>
+                <a:srgbClr val="C9394A"/>
+              </a:solidFill>
+              <a:latin typeface="微软雅黑" panose="020B0503020204020204" charset="-122"/>
+              <a:ea typeface="微软雅黑" panose="020B0503020204020204" charset="-122"/>
+              <a:cs typeface="微软雅黑" panose="020B0503020204020204" charset="-122"/>
+            </a:endParaRPr>
+          </a:p>
+        </p:txBody>
+      </p:sp>
+      <p:sp>
+        <p:nvSpPr>
+          <p:cNvPr id="2" name="矩形"/>
+          <p:cNvSpPr/>
+          <p:nvPr/>
+        </p:nvSpPr>
+        <p:spPr>
+          <a:xfrm>
+            <a:off x="542290" y="3209608"/>
+            <a:ext cx="7918450" cy="337185"/>
+          </a:xfrm>
+          <a:prstGeom prst="rect">
+            <a:avLst/>
+          </a:prstGeom>
+          <a:noFill/>
+          <a:ln w="9525" cap="flat" cmpd="sng">
+            <a:noFill/>
+            <a:prstDash val="solid"/>
+            <a:miter/>
+          </a:ln>
+        </p:spPr>
+        <p:txBody>
+          <a:bodyPr vert="horz" wrap="square" lIns="91440" tIns="45720" rIns="91440" bIns="45720" anchor="ctr" anchorCtr="0">
+            <a:spAutoFit/>
+          </a:bodyPr>
+          <a:p>
+            <a:pPr marL="800100" lvl="1" indent="-342900" algn="l">
+              <a:buFont typeface="Wingdings" panose="05000000000000000000" pitchFamily="2" charset="2"/>
+              <a:buChar char="u"/>
+            </a:pPr>
+            <a:r>
+              <a:rPr lang="zh-CN" sz="1600" dirty="0">
+                <a:solidFill>
+                  <a:srgbClr val="474747"/>
+                </a:solidFill>
+                <a:latin typeface="微软雅黑" panose="020B0503020204020204" charset="-122"/>
+                <a:ea typeface="微软雅黑" panose="020B0503020204020204" charset="-122"/>
+                <a:cs typeface="微软雅黑" panose="020B0503020204020204" charset="-122"/>
+                <a:sym typeface="+mn-ea"/>
+              </a:rPr>
+              <a:t>谢谢</a:t>
+            </a:r>
+            <a:endParaRPr lang="zh-CN" altLang="en-US" sz="1600" dirty="0">
+              <a:solidFill>
+                <a:srgbClr val="474747"/>
+              </a:solidFill>
+              <a:latin typeface="微软雅黑" panose="020B0503020204020204" charset="-122"/>
+              <a:ea typeface="微软雅黑" panose="020B0503020204020204" charset="-122"/>
+              <a:cs typeface="微软雅黑" panose="020B0503020204020204" charset="-122"/>
+              <a:sym typeface="Calibri" panose="020F0502020204030204" pitchFamily="34" charset="0"/>
+            </a:endParaRPr>
+          </a:p>
+        </p:txBody>
+      </p:sp>
+      <p:sp>
+        <p:nvSpPr>
+          <p:cNvPr id="3" name="文本框 2"/>
+          <p:cNvSpPr txBox="1"/>
+          <p:nvPr/>
+        </p:nvSpPr>
+        <p:spPr>
+          <a:xfrm>
+            <a:off x="542290" y="2726373"/>
+            <a:ext cx="6915150" cy="337185"/>
+          </a:xfrm>
+          <a:prstGeom prst="rect">
+            <a:avLst/>
+          </a:prstGeom>
+          <a:noFill/>
+        </p:spPr>
+        <p:txBody>
+          <a:bodyPr wrap="square" rtlCol="0" anchor="t">
+            <a:spAutoFit/>
+          </a:bodyPr>
+          <a:p>
+            <a:pPr marL="800100" lvl="1" indent="-342900" algn="l">
+              <a:buFont typeface="Wingdings" panose="05000000000000000000" pitchFamily="2" charset="2"/>
+              <a:buChar char="u"/>
+            </a:pPr>
+            <a:r>
+              <a:rPr lang="zh-CN" sz="1600" dirty="0">
+                <a:solidFill>
+                  <a:srgbClr val="474747"/>
+                </a:solidFill>
+                <a:latin typeface="微软雅黑" panose="020B0503020204020204" charset="-122"/>
+                <a:ea typeface="微软雅黑" panose="020B0503020204020204" charset="-122"/>
+                <a:cs typeface="微软雅黑" panose="020B0503020204020204" charset="-122"/>
+                <a:sym typeface="+mn-ea"/>
+              </a:rPr>
+              <a:t>谢谢</a:t>
+            </a:r>
+            <a:endParaRPr lang="en-US" altLang="zh-CN" sz="1600" dirty="0">
+              <a:solidFill>
+                <a:srgbClr val="474747"/>
+              </a:solidFill>
+              <a:latin typeface="微软雅黑" panose="020B0503020204020204" charset="-122"/>
+              <a:ea typeface="微软雅黑" panose="020B0503020204020204" charset="-122"/>
+              <a:cs typeface="微软雅黑" panose="020B0503020204020204" charset="-122"/>
+              <a:sym typeface="Calibri" panose="020F0502020204030204" pitchFamily="34" charset="0"/>
+            </a:endParaRPr>
+          </a:p>
+        </p:txBody>
+      </p:sp>
+    </p:spTree>
+  </p:cSld>
+  <p:clrMapOvr>
+    <a:masterClrMapping/>
+  </p:clrMapOvr>
+  <p:timing>
+    <p:tnLst>
+      <p:par>
+        <p:cTn id="1" dur="indefinite" restart="never" nodeType="tmRoot"/>
+      </p:par>
+    </p:tnLst>
+  </p:timing>
+</p:sld>
+</file>
+
+<file path=ppt/slides/slide26.xml><?xml version="1.0" encoding="utf-8"?>
+<p:sld xmlns:a="http://schemas.openxmlformats.org/drawingml/2006/main" xmlns:r="http://schemas.openxmlformats.org/officeDocument/2006/relationships" xmlns:p="http://schemas.openxmlformats.org/presentationml/2006/main">
+  <p:cSld>
+    <p:bg>
+      <p:bgPr>
+        <a:solidFill>
+          <a:schemeClr val="bg1"/>
+        </a:solidFill>
+        <a:effectLst/>
+      </p:bgPr>
+    </p:bg>
+    <p:spTree>
+      <p:nvGrpSpPr>
+        <p:cNvPr id="1" name=""/>
+        <p:cNvGrpSpPr/>
+        <p:nvPr/>
+      </p:nvGrpSpPr>
+      <p:grpSpPr>
+        <a:xfrm>
+          <a:off x="0" y="0"/>
+          <a:ext cx="0" cy="0"/>
+          <a:chOff x="0" y="0"/>
+          <a:chExt cx="0" cy="0"/>
+        </a:xfrm>
+      </p:grpSpPr>
+      <p:sp>
+        <p:nvSpPr>
+          <p:cNvPr id="13" name="文本框"/>
+          <p:cNvSpPr>
+            <a:spLocks noGrp="1"/>
+          </p:cNvSpPr>
+          <p:nvPr>
+            <p:ph type="body" idx="1"/>
+          </p:nvPr>
+        </p:nvSpPr>
+        <p:spPr>
+          <a:xfrm>
+            <a:off x="467544" y="1275606"/>
+            <a:ext cx="8229600" cy="507999"/>
+          </a:xfrm>
+          <a:prstGeom prst="rect">
+            <a:avLst/>
+          </a:prstGeom>
+          <a:noFill/>
+          <a:ln w="9525" cap="flat" cmpd="sng">
+            <a:noFill/>
+            <a:prstDash val="solid"/>
+            <a:round/>
+          </a:ln>
+        </p:spPr>
+        <p:txBody>
+          <a:bodyPr vert="horz" wrap="square" lIns="91440" tIns="45720" rIns="91440" bIns="45720" anchor="ctr" anchorCtr="0"/>
+          <a:lstStyle/>
+          <a:p>
+            <a:pPr marL="0" indent="0" algn="l">
+              <a:lnSpc>
+                <a:spcPct val="100000"/>
+              </a:lnSpc>
+              <a:spcBef>
+                <a:spcPct val="20000"/>
+              </a:spcBef>
+              <a:spcAft>
+                <a:spcPts val="0"/>
+              </a:spcAft>
+              <a:buNone/>
+            </a:pPr>
+            <a:r>
+              <a:rPr lang="en-US" altLang="zh-CN" sz="2200" u="none" strike="noStrike" kern="0" cap="none" spc="0" baseline="0" dirty="0">
+                <a:solidFill>
+                  <a:srgbClr val="212121"/>
+                </a:solidFill>
+                <a:latin typeface="微软雅黑" panose="020B0503020204020204" charset="-122"/>
+                <a:ea typeface="微软雅黑" panose="020B0503020204020204" charset="-122"/>
+                <a:cs typeface="Times New Roman" panose="02020603050405020304" charset="0"/>
+              </a:rPr>
+              <a:t> </a:t>
+            </a:r>
+            <a:r>
+              <a:rPr lang="zh-CN" sz="2200" u="sng" strike="noStrike" kern="0" cap="none" spc="0" baseline="0" dirty="0">
+                <a:solidFill>
+                  <a:srgbClr val="212121"/>
+                </a:solidFill>
+                <a:latin typeface="微软雅黑" panose="020B0503020204020204" charset="-122"/>
+                <a:ea typeface="微软雅黑" panose="020B0503020204020204" charset="-122"/>
+                <a:cs typeface="Times New Roman" panose="02020603050405020304" charset="0"/>
+              </a:rPr>
+              <a:t>谢谢</a:t>
+            </a:r>
+            <a:endParaRPr lang="zh-CN" sz="2200" u="sng" strike="noStrike" kern="0" cap="none" spc="0" baseline="0" dirty="0">
+              <a:solidFill>
+                <a:srgbClr val="212121"/>
+              </a:solidFill>
+              <a:latin typeface="微软雅黑" panose="020B0503020204020204" charset="-122"/>
+              <a:ea typeface="微软雅黑" panose="020B0503020204020204" charset="-122"/>
+              <a:cs typeface="Times New Roman" panose="02020603050405020304" charset="0"/>
+            </a:endParaRPr>
+          </a:p>
+        </p:txBody>
+      </p:sp>
+      <p:sp>
+        <p:nvSpPr>
+          <p:cNvPr id="15" name="矩形"/>
+          <p:cNvSpPr/>
+          <p:nvPr/>
+        </p:nvSpPr>
+        <p:spPr>
+          <a:xfrm>
+            <a:off x="542290" y="2243138"/>
+            <a:ext cx="7918450" cy="337185"/>
+          </a:xfrm>
+          <a:prstGeom prst="rect">
+            <a:avLst/>
+          </a:prstGeom>
+          <a:noFill/>
+          <a:ln w="9525" cap="flat" cmpd="sng">
+            <a:noFill/>
+            <a:prstDash val="solid"/>
+            <a:miter/>
+          </a:ln>
+        </p:spPr>
+        <p:txBody>
+          <a:bodyPr vert="horz" wrap="square" lIns="91440" tIns="45720" rIns="91440" bIns="45720" anchor="ctr" anchorCtr="0">
+            <a:spAutoFit/>
+          </a:bodyPr>
+          <a:lstStyle/>
+          <a:p>
+            <a:pPr marL="800100" lvl="1" indent="-342900" algn="l">
+              <a:buFont typeface="Wingdings" panose="05000000000000000000" pitchFamily="2" charset="2"/>
+              <a:buChar char="u"/>
+            </a:pPr>
+            <a:r>
+              <a:rPr lang="zh-CN" sz="1600" u="none" strike="noStrike" kern="1200" cap="none" spc="0" baseline="0" dirty="0">
+                <a:solidFill>
+                  <a:srgbClr val="474747"/>
+                </a:solidFill>
+                <a:latin typeface="微软雅黑" panose="020B0503020204020204" charset="-122"/>
+                <a:ea typeface="微软雅黑" panose="020B0503020204020204" charset="-122"/>
+                <a:cs typeface="微软雅黑" panose="020B0503020204020204" charset="-122"/>
+              </a:rPr>
+              <a:t>谢谢</a:t>
+            </a:r>
+            <a:endParaRPr lang="zh-CN" sz="1600" u="none" strike="noStrike" kern="1200" cap="none" spc="0" baseline="0" dirty="0">
+              <a:solidFill>
+                <a:srgbClr val="474747"/>
+              </a:solidFill>
+              <a:latin typeface="微软雅黑" panose="020B0503020204020204" charset="-122"/>
+              <a:ea typeface="微软雅黑" panose="020B0503020204020204" charset="-122"/>
+              <a:cs typeface="微软雅黑" panose="020B0503020204020204" charset="-122"/>
+            </a:endParaRPr>
+          </a:p>
+        </p:txBody>
+      </p:sp>
+      <p:sp>
+        <p:nvSpPr>
+          <p:cNvPr id="17" name="矩形"/>
+          <p:cNvSpPr/>
+          <p:nvPr/>
+        </p:nvSpPr>
+        <p:spPr>
+          <a:xfrm>
+            <a:off x="3340151" y="497054"/>
+            <a:ext cx="1448435" cy="553085"/>
+          </a:xfrm>
+          <a:prstGeom prst="rect">
+            <a:avLst/>
+          </a:prstGeom>
+          <a:noFill/>
+          <a:ln w="9525" cap="flat" cmpd="sng">
+            <a:noFill/>
+            <a:prstDash val="solid"/>
+            <a:miter/>
+          </a:ln>
+        </p:spPr>
+        <p:txBody>
+          <a:bodyPr vert="horz" wrap="none" lIns="91440" tIns="45720" rIns="91440" bIns="45720" anchor="t" anchorCtr="0">
+            <a:spAutoFit/>
+          </a:bodyPr>
+          <a:lstStyle/>
+          <a:p>
+            <a:pPr algn="l"/>
+            <a:r>
+              <a:rPr lang="zh-CN" altLang="en-US" sz="3000" b="1" u="none" strike="noStrike" kern="0" cap="none" spc="0" baseline="0" dirty="0" err="1">
+                <a:solidFill>
+                  <a:srgbClr val="C9394A"/>
+                </a:solidFill>
+                <a:latin typeface="微软雅黑" panose="020B0503020204020204" charset="-122"/>
+                <a:ea typeface="微软雅黑" panose="020B0503020204020204" charset="-122"/>
+                <a:cs typeface="微软雅黑" panose="020B0503020204020204" charset="-122"/>
+              </a:rPr>
+              <a:t>go语言</a:t>
+            </a:r>
+            <a:endParaRPr lang="zh-CN" altLang="en-US" sz="3000" b="1" u="none" strike="noStrike" kern="0" cap="none" spc="0" baseline="0" dirty="0" err="1">
+              <a:solidFill>
+                <a:srgbClr val="C9394A"/>
+              </a:solidFill>
+              <a:latin typeface="微软雅黑" panose="020B0503020204020204" charset="-122"/>
+              <a:ea typeface="微软雅黑" panose="020B0503020204020204" charset="-122"/>
+              <a:cs typeface="微软雅黑" panose="020B0503020204020204" charset="-122"/>
+            </a:endParaRPr>
+          </a:p>
+        </p:txBody>
+      </p:sp>
+      <p:sp>
+        <p:nvSpPr>
+          <p:cNvPr id="2" name="矩形"/>
+          <p:cNvSpPr/>
+          <p:nvPr/>
+        </p:nvSpPr>
+        <p:spPr>
+          <a:xfrm>
+            <a:off x="542290" y="3209608"/>
+            <a:ext cx="7918450" cy="337185"/>
+          </a:xfrm>
+          <a:prstGeom prst="rect">
+            <a:avLst/>
+          </a:prstGeom>
+          <a:noFill/>
+          <a:ln w="9525" cap="flat" cmpd="sng">
+            <a:noFill/>
+            <a:prstDash val="solid"/>
+            <a:miter/>
+          </a:ln>
+        </p:spPr>
+        <p:txBody>
+          <a:bodyPr vert="horz" wrap="square" lIns="91440" tIns="45720" rIns="91440" bIns="45720" anchor="ctr" anchorCtr="0">
+            <a:spAutoFit/>
+          </a:bodyPr>
+          <a:p>
+            <a:pPr marL="800100" lvl="1" indent="-342900" algn="l">
+              <a:buFont typeface="Wingdings" panose="05000000000000000000" pitchFamily="2" charset="2"/>
+              <a:buChar char="u"/>
+            </a:pPr>
+            <a:r>
+              <a:rPr lang="zh-CN" sz="1600" dirty="0">
+                <a:solidFill>
+                  <a:srgbClr val="474747"/>
+                </a:solidFill>
+                <a:latin typeface="微软雅黑" panose="020B0503020204020204" charset="-122"/>
+                <a:ea typeface="微软雅黑" panose="020B0503020204020204" charset="-122"/>
+                <a:cs typeface="微软雅黑" panose="020B0503020204020204" charset="-122"/>
+                <a:sym typeface="+mn-ea"/>
+              </a:rPr>
+              <a:t>谢谢</a:t>
+            </a:r>
+            <a:endParaRPr lang="zh-CN" altLang="en-US" sz="1600" dirty="0">
+              <a:solidFill>
+                <a:srgbClr val="474747"/>
+              </a:solidFill>
+              <a:latin typeface="微软雅黑" panose="020B0503020204020204" charset="-122"/>
+              <a:ea typeface="微软雅黑" panose="020B0503020204020204" charset="-122"/>
+              <a:cs typeface="微软雅黑" panose="020B0503020204020204" charset="-122"/>
+              <a:sym typeface="Calibri" panose="020F0502020204030204" pitchFamily="34" charset="0"/>
+            </a:endParaRPr>
+          </a:p>
+        </p:txBody>
+      </p:sp>
+      <p:sp>
+        <p:nvSpPr>
+          <p:cNvPr id="3" name="文本框 2"/>
+          <p:cNvSpPr txBox="1"/>
+          <p:nvPr/>
+        </p:nvSpPr>
+        <p:spPr>
+          <a:xfrm>
+            <a:off x="542290" y="2726373"/>
+            <a:ext cx="6915150" cy="337185"/>
+          </a:xfrm>
+          <a:prstGeom prst="rect">
+            <a:avLst/>
+          </a:prstGeom>
+          <a:noFill/>
+        </p:spPr>
+        <p:txBody>
+          <a:bodyPr wrap="square" rtlCol="0" anchor="t">
+            <a:spAutoFit/>
+          </a:bodyPr>
+          <a:p>
+            <a:pPr marL="800100" lvl="1" indent="-342900" algn="l">
+              <a:buFont typeface="Wingdings" panose="05000000000000000000" pitchFamily="2" charset="2"/>
+              <a:buChar char="u"/>
+            </a:pPr>
+            <a:r>
+              <a:rPr lang="zh-CN" sz="1600" dirty="0">
+                <a:solidFill>
+                  <a:srgbClr val="474747"/>
+                </a:solidFill>
+                <a:latin typeface="微软雅黑" panose="020B0503020204020204" charset="-122"/>
+                <a:ea typeface="微软雅黑" panose="020B0503020204020204" charset="-122"/>
+                <a:cs typeface="微软雅黑" panose="020B0503020204020204" charset="-122"/>
+                <a:sym typeface="+mn-ea"/>
+              </a:rPr>
+              <a:t>谢谢</a:t>
+            </a:r>
+            <a:endParaRPr lang="en-US" altLang="zh-CN" sz="1600" dirty="0">
+              <a:solidFill>
+                <a:srgbClr val="474747"/>
+              </a:solidFill>
+              <a:latin typeface="微软雅黑" panose="020B0503020204020204" charset="-122"/>
+              <a:ea typeface="微软雅黑" panose="020B0503020204020204" charset="-122"/>
+              <a:cs typeface="微软雅黑" panose="020B0503020204020204" charset="-122"/>
+              <a:sym typeface="Calibri" panose="020F0502020204030204" pitchFamily="34" charset="0"/>
+            </a:endParaRPr>
+          </a:p>
+        </p:txBody>
+      </p:sp>
+    </p:spTree>
+  </p:cSld>
+  <p:clrMapOvr>
+    <a:masterClrMapping/>
+  </p:clrMapOvr>
+  <p:timing>
+    <p:tnLst>
+      <p:par>
+        <p:cTn id="1" dur="indefinite" restart="never" nodeType="tmRoot"/>
+      </p:par>
+    </p:tnLst>
+  </p:timing>
+</p:sld>
+</file>
+
+<file path=ppt/slides/slide27.xml><?xml version="1.0" encoding="utf-8"?>
+<p:sld xmlns:a="http://schemas.openxmlformats.org/drawingml/2006/main" xmlns:r="http://schemas.openxmlformats.org/officeDocument/2006/relationships" xmlns:p="http://schemas.openxmlformats.org/presentationml/2006/main">
+  <p:cSld>
+    <p:bg>
+      <p:bgPr>
+        <a:solidFill>
+          <a:schemeClr val="bg1"/>
+        </a:solidFill>
+        <a:effectLst/>
+      </p:bgPr>
+    </p:bg>
+    <p:spTree>
+      <p:nvGrpSpPr>
+        <p:cNvPr id="1" name=""/>
+        <p:cNvGrpSpPr/>
+        <p:nvPr/>
+      </p:nvGrpSpPr>
+      <p:grpSpPr>
+        <a:xfrm>
+          <a:off x="0" y="0"/>
+          <a:ext cx="0" cy="0"/>
+          <a:chOff x="0" y="0"/>
+          <a:chExt cx="0" cy="0"/>
+        </a:xfrm>
+      </p:grpSpPr>
+      <p:sp>
+        <p:nvSpPr>
+          <p:cNvPr id="13" name="文本框"/>
+          <p:cNvSpPr>
+            <a:spLocks noGrp="1"/>
+          </p:cNvSpPr>
+          <p:nvPr>
+            <p:ph type="body" idx="1"/>
+          </p:nvPr>
+        </p:nvSpPr>
+        <p:spPr>
+          <a:xfrm>
+            <a:off x="467544" y="1275606"/>
+            <a:ext cx="8229600" cy="507999"/>
+          </a:xfrm>
+          <a:prstGeom prst="rect">
+            <a:avLst/>
+          </a:prstGeom>
+          <a:noFill/>
+          <a:ln w="9525" cap="flat" cmpd="sng">
+            <a:noFill/>
+            <a:prstDash val="solid"/>
+            <a:round/>
+          </a:ln>
+        </p:spPr>
+        <p:txBody>
+          <a:bodyPr vert="horz" wrap="square" lIns="91440" tIns="45720" rIns="91440" bIns="45720" anchor="ctr" anchorCtr="0"/>
+          <a:lstStyle/>
+          <a:p>
+            <a:pPr marL="0" indent="0" algn="l">
+              <a:lnSpc>
+                <a:spcPct val="100000"/>
+              </a:lnSpc>
+              <a:spcBef>
+                <a:spcPct val="20000"/>
+              </a:spcBef>
+              <a:spcAft>
+                <a:spcPts val="0"/>
+              </a:spcAft>
+              <a:buNone/>
+            </a:pPr>
+            <a:r>
+              <a:rPr lang="en-US" altLang="zh-CN" sz="2200" u="none" strike="noStrike" kern="0" cap="none" spc="0" baseline="0" dirty="0">
+                <a:solidFill>
+                  <a:srgbClr val="212121"/>
+                </a:solidFill>
+                <a:latin typeface="微软雅黑" panose="020B0503020204020204" charset="-122"/>
+                <a:ea typeface="微软雅黑" panose="020B0503020204020204" charset="-122"/>
+                <a:cs typeface="Times New Roman" panose="02020603050405020304" charset="0"/>
+              </a:rPr>
+              <a:t> </a:t>
+            </a:r>
+            <a:r>
+              <a:rPr lang="zh-CN" sz="2200" u="sng" strike="noStrike" kern="0" cap="none" spc="0" baseline="0" dirty="0">
+                <a:solidFill>
+                  <a:srgbClr val="212121"/>
+                </a:solidFill>
+                <a:latin typeface="微软雅黑" panose="020B0503020204020204" charset="-122"/>
+                <a:ea typeface="微软雅黑" panose="020B0503020204020204" charset="-122"/>
+                <a:cs typeface="Times New Roman" panose="02020603050405020304" charset="0"/>
+              </a:rPr>
+              <a:t>谢谢</a:t>
+            </a:r>
+            <a:endParaRPr lang="zh-CN" sz="2200" u="sng" strike="noStrike" kern="0" cap="none" spc="0" baseline="0" dirty="0">
+              <a:solidFill>
+                <a:srgbClr val="212121"/>
+              </a:solidFill>
+              <a:latin typeface="微软雅黑" panose="020B0503020204020204" charset="-122"/>
+              <a:ea typeface="微软雅黑" panose="020B0503020204020204" charset="-122"/>
+              <a:cs typeface="Times New Roman" panose="02020603050405020304" charset="0"/>
+            </a:endParaRPr>
+          </a:p>
+        </p:txBody>
+      </p:sp>
+      <p:sp>
+        <p:nvSpPr>
+          <p:cNvPr id="15" name="矩形"/>
+          <p:cNvSpPr/>
+          <p:nvPr/>
+        </p:nvSpPr>
+        <p:spPr>
+          <a:xfrm>
+            <a:off x="542290" y="2243138"/>
+            <a:ext cx="7918450" cy="337185"/>
+          </a:xfrm>
+          <a:prstGeom prst="rect">
+            <a:avLst/>
+          </a:prstGeom>
+          <a:noFill/>
+          <a:ln w="9525" cap="flat" cmpd="sng">
+            <a:noFill/>
+            <a:prstDash val="solid"/>
+            <a:miter/>
+          </a:ln>
+        </p:spPr>
+        <p:txBody>
+          <a:bodyPr vert="horz" wrap="square" lIns="91440" tIns="45720" rIns="91440" bIns="45720" anchor="ctr" anchorCtr="0">
+            <a:spAutoFit/>
+          </a:bodyPr>
+          <a:lstStyle/>
+          <a:p>
+            <a:pPr marL="800100" lvl="1" indent="-342900" algn="l">
+              <a:buFont typeface="Wingdings" panose="05000000000000000000" pitchFamily="2" charset="2"/>
+              <a:buChar char="u"/>
+            </a:pPr>
+            <a:r>
+              <a:rPr lang="zh-CN" sz="1600" u="none" strike="noStrike" kern="1200" cap="none" spc="0" baseline="0" dirty="0">
+                <a:solidFill>
+                  <a:srgbClr val="474747"/>
+                </a:solidFill>
+                <a:latin typeface="微软雅黑" panose="020B0503020204020204" charset="-122"/>
+                <a:ea typeface="微软雅黑" panose="020B0503020204020204" charset="-122"/>
+                <a:cs typeface="微软雅黑" panose="020B0503020204020204" charset="-122"/>
+              </a:rPr>
+              <a:t>谢谢</a:t>
+            </a:r>
+            <a:endParaRPr lang="zh-CN" sz="1600" u="none" strike="noStrike" kern="1200" cap="none" spc="0" baseline="0" dirty="0">
+              <a:solidFill>
+                <a:srgbClr val="474747"/>
+              </a:solidFill>
+              <a:latin typeface="微软雅黑" panose="020B0503020204020204" charset="-122"/>
+              <a:ea typeface="微软雅黑" panose="020B0503020204020204" charset="-122"/>
+              <a:cs typeface="微软雅黑" panose="020B0503020204020204" charset="-122"/>
+            </a:endParaRPr>
+          </a:p>
+        </p:txBody>
+      </p:sp>
+      <p:sp>
+        <p:nvSpPr>
+          <p:cNvPr id="17" name="矩形"/>
+          <p:cNvSpPr/>
+          <p:nvPr/>
+        </p:nvSpPr>
+        <p:spPr>
+          <a:xfrm>
+            <a:off x="3340151" y="497054"/>
+            <a:ext cx="1448435" cy="553085"/>
+          </a:xfrm>
+          <a:prstGeom prst="rect">
+            <a:avLst/>
+          </a:prstGeom>
+          <a:noFill/>
+          <a:ln w="9525" cap="flat" cmpd="sng">
+            <a:noFill/>
+            <a:prstDash val="solid"/>
+            <a:miter/>
+          </a:ln>
+        </p:spPr>
+        <p:txBody>
+          <a:bodyPr vert="horz" wrap="none" lIns="91440" tIns="45720" rIns="91440" bIns="45720" anchor="t" anchorCtr="0">
+            <a:spAutoFit/>
+          </a:bodyPr>
+          <a:lstStyle/>
+          <a:p>
+            <a:pPr algn="l"/>
+            <a:r>
+              <a:rPr lang="zh-CN" altLang="en-US" sz="3000" b="1" u="none" strike="noStrike" kern="0" cap="none" spc="0" baseline="0" dirty="0" err="1">
+                <a:solidFill>
+                  <a:srgbClr val="C9394A"/>
+                </a:solidFill>
+                <a:latin typeface="微软雅黑" panose="020B0503020204020204" charset="-122"/>
+                <a:ea typeface="微软雅黑" panose="020B0503020204020204" charset="-122"/>
+                <a:cs typeface="微软雅黑" panose="020B0503020204020204" charset="-122"/>
+              </a:rPr>
+              <a:t>go语言</a:t>
+            </a:r>
+            <a:endParaRPr lang="zh-CN" altLang="en-US" sz="3000" b="1" u="none" strike="noStrike" kern="0" cap="none" spc="0" baseline="0" dirty="0" err="1">
+              <a:solidFill>
+                <a:srgbClr val="C9394A"/>
+              </a:solidFill>
+              <a:latin typeface="微软雅黑" panose="020B0503020204020204" charset="-122"/>
+              <a:ea typeface="微软雅黑" panose="020B0503020204020204" charset="-122"/>
+              <a:cs typeface="微软雅黑" panose="020B0503020204020204" charset="-122"/>
+            </a:endParaRPr>
+          </a:p>
+        </p:txBody>
+      </p:sp>
+      <p:sp>
+        <p:nvSpPr>
+          <p:cNvPr id="2" name="矩形"/>
+          <p:cNvSpPr/>
+          <p:nvPr/>
+        </p:nvSpPr>
+        <p:spPr>
+          <a:xfrm>
+            <a:off x="542290" y="3209608"/>
+            <a:ext cx="7918450" cy="337185"/>
+          </a:xfrm>
+          <a:prstGeom prst="rect">
+            <a:avLst/>
+          </a:prstGeom>
+          <a:noFill/>
+          <a:ln w="9525" cap="flat" cmpd="sng">
+            <a:noFill/>
+            <a:prstDash val="solid"/>
+            <a:miter/>
+          </a:ln>
+        </p:spPr>
+        <p:txBody>
+          <a:bodyPr vert="horz" wrap="square" lIns="91440" tIns="45720" rIns="91440" bIns="45720" anchor="ctr" anchorCtr="0">
+            <a:spAutoFit/>
+          </a:bodyPr>
+          <a:p>
+            <a:pPr marL="800100" lvl="1" indent="-342900" algn="l">
+              <a:buFont typeface="Wingdings" panose="05000000000000000000" pitchFamily="2" charset="2"/>
+              <a:buChar char="u"/>
+            </a:pPr>
+            <a:r>
+              <a:rPr lang="zh-CN" sz="1600" dirty="0">
+                <a:solidFill>
+                  <a:srgbClr val="474747"/>
+                </a:solidFill>
+                <a:latin typeface="微软雅黑" panose="020B0503020204020204" charset="-122"/>
+                <a:ea typeface="微软雅黑" panose="020B0503020204020204" charset="-122"/>
+                <a:cs typeface="微软雅黑" panose="020B0503020204020204" charset="-122"/>
+                <a:sym typeface="+mn-ea"/>
+              </a:rPr>
+              <a:t>谢谢</a:t>
+            </a:r>
+            <a:endParaRPr lang="zh-CN" altLang="en-US" sz="1600" dirty="0">
+              <a:solidFill>
+                <a:srgbClr val="474747"/>
+              </a:solidFill>
+              <a:latin typeface="微软雅黑" panose="020B0503020204020204" charset="-122"/>
+              <a:ea typeface="微软雅黑" panose="020B0503020204020204" charset="-122"/>
+              <a:cs typeface="微软雅黑" panose="020B0503020204020204" charset="-122"/>
+              <a:sym typeface="Calibri" panose="020F0502020204030204" pitchFamily="34" charset="0"/>
+            </a:endParaRPr>
+          </a:p>
+        </p:txBody>
+      </p:sp>
+      <p:sp>
+        <p:nvSpPr>
+          <p:cNvPr id="3" name="文本框 2"/>
+          <p:cNvSpPr txBox="1"/>
+          <p:nvPr/>
+        </p:nvSpPr>
+        <p:spPr>
+          <a:xfrm>
+            <a:off x="542290" y="2726373"/>
+            <a:ext cx="6915150" cy="337185"/>
+          </a:xfrm>
+          <a:prstGeom prst="rect">
+            <a:avLst/>
+          </a:prstGeom>
+          <a:noFill/>
+        </p:spPr>
+        <p:txBody>
+          <a:bodyPr wrap="square" rtlCol="0" anchor="t">
+            <a:spAutoFit/>
+          </a:bodyPr>
+          <a:p>
+            <a:pPr marL="800100" lvl="1" indent="-342900" algn="l">
+              <a:buFont typeface="Wingdings" panose="05000000000000000000" pitchFamily="2" charset="2"/>
+              <a:buChar char="u"/>
+            </a:pPr>
+            <a:r>
+              <a:rPr lang="zh-CN" sz="1600" dirty="0">
+                <a:solidFill>
+                  <a:srgbClr val="474747"/>
+                </a:solidFill>
+                <a:latin typeface="微软雅黑" panose="020B0503020204020204" charset="-122"/>
+                <a:ea typeface="微软雅黑" panose="020B0503020204020204" charset="-122"/>
+                <a:cs typeface="微软雅黑" panose="020B0503020204020204" charset="-122"/>
+                <a:sym typeface="+mn-ea"/>
+              </a:rPr>
+              <a:t>谢谢</a:t>
+            </a:r>
+            <a:endParaRPr lang="en-US" altLang="zh-CN" sz="1600" dirty="0">
+              <a:solidFill>
+                <a:srgbClr val="474747"/>
+              </a:solidFill>
+              <a:latin typeface="微软雅黑" panose="020B0503020204020204" charset="-122"/>
+              <a:ea typeface="微软雅黑" panose="020B0503020204020204" charset="-122"/>
+              <a:cs typeface="微软雅黑" panose="020B0503020204020204" charset="-122"/>
+              <a:sym typeface="Calibri" panose="020F0502020204030204" pitchFamily="34" charset="0"/>
+            </a:endParaRPr>
+          </a:p>
+        </p:txBody>
+      </p:sp>
+    </p:spTree>
+  </p:cSld>
+  <p:clrMapOvr>
+    <a:masterClrMapping/>
+  </p:clrMapOvr>
+  <p:timing>
+    <p:tnLst>
+      <p:par>
+        <p:cTn id="1" dur="indefinite" restart="never" nodeType="tmRoot"/>
+      </p:par>
+    </p:tnLst>
+  </p:timing>
+</p:sld>
+</file>
+
+<file path=ppt/slides/slide28.xml><?xml version="1.0" encoding="utf-8"?>
+<p:sld xmlns:a="http://schemas.openxmlformats.org/drawingml/2006/main" xmlns:r="http://schemas.openxmlformats.org/officeDocument/2006/relationships" xmlns:p="http://schemas.openxmlformats.org/presentationml/2006/main">
+  <p:cSld>
+    <p:bg>
+      <p:bgPr>
+        <a:solidFill>
+          <a:schemeClr val="bg1"/>
+        </a:solidFill>
+        <a:effectLst/>
+      </p:bgPr>
+    </p:bg>
+    <p:spTree>
+      <p:nvGrpSpPr>
+        <p:cNvPr id="1" name=""/>
+        <p:cNvGrpSpPr/>
+        <p:nvPr/>
+      </p:nvGrpSpPr>
+      <p:grpSpPr>
+        <a:xfrm>
+          <a:off x="0" y="0"/>
+          <a:ext cx="0" cy="0"/>
+          <a:chOff x="0" y="0"/>
+          <a:chExt cx="0" cy="0"/>
+        </a:xfrm>
+      </p:grpSpPr>
+      <p:sp>
+        <p:nvSpPr>
+          <p:cNvPr id="13" name="文本框"/>
+          <p:cNvSpPr>
+            <a:spLocks noGrp="1"/>
+          </p:cNvSpPr>
+          <p:nvPr>
+            <p:ph type="body" idx="1"/>
+          </p:nvPr>
+        </p:nvSpPr>
+        <p:spPr>
+          <a:xfrm>
+            <a:off x="467544" y="1275606"/>
+            <a:ext cx="8229600" cy="507999"/>
+          </a:xfrm>
+          <a:prstGeom prst="rect">
+            <a:avLst/>
+          </a:prstGeom>
+          <a:noFill/>
+          <a:ln w="9525" cap="flat" cmpd="sng">
+            <a:noFill/>
+            <a:prstDash val="solid"/>
+            <a:round/>
+          </a:ln>
+        </p:spPr>
+        <p:txBody>
+          <a:bodyPr vert="horz" wrap="square" lIns="91440" tIns="45720" rIns="91440" bIns="45720" anchor="ctr" anchorCtr="0"/>
+          <a:lstStyle/>
+          <a:p>
+            <a:pPr marL="0" indent="0" algn="l">
+              <a:lnSpc>
+                <a:spcPct val="100000"/>
+              </a:lnSpc>
+              <a:spcBef>
+                <a:spcPct val="20000"/>
+              </a:spcBef>
+              <a:spcAft>
+                <a:spcPts val="0"/>
+              </a:spcAft>
+              <a:buNone/>
+            </a:pPr>
+            <a:r>
+              <a:rPr lang="en-US" altLang="zh-CN" sz="2200" u="none" strike="noStrike" kern="0" cap="none" spc="0" baseline="0" dirty="0">
+                <a:solidFill>
+                  <a:srgbClr val="212121"/>
+                </a:solidFill>
+                <a:latin typeface="微软雅黑" panose="020B0503020204020204" charset="-122"/>
+                <a:ea typeface="微软雅黑" panose="020B0503020204020204" charset="-122"/>
+                <a:cs typeface="Times New Roman" panose="02020603050405020304" charset="0"/>
+              </a:rPr>
+              <a:t> </a:t>
+            </a:r>
+            <a:r>
+              <a:rPr lang="zh-CN" sz="2200" u="sng" strike="noStrike" kern="0" cap="none" spc="0" baseline="0" dirty="0">
+                <a:solidFill>
+                  <a:srgbClr val="212121"/>
+                </a:solidFill>
+                <a:latin typeface="微软雅黑" panose="020B0503020204020204" charset="-122"/>
+                <a:ea typeface="微软雅黑" panose="020B0503020204020204" charset="-122"/>
+                <a:cs typeface="Times New Roman" panose="02020603050405020304" charset="0"/>
+              </a:rPr>
+              <a:t>谢谢</a:t>
+            </a:r>
+            <a:endParaRPr lang="zh-CN" sz="2200" u="sng" strike="noStrike" kern="0" cap="none" spc="0" baseline="0" dirty="0">
+              <a:solidFill>
+                <a:srgbClr val="212121"/>
+              </a:solidFill>
+              <a:latin typeface="微软雅黑" panose="020B0503020204020204" charset="-122"/>
+              <a:ea typeface="微软雅黑" panose="020B0503020204020204" charset="-122"/>
+              <a:cs typeface="Times New Roman" panose="02020603050405020304" charset="0"/>
+            </a:endParaRPr>
+          </a:p>
+        </p:txBody>
+      </p:sp>
+      <p:sp>
+        <p:nvSpPr>
+          <p:cNvPr id="15" name="矩形"/>
+          <p:cNvSpPr/>
+          <p:nvPr/>
+        </p:nvSpPr>
+        <p:spPr>
+          <a:xfrm>
+            <a:off x="542290" y="2243138"/>
+            <a:ext cx="7918450" cy="337185"/>
+          </a:xfrm>
+          <a:prstGeom prst="rect">
+            <a:avLst/>
+          </a:prstGeom>
+          <a:noFill/>
+          <a:ln w="9525" cap="flat" cmpd="sng">
+            <a:noFill/>
+            <a:prstDash val="solid"/>
+            <a:miter/>
+          </a:ln>
+        </p:spPr>
+        <p:txBody>
+          <a:bodyPr vert="horz" wrap="square" lIns="91440" tIns="45720" rIns="91440" bIns="45720" anchor="ctr" anchorCtr="0">
+            <a:spAutoFit/>
+          </a:bodyPr>
+          <a:lstStyle/>
+          <a:p>
+            <a:pPr marL="800100" lvl="1" indent="-342900" algn="l">
+              <a:buFont typeface="Wingdings" panose="05000000000000000000" pitchFamily="2" charset="2"/>
+              <a:buChar char="u"/>
+            </a:pPr>
+            <a:r>
+              <a:rPr lang="zh-CN" sz="1600" u="none" strike="noStrike" kern="1200" cap="none" spc="0" baseline="0" dirty="0">
+                <a:solidFill>
+                  <a:srgbClr val="474747"/>
+                </a:solidFill>
+                <a:latin typeface="微软雅黑" panose="020B0503020204020204" charset="-122"/>
+                <a:ea typeface="微软雅黑" panose="020B0503020204020204" charset="-122"/>
+                <a:cs typeface="微软雅黑" panose="020B0503020204020204" charset="-122"/>
+              </a:rPr>
+              <a:t>谢谢</a:t>
+            </a:r>
+            <a:endParaRPr lang="zh-CN" sz="1600" u="none" strike="noStrike" kern="1200" cap="none" spc="0" baseline="0" dirty="0">
+              <a:solidFill>
+                <a:srgbClr val="474747"/>
+              </a:solidFill>
+              <a:latin typeface="微软雅黑" panose="020B0503020204020204" charset="-122"/>
+              <a:ea typeface="微软雅黑" panose="020B0503020204020204" charset="-122"/>
+              <a:cs typeface="微软雅黑" panose="020B0503020204020204" charset="-122"/>
+            </a:endParaRPr>
+          </a:p>
+        </p:txBody>
+      </p:sp>
+      <p:sp>
+        <p:nvSpPr>
+          <p:cNvPr id="17" name="矩形"/>
+          <p:cNvSpPr/>
+          <p:nvPr/>
+        </p:nvSpPr>
+        <p:spPr>
+          <a:xfrm>
+            <a:off x="3340151" y="497054"/>
+            <a:ext cx="1448435" cy="553085"/>
+          </a:xfrm>
+          <a:prstGeom prst="rect">
+            <a:avLst/>
+          </a:prstGeom>
+          <a:noFill/>
+          <a:ln w="9525" cap="flat" cmpd="sng">
+            <a:noFill/>
+            <a:prstDash val="solid"/>
+            <a:miter/>
+          </a:ln>
+        </p:spPr>
+        <p:txBody>
+          <a:bodyPr vert="horz" wrap="none" lIns="91440" tIns="45720" rIns="91440" bIns="45720" anchor="t" anchorCtr="0">
+            <a:spAutoFit/>
+          </a:bodyPr>
+          <a:lstStyle/>
+          <a:p>
+            <a:pPr algn="l"/>
+            <a:r>
+              <a:rPr lang="zh-CN" altLang="en-US" sz="3000" b="1" u="none" strike="noStrike" kern="0" cap="none" spc="0" baseline="0" dirty="0" err="1">
+                <a:solidFill>
+                  <a:srgbClr val="C9394A"/>
+                </a:solidFill>
+                <a:latin typeface="微软雅黑" panose="020B0503020204020204" charset="-122"/>
+                <a:ea typeface="微软雅黑" panose="020B0503020204020204" charset="-122"/>
+                <a:cs typeface="微软雅黑" panose="020B0503020204020204" charset="-122"/>
+              </a:rPr>
+              <a:t>go语言</a:t>
+            </a:r>
+            <a:endParaRPr lang="zh-CN" altLang="en-US" sz="3000" b="1" u="none" strike="noStrike" kern="0" cap="none" spc="0" baseline="0" dirty="0" err="1">
+              <a:solidFill>
+                <a:srgbClr val="C9394A"/>
+              </a:solidFill>
+              <a:latin typeface="微软雅黑" panose="020B0503020204020204" charset="-122"/>
+              <a:ea typeface="微软雅黑" panose="020B0503020204020204" charset="-122"/>
+              <a:cs typeface="微软雅黑" panose="020B0503020204020204" charset="-122"/>
+            </a:endParaRPr>
+          </a:p>
+        </p:txBody>
+      </p:sp>
+      <p:sp>
+        <p:nvSpPr>
+          <p:cNvPr id="2" name="矩形"/>
+          <p:cNvSpPr/>
+          <p:nvPr/>
+        </p:nvSpPr>
+        <p:spPr>
+          <a:xfrm>
+            <a:off x="542290" y="3209608"/>
+            <a:ext cx="7918450" cy="337185"/>
+          </a:xfrm>
+          <a:prstGeom prst="rect">
+            <a:avLst/>
+          </a:prstGeom>
+          <a:noFill/>
+          <a:ln w="9525" cap="flat" cmpd="sng">
+            <a:noFill/>
+            <a:prstDash val="solid"/>
+            <a:miter/>
+          </a:ln>
+        </p:spPr>
+        <p:txBody>
+          <a:bodyPr vert="horz" wrap="square" lIns="91440" tIns="45720" rIns="91440" bIns="45720" anchor="ctr" anchorCtr="0">
+            <a:spAutoFit/>
+          </a:bodyPr>
+          <a:p>
+            <a:pPr marL="800100" lvl="1" indent="-342900" algn="l">
+              <a:buFont typeface="Wingdings" panose="05000000000000000000" pitchFamily="2" charset="2"/>
+              <a:buChar char="u"/>
+            </a:pPr>
+            <a:r>
+              <a:rPr lang="zh-CN" sz="1600" dirty="0">
+                <a:solidFill>
+                  <a:srgbClr val="474747"/>
+                </a:solidFill>
+                <a:latin typeface="微软雅黑" panose="020B0503020204020204" charset="-122"/>
+                <a:ea typeface="微软雅黑" panose="020B0503020204020204" charset="-122"/>
+                <a:cs typeface="微软雅黑" panose="020B0503020204020204" charset="-122"/>
+                <a:sym typeface="+mn-ea"/>
+              </a:rPr>
+              <a:t>谢谢</a:t>
+            </a:r>
+            <a:endParaRPr lang="zh-CN" altLang="en-US" sz="1600" dirty="0">
+              <a:solidFill>
+                <a:srgbClr val="474747"/>
+              </a:solidFill>
+              <a:latin typeface="微软雅黑" panose="020B0503020204020204" charset="-122"/>
+              <a:ea typeface="微软雅黑" panose="020B0503020204020204" charset="-122"/>
+              <a:cs typeface="微软雅黑" panose="020B0503020204020204" charset="-122"/>
+              <a:sym typeface="Calibri" panose="020F0502020204030204" pitchFamily="34" charset="0"/>
+            </a:endParaRPr>
+          </a:p>
+        </p:txBody>
+      </p:sp>
+      <p:sp>
+        <p:nvSpPr>
+          <p:cNvPr id="3" name="文本框 2"/>
+          <p:cNvSpPr txBox="1"/>
+          <p:nvPr/>
+        </p:nvSpPr>
+        <p:spPr>
+          <a:xfrm>
+            <a:off x="542290" y="2726373"/>
+            <a:ext cx="6915150" cy="337185"/>
+          </a:xfrm>
+          <a:prstGeom prst="rect">
+            <a:avLst/>
+          </a:prstGeom>
+          <a:noFill/>
+        </p:spPr>
+        <p:txBody>
+          <a:bodyPr wrap="square" rtlCol="0" anchor="t">
+            <a:spAutoFit/>
+          </a:bodyPr>
+          <a:p>
+            <a:pPr marL="800100" lvl="1" indent="-342900" algn="l">
+              <a:buFont typeface="Wingdings" panose="05000000000000000000" pitchFamily="2" charset="2"/>
+              <a:buChar char="u"/>
+            </a:pPr>
+            <a:r>
+              <a:rPr lang="zh-CN" sz="1600" dirty="0">
+                <a:solidFill>
+                  <a:srgbClr val="474747"/>
+                </a:solidFill>
+                <a:latin typeface="微软雅黑" panose="020B0503020204020204" charset="-122"/>
+                <a:ea typeface="微软雅黑" panose="020B0503020204020204" charset="-122"/>
+                <a:cs typeface="微软雅黑" panose="020B0503020204020204" charset="-122"/>
+                <a:sym typeface="+mn-ea"/>
+              </a:rPr>
+              <a:t>谢谢</a:t>
+            </a:r>
+            <a:endParaRPr lang="en-US" altLang="zh-CN" sz="1600" dirty="0">
+              <a:solidFill>
+                <a:srgbClr val="474747"/>
+              </a:solidFill>
+              <a:latin typeface="微软雅黑" panose="020B0503020204020204" charset="-122"/>
+              <a:ea typeface="微软雅黑" panose="020B0503020204020204" charset="-122"/>
+              <a:cs typeface="微软雅黑" panose="020B0503020204020204" charset="-122"/>
+              <a:sym typeface="Calibri" panose="020F0502020204030204" pitchFamily="34" charset="0"/>
+            </a:endParaRPr>
+          </a:p>
+        </p:txBody>
+      </p:sp>
+    </p:spTree>
+  </p:cSld>
+  <p:clrMapOvr>
+    <a:masterClrMapping/>
+  </p:clrMapOvr>
+  <p:timing>
+    <p:tnLst>
+      <p:par>
+        <p:cTn id="1" dur="indefinite" restart="never" nodeType="tmRoot"/>
+      </p:par>
+    </p:tnLst>
+  </p:timing>
+</p:sld>
+</file>
+
+<file path=ppt/slides/slide29.xml><?xml version="1.0" encoding="utf-8"?>
+<p:sld xmlns:a="http://schemas.openxmlformats.org/drawingml/2006/main" xmlns:r="http://schemas.openxmlformats.org/officeDocument/2006/relationships" xmlns:p="http://schemas.openxmlformats.org/presentationml/2006/main">
+  <p:cSld>
+    <p:bg>
+      <p:bgPr>
+        <a:solidFill>
+          <a:schemeClr val="bg1"/>
+        </a:solidFill>
+        <a:effectLst/>
+      </p:bgPr>
+    </p:bg>
+    <p:spTree>
+      <p:nvGrpSpPr>
+        <p:cNvPr id="1" name=""/>
+        <p:cNvGrpSpPr/>
+        <p:nvPr/>
+      </p:nvGrpSpPr>
+      <p:grpSpPr>
+        <a:xfrm>
+          <a:off x="0" y="0"/>
+          <a:ext cx="0" cy="0"/>
+          <a:chOff x="0" y="0"/>
+          <a:chExt cx="0" cy="0"/>
+        </a:xfrm>
+      </p:grpSpPr>
+      <p:sp>
+        <p:nvSpPr>
+          <p:cNvPr id="13" name="文本框"/>
+          <p:cNvSpPr>
+            <a:spLocks noGrp="1"/>
+          </p:cNvSpPr>
+          <p:nvPr>
+            <p:ph type="body" idx="1"/>
+          </p:nvPr>
+        </p:nvSpPr>
+        <p:spPr>
+          <a:xfrm>
+            <a:off x="467544" y="1275606"/>
+            <a:ext cx="8229600" cy="507999"/>
+          </a:xfrm>
+          <a:prstGeom prst="rect">
+            <a:avLst/>
+          </a:prstGeom>
+          <a:noFill/>
+          <a:ln w="9525" cap="flat" cmpd="sng">
+            <a:noFill/>
+            <a:prstDash val="solid"/>
+            <a:round/>
+          </a:ln>
+        </p:spPr>
+        <p:txBody>
+          <a:bodyPr vert="horz" wrap="square" lIns="91440" tIns="45720" rIns="91440" bIns="45720" anchor="ctr" anchorCtr="0"/>
+          <a:lstStyle/>
+          <a:p>
+            <a:pPr marL="0" indent="0" algn="l">
+              <a:lnSpc>
+                <a:spcPct val="100000"/>
+              </a:lnSpc>
+              <a:spcBef>
+                <a:spcPct val="20000"/>
+              </a:spcBef>
+              <a:spcAft>
+                <a:spcPts val="0"/>
+              </a:spcAft>
+              <a:buNone/>
+            </a:pPr>
+            <a:r>
+              <a:rPr lang="en-US" altLang="zh-CN" sz="2200" u="none" strike="noStrike" kern="0" cap="none" spc="0" baseline="0" dirty="0">
+                <a:solidFill>
+                  <a:srgbClr val="212121"/>
+                </a:solidFill>
+                <a:latin typeface="微软雅黑" panose="020B0503020204020204" charset="-122"/>
+                <a:ea typeface="微软雅黑" panose="020B0503020204020204" charset="-122"/>
+                <a:cs typeface="Times New Roman" panose="02020603050405020304" charset="0"/>
+              </a:rPr>
+              <a:t> </a:t>
+            </a:r>
+            <a:r>
+              <a:rPr lang="zh-CN" sz="2200" u="sng" strike="noStrike" kern="0" cap="none" spc="0" baseline="0" dirty="0">
+                <a:solidFill>
+                  <a:srgbClr val="212121"/>
+                </a:solidFill>
+                <a:latin typeface="微软雅黑" panose="020B0503020204020204" charset="-122"/>
+                <a:ea typeface="微软雅黑" panose="020B0503020204020204" charset="-122"/>
+                <a:cs typeface="Times New Roman" panose="02020603050405020304" charset="0"/>
+              </a:rPr>
+              <a:t>谢谢</a:t>
+            </a:r>
+            <a:endParaRPr lang="zh-CN" sz="2200" u="sng" strike="noStrike" kern="0" cap="none" spc="0" baseline="0" dirty="0">
+              <a:solidFill>
+                <a:srgbClr val="212121"/>
+              </a:solidFill>
+              <a:latin typeface="微软雅黑" panose="020B0503020204020204" charset="-122"/>
+              <a:ea typeface="微软雅黑" panose="020B0503020204020204" charset="-122"/>
+              <a:cs typeface="Times New Roman" panose="02020603050405020304" charset="0"/>
+            </a:endParaRPr>
+          </a:p>
+        </p:txBody>
+      </p:sp>
+      <p:sp>
+        <p:nvSpPr>
+          <p:cNvPr id="15" name="矩形"/>
+          <p:cNvSpPr/>
+          <p:nvPr/>
+        </p:nvSpPr>
+        <p:spPr>
+          <a:xfrm>
+            <a:off x="542290" y="2243138"/>
+            <a:ext cx="7918450" cy="337185"/>
+          </a:xfrm>
+          <a:prstGeom prst="rect">
+            <a:avLst/>
+          </a:prstGeom>
+          <a:noFill/>
+          <a:ln w="9525" cap="flat" cmpd="sng">
+            <a:noFill/>
+            <a:prstDash val="solid"/>
+            <a:miter/>
+          </a:ln>
+        </p:spPr>
+        <p:txBody>
+          <a:bodyPr vert="horz" wrap="square" lIns="91440" tIns="45720" rIns="91440" bIns="45720" anchor="ctr" anchorCtr="0">
+            <a:spAutoFit/>
+          </a:bodyPr>
+          <a:lstStyle/>
+          <a:p>
+            <a:pPr marL="800100" lvl="1" indent="-342900" algn="l">
+              <a:buFont typeface="Wingdings" panose="05000000000000000000" pitchFamily="2" charset="2"/>
+              <a:buChar char="u"/>
+            </a:pPr>
+            <a:r>
+              <a:rPr lang="zh-CN" sz="1600" u="none" strike="noStrike" kern="1200" cap="none" spc="0" baseline="0" dirty="0">
+                <a:solidFill>
+                  <a:srgbClr val="474747"/>
+                </a:solidFill>
+                <a:latin typeface="微软雅黑" panose="020B0503020204020204" charset="-122"/>
+                <a:ea typeface="微软雅黑" panose="020B0503020204020204" charset="-122"/>
+                <a:cs typeface="微软雅黑" panose="020B0503020204020204" charset="-122"/>
+              </a:rPr>
+              <a:t>谢谢</a:t>
+            </a:r>
+            <a:endParaRPr lang="zh-CN" sz="1600" u="none" strike="noStrike" kern="1200" cap="none" spc="0" baseline="0" dirty="0">
+              <a:solidFill>
+                <a:srgbClr val="474747"/>
+              </a:solidFill>
+              <a:latin typeface="微软雅黑" panose="020B0503020204020204" charset="-122"/>
+              <a:ea typeface="微软雅黑" panose="020B0503020204020204" charset="-122"/>
+              <a:cs typeface="微软雅黑" panose="020B0503020204020204" charset="-122"/>
+            </a:endParaRPr>
+          </a:p>
+        </p:txBody>
+      </p:sp>
+      <p:sp>
+        <p:nvSpPr>
+          <p:cNvPr id="17" name="矩形"/>
+          <p:cNvSpPr/>
+          <p:nvPr/>
+        </p:nvSpPr>
+        <p:spPr>
+          <a:xfrm>
+            <a:off x="3340151" y="497054"/>
+            <a:ext cx="1448435" cy="553085"/>
+          </a:xfrm>
+          <a:prstGeom prst="rect">
+            <a:avLst/>
+          </a:prstGeom>
+          <a:noFill/>
+          <a:ln w="9525" cap="flat" cmpd="sng">
+            <a:noFill/>
+            <a:prstDash val="solid"/>
+            <a:miter/>
+          </a:ln>
+        </p:spPr>
+        <p:txBody>
+          <a:bodyPr vert="horz" wrap="none" lIns="91440" tIns="45720" rIns="91440" bIns="45720" anchor="t" anchorCtr="0">
+            <a:spAutoFit/>
+          </a:bodyPr>
+          <a:lstStyle/>
+          <a:p>
+            <a:pPr algn="l"/>
+            <a:r>
+              <a:rPr lang="zh-CN" altLang="en-US" sz="3000" b="1" u="none" strike="noStrike" kern="0" cap="none" spc="0" baseline="0" dirty="0" err="1">
+                <a:solidFill>
+                  <a:srgbClr val="C9394A"/>
+                </a:solidFill>
+                <a:latin typeface="微软雅黑" panose="020B0503020204020204" charset="-122"/>
+                <a:ea typeface="微软雅黑" panose="020B0503020204020204" charset="-122"/>
+                <a:cs typeface="微软雅黑" panose="020B0503020204020204" charset="-122"/>
+              </a:rPr>
+              <a:t>go语言</a:t>
+            </a:r>
+            <a:endParaRPr lang="zh-CN" altLang="en-US" sz="3000" b="1" u="none" strike="noStrike" kern="0" cap="none" spc="0" baseline="0" dirty="0" err="1">
+              <a:solidFill>
+                <a:srgbClr val="C9394A"/>
+              </a:solidFill>
+              <a:latin typeface="微软雅黑" panose="020B0503020204020204" charset="-122"/>
+              <a:ea typeface="微软雅黑" panose="020B0503020204020204" charset="-122"/>
+              <a:cs typeface="微软雅黑" panose="020B0503020204020204" charset="-122"/>
+            </a:endParaRPr>
+          </a:p>
+        </p:txBody>
+      </p:sp>
+      <p:sp>
+        <p:nvSpPr>
+          <p:cNvPr id="2" name="矩形"/>
+          <p:cNvSpPr/>
+          <p:nvPr/>
+        </p:nvSpPr>
+        <p:spPr>
+          <a:xfrm>
+            <a:off x="542290" y="3209608"/>
+            <a:ext cx="7918450" cy="337185"/>
+          </a:xfrm>
+          <a:prstGeom prst="rect">
+            <a:avLst/>
+          </a:prstGeom>
+          <a:noFill/>
+          <a:ln w="9525" cap="flat" cmpd="sng">
+            <a:noFill/>
+            <a:prstDash val="solid"/>
+            <a:miter/>
+          </a:ln>
+        </p:spPr>
+        <p:txBody>
+          <a:bodyPr vert="horz" wrap="square" lIns="91440" tIns="45720" rIns="91440" bIns="45720" anchor="ctr" anchorCtr="0">
+            <a:spAutoFit/>
+          </a:bodyPr>
+          <a:p>
+            <a:pPr marL="800100" lvl="1" indent="-342900" algn="l">
+              <a:buFont typeface="Wingdings" panose="05000000000000000000" pitchFamily="2" charset="2"/>
+              <a:buChar char="u"/>
+            </a:pPr>
+            <a:r>
+              <a:rPr lang="zh-CN" sz="1600" dirty="0">
+                <a:solidFill>
+                  <a:srgbClr val="474747"/>
+                </a:solidFill>
+                <a:latin typeface="微软雅黑" panose="020B0503020204020204" charset="-122"/>
+                <a:ea typeface="微软雅黑" panose="020B0503020204020204" charset="-122"/>
+                <a:cs typeface="微软雅黑" panose="020B0503020204020204" charset="-122"/>
+                <a:sym typeface="+mn-ea"/>
+              </a:rPr>
+              <a:t>谢谢</a:t>
+            </a:r>
+            <a:endParaRPr lang="zh-CN" altLang="en-US" sz="1600" dirty="0">
+              <a:solidFill>
+                <a:srgbClr val="474747"/>
+              </a:solidFill>
+              <a:latin typeface="微软雅黑" panose="020B0503020204020204" charset="-122"/>
+              <a:ea typeface="微软雅黑" panose="020B0503020204020204" charset="-122"/>
+              <a:cs typeface="微软雅黑" panose="020B0503020204020204" charset="-122"/>
+              <a:sym typeface="Calibri" panose="020F0502020204030204" pitchFamily="34" charset="0"/>
+            </a:endParaRPr>
+          </a:p>
+        </p:txBody>
+      </p:sp>
+      <p:sp>
+        <p:nvSpPr>
+          <p:cNvPr id="3" name="文本框 2"/>
+          <p:cNvSpPr txBox="1"/>
+          <p:nvPr/>
+        </p:nvSpPr>
+        <p:spPr>
+          <a:xfrm>
+            <a:off x="542290" y="2726373"/>
+            <a:ext cx="6915150" cy="337185"/>
+          </a:xfrm>
+          <a:prstGeom prst="rect">
+            <a:avLst/>
+          </a:prstGeom>
+          <a:noFill/>
+        </p:spPr>
+        <p:txBody>
+          <a:bodyPr wrap="square" rtlCol="0" anchor="t">
+            <a:spAutoFit/>
+          </a:bodyPr>
+          <a:p>
+            <a:pPr marL="800100" lvl="1" indent="-342900" algn="l">
+              <a:buFont typeface="Wingdings" panose="05000000000000000000" pitchFamily="2" charset="2"/>
+              <a:buChar char="u"/>
+            </a:pPr>
+            <a:r>
+              <a:rPr lang="zh-CN" sz="1600" dirty="0">
+                <a:solidFill>
+                  <a:srgbClr val="474747"/>
+                </a:solidFill>
+                <a:latin typeface="微软雅黑" panose="020B0503020204020204" charset="-122"/>
+                <a:ea typeface="微软雅黑" panose="020B0503020204020204" charset="-122"/>
+                <a:cs typeface="微软雅黑" panose="020B0503020204020204" charset="-122"/>
+                <a:sym typeface="+mn-ea"/>
+              </a:rPr>
+              <a:t>谢谢</a:t>
             </a:r>
             <a:endParaRPr lang="en-US" altLang="zh-CN" sz="1600" dirty="0">
               <a:solidFill>
@@ -15213,6 +17600,377 @@
             <a:endParaRPr lang="zh-CN" altLang="en-US" sz="1600" dirty="0">
               <a:solidFill>
                 <a:srgbClr val="FF0000"/>
+              </a:solidFill>
+              <a:latin typeface="微软雅黑" panose="020B0503020204020204" charset="-122"/>
+              <a:ea typeface="微软雅黑" panose="020B0503020204020204" charset="-122"/>
+              <a:cs typeface="微软雅黑" panose="020B0503020204020204" charset="-122"/>
+              <a:sym typeface="Calibri" panose="020F0502020204030204" pitchFamily="34" charset="0"/>
+            </a:endParaRPr>
+          </a:p>
+        </p:txBody>
+      </p:sp>
+    </p:spTree>
+  </p:cSld>
+  <p:clrMapOvr>
+    <a:masterClrMapping/>
+  </p:clrMapOvr>
+  <p:timing>
+    <p:tnLst>
+      <p:par>
+        <p:cTn id="1" dur="indefinite" restart="never" nodeType="tmRoot"/>
+      </p:par>
+    </p:tnLst>
+  </p:timing>
+</p:sld>
+</file>
+
+<file path=ppt/slides/slide30.xml><?xml version="1.0" encoding="utf-8"?>
+<p:sld xmlns:a="http://schemas.openxmlformats.org/drawingml/2006/main" xmlns:r="http://schemas.openxmlformats.org/officeDocument/2006/relationships" xmlns:p="http://schemas.openxmlformats.org/presentationml/2006/main">
+  <p:cSld>
+    <p:bg>
+      <p:bgPr>
+        <a:solidFill>
+          <a:schemeClr val="bg1"/>
+        </a:solidFill>
+        <a:effectLst/>
+      </p:bgPr>
+    </p:bg>
+    <p:spTree>
+      <p:nvGrpSpPr>
+        <p:cNvPr id="1" name=""/>
+        <p:cNvGrpSpPr/>
+        <p:nvPr/>
+      </p:nvGrpSpPr>
+      <p:grpSpPr>
+        <a:xfrm>
+          <a:off x="0" y="0"/>
+          <a:ext cx="0" cy="0"/>
+          <a:chOff x="0" y="0"/>
+          <a:chExt cx="0" cy="0"/>
+        </a:xfrm>
+      </p:grpSpPr>
+      <p:sp>
+        <p:nvSpPr>
+          <p:cNvPr id="13" name="文本框"/>
+          <p:cNvSpPr>
+            <a:spLocks noGrp="1"/>
+          </p:cNvSpPr>
+          <p:nvPr>
+            <p:ph type="body" idx="1"/>
+          </p:nvPr>
+        </p:nvSpPr>
+        <p:spPr>
+          <a:xfrm>
+            <a:off x="467544" y="1275606"/>
+            <a:ext cx="8229600" cy="507999"/>
+          </a:xfrm>
+          <a:prstGeom prst="rect">
+            <a:avLst/>
+          </a:prstGeom>
+          <a:noFill/>
+          <a:ln w="9525" cap="flat" cmpd="sng">
+            <a:noFill/>
+            <a:prstDash val="solid"/>
+            <a:round/>
+          </a:ln>
+        </p:spPr>
+        <p:txBody>
+          <a:bodyPr vert="horz" wrap="square" lIns="91440" tIns="45720" rIns="91440" bIns="45720" anchor="ctr" anchorCtr="0"/>
+          <a:lstStyle/>
+          <a:p>
+            <a:pPr marL="0" indent="0" algn="l">
+              <a:lnSpc>
+                <a:spcPct val="100000"/>
+              </a:lnSpc>
+              <a:spcBef>
+                <a:spcPct val="20000"/>
+              </a:spcBef>
+              <a:spcAft>
+                <a:spcPts val="0"/>
+              </a:spcAft>
+              <a:buNone/>
+            </a:pPr>
+            <a:r>
+              <a:rPr lang="en-US" altLang="zh-CN" sz="2200" u="none" strike="noStrike" kern="0" cap="none" spc="0" baseline="0" dirty="0">
+                <a:solidFill>
+                  <a:srgbClr val="212121"/>
+                </a:solidFill>
+                <a:latin typeface="微软雅黑" panose="020B0503020204020204" charset="-122"/>
+                <a:ea typeface="微软雅黑" panose="020B0503020204020204" charset="-122"/>
+                <a:cs typeface="Times New Roman" panose="02020603050405020304" charset="0"/>
+              </a:rPr>
+              <a:t> </a:t>
+            </a:r>
+            <a:r>
+              <a:rPr sz="2200" u="sng" strike="noStrike" kern="0" cap="none" spc="0" baseline="0" dirty="0">
+                <a:solidFill>
+                  <a:srgbClr val="212121"/>
+                </a:solidFill>
+                <a:latin typeface="微软雅黑" panose="020B0503020204020204" charset="-122"/>
+                <a:ea typeface="微软雅黑" panose="020B0503020204020204" charset="-122"/>
+                <a:cs typeface="Times New Roman" panose="02020603050405020304" charset="0"/>
+              </a:rPr>
+              <a:t>人类认识和表示事物的基本方式</a:t>
+            </a:r>
+            <a:r>
+              <a:rPr lang="en-US" sz="2200" u="sng" strike="noStrike" kern="0" cap="none" spc="0" baseline="0" dirty="0">
+                <a:solidFill>
+                  <a:srgbClr val="212121"/>
+                </a:solidFill>
+                <a:latin typeface="微软雅黑" panose="020B0503020204020204" charset="-122"/>
+                <a:ea typeface="微软雅黑" panose="020B0503020204020204" charset="-122"/>
+                <a:cs typeface="Times New Roman" panose="02020603050405020304" charset="0"/>
+              </a:rPr>
+              <a:t>(</a:t>
+            </a:r>
+            <a:r>
+              <a:rPr lang="zh-CN" altLang="en-US" sz="2200" u="sng" strike="noStrike" kern="0" cap="none" spc="0" baseline="0" dirty="0">
+                <a:solidFill>
+                  <a:srgbClr val="212121"/>
+                </a:solidFill>
+                <a:latin typeface="微软雅黑" panose="020B0503020204020204" charset="-122"/>
+                <a:ea typeface="微软雅黑" panose="020B0503020204020204" charset="-122"/>
+                <a:cs typeface="Times New Roman" panose="02020603050405020304" charset="0"/>
+              </a:rPr>
+              <a:t>编程也是这样的</a:t>
+            </a:r>
+            <a:r>
+              <a:rPr lang="en-US" sz="2200" u="sng" strike="noStrike" kern="0" cap="none" spc="0" baseline="0" dirty="0">
+                <a:solidFill>
+                  <a:srgbClr val="212121"/>
+                </a:solidFill>
+                <a:latin typeface="微软雅黑" panose="020B0503020204020204" charset="-122"/>
+                <a:ea typeface="微软雅黑" panose="020B0503020204020204" charset="-122"/>
+                <a:cs typeface="Times New Roman" panose="02020603050405020304" charset="0"/>
+              </a:rPr>
+              <a:t>)</a:t>
+            </a:r>
+            <a:endParaRPr lang="en-US" sz="2200" u="sng" strike="noStrike" kern="0" cap="none" spc="0" baseline="0" dirty="0">
+              <a:solidFill>
+                <a:srgbClr val="212121"/>
+              </a:solidFill>
+              <a:latin typeface="微软雅黑" panose="020B0503020204020204" charset="-122"/>
+              <a:ea typeface="微软雅黑" panose="020B0503020204020204" charset="-122"/>
+              <a:cs typeface="Times New Roman" panose="02020603050405020304" charset="0"/>
+            </a:endParaRPr>
+          </a:p>
+        </p:txBody>
+      </p:sp>
+      <p:sp>
+        <p:nvSpPr>
+          <p:cNvPr id="15" name="矩形"/>
+          <p:cNvSpPr/>
+          <p:nvPr/>
+        </p:nvSpPr>
+        <p:spPr>
+          <a:xfrm>
+            <a:off x="542290" y="2243138"/>
+            <a:ext cx="7918450" cy="337185"/>
+          </a:xfrm>
+          <a:prstGeom prst="rect">
+            <a:avLst/>
+          </a:prstGeom>
+          <a:noFill/>
+          <a:ln w="9525" cap="flat" cmpd="sng">
+            <a:noFill/>
+            <a:prstDash val="solid"/>
+            <a:miter/>
+          </a:ln>
+        </p:spPr>
+        <p:txBody>
+          <a:bodyPr vert="horz" wrap="square" lIns="91440" tIns="45720" rIns="91440" bIns="45720" anchor="ctr" anchorCtr="0">
+            <a:spAutoFit/>
+          </a:bodyPr>
+          <a:lstStyle/>
+          <a:p>
+            <a:pPr marL="800100" lvl="1" indent="-342900" algn="l">
+              <a:buFont typeface="Wingdings" panose="05000000000000000000" pitchFamily="2" charset="2"/>
+              <a:buChar char="u"/>
+            </a:pPr>
+            <a:r>
+              <a:rPr sz="1600" u="none" strike="noStrike" kern="1200" cap="none" spc="0" baseline="0" dirty="0">
+                <a:solidFill>
+                  <a:srgbClr val="474747"/>
+                </a:solidFill>
+                <a:latin typeface="微软雅黑" panose="020B0503020204020204" charset="-122"/>
+                <a:ea typeface="微软雅黑" panose="020B0503020204020204" charset="-122"/>
+                <a:cs typeface="微软雅黑" panose="020B0503020204020204" charset="-122"/>
+              </a:rPr>
+              <a:t>对比</a:t>
+            </a:r>
+            <a:endParaRPr lang="en-US" sz="1600" u="none" strike="noStrike" kern="1200" cap="none" spc="0" baseline="0" dirty="0">
+              <a:solidFill>
+                <a:srgbClr val="474747"/>
+              </a:solidFill>
+              <a:latin typeface="微软雅黑" panose="020B0503020204020204" charset="-122"/>
+              <a:ea typeface="微软雅黑" panose="020B0503020204020204" charset="-122"/>
+              <a:cs typeface="微软雅黑" panose="020B0503020204020204" charset="-122"/>
+            </a:endParaRPr>
+          </a:p>
+        </p:txBody>
+      </p:sp>
+      <p:sp>
+        <p:nvSpPr>
+          <p:cNvPr id="17" name="矩形"/>
+          <p:cNvSpPr/>
+          <p:nvPr/>
+        </p:nvSpPr>
+        <p:spPr>
+          <a:xfrm>
+            <a:off x="3340151" y="497054"/>
+            <a:ext cx="1448435" cy="553085"/>
+          </a:xfrm>
+          <a:prstGeom prst="rect">
+            <a:avLst/>
+          </a:prstGeom>
+          <a:noFill/>
+          <a:ln w="9525" cap="flat" cmpd="sng">
+            <a:noFill/>
+            <a:prstDash val="solid"/>
+            <a:miter/>
+          </a:ln>
+        </p:spPr>
+        <p:txBody>
+          <a:bodyPr vert="horz" wrap="none" lIns="91440" tIns="45720" rIns="91440" bIns="45720" anchor="t" anchorCtr="0">
+            <a:spAutoFit/>
+          </a:bodyPr>
+          <a:lstStyle/>
+          <a:p>
+            <a:pPr algn="l"/>
+            <a:r>
+              <a:rPr lang="zh-CN" altLang="en-US" sz="3000" b="1" u="none" strike="noStrike" kern="0" cap="none" spc="0" baseline="0" dirty="0" err="1">
+                <a:solidFill>
+                  <a:srgbClr val="C9394A"/>
+                </a:solidFill>
+                <a:latin typeface="微软雅黑" panose="020B0503020204020204" charset="-122"/>
+                <a:ea typeface="微软雅黑" panose="020B0503020204020204" charset="-122"/>
+                <a:cs typeface="微软雅黑" panose="020B0503020204020204" charset="-122"/>
+              </a:rPr>
+              <a:t>go语言</a:t>
+            </a:r>
+            <a:endParaRPr lang="zh-CN" altLang="en-US" sz="3000" b="1" u="none" strike="noStrike" kern="0" cap="none" spc="0" baseline="0" dirty="0" err="1">
+              <a:solidFill>
+                <a:srgbClr val="C9394A"/>
+              </a:solidFill>
+              <a:latin typeface="微软雅黑" panose="020B0503020204020204" charset="-122"/>
+              <a:ea typeface="微软雅黑" panose="020B0503020204020204" charset="-122"/>
+              <a:cs typeface="微软雅黑" panose="020B0503020204020204" charset="-122"/>
+            </a:endParaRPr>
+          </a:p>
+        </p:txBody>
+      </p:sp>
+      <p:sp>
+        <p:nvSpPr>
+          <p:cNvPr id="2" name="矩形"/>
+          <p:cNvSpPr/>
+          <p:nvPr/>
+        </p:nvSpPr>
+        <p:spPr>
+          <a:xfrm>
+            <a:off x="542290" y="3209608"/>
+            <a:ext cx="7918450" cy="337185"/>
+          </a:xfrm>
+          <a:prstGeom prst="rect">
+            <a:avLst/>
+          </a:prstGeom>
+          <a:noFill/>
+          <a:ln w="9525" cap="flat" cmpd="sng">
+            <a:noFill/>
+            <a:prstDash val="solid"/>
+            <a:miter/>
+          </a:ln>
+        </p:spPr>
+        <p:txBody>
+          <a:bodyPr vert="horz" wrap="square" lIns="91440" tIns="45720" rIns="91440" bIns="45720" anchor="ctr" anchorCtr="0">
+            <a:spAutoFit/>
+          </a:bodyPr>
+          <a:p>
+            <a:pPr marL="800100" lvl="1" indent="-342900" algn="l">
+              <a:lnSpc>
+                <a:spcPct val="100000"/>
+              </a:lnSpc>
+              <a:spcBef>
+                <a:spcPts val="0"/>
+              </a:spcBef>
+              <a:spcAft>
+                <a:spcPts val="0"/>
+              </a:spcAft>
+              <a:buFont typeface="Wingdings" panose="05000000000000000000" pitchFamily="2" charset="2"/>
+              <a:buChar char="u"/>
+            </a:pPr>
+            <a:r>
+              <a:rPr lang="zh-CN" altLang="en-US" sz="1600" dirty="0">
+                <a:solidFill>
+                  <a:srgbClr val="474747"/>
+                </a:solidFill>
+                <a:latin typeface="微软雅黑" panose="020B0503020204020204" charset="-122"/>
+                <a:ea typeface="微软雅黑" panose="020B0503020204020204" charset="-122"/>
+                <a:cs typeface="微软雅黑" panose="020B0503020204020204" charset="-122"/>
+                <a:sym typeface="Calibri" panose="020F0502020204030204" pitchFamily="34" charset="0"/>
+              </a:rPr>
+              <a:t>抽象</a:t>
+            </a:r>
+            <a:endParaRPr lang="zh-CN" altLang="en-US" sz="1600" dirty="0">
+              <a:solidFill>
+                <a:srgbClr val="474747"/>
+              </a:solidFill>
+              <a:latin typeface="微软雅黑" panose="020B0503020204020204" charset="-122"/>
+              <a:ea typeface="微软雅黑" panose="020B0503020204020204" charset="-122"/>
+              <a:cs typeface="微软雅黑" panose="020B0503020204020204" charset="-122"/>
+              <a:sym typeface="Calibri" panose="020F0502020204030204" pitchFamily="34" charset="0"/>
+            </a:endParaRPr>
+          </a:p>
+        </p:txBody>
+      </p:sp>
+      <p:sp>
+        <p:nvSpPr>
+          <p:cNvPr id="3" name="文本框 2"/>
+          <p:cNvSpPr txBox="1"/>
+          <p:nvPr/>
+        </p:nvSpPr>
+        <p:spPr>
+          <a:xfrm>
+            <a:off x="542290" y="2726373"/>
+            <a:ext cx="6915150" cy="337185"/>
+          </a:xfrm>
+          <a:prstGeom prst="rect">
+            <a:avLst/>
+          </a:prstGeom>
+          <a:noFill/>
+        </p:spPr>
+        <p:txBody>
+          <a:bodyPr wrap="square" rtlCol="0" anchor="t">
+            <a:spAutoFit/>
+          </a:bodyPr>
+          <a:p>
+            <a:pPr marL="800100" lvl="1" indent="-342900" algn="l">
+              <a:lnSpc>
+                <a:spcPct val="100000"/>
+              </a:lnSpc>
+              <a:spcBef>
+                <a:spcPts val="0"/>
+              </a:spcBef>
+              <a:spcAft>
+                <a:spcPts val="0"/>
+              </a:spcAft>
+              <a:buFont typeface="Wingdings" panose="05000000000000000000" pitchFamily="2" charset="2"/>
+              <a:buChar char="u"/>
+            </a:pPr>
+            <a:r>
+              <a:rPr lang="zh-CN" altLang="en-US" sz="1600" dirty="0">
+                <a:solidFill>
+                  <a:srgbClr val="474747"/>
+                </a:solidFill>
+                <a:latin typeface="微软雅黑" panose="020B0503020204020204" charset="-122"/>
+                <a:ea typeface="微软雅黑" panose="020B0503020204020204" charset="-122"/>
+                <a:cs typeface="微软雅黑" panose="020B0503020204020204" charset="-122"/>
+                <a:sym typeface="Calibri" panose="020F0502020204030204" pitchFamily="34" charset="0"/>
+              </a:rPr>
+              <a:t>组合</a:t>
+            </a:r>
+            <a:endParaRPr lang="en-US" altLang="zh-CN" sz="1600" dirty="0">
+              <a:solidFill>
+                <a:srgbClr val="474747"/>
               </a:solidFill>
               <a:latin typeface="微软雅黑" panose="020B0503020204020204" charset="-122"/>
               <a:ea typeface="微软雅黑" panose="020B0503020204020204" charset="-122"/>

--- a/tuling/go语言_傻大猫.pptx
+++ b/tuling/go语言_傻大猫.pptx
@@ -14077,7 +14077,7 @@
               <a:t>for </a:t>
             </a:r>
             <a:r>
-              <a:rPr lang="zh-CN" altLang="zh-CN" sz="1600" u="none" strike="noStrike" kern="1200" cap="none" spc="0" baseline="0" dirty="0">
+              <a:rPr lang="zh-CN" altLang="en-US" sz="1600" u="none" strike="noStrike" kern="1200" cap="none" spc="0" baseline="0" dirty="0">
                 <a:solidFill>
                   <a:srgbClr val="474747"/>
                 </a:solidFill>
@@ -14129,7 +14129,29 @@
                 <a:ea typeface="微软雅黑" panose="020B0503020204020204" charset="-122"/>
                 <a:cs typeface="微软雅黑" panose="020B0503020204020204" charset="-122"/>
               </a:rPr>
-              <a:t>结束语句 </a:t>
+              <a:t>每次循环结束执行的</a:t>
+            </a:r>
+            <a:r>
+              <a:rPr lang="zh-CN" altLang="en-US" sz="1600" u="none" strike="noStrike" kern="1200" cap="none" spc="0" baseline="0" dirty="0">
+                <a:solidFill>
+                  <a:srgbClr val="474747"/>
+                </a:solidFill>
+                <a:latin typeface="微软雅黑" panose="020B0503020204020204" charset="-122"/>
+                <a:ea typeface="微软雅黑" panose="020B0503020204020204" charset="-122"/>
+                <a:cs typeface="微软雅黑" panose="020B0503020204020204" charset="-122"/>
+              </a:rPr>
+              <a:t>语句</a:t>
+            </a:r>
+            <a:r>
+              <a:rPr lang="zh-CN" altLang="en-US" sz="1600" u="none" strike="noStrike" kern="1200" cap="none" spc="0" baseline="0" dirty="0">
+                <a:solidFill>
+                  <a:srgbClr val="474747"/>
+                </a:solidFill>
+                <a:latin typeface="微软雅黑" panose="020B0503020204020204" charset="-122"/>
+                <a:ea typeface="微软雅黑" panose="020B0503020204020204" charset="-122"/>
+                <a:cs typeface="微软雅黑" panose="020B0503020204020204" charset="-122"/>
+              </a:rPr>
+              <a:t> </a:t>
             </a:r>
             <a:r>
               <a:rPr lang="en-US" altLang="zh-CN" sz="1600" u="none" strike="noStrike" kern="1200" cap="none" spc="0" baseline="0" dirty="0">
@@ -14301,12 +14323,24 @@
                 <a:cs typeface="微软雅黑" panose="020B0503020204020204" charset="-122"/>
                 <a:sym typeface="+mn-ea"/>
               </a:rPr>
-              <a:t>遍历数组</a:t>
+              <a:t>遍历</a:t>
+            </a:r>
+            <a:r>
+              <a:rPr lang="zh-CN" altLang="en-US" sz="1600" dirty="0">
+                <a:solidFill>
+                  <a:srgbClr val="FF0000"/>
+                </a:solidFill>
+                <a:latin typeface="微软雅黑" panose="020B0503020204020204" charset="-122"/>
+                <a:ea typeface="微软雅黑" panose="020B0503020204020204" charset="-122"/>
+                <a:cs typeface="微软雅黑" panose="020B0503020204020204" charset="-122"/>
+                <a:sym typeface="+mn-ea"/>
+              </a:rPr>
+              <a:t>数组</a:t>
             </a:r>
             <a:r>
               <a:rPr lang="en-US" altLang="zh-CN" sz="1600" dirty="0">
                 <a:solidFill>
-                  <a:srgbClr val="474747"/>
+                  <a:srgbClr val="FF0000"/>
                 </a:solidFill>
                 <a:latin typeface="微软雅黑" panose="020B0503020204020204" charset="-122"/>
                 <a:ea typeface="微软雅黑" panose="020B0503020204020204" charset="-122"/>
@@ -14318,7 +14352,7 @@
             <a:r>
               <a:rPr lang="zh-CN" altLang="en-US" sz="1600" dirty="0">
                 <a:solidFill>
-                  <a:srgbClr val="474747"/>
+                  <a:srgbClr val="FF0000"/>
                 </a:solidFill>
                 <a:latin typeface="微软雅黑" panose="020B0503020204020204" charset="-122"/>
                 <a:ea typeface="微软雅黑" panose="020B0503020204020204" charset="-122"/>
@@ -14330,7 +14364,7 @@
             <a:r>
               <a:rPr lang="en-US" altLang="zh-CN" sz="1600" dirty="0">
                 <a:solidFill>
-                  <a:srgbClr val="474747"/>
+                  <a:srgbClr val="FF0000"/>
                 </a:solidFill>
                 <a:latin typeface="微软雅黑" panose="020B0503020204020204" charset="-122"/>
                 <a:ea typeface="微软雅黑" panose="020B0503020204020204" charset="-122"/>
@@ -14342,7 +14376,7 @@
             <a:r>
               <a:rPr lang="zh-CN" altLang="en-US" sz="1600" dirty="0">
                 <a:solidFill>
-                  <a:srgbClr val="474747"/>
+                  <a:srgbClr val="FF0000"/>
                 </a:solidFill>
                 <a:latin typeface="微软雅黑" panose="020B0503020204020204" charset="-122"/>
                 <a:ea typeface="微软雅黑" panose="020B0503020204020204" charset="-122"/>
@@ -14354,7 +14388,7 @@
             <a:r>
               <a:rPr lang="en-US" altLang="zh-CN" sz="1600" dirty="0">
                 <a:solidFill>
-                  <a:srgbClr val="474747"/>
+                  <a:srgbClr val="FF0000"/>
                 </a:solidFill>
                 <a:latin typeface="微软雅黑" panose="020B0503020204020204" charset="-122"/>
                 <a:ea typeface="微软雅黑" panose="020B0503020204020204" charset="-122"/>
@@ -14366,7 +14400,7 @@
             <a:r>
               <a:rPr lang="zh-CN" altLang="en-US" sz="1600" dirty="0">
                 <a:solidFill>
-                  <a:srgbClr val="474747"/>
+                  <a:srgbClr val="FF0000"/>
                 </a:solidFill>
                 <a:latin typeface="微软雅黑" panose="020B0503020204020204" charset="-122"/>
                 <a:ea typeface="微软雅黑" panose="020B0503020204020204" charset="-122"/>
@@ -14377,7 +14411,7 @@
             </a:r>
             <a:endParaRPr lang="zh-CN" altLang="en-US" sz="1600" dirty="0">
               <a:solidFill>
-                <a:srgbClr val="474747"/>
+                <a:srgbClr val="FF0000"/>
               </a:solidFill>
               <a:latin typeface="微软雅黑" panose="020B0503020204020204" charset="-122"/>
               <a:ea typeface="微软雅黑" panose="020B0503020204020204" charset="-122"/>
@@ -14869,7 +14903,7 @@
                 <a:ea typeface="微软雅黑" panose="020B0503020204020204" charset="-122"/>
                 <a:cs typeface="Times New Roman" panose="02020603050405020304" charset="0"/>
               </a:rPr>
-              <a:t>谢谢</a:t>
+              <a:t>数组</a:t>
             </a:r>
             <a:endParaRPr lang="zh-CN" sz="2200" u="sng" strike="noStrike" kern="0" cap="none" spc="0" baseline="0" dirty="0">
               <a:solidFill>

--- a/tuling/go语言_傻大猫.pptx
+++ b/tuling/go语言_傻大猫.pptx
@@ -14905,7 +14905,29 @@
               </a:rPr>
               <a:t>数组</a:t>
             </a:r>
-            <a:endParaRPr lang="zh-CN" sz="2200" u="sng" strike="noStrike" kern="0" cap="none" spc="0" baseline="0" dirty="0">
+            <a:r>
+              <a:rPr lang="en-US" altLang="zh-CN" sz="2200" u="sng" strike="noStrike" kern="0" cap="none" spc="0" baseline="0" dirty="0">
+                <a:solidFill>
+                  <a:srgbClr val="212121"/>
+                </a:solidFill>
+                <a:latin typeface="微软雅黑" panose="020B0503020204020204" charset="-122"/>
+                <a:ea typeface="微软雅黑" panose="020B0503020204020204" charset="-122"/>
+                <a:cs typeface="Times New Roman" panose="02020603050405020304" charset="0"/>
+              </a:rPr>
+              <a:t>-</a:t>
+            </a:r>
+            <a:r>
+              <a:rPr lang="zh-CN" altLang="zh-CN" sz="2200" u="sng" strike="noStrike" kern="0" cap="none" spc="0" baseline="0" dirty="0">
+                <a:solidFill>
+                  <a:srgbClr val="212121"/>
+                </a:solidFill>
+                <a:latin typeface="微软雅黑" panose="020B0503020204020204" charset="-122"/>
+                <a:ea typeface="微软雅黑" panose="020B0503020204020204" charset="-122"/>
+                <a:cs typeface="Times New Roman" panose="02020603050405020304" charset="0"/>
+              </a:rPr>
+              <a:t>固定大小的连续空间</a:t>
+            </a:r>
+            <a:endParaRPr lang="zh-CN" altLang="zh-CN" sz="2200" u="sng" strike="noStrike" kern="0" cap="none" spc="0" baseline="0" dirty="0">
               <a:solidFill>
                 <a:srgbClr val="212121"/>
               </a:solidFill>
@@ -14948,7 +14970,7 @@
               <a:buChar char="u"/>
             </a:pPr>
             <a:r>
-              <a:rPr lang="zh-CN" sz="1600" u="none" strike="noStrike" kern="1200" cap="none" spc="0" baseline="0" dirty="0">
+              <a:rPr lang="en-US" altLang="zh-CN" sz="1600" u="none" strike="noStrike" kern="1200" cap="none" spc="0" baseline="0" dirty="0">
                 <a:solidFill>
                   <a:srgbClr val="474747"/>
                 </a:solidFill>
@@ -14956,9 +14978,64 @@
                 <a:ea typeface="微软雅黑" panose="020B0503020204020204" charset="-122"/>
                 <a:cs typeface="微软雅黑" panose="020B0503020204020204" charset="-122"/>
               </a:rPr>
-              <a:t>谢谢</a:t>
-            </a:r>
-            <a:endParaRPr lang="zh-CN" sz="1600" u="none" strike="noStrike" kern="1200" cap="none" spc="0" baseline="0" dirty="0">
+              <a:t>var </a:t>
+            </a:r>
+            <a:r>
+              <a:rPr lang="zh-CN" altLang="en-US" sz="1600" u="none" strike="noStrike" kern="1200" cap="none" spc="0" baseline="0" dirty="0">
+                <a:solidFill>
+                  <a:srgbClr val="474747"/>
+                </a:solidFill>
+                <a:latin typeface="微软雅黑" panose="020B0503020204020204" charset="-122"/>
+                <a:ea typeface="微软雅黑" panose="020B0503020204020204" charset="-122"/>
+                <a:cs typeface="微软雅黑" panose="020B0503020204020204" charset="-122"/>
+              </a:rPr>
+              <a:t>变量名 </a:t>
+            </a:r>
+            <a:r>
+              <a:rPr lang="en-US" altLang="zh-CN" sz="1600" u="none" strike="noStrike" kern="1200" cap="none" spc="0" baseline="0" dirty="0">
+                <a:solidFill>
+                  <a:srgbClr val="474747"/>
+                </a:solidFill>
+                <a:latin typeface="微软雅黑" panose="020B0503020204020204" charset="-122"/>
+                <a:ea typeface="微软雅黑" panose="020B0503020204020204" charset="-122"/>
+                <a:cs typeface="微软雅黑" panose="020B0503020204020204" charset="-122"/>
+              </a:rPr>
+              <a:t>[</a:t>
+            </a:r>
+            <a:r>
+              <a:rPr lang="zh-CN" altLang="en-US" sz="1600" u="none" strike="noStrike" kern="1200" cap="none" spc="0" baseline="0" dirty="0">
+                <a:solidFill>
+                  <a:srgbClr val="474747"/>
+                </a:solidFill>
+                <a:latin typeface="微软雅黑" panose="020B0503020204020204" charset="-122"/>
+                <a:ea typeface="微软雅黑" panose="020B0503020204020204" charset="-122"/>
+                <a:cs typeface="微软雅黑" panose="020B0503020204020204" charset="-122"/>
+              </a:rPr>
+              <a:t>数量</a:t>
+            </a:r>
+            <a:r>
+              <a:rPr lang="en-US" altLang="zh-CN" sz="1600" u="none" strike="noStrike" kern="1200" cap="none" spc="0" baseline="0" dirty="0">
+                <a:solidFill>
+                  <a:srgbClr val="474747"/>
+                </a:solidFill>
+                <a:latin typeface="微软雅黑" panose="020B0503020204020204" charset="-122"/>
+                <a:ea typeface="微软雅黑" panose="020B0503020204020204" charset="-122"/>
+                <a:cs typeface="微软雅黑" panose="020B0503020204020204" charset="-122"/>
+              </a:rPr>
+              <a:t>]</a:t>
+            </a:r>
+            <a:r>
+              <a:rPr lang="zh-CN" altLang="en-US" sz="1600" u="none" strike="noStrike" kern="1200" cap="none" spc="0" baseline="0" dirty="0">
+                <a:solidFill>
+                  <a:srgbClr val="474747"/>
+                </a:solidFill>
+                <a:latin typeface="微软雅黑" panose="020B0503020204020204" charset="-122"/>
+                <a:ea typeface="微软雅黑" panose="020B0503020204020204" charset="-122"/>
+                <a:cs typeface="微软雅黑" panose="020B0503020204020204" charset="-122"/>
+              </a:rPr>
+              <a:t>类型</a:t>
+            </a:r>
+            <a:endParaRPr lang="zh-CN" altLang="en-US" sz="1600" u="none" strike="noStrike" kern="1200" cap="none" spc="0" baseline="0" dirty="0">
               <a:solidFill>
                 <a:srgbClr val="474747"/>
               </a:solidFill>
@@ -15050,16 +15127,28 @@
               <a:buChar char="u"/>
             </a:pPr>
             <a:r>
-              <a:rPr lang="zh-CN" sz="1600" dirty="0">
+              <a:rPr lang="zh-CN" altLang="en-US" sz="1600" dirty="0">
                 <a:solidFill>
                   <a:srgbClr val="474747"/>
                 </a:solidFill>
                 <a:latin typeface="微软雅黑" panose="020B0503020204020204" charset="-122"/>
                 <a:ea typeface="微软雅黑" panose="020B0503020204020204" charset="-122"/>
                 <a:cs typeface="微软雅黑" panose="020B0503020204020204" charset="-122"/>
-                <a:sym typeface="+mn-ea"/>
-              </a:rPr>
-              <a:t>谢谢</a:t>
+                <a:sym typeface="Calibri" panose="020F0502020204030204" pitchFamily="34" charset="0"/>
+              </a:rPr>
+              <a:t>初始化和</a:t>
+            </a:r>
+            <a:r>
+              <a:rPr lang="zh-CN" altLang="en-US" sz="1600" dirty="0">
+                <a:solidFill>
+                  <a:srgbClr val="474747"/>
+                </a:solidFill>
+                <a:latin typeface="微软雅黑" panose="020B0503020204020204" charset="-122"/>
+                <a:ea typeface="微软雅黑" panose="020B0503020204020204" charset="-122"/>
+                <a:cs typeface="微软雅黑" panose="020B0503020204020204" charset="-122"/>
+                <a:sym typeface="Calibri" panose="020F0502020204030204" pitchFamily="34" charset="0"/>
+              </a:rPr>
+              <a:t>遍历数组</a:t>
             </a:r>
             <a:endParaRPr lang="zh-CN" altLang="en-US" sz="1600" dirty="0">
               <a:solidFill>
@@ -15108,16 +15197,16 @@
                 <a:cs typeface="微软雅黑" panose="020B0503020204020204" charset="-122"/>
                 <a:sym typeface="+mn-ea"/>
               </a:rPr>
-              <a:t>谢谢</a:t>
-            </a:r>
-            <a:endParaRPr lang="en-US" altLang="zh-CN" sz="1600" dirty="0">
+              <a:t>数组大小不可改变</a:t>
+            </a:r>
+            <a:endParaRPr lang="zh-CN" sz="1600" dirty="0">
               <a:solidFill>
                 <a:srgbClr val="474747"/>
               </a:solidFill>
               <a:latin typeface="微软雅黑" panose="020B0503020204020204" charset="-122"/>
               <a:ea typeface="微软雅黑" panose="020B0503020204020204" charset="-122"/>
               <a:cs typeface="微软雅黑" panose="020B0503020204020204" charset="-122"/>
-              <a:sym typeface="Calibri" panose="020F0502020204030204" pitchFamily="34" charset="0"/>
+              <a:sym typeface="+mn-ea"/>
             </a:endParaRPr>
           </a:p>
         </p:txBody>
@@ -15223,9 +15312,20 @@
                 <a:ea typeface="微软雅黑" panose="020B0503020204020204" charset="-122"/>
                 <a:cs typeface="Times New Roman" panose="02020603050405020304" charset="0"/>
               </a:rPr>
-              <a:t>谢谢</a:t>
-            </a:r>
-            <a:endParaRPr lang="zh-CN" sz="2200" u="sng" strike="noStrike" kern="0" cap="none" spc="0" baseline="0" dirty="0">
+              <a:t>切片</a:t>
+            </a:r>
+            <a:r>
+              <a:rPr lang="en-US" altLang="zh-CN" sz="2200" u="sng" strike="noStrike" kern="0" cap="none" spc="0" baseline="0" dirty="0">
+                <a:solidFill>
+                  <a:srgbClr val="212121"/>
+                </a:solidFill>
+                <a:latin typeface="微软雅黑" panose="020B0503020204020204" charset="-122"/>
+                <a:ea typeface="微软雅黑" panose="020B0503020204020204" charset="-122"/>
+                <a:cs typeface="Times New Roman" panose="02020603050405020304" charset="0"/>
+              </a:rPr>
+              <a:t>(slice)</a:t>
+            </a:r>
+            <a:endParaRPr lang="en-US" altLang="zh-CN" sz="2200" u="sng" strike="noStrike" kern="0" cap="none" spc="0" baseline="0" dirty="0">
               <a:solidFill>
                 <a:srgbClr val="212121"/>
               </a:solidFill>
@@ -15543,7 +15643,7 @@
                 <a:ea typeface="微软雅黑" panose="020B0503020204020204" charset="-122"/>
                 <a:cs typeface="Times New Roman" panose="02020603050405020304" charset="0"/>
               </a:rPr>
-              <a:t>谢谢</a:t>
+              <a:t>map</a:t>
             </a:r>
             <a:endParaRPr lang="zh-CN" sz="2200" u="sng" strike="noStrike" kern="0" cap="none" spc="0" baseline="0" dirty="0">
               <a:solidFill>
@@ -15855,7 +15955,7 @@
               <a:t> </a:t>
             </a:r>
             <a:r>
-              <a:rPr lang="zh-CN" sz="2200" u="sng" strike="noStrike" kern="0" cap="none" spc="0" baseline="0" dirty="0">
+              <a:rPr lang="zh-CN" altLang="zh-CN" sz="2200" u="none" strike="noStrike" kern="0" cap="none" spc="0" baseline="0" dirty="0">
                 <a:solidFill>
                   <a:srgbClr val="212121"/>
                 </a:solidFill>
@@ -15863,9 +15963,9 @@
                 <a:ea typeface="微软雅黑" panose="020B0503020204020204" charset="-122"/>
                 <a:cs typeface="Times New Roman" panose="02020603050405020304" charset="0"/>
               </a:rPr>
-              <a:t>谢谢</a:t>
-            </a:r>
-            <a:endParaRPr lang="zh-CN" sz="2200" u="sng" strike="noStrike" kern="0" cap="none" spc="0" baseline="0" dirty="0">
+              <a:t>函数</a:t>
+            </a:r>
+            <a:endParaRPr lang="zh-CN" altLang="zh-CN" sz="2200" u="none" strike="noStrike" kern="0" cap="none" spc="0" baseline="0" dirty="0">
               <a:solidFill>
                 <a:srgbClr val="212121"/>
               </a:solidFill>

--- a/tuling/go语言_傻大猫.pptx
+++ b/tuling/go语言_傻大猫.pptx
@@ -15344,7 +15344,7 @@
         </p:nvSpPr>
         <p:spPr>
           <a:xfrm>
-            <a:off x="542290" y="2243138"/>
+            <a:off x="542290" y="2099628"/>
             <a:ext cx="7918450" cy="337185"/>
           </a:xfrm>
           <a:prstGeom prst="rect">
@@ -15376,7 +15376,7 @@
                 <a:ea typeface="微软雅黑" panose="020B0503020204020204" charset="-122"/>
                 <a:cs typeface="微软雅黑" panose="020B0503020204020204" charset="-122"/>
               </a:rPr>
-              <a:t>谢谢</a:t>
+              <a:t>切片的结构</a:t>
             </a:r>
             <a:endParaRPr lang="zh-CN" sz="1600" u="none" strike="noStrike" kern="1200" cap="none" spc="0" baseline="0" dirty="0">
               <a:solidFill>
@@ -15447,7 +15447,7 @@
         </p:nvSpPr>
         <p:spPr>
           <a:xfrm>
-            <a:off x="542290" y="3209608"/>
+            <a:off x="542290" y="2983548"/>
             <a:ext cx="7918450" cy="337185"/>
           </a:xfrm>
           <a:prstGeom prst="rect">
@@ -15479,16 +15479,28 @@
                 <a:cs typeface="微软雅黑" panose="020B0503020204020204" charset="-122"/>
                 <a:sym typeface="+mn-ea"/>
               </a:rPr>
-              <a:t>谢谢</a:t>
-            </a:r>
-            <a:endParaRPr lang="zh-CN" altLang="en-US" sz="1600" dirty="0">
+              <a:t>声明</a:t>
+            </a:r>
+            <a:r>
+              <a:rPr lang="zh-CN" sz="1600" dirty="0">
+                <a:solidFill>
+                  <a:srgbClr val="474747"/>
+                </a:solidFill>
+                <a:latin typeface="微软雅黑" panose="020B0503020204020204" charset="-122"/>
+                <a:ea typeface="微软雅黑" panose="020B0503020204020204" charset="-122"/>
+                <a:cs typeface="微软雅黑" panose="020B0503020204020204" charset="-122"/>
+                <a:sym typeface="+mn-ea"/>
+              </a:rPr>
+              <a:t>切片</a:t>
+            </a:r>
+            <a:endParaRPr lang="zh-CN" sz="1600" dirty="0">
               <a:solidFill>
                 <a:srgbClr val="474747"/>
               </a:solidFill>
               <a:latin typeface="微软雅黑" panose="020B0503020204020204" charset="-122"/>
               <a:ea typeface="微软雅黑" panose="020B0503020204020204" charset="-122"/>
               <a:cs typeface="微软雅黑" panose="020B0503020204020204" charset="-122"/>
-              <a:sym typeface="Calibri" panose="020F0502020204030204" pitchFamily="34" charset="0"/>
+              <a:sym typeface="+mn-ea"/>
             </a:endParaRPr>
           </a:p>
         </p:txBody>
@@ -15501,7 +15513,7 @@
         </p:nvSpPr>
         <p:spPr>
           <a:xfrm>
-            <a:off x="542290" y="2726373"/>
+            <a:off x="542290" y="2541588"/>
             <a:ext cx="6915150" cy="337185"/>
           </a:xfrm>
           <a:prstGeom prst="rect">
@@ -15528,7 +15540,61 @@
                 <a:cs typeface="微软雅黑" panose="020B0503020204020204" charset="-122"/>
                 <a:sym typeface="+mn-ea"/>
               </a:rPr>
-              <a:t>谢谢</a:t>
+              <a:t>从数组或者切片生成新的切片</a:t>
+            </a:r>
+            <a:endParaRPr lang="zh-CN" sz="1600" dirty="0">
+              <a:solidFill>
+                <a:srgbClr val="474747"/>
+              </a:solidFill>
+              <a:latin typeface="微软雅黑" panose="020B0503020204020204" charset="-122"/>
+              <a:ea typeface="微软雅黑" panose="020B0503020204020204" charset="-122"/>
+              <a:cs typeface="微软雅黑" panose="020B0503020204020204" charset="-122"/>
+              <a:sym typeface="+mn-ea"/>
+            </a:endParaRPr>
+          </a:p>
+        </p:txBody>
+      </p:sp>
+      <p:sp>
+        <p:nvSpPr>
+          <p:cNvPr id="4" name="矩形"/>
+          <p:cNvSpPr/>
+          <p:nvPr/>
+        </p:nvSpPr>
+        <p:spPr>
+          <a:xfrm>
+            <a:off x="542290" y="3425508"/>
+            <a:ext cx="7918450" cy="337185"/>
+          </a:xfrm>
+          <a:prstGeom prst="rect">
+            <a:avLst/>
+          </a:prstGeom>
+          <a:noFill/>
+          <a:ln w="9525" cap="flat" cmpd="sng">
+            <a:noFill/>
+            <a:prstDash val="solid"/>
+            <a:miter/>
+          </a:ln>
+        </p:spPr>
+        <p:txBody>
+          <a:bodyPr vert="horz" wrap="square" lIns="91440" tIns="45720" rIns="91440" bIns="45720" anchor="ctr" anchorCtr="0">
+            <a:spAutoFit/>
+          </a:bodyPr>
+          <a:p>
+            <a:pPr marL="800100" lvl="1" indent="-342900" algn="l">
+              <a:buFont typeface="Wingdings" panose="05000000000000000000" pitchFamily="2" charset="2"/>
+              <a:buChar char="u"/>
+            </a:pPr>
+            <a:r>
+              <a:rPr lang="en-US" altLang="zh-CN" sz="1600" dirty="0">
+                <a:solidFill>
+                  <a:srgbClr val="474747"/>
+                </a:solidFill>
+                <a:latin typeface="微软雅黑" panose="020B0503020204020204" charset="-122"/>
+                <a:ea typeface="微软雅黑" panose="020B0503020204020204" charset="-122"/>
+                <a:cs typeface="微软雅黑" panose="020B0503020204020204" charset="-122"/>
+                <a:sym typeface="+mn-ea"/>
+              </a:rPr>
+              <a:t>make, append, copy</a:t>
             </a:r>
             <a:endParaRPr lang="en-US" altLang="zh-CN" sz="1600" dirty="0">
               <a:solidFill>
@@ -15537,7 +15603,61 @@
               <a:latin typeface="微软雅黑" panose="020B0503020204020204" charset="-122"/>
               <a:ea typeface="微软雅黑" panose="020B0503020204020204" charset="-122"/>
               <a:cs typeface="微软雅黑" panose="020B0503020204020204" charset="-122"/>
-              <a:sym typeface="Calibri" panose="020F0502020204030204" pitchFamily="34" charset="0"/>
+              <a:sym typeface="+mn-ea"/>
+            </a:endParaRPr>
+          </a:p>
+        </p:txBody>
+      </p:sp>
+      <p:sp>
+        <p:nvSpPr>
+          <p:cNvPr id="5" name="矩形"/>
+          <p:cNvSpPr/>
+          <p:nvPr/>
+        </p:nvSpPr>
+        <p:spPr>
+          <a:xfrm>
+            <a:off x="542290" y="3867468"/>
+            <a:ext cx="7918450" cy="337185"/>
+          </a:xfrm>
+          <a:prstGeom prst="rect">
+            <a:avLst/>
+          </a:prstGeom>
+          <a:noFill/>
+          <a:ln w="9525" cap="flat" cmpd="sng">
+            <a:noFill/>
+            <a:prstDash val="solid"/>
+            <a:miter/>
+          </a:ln>
+        </p:spPr>
+        <p:txBody>
+          <a:bodyPr vert="horz" wrap="square" lIns="91440" tIns="45720" rIns="91440" bIns="45720" anchor="ctr" anchorCtr="0">
+            <a:spAutoFit/>
+          </a:bodyPr>
+          <a:p>
+            <a:pPr marL="800100" lvl="1" indent="-342900" algn="l">
+              <a:buFont typeface="Wingdings" panose="05000000000000000000" pitchFamily="2" charset="2"/>
+              <a:buChar char="u"/>
+            </a:pPr>
+            <a:r>
+              <a:rPr lang="zh-CN" sz="1600" dirty="0">
+                <a:solidFill>
+                  <a:srgbClr val="474747"/>
+                </a:solidFill>
+                <a:latin typeface="微软雅黑" panose="020B0503020204020204" charset="-122"/>
+                <a:ea typeface="微软雅黑" panose="020B0503020204020204" charset="-122"/>
+                <a:cs typeface="微软雅黑" panose="020B0503020204020204" charset="-122"/>
+                <a:sym typeface="+mn-ea"/>
+              </a:rPr>
+              <a:t>删除切片中的元素</a:t>
+            </a:r>
+            <a:endParaRPr lang="zh-CN" sz="1600" dirty="0">
+              <a:solidFill>
+                <a:srgbClr val="474747"/>
+              </a:solidFill>
+              <a:latin typeface="微软雅黑" panose="020B0503020204020204" charset="-122"/>
+              <a:ea typeface="微软雅黑" panose="020B0503020204020204" charset="-122"/>
+              <a:cs typeface="微软雅黑" panose="020B0503020204020204" charset="-122"/>
+              <a:sym typeface="+mn-ea"/>
             </a:endParaRPr>
           </a:p>
         </p:txBody>
